--- a/presentation_slides.pptx
+++ b/presentation_slides.pptx
@@ -4,8 +4,20 @@
   <p:sldMasterIdLst>
     <p:sldMasterId id="2147483648" r:id="rId1"/>
   </p:sldMasterIdLst>
+  <p:notesMasterIdLst>
+    <p:notesMasterId r:id="rId12"/>
+  </p:notesMasterIdLst>
   <p:sldIdLst>
     <p:sldId id="256" r:id="rId2"/>
+    <p:sldId id="257" r:id="rId3"/>
+    <p:sldId id="258" r:id="rId4"/>
+    <p:sldId id="265" r:id="rId5"/>
+    <p:sldId id="259" r:id="rId6"/>
+    <p:sldId id="260" r:id="rId7"/>
+    <p:sldId id="261" r:id="rId8"/>
+    <p:sldId id="264" r:id="rId9"/>
+    <p:sldId id="262" r:id="rId10"/>
+    <p:sldId id="263" r:id="rId11"/>
   </p:sldIdLst>
   <p:sldSz cx="12192000" cy="6858000"/>
   <p:notesSz cx="6858000" cy="9144000"/>
@@ -104,7 +116,2119 @@
       </a:defRPr>
     </a:lvl9pPr>
   </p:defaultTextStyle>
+  <p:extLst>
+    <p:ext uri="{EFAFB233-063F-42B5-8137-9DF3F51BA10A}">
+      <p15:sldGuideLst xmlns:p15="http://schemas.microsoft.com/office/powerpoint/2012/main"/>
+    </p:ext>
+  </p:extLst>
 </p:presentation>
+</file>
+
+<file path=ppt/charts/chart1.xml><?xml version="1.0" encoding="utf-8"?>
+<c:chartSpace xmlns:c="http://schemas.openxmlformats.org/drawingml/2006/chart" xmlns:a="http://schemas.openxmlformats.org/drawingml/2006/main" xmlns:r="http://schemas.openxmlformats.org/officeDocument/2006/relationships">
+  <c:date1904 val="0"/>
+  <c:lang val="ja-JP"/>
+  <c:roundedCorners val="0"/>
+  <mc:AlternateContent xmlns:mc="http://schemas.openxmlformats.org/markup-compatibility/2006">
+    <mc:Choice xmlns:c14="http://schemas.microsoft.com/office/drawing/2007/8/2/chart" Requires="c14">
+      <c14:style val="108"/>
+    </mc:Choice>
+    <mc:Fallback>
+      <c:style val="8"/>
+    </mc:Fallback>
+  </mc:AlternateContent>
+  <c:chart>
+    <c:title>
+      <c:layout/>
+      <c:overlay val="0"/>
+      <c:spPr>
+        <a:noFill/>
+        <a:ln>
+          <a:noFill/>
+        </a:ln>
+        <a:effectLst/>
+      </c:spPr>
+      <c:txPr>
+        <a:bodyPr rot="0" spcFirstLastPara="1" vertOverflow="ellipsis" vert="horz" wrap="square" anchor="ctr" anchorCtr="1"/>
+        <a:lstStyle/>
+        <a:p>
+          <a:pPr>
+            <a:defRPr sz="1862" b="0" i="0" u="none" strike="noStrike" kern="1200" spc="0" baseline="0">
+              <a:solidFill>
+                <a:schemeClr val="tx1">
+                  <a:lumMod val="65000"/>
+                  <a:lumOff val="35000"/>
+                </a:schemeClr>
+              </a:solidFill>
+              <a:latin typeface="+mn-lt"/>
+              <a:ea typeface="+mn-ea"/>
+              <a:cs typeface="+mn-cs"/>
+            </a:defRPr>
+          </a:pPr>
+          <a:endParaRPr lang="ja-JP"/>
+        </a:p>
+      </c:txPr>
+    </c:title>
+    <c:autoTitleDeleted val="0"/>
+    <c:plotArea>
+      <c:layout/>
+      <c:pieChart>
+        <c:varyColors val="1"/>
+        <c:ser>
+          <c:idx val="0"/>
+          <c:order val="0"/>
+          <c:tx>
+            <c:strRef>
+              <c:f>Sheet1!$B$1</c:f>
+              <c:strCache>
+                <c:ptCount val="1"/>
+                <c:pt idx="0">
+                  <c:v>IP アドレス</c:v>
+                </c:pt>
+              </c:strCache>
+            </c:strRef>
+          </c:tx>
+          <c:dPt>
+            <c:idx val="0"/>
+            <c:bubble3D val="0"/>
+            <c:spPr>
+              <a:solidFill>
+                <a:schemeClr val="accent6">
+                  <a:tint val="77000"/>
+                </a:schemeClr>
+              </a:solidFill>
+              <a:ln w="19050">
+                <a:solidFill>
+                  <a:schemeClr val="lt1"/>
+                </a:solidFill>
+              </a:ln>
+              <a:effectLst/>
+            </c:spPr>
+          </c:dPt>
+          <c:dPt>
+            <c:idx val="1"/>
+            <c:bubble3D val="0"/>
+            <c:spPr>
+              <a:solidFill>
+                <a:schemeClr val="accent6">
+                  <a:shade val="76000"/>
+                </a:schemeClr>
+              </a:solidFill>
+              <a:ln w="19050">
+                <a:solidFill>
+                  <a:schemeClr val="lt1"/>
+                </a:solidFill>
+              </a:ln>
+              <a:effectLst/>
+            </c:spPr>
+          </c:dPt>
+          <c:dLbls>
+            <c:spPr>
+              <a:noFill/>
+              <a:ln>
+                <a:noFill/>
+              </a:ln>
+              <a:effectLst/>
+            </c:spPr>
+            <c:txPr>
+              <a:bodyPr rot="0" spcFirstLastPara="1" vertOverflow="ellipsis" vert="horz" wrap="square" lIns="38100" tIns="19050" rIns="38100" bIns="19050" anchor="ctr" anchorCtr="1">
+                <a:spAutoFit/>
+              </a:bodyPr>
+              <a:lstStyle/>
+              <a:p>
+                <a:pPr>
+                  <a:defRPr sz="1197" b="0" i="0" u="none" strike="noStrike" kern="1200" baseline="0">
+                    <a:solidFill>
+                      <a:schemeClr val="tx1">
+                        <a:lumMod val="75000"/>
+                        <a:lumOff val="25000"/>
+                      </a:schemeClr>
+                    </a:solidFill>
+                    <a:latin typeface="+mn-lt"/>
+                    <a:ea typeface="+mn-ea"/>
+                    <a:cs typeface="+mn-cs"/>
+                  </a:defRPr>
+                </a:pPr>
+                <a:endParaRPr lang="ja-JP"/>
+              </a:p>
+            </c:txPr>
+            <c:dLblPos val="inEnd"/>
+            <c:showLegendKey val="0"/>
+            <c:showVal val="1"/>
+            <c:showCatName val="1"/>
+            <c:showSerName val="0"/>
+            <c:showPercent val="0"/>
+            <c:showBubbleSize val="0"/>
+            <c:separator>
+</c:separator>
+            <c:showLeaderLines val="1"/>
+            <c:leaderLines>
+              <c:spPr>
+                <a:ln w="9525" cap="flat" cmpd="sng" algn="ctr">
+                  <a:solidFill>
+                    <a:schemeClr val="tx1">
+                      <a:lumMod val="35000"/>
+                      <a:lumOff val="65000"/>
+                    </a:schemeClr>
+                  </a:solidFill>
+                  <a:round/>
+                </a:ln>
+                <a:effectLst/>
+              </c:spPr>
+            </c:leaderLines>
+            <c:extLst>
+              <c:ext xmlns:c15="http://schemas.microsoft.com/office/drawing/2012/chart" uri="{CE6537A1-D6FC-4f65-9D91-7224C49458BB}">
+                <c15:layout/>
+              </c:ext>
+            </c:extLst>
+          </c:dLbls>
+          <c:cat>
+            <c:strRef>
+              <c:f>Sheet1!$A$2:$A$3</c:f>
+              <c:strCache>
+                <c:ptCount val="2"/>
+                <c:pt idx="0">
+                  <c:v>特定可能</c:v>
+                </c:pt>
+                <c:pt idx="1">
+                  <c:v>特定不可</c:v>
+                </c:pt>
+              </c:strCache>
+            </c:strRef>
+          </c:cat>
+          <c:val>
+            <c:numRef>
+              <c:f>Sheet1!$B$2:$B$3</c:f>
+              <c:numCache>
+                <c:formatCode>General</c:formatCode>
+                <c:ptCount val="2"/>
+                <c:pt idx="0">
+                  <c:v>9.0</c:v>
+                </c:pt>
+                <c:pt idx="1">
+                  <c:v>6.0</c:v>
+                </c:pt>
+              </c:numCache>
+            </c:numRef>
+          </c:val>
+        </c:ser>
+        <c:dLbls>
+          <c:dLblPos val="inEnd"/>
+          <c:showLegendKey val="0"/>
+          <c:showVal val="0"/>
+          <c:showCatName val="0"/>
+          <c:showSerName val="0"/>
+          <c:showPercent val="1"/>
+          <c:showBubbleSize val="0"/>
+          <c:showLeaderLines val="1"/>
+        </c:dLbls>
+        <c:firstSliceAng val="0"/>
+      </c:pieChart>
+      <c:spPr>
+        <a:noFill/>
+        <a:ln>
+          <a:noFill/>
+        </a:ln>
+        <a:effectLst/>
+      </c:spPr>
+    </c:plotArea>
+    <c:legend>
+      <c:legendPos val="b"/>
+      <c:layout/>
+      <c:overlay val="0"/>
+      <c:spPr>
+        <a:noFill/>
+        <a:ln>
+          <a:noFill/>
+        </a:ln>
+        <a:effectLst/>
+      </c:spPr>
+      <c:txPr>
+        <a:bodyPr rot="0" spcFirstLastPara="1" vertOverflow="ellipsis" vert="horz" wrap="square" anchor="ctr" anchorCtr="1"/>
+        <a:lstStyle/>
+        <a:p>
+          <a:pPr>
+            <a:defRPr sz="1197" b="0" i="0" u="none" strike="noStrike" kern="1200" baseline="0">
+              <a:solidFill>
+                <a:schemeClr val="tx1">
+                  <a:lumMod val="65000"/>
+                  <a:lumOff val="35000"/>
+                </a:schemeClr>
+              </a:solidFill>
+              <a:latin typeface="+mn-lt"/>
+              <a:ea typeface="+mn-ea"/>
+              <a:cs typeface="+mn-cs"/>
+            </a:defRPr>
+          </a:pPr>
+          <a:endParaRPr lang="ja-JP"/>
+        </a:p>
+      </c:txPr>
+    </c:legend>
+    <c:plotVisOnly val="1"/>
+    <c:dispBlanksAs val="gap"/>
+    <c:showDLblsOverMax val="0"/>
+  </c:chart>
+  <c:spPr>
+    <a:noFill/>
+    <a:ln>
+      <a:noFill/>
+    </a:ln>
+    <a:effectLst/>
+  </c:spPr>
+  <c:txPr>
+    <a:bodyPr/>
+    <a:lstStyle/>
+    <a:p>
+      <a:pPr>
+        <a:defRPr/>
+      </a:pPr>
+      <a:endParaRPr lang="ja-JP"/>
+    </a:p>
+  </c:txPr>
+  <c:externalData r:id="rId3">
+    <c:autoUpdate val="0"/>
+  </c:externalData>
+</c:chartSpace>
+</file>
+
+<file path=ppt/charts/chart2.xml><?xml version="1.0" encoding="utf-8"?>
+<c:chartSpace xmlns:c="http://schemas.openxmlformats.org/drawingml/2006/chart" xmlns:a="http://schemas.openxmlformats.org/drawingml/2006/main" xmlns:r="http://schemas.openxmlformats.org/officeDocument/2006/relationships">
+  <c:date1904 val="0"/>
+  <c:lang val="ja-JP"/>
+  <c:roundedCorners val="0"/>
+  <mc:AlternateContent xmlns:mc="http://schemas.openxmlformats.org/markup-compatibility/2006">
+    <mc:Choice xmlns:c14="http://schemas.microsoft.com/office/drawing/2007/8/2/chart" Requires="c14">
+      <c14:style val="106"/>
+    </mc:Choice>
+    <mc:Fallback>
+      <c:style val="6"/>
+    </mc:Fallback>
+  </mc:AlternateContent>
+  <c:chart>
+    <c:title>
+      <c:layout/>
+      <c:overlay val="0"/>
+      <c:spPr>
+        <a:noFill/>
+        <a:ln>
+          <a:noFill/>
+        </a:ln>
+        <a:effectLst/>
+      </c:spPr>
+      <c:txPr>
+        <a:bodyPr rot="0" spcFirstLastPara="1" vertOverflow="ellipsis" vert="horz" wrap="square" anchor="ctr" anchorCtr="1"/>
+        <a:lstStyle/>
+        <a:p>
+          <a:pPr>
+            <a:defRPr sz="1862" b="0" i="0" u="none" strike="noStrike" kern="1200" spc="0" baseline="0">
+              <a:solidFill>
+                <a:schemeClr val="tx1">
+                  <a:lumMod val="65000"/>
+                  <a:lumOff val="35000"/>
+                </a:schemeClr>
+              </a:solidFill>
+              <a:latin typeface="+mn-lt"/>
+              <a:ea typeface="+mn-ea"/>
+              <a:cs typeface="+mn-cs"/>
+            </a:defRPr>
+          </a:pPr>
+          <a:endParaRPr lang="ja-JP"/>
+        </a:p>
+      </c:txPr>
+    </c:title>
+    <c:autoTitleDeleted val="0"/>
+    <c:plotArea>
+      <c:layout/>
+      <c:pieChart>
+        <c:varyColors val="1"/>
+        <c:ser>
+          <c:idx val="0"/>
+          <c:order val="0"/>
+          <c:tx>
+            <c:strRef>
+              <c:f>Sheet1!$B$1</c:f>
+              <c:strCache>
+                <c:ptCount val="1"/>
+                <c:pt idx="0">
+                  <c:v>Cookie</c:v>
+                </c:pt>
+              </c:strCache>
+            </c:strRef>
+          </c:tx>
+          <c:dPt>
+            <c:idx val="0"/>
+            <c:bubble3D val="0"/>
+            <c:spPr>
+              <a:solidFill>
+                <a:schemeClr val="accent4">
+                  <a:tint val="77000"/>
+                </a:schemeClr>
+              </a:solidFill>
+              <a:ln w="19050">
+                <a:solidFill>
+                  <a:schemeClr val="lt1"/>
+                </a:solidFill>
+              </a:ln>
+              <a:effectLst/>
+            </c:spPr>
+          </c:dPt>
+          <c:dPt>
+            <c:idx val="1"/>
+            <c:bubble3D val="0"/>
+            <c:spPr>
+              <a:solidFill>
+                <a:schemeClr val="accent4">
+                  <a:shade val="76000"/>
+                </a:schemeClr>
+              </a:solidFill>
+              <a:ln w="19050">
+                <a:solidFill>
+                  <a:schemeClr val="lt1"/>
+                </a:solidFill>
+              </a:ln>
+              <a:effectLst/>
+            </c:spPr>
+          </c:dPt>
+          <c:dLbls>
+            <c:spPr>
+              <a:noFill/>
+              <a:ln>
+                <a:noFill/>
+              </a:ln>
+              <a:effectLst/>
+            </c:spPr>
+            <c:txPr>
+              <a:bodyPr rot="0" spcFirstLastPara="1" vertOverflow="ellipsis" vert="horz" wrap="square" lIns="38100" tIns="19050" rIns="38100" bIns="19050" anchor="ctr" anchorCtr="1">
+                <a:spAutoFit/>
+              </a:bodyPr>
+              <a:lstStyle/>
+              <a:p>
+                <a:pPr>
+                  <a:defRPr sz="1197" b="0" i="0" u="none" strike="noStrike" kern="1200" baseline="0">
+                    <a:solidFill>
+                      <a:schemeClr val="tx1">
+                        <a:lumMod val="75000"/>
+                        <a:lumOff val="25000"/>
+                      </a:schemeClr>
+                    </a:solidFill>
+                    <a:latin typeface="+mn-lt"/>
+                    <a:ea typeface="+mn-ea"/>
+                    <a:cs typeface="+mn-cs"/>
+                  </a:defRPr>
+                </a:pPr>
+                <a:endParaRPr lang="ja-JP"/>
+              </a:p>
+            </c:txPr>
+            <c:dLblPos val="inEnd"/>
+            <c:showLegendKey val="0"/>
+            <c:showVal val="1"/>
+            <c:showCatName val="1"/>
+            <c:showSerName val="0"/>
+            <c:showPercent val="0"/>
+            <c:showBubbleSize val="0"/>
+            <c:separator>
+</c:separator>
+            <c:showLeaderLines val="1"/>
+            <c:leaderLines>
+              <c:spPr>
+                <a:ln w="9525" cap="flat" cmpd="sng" algn="ctr">
+                  <a:solidFill>
+                    <a:schemeClr val="tx1">
+                      <a:lumMod val="35000"/>
+                      <a:lumOff val="65000"/>
+                    </a:schemeClr>
+                  </a:solidFill>
+                  <a:round/>
+                </a:ln>
+                <a:effectLst/>
+              </c:spPr>
+            </c:leaderLines>
+            <c:extLst>
+              <c:ext xmlns:c15="http://schemas.microsoft.com/office/drawing/2012/chart" uri="{CE6537A1-D6FC-4f65-9D91-7224C49458BB}">
+                <c15:layout/>
+              </c:ext>
+            </c:extLst>
+          </c:dLbls>
+          <c:cat>
+            <c:strRef>
+              <c:f>Sheet1!$A$2:$A$3</c:f>
+              <c:strCache>
+                <c:ptCount val="2"/>
+                <c:pt idx="0">
+                  <c:v>特定可能</c:v>
+                </c:pt>
+                <c:pt idx="1">
+                  <c:v>特定不可</c:v>
+                </c:pt>
+              </c:strCache>
+            </c:strRef>
+          </c:cat>
+          <c:val>
+            <c:numRef>
+              <c:f>Sheet1!$B$2:$B$3</c:f>
+              <c:numCache>
+                <c:formatCode>General</c:formatCode>
+                <c:ptCount val="2"/>
+                <c:pt idx="0">
+                  <c:v>13.0</c:v>
+                </c:pt>
+                <c:pt idx="1">
+                  <c:v>2.0</c:v>
+                </c:pt>
+              </c:numCache>
+            </c:numRef>
+          </c:val>
+        </c:ser>
+        <c:dLbls>
+          <c:dLblPos val="inEnd"/>
+          <c:showLegendKey val="0"/>
+          <c:showVal val="0"/>
+          <c:showCatName val="0"/>
+          <c:showSerName val="0"/>
+          <c:showPercent val="1"/>
+          <c:showBubbleSize val="0"/>
+          <c:showLeaderLines val="1"/>
+        </c:dLbls>
+        <c:firstSliceAng val="0"/>
+      </c:pieChart>
+      <c:spPr>
+        <a:noFill/>
+        <a:ln>
+          <a:noFill/>
+        </a:ln>
+        <a:effectLst/>
+      </c:spPr>
+    </c:plotArea>
+    <c:legend>
+      <c:legendPos val="b"/>
+      <c:layout/>
+      <c:overlay val="0"/>
+      <c:spPr>
+        <a:noFill/>
+        <a:ln>
+          <a:noFill/>
+        </a:ln>
+        <a:effectLst/>
+      </c:spPr>
+      <c:txPr>
+        <a:bodyPr rot="0" spcFirstLastPara="1" vertOverflow="ellipsis" vert="horz" wrap="square" anchor="ctr" anchorCtr="1"/>
+        <a:lstStyle/>
+        <a:p>
+          <a:pPr>
+            <a:defRPr sz="1197" b="0" i="0" u="none" strike="noStrike" kern="1200" baseline="0">
+              <a:solidFill>
+                <a:schemeClr val="tx1">
+                  <a:lumMod val="65000"/>
+                  <a:lumOff val="35000"/>
+                </a:schemeClr>
+              </a:solidFill>
+              <a:latin typeface="+mn-lt"/>
+              <a:ea typeface="+mn-ea"/>
+              <a:cs typeface="+mn-cs"/>
+            </a:defRPr>
+          </a:pPr>
+          <a:endParaRPr lang="ja-JP"/>
+        </a:p>
+      </c:txPr>
+    </c:legend>
+    <c:plotVisOnly val="1"/>
+    <c:dispBlanksAs val="gap"/>
+    <c:showDLblsOverMax val="0"/>
+  </c:chart>
+  <c:spPr>
+    <a:noFill/>
+    <a:ln>
+      <a:noFill/>
+    </a:ln>
+    <a:effectLst/>
+  </c:spPr>
+  <c:txPr>
+    <a:bodyPr/>
+    <a:lstStyle/>
+    <a:p>
+      <a:pPr>
+        <a:defRPr/>
+      </a:pPr>
+      <a:endParaRPr lang="ja-JP"/>
+    </a:p>
+  </c:txPr>
+  <c:externalData r:id="rId3">
+    <c:autoUpdate val="0"/>
+  </c:externalData>
+</c:chartSpace>
+</file>
+
+<file path=ppt/charts/colors1.xml><?xml version="1.0" encoding="utf-8"?>
+<cs:colorStyle xmlns:cs="http://schemas.microsoft.com/office/drawing/2012/chartStyle" xmlns:a="http://schemas.openxmlformats.org/drawingml/2006/main" meth="withinLinearReversed" id="26">
+  <a:schemeClr val="accent6"/>
+</cs:colorStyle>
+</file>
+
+<file path=ppt/charts/colors2.xml><?xml version="1.0" encoding="utf-8"?>
+<cs:colorStyle xmlns:cs="http://schemas.microsoft.com/office/drawing/2012/chartStyle" xmlns:a="http://schemas.openxmlformats.org/drawingml/2006/main" meth="withinLinearReversed" id="24">
+  <a:schemeClr val="accent4"/>
+</cs:colorStyle>
+</file>
+
+<file path=ppt/charts/style1.xml><?xml version="1.0" encoding="utf-8"?>
+<cs:chartStyle xmlns:cs="http://schemas.microsoft.com/office/drawing/2012/chartStyle" xmlns:a="http://schemas.openxmlformats.org/drawingml/2006/main" id="251">
+  <cs:axisTitle>
+    <cs:lnRef idx="0"/>
+    <cs:fillRef idx="0"/>
+    <cs:effectRef idx="0"/>
+    <cs:fontRef idx="minor">
+      <a:schemeClr val="tx1">
+        <a:lumMod val="65000"/>
+        <a:lumOff val="35000"/>
+      </a:schemeClr>
+    </cs:fontRef>
+    <cs:defRPr sz="1330" kern="1200"/>
+  </cs:axisTitle>
+  <cs:categoryAxis>
+    <cs:lnRef idx="0"/>
+    <cs:fillRef idx="0"/>
+    <cs:effectRef idx="0"/>
+    <cs:fontRef idx="minor">
+      <a:schemeClr val="tx1">
+        <a:lumMod val="65000"/>
+        <a:lumOff val="35000"/>
+      </a:schemeClr>
+    </cs:fontRef>
+    <cs:spPr>
+      <a:ln w="9525" cap="flat" cmpd="sng" algn="ctr">
+        <a:solidFill>
+          <a:schemeClr val="tx1">
+            <a:lumMod val="15000"/>
+            <a:lumOff val="85000"/>
+          </a:schemeClr>
+        </a:solidFill>
+        <a:round/>
+      </a:ln>
+    </cs:spPr>
+    <cs:defRPr sz="1197" kern="1200"/>
+  </cs:categoryAxis>
+  <cs:chartArea mods="allowNoFillOverride allowNoLineOverride">
+    <cs:lnRef idx="0"/>
+    <cs:fillRef idx="0"/>
+    <cs:effectRef idx="0"/>
+    <cs:fontRef idx="minor">
+      <a:schemeClr val="tx1"/>
+    </cs:fontRef>
+    <cs:spPr>
+      <a:solidFill>
+        <a:schemeClr val="bg1"/>
+      </a:solidFill>
+      <a:ln w="9525" cap="flat" cmpd="sng" algn="ctr">
+        <a:solidFill>
+          <a:schemeClr val="tx1">
+            <a:lumMod val="15000"/>
+            <a:lumOff val="85000"/>
+          </a:schemeClr>
+        </a:solidFill>
+        <a:round/>
+      </a:ln>
+    </cs:spPr>
+    <cs:defRPr sz="1197" kern="1200"/>
+  </cs:chartArea>
+  <cs:dataLabel>
+    <cs:lnRef idx="0"/>
+    <cs:fillRef idx="0"/>
+    <cs:effectRef idx="0"/>
+    <cs:fontRef idx="minor">
+      <a:schemeClr val="tx1">
+        <a:lumMod val="75000"/>
+        <a:lumOff val="25000"/>
+      </a:schemeClr>
+    </cs:fontRef>
+    <cs:defRPr sz="1197" kern="1200"/>
+  </cs:dataLabel>
+  <cs:dataLabelCallout>
+    <cs:lnRef idx="0"/>
+    <cs:fillRef idx="0"/>
+    <cs:effectRef idx="0"/>
+    <cs:fontRef idx="minor">
+      <a:schemeClr val="dk1">
+        <a:lumMod val="65000"/>
+        <a:lumOff val="35000"/>
+      </a:schemeClr>
+    </cs:fontRef>
+    <cs:spPr>
+      <a:solidFill>
+        <a:schemeClr val="lt1"/>
+      </a:solidFill>
+      <a:ln>
+        <a:solidFill>
+          <a:schemeClr val="dk1">
+            <a:lumMod val="25000"/>
+            <a:lumOff val="75000"/>
+          </a:schemeClr>
+        </a:solidFill>
+      </a:ln>
+    </cs:spPr>
+    <cs:defRPr sz="1197" kern="1200"/>
+    <cs:bodyPr rot="0" spcFirstLastPara="1" vertOverflow="clip" horzOverflow="clip" vert="horz" wrap="square" lIns="36576" tIns="18288" rIns="36576" bIns="18288" anchor="ctr" anchorCtr="1">
+      <a:spAutoFit/>
+    </cs:bodyPr>
+  </cs:dataLabelCallout>
+  <cs:dataPoint>
+    <cs:lnRef idx="0"/>
+    <cs:fillRef idx="1">
+      <cs:styleClr val="auto"/>
+    </cs:fillRef>
+    <cs:effectRef idx="0"/>
+    <cs:fontRef idx="minor">
+      <a:schemeClr val="tx1"/>
+    </cs:fontRef>
+    <cs:spPr>
+      <a:ln w="19050">
+        <a:solidFill>
+          <a:schemeClr val="lt1"/>
+        </a:solidFill>
+      </a:ln>
+    </cs:spPr>
+  </cs:dataPoint>
+  <cs:dataPoint3D>
+    <cs:lnRef idx="0"/>
+    <cs:fillRef idx="1">
+      <cs:styleClr val="auto"/>
+    </cs:fillRef>
+    <cs:effectRef idx="0"/>
+    <cs:fontRef idx="minor">
+      <a:schemeClr val="tx1"/>
+    </cs:fontRef>
+    <cs:spPr>
+      <a:ln w="25400">
+        <a:solidFill>
+          <a:schemeClr val="lt1"/>
+        </a:solidFill>
+      </a:ln>
+    </cs:spPr>
+  </cs:dataPoint3D>
+  <cs:dataPointLine>
+    <cs:lnRef idx="0">
+      <cs:styleClr val="auto"/>
+    </cs:lnRef>
+    <cs:fillRef idx="0"/>
+    <cs:effectRef idx="0"/>
+    <cs:fontRef idx="minor">
+      <a:schemeClr val="tx1"/>
+    </cs:fontRef>
+    <cs:spPr>
+      <a:ln w="28575" cap="rnd">
+        <a:solidFill>
+          <a:schemeClr val="phClr"/>
+        </a:solidFill>
+        <a:round/>
+      </a:ln>
+    </cs:spPr>
+  </cs:dataPointLine>
+  <cs:dataPointMarker>
+    <cs:lnRef idx="0">
+      <cs:styleClr val="auto"/>
+    </cs:lnRef>
+    <cs:fillRef idx="1">
+      <cs:styleClr val="auto"/>
+    </cs:fillRef>
+    <cs:effectRef idx="0"/>
+    <cs:fontRef idx="minor">
+      <a:schemeClr val="tx1"/>
+    </cs:fontRef>
+    <cs:spPr>
+      <a:ln w="9525">
+        <a:solidFill>
+          <a:schemeClr val="phClr"/>
+        </a:solidFill>
+      </a:ln>
+    </cs:spPr>
+  </cs:dataPointMarker>
+  <cs:dataPointMarkerLayout symbol="circle" size="5"/>
+  <cs:dataPointWireframe>
+    <cs:lnRef idx="0">
+      <cs:styleClr val="auto"/>
+    </cs:lnRef>
+    <cs:fillRef idx="0"/>
+    <cs:effectRef idx="0"/>
+    <cs:fontRef idx="minor">
+      <a:schemeClr val="tx1"/>
+    </cs:fontRef>
+    <cs:spPr>
+      <a:ln w="9525" cap="rnd">
+        <a:solidFill>
+          <a:schemeClr val="phClr"/>
+        </a:solidFill>
+        <a:round/>
+      </a:ln>
+    </cs:spPr>
+  </cs:dataPointWireframe>
+  <cs:dataTable>
+    <cs:lnRef idx="0"/>
+    <cs:fillRef idx="0"/>
+    <cs:effectRef idx="0"/>
+    <cs:fontRef idx="minor">
+      <a:schemeClr val="tx1">
+        <a:lumMod val="65000"/>
+        <a:lumOff val="35000"/>
+      </a:schemeClr>
+    </cs:fontRef>
+    <cs:spPr>
+      <a:noFill/>
+      <a:ln w="9525" cap="flat" cmpd="sng" algn="ctr">
+        <a:solidFill>
+          <a:schemeClr val="tx1">
+            <a:lumMod val="15000"/>
+            <a:lumOff val="85000"/>
+          </a:schemeClr>
+        </a:solidFill>
+        <a:round/>
+      </a:ln>
+    </cs:spPr>
+    <cs:defRPr sz="1197" kern="1200"/>
+  </cs:dataTable>
+  <cs:downBar>
+    <cs:lnRef idx="0"/>
+    <cs:fillRef idx="0"/>
+    <cs:effectRef idx="0"/>
+    <cs:fontRef idx="minor">
+      <a:schemeClr val="tx1"/>
+    </cs:fontRef>
+    <cs:spPr>
+      <a:solidFill>
+        <a:schemeClr val="dk1">
+          <a:lumMod val="75000"/>
+          <a:lumOff val="25000"/>
+        </a:schemeClr>
+      </a:solidFill>
+      <a:ln w="9525" cap="flat" cmpd="sng" algn="ctr">
+        <a:solidFill>
+          <a:schemeClr val="tx1">
+            <a:lumMod val="65000"/>
+            <a:lumOff val="35000"/>
+          </a:schemeClr>
+        </a:solidFill>
+        <a:round/>
+      </a:ln>
+    </cs:spPr>
+  </cs:downBar>
+  <cs:dropLine>
+    <cs:lnRef idx="0"/>
+    <cs:fillRef idx="0"/>
+    <cs:effectRef idx="0"/>
+    <cs:fontRef idx="minor">
+      <a:schemeClr val="tx1"/>
+    </cs:fontRef>
+    <cs:spPr>
+      <a:ln w="9525" cap="flat" cmpd="sng" algn="ctr">
+        <a:solidFill>
+          <a:schemeClr val="tx1">
+            <a:lumMod val="35000"/>
+            <a:lumOff val="65000"/>
+          </a:schemeClr>
+        </a:solidFill>
+        <a:round/>
+      </a:ln>
+    </cs:spPr>
+  </cs:dropLine>
+  <cs:errorBar>
+    <cs:lnRef idx="0"/>
+    <cs:fillRef idx="0"/>
+    <cs:effectRef idx="0"/>
+    <cs:fontRef idx="minor">
+      <a:schemeClr val="tx1"/>
+    </cs:fontRef>
+    <cs:spPr>
+      <a:ln w="9525" cap="flat" cmpd="sng" algn="ctr">
+        <a:solidFill>
+          <a:schemeClr val="tx1">
+            <a:lumMod val="65000"/>
+            <a:lumOff val="35000"/>
+          </a:schemeClr>
+        </a:solidFill>
+        <a:round/>
+      </a:ln>
+    </cs:spPr>
+  </cs:errorBar>
+  <cs:floor>
+    <cs:lnRef idx="0"/>
+    <cs:fillRef idx="0"/>
+    <cs:effectRef idx="0"/>
+    <cs:fontRef idx="minor">
+      <a:schemeClr val="tx1"/>
+    </cs:fontRef>
+    <cs:spPr>
+      <a:noFill/>
+      <a:ln>
+        <a:noFill/>
+      </a:ln>
+    </cs:spPr>
+  </cs:floor>
+  <cs:gridlineMajor>
+    <cs:lnRef idx="0"/>
+    <cs:fillRef idx="0"/>
+    <cs:effectRef idx="0"/>
+    <cs:fontRef idx="minor">
+      <a:schemeClr val="tx1"/>
+    </cs:fontRef>
+    <cs:spPr>
+      <a:ln w="9525" cap="flat" cmpd="sng" algn="ctr">
+        <a:solidFill>
+          <a:schemeClr val="tx1">
+            <a:lumMod val="15000"/>
+            <a:lumOff val="85000"/>
+          </a:schemeClr>
+        </a:solidFill>
+        <a:round/>
+      </a:ln>
+    </cs:spPr>
+  </cs:gridlineMajor>
+  <cs:gridlineMinor>
+    <cs:lnRef idx="0"/>
+    <cs:fillRef idx="0"/>
+    <cs:effectRef idx="0"/>
+    <cs:fontRef idx="minor">
+      <a:schemeClr val="tx1"/>
+    </cs:fontRef>
+    <cs:spPr>
+      <a:ln w="9525" cap="flat" cmpd="sng" algn="ctr">
+        <a:solidFill>
+          <a:schemeClr val="tx1">
+            <a:lumMod val="5000"/>
+            <a:lumOff val="95000"/>
+          </a:schemeClr>
+        </a:solidFill>
+        <a:round/>
+      </a:ln>
+    </cs:spPr>
+  </cs:gridlineMinor>
+  <cs:hiLoLine>
+    <cs:lnRef idx="0"/>
+    <cs:fillRef idx="0"/>
+    <cs:effectRef idx="0"/>
+    <cs:fontRef idx="minor">
+      <a:schemeClr val="tx1"/>
+    </cs:fontRef>
+    <cs:spPr>
+      <a:ln w="9525" cap="flat" cmpd="sng" algn="ctr">
+        <a:solidFill>
+          <a:schemeClr val="tx1">
+            <a:lumMod val="50000"/>
+            <a:lumOff val="50000"/>
+          </a:schemeClr>
+        </a:solidFill>
+        <a:round/>
+      </a:ln>
+    </cs:spPr>
+  </cs:hiLoLine>
+  <cs:leaderLine>
+    <cs:lnRef idx="0"/>
+    <cs:fillRef idx="0"/>
+    <cs:effectRef idx="0"/>
+    <cs:fontRef idx="minor">
+      <a:schemeClr val="tx1"/>
+    </cs:fontRef>
+    <cs:spPr>
+      <a:ln w="9525" cap="flat" cmpd="sng" algn="ctr">
+        <a:solidFill>
+          <a:schemeClr val="tx1">
+            <a:lumMod val="35000"/>
+            <a:lumOff val="65000"/>
+          </a:schemeClr>
+        </a:solidFill>
+        <a:round/>
+      </a:ln>
+    </cs:spPr>
+  </cs:leaderLine>
+  <cs:legend>
+    <cs:lnRef idx="0"/>
+    <cs:fillRef idx="0"/>
+    <cs:effectRef idx="0"/>
+    <cs:fontRef idx="minor">
+      <a:schemeClr val="tx1">
+        <a:lumMod val="65000"/>
+        <a:lumOff val="35000"/>
+      </a:schemeClr>
+    </cs:fontRef>
+    <cs:defRPr sz="1197" kern="1200"/>
+  </cs:legend>
+  <cs:plotArea mods="allowNoFillOverride allowNoLineOverride">
+    <cs:lnRef idx="0"/>
+    <cs:fillRef idx="0"/>
+    <cs:effectRef idx="0"/>
+    <cs:fontRef idx="minor">
+      <a:schemeClr val="tx1"/>
+    </cs:fontRef>
+  </cs:plotArea>
+  <cs:plotArea3D mods="allowNoFillOverride allowNoLineOverride">
+    <cs:lnRef idx="0"/>
+    <cs:fillRef idx="0"/>
+    <cs:effectRef idx="0"/>
+    <cs:fontRef idx="minor">
+      <a:schemeClr val="tx1"/>
+    </cs:fontRef>
+  </cs:plotArea3D>
+  <cs:seriesAxis>
+    <cs:lnRef idx="0"/>
+    <cs:fillRef idx="0"/>
+    <cs:effectRef idx="0"/>
+    <cs:fontRef idx="minor">
+      <a:schemeClr val="tx1">
+        <a:lumMod val="65000"/>
+        <a:lumOff val="35000"/>
+      </a:schemeClr>
+    </cs:fontRef>
+    <cs:defRPr sz="1197" kern="1200"/>
+  </cs:seriesAxis>
+  <cs:seriesLine>
+    <cs:lnRef idx="0"/>
+    <cs:fillRef idx="0"/>
+    <cs:effectRef idx="0"/>
+    <cs:fontRef idx="minor">
+      <a:schemeClr val="tx1"/>
+    </cs:fontRef>
+    <cs:spPr>
+      <a:ln w="9525" cap="flat" cmpd="sng" algn="ctr">
+        <a:solidFill>
+          <a:schemeClr val="tx1">
+            <a:lumMod val="35000"/>
+            <a:lumOff val="65000"/>
+          </a:schemeClr>
+        </a:solidFill>
+        <a:round/>
+      </a:ln>
+    </cs:spPr>
+  </cs:seriesLine>
+  <cs:title>
+    <cs:lnRef idx="0"/>
+    <cs:fillRef idx="0"/>
+    <cs:effectRef idx="0"/>
+    <cs:fontRef idx="minor">
+      <a:schemeClr val="tx1">
+        <a:lumMod val="65000"/>
+        <a:lumOff val="35000"/>
+      </a:schemeClr>
+    </cs:fontRef>
+    <cs:defRPr sz="1862" b="0" kern="1200" spc="0" baseline="0"/>
+  </cs:title>
+  <cs:trendline>
+    <cs:lnRef idx="0">
+      <cs:styleClr val="auto"/>
+    </cs:lnRef>
+    <cs:fillRef idx="0"/>
+    <cs:effectRef idx="0"/>
+    <cs:fontRef idx="minor">
+      <a:schemeClr val="tx1"/>
+    </cs:fontRef>
+    <cs:spPr>
+      <a:ln w="19050" cap="rnd">
+        <a:solidFill>
+          <a:schemeClr val="phClr"/>
+        </a:solidFill>
+        <a:prstDash val="sysDot"/>
+      </a:ln>
+    </cs:spPr>
+  </cs:trendline>
+  <cs:trendlineLabel>
+    <cs:lnRef idx="0"/>
+    <cs:fillRef idx="0"/>
+    <cs:effectRef idx="0"/>
+    <cs:fontRef idx="minor">
+      <a:schemeClr val="tx1">
+        <a:lumMod val="65000"/>
+        <a:lumOff val="35000"/>
+      </a:schemeClr>
+    </cs:fontRef>
+    <cs:defRPr sz="1197" kern="1200"/>
+  </cs:trendlineLabel>
+  <cs:upBar>
+    <cs:lnRef idx="0"/>
+    <cs:fillRef idx="0"/>
+    <cs:effectRef idx="0"/>
+    <cs:fontRef idx="minor">
+      <a:schemeClr val="tx1"/>
+    </cs:fontRef>
+    <cs:spPr>
+      <a:solidFill>
+        <a:schemeClr val="lt1"/>
+      </a:solidFill>
+      <a:ln w="9525" cap="flat" cmpd="sng" algn="ctr">
+        <a:solidFill>
+          <a:schemeClr val="tx1">
+            <a:lumMod val="65000"/>
+            <a:lumOff val="35000"/>
+          </a:schemeClr>
+        </a:solidFill>
+        <a:round/>
+      </a:ln>
+    </cs:spPr>
+  </cs:upBar>
+  <cs:valueAxis>
+    <cs:lnRef idx="0"/>
+    <cs:fillRef idx="0"/>
+    <cs:effectRef idx="0"/>
+    <cs:fontRef idx="minor">
+      <a:schemeClr val="tx1">
+        <a:lumMod val="65000"/>
+        <a:lumOff val="35000"/>
+      </a:schemeClr>
+    </cs:fontRef>
+    <cs:defRPr sz="1197" kern="1200"/>
+  </cs:valueAxis>
+  <cs:wall>
+    <cs:lnRef idx="0"/>
+    <cs:fillRef idx="0"/>
+    <cs:effectRef idx="0"/>
+    <cs:fontRef idx="minor">
+      <a:schemeClr val="tx1"/>
+    </cs:fontRef>
+    <cs:spPr>
+      <a:noFill/>
+      <a:ln>
+        <a:noFill/>
+      </a:ln>
+    </cs:spPr>
+  </cs:wall>
+</cs:chartStyle>
+</file>
+
+<file path=ppt/charts/style2.xml><?xml version="1.0" encoding="utf-8"?>
+<cs:chartStyle xmlns:cs="http://schemas.microsoft.com/office/drawing/2012/chartStyle" xmlns:a="http://schemas.openxmlformats.org/drawingml/2006/main" id="251">
+  <cs:axisTitle>
+    <cs:lnRef idx="0"/>
+    <cs:fillRef idx="0"/>
+    <cs:effectRef idx="0"/>
+    <cs:fontRef idx="minor">
+      <a:schemeClr val="tx1">
+        <a:lumMod val="65000"/>
+        <a:lumOff val="35000"/>
+      </a:schemeClr>
+    </cs:fontRef>
+    <cs:defRPr sz="1330" kern="1200"/>
+  </cs:axisTitle>
+  <cs:categoryAxis>
+    <cs:lnRef idx="0"/>
+    <cs:fillRef idx="0"/>
+    <cs:effectRef idx="0"/>
+    <cs:fontRef idx="minor">
+      <a:schemeClr val="tx1">
+        <a:lumMod val="65000"/>
+        <a:lumOff val="35000"/>
+      </a:schemeClr>
+    </cs:fontRef>
+    <cs:spPr>
+      <a:ln w="9525" cap="flat" cmpd="sng" algn="ctr">
+        <a:solidFill>
+          <a:schemeClr val="tx1">
+            <a:lumMod val="15000"/>
+            <a:lumOff val="85000"/>
+          </a:schemeClr>
+        </a:solidFill>
+        <a:round/>
+      </a:ln>
+    </cs:spPr>
+    <cs:defRPr sz="1197" kern="1200"/>
+  </cs:categoryAxis>
+  <cs:chartArea mods="allowNoFillOverride allowNoLineOverride">
+    <cs:lnRef idx="0"/>
+    <cs:fillRef idx="0"/>
+    <cs:effectRef idx="0"/>
+    <cs:fontRef idx="minor">
+      <a:schemeClr val="tx1"/>
+    </cs:fontRef>
+    <cs:spPr>
+      <a:solidFill>
+        <a:schemeClr val="bg1"/>
+      </a:solidFill>
+      <a:ln w="9525" cap="flat" cmpd="sng" algn="ctr">
+        <a:solidFill>
+          <a:schemeClr val="tx1">
+            <a:lumMod val="15000"/>
+            <a:lumOff val="85000"/>
+          </a:schemeClr>
+        </a:solidFill>
+        <a:round/>
+      </a:ln>
+    </cs:spPr>
+    <cs:defRPr sz="1197" kern="1200"/>
+  </cs:chartArea>
+  <cs:dataLabel>
+    <cs:lnRef idx="0"/>
+    <cs:fillRef idx="0"/>
+    <cs:effectRef idx="0"/>
+    <cs:fontRef idx="minor">
+      <a:schemeClr val="tx1">
+        <a:lumMod val="75000"/>
+        <a:lumOff val="25000"/>
+      </a:schemeClr>
+    </cs:fontRef>
+    <cs:defRPr sz="1197" kern="1200"/>
+  </cs:dataLabel>
+  <cs:dataLabelCallout>
+    <cs:lnRef idx="0"/>
+    <cs:fillRef idx="0"/>
+    <cs:effectRef idx="0"/>
+    <cs:fontRef idx="minor">
+      <a:schemeClr val="dk1">
+        <a:lumMod val="65000"/>
+        <a:lumOff val="35000"/>
+      </a:schemeClr>
+    </cs:fontRef>
+    <cs:spPr>
+      <a:solidFill>
+        <a:schemeClr val="lt1"/>
+      </a:solidFill>
+      <a:ln>
+        <a:solidFill>
+          <a:schemeClr val="dk1">
+            <a:lumMod val="25000"/>
+            <a:lumOff val="75000"/>
+          </a:schemeClr>
+        </a:solidFill>
+      </a:ln>
+    </cs:spPr>
+    <cs:defRPr sz="1197" kern="1200"/>
+    <cs:bodyPr rot="0" spcFirstLastPara="1" vertOverflow="clip" horzOverflow="clip" vert="horz" wrap="square" lIns="36576" tIns="18288" rIns="36576" bIns="18288" anchor="ctr" anchorCtr="1">
+      <a:spAutoFit/>
+    </cs:bodyPr>
+  </cs:dataLabelCallout>
+  <cs:dataPoint>
+    <cs:lnRef idx="0"/>
+    <cs:fillRef idx="1">
+      <cs:styleClr val="auto"/>
+    </cs:fillRef>
+    <cs:effectRef idx="0"/>
+    <cs:fontRef idx="minor">
+      <a:schemeClr val="tx1"/>
+    </cs:fontRef>
+    <cs:spPr>
+      <a:ln w="19050">
+        <a:solidFill>
+          <a:schemeClr val="lt1"/>
+        </a:solidFill>
+      </a:ln>
+    </cs:spPr>
+  </cs:dataPoint>
+  <cs:dataPoint3D>
+    <cs:lnRef idx="0"/>
+    <cs:fillRef idx="1">
+      <cs:styleClr val="auto"/>
+    </cs:fillRef>
+    <cs:effectRef idx="0"/>
+    <cs:fontRef idx="minor">
+      <a:schemeClr val="tx1"/>
+    </cs:fontRef>
+    <cs:spPr>
+      <a:ln w="25400">
+        <a:solidFill>
+          <a:schemeClr val="lt1"/>
+        </a:solidFill>
+      </a:ln>
+    </cs:spPr>
+  </cs:dataPoint3D>
+  <cs:dataPointLine>
+    <cs:lnRef idx="0">
+      <cs:styleClr val="auto"/>
+    </cs:lnRef>
+    <cs:fillRef idx="0"/>
+    <cs:effectRef idx="0"/>
+    <cs:fontRef idx="minor">
+      <a:schemeClr val="tx1"/>
+    </cs:fontRef>
+    <cs:spPr>
+      <a:ln w="28575" cap="rnd">
+        <a:solidFill>
+          <a:schemeClr val="phClr"/>
+        </a:solidFill>
+        <a:round/>
+      </a:ln>
+    </cs:spPr>
+  </cs:dataPointLine>
+  <cs:dataPointMarker>
+    <cs:lnRef idx="0">
+      <cs:styleClr val="auto"/>
+    </cs:lnRef>
+    <cs:fillRef idx="1">
+      <cs:styleClr val="auto"/>
+    </cs:fillRef>
+    <cs:effectRef idx="0"/>
+    <cs:fontRef idx="minor">
+      <a:schemeClr val="tx1"/>
+    </cs:fontRef>
+    <cs:spPr>
+      <a:ln w="9525">
+        <a:solidFill>
+          <a:schemeClr val="phClr"/>
+        </a:solidFill>
+      </a:ln>
+    </cs:spPr>
+  </cs:dataPointMarker>
+  <cs:dataPointMarkerLayout symbol="circle" size="5"/>
+  <cs:dataPointWireframe>
+    <cs:lnRef idx="0">
+      <cs:styleClr val="auto"/>
+    </cs:lnRef>
+    <cs:fillRef idx="0"/>
+    <cs:effectRef idx="0"/>
+    <cs:fontRef idx="minor">
+      <a:schemeClr val="tx1"/>
+    </cs:fontRef>
+    <cs:spPr>
+      <a:ln w="9525" cap="rnd">
+        <a:solidFill>
+          <a:schemeClr val="phClr"/>
+        </a:solidFill>
+        <a:round/>
+      </a:ln>
+    </cs:spPr>
+  </cs:dataPointWireframe>
+  <cs:dataTable>
+    <cs:lnRef idx="0"/>
+    <cs:fillRef idx="0"/>
+    <cs:effectRef idx="0"/>
+    <cs:fontRef idx="minor">
+      <a:schemeClr val="tx1">
+        <a:lumMod val="65000"/>
+        <a:lumOff val="35000"/>
+      </a:schemeClr>
+    </cs:fontRef>
+    <cs:spPr>
+      <a:noFill/>
+      <a:ln w="9525" cap="flat" cmpd="sng" algn="ctr">
+        <a:solidFill>
+          <a:schemeClr val="tx1">
+            <a:lumMod val="15000"/>
+            <a:lumOff val="85000"/>
+          </a:schemeClr>
+        </a:solidFill>
+        <a:round/>
+      </a:ln>
+    </cs:spPr>
+    <cs:defRPr sz="1197" kern="1200"/>
+  </cs:dataTable>
+  <cs:downBar>
+    <cs:lnRef idx="0"/>
+    <cs:fillRef idx="0"/>
+    <cs:effectRef idx="0"/>
+    <cs:fontRef idx="minor">
+      <a:schemeClr val="tx1"/>
+    </cs:fontRef>
+    <cs:spPr>
+      <a:solidFill>
+        <a:schemeClr val="dk1">
+          <a:lumMod val="75000"/>
+          <a:lumOff val="25000"/>
+        </a:schemeClr>
+      </a:solidFill>
+      <a:ln w="9525" cap="flat" cmpd="sng" algn="ctr">
+        <a:solidFill>
+          <a:schemeClr val="tx1">
+            <a:lumMod val="65000"/>
+            <a:lumOff val="35000"/>
+          </a:schemeClr>
+        </a:solidFill>
+        <a:round/>
+      </a:ln>
+    </cs:spPr>
+  </cs:downBar>
+  <cs:dropLine>
+    <cs:lnRef idx="0"/>
+    <cs:fillRef idx="0"/>
+    <cs:effectRef idx="0"/>
+    <cs:fontRef idx="minor">
+      <a:schemeClr val="tx1"/>
+    </cs:fontRef>
+    <cs:spPr>
+      <a:ln w="9525" cap="flat" cmpd="sng" algn="ctr">
+        <a:solidFill>
+          <a:schemeClr val="tx1">
+            <a:lumMod val="35000"/>
+            <a:lumOff val="65000"/>
+          </a:schemeClr>
+        </a:solidFill>
+        <a:round/>
+      </a:ln>
+    </cs:spPr>
+  </cs:dropLine>
+  <cs:errorBar>
+    <cs:lnRef idx="0"/>
+    <cs:fillRef idx="0"/>
+    <cs:effectRef idx="0"/>
+    <cs:fontRef idx="minor">
+      <a:schemeClr val="tx1"/>
+    </cs:fontRef>
+    <cs:spPr>
+      <a:ln w="9525" cap="flat" cmpd="sng" algn="ctr">
+        <a:solidFill>
+          <a:schemeClr val="tx1">
+            <a:lumMod val="65000"/>
+            <a:lumOff val="35000"/>
+          </a:schemeClr>
+        </a:solidFill>
+        <a:round/>
+      </a:ln>
+    </cs:spPr>
+  </cs:errorBar>
+  <cs:floor>
+    <cs:lnRef idx="0"/>
+    <cs:fillRef idx="0"/>
+    <cs:effectRef idx="0"/>
+    <cs:fontRef idx="minor">
+      <a:schemeClr val="tx1"/>
+    </cs:fontRef>
+    <cs:spPr>
+      <a:noFill/>
+      <a:ln>
+        <a:noFill/>
+      </a:ln>
+    </cs:spPr>
+  </cs:floor>
+  <cs:gridlineMajor>
+    <cs:lnRef idx="0"/>
+    <cs:fillRef idx="0"/>
+    <cs:effectRef idx="0"/>
+    <cs:fontRef idx="minor">
+      <a:schemeClr val="tx1"/>
+    </cs:fontRef>
+    <cs:spPr>
+      <a:ln w="9525" cap="flat" cmpd="sng" algn="ctr">
+        <a:solidFill>
+          <a:schemeClr val="tx1">
+            <a:lumMod val="15000"/>
+            <a:lumOff val="85000"/>
+          </a:schemeClr>
+        </a:solidFill>
+        <a:round/>
+      </a:ln>
+    </cs:spPr>
+  </cs:gridlineMajor>
+  <cs:gridlineMinor>
+    <cs:lnRef idx="0"/>
+    <cs:fillRef idx="0"/>
+    <cs:effectRef idx="0"/>
+    <cs:fontRef idx="minor">
+      <a:schemeClr val="tx1"/>
+    </cs:fontRef>
+    <cs:spPr>
+      <a:ln w="9525" cap="flat" cmpd="sng" algn="ctr">
+        <a:solidFill>
+          <a:schemeClr val="tx1">
+            <a:lumMod val="5000"/>
+            <a:lumOff val="95000"/>
+          </a:schemeClr>
+        </a:solidFill>
+        <a:round/>
+      </a:ln>
+    </cs:spPr>
+  </cs:gridlineMinor>
+  <cs:hiLoLine>
+    <cs:lnRef idx="0"/>
+    <cs:fillRef idx="0"/>
+    <cs:effectRef idx="0"/>
+    <cs:fontRef idx="minor">
+      <a:schemeClr val="tx1"/>
+    </cs:fontRef>
+    <cs:spPr>
+      <a:ln w="9525" cap="flat" cmpd="sng" algn="ctr">
+        <a:solidFill>
+          <a:schemeClr val="tx1">
+            <a:lumMod val="50000"/>
+            <a:lumOff val="50000"/>
+          </a:schemeClr>
+        </a:solidFill>
+        <a:round/>
+      </a:ln>
+    </cs:spPr>
+  </cs:hiLoLine>
+  <cs:leaderLine>
+    <cs:lnRef idx="0"/>
+    <cs:fillRef idx="0"/>
+    <cs:effectRef idx="0"/>
+    <cs:fontRef idx="minor">
+      <a:schemeClr val="tx1"/>
+    </cs:fontRef>
+    <cs:spPr>
+      <a:ln w="9525" cap="flat" cmpd="sng" algn="ctr">
+        <a:solidFill>
+          <a:schemeClr val="tx1">
+            <a:lumMod val="35000"/>
+            <a:lumOff val="65000"/>
+          </a:schemeClr>
+        </a:solidFill>
+        <a:round/>
+      </a:ln>
+    </cs:spPr>
+  </cs:leaderLine>
+  <cs:legend>
+    <cs:lnRef idx="0"/>
+    <cs:fillRef idx="0"/>
+    <cs:effectRef idx="0"/>
+    <cs:fontRef idx="minor">
+      <a:schemeClr val="tx1">
+        <a:lumMod val="65000"/>
+        <a:lumOff val="35000"/>
+      </a:schemeClr>
+    </cs:fontRef>
+    <cs:defRPr sz="1197" kern="1200"/>
+  </cs:legend>
+  <cs:plotArea mods="allowNoFillOverride allowNoLineOverride">
+    <cs:lnRef idx="0"/>
+    <cs:fillRef idx="0"/>
+    <cs:effectRef idx="0"/>
+    <cs:fontRef idx="minor">
+      <a:schemeClr val="tx1"/>
+    </cs:fontRef>
+  </cs:plotArea>
+  <cs:plotArea3D mods="allowNoFillOverride allowNoLineOverride">
+    <cs:lnRef idx="0"/>
+    <cs:fillRef idx="0"/>
+    <cs:effectRef idx="0"/>
+    <cs:fontRef idx="minor">
+      <a:schemeClr val="tx1"/>
+    </cs:fontRef>
+  </cs:plotArea3D>
+  <cs:seriesAxis>
+    <cs:lnRef idx="0"/>
+    <cs:fillRef idx="0"/>
+    <cs:effectRef idx="0"/>
+    <cs:fontRef idx="minor">
+      <a:schemeClr val="tx1">
+        <a:lumMod val="65000"/>
+        <a:lumOff val="35000"/>
+      </a:schemeClr>
+    </cs:fontRef>
+    <cs:defRPr sz="1197" kern="1200"/>
+  </cs:seriesAxis>
+  <cs:seriesLine>
+    <cs:lnRef idx="0"/>
+    <cs:fillRef idx="0"/>
+    <cs:effectRef idx="0"/>
+    <cs:fontRef idx="minor">
+      <a:schemeClr val="tx1"/>
+    </cs:fontRef>
+    <cs:spPr>
+      <a:ln w="9525" cap="flat" cmpd="sng" algn="ctr">
+        <a:solidFill>
+          <a:schemeClr val="tx1">
+            <a:lumMod val="35000"/>
+            <a:lumOff val="65000"/>
+          </a:schemeClr>
+        </a:solidFill>
+        <a:round/>
+      </a:ln>
+    </cs:spPr>
+  </cs:seriesLine>
+  <cs:title>
+    <cs:lnRef idx="0"/>
+    <cs:fillRef idx="0"/>
+    <cs:effectRef idx="0"/>
+    <cs:fontRef idx="minor">
+      <a:schemeClr val="tx1">
+        <a:lumMod val="65000"/>
+        <a:lumOff val="35000"/>
+      </a:schemeClr>
+    </cs:fontRef>
+    <cs:defRPr sz="1862" b="0" kern="1200" spc="0" baseline="0"/>
+  </cs:title>
+  <cs:trendline>
+    <cs:lnRef idx="0">
+      <cs:styleClr val="auto"/>
+    </cs:lnRef>
+    <cs:fillRef idx="0"/>
+    <cs:effectRef idx="0"/>
+    <cs:fontRef idx="minor">
+      <a:schemeClr val="tx1"/>
+    </cs:fontRef>
+    <cs:spPr>
+      <a:ln w="19050" cap="rnd">
+        <a:solidFill>
+          <a:schemeClr val="phClr"/>
+        </a:solidFill>
+        <a:prstDash val="sysDot"/>
+      </a:ln>
+    </cs:spPr>
+  </cs:trendline>
+  <cs:trendlineLabel>
+    <cs:lnRef idx="0"/>
+    <cs:fillRef idx="0"/>
+    <cs:effectRef idx="0"/>
+    <cs:fontRef idx="minor">
+      <a:schemeClr val="tx1">
+        <a:lumMod val="65000"/>
+        <a:lumOff val="35000"/>
+      </a:schemeClr>
+    </cs:fontRef>
+    <cs:defRPr sz="1197" kern="1200"/>
+  </cs:trendlineLabel>
+  <cs:upBar>
+    <cs:lnRef idx="0"/>
+    <cs:fillRef idx="0"/>
+    <cs:effectRef idx="0"/>
+    <cs:fontRef idx="minor">
+      <a:schemeClr val="tx1"/>
+    </cs:fontRef>
+    <cs:spPr>
+      <a:solidFill>
+        <a:schemeClr val="lt1"/>
+      </a:solidFill>
+      <a:ln w="9525" cap="flat" cmpd="sng" algn="ctr">
+        <a:solidFill>
+          <a:schemeClr val="tx1">
+            <a:lumMod val="65000"/>
+            <a:lumOff val="35000"/>
+          </a:schemeClr>
+        </a:solidFill>
+        <a:round/>
+      </a:ln>
+    </cs:spPr>
+  </cs:upBar>
+  <cs:valueAxis>
+    <cs:lnRef idx="0"/>
+    <cs:fillRef idx="0"/>
+    <cs:effectRef idx="0"/>
+    <cs:fontRef idx="minor">
+      <a:schemeClr val="tx1">
+        <a:lumMod val="65000"/>
+        <a:lumOff val="35000"/>
+      </a:schemeClr>
+    </cs:fontRef>
+    <cs:defRPr sz="1197" kern="1200"/>
+  </cs:valueAxis>
+  <cs:wall>
+    <cs:lnRef idx="0"/>
+    <cs:fillRef idx="0"/>
+    <cs:effectRef idx="0"/>
+    <cs:fontRef idx="minor">
+      <a:schemeClr val="tx1"/>
+    </cs:fontRef>
+    <cs:spPr>
+      <a:noFill/>
+      <a:ln>
+        <a:noFill/>
+      </a:ln>
+    </cs:spPr>
+  </cs:wall>
+</cs:chartStyle>
+</file>
+
+<file path=ppt/notesMasters/notesMaster1.xml><?xml version="1.0" encoding="utf-8"?>
+<p:notesMaster xmlns:a="http://schemas.openxmlformats.org/drawingml/2006/main" xmlns:r="http://schemas.openxmlformats.org/officeDocument/2006/relationships" xmlns:p="http://schemas.openxmlformats.org/presentationml/2006/main">
+  <p:cSld>
+    <p:bg>
+      <p:bgRef idx="1001">
+        <a:schemeClr val="bg1"/>
+      </p:bgRef>
+    </p:bg>
+    <p:spTree>
+      <p:nvGrpSpPr>
+        <p:cNvPr id="1" name=""/>
+        <p:cNvGrpSpPr/>
+        <p:nvPr/>
+      </p:nvGrpSpPr>
+      <p:grpSpPr>
+        <a:xfrm>
+          <a:off x="0" y="0"/>
+          <a:ext cx="0" cy="0"/>
+          <a:chOff x="0" y="0"/>
+          <a:chExt cx="0" cy="0"/>
+        </a:xfrm>
+      </p:grpSpPr>
+      <p:sp>
+        <p:nvSpPr>
+          <p:cNvPr id="2" name="ヘッダー プレースホルダー 1"/>
+          <p:cNvSpPr>
+            <a:spLocks noGrp="1"/>
+          </p:cNvSpPr>
+          <p:nvPr>
+            <p:ph type="hdr" sz="quarter"/>
+          </p:nvPr>
+        </p:nvSpPr>
+        <p:spPr>
+          <a:xfrm>
+            <a:off x="0" y="0"/>
+            <a:ext cx="2971800" cy="458788"/>
+          </a:xfrm>
+          <a:prstGeom prst="rect">
+            <a:avLst/>
+          </a:prstGeom>
+        </p:spPr>
+        <p:txBody>
+          <a:bodyPr vert="horz" lIns="91440" tIns="45720" rIns="91440" bIns="45720" rtlCol="0"/>
+          <a:lstStyle>
+            <a:lvl1pPr algn="l">
+              <a:defRPr sz="1200"/>
+            </a:lvl1pPr>
+          </a:lstStyle>
+          <a:p>
+            <a:endParaRPr kumimoji="1" lang="ja-JP" altLang="en-US"/>
+          </a:p>
+        </p:txBody>
+      </p:sp>
+      <p:sp>
+        <p:nvSpPr>
+          <p:cNvPr id="3" name="日付プレースホルダー 2"/>
+          <p:cNvSpPr>
+            <a:spLocks noGrp="1"/>
+          </p:cNvSpPr>
+          <p:nvPr>
+            <p:ph type="dt" idx="1"/>
+          </p:nvPr>
+        </p:nvSpPr>
+        <p:spPr>
+          <a:xfrm>
+            <a:off x="3884613" y="0"/>
+            <a:ext cx="2971800" cy="458788"/>
+          </a:xfrm>
+          <a:prstGeom prst="rect">
+            <a:avLst/>
+          </a:prstGeom>
+        </p:spPr>
+        <p:txBody>
+          <a:bodyPr vert="horz" lIns="91440" tIns="45720" rIns="91440" bIns="45720" rtlCol="0"/>
+          <a:lstStyle>
+            <a:lvl1pPr algn="r">
+              <a:defRPr sz="1200"/>
+            </a:lvl1pPr>
+          </a:lstStyle>
+          <a:p>
+            <a:fld id="{BD4B6B7D-BB74-CA45-8C76-6E522FC2DD13}" type="datetimeFigureOut">
+              <a:t>2018/2/1</a:t>
+            </a:fld>
+            <a:endParaRPr kumimoji="1" lang="ja-JP" altLang="en-US"/>
+          </a:p>
+        </p:txBody>
+      </p:sp>
+      <p:sp>
+        <p:nvSpPr>
+          <p:cNvPr id="4" name="スライド イメージ プレースホルダー 3"/>
+          <p:cNvSpPr>
+            <a:spLocks noGrp="1" noRot="1" noChangeAspect="1"/>
+          </p:cNvSpPr>
+          <p:nvPr>
+            <p:ph type="sldImg" idx="2"/>
+          </p:nvPr>
+        </p:nvSpPr>
+        <p:spPr>
+          <a:xfrm>
+            <a:off x="685800" y="1143000"/>
+            <a:ext cx="5486400" cy="3086100"/>
+          </a:xfrm>
+          <a:prstGeom prst="rect">
+            <a:avLst/>
+          </a:prstGeom>
+          <a:noFill/>
+          <a:ln w="12700">
+            <a:solidFill>
+              <a:prstClr val="black"/>
+            </a:solidFill>
+          </a:ln>
+        </p:spPr>
+        <p:txBody>
+          <a:bodyPr vert="horz" lIns="91440" tIns="45720" rIns="91440" bIns="45720" rtlCol="0" anchor="ctr"/>
+          <a:lstStyle/>
+          <a:p>
+            <a:endParaRPr lang="ja-JP" altLang="en-US"/>
+          </a:p>
+        </p:txBody>
+      </p:sp>
+      <p:sp>
+        <p:nvSpPr>
+          <p:cNvPr id="5" name="ノート プレースホルダー 4"/>
+          <p:cNvSpPr>
+            <a:spLocks noGrp="1"/>
+          </p:cNvSpPr>
+          <p:nvPr>
+            <p:ph type="body" sz="quarter" idx="3"/>
+          </p:nvPr>
+        </p:nvSpPr>
+        <p:spPr>
+          <a:xfrm>
+            <a:off x="685800" y="4400550"/>
+            <a:ext cx="5486400" cy="3600450"/>
+          </a:xfrm>
+          <a:prstGeom prst="rect">
+            <a:avLst/>
+          </a:prstGeom>
+        </p:spPr>
+        <p:txBody>
+          <a:bodyPr vert="horz" lIns="91440" tIns="45720" rIns="91440" bIns="45720" rtlCol="0"/>
+          <a:lstStyle/>
+          <a:p>
+            <a:pPr lvl="0"/>
+            <a:r>
+              <a:rPr kumimoji="1" lang="ja-JP" altLang="en-US"/>
+              <a:t>マスター テキストの書式設定</a:t>
+            </a:r>
+          </a:p>
+          <a:p>
+            <a:pPr lvl="1"/>
+            <a:r>
+              <a:rPr kumimoji="1" lang="ja-JP" altLang="en-US"/>
+              <a:t>第 </a:t>
+            </a:r>
+            <a:r>
+              <a:rPr kumimoji="1" lang="en-US" altLang="ja-JP"/>
+              <a:t>2 </a:t>
+            </a:r>
+            <a:r>
+              <a:rPr kumimoji="1" lang="ja-JP" altLang="en-US"/>
+              <a:t>レベル</a:t>
+            </a:r>
+          </a:p>
+          <a:p>
+            <a:pPr lvl="2"/>
+            <a:r>
+              <a:rPr kumimoji="1" lang="ja-JP" altLang="en-US"/>
+              <a:t>第 </a:t>
+            </a:r>
+            <a:r>
+              <a:rPr kumimoji="1" lang="en-US" altLang="ja-JP"/>
+              <a:t>3 </a:t>
+            </a:r>
+            <a:r>
+              <a:rPr kumimoji="1" lang="ja-JP" altLang="en-US"/>
+              <a:t>レベル</a:t>
+            </a:r>
+          </a:p>
+          <a:p>
+            <a:pPr lvl="3"/>
+            <a:r>
+              <a:rPr kumimoji="1" lang="ja-JP" altLang="en-US"/>
+              <a:t>第 </a:t>
+            </a:r>
+            <a:r>
+              <a:rPr kumimoji="1" lang="en-US" altLang="ja-JP"/>
+              <a:t>4 </a:t>
+            </a:r>
+            <a:r>
+              <a:rPr kumimoji="1" lang="ja-JP" altLang="en-US"/>
+              <a:t>レベル</a:t>
+            </a:r>
+          </a:p>
+          <a:p>
+            <a:pPr lvl="4"/>
+            <a:r>
+              <a:rPr kumimoji="1" lang="ja-JP" altLang="en-US"/>
+              <a:t>第 </a:t>
+            </a:r>
+            <a:r>
+              <a:rPr kumimoji="1" lang="en-US" altLang="ja-JP"/>
+              <a:t>5 </a:t>
+            </a:r>
+            <a:r>
+              <a:rPr kumimoji="1" lang="ja-JP" altLang="en-US"/>
+              <a:t>レベル</a:t>
+            </a:r>
+          </a:p>
+        </p:txBody>
+      </p:sp>
+      <p:sp>
+        <p:nvSpPr>
+          <p:cNvPr id="6" name="フッター プレースホルダー 5"/>
+          <p:cNvSpPr>
+            <a:spLocks noGrp="1"/>
+          </p:cNvSpPr>
+          <p:nvPr>
+            <p:ph type="ftr" sz="quarter" idx="4"/>
+          </p:nvPr>
+        </p:nvSpPr>
+        <p:spPr>
+          <a:xfrm>
+            <a:off x="0" y="8685213"/>
+            <a:ext cx="2971800" cy="458787"/>
+          </a:xfrm>
+          <a:prstGeom prst="rect">
+            <a:avLst/>
+          </a:prstGeom>
+        </p:spPr>
+        <p:txBody>
+          <a:bodyPr vert="horz" lIns="91440" tIns="45720" rIns="91440" bIns="45720" rtlCol="0" anchor="b"/>
+          <a:lstStyle>
+            <a:lvl1pPr algn="l">
+              <a:defRPr sz="1200"/>
+            </a:lvl1pPr>
+          </a:lstStyle>
+          <a:p>
+            <a:endParaRPr kumimoji="1" lang="ja-JP" altLang="en-US"/>
+          </a:p>
+        </p:txBody>
+      </p:sp>
+      <p:sp>
+        <p:nvSpPr>
+          <p:cNvPr id="7" name="スライド番号プレースホルダー 6"/>
+          <p:cNvSpPr>
+            <a:spLocks noGrp="1"/>
+          </p:cNvSpPr>
+          <p:nvPr>
+            <p:ph type="sldNum" sz="quarter" idx="5"/>
+          </p:nvPr>
+        </p:nvSpPr>
+        <p:spPr>
+          <a:xfrm>
+            <a:off x="3884613" y="8685213"/>
+            <a:ext cx="2971800" cy="458787"/>
+          </a:xfrm>
+          <a:prstGeom prst="rect">
+            <a:avLst/>
+          </a:prstGeom>
+        </p:spPr>
+        <p:txBody>
+          <a:bodyPr vert="horz" lIns="91440" tIns="45720" rIns="91440" bIns="45720" rtlCol="0" anchor="b"/>
+          <a:lstStyle>
+            <a:lvl1pPr algn="r">
+              <a:defRPr sz="1200"/>
+            </a:lvl1pPr>
+          </a:lstStyle>
+          <a:p>
+            <a:fld id="{B501E337-A02A-784A-B006-0DBA91238D1B}" type="slidenum">
+              <a:t>‹#›</a:t>
+            </a:fld>
+            <a:endParaRPr kumimoji="1" lang="ja-JP" altLang="en-US"/>
+          </a:p>
+        </p:txBody>
+      </p:sp>
+    </p:spTree>
+    <p:extLst>
+      <p:ext uri="{BB962C8B-B14F-4D97-AF65-F5344CB8AC3E}">
+        <p14:creationId xmlns:p14="http://schemas.microsoft.com/office/powerpoint/2010/main" val="1902860424"/>
+      </p:ext>
+    </p:extLst>
+  </p:cSld>
+  <p:clrMap bg1="lt1" tx1="dk1" bg2="lt2" tx2="dk2" accent1="accent1" accent2="accent2" accent3="accent3" accent4="accent4" accent5="accent5" accent6="accent6" hlink="hlink" folHlink="folHlink"/>
+  <p:notesStyle>
+    <a:lvl1pPr marL="0" algn="l" defTabSz="914400" rtl="0" eaLnBrk="1" latinLnBrk="0" hangingPunct="1">
+      <a:defRPr kumimoji="1" sz="1200" kern="1200">
+        <a:solidFill>
+          <a:schemeClr val="tx1"/>
+        </a:solidFill>
+        <a:latin typeface="+mn-lt"/>
+        <a:ea typeface="+mn-ea"/>
+        <a:cs typeface="+mn-cs"/>
+      </a:defRPr>
+    </a:lvl1pPr>
+    <a:lvl2pPr marL="457200" algn="l" defTabSz="914400" rtl="0" eaLnBrk="1" latinLnBrk="0" hangingPunct="1">
+      <a:defRPr kumimoji="1" sz="1200" kern="1200">
+        <a:solidFill>
+          <a:schemeClr val="tx1"/>
+        </a:solidFill>
+        <a:latin typeface="+mn-lt"/>
+        <a:ea typeface="+mn-ea"/>
+        <a:cs typeface="+mn-cs"/>
+      </a:defRPr>
+    </a:lvl2pPr>
+    <a:lvl3pPr marL="914400" algn="l" defTabSz="914400" rtl="0" eaLnBrk="1" latinLnBrk="0" hangingPunct="1">
+      <a:defRPr kumimoji="1" sz="1200" kern="1200">
+        <a:solidFill>
+          <a:schemeClr val="tx1"/>
+        </a:solidFill>
+        <a:latin typeface="+mn-lt"/>
+        <a:ea typeface="+mn-ea"/>
+        <a:cs typeface="+mn-cs"/>
+      </a:defRPr>
+    </a:lvl3pPr>
+    <a:lvl4pPr marL="1371600" algn="l" defTabSz="914400" rtl="0" eaLnBrk="1" latinLnBrk="0" hangingPunct="1">
+      <a:defRPr kumimoji="1" sz="1200" kern="1200">
+        <a:solidFill>
+          <a:schemeClr val="tx1"/>
+        </a:solidFill>
+        <a:latin typeface="+mn-lt"/>
+        <a:ea typeface="+mn-ea"/>
+        <a:cs typeface="+mn-cs"/>
+      </a:defRPr>
+    </a:lvl4pPr>
+    <a:lvl5pPr marL="1828800" algn="l" defTabSz="914400" rtl="0" eaLnBrk="1" latinLnBrk="0" hangingPunct="1">
+      <a:defRPr kumimoji="1" sz="1200" kern="1200">
+        <a:solidFill>
+          <a:schemeClr val="tx1"/>
+        </a:solidFill>
+        <a:latin typeface="+mn-lt"/>
+        <a:ea typeface="+mn-ea"/>
+        <a:cs typeface="+mn-cs"/>
+      </a:defRPr>
+    </a:lvl5pPr>
+    <a:lvl6pPr marL="2286000" algn="l" defTabSz="914400" rtl="0" eaLnBrk="1" latinLnBrk="0" hangingPunct="1">
+      <a:defRPr kumimoji="1" sz="1200" kern="1200">
+        <a:solidFill>
+          <a:schemeClr val="tx1"/>
+        </a:solidFill>
+        <a:latin typeface="+mn-lt"/>
+        <a:ea typeface="+mn-ea"/>
+        <a:cs typeface="+mn-cs"/>
+      </a:defRPr>
+    </a:lvl6pPr>
+    <a:lvl7pPr marL="2743200" algn="l" defTabSz="914400" rtl="0" eaLnBrk="1" latinLnBrk="0" hangingPunct="1">
+      <a:defRPr kumimoji="1" sz="1200" kern="1200">
+        <a:solidFill>
+          <a:schemeClr val="tx1"/>
+        </a:solidFill>
+        <a:latin typeface="+mn-lt"/>
+        <a:ea typeface="+mn-ea"/>
+        <a:cs typeface="+mn-cs"/>
+      </a:defRPr>
+    </a:lvl7pPr>
+    <a:lvl8pPr marL="3200400" algn="l" defTabSz="914400" rtl="0" eaLnBrk="1" latinLnBrk="0" hangingPunct="1">
+      <a:defRPr kumimoji="1" sz="1200" kern="1200">
+        <a:solidFill>
+          <a:schemeClr val="tx1"/>
+        </a:solidFill>
+        <a:latin typeface="+mn-lt"/>
+        <a:ea typeface="+mn-ea"/>
+        <a:cs typeface="+mn-cs"/>
+      </a:defRPr>
+    </a:lvl8pPr>
+    <a:lvl9pPr marL="3657600" algn="l" defTabSz="914400" rtl="0" eaLnBrk="1" latinLnBrk="0" hangingPunct="1">
+      <a:defRPr kumimoji="1" sz="1200" kern="1200">
+        <a:solidFill>
+          <a:schemeClr val="tx1"/>
+        </a:solidFill>
+        <a:latin typeface="+mn-lt"/>
+        <a:ea typeface="+mn-ea"/>
+        <a:cs typeface="+mn-cs"/>
+      </a:defRPr>
+    </a:lvl9pPr>
+  </p:notesStyle>
+</p:notesMaster>
+</file>
+
+<file path=ppt/notesSlides/notesSlide1.xml><?xml version="1.0" encoding="utf-8"?>
+<p:notes xmlns:a="http://schemas.openxmlformats.org/drawingml/2006/main" xmlns:r="http://schemas.openxmlformats.org/officeDocument/2006/relationships" xmlns:p="http://schemas.openxmlformats.org/presentationml/2006/main">
+  <p:cSld>
+    <p:spTree>
+      <p:nvGrpSpPr>
+        <p:cNvPr id="1" name=""/>
+        <p:cNvGrpSpPr/>
+        <p:nvPr/>
+      </p:nvGrpSpPr>
+      <p:grpSpPr>
+        <a:xfrm>
+          <a:off x="0" y="0"/>
+          <a:ext cx="0" cy="0"/>
+          <a:chOff x="0" y="0"/>
+          <a:chExt cx="0" cy="0"/>
+        </a:xfrm>
+      </p:grpSpPr>
+      <p:sp>
+        <p:nvSpPr>
+          <p:cNvPr id="2" name="スライド イメージ プレースホルダー 1"/>
+          <p:cNvSpPr>
+            <a:spLocks noGrp="1" noRot="1" noChangeAspect="1"/>
+          </p:cNvSpPr>
+          <p:nvPr>
+            <p:ph type="sldImg"/>
+          </p:nvPr>
+        </p:nvSpPr>
+        <p:spPr/>
+      </p:sp>
+      <p:sp>
+        <p:nvSpPr>
+          <p:cNvPr id="3" name="ノート プレースホルダー 2"/>
+          <p:cNvSpPr>
+            <a:spLocks noGrp="1"/>
+          </p:cNvSpPr>
+          <p:nvPr>
+            <p:ph type="body" idx="1"/>
+          </p:nvPr>
+        </p:nvSpPr>
+        <p:spPr/>
+        <p:txBody>
+          <a:bodyPr/>
+          <a:lstStyle/>
+          <a:p>
+            <a:r>
+              <a:rPr kumimoji="1" lang="ja-JP" altLang="en-US"/>
+              <a:t>仮に</a:t>
+            </a:r>
+            <a:r>
+              <a:rPr kumimoji="1" lang="en-US" altLang="ja-JP"/>
+              <a:t>IP</a:t>
+            </a:r>
+            <a:r>
+              <a:rPr kumimoji="1" lang="ja-JP" altLang="en-US"/>
+              <a:t>アドレスがわかれば個人を特定できるとして、</a:t>
+            </a:r>
+            <a:endParaRPr kumimoji="1" lang="en-US" altLang="ja-JP"/>
+          </a:p>
+          <a:p>
+            <a:r>
+              <a:rPr kumimoji="1" lang="en-US" altLang="ja-JP"/>
+              <a:t>IP</a:t>
+            </a:r>
+            <a:r>
+              <a:rPr kumimoji="1" lang="ja-JP" altLang="en-US"/>
+              <a:t>アドレスによる特定は、学外の</a:t>
+            </a:r>
+            <a:r>
+              <a:rPr kumimoji="1" lang="en-US" altLang="ja-JP"/>
+              <a:t>9</a:t>
+            </a:r>
+            <a:r>
+              <a:rPr kumimoji="1" lang="ja-JP" altLang="en-US"/>
+              <a:t>名は特定することができるけど、残りの</a:t>
+            </a:r>
+            <a:r>
+              <a:rPr kumimoji="1" lang="en-US" altLang="ja-JP"/>
+              <a:t>6</a:t>
+            </a:r>
+            <a:r>
+              <a:rPr kumimoji="1" lang="ja-JP" altLang="en-US"/>
+              <a:t>名は特定することができない</a:t>
+            </a:r>
+            <a:endParaRPr kumimoji="1" lang="en-US" altLang="ja-JP"/>
+          </a:p>
+          <a:p>
+            <a:r>
+              <a:rPr kumimoji="1" lang="ja-JP" altLang="en-US"/>
+              <a:t>それに対して、</a:t>
+            </a:r>
+            <a:r>
+              <a:rPr kumimoji="1" lang="en-US" altLang="ja-JP"/>
+              <a:t>Cookie</a:t>
+            </a:r>
+            <a:r>
+              <a:rPr kumimoji="1" lang="ja-JP" altLang="en-US"/>
+              <a:t>による特定は、</a:t>
+            </a:r>
+            <a:r>
+              <a:rPr kumimoji="1" lang="en-US" altLang="ja-JP"/>
+              <a:t>13</a:t>
+            </a:r>
+            <a:r>
+              <a:rPr kumimoji="1" lang="ja-JP" altLang="en-US"/>
+              <a:t>名を特定することができる</a:t>
+            </a:r>
+          </a:p>
+        </p:txBody>
+      </p:sp>
+      <p:sp>
+        <p:nvSpPr>
+          <p:cNvPr id="4" name="スライド番号プレースホルダー 3"/>
+          <p:cNvSpPr>
+            <a:spLocks noGrp="1"/>
+          </p:cNvSpPr>
+          <p:nvPr>
+            <p:ph type="sldNum" sz="quarter" idx="10"/>
+          </p:nvPr>
+        </p:nvSpPr>
+        <p:spPr/>
+        <p:txBody>
+          <a:bodyPr/>
+          <a:lstStyle/>
+          <a:p>
+            <a:fld id="{B501E337-A02A-784A-B006-0DBA91238D1B}" type="slidenum">
+              <a:t>10</a:t>
+            </a:fld>
+            <a:endParaRPr kumimoji="1" lang="ja-JP" altLang="en-US"/>
+          </a:p>
+        </p:txBody>
+      </p:sp>
+    </p:spTree>
+    <p:extLst>
+      <p:ext uri="{BB962C8B-B14F-4D97-AF65-F5344CB8AC3E}">
+        <p14:creationId xmlns:p14="http://schemas.microsoft.com/office/powerpoint/2010/main" val="103798581"/>
+      </p:ext>
+    </p:extLst>
+  </p:cSld>
+  <p:clrMapOvr>
+    <a:masterClrMapping/>
+  </p:clrMapOvr>
+</p:notes>
 </file>
 
 <file path=ppt/slideLayouts/slideLayout1.xml><?xml version="1.0" encoding="utf-8"?>
@@ -235,7 +2359,7 @@
           <a:lstStyle/>
           <a:p>
             <a:fld id="{AAF51749-32E0-934C-97B2-3BA3C447B60C}" type="datetimeFigureOut">
-              <a:t>2018/1/31</a:t>
+              <a:t>2/1/18</a:t>
             </a:fld>
             <a:endParaRPr kumimoji="1" lang="ja-JP" altLang="en-US"/>
           </a:p>
@@ -433,7 +2557,7 @@
           <a:lstStyle/>
           <a:p>
             <a:fld id="{AAF51749-32E0-934C-97B2-3BA3C447B60C}" type="datetimeFigureOut">
-              <a:t>2018/1/31</a:t>
+              <a:t>2/1/18</a:t>
             </a:fld>
             <a:endParaRPr kumimoji="1" lang="ja-JP" altLang="en-US"/>
           </a:p>
@@ -641,7 +2765,7 @@
           <a:lstStyle/>
           <a:p>
             <a:fld id="{AAF51749-32E0-934C-97B2-3BA3C447B60C}" type="datetimeFigureOut">
-              <a:t>2018/1/31</a:t>
+              <a:t>2/1/18</a:t>
             </a:fld>
             <a:endParaRPr kumimoji="1" lang="ja-JP" altLang="en-US"/>
           </a:p>
@@ -839,7 +2963,7 @@
           <a:lstStyle/>
           <a:p>
             <a:fld id="{AAF51749-32E0-934C-97B2-3BA3C447B60C}" type="datetimeFigureOut">
-              <a:t>2018/1/31</a:t>
+              <a:t>2/1/18</a:t>
             </a:fld>
             <a:endParaRPr kumimoji="1" lang="ja-JP" altLang="en-US"/>
           </a:p>
@@ -1082,7 +3206,7 @@
           <a:lstStyle/>
           <a:p>
             <a:fld id="{AAF51749-32E0-934C-97B2-3BA3C447B60C}" type="datetimeFigureOut">
-              <a:t>2018/1/31</a:t>
+              <a:t>2/1/18</a:t>
             </a:fld>
             <a:endParaRPr kumimoji="1" lang="ja-JP" altLang="en-US"/>
           </a:p>
@@ -1373,7 +3497,7 @@
           <a:lstStyle/>
           <a:p>
             <a:fld id="{AAF51749-32E0-934C-97B2-3BA3C447B60C}" type="datetimeFigureOut">
-              <a:t>2018/1/31</a:t>
+              <a:t>2/1/18</a:t>
             </a:fld>
             <a:endParaRPr kumimoji="1" lang="ja-JP" altLang="en-US"/>
           </a:p>
@@ -1799,7 +3923,7 @@
           <a:lstStyle/>
           <a:p>
             <a:fld id="{AAF51749-32E0-934C-97B2-3BA3C447B60C}" type="datetimeFigureOut">
-              <a:t>2018/1/31</a:t>
+              <a:t>2/1/18</a:t>
             </a:fld>
             <a:endParaRPr kumimoji="1" lang="ja-JP" altLang="en-US"/>
           </a:p>
@@ -1914,7 +4038,7 @@
           <a:lstStyle/>
           <a:p>
             <a:fld id="{AAF51749-32E0-934C-97B2-3BA3C447B60C}" type="datetimeFigureOut">
-              <a:t>2018/1/31</a:t>
+              <a:t>2/1/18</a:t>
             </a:fld>
             <a:endParaRPr kumimoji="1" lang="ja-JP" altLang="en-US"/>
           </a:p>
@@ -2007,7 +4131,7 @@
           <a:lstStyle/>
           <a:p>
             <a:fld id="{AAF51749-32E0-934C-97B2-3BA3C447B60C}" type="datetimeFigureOut">
-              <a:t>2018/1/31</a:t>
+              <a:t>2/1/18</a:t>
             </a:fld>
             <a:endParaRPr kumimoji="1" lang="ja-JP" altLang="en-US"/>
           </a:p>
@@ -2312,7 +4436,7 @@
           <a:lstStyle/>
           <a:p>
             <a:fld id="{AAF51749-32E0-934C-97B2-3BA3C447B60C}" type="datetimeFigureOut">
-              <a:t>2018/1/31</a:t>
+              <a:t>2/1/18</a:t>
             </a:fld>
             <a:endParaRPr kumimoji="1" lang="ja-JP" altLang="en-US"/>
           </a:p>
@@ -2562,7 +4686,7 @@
           <a:lstStyle/>
           <a:p>
             <a:fld id="{AAF51749-32E0-934C-97B2-3BA3C447B60C}" type="datetimeFigureOut">
-              <a:t>2018/1/31</a:t>
+              <a:t>2/1/18</a:t>
             </a:fld>
             <a:endParaRPr kumimoji="1" lang="ja-JP" altLang="en-US"/>
           </a:p>
@@ -2803,7 +4927,7 @@
           </a:lstStyle>
           <a:p>
             <a:fld id="{AAF51749-32E0-934C-97B2-3BA3C447B60C}" type="datetimeFigureOut">
-              <a:t>2018/1/31</a:t>
+              <a:t>2/1/18</a:t>
             </a:fld>
             <a:endParaRPr kumimoji="1" lang="ja-JP" altLang="en-US"/>
           </a:p>
@@ -3265,7 +5389,12 @@
             <p:ph type="subTitle" idx="1"/>
           </p:nvPr>
         </p:nvSpPr>
-        <p:spPr/>
+        <p:spPr>
+          <a:xfrm>
+            <a:off x="1524000" y="4356951"/>
+            <a:ext cx="9144000" cy="1655762"/>
+          </a:xfrm>
+        </p:spPr>
         <p:txBody>
           <a:bodyPr/>
           <a:lstStyle/>
@@ -3281,6 +5410,37 @@
               <a:rPr kumimoji="1" lang="ja-JP" altLang="en-US"/>
               <a:t>青木 宏祐</a:t>
             </a:r>
+            <a:endParaRPr lang="en-US" altLang="ja-JP"/>
+          </a:p>
+          <a:p>
+            <a:endParaRPr kumimoji="1" lang="en-US" altLang="ja-JP"/>
+          </a:p>
+          <a:p>
+            <a:r>
+              <a:rPr lang="en-US" altLang="ja-JP"/>
+              <a:t>2018 </a:t>
+            </a:r>
+            <a:r>
+              <a:rPr lang="ja-JP" altLang="en-US"/>
+              <a:t>年</a:t>
+            </a:r>
+            <a:r>
+              <a:rPr lang="en-US" altLang="ja-JP"/>
+              <a:t> 2 </a:t>
+            </a:r>
+            <a:r>
+              <a:rPr lang="ja-JP" altLang="en-US"/>
+              <a:t>月</a:t>
+            </a:r>
+            <a:r>
+              <a:rPr lang="en-US" altLang="ja-JP"/>
+              <a:t> 7</a:t>
+            </a:r>
+            <a:r>
+              <a:rPr lang="ja-JP" altLang="en-US"/>
+              <a:t> 日</a:t>
+            </a:r>
+            <a:endParaRPr kumimoji="1" lang="ja-JP" altLang="en-US"/>
           </a:p>
         </p:txBody>
       </p:sp>
@@ -3294,6 +5454,2603 @@
   <p:clrMapOvr>
     <a:masterClrMapping/>
   </p:clrMapOvr>
+  <p:timing>
+    <p:tnLst>
+      <p:par>
+        <p:cTn id="1" dur="indefinite" restart="never" nodeType="tmRoot"/>
+      </p:par>
+    </p:tnLst>
+  </p:timing>
+</p:sld>
+</file>
+
+<file path=ppt/slides/slide10.xml><?xml version="1.0" encoding="utf-8"?>
+<p:sld xmlns:a="http://schemas.openxmlformats.org/drawingml/2006/main" xmlns:r="http://schemas.openxmlformats.org/officeDocument/2006/relationships" xmlns:p="http://schemas.openxmlformats.org/presentationml/2006/main">
+  <p:cSld>
+    <p:spTree>
+      <p:nvGrpSpPr>
+        <p:cNvPr id="1" name=""/>
+        <p:cNvGrpSpPr/>
+        <p:nvPr/>
+      </p:nvGrpSpPr>
+      <p:grpSpPr>
+        <a:xfrm>
+          <a:off x="0" y="0"/>
+          <a:ext cx="0" cy="0"/>
+          <a:chOff x="0" y="0"/>
+          <a:chExt cx="0" cy="0"/>
+        </a:xfrm>
+      </p:grpSpPr>
+      <p:sp>
+        <p:nvSpPr>
+          <p:cNvPr id="2" name="タイトル 1"/>
+          <p:cNvSpPr>
+            <a:spLocks noGrp="1"/>
+          </p:cNvSpPr>
+          <p:nvPr>
+            <p:ph type="title"/>
+          </p:nvPr>
+        </p:nvSpPr>
+        <p:spPr>
+          <a:xfrm>
+            <a:off x="157717" y="152474"/>
+            <a:ext cx="10515600" cy="1325563"/>
+          </a:xfrm>
+        </p:spPr>
+        <p:txBody>
+          <a:bodyPr/>
+          <a:lstStyle/>
+          <a:p>
+            <a:r>
+              <a:rPr kumimoji="1" lang="en-US" altLang="ja-JP"/>
+              <a:t>IP </a:t>
+            </a:r>
+            <a:r>
+              <a:rPr kumimoji="1" lang="ja-JP" altLang="en-US"/>
+              <a:t>アドレスによる特定との比較</a:t>
+            </a:r>
+          </a:p>
+        </p:txBody>
+      </p:sp>
+      <p:graphicFrame>
+        <p:nvGraphicFramePr>
+          <p:cNvPr id="4" name="グラフ 3"/>
+          <p:cNvGraphicFramePr/>
+          <p:nvPr>
+            <p:extLst>
+              <p:ext uri="{D42A27DB-BD31-4B8C-83A1-F6EECF244321}">
+                <p14:modId xmlns:p14="http://schemas.microsoft.com/office/powerpoint/2010/main" val="1684933490"/>
+              </p:ext>
+            </p:extLst>
+          </p:nvPr>
+        </p:nvGraphicFramePr>
+        <p:xfrm>
+          <a:off x="-875341" y="1187497"/>
+          <a:ext cx="8128000" cy="5418667"/>
+        </p:xfrm>
+        <a:graphic>
+          <a:graphicData uri="http://schemas.openxmlformats.org/drawingml/2006/chart">
+            <c:chart xmlns:c="http://schemas.openxmlformats.org/drawingml/2006/chart" xmlns:r="http://schemas.openxmlformats.org/officeDocument/2006/relationships" r:id="rId3"/>
+          </a:graphicData>
+        </a:graphic>
+      </p:graphicFrame>
+      <p:graphicFrame>
+        <p:nvGraphicFramePr>
+          <p:cNvPr id="7" name="グラフ 6"/>
+          <p:cNvGraphicFramePr/>
+          <p:nvPr>
+            <p:extLst>
+              <p:ext uri="{D42A27DB-BD31-4B8C-83A1-F6EECF244321}">
+                <p14:modId xmlns:p14="http://schemas.microsoft.com/office/powerpoint/2010/main" val="1865111120"/>
+              </p:ext>
+            </p:extLst>
+          </p:nvPr>
+        </p:nvGraphicFramePr>
+        <p:xfrm>
+          <a:off x="4689031" y="1180641"/>
+          <a:ext cx="8128000" cy="5418667"/>
+        </p:xfrm>
+        <a:graphic>
+          <a:graphicData uri="http://schemas.openxmlformats.org/drawingml/2006/chart">
+            <c:chart xmlns:c="http://schemas.openxmlformats.org/drawingml/2006/chart" xmlns:r="http://schemas.openxmlformats.org/officeDocument/2006/relationships" r:id="rId4"/>
+          </a:graphicData>
+        </a:graphic>
+      </p:graphicFrame>
+    </p:spTree>
+    <p:extLst>
+      <p:ext uri="{BB962C8B-B14F-4D97-AF65-F5344CB8AC3E}">
+        <p14:creationId xmlns:p14="http://schemas.microsoft.com/office/powerpoint/2010/main" val="1213178614"/>
+      </p:ext>
+    </p:extLst>
+  </p:cSld>
+  <p:clrMapOvr>
+    <a:masterClrMapping/>
+  </p:clrMapOvr>
+  <p:timing>
+    <p:tnLst>
+      <p:par>
+        <p:cTn id="1" dur="indefinite" restart="never" nodeType="tmRoot"/>
+      </p:par>
+    </p:tnLst>
+  </p:timing>
+</p:sld>
+</file>
+
+<file path=ppt/slides/slide2.xml><?xml version="1.0" encoding="utf-8"?>
+<p:sld xmlns:a="http://schemas.openxmlformats.org/drawingml/2006/main" xmlns:r="http://schemas.openxmlformats.org/officeDocument/2006/relationships" xmlns:p="http://schemas.openxmlformats.org/presentationml/2006/main">
+  <p:cSld>
+    <p:spTree>
+      <p:nvGrpSpPr>
+        <p:cNvPr id="1" name=""/>
+        <p:cNvGrpSpPr/>
+        <p:nvPr/>
+      </p:nvGrpSpPr>
+      <p:grpSpPr>
+        <a:xfrm>
+          <a:off x="0" y="0"/>
+          <a:ext cx="0" cy="0"/>
+          <a:chOff x="0" y="0"/>
+          <a:chExt cx="0" cy="0"/>
+        </a:xfrm>
+      </p:grpSpPr>
+      <p:sp>
+        <p:nvSpPr>
+          <p:cNvPr id="2" name="タイトル 1"/>
+          <p:cNvSpPr>
+            <a:spLocks noGrp="1"/>
+          </p:cNvSpPr>
+          <p:nvPr>
+            <p:ph type="title"/>
+          </p:nvPr>
+        </p:nvSpPr>
+        <p:spPr>
+          <a:xfrm>
+            <a:off x="158400" y="151200"/>
+            <a:ext cx="10515600" cy="1325563"/>
+          </a:xfrm>
+        </p:spPr>
+        <p:txBody>
+          <a:bodyPr/>
+          <a:lstStyle/>
+          <a:p>
+            <a:r>
+              <a:rPr lang="ja-JP" altLang="en-US"/>
+              <a:t>研究概要</a:t>
+            </a:r>
+            <a:endParaRPr kumimoji="1" lang="ja-JP" altLang="en-US"/>
+          </a:p>
+        </p:txBody>
+      </p:sp>
+      <p:sp>
+        <p:nvSpPr>
+          <p:cNvPr id="3" name="コンテンツ プレースホルダー 2"/>
+          <p:cNvSpPr>
+            <a:spLocks noGrp="1"/>
+          </p:cNvSpPr>
+          <p:nvPr>
+            <p:ph idx="1"/>
+          </p:nvPr>
+        </p:nvSpPr>
+        <p:spPr/>
+        <p:txBody>
+          <a:bodyPr/>
+          <a:lstStyle/>
+          <a:p>
+            <a:r>
+              <a:rPr kumimoji="1" lang="ja-JP" altLang="en-US"/>
+              <a:t>サイバー犯罪における犯人を特定する研究</a:t>
+            </a:r>
+            <a:endParaRPr kumimoji="1" lang="en-US" altLang="ja-JP"/>
+          </a:p>
+          <a:p>
+            <a:r>
+              <a:rPr lang="en-US" altLang="ja-JP"/>
+              <a:t>SNS </a:t>
+            </a:r>
+            <a:r>
+              <a:rPr lang="ja-JP" altLang="en-US"/>
+              <a:t>の</a:t>
+            </a:r>
+            <a:r>
+              <a:rPr lang="en-US" altLang="ja-JP"/>
+              <a:t> Cookie </a:t>
+            </a:r>
+            <a:r>
+              <a:rPr lang="ja-JP" altLang="en-US"/>
+              <a:t>を利用した特定手法の提案</a:t>
+            </a:r>
+            <a:endParaRPr lang="en-US" altLang="ja-JP"/>
+          </a:p>
+          <a:p>
+            <a:r>
+              <a:rPr kumimoji="1" lang="ja-JP" altLang="en-US"/>
+              <a:t>提案手法の有用性を検証するための実験を実施</a:t>
+            </a:r>
+            <a:endParaRPr kumimoji="1" lang="en-US" altLang="ja-JP"/>
+          </a:p>
+          <a:p>
+            <a:r>
+              <a:rPr lang="ja-JP" altLang="en-US"/>
+              <a:t>実験結果</a:t>
+            </a:r>
+            <a:r>
+              <a:rPr kumimoji="1" lang="ja-JP" altLang="en-US"/>
+              <a:t>の評価と考察</a:t>
+            </a:r>
+          </a:p>
+        </p:txBody>
+      </p:sp>
+    </p:spTree>
+    <p:extLst>
+      <p:ext uri="{BB962C8B-B14F-4D97-AF65-F5344CB8AC3E}">
+        <p14:creationId xmlns:p14="http://schemas.microsoft.com/office/powerpoint/2010/main" val="338083244"/>
+      </p:ext>
+    </p:extLst>
+  </p:cSld>
+  <p:clrMapOvr>
+    <a:masterClrMapping/>
+  </p:clrMapOvr>
+  <p:timing>
+    <p:tnLst>
+      <p:par>
+        <p:cTn id="1" dur="indefinite" restart="never" nodeType="tmRoot"/>
+      </p:par>
+    </p:tnLst>
+  </p:timing>
+</p:sld>
+</file>
+
+<file path=ppt/slides/slide3.xml><?xml version="1.0" encoding="utf-8"?>
+<p:sld xmlns:a="http://schemas.openxmlformats.org/drawingml/2006/main" xmlns:r="http://schemas.openxmlformats.org/officeDocument/2006/relationships" xmlns:p="http://schemas.openxmlformats.org/presentationml/2006/main">
+  <p:cSld>
+    <p:spTree>
+      <p:nvGrpSpPr>
+        <p:cNvPr id="1" name=""/>
+        <p:cNvGrpSpPr/>
+        <p:nvPr/>
+      </p:nvGrpSpPr>
+      <p:grpSpPr>
+        <a:xfrm>
+          <a:off x="0" y="0"/>
+          <a:ext cx="0" cy="0"/>
+          <a:chOff x="0" y="0"/>
+          <a:chExt cx="0" cy="0"/>
+        </a:xfrm>
+      </p:grpSpPr>
+      <p:sp>
+        <p:nvSpPr>
+          <p:cNvPr id="2" name="タイトル 1"/>
+          <p:cNvSpPr>
+            <a:spLocks noGrp="1"/>
+          </p:cNvSpPr>
+          <p:nvPr>
+            <p:ph type="title"/>
+          </p:nvPr>
+        </p:nvSpPr>
+        <p:spPr>
+          <a:xfrm>
+            <a:off x="158400" y="151200"/>
+            <a:ext cx="10515600" cy="1325563"/>
+          </a:xfrm>
+        </p:spPr>
+        <p:txBody>
+          <a:bodyPr/>
+          <a:lstStyle/>
+          <a:p>
+            <a:r>
+              <a:rPr kumimoji="1" lang="ja-JP" altLang="en-US"/>
+              <a:t>研究背景</a:t>
+            </a:r>
+          </a:p>
+        </p:txBody>
+      </p:sp>
+      <p:sp>
+        <p:nvSpPr>
+          <p:cNvPr id="3" name="コンテンツ プレースホルダー 2"/>
+          <p:cNvSpPr>
+            <a:spLocks noGrp="1"/>
+          </p:cNvSpPr>
+          <p:nvPr>
+            <p:ph idx="1"/>
+          </p:nvPr>
+        </p:nvSpPr>
+        <p:spPr/>
+        <p:txBody>
+          <a:bodyPr/>
+          <a:lstStyle/>
+          <a:p>
+            <a:r>
+              <a:rPr kumimoji="1" lang="en-US" altLang="ja-JP"/>
+              <a:t>IP </a:t>
+            </a:r>
+            <a:r>
+              <a:rPr kumimoji="1" lang="ja-JP" altLang="en-US"/>
+              <a:t>アドレスによる特定が困難</a:t>
+            </a:r>
+            <a:endParaRPr kumimoji="1" lang="en-US" altLang="ja-JP"/>
+          </a:p>
+          <a:p>
+            <a:r>
+              <a:rPr lang="en-US" altLang="ja-JP"/>
+              <a:t>Cookie </a:t>
+            </a:r>
+            <a:r>
+              <a:rPr lang="ja-JP" altLang="en-US"/>
+              <a:t>による特定に着目</a:t>
+            </a:r>
+            <a:endParaRPr lang="en-US" altLang="ja-JP"/>
+          </a:p>
+          <a:p>
+            <a:r>
+              <a:rPr lang="en-US" altLang="ja-JP"/>
+              <a:t>SNS </a:t>
+            </a:r>
+            <a:endParaRPr kumimoji="1" lang="ja-JP" altLang="en-US"/>
+          </a:p>
+        </p:txBody>
+      </p:sp>
+    </p:spTree>
+    <p:extLst>
+      <p:ext uri="{BB962C8B-B14F-4D97-AF65-F5344CB8AC3E}">
+        <p14:creationId xmlns:p14="http://schemas.microsoft.com/office/powerpoint/2010/main" val="238725631"/>
+      </p:ext>
+    </p:extLst>
+  </p:cSld>
+  <p:clrMapOvr>
+    <a:masterClrMapping/>
+  </p:clrMapOvr>
+  <p:timing>
+    <p:tnLst>
+      <p:par>
+        <p:cTn id="1" dur="indefinite" restart="never" nodeType="tmRoot"/>
+      </p:par>
+    </p:tnLst>
+  </p:timing>
+</p:sld>
+</file>
+
+<file path=ppt/slides/slide4.xml><?xml version="1.0" encoding="utf-8"?>
+<p:sld xmlns:a="http://schemas.openxmlformats.org/drawingml/2006/main" xmlns:r="http://schemas.openxmlformats.org/officeDocument/2006/relationships" xmlns:p="http://schemas.openxmlformats.org/presentationml/2006/main">
+  <p:cSld>
+    <p:spTree>
+      <p:nvGrpSpPr>
+        <p:cNvPr id="1" name=""/>
+        <p:cNvGrpSpPr/>
+        <p:nvPr/>
+      </p:nvGrpSpPr>
+      <p:grpSpPr>
+        <a:xfrm>
+          <a:off x="0" y="0"/>
+          <a:ext cx="0" cy="0"/>
+          <a:chOff x="0" y="0"/>
+          <a:chExt cx="0" cy="0"/>
+        </a:xfrm>
+      </p:grpSpPr>
+      <p:sp>
+        <p:nvSpPr>
+          <p:cNvPr id="2" name="タイトル 1"/>
+          <p:cNvSpPr>
+            <a:spLocks noGrp="1"/>
+          </p:cNvSpPr>
+          <p:nvPr>
+            <p:ph type="title"/>
+          </p:nvPr>
+        </p:nvSpPr>
+        <p:spPr>
+          <a:xfrm>
+            <a:off x="157717" y="152474"/>
+            <a:ext cx="10515600" cy="1325563"/>
+          </a:xfrm>
+        </p:spPr>
+        <p:txBody>
+          <a:bodyPr/>
+          <a:lstStyle/>
+          <a:p>
+            <a:r>
+              <a:rPr lang="en-US" altLang="ja-JP"/>
+              <a:t>Cookie </a:t>
+            </a:r>
+            <a:r>
+              <a:rPr lang="ja-JP" altLang="en-US"/>
+              <a:t>とは</a:t>
+            </a:r>
+            <a:endParaRPr kumimoji="1" lang="ja-JP" altLang="en-US"/>
+          </a:p>
+        </p:txBody>
+      </p:sp>
+      <p:sp>
+        <p:nvSpPr>
+          <p:cNvPr id="3" name="コンテンツ プレースホルダー 2"/>
+          <p:cNvSpPr>
+            <a:spLocks noGrp="1"/>
+          </p:cNvSpPr>
+          <p:nvPr>
+            <p:ph idx="1"/>
+          </p:nvPr>
+        </p:nvSpPr>
+        <p:spPr/>
+        <p:txBody>
+          <a:bodyPr/>
+          <a:lstStyle/>
+          <a:p>
+            <a:r>
+              <a:rPr kumimoji="1" lang="en-US" altLang="ja-JP"/>
+              <a:t>Web </a:t>
+            </a:r>
+            <a:r>
+              <a:rPr kumimoji="1" lang="ja-JP" altLang="en-US"/>
+              <a:t>サーバがブラウザに任意の文字列を記憶させる仕組み</a:t>
+            </a:r>
+            <a:endParaRPr kumimoji="1" lang="en-US" altLang="ja-JP"/>
+          </a:p>
+          <a:p>
+            <a:r>
+              <a:rPr lang="ja-JP" altLang="en-US"/>
+              <a:t>ログイン状態などを管理するために使用される</a:t>
+            </a:r>
+            <a:endParaRPr kumimoji="1" lang="ja-JP" altLang="en-US"/>
+          </a:p>
+        </p:txBody>
+      </p:sp>
+      <p:pic>
+        <p:nvPicPr>
+          <p:cNvPr id="4" name="図 3"/>
+          <p:cNvPicPr>
+            <a:picLocks noChangeAspect="1"/>
+          </p:cNvPicPr>
+          <p:nvPr/>
+        </p:nvPicPr>
+        <p:blipFill>
+          <a:blip r:embed="rId2">
+            <a:extLst>
+              <a:ext uri="{28A0092B-C50C-407E-A947-70E740481C1C}">
+                <a14:useLocalDpi xmlns:a14="http://schemas.microsoft.com/office/drawing/2010/main" val="0"/>
+              </a:ext>
+            </a:extLst>
+          </a:blip>
+          <a:stretch>
+            <a:fillRect/>
+          </a:stretch>
+        </p:blipFill>
+        <p:spPr>
+          <a:xfrm>
+            <a:off x="2135667" y="3328784"/>
+            <a:ext cx="1097516" cy="1097516"/>
+          </a:xfrm>
+          <a:prstGeom prst="rect">
+            <a:avLst/>
+          </a:prstGeom>
+        </p:spPr>
+      </p:pic>
+      <p:pic>
+        <p:nvPicPr>
+          <p:cNvPr id="5" name="図 4"/>
+          <p:cNvPicPr>
+            <a:picLocks noChangeAspect="1"/>
+          </p:cNvPicPr>
+          <p:nvPr/>
+        </p:nvPicPr>
+        <p:blipFill>
+          <a:blip r:embed="rId3">
+            <a:extLst>
+              <a:ext uri="{28A0092B-C50C-407E-A947-70E740481C1C}">
+                <a14:useLocalDpi xmlns:a14="http://schemas.microsoft.com/office/drawing/2010/main" val="0"/>
+              </a:ext>
+            </a:extLst>
+          </a:blip>
+          <a:stretch>
+            <a:fillRect/>
+          </a:stretch>
+        </p:blipFill>
+        <p:spPr>
+          <a:xfrm>
+            <a:off x="8637181" y="3328784"/>
+            <a:ext cx="1184349" cy="1184349"/>
+          </a:xfrm>
+          <a:prstGeom prst="rect">
+            <a:avLst/>
+          </a:prstGeom>
+        </p:spPr>
+      </p:pic>
+      <p:pic>
+        <p:nvPicPr>
+          <p:cNvPr id="6" name="図 5"/>
+          <p:cNvPicPr>
+            <a:picLocks noChangeAspect="1"/>
+          </p:cNvPicPr>
+          <p:nvPr/>
+        </p:nvPicPr>
+        <p:blipFill>
+          <a:blip r:embed="rId4">
+            <a:extLst>
+              <a:ext uri="{28A0092B-C50C-407E-A947-70E740481C1C}">
+                <a14:useLocalDpi xmlns:a14="http://schemas.microsoft.com/office/drawing/2010/main" val="0"/>
+              </a:ext>
+            </a:extLst>
+          </a:blip>
+          <a:stretch>
+            <a:fillRect/>
+          </a:stretch>
+        </p:blipFill>
+        <p:spPr>
+          <a:xfrm>
+            <a:off x="1672561" y="3923618"/>
+            <a:ext cx="589515" cy="589515"/>
+          </a:xfrm>
+          <a:prstGeom prst="rect">
+            <a:avLst/>
+          </a:prstGeom>
+        </p:spPr>
+      </p:pic>
+      <p:cxnSp>
+        <p:nvCxnSpPr>
+          <p:cNvPr id="8" name="直線矢印コネクタ 7"/>
+          <p:cNvCxnSpPr/>
+          <p:nvPr/>
+        </p:nvCxnSpPr>
+        <p:spPr>
+          <a:xfrm flipH="1">
+            <a:off x="3508744" y="4072476"/>
+            <a:ext cx="4763386" cy="0"/>
+          </a:xfrm>
+          <a:prstGeom prst="straightConnector1">
+            <a:avLst/>
+          </a:prstGeom>
+          <a:ln w="76200">
+            <a:solidFill>
+              <a:srgbClr val="FF0000"/>
+            </a:solidFill>
+            <a:tailEnd type="triangle"/>
+          </a:ln>
+        </p:spPr>
+        <p:style>
+          <a:lnRef idx="1">
+            <a:schemeClr val="accent1"/>
+          </a:lnRef>
+          <a:fillRef idx="0">
+            <a:schemeClr val="accent1"/>
+          </a:fillRef>
+          <a:effectRef idx="0">
+            <a:schemeClr val="accent1"/>
+          </a:effectRef>
+          <a:fontRef idx="minor">
+            <a:schemeClr val="tx1"/>
+          </a:fontRef>
+        </p:style>
+      </p:cxnSp>
+      <p:sp>
+        <p:nvSpPr>
+          <p:cNvPr id="9" name="テキスト ボックス 8"/>
+          <p:cNvSpPr txBox="1"/>
+          <p:nvPr/>
+        </p:nvSpPr>
+        <p:spPr>
+          <a:xfrm>
+            <a:off x="5150352" y="3101978"/>
+            <a:ext cx="1569660" cy="369332"/>
+          </a:xfrm>
+          <a:prstGeom prst="rect">
+            <a:avLst/>
+          </a:prstGeom>
+          <a:noFill/>
+        </p:spPr>
+        <p:txBody>
+          <a:bodyPr wrap="none" rtlCol="0">
+            <a:spAutoFit/>
+          </a:bodyPr>
+          <a:lstStyle/>
+          <a:p>
+            <a:r>
+              <a:rPr kumimoji="1" lang="ja-JP" altLang="en-US" b="1"/>
+              <a:t>初回アクセス</a:t>
+            </a:r>
+          </a:p>
+        </p:txBody>
+      </p:sp>
+      <p:sp>
+        <p:nvSpPr>
+          <p:cNvPr id="10" name="テキスト ボックス 9"/>
+          <p:cNvSpPr txBox="1"/>
+          <p:nvPr/>
+        </p:nvSpPr>
+        <p:spPr>
+          <a:xfrm>
+            <a:off x="4179245" y="4120763"/>
+            <a:ext cx="3392275" cy="369332"/>
+          </a:xfrm>
+          <a:prstGeom prst="rect">
+            <a:avLst/>
+          </a:prstGeom>
+          <a:noFill/>
+        </p:spPr>
+        <p:txBody>
+          <a:bodyPr wrap="none" rtlCol="0">
+            <a:spAutoFit/>
+          </a:bodyPr>
+          <a:lstStyle/>
+          <a:p>
+            <a:r>
+              <a:rPr lang="en-US" altLang="ja-JP" b="1">
+                <a:solidFill>
+                  <a:srgbClr val="FF0000"/>
+                </a:solidFill>
+                <a:latin typeface="Menlo" charset="0"/>
+                <a:ea typeface="Menlo" charset="0"/>
+                <a:cs typeface="Menlo" charset="0"/>
+              </a:rPr>
+              <a:t>set-cookie: id=abcd1234</a:t>
+            </a:r>
+            <a:endParaRPr kumimoji="1" lang="ja-JP" altLang="en-US" b="1">
+              <a:solidFill>
+                <a:srgbClr val="FF0000"/>
+              </a:solidFill>
+              <a:latin typeface="Menlo" charset="0"/>
+              <a:ea typeface="Menlo" charset="0"/>
+              <a:cs typeface="Menlo" charset="0"/>
+            </a:endParaRPr>
+          </a:p>
+        </p:txBody>
+      </p:sp>
+      <p:cxnSp>
+        <p:nvCxnSpPr>
+          <p:cNvPr id="11" name="直線矢印コネクタ 10"/>
+          <p:cNvCxnSpPr/>
+          <p:nvPr/>
+        </p:nvCxnSpPr>
+        <p:spPr>
+          <a:xfrm>
+            <a:off x="3508744" y="3819620"/>
+            <a:ext cx="4763386" cy="0"/>
+          </a:xfrm>
+          <a:prstGeom prst="straightConnector1">
+            <a:avLst/>
+          </a:prstGeom>
+          <a:ln w="76200">
+            <a:solidFill>
+              <a:srgbClr val="4B4B4B"/>
+            </a:solidFill>
+            <a:tailEnd type="triangle"/>
+          </a:ln>
+        </p:spPr>
+        <p:style>
+          <a:lnRef idx="1">
+            <a:schemeClr val="accent1"/>
+          </a:lnRef>
+          <a:fillRef idx="0">
+            <a:schemeClr val="accent1"/>
+          </a:fillRef>
+          <a:effectRef idx="0">
+            <a:schemeClr val="accent1"/>
+          </a:effectRef>
+          <a:fontRef idx="minor">
+            <a:schemeClr val="tx1"/>
+          </a:fontRef>
+        </p:style>
+      </p:cxnSp>
+      <p:pic>
+        <p:nvPicPr>
+          <p:cNvPr id="12" name="図 11"/>
+          <p:cNvPicPr>
+            <a:picLocks noChangeAspect="1"/>
+          </p:cNvPicPr>
+          <p:nvPr/>
+        </p:nvPicPr>
+        <p:blipFill>
+          <a:blip r:embed="rId2">
+            <a:extLst>
+              <a:ext uri="{28A0092B-C50C-407E-A947-70E740481C1C}">
+                <a14:useLocalDpi xmlns:a14="http://schemas.microsoft.com/office/drawing/2010/main" val="0"/>
+              </a:ext>
+            </a:extLst>
+          </a:blip>
+          <a:stretch>
+            <a:fillRect/>
+          </a:stretch>
+        </p:blipFill>
+        <p:spPr>
+          <a:xfrm>
+            <a:off x="2139210" y="5288724"/>
+            <a:ext cx="1097516" cy="1097516"/>
+          </a:xfrm>
+          <a:prstGeom prst="rect">
+            <a:avLst/>
+          </a:prstGeom>
+        </p:spPr>
+      </p:pic>
+      <p:pic>
+        <p:nvPicPr>
+          <p:cNvPr id="13" name="図 12"/>
+          <p:cNvPicPr>
+            <a:picLocks noChangeAspect="1"/>
+          </p:cNvPicPr>
+          <p:nvPr/>
+        </p:nvPicPr>
+        <p:blipFill>
+          <a:blip r:embed="rId3">
+            <a:extLst>
+              <a:ext uri="{28A0092B-C50C-407E-A947-70E740481C1C}">
+                <a14:useLocalDpi xmlns:a14="http://schemas.microsoft.com/office/drawing/2010/main" val="0"/>
+              </a:ext>
+            </a:extLst>
+          </a:blip>
+          <a:stretch>
+            <a:fillRect/>
+          </a:stretch>
+        </p:blipFill>
+        <p:spPr>
+          <a:xfrm>
+            <a:off x="8640724" y="5288724"/>
+            <a:ext cx="1184349" cy="1184349"/>
+          </a:xfrm>
+          <a:prstGeom prst="rect">
+            <a:avLst/>
+          </a:prstGeom>
+        </p:spPr>
+      </p:pic>
+      <p:pic>
+        <p:nvPicPr>
+          <p:cNvPr id="14" name="図 13"/>
+          <p:cNvPicPr>
+            <a:picLocks noChangeAspect="1"/>
+          </p:cNvPicPr>
+          <p:nvPr/>
+        </p:nvPicPr>
+        <p:blipFill>
+          <a:blip r:embed="rId4">
+            <a:extLst>
+              <a:ext uri="{28A0092B-C50C-407E-A947-70E740481C1C}">
+                <a14:useLocalDpi xmlns:a14="http://schemas.microsoft.com/office/drawing/2010/main" val="0"/>
+              </a:ext>
+            </a:extLst>
+          </a:blip>
+          <a:stretch>
+            <a:fillRect/>
+          </a:stretch>
+        </p:blipFill>
+        <p:spPr>
+          <a:xfrm>
+            <a:off x="1676104" y="5883558"/>
+            <a:ext cx="589515" cy="589515"/>
+          </a:xfrm>
+          <a:prstGeom prst="rect">
+            <a:avLst/>
+          </a:prstGeom>
+        </p:spPr>
+      </p:pic>
+      <p:cxnSp>
+        <p:nvCxnSpPr>
+          <p:cNvPr id="15" name="直線矢印コネクタ 14"/>
+          <p:cNvCxnSpPr/>
+          <p:nvPr/>
+        </p:nvCxnSpPr>
+        <p:spPr>
+          <a:xfrm flipH="1">
+            <a:off x="3512287" y="6096213"/>
+            <a:ext cx="4763386" cy="0"/>
+          </a:xfrm>
+          <a:prstGeom prst="straightConnector1">
+            <a:avLst/>
+          </a:prstGeom>
+          <a:ln w="76200">
+            <a:solidFill>
+              <a:srgbClr val="4B4B4B"/>
+            </a:solidFill>
+            <a:tailEnd type="triangle"/>
+          </a:ln>
+        </p:spPr>
+        <p:style>
+          <a:lnRef idx="1">
+            <a:schemeClr val="accent1"/>
+          </a:lnRef>
+          <a:fillRef idx="0">
+            <a:schemeClr val="accent1"/>
+          </a:fillRef>
+          <a:effectRef idx="0">
+            <a:schemeClr val="accent1"/>
+          </a:effectRef>
+          <a:fontRef idx="minor">
+            <a:schemeClr val="tx1"/>
+          </a:fontRef>
+        </p:style>
+      </p:cxnSp>
+      <p:sp>
+        <p:nvSpPr>
+          <p:cNvPr id="16" name="テキスト ボックス 15"/>
+          <p:cNvSpPr txBox="1"/>
+          <p:nvPr/>
+        </p:nvSpPr>
+        <p:spPr>
+          <a:xfrm>
+            <a:off x="4807648" y="5061918"/>
+            <a:ext cx="2262158" cy="369332"/>
+          </a:xfrm>
+          <a:prstGeom prst="rect">
+            <a:avLst/>
+          </a:prstGeom>
+          <a:noFill/>
+        </p:spPr>
+        <p:txBody>
+          <a:bodyPr wrap="none" rtlCol="0">
+            <a:spAutoFit/>
+          </a:bodyPr>
+          <a:lstStyle/>
+          <a:p>
+            <a:pPr algn="ctr"/>
+            <a:r>
+              <a:rPr lang="ja-JP" altLang="en-US" b="1"/>
+              <a:t>次回</a:t>
+            </a:r>
+            <a:r>
+              <a:rPr kumimoji="1" lang="ja-JP" altLang="en-US" b="1"/>
+              <a:t>以降のアクセス</a:t>
+            </a:r>
+          </a:p>
+        </p:txBody>
+      </p:sp>
+      <p:sp>
+        <p:nvSpPr>
+          <p:cNvPr id="17" name="テキスト ボックス 16"/>
+          <p:cNvSpPr txBox="1"/>
+          <p:nvPr/>
+        </p:nvSpPr>
+        <p:spPr>
+          <a:xfrm>
+            <a:off x="4461710" y="5432119"/>
+            <a:ext cx="2834430" cy="369332"/>
+          </a:xfrm>
+          <a:prstGeom prst="rect">
+            <a:avLst/>
+          </a:prstGeom>
+          <a:noFill/>
+        </p:spPr>
+        <p:txBody>
+          <a:bodyPr wrap="none" rtlCol="0">
+            <a:spAutoFit/>
+          </a:bodyPr>
+          <a:lstStyle/>
+          <a:p>
+            <a:pPr algn="ctr"/>
+            <a:r>
+              <a:rPr lang="en-US" altLang="ja-JP" b="1">
+                <a:solidFill>
+                  <a:srgbClr val="FF0000"/>
+                </a:solidFill>
+                <a:latin typeface="Menlo" charset="0"/>
+                <a:ea typeface="Menlo" charset="0"/>
+                <a:cs typeface="Menlo" charset="0"/>
+              </a:rPr>
+              <a:t>cookie: id=abcd1234</a:t>
+            </a:r>
+            <a:endParaRPr kumimoji="1" lang="ja-JP" altLang="en-US" b="1">
+              <a:solidFill>
+                <a:srgbClr val="FF0000"/>
+              </a:solidFill>
+              <a:latin typeface="Menlo" charset="0"/>
+              <a:ea typeface="Menlo" charset="0"/>
+              <a:cs typeface="Menlo" charset="0"/>
+            </a:endParaRPr>
+          </a:p>
+        </p:txBody>
+      </p:sp>
+      <p:cxnSp>
+        <p:nvCxnSpPr>
+          <p:cNvPr id="18" name="直線矢印コネクタ 17"/>
+          <p:cNvCxnSpPr/>
+          <p:nvPr/>
+        </p:nvCxnSpPr>
+        <p:spPr>
+          <a:xfrm>
+            <a:off x="3512287" y="5843357"/>
+            <a:ext cx="4763386" cy="0"/>
+          </a:xfrm>
+          <a:prstGeom prst="straightConnector1">
+            <a:avLst/>
+          </a:prstGeom>
+          <a:ln w="76200">
+            <a:solidFill>
+              <a:srgbClr val="FF0000"/>
+            </a:solidFill>
+            <a:tailEnd type="triangle"/>
+          </a:ln>
+        </p:spPr>
+        <p:style>
+          <a:lnRef idx="1">
+            <a:schemeClr val="accent1"/>
+          </a:lnRef>
+          <a:fillRef idx="0">
+            <a:schemeClr val="accent1"/>
+          </a:fillRef>
+          <a:effectRef idx="0">
+            <a:schemeClr val="accent1"/>
+          </a:effectRef>
+          <a:fontRef idx="minor">
+            <a:schemeClr val="tx1"/>
+          </a:fontRef>
+        </p:style>
+      </p:cxnSp>
+      <p:sp>
+        <p:nvSpPr>
+          <p:cNvPr id="19" name="テキスト ボックス 18"/>
+          <p:cNvSpPr txBox="1"/>
+          <p:nvPr/>
+        </p:nvSpPr>
+        <p:spPr>
+          <a:xfrm>
+            <a:off x="8683372" y="4426300"/>
+            <a:ext cx="1091966" cy="369332"/>
+          </a:xfrm>
+          <a:prstGeom prst="rect">
+            <a:avLst/>
+          </a:prstGeom>
+          <a:noFill/>
+        </p:spPr>
+        <p:txBody>
+          <a:bodyPr wrap="none" rtlCol="0">
+            <a:spAutoFit/>
+          </a:bodyPr>
+          <a:lstStyle/>
+          <a:p>
+            <a:r>
+              <a:rPr lang="ja-JP" altLang="en-US" b="1"/>
+              <a:t>サーバ</a:t>
+            </a:r>
+            <a:r>
+              <a:rPr lang="en-US" altLang="ja-JP" b="1"/>
+              <a:t> A</a:t>
+            </a:r>
+            <a:endParaRPr kumimoji="1" lang="ja-JP" altLang="en-US" b="1"/>
+          </a:p>
+        </p:txBody>
+      </p:sp>
+      <p:sp>
+        <p:nvSpPr>
+          <p:cNvPr id="20" name="テキスト ボックス 19"/>
+          <p:cNvSpPr txBox="1"/>
+          <p:nvPr/>
+        </p:nvSpPr>
+        <p:spPr>
+          <a:xfrm>
+            <a:off x="8683372" y="6380092"/>
+            <a:ext cx="1091966" cy="369332"/>
+          </a:xfrm>
+          <a:prstGeom prst="rect">
+            <a:avLst/>
+          </a:prstGeom>
+          <a:noFill/>
+        </p:spPr>
+        <p:txBody>
+          <a:bodyPr wrap="none" rtlCol="0">
+            <a:spAutoFit/>
+          </a:bodyPr>
+          <a:lstStyle/>
+          <a:p>
+            <a:r>
+              <a:rPr lang="ja-JP" altLang="en-US" b="1"/>
+              <a:t>サーバ</a:t>
+            </a:r>
+            <a:r>
+              <a:rPr lang="en-US" altLang="ja-JP" b="1"/>
+              <a:t> A</a:t>
+            </a:r>
+            <a:endParaRPr kumimoji="1" lang="ja-JP" altLang="en-US" b="1"/>
+          </a:p>
+        </p:txBody>
+      </p:sp>
+      <p:sp>
+        <p:nvSpPr>
+          <p:cNvPr id="21" name="テキスト ボックス 20"/>
+          <p:cNvSpPr txBox="1"/>
+          <p:nvPr/>
+        </p:nvSpPr>
+        <p:spPr>
+          <a:xfrm>
+            <a:off x="1416526" y="4490095"/>
+            <a:ext cx="1101584" cy="369332"/>
+          </a:xfrm>
+          <a:prstGeom prst="rect">
+            <a:avLst/>
+          </a:prstGeom>
+          <a:noFill/>
+        </p:spPr>
+        <p:txBody>
+          <a:bodyPr wrap="none" rtlCol="0">
+            <a:spAutoFit/>
+          </a:bodyPr>
+          <a:lstStyle/>
+          <a:p>
+            <a:r>
+              <a:rPr kumimoji="1" lang="ja-JP" altLang="en-US" b="1"/>
+              <a:t>ユーザ</a:t>
+            </a:r>
+            <a:r>
+              <a:rPr kumimoji="1" lang="en-US" altLang="ja-JP" b="1"/>
+              <a:t> A</a:t>
+            </a:r>
+            <a:endParaRPr kumimoji="1" lang="ja-JP" altLang="en-US" b="1"/>
+          </a:p>
+        </p:txBody>
+      </p:sp>
+      <p:sp>
+        <p:nvSpPr>
+          <p:cNvPr id="22" name="テキスト ボックス 21"/>
+          <p:cNvSpPr txBox="1"/>
+          <p:nvPr/>
+        </p:nvSpPr>
+        <p:spPr>
+          <a:xfrm>
+            <a:off x="1416526" y="6446205"/>
+            <a:ext cx="1101584" cy="369332"/>
+          </a:xfrm>
+          <a:prstGeom prst="rect">
+            <a:avLst/>
+          </a:prstGeom>
+          <a:noFill/>
+        </p:spPr>
+        <p:txBody>
+          <a:bodyPr wrap="none" rtlCol="0">
+            <a:spAutoFit/>
+          </a:bodyPr>
+          <a:lstStyle/>
+          <a:p>
+            <a:r>
+              <a:rPr kumimoji="1" lang="ja-JP" altLang="en-US" b="1"/>
+              <a:t>ユーザ</a:t>
+            </a:r>
+            <a:r>
+              <a:rPr kumimoji="1" lang="en-US" altLang="ja-JP" b="1"/>
+              <a:t> A</a:t>
+            </a:r>
+            <a:endParaRPr kumimoji="1" lang="ja-JP" altLang="en-US" b="1"/>
+          </a:p>
+        </p:txBody>
+      </p:sp>
+    </p:spTree>
+    <p:extLst>
+      <p:ext uri="{BB962C8B-B14F-4D97-AF65-F5344CB8AC3E}">
+        <p14:creationId xmlns:p14="http://schemas.microsoft.com/office/powerpoint/2010/main" val="1205268648"/>
+      </p:ext>
+    </p:extLst>
+  </p:cSld>
+  <p:clrMapOvr>
+    <a:masterClrMapping/>
+  </p:clrMapOvr>
+  <p:timing>
+    <p:tnLst>
+      <p:par>
+        <p:cTn id="1" dur="indefinite" restart="never" nodeType="tmRoot"/>
+      </p:par>
+    </p:tnLst>
+  </p:timing>
+</p:sld>
+</file>
+
+<file path=ppt/slides/slide5.xml><?xml version="1.0" encoding="utf-8"?>
+<p:sld xmlns:a="http://schemas.openxmlformats.org/drawingml/2006/main" xmlns:r="http://schemas.openxmlformats.org/officeDocument/2006/relationships" xmlns:p="http://schemas.openxmlformats.org/presentationml/2006/main">
+  <p:cSld>
+    <p:spTree>
+      <p:nvGrpSpPr>
+        <p:cNvPr id="1" name=""/>
+        <p:cNvGrpSpPr/>
+        <p:nvPr/>
+      </p:nvGrpSpPr>
+      <p:grpSpPr>
+        <a:xfrm>
+          <a:off x="0" y="0"/>
+          <a:ext cx="0" cy="0"/>
+          <a:chOff x="0" y="0"/>
+          <a:chExt cx="0" cy="0"/>
+        </a:xfrm>
+      </p:grpSpPr>
+      <p:sp>
+        <p:nvSpPr>
+          <p:cNvPr id="2" name="タイトル 1"/>
+          <p:cNvSpPr>
+            <a:spLocks noGrp="1"/>
+          </p:cNvSpPr>
+          <p:nvPr>
+            <p:ph type="title"/>
+          </p:nvPr>
+        </p:nvSpPr>
+        <p:spPr>
+          <a:xfrm>
+            <a:off x="158400" y="151200"/>
+            <a:ext cx="10515600" cy="1325563"/>
+          </a:xfrm>
+        </p:spPr>
+        <p:txBody>
+          <a:bodyPr/>
+          <a:lstStyle/>
+          <a:p>
+            <a:r>
+              <a:rPr kumimoji="1" lang="ja-JP" altLang="en-US"/>
+              <a:t>提案手法</a:t>
+            </a:r>
+          </a:p>
+        </p:txBody>
+      </p:sp>
+      <p:pic>
+        <p:nvPicPr>
+          <p:cNvPr id="4" name="図 3"/>
+          <p:cNvPicPr>
+            <a:picLocks noChangeAspect="1"/>
+          </p:cNvPicPr>
+          <p:nvPr/>
+        </p:nvPicPr>
+        <p:blipFill>
+          <a:blip r:embed="rId2">
+            <a:extLst>
+              <a:ext uri="{28A0092B-C50C-407E-A947-70E740481C1C}">
+                <a14:useLocalDpi xmlns:a14="http://schemas.microsoft.com/office/drawing/2010/main" val="0"/>
+              </a:ext>
+            </a:extLst>
+          </a:blip>
+          <a:stretch>
+            <a:fillRect/>
+          </a:stretch>
+        </p:blipFill>
+        <p:spPr>
+          <a:xfrm>
+            <a:off x="418706" y="1424874"/>
+            <a:ext cx="8647321" cy="4706369"/>
+          </a:xfrm>
+          <a:prstGeom prst="rect">
+            <a:avLst/>
+          </a:prstGeom>
+        </p:spPr>
+      </p:pic>
+      <p:pic>
+        <p:nvPicPr>
+          <p:cNvPr id="5" name="図 4"/>
+          <p:cNvPicPr>
+            <a:picLocks noChangeAspect="1"/>
+          </p:cNvPicPr>
+          <p:nvPr/>
+        </p:nvPicPr>
+        <p:blipFill>
+          <a:blip r:embed="rId3">
+            <a:extLst>
+              <a:ext uri="{28A0092B-C50C-407E-A947-70E740481C1C}">
+                <a14:useLocalDpi xmlns:a14="http://schemas.microsoft.com/office/drawing/2010/main" val="0"/>
+              </a:ext>
+            </a:extLst>
+          </a:blip>
+          <a:stretch>
+            <a:fillRect/>
+          </a:stretch>
+        </p:blipFill>
+        <p:spPr>
+          <a:xfrm>
+            <a:off x="11188990" y="3902734"/>
+            <a:ext cx="543245" cy="543245"/>
+          </a:xfrm>
+          <a:prstGeom prst="rect">
+            <a:avLst/>
+          </a:prstGeom>
+        </p:spPr>
+      </p:pic>
+      <p:pic>
+        <p:nvPicPr>
+          <p:cNvPr id="6" name="図 5"/>
+          <p:cNvPicPr>
+            <a:picLocks noChangeAspect="1"/>
+          </p:cNvPicPr>
+          <p:nvPr/>
+        </p:nvPicPr>
+        <p:blipFill>
+          <a:blip r:embed="rId4">
+            <a:extLst>
+              <a:ext uri="{28A0092B-C50C-407E-A947-70E740481C1C}">
+                <a14:useLocalDpi xmlns:a14="http://schemas.microsoft.com/office/drawing/2010/main" val="0"/>
+              </a:ext>
+            </a:extLst>
+          </a:blip>
+          <a:stretch>
+            <a:fillRect/>
+          </a:stretch>
+        </p:blipFill>
+        <p:spPr>
+          <a:xfrm>
+            <a:off x="10443917" y="3410808"/>
+            <a:ext cx="807097" cy="807097"/>
+          </a:xfrm>
+          <a:prstGeom prst="rect">
+            <a:avLst/>
+          </a:prstGeom>
+        </p:spPr>
+      </p:pic>
+      <p:pic>
+        <p:nvPicPr>
+          <p:cNvPr id="8" name="図 7"/>
+          <p:cNvPicPr>
+            <a:picLocks noChangeAspect="1"/>
+          </p:cNvPicPr>
+          <p:nvPr/>
+        </p:nvPicPr>
+        <p:blipFill>
+          <a:blip r:embed="rId5">
+            <a:extLst>
+              <a:ext uri="{28A0092B-C50C-407E-A947-70E740481C1C}">
+                <a14:useLocalDpi xmlns:a14="http://schemas.microsoft.com/office/drawing/2010/main" val="0"/>
+              </a:ext>
+            </a:extLst>
+          </a:blip>
+          <a:stretch>
+            <a:fillRect/>
+          </a:stretch>
+        </p:blipFill>
+        <p:spPr>
+          <a:xfrm>
+            <a:off x="7594135" y="4710224"/>
+            <a:ext cx="752103" cy="752103"/>
+          </a:xfrm>
+          <a:prstGeom prst="rect">
+            <a:avLst/>
+          </a:prstGeom>
+          <a:noFill/>
+          <a:ln w="57150">
+            <a:noFill/>
+          </a:ln>
+        </p:spPr>
+      </p:pic>
+      <p:sp>
+        <p:nvSpPr>
+          <p:cNvPr id="9" name="正方形/長方形 8"/>
+          <p:cNvSpPr/>
+          <p:nvPr/>
+        </p:nvSpPr>
+        <p:spPr>
+          <a:xfrm>
+            <a:off x="319222" y="1337886"/>
+            <a:ext cx="8846287" cy="4880345"/>
+          </a:xfrm>
+          <a:prstGeom prst="rect">
+            <a:avLst/>
+          </a:prstGeom>
+          <a:noFill/>
+          <a:ln w="57150">
+            <a:solidFill>
+              <a:srgbClr val="FF0000"/>
+            </a:solidFill>
+          </a:ln>
+        </p:spPr>
+        <p:style>
+          <a:lnRef idx="2">
+            <a:schemeClr val="accent1">
+              <a:shade val="50000"/>
+            </a:schemeClr>
+          </a:lnRef>
+          <a:fillRef idx="1">
+            <a:schemeClr val="accent1"/>
+          </a:fillRef>
+          <a:effectRef idx="0">
+            <a:schemeClr val="accent1"/>
+          </a:effectRef>
+          <a:fontRef idx="minor">
+            <a:schemeClr val="lt1"/>
+          </a:fontRef>
+        </p:style>
+        <p:txBody>
+          <a:bodyPr rtlCol="0" anchor="ctr"/>
+          <a:lstStyle/>
+          <a:p>
+            <a:pPr algn="ctr"/>
+            <a:endParaRPr kumimoji="1" lang="ja-JP" altLang="en-US"/>
+          </a:p>
+        </p:txBody>
+      </p:sp>
+      <p:sp>
+        <p:nvSpPr>
+          <p:cNvPr id="10" name="正方形/長方形 9"/>
+          <p:cNvSpPr/>
+          <p:nvPr/>
+        </p:nvSpPr>
+        <p:spPr>
+          <a:xfrm>
+            <a:off x="7457436" y="4637815"/>
+            <a:ext cx="1060548" cy="931773"/>
+          </a:xfrm>
+          <a:prstGeom prst="rect">
+            <a:avLst/>
+          </a:prstGeom>
+          <a:noFill/>
+          <a:ln w="57150">
+            <a:solidFill>
+              <a:srgbClr val="FF0000"/>
+            </a:solidFill>
+          </a:ln>
+        </p:spPr>
+        <p:style>
+          <a:lnRef idx="2">
+            <a:schemeClr val="accent1">
+              <a:shade val="50000"/>
+            </a:schemeClr>
+          </a:lnRef>
+          <a:fillRef idx="1">
+            <a:schemeClr val="accent1"/>
+          </a:fillRef>
+          <a:effectRef idx="0">
+            <a:schemeClr val="accent1"/>
+          </a:effectRef>
+          <a:fontRef idx="minor">
+            <a:schemeClr val="lt1"/>
+          </a:fontRef>
+        </p:style>
+        <p:txBody>
+          <a:bodyPr rtlCol="0" anchor="ctr"/>
+          <a:lstStyle/>
+          <a:p>
+            <a:pPr algn="ctr"/>
+            <a:endParaRPr kumimoji="1" lang="ja-JP" altLang="en-US"/>
+          </a:p>
+        </p:txBody>
+      </p:sp>
+      <p:pic>
+        <p:nvPicPr>
+          <p:cNvPr id="12" name="図 11"/>
+          <p:cNvPicPr>
+            <a:picLocks noChangeAspect="1"/>
+          </p:cNvPicPr>
+          <p:nvPr/>
+        </p:nvPicPr>
+        <p:blipFill>
+          <a:blip r:embed="rId5">
+            <a:extLst>
+              <a:ext uri="{28A0092B-C50C-407E-A947-70E740481C1C}">
+                <a14:useLocalDpi xmlns:a14="http://schemas.microsoft.com/office/drawing/2010/main" val="0"/>
+              </a:ext>
+            </a:extLst>
+          </a:blip>
+          <a:stretch>
+            <a:fillRect/>
+          </a:stretch>
+        </p:blipFill>
+        <p:spPr>
+          <a:xfrm>
+            <a:off x="7218083" y="3062254"/>
+            <a:ext cx="752103" cy="752103"/>
+          </a:xfrm>
+          <a:prstGeom prst="rect">
+            <a:avLst/>
+          </a:prstGeom>
+          <a:noFill/>
+          <a:ln w="57150">
+            <a:noFill/>
+          </a:ln>
+        </p:spPr>
+      </p:pic>
+      <p:sp>
+        <p:nvSpPr>
+          <p:cNvPr id="13" name="正方形/長方形 12"/>
+          <p:cNvSpPr/>
+          <p:nvPr/>
+        </p:nvSpPr>
+        <p:spPr>
+          <a:xfrm>
+            <a:off x="7063861" y="2970961"/>
+            <a:ext cx="1060548" cy="931773"/>
+          </a:xfrm>
+          <a:prstGeom prst="rect">
+            <a:avLst/>
+          </a:prstGeom>
+          <a:noFill/>
+          <a:ln w="57150">
+            <a:solidFill>
+              <a:srgbClr val="0070C0"/>
+            </a:solidFill>
+          </a:ln>
+        </p:spPr>
+        <p:style>
+          <a:lnRef idx="2">
+            <a:schemeClr val="accent1">
+              <a:shade val="50000"/>
+            </a:schemeClr>
+          </a:lnRef>
+          <a:fillRef idx="1">
+            <a:schemeClr val="accent1"/>
+          </a:fillRef>
+          <a:effectRef idx="0">
+            <a:schemeClr val="accent1"/>
+          </a:effectRef>
+          <a:fontRef idx="minor">
+            <a:schemeClr val="lt1"/>
+          </a:fontRef>
+        </p:style>
+        <p:txBody>
+          <a:bodyPr rtlCol="0" anchor="ctr"/>
+          <a:lstStyle/>
+          <a:p>
+            <a:pPr algn="ctr"/>
+            <a:endParaRPr kumimoji="1" lang="ja-JP" altLang="en-US">
+              <a:solidFill>
+                <a:srgbClr val="FF0000"/>
+              </a:solidFill>
+            </a:endParaRPr>
+          </a:p>
+        </p:txBody>
+      </p:sp>
+      <p:sp>
+        <p:nvSpPr>
+          <p:cNvPr id="14" name="正方形/長方形 13"/>
+          <p:cNvSpPr/>
+          <p:nvPr/>
+        </p:nvSpPr>
+        <p:spPr>
+          <a:xfrm>
+            <a:off x="6397552" y="2456816"/>
+            <a:ext cx="2416837" cy="413976"/>
+          </a:xfrm>
+          <a:prstGeom prst="rect">
+            <a:avLst/>
+          </a:prstGeom>
+          <a:noFill/>
+          <a:ln w="57150">
+            <a:solidFill>
+              <a:srgbClr val="0070C0"/>
+            </a:solidFill>
+          </a:ln>
+        </p:spPr>
+        <p:style>
+          <a:lnRef idx="2">
+            <a:schemeClr val="accent1">
+              <a:shade val="50000"/>
+            </a:schemeClr>
+          </a:lnRef>
+          <a:fillRef idx="1">
+            <a:schemeClr val="accent1"/>
+          </a:fillRef>
+          <a:effectRef idx="0">
+            <a:schemeClr val="accent1"/>
+          </a:effectRef>
+          <a:fontRef idx="minor">
+            <a:schemeClr val="lt1"/>
+          </a:fontRef>
+        </p:style>
+        <p:txBody>
+          <a:bodyPr rtlCol="0" anchor="ctr"/>
+          <a:lstStyle/>
+          <a:p>
+            <a:pPr algn="ctr"/>
+            <a:endParaRPr kumimoji="1" lang="ja-JP" altLang="en-US">
+              <a:solidFill>
+                <a:srgbClr val="FF0000"/>
+              </a:solidFill>
+            </a:endParaRPr>
+          </a:p>
+        </p:txBody>
+      </p:sp>
+      <p:cxnSp>
+        <p:nvCxnSpPr>
+          <p:cNvPr id="16" name="直線矢印コネクタ 15"/>
+          <p:cNvCxnSpPr/>
+          <p:nvPr/>
+        </p:nvCxnSpPr>
+        <p:spPr>
+          <a:xfrm flipH="1" flipV="1">
+            <a:off x="8223161" y="3414084"/>
+            <a:ext cx="2166953" cy="249035"/>
+          </a:xfrm>
+          <a:prstGeom prst="straightConnector1">
+            <a:avLst/>
+          </a:prstGeom>
+          <a:ln w="57150">
+            <a:solidFill>
+              <a:srgbClr val="0070C0"/>
+            </a:solidFill>
+            <a:tailEnd type="triangle"/>
+          </a:ln>
+        </p:spPr>
+        <p:style>
+          <a:lnRef idx="1">
+            <a:schemeClr val="accent1"/>
+          </a:lnRef>
+          <a:fillRef idx="0">
+            <a:schemeClr val="accent1"/>
+          </a:fillRef>
+          <a:effectRef idx="0">
+            <a:schemeClr val="accent1"/>
+          </a:effectRef>
+          <a:fontRef idx="minor">
+            <a:schemeClr val="tx1"/>
+          </a:fontRef>
+        </p:style>
+      </p:cxnSp>
+      <p:cxnSp>
+        <p:nvCxnSpPr>
+          <p:cNvPr id="18" name="直線矢印コネクタ 17"/>
+          <p:cNvCxnSpPr/>
+          <p:nvPr/>
+        </p:nvCxnSpPr>
+        <p:spPr>
+          <a:xfrm flipH="1">
+            <a:off x="8612372" y="3930234"/>
+            <a:ext cx="1777743" cy="1024538"/>
+          </a:xfrm>
+          <a:prstGeom prst="straightConnector1">
+            <a:avLst/>
+          </a:prstGeom>
+          <a:ln w="57150">
+            <a:solidFill>
+              <a:srgbClr val="FF0000"/>
+            </a:solidFill>
+            <a:tailEnd type="triangle"/>
+          </a:ln>
+        </p:spPr>
+        <p:style>
+          <a:lnRef idx="1">
+            <a:schemeClr val="accent1"/>
+          </a:lnRef>
+          <a:fillRef idx="0">
+            <a:schemeClr val="accent1"/>
+          </a:fillRef>
+          <a:effectRef idx="0">
+            <a:schemeClr val="accent1"/>
+          </a:effectRef>
+          <a:fontRef idx="minor">
+            <a:schemeClr val="tx1"/>
+          </a:fontRef>
+        </p:style>
+      </p:cxnSp>
+      <p:sp>
+        <p:nvSpPr>
+          <p:cNvPr id="21" name="テキスト ボックス 20"/>
+          <p:cNvSpPr txBox="1"/>
+          <p:nvPr/>
+        </p:nvSpPr>
+        <p:spPr>
+          <a:xfrm>
+            <a:off x="8830231" y="2807660"/>
+            <a:ext cx="1800493" cy="646331"/>
+          </a:xfrm>
+          <a:prstGeom prst="rect">
+            <a:avLst/>
+          </a:prstGeom>
+          <a:noFill/>
+        </p:spPr>
+        <p:txBody>
+          <a:bodyPr wrap="none" rtlCol="0">
+            <a:spAutoFit/>
+          </a:bodyPr>
+          <a:lstStyle/>
+          <a:p>
+            <a:r>
+              <a:rPr kumimoji="1" lang="ja-JP" altLang="en-US"/>
+              <a:t>ログイン済みの</a:t>
+            </a:r>
+            <a:endParaRPr lang="en-US" altLang="ja-JP"/>
+          </a:p>
+          <a:p>
+            <a:r>
+              <a:rPr kumimoji="1" lang="en-US" altLang="ja-JP"/>
+              <a:t>Cookie</a:t>
+            </a:r>
+            <a:endParaRPr kumimoji="1" lang="ja-JP" altLang="en-US"/>
+          </a:p>
+        </p:txBody>
+      </p:sp>
+      <p:sp>
+        <p:nvSpPr>
+          <p:cNvPr id="22" name="テキスト ボックス 21"/>
+          <p:cNvSpPr txBox="1"/>
+          <p:nvPr/>
+        </p:nvSpPr>
+        <p:spPr>
+          <a:xfrm>
+            <a:off x="10255881" y="4514856"/>
+            <a:ext cx="1866217" cy="646331"/>
+          </a:xfrm>
+          <a:prstGeom prst="rect">
+            <a:avLst/>
+          </a:prstGeom>
+          <a:noFill/>
+        </p:spPr>
+        <p:txBody>
+          <a:bodyPr wrap="none" rtlCol="0">
+            <a:spAutoFit/>
+          </a:bodyPr>
+          <a:lstStyle/>
+          <a:p>
+            <a:r>
+              <a:rPr kumimoji="1" lang="en-US" altLang="ja-JP"/>
+              <a:t>SNS </a:t>
+            </a:r>
+            <a:r>
+              <a:rPr kumimoji="1" lang="ja-JP" altLang="en-US"/>
+              <a:t>にログイン</a:t>
+            </a:r>
+            <a:endParaRPr kumimoji="1" lang="en-US" altLang="ja-JP"/>
+          </a:p>
+          <a:p>
+            <a:r>
+              <a:rPr kumimoji="1" lang="ja-JP" altLang="en-US"/>
+              <a:t>済みのユーザ</a:t>
+            </a:r>
+          </a:p>
+        </p:txBody>
+      </p:sp>
+    </p:spTree>
+    <p:extLst>
+      <p:ext uri="{BB962C8B-B14F-4D97-AF65-F5344CB8AC3E}">
+        <p14:creationId xmlns:p14="http://schemas.microsoft.com/office/powerpoint/2010/main" val="979231888"/>
+      </p:ext>
+    </p:extLst>
+  </p:cSld>
+  <p:clrMapOvr>
+    <a:masterClrMapping/>
+  </p:clrMapOvr>
+  <p:timing>
+    <p:tnLst>
+      <p:par>
+        <p:cTn id="1" dur="indefinite" restart="never" nodeType="tmRoot"/>
+      </p:par>
+    </p:tnLst>
+  </p:timing>
+</p:sld>
+</file>
+
+<file path=ppt/slides/slide6.xml><?xml version="1.0" encoding="utf-8"?>
+<p:sld xmlns:a="http://schemas.openxmlformats.org/drawingml/2006/main" xmlns:r="http://schemas.openxmlformats.org/officeDocument/2006/relationships" xmlns:p="http://schemas.openxmlformats.org/presentationml/2006/main">
+  <p:cSld>
+    <p:spTree>
+      <p:nvGrpSpPr>
+        <p:cNvPr id="1" name=""/>
+        <p:cNvGrpSpPr/>
+        <p:nvPr/>
+      </p:nvGrpSpPr>
+      <p:grpSpPr>
+        <a:xfrm>
+          <a:off x="0" y="0"/>
+          <a:ext cx="0" cy="0"/>
+          <a:chOff x="0" y="0"/>
+          <a:chExt cx="0" cy="0"/>
+        </a:xfrm>
+      </p:grpSpPr>
+      <p:sp>
+        <p:nvSpPr>
+          <p:cNvPr id="2" name="タイトル 1"/>
+          <p:cNvSpPr>
+            <a:spLocks noGrp="1"/>
+          </p:cNvSpPr>
+          <p:nvPr>
+            <p:ph type="title"/>
+          </p:nvPr>
+        </p:nvSpPr>
+        <p:spPr>
+          <a:xfrm>
+            <a:off x="157717" y="152474"/>
+            <a:ext cx="10515600" cy="1325563"/>
+          </a:xfrm>
+        </p:spPr>
+        <p:txBody>
+          <a:bodyPr/>
+          <a:lstStyle/>
+          <a:p>
+            <a:r>
+              <a:rPr kumimoji="1" lang="ja-JP" altLang="en-US"/>
+              <a:t>実験手順</a:t>
+            </a:r>
+          </a:p>
+        </p:txBody>
+      </p:sp>
+      <p:sp>
+        <p:nvSpPr>
+          <p:cNvPr id="3" name="コンテンツ プレースホルダー 2"/>
+          <p:cNvSpPr>
+            <a:spLocks noGrp="1"/>
+          </p:cNvSpPr>
+          <p:nvPr>
+            <p:ph idx="1"/>
+          </p:nvPr>
+        </p:nvSpPr>
+        <p:spPr/>
+        <p:txBody>
+          <a:bodyPr/>
+          <a:lstStyle/>
+          <a:p>
+            <a:pPr marL="514350" indent="-514350">
+              <a:buFont typeface="+mj-lt"/>
+              <a:buAutoNum type="arabicPeriod"/>
+            </a:pPr>
+            <a:r>
+              <a:rPr kumimoji="1" lang="en-US" altLang="ja-JP"/>
+              <a:t>15 </a:t>
+            </a:r>
+            <a:r>
+              <a:rPr kumimoji="1" lang="ja-JP" altLang="en-US"/>
+              <a:t>名の被験者を募集</a:t>
+            </a:r>
+            <a:endParaRPr kumimoji="1" lang="en-US" altLang="ja-JP"/>
+          </a:p>
+          <a:p>
+            <a:pPr marL="514350" indent="-514350">
+              <a:buFont typeface="+mj-lt"/>
+              <a:buAutoNum type="arabicPeriod"/>
+            </a:pPr>
+            <a:r>
+              <a:rPr lang="en-US" altLang="ja-JP"/>
+              <a:t>Mastodon </a:t>
+            </a:r>
+            <a:r>
+              <a:rPr lang="ja-JP" altLang="en-US"/>
+              <a:t>のアカウントの作成・ログイン</a:t>
+            </a:r>
+            <a:endParaRPr lang="en-US" altLang="ja-JP"/>
+          </a:p>
+          <a:p>
+            <a:pPr marL="514350" indent="-514350">
+              <a:buFont typeface="+mj-lt"/>
+              <a:buAutoNum type="arabicPeriod"/>
+            </a:pPr>
+            <a:r>
+              <a:rPr lang="ja-JP" altLang="en-US"/>
+              <a:t>匿名掲示板へのアクセス・投稿</a:t>
+            </a:r>
+            <a:endParaRPr lang="en-US" altLang="ja-JP"/>
+          </a:p>
+          <a:p>
+            <a:pPr marL="514350" indent="-514350">
+              <a:buFont typeface="+mj-lt"/>
+              <a:buAutoNum type="arabicPeriod"/>
+            </a:pPr>
+            <a:r>
+              <a:rPr lang="en-US" altLang="ja-JP"/>
+              <a:t>Cookie </a:t>
+            </a:r>
+            <a:r>
+              <a:rPr lang="ja-JP" altLang="en-US"/>
+              <a:t>の解析</a:t>
+            </a:r>
+            <a:endParaRPr lang="en-US" altLang="ja-JP"/>
+          </a:p>
+          <a:p>
+            <a:pPr marL="514350" indent="-514350">
+              <a:buFont typeface="+mj-lt"/>
+              <a:buAutoNum type="arabicPeriod"/>
+            </a:pPr>
+            <a:r>
+              <a:rPr lang="ja-JP" altLang="en-US"/>
+              <a:t>投稿者の</a:t>
+            </a:r>
+            <a:r>
+              <a:rPr lang="en-US" altLang="ja-JP"/>
+              <a:t> Mastodon </a:t>
+            </a:r>
+            <a:r>
+              <a:rPr lang="ja-JP" altLang="en-US"/>
+              <a:t>のアカウントを特定</a:t>
+            </a:r>
+            <a:endParaRPr lang="en-US" altLang="ja-JP"/>
+          </a:p>
+        </p:txBody>
+      </p:sp>
+    </p:spTree>
+    <p:extLst>
+      <p:ext uri="{BB962C8B-B14F-4D97-AF65-F5344CB8AC3E}">
+        <p14:creationId xmlns:p14="http://schemas.microsoft.com/office/powerpoint/2010/main" val="2045885112"/>
+      </p:ext>
+    </p:extLst>
+  </p:cSld>
+  <p:clrMapOvr>
+    <a:masterClrMapping/>
+  </p:clrMapOvr>
+  <p:timing>
+    <p:tnLst>
+      <p:par>
+        <p:cTn id="1" dur="indefinite" restart="never" nodeType="tmRoot"/>
+      </p:par>
+    </p:tnLst>
+  </p:timing>
+</p:sld>
+</file>
+
+<file path=ppt/slides/slide7.xml><?xml version="1.0" encoding="utf-8"?>
+<p:sld xmlns:a="http://schemas.openxmlformats.org/drawingml/2006/main" xmlns:r="http://schemas.openxmlformats.org/officeDocument/2006/relationships" xmlns:p="http://schemas.openxmlformats.org/presentationml/2006/main">
+  <p:cSld>
+    <p:spTree>
+      <p:nvGrpSpPr>
+        <p:cNvPr id="1" name=""/>
+        <p:cNvGrpSpPr/>
+        <p:nvPr/>
+      </p:nvGrpSpPr>
+      <p:grpSpPr>
+        <a:xfrm>
+          <a:off x="0" y="0"/>
+          <a:ext cx="0" cy="0"/>
+          <a:chOff x="0" y="0"/>
+          <a:chExt cx="0" cy="0"/>
+        </a:xfrm>
+      </p:grpSpPr>
+      <p:sp>
+        <p:nvSpPr>
+          <p:cNvPr id="2" name="タイトル 1"/>
+          <p:cNvSpPr>
+            <a:spLocks noGrp="1"/>
+          </p:cNvSpPr>
+          <p:nvPr>
+            <p:ph type="title"/>
+          </p:nvPr>
+        </p:nvSpPr>
+        <p:spPr>
+          <a:xfrm>
+            <a:off x="157717" y="152474"/>
+            <a:ext cx="10515600" cy="1325563"/>
+          </a:xfrm>
+        </p:spPr>
+        <p:txBody>
+          <a:bodyPr/>
+          <a:lstStyle/>
+          <a:p>
+            <a:r>
+              <a:rPr kumimoji="1" lang="ja-JP" altLang="en-US"/>
+              <a:t>実験結果</a:t>
+            </a:r>
+          </a:p>
+        </p:txBody>
+      </p:sp>
+      <p:sp>
+        <p:nvSpPr>
+          <p:cNvPr id="3" name="コンテンツ プレースホルダー 2"/>
+          <p:cNvSpPr>
+            <a:spLocks noGrp="1"/>
+          </p:cNvSpPr>
+          <p:nvPr>
+            <p:ph idx="1"/>
+          </p:nvPr>
+        </p:nvSpPr>
+        <p:spPr/>
+        <p:txBody>
+          <a:bodyPr/>
+          <a:lstStyle/>
+          <a:p>
+            <a:r>
+              <a:rPr kumimoji="1" lang="en-US" altLang="ja-JP"/>
+              <a:t>32 </a:t>
+            </a:r>
+            <a:r>
+              <a:rPr kumimoji="1" lang="ja-JP" altLang="en-US"/>
+              <a:t>件中、</a:t>
+            </a:r>
+            <a:r>
+              <a:rPr kumimoji="1" lang="en-US" altLang="ja-JP"/>
+              <a:t>26</a:t>
+            </a:r>
+            <a:r>
+              <a:rPr kumimoji="1" lang="ja-JP" altLang="en-US"/>
+              <a:t> 件の投稿を特定</a:t>
+            </a:r>
+            <a:endParaRPr kumimoji="1" lang="en-US" altLang="ja-JP"/>
+          </a:p>
+          <a:p>
+            <a:r>
+              <a:rPr lang="ja-JP" altLang="en-US"/>
+              <a:t>特定不可の</a:t>
+            </a:r>
+            <a:r>
+              <a:rPr lang="en-US" altLang="ja-JP"/>
+              <a:t> 6 </a:t>
+            </a:r>
+            <a:r>
+              <a:rPr lang="ja-JP" altLang="en-US"/>
+              <a:t>件が</a:t>
+            </a:r>
+            <a:r>
+              <a:rPr lang="en-US" altLang="ja-JP"/>
+              <a:t> 2 </a:t>
+            </a:r>
+            <a:r>
+              <a:rPr lang="ja-JP" altLang="en-US"/>
+              <a:t>名の被験者であることを特定</a:t>
+            </a:r>
+            <a:endParaRPr lang="en-US" altLang="ja-JP"/>
+          </a:p>
+          <a:p>
+            <a:r>
+              <a:rPr kumimoji="1" lang="ja-JP" altLang="en-US"/>
+              <a:t>正答率</a:t>
+            </a:r>
+            <a:r>
+              <a:rPr kumimoji="1" lang="en-US" altLang="ja-JP"/>
+              <a:t> 100%</a:t>
+            </a:r>
+            <a:endParaRPr kumimoji="1" lang="ja-JP" altLang="en-US"/>
+          </a:p>
+        </p:txBody>
+      </p:sp>
+    </p:spTree>
+    <p:extLst>
+      <p:ext uri="{BB962C8B-B14F-4D97-AF65-F5344CB8AC3E}">
+        <p14:creationId xmlns:p14="http://schemas.microsoft.com/office/powerpoint/2010/main" val="1048675044"/>
+      </p:ext>
+    </p:extLst>
+  </p:cSld>
+  <p:clrMapOvr>
+    <a:masterClrMapping/>
+  </p:clrMapOvr>
+  <p:timing>
+    <p:tnLst>
+      <p:par>
+        <p:cTn id="1" dur="indefinite" restart="never" nodeType="tmRoot"/>
+      </p:par>
+    </p:tnLst>
+  </p:timing>
+</p:sld>
+</file>
+
+<file path=ppt/slides/slide8.xml><?xml version="1.0" encoding="utf-8"?>
+<p:sld xmlns:a="http://schemas.openxmlformats.org/drawingml/2006/main" xmlns:r="http://schemas.openxmlformats.org/officeDocument/2006/relationships" xmlns:p="http://schemas.openxmlformats.org/presentationml/2006/main">
+  <p:cSld>
+    <p:spTree>
+      <p:nvGrpSpPr>
+        <p:cNvPr id="1" name=""/>
+        <p:cNvGrpSpPr/>
+        <p:nvPr/>
+      </p:nvGrpSpPr>
+      <p:grpSpPr>
+        <a:xfrm>
+          <a:off x="0" y="0"/>
+          <a:ext cx="0" cy="0"/>
+          <a:chOff x="0" y="0"/>
+          <a:chExt cx="0" cy="0"/>
+        </a:xfrm>
+      </p:grpSpPr>
+      <p:sp>
+        <p:nvSpPr>
+          <p:cNvPr id="2" name="タイトル 1"/>
+          <p:cNvSpPr>
+            <a:spLocks noGrp="1"/>
+          </p:cNvSpPr>
+          <p:nvPr>
+            <p:ph type="title"/>
+          </p:nvPr>
+        </p:nvSpPr>
+        <p:spPr>
+          <a:xfrm>
+            <a:off x="157717" y="152474"/>
+            <a:ext cx="10515600" cy="1325563"/>
+          </a:xfrm>
+        </p:spPr>
+        <p:txBody>
+          <a:bodyPr/>
+          <a:lstStyle/>
+          <a:p>
+            <a:r>
+              <a:rPr lang="ja-JP" altLang="en-US"/>
+              <a:t>評価・考察</a:t>
+            </a:r>
+            <a:endParaRPr kumimoji="1" lang="ja-JP" altLang="en-US"/>
+          </a:p>
+        </p:txBody>
+      </p:sp>
+      <p:sp>
+        <p:nvSpPr>
+          <p:cNvPr id="3" name="コンテンツ プレースホルダー 2"/>
+          <p:cNvSpPr>
+            <a:spLocks noGrp="1"/>
+          </p:cNvSpPr>
+          <p:nvPr>
+            <p:ph idx="1"/>
+          </p:nvPr>
+        </p:nvSpPr>
+        <p:spPr/>
+        <p:txBody>
+          <a:bodyPr/>
+          <a:lstStyle/>
+          <a:p>
+            <a:r>
+              <a:rPr lang="ja-JP" altLang="en-US"/>
+              <a:t>サードパーティ</a:t>
+            </a:r>
+            <a:r>
+              <a:rPr lang="en-US" altLang="ja-JP"/>
+              <a:t> Cookie </a:t>
+            </a:r>
+            <a:r>
+              <a:rPr lang="ja-JP" altLang="en-US"/>
+              <a:t>のブロック</a:t>
+            </a:r>
+            <a:endParaRPr lang="en-US" altLang="ja-JP"/>
+          </a:p>
+          <a:p>
+            <a:r>
+              <a:rPr lang="en-US" altLang="ja-JP"/>
+              <a:t>IP</a:t>
+            </a:r>
+            <a:r>
+              <a:rPr lang="ja-JP" altLang="en-US"/>
+              <a:t> アドレスによる特定との比較</a:t>
+            </a:r>
+            <a:endParaRPr lang="en-US" altLang="ja-JP"/>
+          </a:p>
+        </p:txBody>
+      </p:sp>
+    </p:spTree>
+    <p:extLst>
+      <p:ext uri="{BB962C8B-B14F-4D97-AF65-F5344CB8AC3E}">
+        <p14:creationId xmlns:p14="http://schemas.microsoft.com/office/powerpoint/2010/main" val="1571568214"/>
+      </p:ext>
+    </p:extLst>
+  </p:cSld>
+  <p:clrMapOvr>
+    <a:masterClrMapping/>
+  </p:clrMapOvr>
+  <p:timing>
+    <p:tnLst>
+      <p:par>
+        <p:cTn id="1" dur="indefinite" restart="never" nodeType="tmRoot"/>
+      </p:par>
+    </p:tnLst>
+  </p:timing>
+</p:sld>
+</file>
+
+<file path=ppt/slides/slide9.xml><?xml version="1.0" encoding="utf-8"?>
+<p:sld xmlns:a="http://schemas.openxmlformats.org/drawingml/2006/main" xmlns:r="http://schemas.openxmlformats.org/officeDocument/2006/relationships" xmlns:p="http://schemas.openxmlformats.org/presentationml/2006/main">
+  <p:cSld>
+    <p:spTree>
+      <p:nvGrpSpPr>
+        <p:cNvPr id="1" name=""/>
+        <p:cNvGrpSpPr/>
+        <p:nvPr/>
+      </p:nvGrpSpPr>
+      <p:grpSpPr>
+        <a:xfrm>
+          <a:off x="0" y="0"/>
+          <a:ext cx="0" cy="0"/>
+          <a:chOff x="0" y="0"/>
+          <a:chExt cx="0" cy="0"/>
+        </a:xfrm>
+      </p:grpSpPr>
+      <p:sp>
+        <p:nvSpPr>
+          <p:cNvPr id="2" name="タイトル 1"/>
+          <p:cNvSpPr>
+            <a:spLocks noGrp="1"/>
+          </p:cNvSpPr>
+          <p:nvPr>
+            <p:ph type="title"/>
+          </p:nvPr>
+        </p:nvSpPr>
+        <p:spPr>
+          <a:xfrm>
+            <a:off x="157717" y="152474"/>
+            <a:ext cx="10515600" cy="1325563"/>
+          </a:xfrm>
+        </p:spPr>
+        <p:txBody>
+          <a:bodyPr/>
+          <a:lstStyle/>
+          <a:p>
+            <a:r>
+              <a:rPr kumimoji="1" lang="ja-JP" altLang="en-US"/>
+              <a:t>サードパーティ</a:t>
+            </a:r>
+            <a:r>
+              <a:rPr kumimoji="1" lang="en-US" altLang="ja-JP"/>
+              <a:t> Cookie </a:t>
+            </a:r>
+            <a:r>
+              <a:rPr kumimoji="1" lang="ja-JP" altLang="en-US"/>
+              <a:t>のブロック</a:t>
+            </a:r>
+          </a:p>
+        </p:txBody>
+      </p:sp>
+      <p:pic>
+        <p:nvPicPr>
+          <p:cNvPr id="4" name="図 3"/>
+          <p:cNvPicPr>
+            <a:picLocks noChangeAspect="1"/>
+          </p:cNvPicPr>
+          <p:nvPr/>
+        </p:nvPicPr>
+        <p:blipFill>
+          <a:blip r:embed="rId2">
+            <a:extLst>
+              <a:ext uri="{28A0092B-C50C-407E-A947-70E740481C1C}">
+                <a14:useLocalDpi xmlns:a14="http://schemas.microsoft.com/office/drawing/2010/main" val="0"/>
+              </a:ext>
+            </a:extLst>
+          </a:blip>
+          <a:stretch>
+            <a:fillRect/>
+          </a:stretch>
+        </p:blipFill>
+        <p:spPr>
+          <a:xfrm>
+            <a:off x="418706" y="1424874"/>
+            <a:ext cx="8647321" cy="4706369"/>
+          </a:xfrm>
+          <a:prstGeom prst="rect">
+            <a:avLst/>
+          </a:prstGeom>
+        </p:spPr>
+      </p:pic>
+      <p:pic>
+        <p:nvPicPr>
+          <p:cNvPr id="5" name="図 4"/>
+          <p:cNvPicPr>
+            <a:picLocks noChangeAspect="1"/>
+          </p:cNvPicPr>
+          <p:nvPr/>
+        </p:nvPicPr>
+        <p:blipFill>
+          <a:blip r:embed="rId3">
+            <a:extLst>
+              <a:ext uri="{28A0092B-C50C-407E-A947-70E740481C1C}">
+                <a14:useLocalDpi xmlns:a14="http://schemas.microsoft.com/office/drawing/2010/main" val="0"/>
+              </a:ext>
+            </a:extLst>
+          </a:blip>
+          <a:stretch>
+            <a:fillRect/>
+          </a:stretch>
+        </p:blipFill>
+        <p:spPr>
+          <a:xfrm>
+            <a:off x="11188990" y="3902734"/>
+            <a:ext cx="543245" cy="543245"/>
+          </a:xfrm>
+          <a:prstGeom prst="rect">
+            <a:avLst/>
+          </a:prstGeom>
+        </p:spPr>
+      </p:pic>
+      <p:pic>
+        <p:nvPicPr>
+          <p:cNvPr id="6" name="図 5"/>
+          <p:cNvPicPr>
+            <a:picLocks noChangeAspect="1"/>
+          </p:cNvPicPr>
+          <p:nvPr/>
+        </p:nvPicPr>
+        <p:blipFill>
+          <a:blip r:embed="rId4">
+            <a:extLst>
+              <a:ext uri="{28A0092B-C50C-407E-A947-70E740481C1C}">
+                <a14:useLocalDpi xmlns:a14="http://schemas.microsoft.com/office/drawing/2010/main" val="0"/>
+              </a:ext>
+            </a:extLst>
+          </a:blip>
+          <a:stretch>
+            <a:fillRect/>
+          </a:stretch>
+        </p:blipFill>
+        <p:spPr>
+          <a:xfrm>
+            <a:off x="10443917" y="3410808"/>
+            <a:ext cx="807097" cy="807097"/>
+          </a:xfrm>
+          <a:prstGeom prst="rect">
+            <a:avLst/>
+          </a:prstGeom>
+        </p:spPr>
+      </p:pic>
+      <p:pic>
+        <p:nvPicPr>
+          <p:cNvPr id="7" name="図 6"/>
+          <p:cNvPicPr>
+            <a:picLocks noChangeAspect="1"/>
+          </p:cNvPicPr>
+          <p:nvPr/>
+        </p:nvPicPr>
+        <p:blipFill>
+          <a:blip r:embed="rId5">
+            <a:extLst>
+              <a:ext uri="{28A0092B-C50C-407E-A947-70E740481C1C}">
+                <a14:useLocalDpi xmlns:a14="http://schemas.microsoft.com/office/drawing/2010/main" val="0"/>
+              </a:ext>
+            </a:extLst>
+          </a:blip>
+          <a:stretch>
+            <a:fillRect/>
+          </a:stretch>
+        </p:blipFill>
+        <p:spPr>
+          <a:xfrm>
+            <a:off x="7594135" y="4710224"/>
+            <a:ext cx="752103" cy="752103"/>
+          </a:xfrm>
+          <a:prstGeom prst="rect">
+            <a:avLst/>
+          </a:prstGeom>
+          <a:noFill/>
+          <a:ln w="57150">
+            <a:noFill/>
+          </a:ln>
+        </p:spPr>
+      </p:pic>
+      <p:sp>
+        <p:nvSpPr>
+          <p:cNvPr id="8" name="正方形/長方形 7"/>
+          <p:cNvSpPr/>
+          <p:nvPr/>
+        </p:nvSpPr>
+        <p:spPr>
+          <a:xfrm>
+            <a:off x="319222" y="1337886"/>
+            <a:ext cx="8846287" cy="4880345"/>
+          </a:xfrm>
+          <a:prstGeom prst="rect">
+            <a:avLst/>
+          </a:prstGeom>
+          <a:noFill/>
+          <a:ln w="57150">
+            <a:solidFill>
+              <a:srgbClr val="FF0000"/>
+            </a:solidFill>
+          </a:ln>
+        </p:spPr>
+        <p:style>
+          <a:lnRef idx="2">
+            <a:schemeClr val="accent1">
+              <a:shade val="50000"/>
+            </a:schemeClr>
+          </a:lnRef>
+          <a:fillRef idx="1">
+            <a:schemeClr val="accent1"/>
+          </a:fillRef>
+          <a:effectRef idx="0">
+            <a:schemeClr val="accent1"/>
+          </a:effectRef>
+          <a:fontRef idx="minor">
+            <a:schemeClr val="lt1"/>
+          </a:fontRef>
+        </p:style>
+        <p:txBody>
+          <a:bodyPr rtlCol="0" anchor="ctr"/>
+          <a:lstStyle/>
+          <a:p>
+            <a:pPr algn="ctr"/>
+            <a:endParaRPr kumimoji="1" lang="ja-JP" altLang="en-US"/>
+          </a:p>
+        </p:txBody>
+      </p:sp>
+      <p:sp>
+        <p:nvSpPr>
+          <p:cNvPr id="9" name="正方形/長方形 8"/>
+          <p:cNvSpPr/>
+          <p:nvPr/>
+        </p:nvSpPr>
+        <p:spPr>
+          <a:xfrm>
+            <a:off x="7457436" y="4637815"/>
+            <a:ext cx="1060548" cy="931773"/>
+          </a:xfrm>
+          <a:prstGeom prst="rect">
+            <a:avLst/>
+          </a:prstGeom>
+          <a:noFill/>
+          <a:ln w="57150">
+            <a:solidFill>
+              <a:srgbClr val="FF0000"/>
+            </a:solidFill>
+          </a:ln>
+        </p:spPr>
+        <p:style>
+          <a:lnRef idx="2">
+            <a:schemeClr val="accent1">
+              <a:shade val="50000"/>
+            </a:schemeClr>
+          </a:lnRef>
+          <a:fillRef idx="1">
+            <a:schemeClr val="accent1"/>
+          </a:fillRef>
+          <a:effectRef idx="0">
+            <a:schemeClr val="accent1"/>
+          </a:effectRef>
+          <a:fontRef idx="minor">
+            <a:schemeClr val="lt1"/>
+          </a:fontRef>
+        </p:style>
+        <p:txBody>
+          <a:bodyPr rtlCol="0" anchor="ctr"/>
+          <a:lstStyle/>
+          <a:p>
+            <a:pPr algn="ctr"/>
+            <a:endParaRPr kumimoji="1" lang="ja-JP" altLang="en-US"/>
+          </a:p>
+        </p:txBody>
+      </p:sp>
+      <p:pic>
+        <p:nvPicPr>
+          <p:cNvPr id="10" name="図 9"/>
+          <p:cNvPicPr>
+            <a:picLocks noChangeAspect="1"/>
+          </p:cNvPicPr>
+          <p:nvPr/>
+        </p:nvPicPr>
+        <p:blipFill>
+          <a:blip r:embed="rId5">
+            <a:extLst>
+              <a:ext uri="{28A0092B-C50C-407E-A947-70E740481C1C}">
+                <a14:useLocalDpi xmlns:a14="http://schemas.microsoft.com/office/drawing/2010/main" val="0"/>
+              </a:ext>
+            </a:extLst>
+          </a:blip>
+          <a:stretch>
+            <a:fillRect/>
+          </a:stretch>
+        </p:blipFill>
+        <p:spPr>
+          <a:xfrm>
+            <a:off x="7218083" y="3062254"/>
+            <a:ext cx="752103" cy="752103"/>
+          </a:xfrm>
+          <a:prstGeom prst="rect">
+            <a:avLst/>
+          </a:prstGeom>
+          <a:noFill/>
+          <a:ln w="57150">
+            <a:noFill/>
+          </a:ln>
+        </p:spPr>
+      </p:pic>
+      <p:sp>
+        <p:nvSpPr>
+          <p:cNvPr id="11" name="正方形/長方形 10"/>
+          <p:cNvSpPr/>
+          <p:nvPr/>
+        </p:nvSpPr>
+        <p:spPr>
+          <a:xfrm>
+            <a:off x="7063861" y="2970961"/>
+            <a:ext cx="1060548" cy="931773"/>
+          </a:xfrm>
+          <a:prstGeom prst="rect">
+            <a:avLst/>
+          </a:prstGeom>
+          <a:noFill/>
+          <a:ln w="57150">
+            <a:solidFill>
+              <a:srgbClr val="0070C0"/>
+            </a:solidFill>
+          </a:ln>
+        </p:spPr>
+        <p:style>
+          <a:lnRef idx="2">
+            <a:schemeClr val="accent1">
+              <a:shade val="50000"/>
+            </a:schemeClr>
+          </a:lnRef>
+          <a:fillRef idx="1">
+            <a:schemeClr val="accent1"/>
+          </a:fillRef>
+          <a:effectRef idx="0">
+            <a:schemeClr val="accent1"/>
+          </a:effectRef>
+          <a:fontRef idx="minor">
+            <a:schemeClr val="lt1"/>
+          </a:fontRef>
+        </p:style>
+        <p:txBody>
+          <a:bodyPr rtlCol="0" anchor="ctr"/>
+          <a:lstStyle/>
+          <a:p>
+            <a:pPr algn="ctr"/>
+            <a:endParaRPr kumimoji="1" lang="ja-JP" altLang="en-US">
+              <a:solidFill>
+                <a:srgbClr val="FF0000"/>
+              </a:solidFill>
+            </a:endParaRPr>
+          </a:p>
+        </p:txBody>
+      </p:sp>
+      <p:sp>
+        <p:nvSpPr>
+          <p:cNvPr id="12" name="正方形/長方形 11"/>
+          <p:cNvSpPr/>
+          <p:nvPr/>
+        </p:nvSpPr>
+        <p:spPr>
+          <a:xfrm>
+            <a:off x="6397552" y="2456816"/>
+            <a:ext cx="2416837" cy="413976"/>
+          </a:xfrm>
+          <a:prstGeom prst="rect">
+            <a:avLst/>
+          </a:prstGeom>
+          <a:noFill/>
+          <a:ln w="57150">
+            <a:solidFill>
+              <a:srgbClr val="0070C0"/>
+            </a:solidFill>
+          </a:ln>
+        </p:spPr>
+        <p:style>
+          <a:lnRef idx="2">
+            <a:schemeClr val="accent1">
+              <a:shade val="50000"/>
+            </a:schemeClr>
+          </a:lnRef>
+          <a:fillRef idx="1">
+            <a:schemeClr val="accent1"/>
+          </a:fillRef>
+          <a:effectRef idx="0">
+            <a:schemeClr val="accent1"/>
+          </a:effectRef>
+          <a:fontRef idx="minor">
+            <a:schemeClr val="lt1"/>
+          </a:fontRef>
+        </p:style>
+        <p:txBody>
+          <a:bodyPr rtlCol="0" anchor="ctr"/>
+          <a:lstStyle/>
+          <a:p>
+            <a:pPr algn="ctr"/>
+            <a:endParaRPr kumimoji="1" lang="ja-JP" altLang="en-US">
+              <a:solidFill>
+                <a:srgbClr val="FF0000"/>
+              </a:solidFill>
+            </a:endParaRPr>
+          </a:p>
+        </p:txBody>
+      </p:sp>
+      <p:cxnSp>
+        <p:nvCxnSpPr>
+          <p:cNvPr id="13" name="直線矢印コネクタ 12"/>
+          <p:cNvCxnSpPr/>
+          <p:nvPr/>
+        </p:nvCxnSpPr>
+        <p:spPr>
+          <a:xfrm flipH="1" flipV="1">
+            <a:off x="8223161" y="3414084"/>
+            <a:ext cx="2166953" cy="249035"/>
+          </a:xfrm>
+          <a:prstGeom prst="straightConnector1">
+            <a:avLst/>
+          </a:prstGeom>
+          <a:ln w="57150">
+            <a:solidFill>
+              <a:srgbClr val="0070C0"/>
+            </a:solidFill>
+            <a:tailEnd type="triangle"/>
+          </a:ln>
+        </p:spPr>
+        <p:style>
+          <a:lnRef idx="1">
+            <a:schemeClr val="accent1"/>
+          </a:lnRef>
+          <a:fillRef idx="0">
+            <a:schemeClr val="accent1"/>
+          </a:fillRef>
+          <a:effectRef idx="0">
+            <a:schemeClr val="accent1"/>
+          </a:effectRef>
+          <a:fontRef idx="minor">
+            <a:schemeClr val="tx1"/>
+          </a:fontRef>
+        </p:style>
+      </p:cxnSp>
+      <p:cxnSp>
+        <p:nvCxnSpPr>
+          <p:cNvPr id="14" name="直線矢印コネクタ 13"/>
+          <p:cNvCxnSpPr/>
+          <p:nvPr/>
+        </p:nvCxnSpPr>
+        <p:spPr>
+          <a:xfrm flipH="1">
+            <a:off x="8612372" y="3930234"/>
+            <a:ext cx="1777743" cy="1024538"/>
+          </a:xfrm>
+          <a:prstGeom prst="straightConnector1">
+            <a:avLst/>
+          </a:prstGeom>
+          <a:ln w="57150">
+            <a:solidFill>
+              <a:srgbClr val="FF0000"/>
+            </a:solidFill>
+            <a:tailEnd type="triangle"/>
+          </a:ln>
+        </p:spPr>
+        <p:style>
+          <a:lnRef idx="1">
+            <a:schemeClr val="accent1"/>
+          </a:lnRef>
+          <a:fillRef idx="0">
+            <a:schemeClr val="accent1"/>
+          </a:fillRef>
+          <a:effectRef idx="0">
+            <a:schemeClr val="accent1"/>
+          </a:effectRef>
+          <a:fontRef idx="minor">
+            <a:schemeClr val="tx1"/>
+          </a:fontRef>
+        </p:style>
+      </p:cxnSp>
+      <p:sp>
+        <p:nvSpPr>
+          <p:cNvPr id="15" name="テキスト ボックス 14"/>
+          <p:cNvSpPr txBox="1"/>
+          <p:nvPr/>
+        </p:nvSpPr>
+        <p:spPr>
+          <a:xfrm>
+            <a:off x="8830231" y="2807660"/>
+            <a:ext cx="1800493" cy="646331"/>
+          </a:xfrm>
+          <a:prstGeom prst="rect">
+            <a:avLst/>
+          </a:prstGeom>
+          <a:noFill/>
+        </p:spPr>
+        <p:txBody>
+          <a:bodyPr wrap="none" rtlCol="0">
+            <a:spAutoFit/>
+          </a:bodyPr>
+          <a:lstStyle/>
+          <a:p>
+            <a:r>
+              <a:rPr kumimoji="1" lang="ja-JP" altLang="en-US"/>
+              <a:t>サードパーティ</a:t>
+            </a:r>
+            <a:endParaRPr lang="en-US" altLang="ja-JP"/>
+          </a:p>
+          <a:p>
+            <a:r>
+              <a:rPr kumimoji="1" lang="en-US" altLang="ja-JP"/>
+              <a:t>Cookie</a:t>
+            </a:r>
+            <a:endParaRPr kumimoji="1" lang="ja-JP" altLang="en-US"/>
+          </a:p>
+        </p:txBody>
+      </p:sp>
+      <p:sp>
+        <p:nvSpPr>
+          <p:cNvPr id="17" name="テキスト ボックス 16"/>
+          <p:cNvSpPr txBox="1"/>
+          <p:nvPr/>
+        </p:nvSpPr>
+        <p:spPr>
+          <a:xfrm>
+            <a:off x="9160415" y="4573511"/>
+            <a:ext cx="2262158" cy="646331"/>
+          </a:xfrm>
+          <a:prstGeom prst="rect">
+            <a:avLst/>
+          </a:prstGeom>
+          <a:noFill/>
+        </p:spPr>
+        <p:txBody>
+          <a:bodyPr wrap="none" rtlCol="0">
+            <a:spAutoFit/>
+          </a:bodyPr>
+          <a:lstStyle/>
+          <a:p>
+            <a:r>
+              <a:rPr lang="ja-JP" altLang="en-US"/>
+              <a:t>ファースト</a:t>
+            </a:r>
+            <a:r>
+              <a:rPr kumimoji="1" lang="ja-JP" altLang="en-US"/>
+              <a:t>パーティ</a:t>
+            </a:r>
+            <a:endParaRPr lang="en-US" altLang="ja-JP"/>
+          </a:p>
+          <a:p>
+            <a:r>
+              <a:rPr kumimoji="1" lang="en-US" altLang="ja-JP"/>
+              <a:t>Cookie</a:t>
+            </a:r>
+            <a:endParaRPr kumimoji="1" lang="ja-JP" altLang="en-US"/>
+          </a:p>
+        </p:txBody>
+      </p:sp>
+    </p:spTree>
+    <p:extLst>
+      <p:ext uri="{BB962C8B-B14F-4D97-AF65-F5344CB8AC3E}">
+        <p14:creationId xmlns:p14="http://schemas.microsoft.com/office/powerpoint/2010/main" val="352469839"/>
+      </p:ext>
+    </p:extLst>
+  </p:cSld>
+  <p:clrMapOvr>
+    <a:masterClrMapping/>
+  </p:clrMapOvr>
+  <p:timing>
+    <p:tnLst>
+      <p:par>
+        <p:cTn id="1" dur="indefinite" restart="never" nodeType="tmRoot"/>
+      </p:par>
+    </p:tnLst>
+  </p:timing>
 </p:sld>
 </file>
 
@@ -3556,4 +8313,265 @@
     </a:ext>
   </a:extLst>
 </a:theme>
+</file>
+
+<file path=ppt/theme/theme2.xml><?xml version="1.0" encoding="utf-8"?>
+<a:theme xmlns:a="http://schemas.openxmlformats.org/drawingml/2006/main" name="ホワイト">
+  <a:themeElements>
+    <a:clrScheme name="Office">
+      <a:dk1>
+        <a:sysClr val="windowText" lastClr="000000"/>
+      </a:dk1>
+      <a:lt1>
+        <a:sysClr val="window" lastClr="FFFFFF"/>
+      </a:lt1>
+      <a:dk2>
+        <a:srgbClr val="44546A"/>
+      </a:dk2>
+      <a:lt2>
+        <a:srgbClr val="E7E6E6"/>
+      </a:lt2>
+      <a:accent1>
+        <a:srgbClr val="4472C4"/>
+      </a:accent1>
+      <a:accent2>
+        <a:srgbClr val="ED7D31"/>
+      </a:accent2>
+      <a:accent3>
+        <a:srgbClr val="A5A5A5"/>
+      </a:accent3>
+      <a:accent4>
+        <a:srgbClr val="FFC000"/>
+      </a:accent4>
+      <a:accent5>
+        <a:srgbClr val="5B9BD5"/>
+      </a:accent5>
+      <a:accent6>
+        <a:srgbClr val="70AD47"/>
+      </a:accent6>
+      <a:hlink>
+        <a:srgbClr val="0563C1"/>
+      </a:hlink>
+      <a:folHlink>
+        <a:srgbClr val="954F72"/>
+      </a:folHlink>
+    </a:clrScheme>
+    <a:fontScheme name="Office">
+      <a:majorFont>
+        <a:latin typeface="Yu Gothic Light" panose="020F0302020204030204"/>
+        <a:ea typeface=""/>
+        <a:cs typeface=""/>
+        <a:font script="Jpan" typeface="Yu Gothic Light"/>
+        <a:font script="Hang" typeface="맑은 고딕"/>
+        <a:font script="Hans" typeface="DengXian Light"/>
+        <a:font script="Hant" typeface="新細明體"/>
+        <a:font script="Arab" typeface="Times New Roman"/>
+        <a:font script="Hebr" typeface="Times New Roman"/>
+        <a:font script="Thai" typeface="Angsana New"/>
+        <a:font script="Ethi" typeface="Nyala"/>
+        <a:font script="Beng" typeface="Vrinda"/>
+        <a:font script="Gujr" typeface="Shruti"/>
+        <a:font script="Khmr" typeface="MoolBoran"/>
+        <a:font script="Knda" typeface="Tunga"/>
+        <a:font script="Guru" typeface="Raavi"/>
+        <a:font script="Cans" typeface="Euphemia"/>
+        <a:font script="Cher" typeface="Plantagenet Cherokee"/>
+        <a:font script="Yiii" typeface="Microsoft Yi Baiti"/>
+        <a:font script="Tibt" typeface="Microsoft Himalaya"/>
+        <a:font script="Thaa" typeface="MV Boli"/>
+        <a:font script="Deva" typeface="Mangal"/>
+        <a:font script="Telu" typeface="Gautami"/>
+        <a:font script="Taml" typeface="Latha"/>
+        <a:font script="Syrc" typeface="Estrangelo Edessa"/>
+        <a:font script="Orya" typeface="Kalinga"/>
+        <a:font script="Mlym" typeface="Kartika"/>
+        <a:font script="Laoo" typeface="DokChampa"/>
+        <a:font script="Sinh" typeface="Iskoola Pota"/>
+        <a:font script="Mong" typeface="Mongolian Baiti"/>
+        <a:font script="Viet" typeface="Times New Roman"/>
+        <a:font script="Uigh" typeface="Microsoft Uighur"/>
+        <a:font script="Geor" typeface="Sylfaen"/>
+      </a:majorFont>
+      <a:minorFont>
+        <a:latin typeface="Yu Gothic" panose="020F0502020204030204"/>
+        <a:ea typeface=""/>
+        <a:cs typeface=""/>
+        <a:font script="Jpan" typeface="Yu Gothic"/>
+        <a:font script="Hang" typeface="맑은 고딕"/>
+        <a:font script="Hans" typeface="DengXian"/>
+        <a:font script="Hant" typeface="新細明體"/>
+        <a:font script="Arab" typeface="Arial"/>
+        <a:font script="Hebr" typeface="Arial"/>
+        <a:font script="Thai" typeface="Cordia New"/>
+        <a:font script="Ethi" typeface="Nyala"/>
+        <a:font script="Beng" typeface="Vrinda"/>
+        <a:font script="Gujr" typeface="Shruti"/>
+        <a:font script="Khmr" typeface="DaunPenh"/>
+        <a:font script="Knda" typeface="Tunga"/>
+        <a:font script="Guru" typeface="Raavi"/>
+        <a:font script="Cans" typeface="Euphemia"/>
+        <a:font script="Cher" typeface="Plantagenet Cherokee"/>
+        <a:font script="Yiii" typeface="Microsoft Yi Baiti"/>
+        <a:font script="Tibt" typeface="Microsoft Himalaya"/>
+        <a:font script="Thaa" typeface="MV Boli"/>
+        <a:font script="Deva" typeface="Mangal"/>
+        <a:font script="Telu" typeface="Gautami"/>
+        <a:font script="Taml" typeface="Latha"/>
+        <a:font script="Syrc" typeface="Estrangelo Edessa"/>
+        <a:font script="Orya" typeface="Kalinga"/>
+        <a:font script="Mlym" typeface="Kartika"/>
+        <a:font script="Laoo" typeface="DokChampa"/>
+        <a:font script="Sinh" typeface="Iskoola Pota"/>
+        <a:font script="Mong" typeface="Mongolian Baiti"/>
+        <a:font script="Viet" typeface="Arial"/>
+        <a:font script="Uigh" typeface="Microsoft Uighur"/>
+        <a:font script="Geor" typeface="Sylfaen"/>
+      </a:minorFont>
+    </a:fontScheme>
+    <a:fmtScheme name="Office">
+      <a:fillStyleLst>
+        <a:solidFill>
+          <a:schemeClr val="phClr"/>
+        </a:solidFill>
+        <a:gradFill rotWithShape="1">
+          <a:gsLst>
+            <a:gs pos="0">
+              <a:schemeClr val="phClr">
+                <a:lumMod val="110000"/>
+                <a:satMod val="105000"/>
+                <a:tint val="67000"/>
+              </a:schemeClr>
+            </a:gs>
+            <a:gs pos="50000">
+              <a:schemeClr val="phClr">
+                <a:lumMod val="105000"/>
+                <a:satMod val="103000"/>
+                <a:tint val="73000"/>
+              </a:schemeClr>
+            </a:gs>
+            <a:gs pos="100000">
+              <a:schemeClr val="phClr">
+                <a:lumMod val="105000"/>
+                <a:satMod val="109000"/>
+                <a:tint val="81000"/>
+              </a:schemeClr>
+            </a:gs>
+          </a:gsLst>
+          <a:lin ang="5400000" scaled="0"/>
+        </a:gradFill>
+        <a:gradFill rotWithShape="1">
+          <a:gsLst>
+            <a:gs pos="0">
+              <a:schemeClr val="phClr">
+                <a:satMod val="103000"/>
+                <a:lumMod val="102000"/>
+                <a:tint val="94000"/>
+              </a:schemeClr>
+            </a:gs>
+            <a:gs pos="50000">
+              <a:schemeClr val="phClr">
+                <a:satMod val="110000"/>
+                <a:lumMod val="100000"/>
+                <a:shade val="100000"/>
+              </a:schemeClr>
+            </a:gs>
+            <a:gs pos="100000">
+              <a:schemeClr val="phClr">
+                <a:lumMod val="99000"/>
+                <a:satMod val="120000"/>
+                <a:shade val="78000"/>
+              </a:schemeClr>
+            </a:gs>
+          </a:gsLst>
+          <a:lin ang="5400000" scaled="0"/>
+        </a:gradFill>
+      </a:fillStyleLst>
+      <a:lnStyleLst>
+        <a:ln w="6350" cap="flat" cmpd="sng" algn="ctr">
+          <a:solidFill>
+            <a:schemeClr val="phClr"/>
+          </a:solidFill>
+          <a:prstDash val="solid"/>
+          <a:miter lim="800000"/>
+        </a:ln>
+        <a:ln w="12700" cap="flat" cmpd="sng" algn="ctr">
+          <a:solidFill>
+            <a:schemeClr val="phClr"/>
+          </a:solidFill>
+          <a:prstDash val="solid"/>
+          <a:miter lim="800000"/>
+        </a:ln>
+        <a:ln w="19050" cap="flat" cmpd="sng" algn="ctr">
+          <a:solidFill>
+            <a:schemeClr val="phClr"/>
+          </a:solidFill>
+          <a:prstDash val="solid"/>
+          <a:miter lim="800000"/>
+        </a:ln>
+      </a:lnStyleLst>
+      <a:effectStyleLst>
+        <a:effectStyle>
+          <a:effectLst/>
+        </a:effectStyle>
+        <a:effectStyle>
+          <a:effectLst/>
+        </a:effectStyle>
+        <a:effectStyle>
+          <a:effectLst>
+            <a:outerShdw blurRad="57150" dist="19050" dir="5400000" algn="ctr" rotWithShape="0">
+              <a:srgbClr val="000000">
+                <a:alpha val="63000"/>
+              </a:srgbClr>
+            </a:outerShdw>
+          </a:effectLst>
+        </a:effectStyle>
+      </a:effectStyleLst>
+      <a:bgFillStyleLst>
+        <a:solidFill>
+          <a:schemeClr val="phClr"/>
+        </a:solidFill>
+        <a:solidFill>
+          <a:schemeClr val="phClr">
+            <a:tint val="95000"/>
+            <a:satMod val="170000"/>
+          </a:schemeClr>
+        </a:solidFill>
+        <a:gradFill rotWithShape="1">
+          <a:gsLst>
+            <a:gs pos="0">
+              <a:schemeClr val="phClr">
+                <a:tint val="93000"/>
+                <a:satMod val="150000"/>
+                <a:shade val="98000"/>
+                <a:lumMod val="102000"/>
+              </a:schemeClr>
+            </a:gs>
+            <a:gs pos="50000">
+              <a:schemeClr val="phClr">
+                <a:tint val="98000"/>
+                <a:satMod val="130000"/>
+                <a:shade val="90000"/>
+                <a:lumMod val="103000"/>
+              </a:schemeClr>
+            </a:gs>
+            <a:gs pos="100000">
+              <a:schemeClr val="phClr">
+                <a:shade val="63000"/>
+                <a:satMod val="120000"/>
+              </a:schemeClr>
+            </a:gs>
+          </a:gsLst>
+          <a:lin ang="5400000" scaled="0"/>
+        </a:gradFill>
+      </a:bgFillStyleLst>
+    </a:fmtScheme>
+  </a:themeElements>
+  <a:objectDefaults/>
+  <a:extraClrSchemeLst/>
+  <a:extLst>
+    <a:ext uri="{05A4C25C-085E-4340-85A3-A5531E510DB2}">
+      <thm15:themeFamily xmlns:thm15="http://schemas.microsoft.com/office/thememl/2012/main" name="Office Theme" id="{62F939B6-93AF-4DB8-9C6B-D6C7DFDC589F}" vid="{4A3C46E8-61CC-4603-A589-7422A47A8E4A}"/>
+    </a:ext>
+  </a:extLst>
+</a:theme>
 </file>
--- a/presentation_slides.pptx
+++ b/presentation_slides.pptx
@@ -5,19 +5,20 @@
     <p:sldMasterId id="2147483648" r:id="rId1"/>
   </p:sldMasterIdLst>
   <p:notesMasterIdLst>
-    <p:notesMasterId r:id="rId12"/>
+    <p:notesMasterId r:id="rId13"/>
   </p:notesMasterIdLst>
   <p:sldIdLst>
     <p:sldId id="256" r:id="rId2"/>
     <p:sldId id="257" r:id="rId3"/>
-    <p:sldId id="258" r:id="rId4"/>
-    <p:sldId id="265" r:id="rId5"/>
+    <p:sldId id="265" r:id="rId4"/>
+    <p:sldId id="258" r:id="rId5"/>
     <p:sldId id="259" r:id="rId6"/>
     <p:sldId id="260" r:id="rId7"/>
-    <p:sldId id="261" r:id="rId8"/>
-    <p:sldId id="264" r:id="rId9"/>
-    <p:sldId id="262" r:id="rId10"/>
-    <p:sldId id="263" r:id="rId11"/>
+    <p:sldId id="266" r:id="rId8"/>
+    <p:sldId id="261" r:id="rId9"/>
+    <p:sldId id="264" r:id="rId10"/>
+    <p:sldId id="262" r:id="rId11"/>
+    <p:sldId id="263" r:id="rId12"/>
   </p:sldIdLst>
   <p:sldSz cx="12192000" cy="6858000"/>
   <p:notesSz cx="6858000" cy="9144000"/>
@@ -193,9 +194,7 @@
             <c:bubble3D val="0"/>
             <c:spPr>
               <a:solidFill>
-                <a:schemeClr val="accent6">
-                  <a:tint val="77000"/>
-                </a:schemeClr>
+                <a:srgbClr val="62993E"/>
               </a:solidFill>
               <a:ln w="19050">
                 <a:solidFill>
@@ -210,9 +209,7 @@
             <c:bubble3D val="0"/>
             <c:spPr>
               <a:solidFill>
-                <a:schemeClr val="accent6">
-                  <a:shade val="76000"/>
-                </a:schemeClr>
+                <a:srgbClr val="A1C490"/>
               </a:solidFill>
               <a:ln w="19050">
                 <a:solidFill>
@@ -238,10 +235,12 @@
               <a:p>
                 <a:pPr>
                   <a:defRPr sz="1197" b="0" i="0" u="none" strike="noStrike" kern="1200" baseline="0">
+                    <a:ln>
+                      <a:noFill/>
+                    </a:ln>
                     <a:solidFill>
-                      <a:schemeClr val="tx1">
-                        <a:lumMod val="75000"/>
-                        <a:lumOff val="25000"/>
+                      <a:schemeClr val="bg2">
+                        <a:lumMod val="25000"/>
                       </a:schemeClr>
                     </a:solidFill>
                     <a:latin typeface="+mn-lt"/>
@@ -313,7 +312,7 @@
           </c:val>
         </c:ser>
         <c:dLbls>
-          <c:dLblPos val="inEnd"/>
+          <c:dLblPos val="ctr"/>
           <c:showLegendKey val="0"/>
           <c:showVal val="0"/>
           <c:showCatName val="0"/>
@@ -460,9 +459,7 @@
             <c:bubble3D val="0"/>
             <c:spPr>
               <a:solidFill>
-                <a:schemeClr val="accent4">
-                  <a:tint val="77000"/>
-                </a:schemeClr>
+                <a:srgbClr val="E2AB2C"/>
               </a:solidFill>
               <a:ln w="19050">
                 <a:solidFill>
@@ -477,9 +474,7 @@
             <c:bubble3D val="0"/>
             <c:spPr>
               <a:solidFill>
-                <a:schemeClr val="accent4">
-                  <a:shade val="76000"/>
-                </a:schemeClr>
+                <a:srgbClr val="FBD084"/>
               </a:solidFill>
               <a:ln w="19050">
                 <a:solidFill>
@@ -2131,68 +2126,108 @@
           <a:bodyPr/>
           <a:lstStyle/>
           <a:p>
-            <a:r>
-              <a:rPr kumimoji="1" lang="ja-JP" altLang="en-US"/>
-              <a:t>仮に</a:t>
-            </a:r>
-            <a:r>
-              <a:rPr kumimoji="1" lang="en-US" altLang="ja-JP"/>
-              <a:t>IP</a:t>
-            </a:r>
-            <a:r>
-              <a:rPr kumimoji="1" lang="ja-JP" altLang="en-US"/>
-              <a:t>アドレスがわかれば個人を特定できるとして、</a:t>
-            </a:r>
-            <a:endParaRPr kumimoji="1" lang="en-US" altLang="ja-JP"/>
-          </a:p>
-          <a:p>
-            <a:r>
-              <a:rPr kumimoji="1" lang="en-US" altLang="ja-JP"/>
-              <a:t>IP</a:t>
-            </a:r>
-            <a:r>
-              <a:rPr kumimoji="1" lang="ja-JP" altLang="en-US"/>
-              <a:t>アドレスによる特定は、学外の</a:t>
-            </a:r>
-            <a:r>
-              <a:rPr kumimoji="1" lang="en-US" altLang="ja-JP"/>
-              <a:t>9</a:t>
-            </a:r>
-            <a:r>
-              <a:rPr kumimoji="1" lang="ja-JP" altLang="en-US"/>
-              <a:t>名は特定することができるけど、残りの</a:t>
-            </a:r>
-            <a:r>
-              <a:rPr kumimoji="1" lang="en-US" altLang="ja-JP"/>
-              <a:t>6</a:t>
-            </a:r>
-            <a:r>
-              <a:rPr kumimoji="1" lang="ja-JP" altLang="en-US"/>
-              <a:t>名は特定することができない</a:t>
-            </a:r>
-            <a:endParaRPr kumimoji="1" lang="en-US" altLang="ja-JP"/>
-          </a:p>
-          <a:p>
-            <a:r>
-              <a:rPr kumimoji="1" lang="ja-JP" altLang="en-US"/>
-              <a:t>それに対して、</a:t>
-            </a:r>
-            <a:r>
-              <a:rPr kumimoji="1" lang="en-US" altLang="ja-JP"/>
-              <a:t>Cookie</a:t>
-            </a:r>
-            <a:r>
-              <a:rPr kumimoji="1" lang="ja-JP" altLang="en-US"/>
-              <a:t>による特定は、</a:t>
-            </a:r>
-            <a:r>
-              <a:rPr kumimoji="1" lang="en-US" altLang="ja-JP"/>
-              <a:t>13</a:t>
-            </a:r>
-            <a:r>
-              <a:rPr kumimoji="1" lang="ja-JP" altLang="en-US"/>
-              <a:t>名を特定することができる</a:t>
-            </a:r>
+            <a:pPr marL="0" marR="0" indent="0" algn="l" defTabSz="914400" rtl="0" eaLnBrk="1" fontAlgn="auto" latinLnBrk="0" hangingPunct="1">
+              <a:lnSpc>
+                <a:spcPct val="100000"/>
+              </a:lnSpc>
+              <a:spcBef>
+                <a:spcPts val="0"/>
+              </a:spcBef>
+              <a:spcAft>
+                <a:spcPts val="0"/>
+              </a:spcAft>
+              <a:buClrTx/>
+              <a:buSzTx/>
+              <a:buFontTx/>
+              <a:buNone/>
+              <a:tabLst/>
+              <a:defRPr/>
+            </a:pPr>
+            <a:r>
+              <a:rPr kumimoji="1" lang="ja-JP" altLang="en-US" sz="1200" kern="1200">
+                <a:solidFill>
+                  <a:schemeClr val="tx1"/>
+                </a:solidFill>
+                <a:effectLst/>
+                <a:latin typeface="+mn-lt"/>
+                <a:ea typeface="+mn-ea"/>
+                <a:cs typeface="+mn-cs"/>
+              </a:rPr>
+              <a:t>サードパーティ</a:t>
+            </a:r>
+            <a:r>
+              <a:rPr kumimoji="1" lang="en-US" altLang="ja-JP" sz="1200" kern="1200">
+                <a:solidFill>
+                  <a:schemeClr val="tx1"/>
+                </a:solidFill>
+                <a:effectLst/>
+                <a:latin typeface="+mn-lt"/>
+                <a:ea typeface="+mn-ea"/>
+                <a:cs typeface="+mn-cs"/>
+              </a:rPr>
+              <a:t> Cookie </a:t>
+            </a:r>
+            <a:r>
+              <a:rPr kumimoji="1" lang="ja-JP" altLang="en-US" sz="1200" kern="1200">
+                <a:solidFill>
+                  <a:schemeClr val="tx1"/>
+                </a:solidFill>
+                <a:effectLst/>
+                <a:latin typeface="+mn-lt"/>
+                <a:ea typeface="+mn-ea"/>
+                <a:cs typeface="+mn-cs"/>
+              </a:rPr>
+              <a:t>とは、ユーザが訪問している</a:t>
+            </a:r>
+            <a:r>
+              <a:rPr kumimoji="1" lang="en-US" altLang="ja-JP" sz="1200" kern="1200">
+                <a:solidFill>
+                  <a:schemeClr val="tx1"/>
+                </a:solidFill>
+                <a:effectLst/>
+                <a:latin typeface="+mn-lt"/>
+                <a:ea typeface="+mn-ea"/>
+                <a:cs typeface="+mn-cs"/>
+              </a:rPr>
+              <a:t> Web </a:t>
+            </a:r>
+            <a:r>
+              <a:rPr kumimoji="1" lang="ja-JP" altLang="en-US" sz="1200" kern="1200">
+                <a:solidFill>
+                  <a:schemeClr val="tx1"/>
+                </a:solidFill>
+                <a:effectLst/>
+                <a:latin typeface="+mn-lt"/>
+                <a:ea typeface="+mn-ea"/>
+                <a:cs typeface="+mn-cs"/>
+              </a:rPr>
+              <a:t>サイトのドメイン以外から発行されている</a:t>
+            </a:r>
+            <a:r>
+              <a:rPr kumimoji="1" lang="en-US" altLang="ja-JP" sz="1200" kern="1200">
+                <a:solidFill>
+                  <a:schemeClr val="tx1"/>
+                </a:solidFill>
+                <a:effectLst/>
+                <a:latin typeface="+mn-lt"/>
+                <a:ea typeface="+mn-ea"/>
+                <a:cs typeface="+mn-cs"/>
+              </a:rPr>
+              <a:t> Cookie </a:t>
+            </a:r>
+            <a:r>
+              <a:rPr kumimoji="1" lang="ja-JP" altLang="en-US" sz="1200" kern="1200">
+                <a:solidFill>
+                  <a:schemeClr val="tx1"/>
+                </a:solidFill>
+                <a:effectLst/>
+                <a:latin typeface="+mn-lt"/>
+                <a:ea typeface="+mn-ea"/>
+                <a:cs typeface="+mn-cs"/>
+              </a:rPr>
+              <a:t>のこと</a:t>
+            </a:r>
+            <a:endParaRPr lang="ja-JP" altLang="en-US"/>
           </a:p>
         </p:txBody>
       </p:sp>
@@ -2213,6 +2248,150 @@
           <a:p>
             <a:fld id="{B501E337-A02A-784A-B006-0DBA91238D1B}" type="slidenum">
               <a:t>10</a:t>
+            </a:fld>
+            <a:endParaRPr kumimoji="1" lang="ja-JP" altLang="en-US"/>
+          </a:p>
+        </p:txBody>
+      </p:sp>
+    </p:spTree>
+    <p:extLst>
+      <p:ext uri="{BB962C8B-B14F-4D97-AF65-F5344CB8AC3E}">
+        <p14:creationId xmlns:p14="http://schemas.microsoft.com/office/powerpoint/2010/main" val="463770429"/>
+      </p:ext>
+    </p:extLst>
+  </p:cSld>
+  <p:clrMapOvr>
+    <a:masterClrMapping/>
+  </p:clrMapOvr>
+</p:notes>
+</file>
+
+<file path=ppt/notesSlides/notesSlide2.xml><?xml version="1.0" encoding="utf-8"?>
+<p:notes xmlns:a="http://schemas.openxmlformats.org/drawingml/2006/main" xmlns:r="http://schemas.openxmlformats.org/officeDocument/2006/relationships" xmlns:p="http://schemas.openxmlformats.org/presentationml/2006/main">
+  <p:cSld>
+    <p:spTree>
+      <p:nvGrpSpPr>
+        <p:cNvPr id="1" name=""/>
+        <p:cNvGrpSpPr/>
+        <p:nvPr/>
+      </p:nvGrpSpPr>
+      <p:grpSpPr>
+        <a:xfrm>
+          <a:off x="0" y="0"/>
+          <a:ext cx="0" cy="0"/>
+          <a:chOff x="0" y="0"/>
+          <a:chExt cx="0" cy="0"/>
+        </a:xfrm>
+      </p:grpSpPr>
+      <p:sp>
+        <p:nvSpPr>
+          <p:cNvPr id="2" name="スライド イメージ プレースホルダー 1"/>
+          <p:cNvSpPr>
+            <a:spLocks noGrp="1" noRot="1" noChangeAspect="1"/>
+          </p:cNvSpPr>
+          <p:nvPr>
+            <p:ph type="sldImg"/>
+          </p:nvPr>
+        </p:nvSpPr>
+        <p:spPr/>
+      </p:sp>
+      <p:sp>
+        <p:nvSpPr>
+          <p:cNvPr id="3" name="ノート プレースホルダー 2"/>
+          <p:cNvSpPr>
+            <a:spLocks noGrp="1"/>
+          </p:cNvSpPr>
+          <p:nvPr>
+            <p:ph type="body" idx="1"/>
+          </p:nvPr>
+        </p:nvSpPr>
+        <p:spPr/>
+        <p:txBody>
+          <a:bodyPr/>
+          <a:lstStyle/>
+          <a:p>
+            <a:r>
+              <a:rPr kumimoji="1" lang="ja-JP" altLang="en-US"/>
+              <a:t>仮に</a:t>
+            </a:r>
+            <a:r>
+              <a:rPr kumimoji="1" lang="en-US" altLang="ja-JP"/>
+              <a:t>IP</a:t>
+            </a:r>
+            <a:r>
+              <a:rPr kumimoji="1" lang="ja-JP" altLang="en-US"/>
+              <a:t>アドレスがわかれば個人を特定できるとして、</a:t>
+            </a:r>
+            <a:endParaRPr kumimoji="1" lang="en-US" altLang="ja-JP"/>
+          </a:p>
+          <a:p>
+            <a:r>
+              <a:rPr kumimoji="1" lang="en-US" altLang="ja-JP"/>
+              <a:t>IP</a:t>
+            </a:r>
+            <a:r>
+              <a:rPr kumimoji="1" lang="ja-JP" altLang="en-US"/>
+              <a:t>アドレスによる特定は、学外の</a:t>
+            </a:r>
+            <a:r>
+              <a:rPr kumimoji="1" lang="en-US" altLang="ja-JP"/>
+              <a:t>9</a:t>
+            </a:r>
+            <a:r>
+              <a:rPr kumimoji="1" lang="ja-JP" altLang="en-US"/>
+              <a:t>名は特定することができるけど、残りの</a:t>
+            </a:r>
+            <a:r>
+              <a:rPr kumimoji="1" lang="en-US" altLang="ja-JP"/>
+              <a:t>6</a:t>
+            </a:r>
+            <a:r>
+              <a:rPr kumimoji="1" lang="ja-JP" altLang="en-US"/>
+              <a:t>名は特定することができない</a:t>
+            </a:r>
+            <a:endParaRPr kumimoji="1" lang="en-US" altLang="ja-JP"/>
+          </a:p>
+          <a:p>
+            <a:r>
+              <a:rPr kumimoji="1" lang="ja-JP" altLang="en-US"/>
+              <a:t>それに対して、</a:t>
+            </a:r>
+            <a:r>
+              <a:rPr kumimoji="1" lang="en-US" altLang="ja-JP"/>
+              <a:t>Cookie</a:t>
+            </a:r>
+            <a:r>
+              <a:rPr kumimoji="1" lang="ja-JP" altLang="en-US"/>
+              <a:t>による特定は、</a:t>
+            </a:r>
+            <a:r>
+              <a:rPr kumimoji="1" lang="en-US" altLang="ja-JP"/>
+              <a:t>13</a:t>
+            </a:r>
+            <a:r>
+              <a:rPr kumimoji="1" lang="ja-JP" altLang="en-US"/>
+              <a:t>名を特定することができる</a:t>
+            </a:r>
+          </a:p>
+        </p:txBody>
+      </p:sp>
+      <p:sp>
+        <p:nvSpPr>
+          <p:cNvPr id="4" name="スライド番号プレースホルダー 3"/>
+          <p:cNvSpPr>
+            <a:spLocks noGrp="1"/>
+          </p:cNvSpPr>
+          <p:nvPr>
+            <p:ph type="sldNum" sz="quarter" idx="10"/>
+          </p:nvPr>
+        </p:nvSpPr>
+        <p:spPr/>
+        <p:txBody>
+          <a:bodyPr/>
+          <a:lstStyle/>
+          <a:p>
+            <a:fld id="{B501E337-A02A-784A-B006-0DBA91238D1B}" type="slidenum">
+              <a:t>11</a:t>
             </a:fld>
             <a:endParaRPr kumimoji="1" lang="ja-JP" altLang="en-US"/>
           </a:p>
@@ -5502,6 +5681,895 @@
           <a:lstStyle/>
           <a:p>
             <a:r>
+              <a:rPr kumimoji="1" lang="ja-JP" altLang="en-US"/>
+              <a:t>サードパーティ</a:t>
+            </a:r>
+            <a:r>
+              <a:rPr kumimoji="1" lang="en-US" altLang="ja-JP"/>
+              <a:t> Cookie </a:t>
+            </a:r>
+            <a:r>
+              <a:rPr kumimoji="1" lang="ja-JP" altLang="en-US"/>
+              <a:t>のブロック</a:t>
+            </a:r>
+          </a:p>
+        </p:txBody>
+      </p:sp>
+      <p:pic>
+        <p:nvPicPr>
+          <p:cNvPr id="4" name="図 3"/>
+          <p:cNvPicPr>
+            <a:picLocks noChangeAspect="1"/>
+          </p:cNvPicPr>
+          <p:nvPr/>
+        </p:nvPicPr>
+        <p:blipFill>
+          <a:blip r:embed="rId3">
+            <a:extLst>
+              <a:ext uri="{28A0092B-C50C-407E-A947-70E740481C1C}">
+                <a14:useLocalDpi xmlns:a14="http://schemas.microsoft.com/office/drawing/2010/main" val="0"/>
+              </a:ext>
+            </a:extLst>
+          </a:blip>
+          <a:stretch>
+            <a:fillRect/>
+          </a:stretch>
+        </p:blipFill>
+        <p:spPr>
+          <a:xfrm>
+            <a:off x="295559" y="1756777"/>
+            <a:ext cx="7885813" cy="4291913"/>
+          </a:xfrm>
+          <a:prstGeom prst="rect">
+            <a:avLst/>
+          </a:prstGeom>
+        </p:spPr>
+      </p:pic>
+      <p:pic>
+        <p:nvPicPr>
+          <p:cNvPr id="5" name="図 4"/>
+          <p:cNvPicPr>
+            <a:picLocks noChangeAspect="1"/>
+          </p:cNvPicPr>
+          <p:nvPr/>
+        </p:nvPicPr>
+        <p:blipFill>
+          <a:blip r:embed="rId4">
+            <a:extLst>
+              <a:ext uri="{28A0092B-C50C-407E-A947-70E740481C1C}">
+                <a14:useLocalDpi xmlns:a14="http://schemas.microsoft.com/office/drawing/2010/main" val="0"/>
+              </a:ext>
+            </a:extLst>
+          </a:blip>
+          <a:stretch>
+            <a:fillRect/>
+          </a:stretch>
+        </p:blipFill>
+        <p:spPr>
+          <a:xfrm>
+            <a:off x="11401645" y="3902734"/>
+            <a:ext cx="543245" cy="543245"/>
+          </a:xfrm>
+          <a:prstGeom prst="rect">
+            <a:avLst/>
+          </a:prstGeom>
+        </p:spPr>
+      </p:pic>
+      <p:pic>
+        <p:nvPicPr>
+          <p:cNvPr id="6" name="図 5"/>
+          <p:cNvPicPr>
+            <a:picLocks noChangeAspect="1"/>
+          </p:cNvPicPr>
+          <p:nvPr/>
+        </p:nvPicPr>
+        <p:blipFill>
+          <a:blip r:embed="rId5">
+            <a:extLst>
+              <a:ext uri="{28A0092B-C50C-407E-A947-70E740481C1C}">
+                <a14:useLocalDpi xmlns:a14="http://schemas.microsoft.com/office/drawing/2010/main" val="0"/>
+              </a:ext>
+            </a:extLst>
+          </a:blip>
+          <a:stretch>
+            <a:fillRect/>
+          </a:stretch>
+        </p:blipFill>
+        <p:spPr>
+          <a:xfrm>
+            <a:off x="10656572" y="3410808"/>
+            <a:ext cx="807097" cy="807097"/>
+          </a:xfrm>
+          <a:prstGeom prst="rect">
+            <a:avLst/>
+          </a:prstGeom>
+        </p:spPr>
+      </p:pic>
+      <p:pic>
+        <p:nvPicPr>
+          <p:cNvPr id="7" name="図 6"/>
+          <p:cNvPicPr>
+            <a:picLocks noChangeAspect="1"/>
+          </p:cNvPicPr>
+          <p:nvPr/>
+        </p:nvPicPr>
+        <p:blipFill>
+          <a:blip r:embed="rId6">
+            <a:extLst>
+              <a:ext uri="{28A0092B-C50C-407E-A947-70E740481C1C}">
+                <a14:useLocalDpi xmlns:a14="http://schemas.microsoft.com/office/drawing/2010/main" val="0"/>
+              </a:ext>
+            </a:extLst>
+          </a:blip>
+          <a:stretch>
+            <a:fillRect/>
+          </a:stretch>
+        </p:blipFill>
+        <p:spPr>
+          <a:xfrm>
+            <a:off x="6995908" y="4976851"/>
+            <a:ext cx="709235" cy="709235"/>
+          </a:xfrm>
+          <a:prstGeom prst="rect">
+            <a:avLst/>
+          </a:prstGeom>
+          <a:noFill/>
+          <a:ln w="57150">
+            <a:noFill/>
+          </a:ln>
+        </p:spPr>
+      </p:pic>
+      <p:sp>
+        <p:nvSpPr>
+          <p:cNvPr id="8" name="正方形/長方形 7"/>
+          <p:cNvSpPr/>
+          <p:nvPr/>
+        </p:nvSpPr>
+        <p:spPr>
+          <a:xfrm>
+            <a:off x="202633" y="1665487"/>
+            <a:ext cx="8070356" cy="4474491"/>
+          </a:xfrm>
+          <a:prstGeom prst="rect">
+            <a:avLst/>
+          </a:prstGeom>
+          <a:noFill/>
+          <a:ln w="57150">
+            <a:solidFill>
+              <a:srgbClr val="FF0000"/>
+            </a:solidFill>
+          </a:ln>
+        </p:spPr>
+        <p:style>
+          <a:lnRef idx="2">
+            <a:schemeClr val="accent1">
+              <a:shade val="50000"/>
+            </a:schemeClr>
+          </a:lnRef>
+          <a:fillRef idx="1">
+            <a:schemeClr val="accent1"/>
+          </a:fillRef>
+          <a:effectRef idx="0">
+            <a:schemeClr val="accent1"/>
+          </a:effectRef>
+          <a:fontRef idx="minor">
+            <a:schemeClr val="lt1"/>
+          </a:fontRef>
+        </p:style>
+        <p:txBody>
+          <a:bodyPr rtlCol="0" anchor="ctr"/>
+          <a:lstStyle/>
+          <a:p>
+            <a:pPr algn="ctr"/>
+            <a:endParaRPr kumimoji="1" lang="ja-JP" altLang="en-US"/>
+          </a:p>
+        </p:txBody>
+      </p:sp>
+      <p:sp>
+        <p:nvSpPr>
+          <p:cNvPr id="9" name="正方形/長方形 8"/>
+          <p:cNvSpPr/>
+          <p:nvPr/>
+        </p:nvSpPr>
+        <p:spPr>
+          <a:xfrm>
+            <a:off x="6860775" y="4923220"/>
+            <a:ext cx="979500" cy="816496"/>
+          </a:xfrm>
+          <a:prstGeom prst="rect">
+            <a:avLst/>
+          </a:prstGeom>
+          <a:noFill/>
+          <a:ln w="57150">
+            <a:solidFill>
+              <a:srgbClr val="FF0000"/>
+            </a:solidFill>
+          </a:ln>
+        </p:spPr>
+        <p:style>
+          <a:lnRef idx="2">
+            <a:schemeClr val="accent1">
+              <a:shade val="50000"/>
+            </a:schemeClr>
+          </a:lnRef>
+          <a:fillRef idx="1">
+            <a:schemeClr val="accent1"/>
+          </a:fillRef>
+          <a:effectRef idx="0">
+            <a:schemeClr val="accent1"/>
+          </a:effectRef>
+          <a:fontRef idx="minor">
+            <a:schemeClr val="lt1"/>
+          </a:fontRef>
+        </p:style>
+        <p:txBody>
+          <a:bodyPr rtlCol="0" anchor="ctr"/>
+          <a:lstStyle/>
+          <a:p>
+            <a:pPr algn="ctr"/>
+            <a:endParaRPr kumimoji="1" lang="ja-JP" altLang="en-US"/>
+          </a:p>
+        </p:txBody>
+      </p:sp>
+      <p:pic>
+        <p:nvPicPr>
+          <p:cNvPr id="10" name="図 9"/>
+          <p:cNvPicPr>
+            <a:picLocks noChangeAspect="1"/>
+          </p:cNvPicPr>
+          <p:nvPr/>
+        </p:nvPicPr>
+        <p:blipFill>
+          <a:blip r:embed="rId6">
+            <a:extLst>
+              <a:ext uri="{28A0092B-C50C-407E-A947-70E740481C1C}">
+                <a14:useLocalDpi xmlns:a14="http://schemas.microsoft.com/office/drawing/2010/main" val="0"/>
+              </a:ext>
+            </a:extLst>
+          </a:blip>
+          <a:stretch>
+            <a:fillRect/>
+          </a:stretch>
+        </p:blipFill>
+        <p:spPr>
+          <a:xfrm>
+            <a:off x="6505186" y="3190170"/>
+            <a:ext cx="709235" cy="709235"/>
+          </a:xfrm>
+          <a:prstGeom prst="rect">
+            <a:avLst/>
+          </a:prstGeom>
+          <a:noFill/>
+          <a:ln w="57150">
+            <a:noFill/>
+          </a:ln>
+        </p:spPr>
+      </p:pic>
+      <p:sp>
+        <p:nvSpPr>
+          <p:cNvPr id="11" name="正方形/長方形 10"/>
+          <p:cNvSpPr/>
+          <p:nvPr/>
+        </p:nvSpPr>
+        <p:spPr>
+          <a:xfrm>
+            <a:off x="6364391" y="3136198"/>
+            <a:ext cx="990824" cy="806531"/>
+          </a:xfrm>
+          <a:prstGeom prst="rect">
+            <a:avLst/>
+          </a:prstGeom>
+          <a:noFill/>
+          <a:ln w="57150">
+            <a:solidFill>
+              <a:srgbClr val="0070C0"/>
+            </a:solidFill>
+          </a:ln>
+        </p:spPr>
+        <p:style>
+          <a:lnRef idx="2">
+            <a:schemeClr val="accent1">
+              <a:shade val="50000"/>
+            </a:schemeClr>
+          </a:lnRef>
+          <a:fillRef idx="1">
+            <a:schemeClr val="accent1"/>
+          </a:fillRef>
+          <a:effectRef idx="0">
+            <a:schemeClr val="accent1"/>
+          </a:effectRef>
+          <a:fontRef idx="minor">
+            <a:schemeClr val="lt1"/>
+          </a:fontRef>
+        </p:style>
+        <p:txBody>
+          <a:bodyPr rtlCol="0" anchor="ctr"/>
+          <a:lstStyle/>
+          <a:p>
+            <a:pPr algn="ctr"/>
+            <a:endParaRPr kumimoji="1" lang="ja-JP" altLang="en-US">
+              <a:solidFill>
+                <a:srgbClr val="FF0000"/>
+              </a:solidFill>
+            </a:endParaRPr>
+          </a:p>
+        </p:txBody>
+      </p:sp>
+      <p:sp>
+        <p:nvSpPr>
+          <p:cNvPr id="12" name="正方形/長方形 11"/>
+          <p:cNvSpPr/>
+          <p:nvPr/>
+        </p:nvSpPr>
+        <p:spPr>
+          <a:xfrm>
+            <a:off x="5764535" y="2712332"/>
+            <a:ext cx="2156721" cy="330354"/>
+          </a:xfrm>
+          <a:prstGeom prst="rect">
+            <a:avLst/>
+          </a:prstGeom>
+          <a:noFill/>
+          <a:ln w="57150">
+            <a:solidFill>
+              <a:srgbClr val="0070C0"/>
+            </a:solidFill>
+          </a:ln>
+        </p:spPr>
+        <p:style>
+          <a:lnRef idx="2">
+            <a:schemeClr val="accent1">
+              <a:shade val="50000"/>
+            </a:schemeClr>
+          </a:lnRef>
+          <a:fillRef idx="1">
+            <a:schemeClr val="accent1"/>
+          </a:fillRef>
+          <a:effectRef idx="0">
+            <a:schemeClr val="accent1"/>
+          </a:effectRef>
+          <a:fontRef idx="minor">
+            <a:schemeClr val="lt1"/>
+          </a:fontRef>
+        </p:style>
+        <p:txBody>
+          <a:bodyPr rtlCol="0" anchor="ctr"/>
+          <a:lstStyle/>
+          <a:p>
+            <a:pPr algn="ctr"/>
+            <a:endParaRPr kumimoji="1" lang="ja-JP" altLang="en-US">
+              <a:solidFill>
+                <a:srgbClr val="FF0000"/>
+              </a:solidFill>
+            </a:endParaRPr>
+          </a:p>
+        </p:txBody>
+      </p:sp>
+      <p:cxnSp>
+        <p:nvCxnSpPr>
+          <p:cNvPr id="13" name="直線矢印コネクタ 12"/>
+          <p:cNvCxnSpPr/>
+          <p:nvPr/>
+        </p:nvCxnSpPr>
+        <p:spPr>
+          <a:xfrm flipH="1" flipV="1">
+            <a:off x="7426967" y="3525352"/>
+            <a:ext cx="3131164" cy="313002"/>
+          </a:xfrm>
+          <a:prstGeom prst="straightConnector1">
+            <a:avLst/>
+          </a:prstGeom>
+          <a:ln w="57150">
+            <a:solidFill>
+              <a:srgbClr val="0070C0"/>
+            </a:solidFill>
+            <a:tailEnd type="triangle"/>
+          </a:ln>
+        </p:spPr>
+        <p:style>
+          <a:lnRef idx="1">
+            <a:schemeClr val="accent1"/>
+          </a:lnRef>
+          <a:fillRef idx="0">
+            <a:schemeClr val="accent1"/>
+          </a:fillRef>
+          <a:effectRef idx="0">
+            <a:schemeClr val="accent1"/>
+          </a:effectRef>
+          <a:fontRef idx="minor">
+            <a:schemeClr val="tx1"/>
+          </a:fontRef>
+        </p:style>
+      </p:cxnSp>
+      <p:cxnSp>
+        <p:nvCxnSpPr>
+          <p:cNvPr id="14" name="直線矢印コネクタ 13"/>
+          <p:cNvCxnSpPr/>
+          <p:nvPr/>
+        </p:nvCxnSpPr>
+        <p:spPr>
+          <a:xfrm flipH="1">
+            <a:off x="7905214" y="4174356"/>
+            <a:ext cx="2751358" cy="1112781"/>
+          </a:xfrm>
+          <a:prstGeom prst="straightConnector1">
+            <a:avLst/>
+          </a:prstGeom>
+          <a:ln w="57150">
+            <a:solidFill>
+              <a:srgbClr val="FF0000"/>
+            </a:solidFill>
+            <a:tailEnd type="triangle"/>
+          </a:ln>
+        </p:spPr>
+        <p:style>
+          <a:lnRef idx="1">
+            <a:schemeClr val="accent1"/>
+          </a:lnRef>
+          <a:fillRef idx="0">
+            <a:schemeClr val="accent1"/>
+          </a:fillRef>
+          <a:effectRef idx="0">
+            <a:schemeClr val="accent1"/>
+          </a:effectRef>
+          <a:fontRef idx="minor">
+            <a:schemeClr val="tx1"/>
+          </a:fontRef>
+        </p:style>
+      </p:cxnSp>
+      <p:sp>
+        <p:nvSpPr>
+          <p:cNvPr id="15" name="テキスト ボックス 14"/>
+          <p:cNvSpPr txBox="1"/>
+          <p:nvPr/>
+        </p:nvSpPr>
+        <p:spPr>
+          <a:xfrm>
+            <a:off x="8697757" y="3045207"/>
+            <a:ext cx="1800493" cy="646331"/>
+          </a:xfrm>
+          <a:prstGeom prst="rect">
+            <a:avLst/>
+          </a:prstGeom>
+          <a:noFill/>
+        </p:spPr>
+        <p:txBody>
+          <a:bodyPr wrap="none" rtlCol="0">
+            <a:spAutoFit/>
+          </a:bodyPr>
+          <a:lstStyle/>
+          <a:p>
+            <a:r>
+              <a:rPr kumimoji="1" lang="ja-JP" altLang="en-US" b="1">
+                <a:solidFill>
+                  <a:srgbClr val="0070C0"/>
+                </a:solidFill>
+              </a:rPr>
+              <a:t>サードパーティ</a:t>
+            </a:r>
+            <a:endParaRPr lang="en-US" altLang="ja-JP" b="1">
+              <a:solidFill>
+                <a:srgbClr val="0070C0"/>
+              </a:solidFill>
+            </a:endParaRPr>
+          </a:p>
+          <a:p>
+            <a:r>
+              <a:rPr kumimoji="1" lang="en-US" altLang="ja-JP" b="1">
+                <a:solidFill>
+                  <a:srgbClr val="0070C0"/>
+                </a:solidFill>
+              </a:rPr>
+              <a:t>Cookie</a:t>
+            </a:r>
+            <a:endParaRPr kumimoji="1" lang="ja-JP" altLang="en-US" b="1">
+              <a:solidFill>
+                <a:srgbClr val="0070C0"/>
+              </a:solidFill>
+            </a:endParaRPr>
+          </a:p>
+        </p:txBody>
+      </p:sp>
+      <p:sp>
+        <p:nvSpPr>
+          <p:cNvPr id="17" name="テキスト ボックス 16"/>
+          <p:cNvSpPr txBox="1"/>
+          <p:nvPr/>
+        </p:nvSpPr>
+        <p:spPr>
+          <a:xfrm>
+            <a:off x="8797962" y="4881193"/>
+            <a:ext cx="2262158" cy="646331"/>
+          </a:xfrm>
+          <a:prstGeom prst="rect">
+            <a:avLst/>
+          </a:prstGeom>
+          <a:noFill/>
+        </p:spPr>
+        <p:txBody>
+          <a:bodyPr wrap="none" rtlCol="0">
+            <a:spAutoFit/>
+          </a:bodyPr>
+          <a:lstStyle/>
+          <a:p>
+            <a:r>
+              <a:rPr lang="ja-JP" altLang="en-US" b="1">
+                <a:solidFill>
+                  <a:srgbClr val="FF0000"/>
+                </a:solidFill>
+              </a:rPr>
+              <a:t>ファースト</a:t>
+            </a:r>
+            <a:r>
+              <a:rPr kumimoji="1" lang="ja-JP" altLang="en-US" b="1">
+                <a:solidFill>
+                  <a:srgbClr val="FF0000"/>
+                </a:solidFill>
+              </a:rPr>
+              <a:t>パーティ</a:t>
+            </a:r>
+            <a:endParaRPr lang="en-US" altLang="ja-JP" b="1">
+              <a:solidFill>
+                <a:srgbClr val="FF0000"/>
+              </a:solidFill>
+            </a:endParaRPr>
+          </a:p>
+          <a:p>
+            <a:r>
+              <a:rPr kumimoji="1" lang="en-US" altLang="ja-JP" b="1">
+                <a:solidFill>
+                  <a:srgbClr val="FF0000"/>
+                </a:solidFill>
+              </a:rPr>
+              <a:t>Cookie</a:t>
+            </a:r>
+            <a:endParaRPr kumimoji="1" lang="ja-JP" altLang="en-US" b="1">
+              <a:solidFill>
+                <a:srgbClr val="FF0000"/>
+              </a:solidFill>
+            </a:endParaRPr>
+          </a:p>
+        </p:txBody>
+      </p:sp>
+      <p:pic>
+        <p:nvPicPr>
+          <p:cNvPr id="22" name="図 21"/>
+          <p:cNvPicPr>
+            <a:picLocks noChangeAspect="1"/>
+          </p:cNvPicPr>
+          <p:nvPr/>
+        </p:nvPicPr>
+        <p:blipFill>
+          <a:blip r:embed="rId7">
+            <a:extLst>
+              <a:ext uri="{28A0092B-C50C-407E-A947-70E740481C1C}">
+                <a14:useLocalDpi xmlns:a14="http://schemas.microsoft.com/office/drawing/2010/main" val="0"/>
+              </a:ext>
+            </a:extLst>
+          </a:blip>
+          <a:stretch>
+            <a:fillRect/>
+          </a:stretch>
+        </p:blipFill>
+        <p:spPr>
+          <a:xfrm>
+            <a:off x="8640297" y="2751599"/>
+            <a:ext cx="1318418" cy="1318418"/>
+          </a:xfrm>
+          <a:prstGeom prst="rect">
+            <a:avLst/>
+          </a:prstGeom>
+        </p:spPr>
+      </p:pic>
+      <p:sp>
+        <p:nvSpPr>
+          <p:cNvPr id="25" name="テキスト ボックス 24"/>
+          <p:cNvSpPr txBox="1"/>
+          <p:nvPr/>
+        </p:nvSpPr>
+        <p:spPr>
+          <a:xfrm>
+            <a:off x="8748714" y="2351489"/>
+            <a:ext cx="1101584" cy="400110"/>
+          </a:xfrm>
+          <a:prstGeom prst="rect">
+            <a:avLst/>
+          </a:prstGeom>
+          <a:noFill/>
+        </p:spPr>
+        <p:txBody>
+          <a:bodyPr wrap="none" rtlCol="0">
+            <a:spAutoFit/>
+          </a:bodyPr>
+          <a:lstStyle/>
+          <a:p>
+            <a:pPr algn="ctr"/>
+            <a:r>
+              <a:rPr kumimoji="1" lang="en-US" altLang="ja-JP" sz="2000" b="1">
+                <a:solidFill>
+                  <a:srgbClr val="4B4B4B"/>
+                </a:solidFill>
+                <a:latin typeface="Open Sans" charset="0"/>
+                <a:ea typeface="Open Sans" charset="0"/>
+                <a:cs typeface="Open Sans" charset="0"/>
+              </a:rPr>
+              <a:t>BLOCK!</a:t>
+            </a:r>
+            <a:endParaRPr kumimoji="1" lang="ja-JP" altLang="en-US" sz="2000" b="1">
+              <a:solidFill>
+                <a:srgbClr val="4B4B4B"/>
+              </a:solidFill>
+              <a:latin typeface="Open Sans" charset="0"/>
+              <a:ea typeface="Open Sans" charset="0"/>
+              <a:cs typeface="Open Sans" charset="0"/>
+            </a:endParaRPr>
+          </a:p>
+        </p:txBody>
+      </p:sp>
+    </p:spTree>
+    <p:extLst>
+      <p:ext uri="{BB962C8B-B14F-4D97-AF65-F5344CB8AC3E}">
+        <p14:creationId xmlns:p14="http://schemas.microsoft.com/office/powerpoint/2010/main" val="352469839"/>
+      </p:ext>
+    </p:extLst>
+  </p:cSld>
+  <p:clrMapOvr>
+    <a:masterClrMapping/>
+  </p:clrMapOvr>
+  <p:timing>
+    <p:tnLst>
+      <p:par>
+        <p:cTn id="1" dur="indefinite" restart="never" nodeType="tmRoot">
+          <p:childTnLst>
+            <p:seq concurrent="1" nextAc="seek">
+              <p:cTn id="2" dur="indefinite" nodeType="mainSeq">
+                <p:childTnLst>
+                  <p:par>
+                    <p:cTn id="3" fill="hold">
+                      <p:stCondLst>
+                        <p:cond delay="indefinite"/>
+                      </p:stCondLst>
+                      <p:childTnLst>
+                        <p:par>
+                          <p:cTn id="4" fill="hold">
+                            <p:stCondLst>
+                              <p:cond delay="0"/>
+                            </p:stCondLst>
+                            <p:childTnLst>
+                              <p:par>
+                                <p:cTn id="5" presetID="53" presetClass="entr" presetSubtype="16" fill="hold" nodeType="clickEffect">
+                                  <p:stCondLst>
+                                    <p:cond delay="0"/>
+                                  </p:stCondLst>
+                                  <p:childTnLst>
+                                    <p:set>
+                                      <p:cBhvr>
+                                        <p:cTn id="6" dur="1" fill="hold">
+                                          <p:stCondLst>
+                                            <p:cond delay="0"/>
+                                          </p:stCondLst>
+                                        </p:cTn>
+                                        <p:tgtEl>
+                                          <p:spTgt spid="22"/>
+                                        </p:tgtEl>
+                                        <p:attrNameLst>
+                                          <p:attrName>style.visibility</p:attrName>
+                                        </p:attrNameLst>
+                                      </p:cBhvr>
+                                      <p:to>
+                                        <p:strVal val="visible"/>
+                                      </p:to>
+                                    </p:set>
+                                    <p:anim calcmode="lin" valueType="num">
+                                      <p:cBhvr>
+                                        <p:cTn id="7" dur="500" fill="hold"/>
+                                        <p:tgtEl>
+                                          <p:spTgt spid="22"/>
+                                        </p:tgtEl>
+                                        <p:attrNameLst>
+                                          <p:attrName>ppt_w</p:attrName>
+                                        </p:attrNameLst>
+                                      </p:cBhvr>
+                                      <p:tavLst>
+                                        <p:tav tm="0">
+                                          <p:val>
+                                            <p:fltVal val="0"/>
+                                          </p:val>
+                                        </p:tav>
+                                        <p:tav tm="100000">
+                                          <p:val>
+                                            <p:strVal val="#ppt_w"/>
+                                          </p:val>
+                                        </p:tav>
+                                      </p:tavLst>
+                                    </p:anim>
+                                    <p:anim calcmode="lin" valueType="num">
+                                      <p:cBhvr>
+                                        <p:cTn id="8" dur="500" fill="hold"/>
+                                        <p:tgtEl>
+                                          <p:spTgt spid="22"/>
+                                        </p:tgtEl>
+                                        <p:attrNameLst>
+                                          <p:attrName>ppt_h</p:attrName>
+                                        </p:attrNameLst>
+                                      </p:cBhvr>
+                                      <p:tavLst>
+                                        <p:tav tm="0">
+                                          <p:val>
+                                            <p:fltVal val="0"/>
+                                          </p:val>
+                                        </p:tav>
+                                        <p:tav tm="100000">
+                                          <p:val>
+                                            <p:strVal val="#ppt_h"/>
+                                          </p:val>
+                                        </p:tav>
+                                      </p:tavLst>
+                                    </p:anim>
+                                    <p:animEffect transition="in" filter="fade">
+                                      <p:cBhvr>
+                                        <p:cTn id="9" dur="500"/>
+                                        <p:tgtEl>
+                                          <p:spTgt spid="22"/>
+                                        </p:tgtEl>
+                                      </p:cBhvr>
+                                    </p:animEffect>
+                                  </p:childTnLst>
+                                </p:cTn>
+                              </p:par>
+                              <p:par>
+                                <p:cTn id="10" presetID="53" presetClass="entr" presetSubtype="16" fill="hold" grpId="0" nodeType="withEffect">
+                                  <p:stCondLst>
+                                    <p:cond delay="0"/>
+                                  </p:stCondLst>
+                                  <p:childTnLst>
+                                    <p:set>
+                                      <p:cBhvr>
+                                        <p:cTn id="11" dur="1" fill="hold">
+                                          <p:stCondLst>
+                                            <p:cond delay="0"/>
+                                          </p:stCondLst>
+                                        </p:cTn>
+                                        <p:tgtEl>
+                                          <p:spTgt spid="25"/>
+                                        </p:tgtEl>
+                                        <p:attrNameLst>
+                                          <p:attrName>style.visibility</p:attrName>
+                                        </p:attrNameLst>
+                                      </p:cBhvr>
+                                      <p:to>
+                                        <p:strVal val="visible"/>
+                                      </p:to>
+                                    </p:set>
+                                    <p:anim calcmode="lin" valueType="num">
+                                      <p:cBhvr>
+                                        <p:cTn id="12" dur="500" fill="hold"/>
+                                        <p:tgtEl>
+                                          <p:spTgt spid="25"/>
+                                        </p:tgtEl>
+                                        <p:attrNameLst>
+                                          <p:attrName>ppt_w</p:attrName>
+                                        </p:attrNameLst>
+                                      </p:cBhvr>
+                                      <p:tavLst>
+                                        <p:tav tm="0">
+                                          <p:val>
+                                            <p:fltVal val="0"/>
+                                          </p:val>
+                                        </p:tav>
+                                        <p:tav tm="100000">
+                                          <p:val>
+                                            <p:strVal val="#ppt_w"/>
+                                          </p:val>
+                                        </p:tav>
+                                      </p:tavLst>
+                                    </p:anim>
+                                    <p:anim calcmode="lin" valueType="num">
+                                      <p:cBhvr>
+                                        <p:cTn id="13" dur="500" fill="hold"/>
+                                        <p:tgtEl>
+                                          <p:spTgt spid="25"/>
+                                        </p:tgtEl>
+                                        <p:attrNameLst>
+                                          <p:attrName>ppt_h</p:attrName>
+                                        </p:attrNameLst>
+                                      </p:cBhvr>
+                                      <p:tavLst>
+                                        <p:tav tm="0">
+                                          <p:val>
+                                            <p:fltVal val="0"/>
+                                          </p:val>
+                                        </p:tav>
+                                        <p:tav tm="100000">
+                                          <p:val>
+                                            <p:strVal val="#ppt_h"/>
+                                          </p:val>
+                                        </p:tav>
+                                      </p:tavLst>
+                                    </p:anim>
+                                    <p:animEffect transition="in" filter="fade">
+                                      <p:cBhvr>
+                                        <p:cTn id="14" dur="500"/>
+                                        <p:tgtEl>
+                                          <p:spTgt spid="25"/>
+                                        </p:tgtEl>
+                                      </p:cBhvr>
+                                    </p:animEffect>
+                                  </p:childTnLst>
+                                </p:cTn>
+                              </p:par>
+                            </p:childTnLst>
+                          </p:cTn>
+                        </p:par>
+                      </p:childTnLst>
+                    </p:cTn>
+                  </p:par>
+                </p:childTnLst>
+              </p:cTn>
+              <p:prevCondLst>
+                <p:cond evt="onPrev" delay="0">
+                  <p:tgtEl>
+                    <p:sldTgt/>
+                  </p:tgtEl>
+                </p:cond>
+              </p:prevCondLst>
+              <p:nextCondLst>
+                <p:cond evt="onNext" delay="0">
+                  <p:tgtEl>
+                    <p:sldTgt/>
+                  </p:tgtEl>
+                </p:cond>
+              </p:nextCondLst>
+            </p:seq>
+          </p:childTnLst>
+        </p:cTn>
+      </p:par>
+    </p:tnLst>
+    <p:bldLst>
+      <p:bldP spid="25" grpId="0"/>
+    </p:bldLst>
+  </p:timing>
+</p:sld>
+</file>
+
+<file path=ppt/slides/slide11.xml><?xml version="1.0" encoding="utf-8"?>
+<p:sld xmlns:a="http://schemas.openxmlformats.org/drawingml/2006/main" xmlns:r="http://schemas.openxmlformats.org/officeDocument/2006/relationships" xmlns:p="http://schemas.openxmlformats.org/presentationml/2006/main">
+  <p:cSld>
+    <p:spTree>
+      <p:nvGrpSpPr>
+        <p:cNvPr id="1" name=""/>
+        <p:cNvGrpSpPr/>
+        <p:nvPr/>
+      </p:nvGrpSpPr>
+      <p:grpSpPr>
+        <a:xfrm>
+          <a:off x="0" y="0"/>
+          <a:ext cx="0" cy="0"/>
+          <a:chOff x="0" y="0"/>
+          <a:chExt cx="0" cy="0"/>
+        </a:xfrm>
+      </p:grpSpPr>
+      <p:sp>
+        <p:nvSpPr>
+          <p:cNvPr id="2" name="タイトル 1"/>
+          <p:cNvSpPr>
+            <a:spLocks noGrp="1"/>
+          </p:cNvSpPr>
+          <p:nvPr>
+            <p:ph type="title"/>
+          </p:nvPr>
+        </p:nvSpPr>
+        <p:spPr>
+          <a:xfrm>
+            <a:off x="157717" y="152474"/>
+            <a:ext cx="10515600" cy="1325563"/>
+          </a:xfrm>
+        </p:spPr>
+        <p:txBody>
+          <a:bodyPr/>
+          <a:lstStyle/>
+          <a:p>
+            <a:r>
               <a:rPr kumimoji="1" lang="en-US" altLang="ja-JP"/>
               <a:t>IP </a:t>
             </a:r>
@@ -5519,7 +6587,7 @@
           <p:nvPr>
             <p:extLst>
               <p:ext uri="{D42A27DB-BD31-4B8C-83A1-F6EECF244321}">
-                <p14:modId xmlns:p14="http://schemas.microsoft.com/office/powerpoint/2010/main" val="1684933490"/>
+                <p14:modId xmlns:p14="http://schemas.microsoft.com/office/powerpoint/2010/main" val="291131170"/>
               </p:ext>
             </p:extLst>
           </p:nvPr>
@@ -5541,7 +6609,7 @@
           <p:nvPr>
             <p:extLst>
               <p:ext uri="{D42A27DB-BD31-4B8C-83A1-F6EECF244321}">
-                <p14:modId xmlns:p14="http://schemas.microsoft.com/office/powerpoint/2010/main" val="1865111120"/>
+                <p14:modId xmlns:p14="http://schemas.microsoft.com/office/powerpoint/2010/main" val="388456276"/>
               </p:ext>
             </p:extLst>
           </p:nvPr>
@@ -5729,115 +6797,6 @@
         </p:nvSpPr>
         <p:spPr>
           <a:xfrm>
-            <a:off x="158400" y="151200"/>
-            <a:ext cx="10515600" cy="1325563"/>
-          </a:xfrm>
-        </p:spPr>
-        <p:txBody>
-          <a:bodyPr/>
-          <a:lstStyle/>
-          <a:p>
-            <a:r>
-              <a:rPr kumimoji="1" lang="ja-JP" altLang="en-US"/>
-              <a:t>研究背景</a:t>
-            </a:r>
-          </a:p>
-        </p:txBody>
-      </p:sp>
-      <p:sp>
-        <p:nvSpPr>
-          <p:cNvPr id="3" name="コンテンツ プレースホルダー 2"/>
-          <p:cNvSpPr>
-            <a:spLocks noGrp="1"/>
-          </p:cNvSpPr>
-          <p:nvPr>
-            <p:ph idx="1"/>
-          </p:nvPr>
-        </p:nvSpPr>
-        <p:spPr/>
-        <p:txBody>
-          <a:bodyPr/>
-          <a:lstStyle/>
-          <a:p>
-            <a:r>
-              <a:rPr kumimoji="1" lang="en-US" altLang="ja-JP"/>
-              <a:t>IP </a:t>
-            </a:r>
-            <a:r>
-              <a:rPr kumimoji="1" lang="ja-JP" altLang="en-US"/>
-              <a:t>アドレスによる特定が困難</a:t>
-            </a:r>
-            <a:endParaRPr kumimoji="1" lang="en-US" altLang="ja-JP"/>
-          </a:p>
-          <a:p>
-            <a:r>
-              <a:rPr lang="en-US" altLang="ja-JP"/>
-              <a:t>Cookie </a:t>
-            </a:r>
-            <a:r>
-              <a:rPr lang="ja-JP" altLang="en-US"/>
-              <a:t>による特定に着目</a:t>
-            </a:r>
-            <a:endParaRPr lang="en-US" altLang="ja-JP"/>
-          </a:p>
-          <a:p>
-            <a:r>
-              <a:rPr lang="en-US" altLang="ja-JP"/>
-              <a:t>SNS </a:t>
-            </a:r>
-            <a:endParaRPr kumimoji="1" lang="ja-JP" altLang="en-US"/>
-          </a:p>
-        </p:txBody>
-      </p:sp>
-    </p:spTree>
-    <p:extLst>
-      <p:ext uri="{BB962C8B-B14F-4D97-AF65-F5344CB8AC3E}">
-        <p14:creationId xmlns:p14="http://schemas.microsoft.com/office/powerpoint/2010/main" val="238725631"/>
-      </p:ext>
-    </p:extLst>
-  </p:cSld>
-  <p:clrMapOvr>
-    <a:masterClrMapping/>
-  </p:clrMapOvr>
-  <p:timing>
-    <p:tnLst>
-      <p:par>
-        <p:cTn id="1" dur="indefinite" restart="never" nodeType="tmRoot"/>
-      </p:par>
-    </p:tnLst>
-  </p:timing>
-</p:sld>
-</file>
-
-<file path=ppt/slides/slide4.xml><?xml version="1.0" encoding="utf-8"?>
-<p:sld xmlns:a="http://schemas.openxmlformats.org/drawingml/2006/main" xmlns:r="http://schemas.openxmlformats.org/officeDocument/2006/relationships" xmlns:p="http://schemas.openxmlformats.org/presentationml/2006/main">
-  <p:cSld>
-    <p:spTree>
-      <p:nvGrpSpPr>
-        <p:cNvPr id="1" name=""/>
-        <p:cNvGrpSpPr/>
-        <p:nvPr/>
-      </p:nvGrpSpPr>
-      <p:grpSpPr>
-        <a:xfrm>
-          <a:off x="0" y="0"/>
-          <a:ext cx="0" cy="0"/>
-          <a:chOff x="0" y="0"/>
-          <a:chExt cx="0" cy="0"/>
-        </a:xfrm>
-      </p:grpSpPr>
-      <p:sp>
-        <p:nvSpPr>
-          <p:cNvPr id="2" name="タイトル 1"/>
-          <p:cNvSpPr>
-            <a:spLocks noGrp="1"/>
-          </p:cNvSpPr>
-          <p:nvPr>
-            <p:ph type="title"/>
-          </p:nvPr>
-        </p:nvSpPr>
-        <p:spPr>
-          <a:xfrm>
             <a:off x="157717" y="152474"/>
             <a:ext cx="10515600" cy="1325563"/>
           </a:xfrm>
@@ -6524,6 +7483,119 @@
 </p:sld>
 </file>
 
+<file path=ppt/slides/slide4.xml><?xml version="1.0" encoding="utf-8"?>
+<p:sld xmlns:a="http://schemas.openxmlformats.org/drawingml/2006/main" xmlns:r="http://schemas.openxmlformats.org/officeDocument/2006/relationships" xmlns:p="http://schemas.openxmlformats.org/presentationml/2006/main">
+  <p:cSld>
+    <p:spTree>
+      <p:nvGrpSpPr>
+        <p:cNvPr id="1" name=""/>
+        <p:cNvGrpSpPr/>
+        <p:nvPr/>
+      </p:nvGrpSpPr>
+      <p:grpSpPr>
+        <a:xfrm>
+          <a:off x="0" y="0"/>
+          <a:ext cx="0" cy="0"/>
+          <a:chOff x="0" y="0"/>
+          <a:chExt cx="0" cy="0"/>
+        </a:xfrm>
+      </p:grpSpPr>
+      <p:sp>
+        <p:nvSpPr>
+          <p:cNvPr id="2" name="タイトル 1"/>
+          <p:cNvSpPr>
+            <a:spLocks noGrp="1"/>
+          </p:cNvSpPr>
+          <p:nvPr>
+            <p:ph type="title"/>
+          </p:nvPr>
+        </p:nvSpPr>
+        <p:spPr>
+          <a:xfrm>
+            <a:off x="158400" y="151200"/>
+            <a:ext cx="10515600" cy="1325563"/>
+          </a:xfrm>
+        </p:spPr>
+        <p:txBody>
+          <a:bodyPr/>
+          <a:lstStyle/>
+          <a:p>
+            <a:r>
+              <a:rPr kumimoji="1" lang="ja-JP" altLang="en-US"/>
+              <a:t>研究背景</a:t>
+            </a:r>
+          </a:p>
+        </p:txBody>
+      </p:sp>
+      <p:sp>
+        <p:nvSpPr>
+          <p:cNvPr id="3" name="コンテンツ プレースホルダー 2"/>
+          <p:cNvSpPr>
+            <a:spLocks noGrp="1"/>
+          </p:cNvSpPr>
+          <p:nvPr>
+            <p:ph idx="1"/>
+          </p:nvPr>
+        </p:nvSpPr>
+        <p:spPr/>
+        <p:txBody>
+          <a:bodyPr/>
+          <a:lstStyle/>
+          <a:p>
+            <a:r>
+              <a:rPr kumimoji="1" lang="en-US" altLang="ja-JP"/>
+              <a:t>IP </a:t>
+            </a:r>
+            <a:r>
+              <a:rPr kumimoji="1" lang="ja-JP" altLang="en-US"/>
+              <a:t>アドレスによる特定が困難</a:t>
+            </a:r>
+            <a:endParaRPr kumimoji="1" lang="en-US" altLang="ja-JP"/>
+          </a:p>
+          <a:p>
+            <a:r>
+              <a:rPr lang="en-US" altLang="ja-JP"/>
+              <a:t>Cookie </a:t>
+            </a:r>
+            <a:r>
+              <a:rPr lang="ja-JP" altLang="en-US"/>
+              <a:t>による特定に着目</a:t>
+            </a:r>
+            <a:endParaRPr lang="en-US" altLang="ja-JP"/>
+          </a:p>
+          <a:p>
+            <a:r>
+              <a:rPr lang="en-US" altLang="ja-JP"/>
+              <a:t>SNS </a:t>
+            </a:r>
+            <a:r>
+              <a:rPr lang="ja-JP" altLang="en-US"/>
+              <a:t>シェアボタンの設置率</a:t>
+            </a:r>
+            <a:endParaRPr kumimoji="1" lang="ja-JP" altLang="en-US"/>
+          </a:p>
+        </p:txBody>
+      </p:sp>
+    </p:spTree>
+    <p:extLst>
+      <p:ext uri="{BB962C8B-B14F-4D97-AF65-F5344CB8AC3E}">
+        <p14:creationId xmlns:p14="http://schemas.microsoft.com/office/powerpoint/2010/main" val="238725631"/>
+      </p:ext>
+    </p:extLst>
+  </p:cSld>
+  <p:clrMapOvr>
+    <a:masterClrMapping/>
+  </p:clrMapOvr>
+  <p:timing>
+    <p:tnLst>
+      <p:par>
+        <p:cTn id="1" dur="indefinite" restart="never" nodeType="tmRoot"/>
+      </p:par>
+    </p:tnLst>
+  </p:timing>
+</p:sld>
+</file>
+
 <file path=ppt/slides/slide5.xml><?xml version="1.0" encoding="utf-8"?>
 <p:sld xmlns:a="http://schemas.openxmlformats.org/drawingml/2006/main" xmlns:r="http://schemas.openxmlformats.org/officeDocument/2006/relationships" xmlns:p="http://schemas.openxmlformats.org/presentationml/2006/main">
   <p:cSld>
@@ -6998,7 +8070,7 @@
         </p:nvSpPr>
         <p:spPr>
           <a:xfrm>
-            <a:off x="8830231" y="2807660"/>
+            <a:off x="9219311" y="2892270"/>
             <a:ext cx="1800493" cy="646331"/>
           </a:xfrm>
           <a:prstGeom prst="rect">
@@ -7013,17 +8085,33 @@
           <a:lstStyle/>
           <a:p>
             <a:r>
-              <a:rPr kumimoji="1" lang="ja-JP" altLang="en-US"/>
+              <a:rPr kumimoji="1" lang="ja-JP" altLang="en-US" b="1">
+                <a:solidFill>
+                  <a:srgbClr val="1971C0"/>
+                </a:solidFill>
+              </a:rPr>
               <a:t>ログイン済みの</a:t>
             </a:r>
-            <a:endParaRPr lang="en-US" altLang="ja-JP"/>
-          </a:p>
-          <a:p>
-            <a:r>
-              <a:rPr kumimoji="1" lang="en-US" altLang="ja-JP"/>
+            <a:endParaRPr lang="en-US" altLang="ja-JP" b="1">
+              <a:solidFill>
+                <a:srgbClr val="1971C0"/>
+              </a:solidFill>
+            </a:endParaRPr>
+          </a:p>
+          <a:p>
+            <a:r>
+              <a:rPr kumimoji="1" lang="en-US" altLang="ja-JP" b="1">
+                <a:solidFill>
+                  <a:srgbClr val="1971C0"/>
+                </a:solidFill>
+              </a:rPr>
               <a:t>Cookie</a:t>
             </a:r>
-            <a:endParaRPr kumimoji="1" lang="ja-JP" altLang="en-US"/>
+            <a:endParaRPr kumimoji="1" lang="ja-JP" altLang="en-US" b="1">
+              <a:solidFill>
+                <a:srgbClr val="1971C0"/>
+              </a:solidFill>
+            </a:endParaRPr>
           </a:p>
         </p:txBody>
       </p:sp>
@@ -7036,7 +8124,7 @@
         <p:spPr>
           <a:xfrm>
             <a:off x="10255881" y="4514856"/>
-            <a:ext cx="1866217" cy="646331"/>
+            <a:ext cx="1888659" cy="646331"/>
           </a:xfrm>
           <a:prstGeom prst="rect">
             <a:avLst/>
@@ -7050,18 +8138,34 @@
           <a:lstStyle/>
           <a:p>
             <a:r>
-              <a:rPr kumimoji="1" lang="en-US" altLang="ja-JP"/>
+              <a:rPr kumimoji="1" lang="en-US" altLang="ja-JP" b="1">
+                <a:solidFill>
+                  <a:srgbClr val="4B4B4B"/>
+                </a:solidFill>
+              </a:rPr>
               <a:t>SNS </a:t>
             </a:r>
             <a:r>
-              <a:rPr kumimoji="1" lang="ja-JP" altLang="en-US"/>
+              <a:rPr kumimoji="1" lang="ja-JP" altLang="en-US" b="1">
+                <a:solidFill>
+                  <a:srgbClr val="4B4B4B"/>
+                </a:solidFill>
+              </a:rPr>
               <a:t>にログイン</a:t>
             </a:r>
-            <a:endParaRPr kumimoji="1" lang="en-US" altLang="ja-JP"/>
-          </a:p>
-          <a:p>
-            <a:r>
-              <a:rPr kumimoji="1" lang="ja-JP" altLang="en-US"/>
+            <a:endParaRPr kumimoji="1" lang="en-US" altLang="ja-JP" b="1">
+              <a:solidFill>
+                <a:srgbClr val="4B4B4B"/>
+              </a:solidFill>
+            </a:endParaRPr>
+          </a:p>
+          <a:p>
+            <a:r>
+              <a:rPr kumimoji="1" lang="ja-JP" altLang="en-US" b="1">
+                <a:solidFill>
+                  <a:srgbClr val="4B4B4B"/>
+                </a:solidFill>
+              </a:rPr>
               <a:t>済みのユーザ</a:t>
             </a:r>
           </a:p>
@@ -7126,8 +8230,13 @@
           <a:p>
             <a:r>
               <a:rPr kumimoji="1" lang="ja-JP" altLang="en-US"/>
-              <a:t>実験手順</a:t>
-            </a:r>
+              <a:t>実験内容</a:t>
+            </a:r>
+            <a:r>
+              <a:rPr kumimoji="1" lang="en-US" altLang="ja-JP"/>
+              <a:t> (1/2)</a:t>
+            </a:r>
+            <a:endParaRPr kumimoji="1" lang="ja-JP" altLang="en-US"/>
           </a:p>
         </p:txBody>
       </p:sp>
@@ -7152,11 +8261,19 @@
             </a:pPr>
             <a:r>
               <a:rPr kumimoji="1" lang="en-US" altLang="ja-JP"/>
-              <a:t>15 </a:t>
-            </a:r>
-            <a:r>
-              <a:rPr kumimoji="1" lang="ja-JP" altLang="en-US"/>
-              <a:t>名の被験者を募集</a:t>
+              <a:t>SNS </a:t>
+            </a:r>
+            <a:r>
+              <a:rPr kumimoji="1" lang="ja-JP" altLang="en-US"/>
+              <a:t>シェアボタンを設置した掲示板と</a:t>
+            </a:r>
+            <a:r>
+              <a:rPr kumimoji="1" lang="en-US" altLang="ja-JP"/>
+              <a:t> SNS </a:t>
+            </a:r>
+            <a:r>
+              <a:rPr kumimoji="1" lang="ja-JP" altLang="en-US"/>
+              <a:t>サイトを用意</a:t>
             </a:r>
             <a:endParaRPr kumimoji="1" lang="en-US" altLang="ja-JP"/>
           </a:p>
@@ -7166,14 +8283,14 @@
               <a:buAutoNum type="arabicPeriod"/>
             </a:pPr>
             <a:r>
-              <a:rPr lang="en-US" altLang="ja-JP"/>
-              <a:t>Mastodon </a:t>
-            </a:r>
-            <a:r>
-              <a:rPr lang="ja-JP" altLang="en-US"/>
-              <a:t>のアカウントの作成・ログイン</a:t>
-            </a:r>
-            <a:endParaRPr lang="en-US" altLang="ja-JP"/>
+              <a:rPr kumimoji="1" lang="en-US" altLang="ja-JP"/>
+              <a:t>15 </a:t>
+            </a:r>
+            <a:r>
+              <a:rPr kumimoji="1" lang="ja-JP" altLang="en-US"/>
+              <a:t>名の被験者を募集</a:t>
+            </a:r>
+            <a:endParaRPr kumimoji="1" lang="en-US" altLang="ja-JP"/>
           </a:p>
           <a:p>
             <a:pPr marL="514350" indent="-514350">
@@ -7182,7 +8299,15 @@
             </a:pPr>
             <a:r>
               <a:rPr lang="ja-JP" altLang="en-US"/>
-              <a:t>匿名掲示板へのアクセス・投稿</a:t>
+              <a:t>被験者が</a:t>
+            </a:r>
+            <a:r>
+              <a:rPr lang="en-US" altLang="ja-JP"/>
+              <a:t> SNS </a:t>
+            </a:r>
+            <a:r>
+              <a:rPr lang="ja-JP" altLang="en-US"/>
+              <a:t>アカウントを作成し、ログイン</a:t>
             </a:r>
             <a:endParaRPr lang="en-US" altLang="ja-JP"/>
           </a:p>
@@ -7192,12 +8317,8 @@
               <a:buAutoNum type="arabicPeriod"/>
             </a:pPr>
             <a:r>
-              <a:rPr lang="en-US" altLang="ja-JP"/>
-              <a:t>Cookie </a:t>
-            </a:r>
-            <a:r>
               <a:rPr lang="ja-JP" altLang="en-US"/>
-              <a:t>の解析</a:t>
+              <a:t>掲示板へアクセスし、書込みを投稿</a:t>
             </a:r>
             <a:endParaRPr lang="en-US" altLang="ja-JP"/>
           </a:p>
@@ -7207,16 +8328,50 @@
               <a:buAutoNum type="arabicPeriod"/>
             </a:pPr>
             <a:r>
+              <a:rPr lang="en-US" altLang="ja-JP"/>
+              <a:t>SNS </a:t>
+            </a:r>
+            <a:r>
+              <a:rPr lang="ja-JP" altLang="en-US"/>
+              <a:t>のサーバに送信された</a:t>
+            </a:r>
+            <a:r>
+              <a:rPr lang="en-US" altLang="ja-JP"/>
+              <a:t> Cookie </a:t>
+            </a:r>
+            <a:r>
+              <a:rPr lang="ja-JP" altLang="en-US"/>
+              <a:t>を解析</a:t>
+            </a:r>
+            <a:endParaRPr lang="en-US" altLang="ja-JP"/>
+          </a:p>
+          <a:p>
+            <a:pPr marL="514350" indent="-514350">
+              <a:buFont typeface="+mj-lt"/>
+              <a:buAutoNum type="arabicPeriod"/>
+            </a:pPr>
+            <a:r>
               <a:rPr lang="ja-JP" altLang="en-US"/>
               <a:t>投稿者の</a:t>
             </a:r>
             <a:r>
               <a:rPr lang="en-US" altLang="ja-JP"/>
-              <a:t> Mastodon </a:t>
+              <a:t> SNS </a:t>
             </a:r>
             <a:r>
               <a:rPr lang="ja-JP" altLang="en-US"/>
-              <a:t>のアカウントを特定</a:t>
+              <a:t>アカウントを特定</a:t>
+            </a:r>
+            <a:endParaRPr lang="en-US" altLang="ja-JP"/>
+          </a:p>
+          <a:p>
+            <a:pPr marL="514350" indent="-514350">
+              <a:buFont typeface="+mj-lt"/>
+              <a:buAutoNum type="arabicPeriod"/>
+            </a:pPr>
+            <a:r>
+              <a:rPr lang="ja-JP" altLang="en-US"/>
+              <a:t>特定した被験者が正しいかどうか確認</a:t>
             </a:r>
             <a:endParaRPr lang="en-US" altLang="ja-JP"/>
           </a:p>
@@ -7281,84 +8436,736 @@
           <a:p>
             <a:r>
               <a:rPr kumimoji="1" lang="ja-JP" altLang="en-US"/>
-              <a:t>実験結果</a:t>
-            </a:r>
-          </a:p>
-        </p:txBody>
-      </p:sp>
-      <p:sp>
-        <p:nvSpPr>
-          <p:cNvPr id="3" name="コンテンツ プレースホルダー 2"/>
-          <p:cNvSpPr>
-            <a:spLocks noGrp="1"/>
-          </p:cNvSpPr>
-          <p:nvPr>
-            <p:ph idx="1"/>
-          </p:nvPr>
-        </p:nvSpPr>
-        <p:spPr/>
-        <p:txBody>
-          <a:bodyPr/>
-          <a:lstStyle/>
-          <a:p>
+              <a:t>実験内容</a:t>
+            </a:r>
             <a:r>
               <a:rPr kumimoji="1" lang="en-US" altLang="ja-JP"/>
-              <a:t>32 </a:t>
-            </a:r>
-            <a:r>
-              <a:rPr kumimoji="1" lang="ja-JP" altLang="en-US"/>
-              <a:t>件中、</a:t>
-            </a:r>
-            <a:r>
-              <a:rPr kumimoji="1" lang="en-US" altLang="ja-JP"/>
-              <a:t>26</a:t>
-            </a:r>
-            <a:r>
-              <a:rPr kumimoji="1" lang="ja-JP" altLang="en-US"/>
-              <a:t> 件の投稿を特定</a:t>
-            </a:r>
-            <a:endParaRPr kumimoji="1" lang="en-US" altLang="ja-JP"/>
-          </a:p>
-          <a:p>
-            <a:r>
-              <a:rPr lang="ja-JP" altLang="en-US"/>
-              <a:t>特定不可の</a:t>
-            </a:r>
-            <a:r>
-              <a:rPr lang="en-US" altLang="ja-JP"/>
-              <a:t> 6 </a:t>
-            </a:r>
-            <a:r>
-              <a:rPr lang="ja-JP" altLang="en-US"/>
-              <a:t>件が</a:t>
-            </a:r>
-            <a:r>
-              <a:rPr lang="en-US" altLang="ja-JP"/>
-              <a:t> 2 </a:t>
-            </a:r>
-            <a:r>
-              <a:rPr lang="ja-JP" altLang="en-US"/>
-              <a:t>名の被験者であることを特定</a:t>
-            </a:r>
-            <a:endParaRPr lang="en-US" altLang="ja-JP"/>
-          </a:p>
-          <a:p>
-            <a:r>
-              <a:rPr kumimoji="1" lang="ja-JP" altLang="en-US"/>
-              <a:t>正答率</a:t>
-            </a:r>
-            <a:r>
-              <a:rPr kumimoji="1" lang="en-US" altLang="ja-JP"/>
-              <a:t> 100%</a:t>
+              <a:t> (2/2)</a:t>
             </a:r>
             <a:endParaRPr kumimoji="1" lang="ja-JP" altLang="en-US"/>
+          </a:p>
+        </p:txBody>
+      </p:sp>
+      <p:pic>
+        <p:nvPicPr>
+          <p:cNvPr id="4" name="図 3"/>
+          <p:cNvPicPr>
+            <a:picLocks noChangeAspect="1"/>
+          </p:cNvPicPr>
+          <p:nvPr/>
+        </p:nvPicPr>
+        <p:blipFill>
+          <a:blip r:embed="rId2">
+            <a:extLst>
+              <a:ext uri="{28A0092B-C50C-407E-A947-70E740481C1C}">
+                <a14:useLocalDpi xmlns:a14="http://schemas.microsoft.com/office/drawing/2010/main" val="0"/>
+              </a:ext>
+            </a:extLst>
+          </a:blip>
+          <a:stretch>
+            <a:fillRect/>
+          </a:stretch>
+        </p:blipFill>
+        <p:spPr>
+          <a:xfrm>
+            <a:off x="1127036" y="2491928"/>
+            <a:ext cx="8268589" cy="4254878"/>
+          </a:xfrm>
+          <a:prstGeom prst="rect">
+            <a:avLst/>
+          </a:prstGeom>
+        </p:spPr>
+      </p:pic>
+      <p:pic>
+        <p:nvPicPr>
+          <p:cNvPr id="5" name="図 4"/>
+          <p:cNvPicPr>
+            <a:picLocks noChangeAspect="1"/>
+          </p:cNvPicPr>
+          <p:nvPr/>
+        </p:nvPicPr>
+        <p:blipFill>
+          <a:blip r:embed="rId3">
+            <a:extLst>
+              <a:ext uri="{28A0092B-C50C-407E-A947-70E740481C1C}">
+                <a14:useLocalDpi xmlns:a14="http://schemas.microsoft.com/office/drawing/2010/main" val="0"/>
+              </a:ext>
+            </a:extLst>
+          </a:blip>
+          <a:stretch>
+            <a:fillRect/>
+          </a:stretch>
+        </p:blipFill>
+        <p:spPr>
+          <a:xfrm>
+            <a:off x="10492545" y="2106148"/>
+            <a:ext cx="543245" cy="543245"/>
+          </a:xfrm>
+          <a:prstGeom prst="rect">
+            <a:avLst/>
+          </a:prstGeom>
+        </p:spPr>
+      </p:pic>
+      <p:pic>
+        <p:nvPicPr>
+          <p:cNvPr id="6" name="図 5"/>
+          <p:cNvPicPr>
+            <a:picLocks noChangeAspect="1"/>
+          </p:cNvPicPr>
+          <p:nvPr/>
+        </p:nvPicPr>
+        <p:blipFill>
+          <a:blip r:embed="rId4">
+            <a:extLst>
+              <a:ext uri="{28A0092B-C50C-407E-A947-70E740481C1C}">
+                <a14:useLocalDpi xmlns:a14="http://schemas.microsoft.com/office/drawing/2010/main" val="0"/>
+              </a:ext>
+            </a:extLst>
+          </a:blip>
+          <a:stretch>
+            <a:fillRect/>
+          </a:stretch>
+        </p:blipFill>
+        <p:spPr>
+          <a:xfrm>
+            <a:off x="9800638" y="1614222"/>
+            <a:ext cx="807097" cy="807097"/>
+          </a:xfrm>
+          <a:prstGeom prst="rect">
+            <a:avLst/>
+          </a:prstGeom>
+        </p:spPr>
+      </p:pic>
+      <p:sp>
+        <p:nvSpPr>
+          <p:cNvPr id="7" name="正方形/長方形 6"/>
+          <p:cNvSpPr/>
+          <p:nvPr/>
+        </p:nvSpPr>
+        <p:spPr>
+          <a:xfrm>
+            <a:off x="1225133" y="3198801"/>
+            <a:ext cx="8078339" cy="1054250"/>
+          </a:xfrm>
+          <a:prstGeom prst="rect">
+            <a:avLst/>
+          </a:prstGeom>
+          <a:noFill/>
+          <a:ln w="57150">
+            <a:solidFill>
+              <a:srgbClr val="FF0000"/>
+            </a:solidFill>
+          </a:ln>
+        </p:spPr>
+        <p:style>
+          <a:lnRef idx="2">
+            <a:schemeClr val="accent1">
+              <a:shade val="50000"/>
+            </a:schemeClr>
+          </a:lnRef>
+          <a:fillRef idx="1">
+            <a:schemeClr val="accent1"/>
+          </a:fillRef>
+          <a:effectRef idx="0">
+            <a:schemeClr val="accent1"/>
+          </a:effectRef>
+          <a:fontRef idx="minor">
+            <a:schemeClr val="lt1"/>
+          </a:fontRef>
+        </p:style>
+        <p:txBody>
+          <a:bodyPr rtlCol="0" anchor="ctr"/>
+          <a:lstStyle/>
+          <a:p>
+            <a:pPr algn="ctr"/>
+            <a:endParaRPr kumimoji="1" lang="ja-JP" altLang="en-US"/>
+          </a:p>
+        </p:txBody>
+      </p:sp>
+      <p:pic>
+        <p:nvPicPr>
+          <p:cNvPr id="10" name="図 9"/>
+          <p:cNvPicPr>
+            <a:picLocks noChangeAspect="1"/>
+          </p:cNvPicPr>
+          <p:nvPr/>
+        </p:nvPicPr>
+        <p:blipFill>
+          <a:blip r:embed="rId5">
+            <a:extLst>
+              <a:ext uri="{28A0092B-C50C-407E-A947-70E740481C1C}">
+                <a14:useLocalDpi xmlns:a14="http://schemas.microsoft.com/office/drawing/2010/main" val="0"/>
+              </a:ext>
+            </a:extLst>
+          </a:blip>
+          <a:stretch>
+            <a:fillRect/>
+          </a:stretch>
+        </p:blipFill>
+        <p:spPr>
+          <a:xfrm>
+            <a:off x="3814514" y="1610389"/>
+            <a:ext cx="752103" cy="752103"/>
+          </a:xfrm>
+          <a:prstGeom prst="rect">
+            <a:avLst/>
+          </a:prstGeom>
+          <a:noFill/>
+          <a:ln w="57150">
+            <a:noFill/>
+          </a:ln>
+        </p:spPr>
+      </p:pic>
+      <p:sp>
+        <p:nvSpPr>
+          <p:cNvPr id="11" name="正方形/長方形 10"/>
+          <p:cNvSpPr/>
+          <p:nvPr/>
+        </p:nvSpPr>
+        <p:spPr>
+          <a:xfrm>
+            <a:off x="3660292" y="1519096"/>
+            <a:ext cx="1060548" cy="931773"/>
+          </a:xfrm>
+          <a:prstGeom prst="rect">
+            <a:avLst/>
+          </a:prstGeom>
+          <a:noFill/>
+          <a:ln w="57150">
+            <a:solidFill>
+              <a:srgbClr val="0070C0"/>
+            </a:solidFill>
+          </a:ln>
+        </p:spPr>
+        <p:style>
+          <a:lnRef idx="2">
+            <a:schemeClr val="accent1">
+              <a:shade val="50000"/>
+            </a:schemeClr>
+          </a:lnRef>
+          <a:fillRef idx="1">
+            <a:schemeClr val="accent1"/>
+          </a:fillRef>
+          <a:effectRef idx="0">
+            <a:schemeClr val="accent1"/>
+          </a:effectRef>
+          <a:fontRef idx="minor">
+            <a:schemeClr val="lt1"/>
+          </a:fontRef>
+        </p:style>
+        <p:txBody>
+          <a:bodyPr rtlCol="0" anchor="ctr"/>
+          <a:lstStyle/>
+          <a:p>
+            <a:pPr algn="ctr"/>
+            <a:endParaRPr kumimoji="1" lang="ja-JP" altLang="en-US">
+              <a:solidFill>
+                <a:srgbClr val="FF0000"/>
+              </a:solidFill>
+            </a:endParaRPr>
+          </a:p>
+        </p:txBody>
+      </p:sp>
+      <p:sp>
+        <p:nvSpPr>
+          <p:cNvPr id="13" name="テキスト ボックス 12"/>
+          <p:cNvSpPr txBox="1"/>
+          <p:nvPr/>
+        </p:nvSpPr>
+        <p:spPr>
+          <a:xfrm>
+            <a:off x="4473400" y="245125"/>
+            <a:ext cx="1718740" cy="923330"/>
+          </a:xfrm>
+          <a:prstGeom prst="rect">
+            <a:avLst/>
+          </a:prstGeom>
+          <a:noFill/>
+        </p:spPr>
+        <p:txBody>
+          <a:bodyPr wrap="none" rtlCol="0">
+            <a:spAutoFit/>
+          </a:bodyPr>
+          <a:lstStyle/>
+          <a:p>
+            <a:pPr algn="ctr"/>
+            <a:r>
+              <a:rPr kumimoji="1" lang="en-US" altLang="ja-JP" b="1">
+                <a:latin typeface="Menlo" charset="0"/>
+                <a:ea typeface="Menlo" charset="0"/>
+                <a:cs typeface="Menlo" charset="0"/>
+              </a:rPr>
+              <a:t>id=abcd1234</a:t>
+            </a:r>
+          </a:p>
+          <a:p>
+            <a:pPr algn="ctr"/>
+            <a:r>
+              <a:rPr lang="ja-JP" altLang="en-US" b="1">
+                <a:latin typeface="Menlo" charset="0"/>
+                <a:ea typeface="Menlo" charset="0"/>
+                <a:cs typeface="Menlo" charset="0"/>
+              </a:rPr>
+              <a:t>↓</a:t>
+            </a:r>
+            <a:endParaRPr lang="en-US" altLang="ja-JP" b="1">
+              <a:latin typeface="Menlo" charset="0"/>
+              <a:ea typeface="Menlo" charset="0"/>
+              <a:cs typeface="Menlo" charset="0"/>
+            </a:endParaRPr>
+          </a:p>
+          <a:p>
+            <a:pPr algn="ctr"/>
+            <a:r>
+              <a:rPr kumimoji="1" lang="en-US" altLang="ja-JP" b="1">
+                <a:latin typeface="Menlo" charset="0"/>
+                <a:ea typeface="Menlo" charset="0"/>
+                <a:cs typeface="Menlo" charset="0"/>
+              </a:rPr>
+              <a:t>@suspect</a:t>
+            </a:r>
+            <a:endParaRPr kumimoji="1" lang="ja-JP" altLang="en-US" b="1">
+              <a:latin typeface="Menlo" charset="0"/>
+              <a:ea typeface="Menlo" charset="0"/>
+              <a:cs typeface="Menlo" charset="0"/>
+            </a:endParaRPr>
+          </a:p>
+        </p:txBody>
+      </p:sp>
+      <p:sp>
+        <p:nvSpPr>
+          <p:cNvPr id="14" name="正方形/長方形 13"/>
+          <p:cNvSpPr/>
+          <p:nvPr/>
+        </p:nvSpPr>
+        <p:spPr>
+          <a:xfrm>
+            <a:off x="1329053" y="2539512"/>
+            <a:ext cx="3391787" cy="416368"/>
+          </a:xfrm>
+          <a:prstGeom prst="rect">
+            <a:avLst/>
+          </a:prstGeom>
+          <a:noFill/>
+          <a:ln w="57150">
+            <a:solidFill>
+              <a:srgbClr val="0070C0"/>
+            </a:solidFill>
+          </a:ln>
+        </p:spPr>
+        <p:style>
+          <a:lnRef idx="2">
+            <a:schemeClr val="accent1">
+              <a:shade val="50000"/>
+            </a:schemeClr>
+          </a:lnRef>
+          <a:fillRef idx="1">
+            <a:schemeClr val="accent1"/>
+          </a:fillRef>
+          <a:effectRef idx="0">
+            <a:schemeClr val="accent1"/>
+          </a:effectRef>
+          <a:fontRef idx="minor">
+            <a:schemeClr val="lt1"/>
+          </a:fontRef>
+        </p:style>
+        <p:txBody>
+          <a:bodyPr rtlCol="0" anchor="ctr"/>
+          <a:lstStyle/>
+          <a:p>
+            <a:pPr algn="ctr"/>
+            <a:endParaRPr kumimoji="1" lang="ja-JP" altLang="en-US">
+              <a:solidFill>
+                <a:srgbClr val="FF0000"/>
+              </a:solidFill>
+            </a:endParaRPr>
+          </a:p>
+        </p:txBody>
+      </p:sp>
+      <p:sp>
+        <p:nvSpPr>
+          <p:cNvPr id="17" name="角丸四角形吹き出し 16"/>
+          <p:cNvSpPr/>
+          <p:nvPr/>
+        </p:nvSpPr>
+        <p:spPr>
+          <a:xfrm>
+            <a:off x="4349654" y="223959"/>
+            <a:ext cx="1960054" cy="962173"/>
+          </a:xfrm>
+          <a:prstGeom prst="wedgeRoundRectCallout">
+            <a:avLst>
+              <a:gd name="adj1" fmla="val -39733"/>
+              <a:gd name="adj2" fmla="val 73151"/>
+              <a:gd name="adj3" fmla="val 16667"/>
+            </a:avLst>
+          </a:prstGeom>
+          <a:noFill/>
+          <a:ln w="57150">
+            <a:solidFill>
+              <a:srgbClr val="1971C0"/>
+            </a:solidFill>
+          </a:ln>
+        </p:spPr>
+        <p:style>
+          <a:lnRef idx="2">
+            <a:schemeClr val="accent1">
+              <a:shade val="50000"/>
+            </a:schemeClr>
+          </a:lnRef>
+          <a:fillRef idx="1">
+            <a:schemeClr val="accent1"/>
+          </a:fillRef>
+          <a:effectRef idx="0">
+            <a:schemeClr val="accent1"/>
+          </a:effectRef>
+          <a:fontRef idx="minor">
+            <a:schemeClr val="lt1"/>
+          </a:fontRef>
+        </p:style>
+        <p:txBody>
+          <a:bodyPr rtlCol="0" anchor="ctr"/>
+          <a:lstStyle/>
+          <a:p>
+            <a:pPr algn="ctr"/>
+            <a:endParaRPr kumimoji="1" lang="ja-JP" altLang="en-US"/>
+          </a:p>
+        </p:txBody>
+      </p:sp>
+      <p:cxnSp>
+        <p:nvCxnSpPr>
+          <p:cNvPr id="19" name="直線矢印コネクタ 18"/>
+          <p:cNvCxnSpPr/>
+          <p:nvPr/>
+        </p:nvCxnSpPr>
+        <p:spPr>
+          <a:xfrm flipH="1" flipV="1">
+            <a:off x="4875062" y="2017770"/>
+            <a:ext cx="4803347" cy="1"/>
+          </a:xfrm>
+          <a:prstGeom prst="straightConnector1">
+            <a:avLst/>
+          </a:prstGeom>
+          <a:ln w="57150">
+            <a:solidFill>
+              <a:srgbClr val="1971C0"/>
+            </a:solidFill>
+            <a:tailEnd type="triangle"/>
+          </a:ln>
+        </p:spPr>
+        <p:style>
+          <a:lnRef idx="1">
+            <a:schemeClr val="accent1"/>
+          </a:lnRef>
+          <a:fillRef idx="0">
+            <a:schemeClr val="accent1"/>
+          </a:fillRef>
+          <a:effectRef idx="0">
+            <a:schemeClr val="accent1"/>
+          </a:effectRef>
+          <a:fontRef idx="minor">
+            <a:schemeClr val="tx1"/>
+          </a:fontRef>
+        </p:style>
+      </p:cxnSp>
+      <p:sp>
+        <p:nvSpPr>
+          <p:cNvPr id="23" name="テキスト ボックス 22"/>
+          <p:cNvSpPr txBox="1"/>
+          <p:nvPr/>
+        </p:nvSpPr>
+        <p:spPr>
+          <a:xfrm>
+            <a:off x="5843524" y="1611531"/>
+            <a:ext cx="2834430" cy="369332"/>
+          </a:xfrm>
+          <a:prstGeom prst="rect">
+            <a:avLst/>
+          </a:prstGeom>
+          <a:noFill/>
+        </p:spPr>
+        <p:txBody>
+          <a:bodyPr wrap="none" rtlCol="0">
+            <a:spAutoFit/>
+          </a:bodyPr>
+          <a:lstStyle/>
+          <a:p>
+            <a:pPr algn="ctr"/>
+            <a:r>
+              <a:rPr kumimoji="1" lang="en-US" altLang="ja-JP" b="1">
+                <a:latin typeface="Menlo" charset="0"/>
+                <a:ea typeface="Menlo" charset="0"/>
+                <a:cs typeface="Menlo" charset="0"/>
+              </a:rPr>
+              <a:t>cookie: id=abcd1234</a:t>
+            </a:r>
+            <a:endParaRPr kumimoji="1" lang="ja-JP" altLang="en-US" b="1">
+              <a:latin typeface="Menlo" charset="0"/>
+              <a:ea typeface="Menlo" charset="0"/>
+              <a:cs typeface="Menlo" charset="0"/>
+            </a:endParaRPr>
+          </a:p>
+        </p:txBody>
+      </p:sp>
+      <p:cxnSp>
+        <p:nvCxnSpPr>
+          <p:cNvPr id="31" name="直線コネクタ 30"/>
+          <p:cNvCxnSpPr/>
+          <p:nvPr/>
+        </p:nvCxnSpPr>
+        <p:spPr>
+          <a:xfrm>
+            <a:off x="6373506" y="726313"/>
+            <a:ext cx="3810702" cy="368"/>
+          </a:xfrm>
+          <a:prstGeom prst="line">
+            <a:avLst/>
+          </a:prstGeom>
+          <a:ln w="57150">
+            <a:solidFill>
+              <a:srgbClr val="4B4B4B"/>
+            </a:solidFill>
+          </a:ln>
+        </p:spPr>
+        <p:style>
+          <a:lnRef idx="1">
+            <a:schemeClr val="accent1"/>
+          </a:lnRef>
+          <a:fillRef idx="0">
+            <a:schemeClr val="accent1"/>
+          </a:fillRef>
+          <a:effectRef idx="0">
+            <a:schemeClr val="accent1"/>
+          </a:effectRef>
+          <a:fontRef idx="minor">
+            <a:schemeClr val="tx1"/>
+          </a:fontRef>
+        </p:style>
+      </p:cxnSp>
+      <p:cxnSp>
+        <p:nvCxnSpPr>
+          <p:cNvPr id="33" name="直線矢印コネクタ 32"/>
+          <p:cNvCxnSpPr/>
+          <p:nvPr/>
+        </p:nvCxnSpPr>
+        <p:spPr>
+          <a:xfrm>
+            <a:off x="10184208" y="705045"/>
+            <a:ext cx="0" cy="1028062"/>
+          </a:xfrm>
+          <a:prstGeom prst="straightConnector1">
+            <a:avLst/>
+          </a:prstGeom>
+          <a:ln w="57150">
+            <a:solidFill>
+              <a:srgbClr val="4B4B4B"/>
+            </a:solidFill>
+            <a:tailEnd type="triangle"/>
+          </a:ln>
+        </p:spPr>
+        <p:style>
+          <a:lnRef idx="1">
+            <a:schemeClr val="accent1"/>
+          </a:lnRef>
+          <a:fillRef idx="0">
+            <a:schemeClr val="accent1"/>
+          </a:fillRef>
+          <a:effectRef idx="0">
+            <a:schemeClr val="accent1"/>
+          </a:effectRef>
+          <a:fontRef idx="minor">
+            <a:schemeClr val="tx1"/>
+          </a:fontRef>
+        </p:style>
+      </p:cxnSp>
+      <p:cxnSp>
+        <p:nvCxnSpPr>
+          <p:cNvPr id="37" name="直線コネクタ 36"/>
+          <p:cNvCxnSpPr/>
+          <p:nvPr/>
+        </p:nvCxnSpPr>
+        <p:spPr>
+          <a:xfrm flipV="1">
+            <a:off x="8855167" y="714321"/>
+            <a:ext cx="0" cy="2379754"/>
+          </a:xfrm>
+          <a:prstGeom prst="line">
+            <a:avLst/>
+          </a:prstGeom>
+          <a:ln w="57150">
+            <a:solidFill>
+              <a:srgbClr val="4B4B4B"/>
+            </a:solidFill>
+          </a:ln>
+        </p:spPr>
+        <p:style>
+          <a:lnRef idx="1">
+            <a:schemeClr val="accent1"/>
+          </a:lnRef>
+          <a:fillRef idx="0">
+            <a:schemeClr val="accent1"/>
+          </a:fillRef>
+          <a:effectRef idx="0">
+            <a:schemeClr val="accent1"/>
+          </a:effectRef>
+          <a:fontRef idx="minor">
+            <a:schemeClr val="tx1"/>
+          </a:fontRef>
+        </p:style>
+      </p:cxnSp>
+      <p:pic>
+        <p:nvPicPr>
+          <p:cNvPr id="41" name="図 40"/>
+          <p:cNvPicPr>
+            <a:picLocks noChangeAspect="1"/>
+          </p:cNvPicPr>
+          <p:nvPr/>
+        </p:nvPicPr>
+        <p:blipFill>
+          <a:blip r:embed="rId5">
+            <a:extLst>
+              <a:ext uri="{28A0092B-C50C-407E-A947-70E740481C1C}">
+                <a14:useLocalDpi xmlns:a14="http://schemas.microsoft.com/office/drawing/2010/main" val="0"/>
+              </a:ext>
+            </a:extLst>
+          </a:blip>
+          <a:stretch>
+            <a:fillRect/>
+          </a:stretch>
+        </p:blipFill>
+        <p:spPr>
+          <a:xfrm>
+            <a:off x="9846775" y="5741581"/>
+            <a:ext cx="752103" cy="752103"/>
+          </a:xfrm>
+          <a:prstGeom prst="rect">
+            <a:avLst/>
+          </a:prstGeom>
+          <a:noFill/>
+          <a:ln w="57150">
+            <a:noFill/>
+          </a:ln>
+        </p:spPr>
+      </p:pic>
+      <p:sp>
+        <p:nvSpPr>
+          <p:cNvPr id="42" name="正方形/長方形 41"/>
+          <p:cNvSpPr/>
+          <p:nvPr/>
+        </p:nvSpPr>
+        <p:spPr>
+          <a:xfrm>
+            <a:off x="9710076" y="5669172"/>
+            <a:ext cx="1060548" cy="931773"/>
+          </a:xfrm>
+          <a:prstGeom prst="rect">
+            <a:avLst/>
+          </a:prstGeom>
+          <a:noFill/>
+          <a:ln w="57150">
+            <a:solidFill>
+              <a:srgbClr val="FF0000"/>
+            </a:solidFill>
+          </a:ln>
+        </p:spPr>
+        <p:style>
+          <a:lnRef idx="2">
+            <a:schemeClr val="accent1">
+              <a:shade val="50000"/>
+            </a:schemeClr>
+          </a:lnRef>
+          <a:fillRef idx="1">
+            <a:schemeClr val="accent1"/>
+          </a:fillRef>
+          <a:effectRef idx="0">
+            <a:schemeClr val="accent1"/>
+          </a:effectRef>
+          <a:fontRef idx="minor">
+            <a:schemeClr val="lt1"/>
+          </a:fontRef>
+        </p:style>
+        <p:txBody>
+          <a:bodyPr rtlCol="0" anchor="ctr"/>
+          <a:lstStyle/>
+          <a:p>
+            <a:pPr algn="ctr"/>
+            <a:endParaRPr kumimoji="1" lang="ja-JP" altLang="en-US"/>
+          </a:p>
+        </p:txBody>
+      </p:sp>
+      <p:cxnSp>
+        <p:nvCxnSpPr>
+          <p:cNvPr id="43" name="直線矢印コネクタ 42"/>
+          <p:cNvCxnSpPr/>
+          <p:nvPr/>
+        </p:nvCxnSpPr>
+        <p:spPr>
+          <a:xfrm flipH="1">
+            <a:off x="10204186" y="2387213"/>
+            <a:ext cx="2" cy="3206597"/>
+          </a:xfrm>
+          <a:prstGeom prst="straightConnector1">
+            <a:avLst/>
+          </a:prstGeom>
+          <a:ln w="57150">
+            <a:solidFill>
+              <a:srgbClr val="FF0000"/>
+            </a:solidFill>
+            <a:tailEnd type="triangle"/>
+          </a:ln>
+        </p:spPr>
+        <p:style>
+          <a:lnRef idx="1">
+            <a:schemeClr val="accent1"/>
+          </a:lnRef>
+          <a:fillRef idx="0">
+            <a:schemeClr val="accent1"/>
+          </a:fillRef>
+          <a:effectRef idx="0">
+            <a:schemeClr val="accent1"/>
+          </a:effectRef>
+          <a:fontRef idx="minor">
+            <a:schemeClr val="tx1"/>
+          </a:fontRef>
+        </p:style>
+      </p:cxnSp>
+      <p:sp>
+        <p:nvSpPr>
+          <p:cNvPr id="54" name="テキスト ボックス 53"/>
+          <p:cNvSpPr txBox="1"/>
+          <p:nvPr/>
+        </p:nvSpPr>
+        <p:spPr>
+          <a:xfrm>
+            <a:off x="10332042" y="2626964"/>
+            <a:ext cx="877163" cy="369332"/>
+          </a:xfrm>
+          <a:prstGeom prst="rect">
+            <a:avLst/>
+          </a:prstGeom>
+          <a:noFill/>
+        </p:spPr>
+        <p:txBody>
+          <a:bodyPr wrap="none" rtlCol="0">
+            <a:spAutoFit/>
+          </a:bodyPr>
+          <a:lstStyle/>
+          <a:p>
+            <a:pPr algn="ctr"/>
+            <a:r>
+              <a:rPr kumimoji="1" lang="ja-JP" altLang="en-US" b="1">
+                <a:ea typeface="Menlo" charset="0"/>
+                <a:cs typeface="Menlo" charset="0"/>
+              </a:rPr>
+              <a:t>被験者</a:t>
+            </a:r>
           </a:p>
         </p:txBody>
       </p:sp>
     </p:spTree>
     <p:extLst>
       <p:ext uri="{BB962C8B-B14F-4D97-AF65-F5344CB8AC3E}">
-        <p14:creationId xmlns:p14="http://schemas.microsoft.com/office/powerpoint/2010/main" val="1048675044"/>
+        <p14:creationId xmlns:p14="http://schemas.microsoft.com/office/powerpoint/2010/main" val="1497960408"/>
       </p:ext>
     </p:extLst>
   </p:cSld>
@@ -7413,10 +9220,9 @@
           <a:lstStyle/>
           <a:p>
             <a:r>
-              <a:rPr lang="ja-JP" altLang="en-US"/>
-              <a:t>評価・考察</a:t>
-            </a:r>
-            <a:endParaRPr kumimoji="1" lang="ja-JP" altLang="en-US"/>
+              <a:rPr kumimoji="1" lang="ja-JP" altLang="en-US"/>
+              <a:t>実験結果</a:t>
+            </a:r>
           </a:p>
         </p:txBody>
       </p:sp>
@@ -7435,9 +9241,70 @@
           <a:bodyPr/>
           <a:lstStyle/>
           <a:p>
+            <a:pPr>
+              <a:lnSpc>
+                <a:spcPct val="100000"/>
+              </a:lnSpc>
+            </a:pPr>
+            <a:r>
+              <a:rPr kumimoji="1" lang="en-US" altLang="ja-JP"/>
+              <a:t>15</a:t>
+            </a:r>
+            <a:r>
+              <a:rPr kumimoji="1" lang="ja-JP" altLang="en-US"/>
+              <a:t> 名中、</a:t>
+            </a:r>
+            <a:r>
+              <a:rPr kumimoji="1" lang="en-US" altLang="ja-JP"/>
+              <a:t>13 </a:t>
+            </a:r>
+            <a:r>
+              <a:rPr kumimoji="1" lang="ja-JP" altLang="en-US"/>
+              <a:t>名</a:t>
+            </a:r>
+            <a:r>
+              <a:rPr kumimoji="1" lang="en-US" altLang="ja-JP"/>
+              <a:t> (32 </a:t>
+            </a:r>
+            <a:r>
+              <a:rPr kumimoji="1" lang="ja-JP" altLang="en-US"/>
+              <a:t>件中、</a:t>
+            </a:r>
+            <a:r>
+              <a:rPr kumimoji="1" lang="en-US" altLang="ja-JP"/>
+              <a:t>26 </a:t>
+            </a:r>
+            <a:r>
+              <a:rPr kumimoji="1" lang="ja-JP" altLang="en-US"/>
+              <a:t>件の投稿</a:t>
+            </a:r>
+            <a:r>
+              <a:rPr kumimoji="1" lang="en-US" altLang="ja-JP"/>
+              <a:t>) </a:t>
+            </a:r>
+            <a:r>
+              <a:rPr kumimoji="1" lang="ja-JP" altLang="en-US"/>
+              <a:t>を特定</a:t>
+            </a:r>
+            <a:endParaRPr kumimoji="1" lang="en-US" altLang="ja-JP"/>
+          </a:p>
+          <a:p>
+            <a:pPr lvl="1">
+              <a:lnSpc>
+                <a:spcPct val="100000"/>
+              </a:lnSpc>
+            </a:pPr>
             <a:r>
               <a:rPr lang="ja-JP" altLang="en-US"/>
-              <a:t>サードパーティ</a:t>
+              <a:t>残り</a:t>
+            </a:r>
+            <a:r>
+              <a:rPr lang="en-US" altLang="ja-JP"/>
+              <a:t> 2 </a:t>
+            </a:r>
+            <a:r>
+              <a:rPr lang="ja-JP" altLang="en-US"/>
+              <a:t>名は</a:t>
             </a:r>
             <a:r>
               <a:rPr lang="en-US" altLang="ja-JP"/>
@@ -7445,27 +9312,32 @@
             </a:r>
             <a:r>
               <a:rPr lang="ja-JP" altLang="en-US"/>
-              <a:t>のブロック</a:t>
-            </a:r>
-            <a:endParaRPr lang="en-US" altLang="ja-JP"/>
-          </a:p>
-          <a:p>
-            <a:r>
-              <a:rPr lang="en-US" altLang="ja-JP"/>
-              <a:t>IP</a:t>
-            </a:r>
-            <a:r>
-              <a:rPr lang="ja-JP" altLang="en-US"/>
-              <a:t> アドレスによる特定との比較</a:t>
-            </a:r>
-            <a:endParaRPr lang="en-US" altLang="ja-JP"/>
+              <a:t>が送信されなかったため特定不可</a:t>
+            </a:r>
+            <a:endParaRPr kumimoji="1" lang="en-US" altLang="ja-JP"/>
+          </a:p>
+          <a:p>
+            <a:pPr>
+              <a:lnSpc>
+                <a:spcPct val="100000"/>
+              </a:lnSpc>
+            </a:pPr>
+            <a:r>
+              <a:rPr kumimoji="1" lang="ja-JP" altLang="en-US"/>
+              <a:t>正答率</a:t>
+            </a:r>
+            <a:r>
+              <a:rPr kumimoji="1" lang="en-US" altLang="ja-JP"/>
+              <a:t> 100 %</a:t>
+            </a:r>
+            <a:endParaRPr kumimoji="1" lang="ja-JP" altLang="en-US"/>
           </a:p>
         </p:txBody>
       </p:sp>
     </p:spTree>
     <p:extLst>
       <p:ext uri="{BB962C8B-B14F-4D97-AF65-F5344CB8AC3E}">
-        <p14:creationId xmlns:p14="http://schemas.microsoft.com/office/powerpoint/2010/main" val="1571568214"/>
+        <p14:creationId xmlns:p14="http://schemas.microsoft.com/office/powerpoint/2010/main" val="1048675044"/>
       </p:ext>
     </p:extLst>
   </p:cSld>
@@ -7520,524 +9392,59 @@
           <a:lstStyle/>
           <a:p>
             <a:r>
-              <a:rPr kumimoji="1" lang="ja-JP" altLang="en-US"/>
+              <a:rPr lang="ja-JP" altLang="en-US"/>
+              <a:t>評価・考察</a:t>
+            </a:r>
+            <a:endParaRPr kumimoji="1" lang="ja-JP" altLang="en-US"/>
+          </a:p>
+        </p:txBody>
+      </p:sp>
+      <p:sp>
+        <p:nvSpPr>
+          <p:cNvPr id="3" name="コンテンツ プレースホルダー 2"/>
+          <p:cNvSpPr>
+            <a:spLocks noGrp="1"/>
+          </p:cNvSpPr>
+          <p:nvPr>
+            <p:ph idx="1"/>
+          </p:nvPr>
+        </p:nvSpPr>
+        <p:spPr/>
+        <p:txBody>
+          <a:bodyPr/>
+          <a:lstStyle/>
+          <a:p>
+            <a:r>
+              <a:rPr lang="ja-JP" altLang="en-US"/>
               <a:t>サードパーティ</a:t>
             </a:r>
             <a:r>
-              <a:rPr kumimoji="1" lang="en-US" altLang="ja-JP"/>
+              <a:rPr lang="en-US" altLang="ja-JP"/>
               <a:t> Cookie </a:t>
             </a:r>
             <a:r>
-              <a:rPr kumimoji="1" lang="ja-JP" altLang="en-US"/>
+              <a:rPr lang="ja-JP" altLang="en-US"/>
               <a:t>のブロック</a:t>
             </a:r>
-          </a:p>
-        </p:txBody>
-      </p:sp>
-      <p:pic>
-        <p:nvPicPr>
-          <p:cNvPr id="4" name="図 3"/>
-          <p:cNvPicPr>
-            <a:picLocks noChangeAspect="1"/>
-          </p:cNvPicPr>
-          <p:nvPr/>
-        </p:nvPicPr>
-        <p:blipFill>
-          <a:blip r:embed="rId2">
-            <a:extLst>
-              <a:ext uri="{28A0092B-C50C-407E-A947-70E740481C1C}">
-                <a14:useLocalDpi xmlns:a14="http://schemas.microsoft.com/office/drawing/2010/main" val="0"/>
-              </a:ext>
-            </a:extLst>
-          </a:blip>
-          <a:stretch>
-            <a:fillRect/>
-          </a:stretch>
-        </p:blipFill>
-        <p:spPr>
-          <a:xfrm>
-            <a:off x="418706" y="1424874"/>
-            <a:ext cx="8647321" cy="4706369"/>
-          </a:xfrm>
-          <a:prstGeom prst="rect">
-            <a:avLst/>
-          </a:prstGeom>
-        </p:spPr>
-      </p:pic>
-      <p:pic>
-        <p:nvPicPr>
-          <p:cNvPr id="5" name="図 4"/>
-          <p:cNvPicPr>
-            <a:picLocks noChangeAspect="1"/>
-          </p:cNvPicPr>
-          <p:nvPr/>
-        </p:nvPicPr>
-        <p:blipFill>
-          <a:blip r:embed="rId3">
-            <a:extLst>
-              <a:ext uri="{28A0092B-C50C-407E-A947-70E740481C1C}">
-                <a14:useLocalDpi xmlns:a14="http://schemas.microsoft.com/office/drawing/2010/main" val="0"/>
-              </a:ext>
-            </a:extLst>
-          </a:blip>
-          <a:stretch>
-            <a:fillRect/>
-          </a:stretch>
-        </p:blipFill>
-        <p:spPr>
-          <a:xfrm>
-            <a:off x="11188990" y="3902734"/>
-            <a:ext cx="543245" cy="543245"/>
-          </a:xfrm>
-          <a:prstGeom prst="rect">
-            <a:avLst/>
-          </a:prstGeom>
-        </p:spPr>
-      </p:pic>
-      <p:pic>
-        <p:nvPicPr>
-          <p:cNvPr id="6" name="図 5"/>
-          <p:cNvPicPr>
-            <a:picLocks noChangeAspect="1"/>
-          </p:cNvPicPr>
-          <p:nvPr/>
-        </p:nvPicPr>
-        <p:blipFill>
-          <a:blip r:embed="rId4">
-            <a:extLst>
-              <a:ext uri="{28A0092B-C50C-407E-A947-70E740481C1C}">
-                <a14:useLocalDpi xmlns:a14="http://schemas.microsoft.com/office/drawing/2010/main" val="0"/>
-              </a:ext>
-            </a:extLst>
-          </a:blip>
-          <a:stretch>
-            <a:fillRect/>
-          </a:stretch>
-        </p:blipFill>
-        <p:spPr>
-          <a:xfrm>
-            <a:off x="10443917" y="3410808"/>
-            <a:ext cx="807097" cy="807097"/>
-          </a:xfrm>
-          <a:prstGeom prst="rect">
-            <a:avLst/>
-          </a:prstGeom>
-        </p:spPr>
-      </p:pic>
-      <p:pic>
-        <p:nvPicPr>
-          <p:cNvPr id="7" name="図 6"/>
-          <p:cNvPicPr>
-            <a:picLocks noChangeAspect="1"/>
-          </p:cNvPicPr>
-          <p:nvPr/>
-        </p:nvPicPr>
-        <p:blipFill>
-          <a:blip r:embed="rId5">
-            <a:extLst>
-              <a:ext uri="{28A0092B-C50C-407E-A947-70E740481C1C}">
-                <a14:useLocalDpi xmlns:a14="http://schemas.microsoft.com/office/drawing/2010/main" val="0"/>
-              </a:ext>
-            </a:extLst>
-          </a:blip>
-          <a:stretch>
-            <a:fillRect/>
-          </a:stretch>
-        </p:blipFill>
-        <p:spPr>
-          <a:xfrm>
-            <a:off x="7594135" y="4710224"/>
-            <a:ext cx="752103" cy="752103"/>
-          </a:xfrm>
-          <a:prstGeom prst="rect">
-            <a:avLst/>
-          </a:prstGeom>
-          <a:noFill/>
-          <a:ln w="57150">
-            <a:noFill/>
-          </a:ln>
-        </p:spPr>
-      </p:pic>
-      <p:sp>
-        <p:nvSpPr>
-          <p:cNvPr id="8" name="正方形/長方形 7"/>
-          <p:cNvSpPr/>
-          <p:nvPr/>
-        </p:nvSpPr>
-        <p:spPr>
-          <a:xfrm>
-            <a:off x="319222" y="1337886"/>
-            <a:ext cx="8846287" cy="4880345"/>
-          </a:xfrm>
-          <a:prstGeom prst="rect">
-            <a:avLst/>
-          </a:prstGeom>
-          <a:noFill/>
-          <a:ln w="57150">
-            <a:solidFill>
-              <a:srgbClr val="FF0000"/>
-            </a:solidFill>
-          </a:ln>
-        </p:spPr>
-        <p:style>
-          <a:lnRef idx="2">
-            <a:schemeClr val="accent1">
-              <a:shade val="50000"/>
-            </a:schemeClr>
-          </a:lnRef>
-          <a:fillRef idx="1">
-            <a:schemeClr val="accent1"/>
-          </a:fillRef>
-          <a:effectRef idx="0">
-            <a:schemeClr val="accent1"/>
-          </a:effectRef>
-          <a:fontRef idx="minor">
-            <a:schemeClr val="lt1"/>
-          </a:fontRef>
-        </p:style>
-        <p:txBody>
-          <a:bodyPr rtlCol="0" anchor="ctr"/>
-          <a:lstStyle/>
-          <a:p>
-            <a:pPr algn="ctr"/>
-            <a:endParaRPr kumimoji="1" lang="ja-JP" altLang="en-US"/>
-          </a:p>
-        </p:txBody>
-      </p:sp>
-      <p:sp>
-        <p:nvSpPr>
-          <p:cNvPr id="9" name="正方形/長方形 8"/>
-          <p:cNvSpPr/>
-          <p:nvPr/>
-        </p:nvSpPr>
-        <p:spPr>
-          <a:xfrm>
-            <a:off x="7457436" y="4637815"/>
-            <a:ext cx="1060548" cy="931773"/>
-          </a:xfrm>
-          <a:prstGeom prst="rect">
-            <a:avLst/>
-          </a:prstGeom>
-          <a:noFill/>
-          <a:ln w="57150">
-            <a:solidFill>
-              <a:srgbClr val="FF0000"/>
-            </a:solidFill>
-          </a:ln>
-        </p:spPr>
-        <p:style>
-          <a:lnRef idx="2">
-            <a:schemeClr val="accent1">
-              <a:shade val="50000"/>
-            </a:schemeClr>
-          </a:lnRef>
-          <a:fillRef idx="1">
-            <a:schemeClr val="accent1"/>
-          </a:fillRef>
-          <a:effectRef idx="0">
-            <a:schemeClr val="accent1"/>
-          </a:effectRef>
-          <a:fontRef idx="minor">
-            <a:schemeClr val="lt1"/>
-          </a:fontRef>
-        </p:style>
-        <p:txBody>
-          <a:bodyPr rtlCol="0" anchor="ctr"/>
-          <a:lstStyle/>
-          <a:p>
-            <a:pPr algn="ctr"/>
-            <a:endParaRPr kumimoji="1" lang="ja-JP" altLang="en-US"/>
-          </a:p>
-        </p:txBody>
-      </p:sp>
-      <p:pic>
-        <p:nvPicPr>
-          <p:cNvPr id="10" name="図 9"/>
-          <p:cNvPicPr>
-            <a:picLocks noChangeAspect="1"/>
-          </p:cNvPicPr>
-          <p:nvPr/>
-        </p:nvPicPr>
-        <p:blipFill>
-          <a:blip r:embed="rId5">
-            <a:extLst>
-              <a:ext uri="{28A0092B-C50C-407E-A947-70E740481C1C}">
-                <a14:useLocalDpi xmlns:a14="http://schemas.microsoft.com/office/drawing/2010/main" val="0"/>
-              </a:ext>
-            </a:extLst>
-          </a:blip>
-          <a:stretch>
-            <a:fillRect/>
-          </a:stretch>
-        </p:blipFill>
-        <p:spPr>
-          <a:xfrm>
-            <a:off x="7218083" y="3062254"/>
-            <a:ext cx="752103" cy="752103"/>
-          </a:xfrm>
-          <a:prstGeom prst="rect">
-            <a:avLst/>
-          </a:prstGeom>
-          <a:noFill/>
-          <a:ln w="57150">
-            <a:noFill/>
-          </a:ln>
-        </p:spPr>
-      </p:pic>
-      <p:sp>
-        <p:nvSpPr>
-          <p:cNvPr id="11" name="正方形/長方形 10"/>
-          <p:cNvSpPr/>
-          <p:nvPr/>
-        </p:nvSpPr>
-        <p:spPr>
-          <a:xfrm>
-            <a:off x="7063861" y="2970961"/>
-            <a:ext cx="1060548" cy="931773"/>
-          </a:xfrm>
-          <a:prstGeom prst="rect">
-            <a:avLst/>
-          </a:prstGeom>
-          <a:noFill/>
-          <a:ln w="57150">
-            <a:solidFill>
-              <a:srgbClr val="0070C0"/>
-            </a:solidFill>
-          </a:ln>
-        </p:spPr>
-        <p:style>
-          <a:lnRef idx="2">
-            <a:schemeClr val="accent1">
-              <a:shade val="50000"/>
-            </a:schemeClr>
-          </a:lnRef>
-          <a:fillRef idx="1">
-            <a:schemeClr val="accent1"/>
-          </a:fillRef>
-          <a:effectRef idx="0">
-            <a:schemeClr val="accent1"/>
-          </a:effectRef>
-          <a:fontRef idx="minor">
-            <a:schemeClr val="lt1"/>
-          </a:fontRef>
-        </p:style>
-        <p:txBody>
-          <a:bodyPr rtlCol="0" anchor="ctr"/>
-          <a:lstStyle/>
-          <a:p>
-            <a:pPr algn="ctr"/>
-            <a:endParaRPr kumimoji="1" lang="ja-JP" altLang="en-US">
-              <a:solidFill>
-                <a:srgbClr val="FF0000"/>
-              </a:solidFill>
-            </a:endParaRPr>
-          </a:p>
-        </p:txBody>
-      </p:sp>
-      <p:sp>
-        <p:nvSpPr>
-          <p:cNvPr id="12" name="正方形/長方形 11"/>
-          <p:cNvSpPr/>
-          <p:nvPr/>
-        </p:nvSpPr>
-        <p:spPr>
-          <a:xfrm>
-            <a:off x="6397552" y="2456816"/>
-            <a:ext cx="2416837" cy="413976"/>
-          </a:xfrm>
-          <a:prstGeom prst="rect">
-            <a:avLst/>
-          </a:prstGeom>
-          <a:noFill/>
-          <a:ln w="57150">
-            <a:solidFill>
-              <a:srgbClr val="0070C0"/>
-            </a:solidFill>
-          </a:ln>
-        </p:spPr>
-        <p:style>
-          <a:lnRef idx="2">
-            <a:schemeClr val="accent1">
-              <a:shade val="50000"/>
-            </a:schemeClr>
-          </a:lnRef>
-          <a:fillRef idx="1">
-            <a:schemeClr val="accent1"/>
-          </a:fillRef>
-          <a:effectRef idx="0">
-            <a:schemeClr val="accent1"/>
-          </a:effectRef>
-          <a:fontRef idx="minor">
-            <a:schemeClr val="lt1"/>
-          </a:fontRef>
-        </p:style>
-        <p:txBody>
-          <a:bodyPr rtlCol="0" anchor="ctr"/>
-          <a:lstStyle/>
-          <a:p>
-            <a:pPr algn="ctr"/>
-            <a:endParaRPr kumimoji="1" lang="ja-JP" altLang="en-US">
-              <a:solidFill>
-                <a:srgbClr val="FF0000"/>
-              </a:solidFill>
-            </a:endParaRPr>
-          </a:p>
-        </p:txBody>
-      </p:sp>
-      <p:cxnSp>
-        <p:nvCxnSpPr>
-          <p:cNvPr id="13" name="直線矢印コネクタ 12"/>
-          <p:cNvCxnSpPr/>
-          <p:nvPr/>
-        </p:nvCxnSpPr>
-        <p:spPr>
-          <a:xfrm flipH="1" flipV="1">
-            <a:off x="8223161" y="3414084"/>
-            <a:ext cx="2166953" cy="249035"/>
-          </a:xfrm>
-          <a:prstGeom prst="straightConnector1">
-            <a:avLst/>
-          </a:prstGeom>
-          <a:ln w="57150">
-            <a:solidFill>
-              <a:srgbClr val="0070C0"/>
-            </a:solidFill>
-            <a:tailEnd type="triangle"/>
-          </a:ln>
-        </p:spPr>
-        <p:style>
-          <a:lnRef idx="1">
-            <a:schemeClr val="accent1"/>
-          </a:lnRef>
-          <a:fillRef idx="0">
-            <a:schemeClr val="accent1"/>
-          </a:fillRef>
-          <a:effectRef idx="0">
-            <a:schemeClr val="accent1"/>
-          </a:effectRef>
-          <a:fontRef idx="minor">
-            <a:schemeClr val="tx1"/>
-          </a:fontRef>
-        </p:style>
-      </p:cxnSp>
-      <p:cxnSp>
-        <p:nvCxnSpPr>
-          <p:cNvPr id="14" name="直線矢印コネクタ 13"/>
-          <p:cNvCxnSpPr/>
-          <p:nvPr/>
-        </p:nvCxnSpPr>
-        <p:spPr>
-          <a:xfrm flipH="1">
-            <a:off x="8612372" y="3930234"/>
-            <a:ext cx="1777743" cy="1024538"/>
-          </a:xfrm>
-          <a:prstGeom prst="straightConnector1">
-            <a:avLst/>
-          </a:prstGeom>
-          <a:ln w="57150">
-            <a:solidFill>
-              <a:srgbClr val="FF0000"/>
-            </a:solidFill>
-            <a:tailEnd type="triangle"/>
-          </a:ln>
-        </p:spPr>
-        <p:style>
-          <a:lnRef idx="1">
-            <a:schemeClr val="accent1"/>
-          </a:lnRef>
-          <a:fillRef idx="0">
-            <a:schemeClr val="accent1"/>
-          </a:fillRef>
-          <a:effectRef idx="0">
-            <a:schemeClr val="accent1"/>
-          </a:effectRef>
-          <a:fontRef idx="minor">
-            <a:schemeClr val="tx1"/>
-          </a:fontRef>
-        </p:style>
-      </p:cxnSp>
-      <p:sp>
-        <p:nvSpPr>
-          <p:cNvPr id="15" name="テキスト ボックス 14"/>
-          <p:cNvSpPr txBox="1"/>
-          <p:nvPr/>
-        </p:nvSpPr>
-        <p:spPr>
-          <a:xfrm>
-            <a:off x="8830231" y="2807660"/>
-            <a:ext cx="1800493" cy="646331"/>
-          </a:xfrm>
-          <a:prstGeom prst="rect">
-            <a:avLst/>
-          </a:prstGeom>
-          <a:noFill/>
-        </p:spPr>
-        <p:txBody>
-          <a:bodyPr wrap="none" rtlCol="0">
-            <a:spAutoFit/>
-          </a:bodyPr>
-          <a:lstStyle/>
-          <a:p>
-            <a:r>
-              <a:rPr kumimoji="1" lang="ja-JP" altLang="en-US"/>
-              <a:t>サードパーティ</a:t>
-            </a:r>
             <a:endParaRPr lang="en-US" altLang="ja-JP"/>
           </a:p>
           <a:p>
             <a:r>
-              <a:rPr kumimoji="1" lang="en-US" altLang="ja-JP"/>
-              <a:t>Cookie</a:t>
-            </a:r>
-            <a:endParaRPr kumimoji="1" lang="ja-JP" altLang="en-US"/>
-          </a:p>
-        </p:txBody>
-      </p:sp>
-      <p:sp>
-        <p:nvSpPr>
-          <p:cNvPr id="17" name="テキスト ボックス 16"/>
-          <p:cNvSpPr txBox="1"/>
-          <p:nvPr/>
-        </p:nvSpPr>
-        <p:spPr>
-          <a:xfrm>
-            <a:off x="9160415" y="4573511"/>
-            <a:ext cx="2262158" cy="646331"/>
-          </a:xfrm>
-          <a:prstGeom prst="rect">
-            <a:avLst/>
-          </a:prstGeom>
-          <a:noFill/>
-        </p:spPr>
-        <p:txBody>
-          <a:bodyPr wrap="none" rtlCol="0">
-            <a:spAutoFit/>
-          </a:bodyPr>
-          <a:lstStyle/>
-          <a:p>
+              <a:rPr lang="en-US" altLang="ja-JP"/>
+              <a:t>IP</a:t>
+            </a:r>
             <a:r>
               <a:rPr lang="ja-JP" altLang="en-US"/>
-              <a:t>ファースト</a:t>
-            </a:r>
-            <a:r>
-              <a:rPr kumimoji="1" lang="ja-JP" altLang="en-US"/>
-              <a:t>パーティ</a:t>
+              <a:t> アドレスによる特定との比較</a:t>
             </a:r>
             <a:endParaRPr lang="en-US" altLang="ja-JP"/>
-          </a:p>
-          <a:p>
-            <a:r>
-              <a:rPr kumimoji="1" lang="en-US" altLang="ja-JP"/>
-              <a:t>Cookie</a:t>
-            </a:r>
-            <a:endParaRPr kumimoji="1" lang="ja-JP" altLang="en-US"/>
           </a:p>
         </p:txBody>
       </p:sp>
     </p:spTree>
     <p:extLst>
       <p:ext uri="{BB962C8B-B14F-4D97-AF65-F5344CB8AC3E}">
-        <p14:creationId xmlns:p14="http://schemas.microsoft.com/office/powerpoint/2010/main" val="352469839"/>
+        <p14:creationId xmlns:p14="http://schemas.microsoft.com/office/powerpoint/2010/main" val="1571568214"/>
       </p:ext>
     </p:extLst>
   </p:cSld>

--- a/presentation_slides.pptx
+++ b/presentation_slides.pptx
@@ -1784,7 +1784,7 @@
           </a:lstStyle>
           <a:p>
             <a:fld id="{BD4B6B7D-BB74-CA45-8C76-6E522FC2DD13}" type="datetimeFigureOut">
-              <a:t>2018/2/1</a:t>
+              <a:t>2/2/18</a:t>
             </a:fld>
             <a:endParaRPr kumimoji="1" lang="ja-JP" altLang="en-US"/>
           </a:p>
@@ -2538,7 +2538,7 @@
           <a:lstStyle/>
           <a:p>
             <a:fld id="{AAF51749-32E0-934C-97B2-3BA3C447B60C}" type="datetimeFigureOut">
-              <a:t>2/1/18</a:t>
+              <a:t>2/2/18</a:t>
             </a:fld>
             <a:endParaRPr kumimoji="1" lang="ja-JP" altLang="en-US"/>
           </a:p>
@@ -2736,7 +2736,7 @@
           <a:lstStyle/>
           <a:p>
             <a:fld id="{AAF51749-32E0-934C-97B2-3BA3C447B60C}" type="datetimeFigureOut">
-              <a:t>2/1/18</a:t>
+              <a:t>2/2/18</a:t>
             </a:fld>
             <a:endParaRPr kumimoji="1" lang="ja-JP" altLang="en-US"/>
           </a:p>
@@ -2944,7 +2944,7 @@
           <a:lstStyle/>
           <a:p>
             <a:fld id="{AAF51749-32E0-934C-97B2-3BA3C447B60C}" type="datetimeFigureOut">
-              <a:t>2/1/18</a:t>
+              <a:t>2/2/18</a:t>
             </a:fld>
             <a:endParaRPr kumimoji="1" lang="ja-JP" altLang="en-US"/>
           </a:p>
@@ -3142,7 +3142,7 @@
           <a:lstStyle/>
           <a:p>
             <a:fld id="{AAF51749-32E0-934C-97B2-3BA3C447B60C}" type="datetimeFigureOut">
-              <a:t>2/1/18</a:t>
+              <a:t>2/2/18</a:t>
             </a:fld>
             <a:endParaRPr kumimoji="1" lang="ja-JP" altLang="en-US"/>
           </a:p>
@@ -3385,7 +3385,7 @@
           <a:lstStyle/>
           <a:p>
             <a:fld id="{AAF51749-32E0-934C-97B2-3BA3C447B60C}" type="datetimeFigureOut">
-              <a:t>2/1/18</a:t>
+              <a:t>2/2/18</a:t>
             </a:fld>
             <a:endParaRPr kumimoji="1" lang="ja-JP" altLang="en-US"/>
           </a:p>
@@ -3676,7 +3676,7 @@
           <a:lstStyle/>
           <a:p>
             <a:fld id="{AAF51749-32E0-934C-97B2-3BA3C447B60C}" type="datetimeFigureOut">
-              <a:t>2/1/18</a:t>
+              <a:t>2/2/18</a:t>
             </a:fld>
             <a:endParaRPr kumimoji="1" lang="ja-JP" altLang="en-US"/>
           </a:p>
@@ -4102,7 +4102,7 @@
           <a:lstStyle/>
           <a:p>
             <a:fld id="{AAF51749-32E0-934C-97B2-3BA3C447B60C}" type="datetimeFigureOut">
-              <a:t>2/1/18</a:t>
+              <a:t>2/2/18</a:t>
             </a:fld>
             <a:endParaRPr kumimoji="1" lang="ja-JP" altLang="en-US"/>
           </a:p>
@@ -4217,7 +4217,7 @@
           <a:lstStyle/>
           <a:p>
             <a:fld id="{AAF51749-32E0-934C-97B2-3BA3C447B60C}" type="datetimeFigureOut">
-              <a:t>2/1/18</a:t>
+              <a:t>2/2/18</a:t>
             </a:fld>
             <a:endParaRPr kumimoji="1" lang="ja-JP" altLang="en-US"/>
           </a:p>
@@ -4310,7 +4310,7 @@
           <a:lstStyle/>
           <a:p>
             <a:fld id="{AAF51749-32E0-934C-97B2-3BA3C447B60C}" type="datetimeFigureOut">
-              <a:t>2/1/18</a:t>
+              <a:t>2/2/18</a:t>
             </a:fld>
             <a:endParaRPr kumimoji="1" lang="ja-JP" altLang="en-US"/>
           </a:p>
@@ -4615,7 +4615,7 @@
           <a:lstStyle/>
           <a:p>
             <a:fld id="{AAF51749-32E0-934C-97B2-3BA3C447B60C}" type="datetimeFigureOut">
-              <a:t>2/1/18</a:t>
+              <a:t>2/2/18</a:t>
             </a:fld>
             <a:endParaRPr kumimoji="1" lang="ja-JP" altLang="en-US"/>
           </a:p>
@@ -4865,7 +4865,7 @@
           <a:lstStyle/>
           <a:p>
             <a:fld id="{AAF51749-32E0-934C-97B2-3BA3C447B60C}" type="datetimeFigureOut">
-              <a:t>2/1/18</a:t>
+              <a:t>2/2/18</a:t>
             </a:fld>
             <a:endParaRPr kumimoji="1" lang="ja-JP" altLang="en-US"/>
           </a:p>
@@ -5106,7 +5106,7 @@
           </a:lstStyle>
           <a:p>
             <a:fld id="{AAF51749-32E0-934C-97B2-3BA3C447B60C}" type="datetimeFigureOut">
-              <a:t>2/1/18</a:t>
+              <a:t>2/2/18</a:t>
             </a:fld>
             <a:endParaRPr kumimoji="1" lang="ja-JP" altLang="en-US"/>
           </a:p>
@@ -8604,8 +8604,8 @@
         </p:blipFill>
         <p:spPr>
           <a:xfrm>
-            <a:off x="3814514" y="1610389"/>
-            <a:ext cx="752103" cy="752103"/>
+            <a:off x="4049686" y="1570585"/>
+            <a:ext cx="638618" cy="638618"/>
           </a:xfrm>
           <a:prstGeom prst="rect">
             <a:avLst/>
@@ -8624,8 +8624,8 @@
         </p:nvSpPr>
         <p:spPr>
           <a:xfrm>
-            <a:off x="3660292" y="1519096"/>
-            <a:ext cx="1060548" cy="931773"/>
+            <a:off x="3906463" y="1523045"/>
+            <a:ext cx="925063" cy="729911"/>
           </a:xfrm>
           <a:prstGeom prst="rect">
             <a:avLst/>
@@ -8907,112 +8907,127 @@
           </a:p>
         </p:txBody>
       </p:sp>
-      <p:cxnSp>
-        <p:nvCxnSpPr>
-          <p:cNvPr id="31" name="直線コネクタ 30"/>
-          <p:cNvCxnSpPr/>
+      <p:grpSp>
+        <p:nvGrpSpPr>
+          <p:cNvPr id="8" name="図形グループ 7"/>
+          <p:cNvGrpSpPr/>
           <p:nvPr/>
-        </p:nvCxnSpPr>
-        <p:spPr>
+        </p:nvGrpSpPr>
+        <p:grpSpPr>
           <a:xfrm>
-            <a:off x="6373506" y="726313"/>
-            <a:ext cx="3810702" cy="368"/>
+            <a:off x="6373506" y="705045"/>
+            <a:ext cx="3810702" cy="2389030"/>
+            <a:chOff x="6373506" y="705045"/>
+            <a:chExt cx="3810702" cy="2389030"/>
           </a:xfrm>
-          <a:prstGeom prst="line">
-            <a:avLst/>
-          </a:prstGeom>
-          <a:ln w="57150">
-            <a:solidFill>
-              <a:srgbClr val="4B4B4B"/>
-            </a:solidFill>
-          </a:ln>
-        </p:spPr>
-        <p:style>
-          <a:lnRef idx="1">
-            <a:schemeClr val="accent1"/>
-          </a:lnRef>
-          <a:fillRef idx="0">
-            <a:schemeClr val="accent1"/>
-          </a:fillRef>
-          <a:effectRef idx="0">
-            <a:schemeClr val="accent1"/>
-          </a:effectRef>
-          <a:fontRef idx="minor">
-            <a:schemeClr val="tx1"/>
-          </a:fontRef>
-        </p:style>
-      </p:cxnSp>
-      <p:cxnSp>
-        <p:nvCxnSpPr>
-          <p:cNvPr id="33" name="直線矢印コネクタ 32"/>
-          <p:cNvCxnSpPr/>
-          <p:nvPr/>
-        </p:nvCxnSpPr>
-        <p:spPr>
-          <a:xfrm>
-            <a:off x="10184208" y="705045"/>
-            <a:ext cx="0" cy="1028062"/>
-          </a:xfrm>
-          <a:prstGeom prst="straightConnector1">
-            <a:avLst/>
-          </a:prstGeom>
-          <a:ln w="57150">
-            <a:solidFill>
-              <a:srgbClr val="4B4B4B"/>
-            </a:solidFill>
-            <a:tailEnd type="triangle"/>
-          </a:ln>
-        </p:spPr>
-        <p:style>
-          <a:lnRef idx="1">
-            <a:schemeClr val="accent1"/>
-          </a:lnRef>
-          <a:fillRef idx="0">
-            <a:schemeClr val="accent1"/>
-          </a:fillRef>
-          <a:effectRef idx="0">
-            <a:schemeClr val="accent1"/>
-          </a:effectRef>
-          <a:fontRef idx="minor">
-            <a:schemeClr val="tx1"/>
-          </a:fontRef>
-        </p:style>
-      </p:cxnSp>
-      <p:cxnSp>
-        <p:nvCxnSpPr>
-          <p:cNvPr id="37" name="直線コネクタ 36"/>
-          <p:cNvCxnSpPr/>
-          <p:nvPr/>
-        </p:nvCxnSpPr>
-        <p:spPr>
-          <a:xfrm flipV="1">
-            <a:off x="8855167" y="714321"/>
-            <a:ext cx="0" cy="2379754"/>
-          </a:xfrm>
-          <a:prstGeom prst="line">
-            <a:avLst/>
-          </a:prstGeom>
-          <a:ln w="57150">
-            <a:solidFill>
-              <a:srgbClr val="4B4B4B"/>
-            </a:solidFill>
-          </a:ln>
-        </p:spPr>
-        <p:style>
-          <a:lnRef idx="1">
-            <a:schemeClr val="accent1"/>
-          </a:lnRef>
-          <a:fillRef idx="0">
-            <a:schemeClr val="accent1"/>
-          </a:fillRef>
-          <a:effectRef idx="0">
-            <a:schemeClr val="accent1"/>
-          </a:effectRef>
-          <a:fontRef idx="minor">
-            <a:schemeClr val="tx1"/>
-          </a:fontRef>
-        </p:style>
-      </p:cxnSp>
+        </p:grpSpPr>
+        <p:cxnSp>
+          <p:nvCxnSpPr>
+            <p:cNvPr id="31" name="直線コネクタ 30"/>
+            <p:cNvCxnSpPr/>
+            <p:nvPr/>
+          </p:nvCxnSpPr>
+          <p:spPr>
+            <a:xfrm>
+              <a:off x="6373506" y="726313"/>
+              <a:ext cx="3810702" cy="368"/>
+            </a:xfrm>
+            <a:prstGeom prst="line">
+              <a:avLst/>
+            </a:prstGeom>
+            <a:ln w="57150">
+              <a:solidFill>
+                <a:srgbClr val="4B4B4B"/>
+              </a:solidFill>
+            </a:ln>
+          </p:spPr>
+          <p:style>
+            <a:lnRef idx="1">
+              <a:schemeClr val="accent1"/>
+            </a:lnRef>
+            <a:fillRef idx="0">
+              <a:schemeClr val="accent1"/>
+            </a:fillRef>
+            <a:effectRef idx="0">
+              <a:schemeClr val="accent1"/>
+            </a:effectRef>
+            <a:fontRef idx="minor">
+              <a:schemeClr val="tx1"/>
+            </a:fontRef>
+          </p:style>
+        </p:cxnSp>
+        <p:cxnSp>
+          <p:nvCxnSpPr>
+            <p:cNvPr id="33" name="直線矢印コネクタ 32"/>
+            <p:cNvCxnSpPr/>
+            <p:nvPr/>
+          </p:nvCxnSpPr>
+          <p:spPr>
+            <a:xfrm>
+              <a:off x="10184208" y="705045"/>
+              <a:ext cx="0" cy="1028062"/>
+            </a:xfrm>
+            <a:prstGeom prst="straightConnector1">
+              <a:avLst/>
+            </a:prstGeom>
+            <a:ln w="57150">
+              <a:solidFill>
+                <a:srgbClr val="4B4B4B"/>
+              </a:solidFill>
+              <a:tailEnd type="triangle"/>
+            </a:ln>
+          </p:spPr>
+          <p:style>
+            <a:lnRef idx="1">
+              <a:schemeClr val="accent1"/>
+            </a:lnRef>
+            <a:fillRef idx="0">
+              <a:schemeClr val="accent1"/>
+            </a:fillRef>
+            <a:effectRef idx="0">
+              <a:schemeClr val="accent1"/>
+            </a:effectRef>
+            <a:fontRef idx="minor">
+              <a:schemeClr val="tx1"/>
+            </a:fontRef>
+          </p:style>
+        </p:cxnSp>
+        <p:cxnSp>
+          <p:nvCxnSpPr>
+            <p:cNvPr id="37" name="直線コネクタ 36"/>
+            <p:cNvCxnSpPr/>
+            <p:nvPr/>
+          </p:nvCxnSpPr>
+          <p:spPr>
+            <a:xfrm flipV="1">
+              <a:off x="8855167" y="714321"/>
+              <a:ext cx="0" cy="2379754"/>
+            </a:xfrm>
+            <a:prstGeom prst="line">
+              <a:avLst/>
+            </a:prstGeom>
+            <a:ln w="57150">
+              <a:solidFill>
+                <a:srgbClr val="4B4B4B"/>
+              </a:solidFill>
+            </a:ln>
+          </p:spPr>
+          <p:style>
+            <a:lnRef idx="1">
+              <a:schemeClr val="accent1"/>
+            </a:lnRef>
+            <a:fillRef idx="0">
+              <a:schemeClr val="accent1"/>
+            </a:fillRef>
+            <a:effectRef idx="0">
+              <a:schemeClr val="accent1"/>
+            </a:effectRef>
+            <a:fontRef idx="minor">
+              <a:schemeClr val="tx1"/>
+            </a:fontRef>
+          </p:style>
+        </p:cxnSp>
+      </p:grpSp>
       <p:pic>
         <p:nvPicPr>
           <p:cNvPr id="41" name="図 40"/>
@@ -9055,8 +9070,8 @@
         </p:nvSpPr>
         <p:spPr>
           <a:xfrm>
-            <a:off x="9710076" y="5669172"/>
-            <a:ext cx="1060548" cy="931773"/>
+            <a:off x="9710076" y="5669173"/>
+            <a:ext cx="1060548" cy="824512"/>
           </a:xfrm>
           <a:prstGeom prst="rect">
             <a:avLst/>
@@ -9162,6 +9177,347 @@
           </a:p>
         </p:txBody>
       </p:sp>
+      <p:sp>
+        <p:nvSpPr>
+          <p:cNvPr id="3" name="テキスト ボックス 2"/>
+          <p:cNvSpPr txBox="1"/>
+          <p:nvPr/>
+        </p:nvSpPr>
+        <p:spPr>
+          <a:xfrm>
+            <a:off x="10240350" y="3814413"/>
+            <a:ext cx="593432" cy="461665"/>
+          </a:xfrm>
+          <a:prstGeom prst="rect">
+            <a:avLst/>
+          </a:prstGeom>
+          <a:noFill/>
+        </p:spPr>
+        <p:txBody>
+          <a:bodyPr wrap="none" rtlCol="0">
+            <a:spAutoFit/>
+          </a:bodyPr>
+          <a:lstStyle/>
+          <a:p>
+            <a:r>
+              <a:rPr kumimoji="1" lang="ja-JP" altLang="en-US" sz="2400" b="1">
+                <a:solidFill>
+                  <a:srgbClr val="FF0000"/>
+                </a:solidFill>
+                <a:latin typeface="Menlo" charset="0"/>
+                <a:ea typeface="Menlo" charset="0"/>
+                <a:cs typeface="Menlo" charset="0"/>
+              </a:rPr>
+              <a:t>①</a:t>
+            </a:r>
+          </a:p>
+        </p:txBody>
+      </p:sp>
+      <p:sp>
+        <p:nvSpPr>
+          <p:cNvPr id="22" name="テキスト ボックス 21"/>
+          <p:cNvSpPr txBox="1"/>
+          <p:nvPr/>
+        </p:nvSpPr>
+        <p:spPr>
+          <a:xfrm>
+            <a:off x="6964023" y="2056764"/>
+            <a:ext cx="593432" cy="461665"/>
+          </a:xfrm>
+          <a:prstGeom prst="rect">
+            <a:avLst/>
+          </a:prstGeom>
+          <a:noFill/>
+        </p:spPr>
+        <p:txBody>
+          <a:bodyPr wrap="none" rtlCol="0">
+            <a:spAutoFit/>
+          </a:bodyPr>
+          <a:lstStyle/>
+          <a:p>
+            <a:r>
+              <a:rPr lang="ja-JP" altLang="en-US" sz="2400" b="1">
+                <a:solidFill>
+                  <a:srgbClr val="1971C0"/>
+                </a:solidFill>
+                <a:latin typeface="Menlo" charset="0"/>
+                <a:ea typeface="Menlo" charset="0"/>
+                <a:cs typeface="Menlo" charset="0"/>
+              </a:rPr>
+              <a:t>②</a:t>
+            </a:r>
+            <a:endParaRPr kumimoji="1" lang="ja-JP" altLang="en-US" sz="2400" b="1">
+              <a:solidFill>
+                <a:srgbClr val="1971C0"/>
+              </a:solidFill>
+              <a:latin typeface="Menlo" charset="0"/>
+              <a:ea typeface="Menlo" charset="0"/>
+              <a:cs typeface="Menlo" charset="0"/>
+            </a:endParaRPr>
+          </a:p>
+        </p:txBody>
+      </p:sp>
+      <p:sp>
+        <p:nvSpPr>
+          <p:cNvPr id="24" name="テキスト ボックス 23"/>
+          <p:cNvSpPr txBox="1"/>
+          <p:nvPr/>
+        </p:nvSpPr>
+        <p:spPr>
+          <a:xfrm>
+            <a:off x="3818095" y="19384"/>
+            <a:ext cx="593432" cy="461665"/>
+          </a:xfrm>
+          <a:prstGeom prst="rect">
+            <a:avLst/>
+          </a:prstGeom>
+          <a:noFill/>
+        </p:spPr>
+        <p:txBody>
+          <a:bodyPr wrap="none" rtlCol="0">
+            <a:spAutoFit/>
+          </a:bodyPr>
+          <a:lstStyle/>
+          <a:p>
+            <a:r>
+              <a:rPr lang="ja-JP" altLang="en-US" sz="2400" b="1">
+                <a:solidFill>
+                  <a:srgbClr val="1971C0"/>
+                </a:solidFill>
+                <a:latin typeface="Menlo" charset="0"/>
+                <a:ea typeface="Menlo" charset="0"/>
+                <a:cs typeface="Menlo" charset="0"/>
+              </a:rPr>
+              <a:t>③</a:t>
+            </a:r>
+            <a:endParaRPr kumimoji="1" lang="ja-JP" altLang="en-US" sz="2400" b="1">
+              <a:solidFill>
+                <a:srgbClr val="1971C0"/>
+              </a:solidFill>
+              <a:latin typeface="Menlo" charset="0"/>
+              <a:ea typeface="Menlo" charset="0"/>
+              <a:cs typeface="Menlo" charset="0"/>
+            </a:endParaRPr>
+          </a:p>
+        </p:txBody>
+      </p:sp>
+      <p:grpSp>
+        <p:nvGrpSpPr>
+          <p:cNvPr id="12" name="図形グループ 11"/>
+          <p:cNvGrpSpPr/>
+          <p:nvPr/>
+        </p:nvGrpSpPr>
+        <p:grpSpPr>
+          <a:xfrm>
+            <a:off x="10113337" y="994119"/>
+            <a:ext cx="1416851" cy="968885"/>
+            <a:chOff x="10113337" y="994119"/>
+            <a:chExt cx="1416851" cy="968885"/>
+          </a:xfrm>
+        </p:grpSpPr>
+        <p:sp>
+          <p:nvSpPr>
+            <p:cNvPr id="9" name="爆発 1 8"/>
+            <p:cNvSpPr/>
+            <p:nvPr/>
+          </p:nvSpPr>
+          <p:spPr>
+            <a:xfrm>
+              <a:off x="10113337" y="994119"/>
+              <a:ext cx="1416851" cy="968885"/>
+            </a:xfrm>
+            <a:prstGeom prst="irregularSeal1">
+              <a:avLst/>
+            </a:prstGeom>
+            <a:solidFill>
+              <a:schemeClr val="accent2"/>
+            </a:solidFill>
+            <a:ln w="38100">
+              <a:noFill/>
+            </a:ln>
+          </p:spPr>
+          <p:style>
+            <a:lnRef idx="2">
+              <a:schemeClr val="accent1">
+                <a:shade val="50000"/>
+              </a:schemeClr>
+            </a:lnRef>
+            <a:fillRef idx="1">
+              <a:schemeClr val="accent1"/>
+            </a:fillRef>
+            <a:effectRef idx="0">
+              <a:schemeClr val="accent1"/>
+            </a:effectRef>
+            <a:fontRef idx="minor">
+              <a:schemeClr val="lt1"/>
+            </a:fontRef>
+          </p:style>
+          <p:txBody>
+            <a:bodyPr rtlCol="0" anchor="ctr"/>
+            <a:lstStyle/>
+            <a:p>
+              <a:pPr algn="ctr"/>
+              <a:endParaRPr kumimoji="1" lang="ja-JP" altLang="en-US"/>
+            </a:p>
+          </p:txBody>
+        </p:sp>
+        <p:sp>
+          <p:nvSpPr>
+            <p:cNvPr id="25" name="テキスト ボックス 24"/>
+            <p:cNvSpPr txBox="1"/>
+            <p:nvPr/>
+          </p:nvSpPr>
+          <p:spPr>
+            <a:xfrm>
+              <a:off x="10427429" y="1240492"/>
+              <a:ext cx="800219" cy="461665"/>
+            </a:xfrm>
+            <a:prstGeom prst="rect">
+              <a:avLst/>
+            </a:prstGeom>
+            <a:noFill/>
+          </p:spPr>
+          <p:txBody>
+            <a:bodyPr wrap="none" rtlCol="0">
+              <a:spAutoFit/>
+            </a:bodyPr>
+            <a:lstStyle/>
+            <a:p>
+              <a:r>
+                <a:rPr lang="ja-JP" altLang="en-US" sz="2400" b="1">
+                  <a:solidFill>
+                    <a:srgbClr val="4B4B4B"/>
+                  </a:solidFill>
+                  <a:latin typeface="+mn-ea"/>
+                  <a:cs typeface="Menlo" charset="0"/>
+                </a:rPr>
+                <a:t>特定</a:t>
+              </a:r>
+              <a:endParaRPr kumimoji="1" lang="ja-JP" altLang="en-US" sz="2400" b="1">
+                <a:solidFill>
+                  <a:srgbClr val="4B4B4B"/>
+                </a:solidFill>
+                <a:latin typeface="+mn-ea"/>
+                <a:cs typeface="Menlo" charset="0"/>
+              </a:endParaRPr>
+            </a:p>
+          </p:txBody>
+        </p:sp>
+      </p:grpSp>
+      <p:sp>
+        <p:nvSpPr>
+          <p:cNvPr id="28" name="テキスト ボックス 27"/>
+          <p:cNvSpPr txBox="1"/>
+          <p:nvPr/>
+        </p:nvSpPr>
+        <p:spPr>
+          <a:xfrm>
+            <a:off x="8558451" y="228042"/>
+            <a:ext cx="593432" cy="461665"/>
+          </a:xfrm>
+          <a:prstGeom prst="rect">
+            <a:avLst/>
+          </a:prstGeom>
+          <a:noFill/>
+        </p:spPr>
+        <p:txBody>
+          <a:bodyPr wrap="none" rtlCol="0">
+            <a:spAutoFit/>
+          </a:bodyPr>
+          <a:lstStyle/>
+          <a:p>
+            <a:r>
+              <a:rPr lang="ja-JP" altLang="en-US" sz="2400" b="1">
+                <a:solidFill>
+                  <a:srgbClr val="4B4B4B"/>
+                </a:solidFill>
+                <a:latin typeface="Menlo" charset="0"/>
+                <a:ea typeface="Menlo" charset="0"/>
+                <a:cs typeface="Menlo" charset="0"/>
+              </a:rPr>
+              <a:t>④</a:t>
+            </a:r>
+            <a:endParaRPr kumimoji="1" lang="ja-JP" altLang="en-US" sz="2400" b="1">
+              <a:solidFill>
+                <a:srgbClr val="4B4B4B"/>
+              </a:solidFill>
+              <a:latin typeface="Menlo" charset="0"/>
+              <a:ea typeface="Menlo" charset="0"/>
+              <a:cs typeface="Menlo" charset="0"/>
+            </a:endParaRPr>
+          </a:p>
+        </p:txBody>
+      </p:sp>
+      <p:sp>
+        <p:nvSpPr>
+          <p:cNvPr id="15" name="テキスト ボックス 14"/>
+          <p:cNvSpPr txBox="1"/>
+          <p:nvPr/>
+        </p:nvSpPr>
+        <p:spPr>
+          <a:xfrm>
+            <a:off x="4067469" y="2202547"/>
+            <a:ext cx="603050" cy="369332"/>
+          </a:xfrm>
+          <a:prstGeom prst="rect">
+            <a:avLst/>
+          </a:prstGeom>
+          <a:noFill/>
+        </p:spPr>
+        <p:txBody>
+          <a:bodyPr wrap="none" rtlCol="0">
+            <a:spAutoFit/>
+          </a:bodyPr>
+          <a:lstStyle/>
+          <a:p>
+            <a:r>
+              <a:rPr kumimoji="1" lang="en-US" altLang="ja-JP" b="1">
+                <a:latin typeface="Menlo" charset="0"/>
+                <a:ea typeface="Menlo" charset="0"/>
+                <a:cs typeface="Menlo" charset="0"/>
+              </a:rPr>
+              <a:t>SNS</a:t>
+            </a:r>
+            <a:endParaRPr kumimoji="1" lang="ja-JP" altLang="en-US" b="1">
+              <a:latin typeface="Menlo" charset="0"/>
+              <a:ea typeface="Menlo" charset="0"/>
+              <a:cs typeface="Menlo" charset="0"/>
+            </a:endParaRPr>
+          </a:p>
+        </p:txBody>
+      </p:sp>
+      <p:sp>
+        <p:nvSpPr>
+          <p:cNvPr id="30" name="テキスト ボックス 29"/>
+          <p:cNvSpPr txBox="1"/>
+          <p:nvPr/>
+        </p:nvSpPr>
+        <p:spPr>
+          <a:xfrm>
+            <a:off x="9765604" y="6471196"/>
+            <a:ext cx="877163" cy="369332"/>
+          </a:xfrm>
+          <a:prstGeom prst="rect">
+            <a:avLst/>
+          </a:prstGeom>
+          <a:noFill/>
+        </p:spPr>
+        <p:txBody>
+          <a:bodyPr wrap="none" rtlCol="0">
+            <a:spAutoFit/>
+          </a:bodyPr>
+          <a:lstStyle/>
+          <a:p>
+            <a:r>
+              <a:rPr kumimoji="1" lang="ja-JP" altLang="en-US" b="1">
+                <a:latin typeface="+mn-ea"/>
+                <a:cs typeface="Menlo" charset="0"/>
+              </a:rPr>
+              <a:t>掲示板</a:t>
+            </a:r>
+          </a:p>
+        </p:txBody>
+      </p:sp>
     </p:spTree>
     <p:extLst>
       <p:ext uri="{BB962C8B-B14F-4D97-AF65-F5344CB8AC3E}">
@@ -9175,9 +9531,642 @@
   <p:timing>
     <p:tnLst>
       <p:par>
-        <p:cTn id="1" dur="indefinite" restart="never" nodeType="tmRoot"/>
+        <p:cTn id="1" dur="indefinite" restart="never" nodeType="tmRoot">
+          <p:childTnLst>
+            <p:seq concurrent="1" nextAc="seek">
+              <p:cTn id="2" dur="indefinite" nodeType="mainSeq">
+                <p:childTnLst>
+                  <p:par>
+                    <p:cTn id="3" fill="hold">
+                      <p:stCondLst>
+                        <p:cond delay="indefinite"/>
+                      </p:stCondLst>
+                      <p:childTnLst>
+                        <p:par>
+                          <p:cTn id="4" fill="hold">
+                            <p:stCondLst>
+                              <p:cond delay="0"/>
+                            </p:stCondLst>
+                            <p:childTnLst>
+                              <p:par>
+                                <p:cTn id="5" presetID="14" presetClass="entr" presetSubtype="10" fill="hold" nodeType="clickEffect">
+                                  <p:stCondLst>
+                                    <p:cond delay="0"/>
+                                  </p:stCondLst>
+                                  <p:childTnLst>
+                                    <p:set>
+                                      <p:cBhvr>
+                                        <p:cTn id="6" dur="1" fill="hold">
+                                          <p:stCondLst>
+                                            <p:cond delay="0"/>
+                                          </p:stCondLst>
+                                        </p:cTn>
+                                        <p:tgtEl>
+                                          <p:spTgt spid="43"/>
+                                        </p:tgtEl>
+                                        <p:attrNameLst>
+                                          <p:attrName>style.visibility</p:attrName>
+                                        </p:attrNameLst>
+                                      </p:cBhvr>
+                                      <p:to>
+                                        <p:strVal val="visible"/>
+                                      </p:to>
+                                    </p:set>
+                                    <p:animEffect transition="in" filter="randombar(horizontal)">
+                                      <p:cBhvr>
+                                        <p:cTn id="7" dur="500"/>
+                                        <p:tgtEl>
+                                          <p:spTgt spid="43"/>
+                                        </p:tgtEl>
+                                      </p:cBhvr>
+                                    </p:animEffect>
+                                  </p:childTnLst>
+                                </p:cTn>
+                              </p:par>
+                              <p:par>
+                                <p:cTn id="8" presetID="14" presetClass="entr" presetSubtype="10" fill="hold" grpId="0" nodeType="withEffect">
+                                  <p:stCondLst>
+                                    <p:cond delay="0"/>
+                                  </p:stCondLst>
+                                  <p:childTnLst>
+                                    <p:set>
+                                      <p:cBhvr>
+                                        <p:cTn id="9" dur="1" fill="hold">
+                                          <p:stCondLst>
+                                            <p:cond delay="0"/>
+                                          </p:stCondLst>
+                                        </p:cTn>
+                                        <p:tgtEl>
+                                          <p:spTgt spid="3"/>
+                                        </p:tgtEl>
+                                        <p:attrNameLst>
+                                          <p:attrName>style.visibility</p:attrName>
+                                        </p:attrNameLst>
+                                      </p:cBhvr>
+                                      <p:to>
+                                        <p:strVal val="visible"/>
+                                      </p:to>
+                                    </p:set>
+                                    <p:animEffect transition="in" filter="randombar(horizontal)">
+                                      <p:cBhvr>
+                                        <p:cTn id="10" dur="500"/>
+                                        <p:tgtEl>
+                                          <p:spTgt spid="3"/>
+                                        </p:tgtEl>
+                                      </p:cBhvr>
+                                    </p:animEffect>
+                                  </p:childTnLst>
+                                </p:cTn>
+                              </p:par>
+                              <p:par>
+                                <p:cTn id="11" presetID="14" presetClass="entr" presetSubtype="10" fill="hold" grpId="0" nodeType="withEffect">
+                                  <p:stCondLst>
+                                    <p:cond delay="0"/>
+                                  </p:stCondLst>
+                                  <p:childTnLst>
+                                    <p:set>
+                                      <p:cBhvr>
+                                        <p:cTn id="12" dur="1" fill="hold">
+                                          <p:stCondLst>
+                                            <p:cond delay="0"/>
+                                          </p:stCondLst>
+                                        </p:cTn>
+                                        <p:tgtEl>
+                                          <p:spTgt spid="42"/>
+                                        </p:tgtEl>
+                                        <p:attrNameLst>
+                                          <p:attrName>style.visibility</p:attrName>
+                                        </p:attrNameLst>
+                                      </p:cBhvr>
+                                      <p:to>
+                                        <p:strVal val="visible"/>
+                                      </p:to>
+                                    </p:set>
+                                    <p:animEffect transition="in" filter="randombar(horizontal)">
+                                      <p:cBhvr>
+                                        <p:cTn id="13" dur="500"/>
+                                        <p:tgtEl>
+                                          <p:spTgt spid="42"/>
+                                        </p:tgtEl>
+                                      </p:cBhvr>
+                                    </p:animEffect>
+                                  </p:childTnLst>
+                                </p:cTn>
+                              </p:par>
+                              <p:par>
+                                <p:cTn id="14" presetID="14" presetClass="entr" presetSubtype="10" fill="hold" grpId="0" nodeType="withEffect">
+                                  <p:stCondLst>
+                                    <p:cond delay="0"/>
+                                  </p:stCondLst>
+                                  <p:childTnLst>
+                                    <p:set>
+                                      <p:cBhvr>
+                                        <p:cTn id="15" dur="1" fill="hold">
+                                          <p:stCondLst>
+                                            <p:cond delay="0"/>
+                                          </p:stCondLst>
+                                        </p:cTn>
+                                        <p:tgtEl>
+                                          <p:spTgt spid="7"/>
+                                        </p:tgtEl>
+                                        <p:attrNameLst>
+                                          <p:attrName>style.visibility</p:attrName>
+                                        </p:attrNameLst>
+                                      </p:cBhvr>
+                                      <p:to>
+                                        <p:strVal val="visible"/>
+                                      </p:to>
+                                    </p:set>
+                                    <p:animEffect transition="in" filter="randombar(horizontal)">
+                                      <p:cBhvr>
+                                        <p:cTn id="16" dur="500"/>
+                                        <p:tgtEl>
+                                          <p:spTgt spid="7"/>
+                                        </p:tgtEl>
+                                      </p:cBhvr>
+                                    </p:animEffect>
+                                  </p:childTnLst>
+                                </p:cTn>
+                              </p:par>
+                            </p:childTnLst>
+                          </p:cTn>
+                        </p:par>
+                      </p:childTnLst>
+                    </p:cTn>
+                  </p:par>
+                  <p:par>
+                    <p:cTn id="17" fill="hold">
+                      <p:stCondLst>
+                        <p:cond delay="indefinite"/>
+                      </p:stCondLst>
+                      <p:childTnLst>
+                        <p:par>
+                          <p:cTn id="18" fill="hold">
+                            <p:stCondLst>
+                              <p:cond delay="0"/>
+                            </p:stCondLst>
+                            <p:childTnLst>
+                              <p:par>
+                                <p:cTn id="19" presetID="14" presetClass="entr" presetSubtype="10" fill="hold" grpId="0" nodeType="clickEffect">
+                                  <p:stCondLst>
+                                    <p:cond delay="0"/>
+                                  </p:stCondLst>
+                                  <p:childTnLst>
+                                    <p:set>
+                                      <p:cBhvr>
+                                        <p:cTn id="20" dur="1" fill="hold">
+                                          <p:stCondLst>
+                                            <p:cond delay="0"/>
+                                          </p:stCondLst>
+                                        </p:cTn>
+                                        <p:tgtEl>
+                                          <p:spTgt spid="22"/>
+                                        </p:tgtEl>
+                                        <p:attrNameLst>
+                                          <p:attrName>style.visibility</p:attrName>
+                                        </p:attrNameLst>
+                                      </p:cBhvr>
+                                      <p:to>
+                                        <p:strVal val="visible"/>
+                                      </p:to>
+                                    </p:set>
+                                    <p:animEffect transition="in" filter="randombar(horizontal)">
+                                      <p:cBhvr>
+                                        <p:cTn id="21" dur="500"/>
+                                        <p:tgtEl>
+                                          <p:spTgt spid="22"/>
+                                        </p:tgtEl>
+                                      </p:cBhvr>
+                                    </p:animEffect>
+                                  </p:childTnLst>
+                                </p:cTn>
+                              </p:par>
+                              <p:par>
+                                <p:cTn id="22" presetID="14" presetClass="entr" presetSubtype="10" fill="hold" nodeType="withEffect">
+                                  <p:stCondLst>
+                                    <p:cond delay="0"/>
+                                  </p:stCondLst>
+                                  <p:childTnLst>
+                                    <p:set>
+                                      <p:cBhvr>
+                                        <p:cTn id="23" dur="1" fill="hold">
+                                          <p:stCondLst>
+                                            <p:cond delay="0"/>
+                                          </p:stCondLst>
+                                        </p:cTn>
+                                        <p:tgtEl>
+                                          <p:spTgt spid="19"/>
+                                        </p:tgtEl>
+                                        <p:attrNameLst>
+                                          <p:attrName>style.visibility</p:attrName>
+                                        </p:attrNameLst>
+                                      </p:cBhvr>
+                                      <p:to>
+                                        <p:strVal val="visible"/>
+                                      </p:to>
+                                    </p:set>
+                                    <p:animEffect transition="in" filter="randombar(horizontal)">
+                                      <p:cBhvr>
+                                        <p:cTn id="24" dur="500"/>
+                                        <p:tgtEl>
+                                          <p:spTgt spid="19"/>
+                                        </p:tgtEl>
+                                      </p:cBhvr>
+                                    </p:animEffect>
+                                  </p:childTnLst>
+                                </p:cTn>
+                              </p:par>
+                              <p:par>
+                                <p:cTn id="25" presetID="14" presetClass="entr" presetSubtype="10" fill="hold" grpId="0" nodeType="withEffect">
+                                  <p:stCondLst>
+                                    <p:cond delay="0"/>
+                                  </p:stCondLst>
+                                  <p:childTnLst>
+                                    <p:set>
+                                      <p:cBhvr>
+                                        <p:cTn id="26" dur="1" fill="hold">
+                                          <p:stCondLst>
+                                            <p:cond delay="0"/>
+                                          </p:stCondLst>
+                                        </p:cTn>
+                                        <p:tgtEl>
+                                          <p:spTgt spid="14"/>
+                                        </p:tgtEl>
+                                        <p:attrNameLst>
+                                          <p:attrName>style.visibility</p:attrName>
+                                        </p:attrNameLst>
+                                      </p:cBhvr>
+                                      <p:to>
+                                        <p:strVal val="visible"/>
+                                      </p:to>
+                                    </p:set>
+                                    <p:animEffect transition="in" filter="randombar(horizontal)">
+                                      <p:cBhvr>
+                                        <p:cTn id="27" dur="500"/>
+                                        <p:tgtEl>
+                                          <p:spTgt spid="14"/>
+                                        </p:tgtEl>
+                                      </p:cBhvr>
+                                    </p:animEffect>
+                                  </p:childTnLst>
+                                </p:cTn>
+                              </p:par>
+                              <p:par>
+                                <p:cTn id="28" presetID="14" presetClass="entr" presetSubtype="10" fill="hold" grpId="0" nodeType="withEffect">
+                                  <p:stCondLst>
+                                    <p:cond delay="0"/>
+                                  </p:stCondLst>
+                                  <p:childTnLst>
+                                    <p:set>
+                                      <p:cBhvr>
+                                        <p:cTn id="29" dur="1" fill="hold">
+                                          <p:stCondLst>
+                                            <p:cond delay="0"/>
+                                          </p:stCondLst>
+                                        </p:cTn>
+                                        <p:tgtEl>
+                                          <p:spTgt spid="11"/>
+                                        </p:tgtEl>
+                                        <p:attrNameLst>
+                                          <p:attrName>style.visibility</p:attrName>
+                                        </p:attrNameLst>
+                                      </p:cBhvr>
+                                      <p:to>
+                                        <p:strVal val="visible"/>
+                                      </p:to>
+                                    </p:set>
+                                    <p:animEffect transition="in" filter="randombar(horizontal)">
+                                      <p:cBhvr>
+                                        <p:cTn id="30" dur="500"/>
+                                        <p:tgtEl>
+                                          <p:spTgt spid="11"/>
+                                        </p:tgtEl>
+                                      </p:cBhvr>
+                                    </p:animEffect>
+                                  </p:childTnLst>
+                                </p:cTn>
+                              </p:par>
+                              <p:par>
+                                <p:cTn id="31" presetID="14" presetClass="entr" presetSubtype="10" repeatCount="0" fill="hold" grpId="0" nodeType="withEffect">
+                                  <p:stCondLst>
+                                    <p:cond delay="0"/>
+                                  </p:stCondLst>
+                                  <p:childTnLst>
+                                    <p:set>
+                                      <p:cBhvr>
+                                        <p:cTn id="32" dur="1" fill="hold">
+                                          <p:stCondLst>
+                                            <p:cond delay="0"/>
+                                          </p:stCondLst>
+                                        </p:cTn>
+                                        <p:tgtEl>
+                                          <p:spTgt spid="23"/>
+                                        </p:tgtEl>
+                                        <p:attrNameLst>
+                                          <p:attrName>style.visibility</p:attrName>
+                                        </p:attrNameLst>
+                                      </p:cBhvr>
+                                      <p:to>
+                                        <p:strVal val="visible"/>
+                                      </p:to>
+                                    </p:set>
+                                    <p:animEffect transition="in" filter="randombar(horizontal)">
+                                      <p:cBhvr>
+                                        <p:cTn id="33" dur="500"/>
+                                        <p:tgtEl>
+                                          <p:spTgt spid="23"/>
+                                        </p:tgtEl>
+                                      </p:cBhvr>
+                                    </p:animEffect>
+                                  </p:childTnLst>
+                                </p:cTn>
+                              </p:par>
+                            </p:childTnLst>
+                          </p:cTn>
+                        </p:par>
+                      </p:childTnLst>
+                    </p:cTn>
+                  </p:par>
+                  <p:par>
+                    <p:cTn id="34" fill="hold">
+                      <p:stCondLst>
+                        <p:cond delay="indefinite"/>
+                      </p:stCondLst>
+                      <p:childTnLst>
+                        <p:par>
+                          <p:cTn id="35" fill="hold">
+                            <p:stCondLst>
+                              <p:cond delay="0"/>
+                            </p:stCondLst>
+                            <p:childTnLst>
+                              <p:par>
+                                <p:cTn id="36" presetID="14" presetClass="entr" presetSubtype="10" fill="hold" grpId="0" nodeType="clickEffect">
+                                  <p:stCondLst>
+                                    <p:cond delay="0"/>
+                                  </p:stCondLst>
+                                  <p:childTnLst>
+                                    <p:set>
+                                      <p:cBhvr>
+                                        <p:cTn id="37" dur="1" fill="hold">
+                                          <p:stCondLst>
+                                            <p:cond delay="0"/>
+                                          </p:stCondLst>
+                                        </p:cTn>
+                                        <p:tgtEl>
+                                          <p:spTgt spid="17"/>
+                                        </p:tgtEl>
+                                        <p:attrNameLst>
+                                          <p:attrName>style.visibility</p:attrName>
+                                        </p:attrNameLst>
+                                      </p:cBhvr>
+                                      <p:to>
+                                        <p:strVal val="visible"/>
+                                      </p:to>
+                                    </p:set>
+                                    <p:animEffect transition="in" filter="randombar(horizontal)">
+                                      <p:cBhvr>
+                                        <p:cTn id="38" dur="500"/>
+                                        <p:tgtEl>
+                                          <p:spTgt spid="17"/>
+                                        </p:tgtEl>
+                                      </p:cBhvr>
+                                    </p:animEffect>
+                                  </p:childTnLst>
+                                </p:cTn>
+                              </p:par>
+                              <p:par>
+                                <p:cTn id="39" presetID="14" presetClass="entr" presetSubtype="10" fill="hold" grpId="0" nodeType="withEffect">
+                                  <p:stCondLst>
+                                    <p:cond delay="0"/>
+                                  </p:stCondLst>
+                                  <p:childTnLst>
+                                    <p:set>
+                                      <p:cBhvr>
+                                        <p:cTn id="40" dur="1" fill="hold">
+                                          <p:stCondLst>
+                                            <p:cond delay="0"/>
+                                          </p:stCondLst>
+                                        </p:cTn>
+                                        <p:tgtEl>
+                                          <p:spTgt spid="13"/>
+                                        </p:tgtEl>
+                                        <p:attrNameLst>
+                                          <p:attrName>style.visibility</p:attrName>
+                                        </p:attrNameLst>
+                                      </p:cBhvr>
+                                      <p:to>
+                                        <p:strVal val="visible"/>
+                                      </p:to>
+                                    </p:set>
+                                    <p:animEffect transition="in" filter="randombar(horizontal)">
+                                      <p:cBhvr>
+                                        <p:cTn id="41" dur="500"/>
+                                        <p:tgtEl>
+                                          <p:spTgt spid="13"/>
+                                        </p:tgtEl>
+                                      </p:cBhvr>
+                                    </p:animEffect>
+                                  </p:childTnLst>
+                                </p:cTn>
+                              </p:par>
+                              <p:par>
+                                <p:cTn id="42" presetID="14" presetClass="entr" presetSubtype="10" fill="hold" grpId="0" nodeType="withEffect">
+                                  <p:stCondLst>
+                                    <p:cond delay="0"/>
+                                  </p:stCondLst>
+                                  <p:childTnLst>
+                                    <p:set>
+                                      <p:cBhvr>
+                                        <p:cTn id="43" dur="1" fill="hold">
+                                          <p:stCondLst>
+                                            <p:cond delay="0"/>
+                                          </p:stCondLst>
+                                        </p:cTn>
+                                        <p:tgtEl>
+                                          <p:spTgt spid="24"/>
+                                        </p:tgtEl>
+                                        <p:attrNameLst>
+                                          <p:attrName>style.visibility</p:attrName>
+                                        </p:attrNameLst>
+                                      </p:cBhvr>
+                                      <p:to>
+                                        <p:strVal val="visible"/>
+                                      </p:to>
+                                    </p:set>
+                                    <p:animEffect transition="in" filter="randombar(horizontal)">
+                                      <p:cBhvr>
+                                        <p:cTn id="44" dur="500"/>
+                                        <p:tgtEl>
+                                          <p:spTgt spid="24"/>
+                                        </p:tgtEl>
+                                      </p:cBhvr>
+                                    </p:animEffect>
+                                  </p:childTnLst>
+                                </p:cTn>
+                              </p:par>
+                            </p:childTnLst>
+                          </p:cTn>
+                        </p:par>
+                      </p:childTnLst>
+                    </p:cTn>
+                  </p:par>
+                  <p:par>
+                    <p:cTn id="45" fill="hold">
+                      <p:stCondLst>
+                        <p:cond delay="indefinite"/>
+                      </p:stCondLst>
+                      <p:childTnLst>
+                        <p:par>
+                          <p:cTn id="46" fill="hold">
+                            <p:stCondLst>
+                              <p:cond delay="0"/>
+                            </p:stCondLst>
+                            <p:childTnLst>
+                              <p:par>
+                                <p:cTn id="47" presetID="14" presetClass="entr" presetSubtype="10" fill="hold" nodeType="clickEffect">
+                                  <p:stCondLst>
+                                    <p:cond delay="0"/>
+                                  </p:stCondLst>
+                                  <p:childTnLst>
+                                    <p:set>
+                                      <p:cBhvr>
+                                        <p:cTn id="48" dur="1" fill="hold">
+                                          <p:stCondLst>
+                                            <p:cond delay="0"/>
+                                          </p:stCondLst>
+                                        </p:cTn>
+                                        <p:tgtEl>
+                                          <p:spTgt spid="12"/>
+                                        </p:tgtEl>
+                                        <p:attrNameLst>
+                                          <p:attrName>style.visibility</p:attrName>
+                                        </p:attrNameLst>
+                                      </p:cBhvr>
+                                      <p:to>
+                                        <p:strVal val="visible"/>
+                                      </p:to>
+                                    </p:set>
+                                    <p:animEffect transition="in" filter="randombar(horizontal)">
+                                      <p:cBhvr>
+                                        <p:cTn id="49" dur="500"/>
+                                        <p:tgtEl>
+                                          <p:spTgt spid="12"/>
+                                        </p:tgtEl>
+                                      </p:cBhvr>
+                                    </p:animEffect>
+                                  </p:childTnLst>
+                                </p:cTn>
+                              </p:par>
+                              <p:par>
+                                <p:cTn id="50" presetID="14" presetClass="entr" presetSubtype="10" fill="hold" nodeType="withEffect">
+                                  <p:stCondLst>
+                                    <p:cond delay="0"/>
+                                  </p:stCondLst>
+                                  <p:childTnLst>
+                                    <p:set>
+                                      <p:cBhvr>
+                                        <p:cTn id="51" dur="1" fill="hold">
+                                          <p:stCondLst>
+                                            <p:cond delay="0"/>
+                                          </p:stCondLst>
+                                        </p:cTn>
+                                        <p:tgtEl>
+                                          <p:spTgt spid="8"/>
+                                        </p:tgtEl>
+                                        <p:attrNameLst>
+                                          <p:attrName>style.visibility</p:attrName>
+                                        </p:attrNameLst>
+                                      </p:cBhvr>
+                                      <p:to>
+                                        <p:strVal val="visible"/>
+                                      </p:to>
+                                    </p:set>
+                                    <p:animEffect transition="in" filter="randombar(horizontal)">
+                                      <p:cBhvr>
+                                        <p:cTn id="52" dur="500"/>
+                                        <p:tgtEl>
+                                          <p:spTgt spid="8"/>
+                                        </p:tgtEl>
+                                      </p:cBhvr>
+                                    </p:animEffect>
+                                  </p:childTnLst>
+                                </p:cTn>
+                              </p:par>
+                              <p:par>
+                                <p:cTn id="53" presetID="14" presetClass="entr" presetSubtype="10" fill="hold" grpId="0" nodeType="withEffect">
+                                  <p:stCondLst>
+                                    <p:cond delay="0"/>
+                                  </p:stCondLst>
+                                  <p:childTnLst>
+                                    <p:set>
+                                      <p:cBhvr>
+                                        <p:cTn id="54" dur="1" fill="hold">
+                                          <p:stCondLst>
+                                            <p:cond delay="0"/>
+                                          </p:stCondLst>
+                                        </p:cTn>
+                                        <p:tgtEl>
+                                          <p:spTgt spid="28"/>
+                                        </p:tgtEl>
+                                        <p:attrNameLst>
+                                          <p:attrName>style.visibility</p:attrName>
+                                        </p:attrNameLst>
+                                      </p:cBhvr>
+                                      <p:to>
+                                        <p:strVal val="visible"/>
+                                      </p:to>
+                                    </p:set>
+                                    <p:animEffect transition="in" filter="randombar(horizontal)">
+                                      <p:cBhvr>
+                                        <p:cTn id="55" dur="500"/>
+                                        <p:tgtEl>
+                                          <p:spTgt spid="28"/>
+                                        </p:tgtEl>
+                                      </p:cBhvr>
+                                    </p:animEffect>
+                                  </p:childTnLst>
+                                </p:cTn>
+                              </p:par>
+                            </p:childTnLst>
+                          </p:cTn>
+                        </p:par>
+                      </p:childTnLst>
+                    </p:cTn>
+                  </p:par>
+                </p:childTnLst>
+              </p:cTn>
+              <p:prevCondLst>
+                <p:cond evt="onPrev" delay="0">
+                  <p:tgtEl>
+                    <p:sldTgt/>
+                  </p:tgtEl>
+                </p:cond>
+              </p:prevCondLst>
+              <p:nextCondLst>
+                <p:cond evt="onNext" delay="0">
+                  <p:tgtEl>
+                    <p:sldTgt/>
+                  </p:tgtEl>
+                </p:cond>
+              </p:nextCondLst>
+            </p:seq>
+          </p:childTnLst>
+        </p:cTn>
       </p:par>
     </p:tnLst>
+    <p:bldLst>
+      <p:bldP spid="7" grpId="0" animBg="1"/>
+      <p:bldP spid="11" grpId="0" animBg="1"/>
+      <p:bldP spid="13" grpId="0"/>
+      <p:bldP spid="14" grpId="0" animBg="1"/>
+      <p:bldP spid="17" grpId="0" animBg="1"/>
+      <p:bldP spid="23" grpId="0"/>
+      <p:bldP spid="42" grpId="0" animBg="1"/>
+      <p:bldP spid="3" grpId="0"/>
+      <p:bldP spid="22" grpId="0"/>
+      <p:bldP spid="24" grpId="0"/>
+      <p:bldP spid="28" grpId="0"/>
+    </p:bldLst>
   </p:timing>
 </p:sld>
 </file>

--- a/presentation_slides.pptx
+++ b/presentation_slides.pptx
@@ -10,8 +10,8 @@
   <p:sldIdLst>
     <p:sldId id="256" r:id="rId2"/>
     <p:sldId id="257" r:id="rId3"/>
-    <p:sldId id="265" r:id="rId4"/>
-    <p:sldId id="258" r:id="rId5"/>
+    <p:sldId id="258" r:id="rId4"/>
+    <p:sldId id="265" r:id="rId5"/>
     <p:sldId id="259" r:id="rId6"/>
     <p:sldId id="260" r:id="rId7"/>
     <p:sldId id="266" r:id="rId8"/>
@@ -5873,8 +5873,8 @@
         </p:nvSpPr>
         <p:spPr>
           <a:xfrm>
-            <a:off x="6860775" y="4923220"/>
-            <a:ext cx="979500" cy="816496"/>
+            <a:off x="6860775" y="4945895"/>
+            <a:ext cx="979500" cy="762866"/>
           </a:xfrm>
           <a:prstGeom prst="rect">
             <a:avLst/>
@@ -5953,8 +5953,8 @@
         </p:nvSpPr>
         <p:spPr>
           <a:xfrm>
-            <a:off x="6364391" y="3136198"/>
-            <a:ext cx="990824" cy="806531"/>
+            <a:off x="6364391" y="3163183"/>
+            <a:ext cx="990824" cy="763207"/>
           </a:xfrm>
           <a:prstGeom prst="rect">
             <a:avLst/>
@@ -6302,6 +6302,80 @@
               <a:latin typeface="Open Sans" charset="0"/>
               <a:ea typeface="Open Sans" charset="0"/>
               <a:cs typeface="Open Sans" charset="0"/>
+            </a:endParaRPr>
+          </a:p>
+        </p:txBody>
+      </p:sp>
+      <p:sp>
+        <p:nvSpPr>
+          <p:cNvPr id="3" name="テキスト ボックス 2"/>
+          <p:cNvSpPr txBox="1"/>
+          <p:nvPr/>
+        </p:nvSpPr>
+        <p:spPr>
+          <a:xfrm>
+            <a:off x="6545366" y="3926390"/>
+            <a:ext cx="603050" cy="369332"/>
+          </a:xfrm>
+          <a:prstGeom prst="rect">
+            <a:avLst/>
+          </a:prstGeom>
+          <a:noFill/>
+        </p:spPr>
+        <p:txBody>
+          <a:bodyPr wrap="none" rtlCol="0">
+            <a:spAutoFit/>
+          </a:bodyPr>
+          <a:lstStyle/>
+          <a:p>
+            <a:r>
+              <a:rPr kumimoji="1" lang="en-US" altLang="ja-JP" b="1">
+                <a:latin typeface="Menlo" charset="0"/>
+                <a:ea typeface="Menlo" charset="0"/>
+                <a:cs typeface="Menlo" charset="0"/>
+              </a:rPr>
+              <a:t>SNS</a:t>
+            </a:r>
+            <a:endParaRPr kumimoji="1" lang="ja-JP" altLang="en-US" b="1">
+              <a:latin typeface="Menlo" charset="0"/>
+              <a:ea typeface="Menlo" charset="0"/>
+              <a:cs typeface="Menlo" charset="0"/>
+            </a:endParaRPr>
+          </a:p>
+        </p:txBody>
+      </p:sp>
+      <p:sp>
+        <p:nvSpPr>
+          <p:cNvPr id="19" name="テキスト ボックス 18"/>
+          <p:cNvSpPr txBox="1"/>
+          <p:nvPr/>
+        </p:nvSpPr>
+        <p:spPr>
+          <a:xfrm>
+            <a:off x="6911943" y="5707058"/>
+            <a:ext cx="877163" cy="369332"/>
+          </a:xfrm>
+          <a:prstGeom prst="rect">
+            <a:avLst/>
+          </a:prstGeom>
+          <a:noFill/>
+        </p:spPr>
+        <p:txBody>
+          <a:bodyPr wrap="none" rtlCol="0">
+            <a:spAutoFit/>
+          </a:bodyPr>
+          <a:lstStyle/>
+          <a:p>
+            <a:r>
+              <a:rPr lang="ja-JP" altLang="en-US" b="1">
+                <a:latin typeface="+mn-ea"/>
+                <a:cs typeface="Menlo" charset="0"/>
+              </a:rPr>
+              <a:t>掲示板</a:t>
+            </a:r>
+            <a:endParaRPr kumimoji="1" lang="ja-JP" altLang="en-US" b="1">
+              <a:latin typeface="+mn-ea"/>
+              <a:cs typeface="Menlo" charset="0"/>
             </a:endParaRPr>
           </a:p>
         </p:txBody>
@@ -6797,6 +6871,162 @@
         </p:nvSpPr>
         <p:spPr>
           <a:xfrm>
+            <a:off x="158400" y="151200"/>
+            <a:ext cx="10515600" cy="1325563"/>
+          </a:xfrm>
+        </p:spPr>
+        <p:txBody>
+          <a:bodyPr/>
+          <a:lstStyle/>
+          <a:p>
+            <a:r>
+              <a:rPr kumimoji="1" lang="ja-JP" altLang="en-US"/>
+              <a:t>研究背景</a:t>
+            </a:r>
+          </a:p>
+        </p:txBody>
+      </p:sp>
+      <p:sp>
+        <p:nvSpPr>
+          <p:cNvPr id="3" name="コンテンツ プレースホルダー 2"/>
+          <p:cNvSpPr>
+            <a:spLocks noGrp="1"/>
+          </p:cNvSpPr>
+          <p:nvPr>
+            <p:ph idx="1"/>
+          </p:nvPr>
+        </p:nvSpPr>
+        <p:spPr/>
+        <p:txBody>
+          <a:bodyPr/>
+          <a:lstStyle/>
+          <a:p>
+            <a:pPr marL="514350" indent="-514350">
+              <a:buFont typeface="+mj-lt"/>
+              <a:buAutoNum type="arabicPeriod"/>
+            </a:pPr>
+            <a:r>
+              <a:rPr kumimoji="1" lang="en-US" altLang="ja-JP"/>
+              <a:t>IP </a:t>
+            </a:r>
+            <a:r>
+              <a:rPr kumimoji="1" lang="ja-JP" altLang="en-US"/>
+              <a:t>アドレスによる特定が困難</a:t>
+            </a:r>
+            <a:endParaRPr kumimoji="1" lang="en-US" altLang="ja-JP"/>
+          </a:p>
+          <a:p>
+            <a:pPr marL="514350" indent="-514350">
+              <a:buFont typeface="+mj-lt"/>
+              <a:buAutoNum type="arabicPeriod"/>
+            </a:pPr>
+            <a:r>
+              <a:rPr lang="en-US" altLang="ja-JP"/>
+              <a:t>Cookie </a:t>
+            </a:r>
+            <a:r>
+              <a:rPr lang="ja-JP" altLang="en-US"/>
+              <a:t>による特定に着目</a:t>
+            </a:r>
+            <a:endParaRPr lang="en-US" altLang="ja-JP"/>
+          </a:p>
+          <a:p>
+            <a:pPr marL="514350" indent="-514350">
+              <a:buFont typeface="+mj-lt"/>
+              <a:buAutoNum type="arabicPeriod"/>
+            </a:pPr>
+            <a:r>
+              <a:rPr lang="en-US" altLang="ja-JP"/>
+              <a:t>SNS </a:t>
+            </a:r>
+            <a:r>
+              <a:rPr lang="ja-JP" altLang="en-US"/>
+              <a:t>シェアボタンの設置率</a:t>
+            </a:r>
+            <a:endParaRPr lang="en-US" altLang="ja-JP"/>
+          </a:p>
+          <a:p>
+            <a:pPr marL="514350" indent="-514350">
+              <a:buFont typeface="+mj-lt"/>
+              <a:buAutoNum type="arabicPeriod"/>
+            </a:pPr>
+            <a:r>
+              <a:rPr kumimoji="1" lang="en-US" altLang="ja-JP"/>
+              <a:t>SNS </a:t>
+            </a:r>
+            <a:r>
+              <a:rPr kumimoji="1" lang="ja-JP" altLang="en-US"/>
+              <a:t>シェアボタン</a:t>
+            </a:r>
+            <a:r>
+              <a:rPr lang="ja-JP" altLang="en-US"/>
+              <a:t>と</a:t>
+            </a:r>
+            <a:r>
+              <a:rPr lang="en-US" altLang="ja-JP"/>
+              <a:t> </a:t>
+            </a:r>
+            <a:r>
+              <a:rPr kumimoji="1" lang="en-US" altLang="ja-JP"/>
+              <a:t>Cookie </a:t>
+            </a:r>
+            <a:r>
+              <a:rPr kumimoji="1" lang="ja-JP" altLang="en-US"/>
+              <a:t>を利用した特定手法の提案</a:t>
+            </a:r>
+            <a:endParaRPr kumimoji="1" lang="ja-JP" altLang="en-US"/>
+          </a:p>
+        </p:txBody>
+      </p:sp>
+    </p:spTree>
+    <p:extLst>
+      <p:ext uri="{BB962C8B-B14F-4D97-AF65-F5344CB8AC3E}">
+        <p14:creationId xmlns:p14="http://schemas.microsoft.com/office/powerpoint/2010/main" val="238725631"/>
+      </p:ext>
+    </p:extLst>
+  </p:cSld>
+  <p:clrMapOvr>
+    <a:masterClrMapping/>
+  </p:clrMapOvr>
+  <p:timing>
+    <p:tnLst>
+      <p:par>
+        <p:cTn id="1" dur="indefinite" restart="never" nodeType="tmRoot"/>
+      </p:par>
+    </p:tnLst>
+  </p:timing>
+</p:sld>
+</file>
+
+<file path=ppt/slides/slide4.xml><?xml version="1.0" encoding="utf-8"?>
+<p:sld xmlns:a="http://schemas.openxmlformats.org/drawingml/2006/main" xmlns:r="http://schemas.openxmlformats.org/officeDocument/2006/relationships" xmlns:p="http://schemas.openxmlformats.org/presentationml/2006/main">
+  <p:cSld>
+    <p:spTree>
+      <p:nvGrpSpPr>
+        <p:cNvPr id="1" name=""/>
+        <p:cNvGrpSpPr/>
+        <p:nvPr/>
+      </p:nvGrpSpPr>
+      <p:grpSpPr>
+        <a:xfrm>
+          <a:off x="0" y="0"/>
+          <a:ext cx="0" cy="0"/>
+          <a:chOff x="0" y="0"/>
+          <a:chExt cx="0" cy="0"/>
+        </a:xfrm>
+      </p:grpSpPr>
+      <p:sp>
+        <p:nvSpPr>
+          <p:cNvPr id="2" name="タイトル 1"/>
+          <p:cNvSpPr>
+            <a:spLocks noGrp="1"/>
+          </p:cNvSpPr>
+          <p:nvPr>
+            <p:ph type="title"/>
+          </p:nvPr>
+        </p:nvSpPr>
+        <p:spPr>
+          <a:xfrm>
             <a:off x="157717" y="152474"/>
             <a:ext cx="10515600" cy="1325563"/>
           </a:xfrm>
@@ -7467,119 +7697,6 @@
     <p:extLst>
       <p:ext uri="{BB962C8B-B14F-4D97-AF65-F5344CB8AC3E}">
         <p14:creationId xmlns:p14="http://schemas.microsoft.com/office/powerpoint/2010/main" val="1205268648"/>
-      </p:ext>
-    </p:extLst>
-  </p:cSld>
-  <p:clrMapOvr>
-    <a:masterClrMapping/>
-  </p:clrMapOvr>
-  <p:timing>
-    <p:tnLst>
-      <p:par>
-        <p:cTn id="1" dur="indefinite" restart="never" nodeType="tmRoot"/>
-      </p:par>
-    </p:tnLst>
-  </p:timing>
-</p:sld>
-</file>
-
-<file path=ppt/slides/slide4.xml><?xml version="1.0" encoding="utf-8"?>
-<p:sld xmlns:a="http://schemas.openxmlformats.org/drawingml/2006/main" xmlns:r="http://schemas.openxmlformats.org/officeDocument/2006/relationships" xmlns:p="http://schemas.openxmlformats.org/presentationml/2006/main">
-  <p:cSld>
-    <p:spTree>
-      <p:nvGrpSpPr>
-        <p:cNvPr id="1" name=""/>
-        <p:cNvGrpSpPr/>
-        <p:nvPr/>
-      </p:nvGrpSpPr>
-      <p:grpSpPr>
-        <a:xfrm>
-          <a:off x="0" y="0"/>
-          <a:ext cx="0" cy="0"/>
-          <a:chOff x="0" y="0"/>
-          <a:chExt cx="0" cy="0"/>
-        </a:xfrm>
-      </p:grpSpPr>
-      <p:sp>
-        <p:nvSpPr>
-          <p:cNvPr id="2" name="タイトル 1"/>
-          <p:cNvSpPr>
-            <a:spLocks noGrp="1"/>
-          </p:cNvSpPr>
-          <p:nvPr>
-            <p:ph type="title"/>
-          </p:nvPr>
-        </p:nvSpPr>
-        <p:spPr>
-          <a:xfrm>
-            <a:off x="158400" y="151200"/>
-            <a:ext cx="10515600" cy="1325563"/>
-          </a:xfrm>
-        </p:spPr>
-        <p:txBody>
-          <a:bodyPr/>
-          <a:lstStyle/>
-          <a:p>
-            <a:r>
-              <a:rPr kumimoji="1" lang="ja-JP" altLang="en-US"/>
-              <a:t>研究背景</a:t>
-            </a:r>
-          </a:p>
-        </p:txBody>
-      </p:sp>
-      <p:sp>
-        <p:nvSpPr>
-          <p:cNvPr id="3" name="コンテンツ プレースホルダー 2"/>
-          <p:cNvSpPr>
-            <a:spLocks noGrp="1"/>
-          </p:cNvSpPr>
-          <p:nvPr>
-            <p:ph idx="1"/>
-          </p:nvPr>
-        </p:nvSpPr>
-        <p:spPr/>
-        <p:txBody>
-          <a:bodyPr/>
-          <a:lstStyle/>
-          <a:p>
-            <a:r>
-              <a:rPr kumimoji="1" lang="en-US" altLang="ja-JP"/>
-              <a:t>IP </a:t>
-            </a:r>
-            <a:r>
-              <a:rPr kumimoji="1" lang="ja-JP" altLang="en-US"/>
-              <a:t>アドレスによる特定が困難</a:t>
-            </a:r>
-            <a:endParaRPr kumimoji="1" lang="en-US" altLang="ja-JP"/>
-          </a:p>
-          <a:p>
-            <a:r>
-              <a:rPr lang="en-US" altLang="ja-JP"/>
-              <a:t>Cookie </a:t>
-            </a:r>
-            <a:r>
-              <a:rPr lang="ja-JP" altLang="en-US"/>
-              <a:t>による特定に着目</a:t>
-            </a:r>
-            <a:endParaRPr lang="en-US" altLang="ja-JP"/>
-          </a:p>
-          <a:p>
-            <a:r>
-              <a:rPr lang="en-US" altLang="ja-JP"/>
-              <a:t>SNS </a:t>
-            </a:r>
-            <a:r>
-              <a:rPr lang="ja-JP" altLang="en-US"/>
-              <a:t>シェアボタンの設置率</a:t>
-            </a:r>
-            <a:endParaRPr kumimoji="1" lang="ja-JP" altLang="en-US"/>
-          </a:p>
-        </p:txBody>
-      </p:sp>
-    </p:spTree>
-    <p:extLst>
-      <p:ext uri="{BB962C8B-B14F-4D97-AF65-F5344CB8AC3E}">
-        <p14:creationId xmlns:p14="http://schemas.microsoft.com/office/powerpoint/2010/main" val="238725631"/>
       </p:ext>
     </p:extLst>
   </p:cSld>

--- a/presentation_slides.pptx
+++ b/presentation_slides.pptx
@@ -5,20 +5,22 @@
     <p:sldMasterId id="2147483648" r:id="rId1"/>
   </p:sldMasterIdLst>
   <p:notesMasterIdLst>
-    <p:notesMasterId r:id="rId13"/>
+    <p:notesMasterId r:id="rId15"/>
   </p:notesMasterIdLst>
   <p:sldIdLst>
     <p:sldId id="256" r:id="rId2"/>
     <p:sldId id="257" r:id="rId3"/>
     <p:sldId id="258" r:id="rId4"/>
     <p:sldId id="265" r:id="rId5"/>
-    <p:sldId id="259" r:id="rId6"/>
-    <p:sldId id="260" r:id="rId7"/>
-    <p:sldId id="266" r:id="rId8"/>
-    <p:sldId id="261" r:id="rId9"/>
-    <p:sldId id="264" r:id="rId10"/>
-    <p:sldId id="262" r:id="rId11"/>
-    <p:sldId id="263" r:id="rId12"/>
+    <p:sldId id="268" r:id="rId6"/>
+    <p:sldId id="259" r:id="rId7"/>
+    <p:sldId id="260" r:id="rId8"/>
+    <p:sldId id="266" r:id="rId9"/>
+    <p:sldId id="261" r:id="rId10"/>
+    <p:sldId id="264" r:id="rId11"/>
+    <p:sldId id="262" r:id="rId12"/>
+    <p:sldId id="263" r:id="rId13"/>
+    <p:sldId id="267" r:id="rId14"/>
   </p:sldIdLst>
   <p:sldSz cx="12192000" cy="6858000"/>
   <p:notesSz cx="6858000" cy="9144000"/>
@@ -2247,7 +2249,7 @@
           <a:lstStyle/>
           <a:p>
             <a:fld id="{B501E337-A02A-784A-B006-0DBA91238D1B}" type="slidenum">
-              <a:t>10</a:t>
+              <a:t>11</a:t>
             </a:fld>
             <a:endParaRPr kumimoji="1" lang="ja-JP" altLang="en-US"/>
           </a:p>
@@ -2391,7 +2393,7 @@
           <a:lstStyle/>
           <a:p>
             <a:fld id="{B501E337-A02A-784A-B006-0DBA91238D1B}" type="slidenum">
-              <a:t>11</a:t>
+              <a:t>12</a:t>
             </a:fld>
             <a:endParaRPr kumimoji="1" lang="ja-JP" altLang="en-US"/>
           </a:p>
@@ -5644,6 +5646,121 @@
 </file>
 
 <file path=ppt/slides/slide10.xml><?xml version="1.0" encoding="utf-8"?>
+<p:sld xmlns:a="http://schemas.openxmlformats.org/drawingml/2006/main" xmlns:r="http://schemas.openxmlformats.org/officeDocument/2006/relationships" xmlns:p="http://schemas.openxmlformats.org/presentationml/2006/main" show="0">
+  <p:cSld>
+    <p:spTree>
+      <p:nvGrpSpPr>
+        <p:cNvPr id="1" name=""/>
+        <p:cNvGrpSpPr/>
+        <p:nvPr/>
+      </p:nvGrpSpPr>
+      <p:grpSpPr>
+        <a:xfrm>
+          <a:off x="0" y="0"/>
+          <a:ext cx="0" cy="0"/>
+          <a:chOff x="0" y="0"/>
+          <a:chExt cx="0" cy="0"/>
+        </a:xfrm>
+      </p:grpSpPr>
+      <p:sp>
+        <p:nvSpPr>
+          <p:cNvPr id="2" name="タイトル 1"/>
+          <p:cNvSpPr>
+            <a:spLocks noGrp="1"/>
+          </p:cNvSpPr>
+          <p:nvPr>
+            <p:ph type="title"/>
+          </p:nvPr>
+        </p:nvSpPr>
+        <p:spPr>
+          <a:xfrm>
+            <a:off x="157717" y="152474"/>
+            <a:ext cx="10515600" cy="1325563"/>
+          </a:xfrm>
+        </p:spPr>
+        <p:txBody>
+          <a:bodyPr/>
+          <a:lstStyle/>
+          <a:p>
+            <a:r>
+              <a:rPr lang="ja-JP" altLang="en-US"/>
+              <a:t>評価・考察</a:t>
+            </a:r>
+            <a:endParaRPr kumimoji="1" lang="ja-JP" altLang="en-US"/>
+          </a:p>
+        </p:txBody>
+      </p:sp>
+      <p:sp>
+        <p:nvSpPr>
+          <p:cNvPr id="3" name="コンテンツ プレースホルダー 2"/>
+          <p:cNvSpPr>
+            <a:spLocks noGrp="1"/>
+          </p:cNvSpPr>
+          <p:nvPr>
+            <p:ph idx="1"/>
+          </p:nvPr>
+        </p:nvSpPr>
+        <p:spPr/>
+        <p:txBody>
+          <a:bodyPr/>
+          <a:lstStyle/>
+          <a:p>
+            <a:r>
+              <a:rPr lang="ja-JP" altLang="en-US"/>
+              <a:t>サードパーティ</a:t>
+            </a:r>
+            <a:r>
+              <a:rPr lang="en-US" altLang="ja-JP"/>
+              <a:t> Cookie </a:t>
+            </a:r>
+            <a:r>
+              <a:rPr lang="ja-JP" altLang="en-US"/>
+              <a:t>のブロック</a:t>
+            </a:r>
+            <a:endParaRPr lang="en-US" altLang="ja-JP"/>
+          </a:p>
+          <a:p>
+            <a:r>
+              <a:rPr lang="en-US" altLang="ja-JP"/>
+              <a:t>IP</a:t>
+            </a:r>
+            <a:r>
+              <a:rPr lang="ja-JP" altLang="en-US"/>
+              <a:t> アドレスによる特定との比較</a:t>
+            </a:r>
+            <a:endParaRPr lang="en-US" altLang="ja-JP"/>
+          </a:p>
+        </p:txBody>
+      </p:sp>
+    </p:spTree>
+    <p:extLst>
+      <p:ext uri="{BB962C8B-B14F-4D97-AF65-F5344CB8AC3E}">
+        <p14:creationId xmlns:p14="http://schemas.microsoft.com/office/powerpoint/2010/main" val="1571568214"/>
+      </p:ext>
+    </p:extLst>
+  </p:cSld>
+  <p:clrMapOvr>
+    <a:masterClrMapping/>
+  </p:clrMapOvr>
+  <mc:AlternateContent xmlns:mc="http://schemas.openxmlformats.org/markup-compatibility/2006">
+    <mc:Choice xmlns:p14="http://schemas.microsoft.com/office/powerpoint/2010/main" Requires="p14">
+      <p:transition spd="slow" p14:dur="2000"/>
+    </mc:Choice>
+    <mc:Fallback>
+      <p:transition spd="slow"/>
+    </mc:Fallback>
+  </mc:AlternateContent>
+  <p:timing>
+    <p:tnLst>
+      <p:par>
+        <p:cTn id="1" dur="indefinite" restart="never" nodeType="tmRoot"/>
+      </p:par>
+    </p:tnLst>
+  </p:timing>
+</p:sld>
+</file>
+
+<file path=ppt/slides/slide11.xml><?xml version="1.0" encoding="utf-8"?>
 <p:sld xmlns:a="http://schemas.openxmlformats.org/drawingml/2006/main" xmlns:r="http://schemas.openxmlformats.org/officeDocument/2006/relationships" xmlns:p="http://schemas.openxmlformats.org/presentationml/2006/main">
   <p:cSld>
     <p:spTree>
@@ -5660,44 +5777,9 @@
           <a:chExt cx="0" cy="0"/>
         </a:xfrm>
       </p:grpSpPr>
-      <p:sp>
-        <p:nvSpPr>
-          <p:cNvPr id="2" name="タイトル 1"/>
-          <p:cNvSpPr>
-            <a:spLocks noGrp="1"/>
-          </p:cNvSpPr>
-          <p:nvPr>
-            <p:ph type="title"/>
-          </p:nvPr>
-        </p:nvSpPr>
-        <p:spPr>
-          <a:xfrm>
-            <a:off x="157717" y="152474"/>
-            <a:ext cx="10515600" cy="1325563"/>
-          </a:xfrm>
-        </p:spPr>
-        <p:txBody>
-          <a:bodyPr/>
-          <a:lstStyle/>
-          <a:p>
-            <a:r>
-              <a:rPr kumimoji="1" lang="ja-JP" altLang="en-US"/>
-              <a:t>サードパーティ</a:t>
-            </a:r>
-            <a:r>
-              <a:rPr kumimoji="1" lang="en-US" altLang="ja-JP"/>
-              <a:t> Cookie </a:t>
-            </a:r>
-            <a:r>
-              <a:rPr kumimoji="1" lang="ja-JP" altLang="en-US"/>
-              <a:t>のブロック</a:t>
-            </a:r>
-          </a:p>
-        </p:txBody>
-      </p:sp>
       <p:pic>
         <p:nvPicPr>
-          <p:cNvPr id="4" name="図 3"/>
+          <p:cNvPr id="16" name="図 15"/>
           <p:cNvPicPr>
             <a:picLocks noChangeAspect="1"/>
           </p:cNvPicPr>
@@ -5717,14 +5799,49 @@
         </p:blipFill>
         <p:spPr>
           <a:xfrm>
-            <a:off x="295559" y="1756777"/>
-            <a:ext cx="7885813" cy="4291913"/>
+            <a:off x="303488" y="1758120"/>
+            <a:ext cx="7868646" cy="4282570"/>
           </a:xfrm>
           <a:prstGeom prst="rect">
             <a:avLst/>
           </a:prstGeom>
         </p:spPr>
       </p:pic>
+      <p:sp>
+        <p:nvSpPr>
+          <p:cNvPr id="2" name="タイトル 1"/>
+          <p:cNvSpPr>
+            <a:spLocks noGrp="1"/>
+          </p:cNvSpPr>
+          <p:nvPr>
+            <p:ph type="title"/>
+          </p:nvPr>
+        </p:nvSpPr>
+        <p:spPr>
+          <a:xfrm>
+            <a:off x="157717" y="152474"/>
+            <a:ext cx="10515600" cy="1325563"/>
+          </a:xfrm>
+        </p:spPr>
+        <p:txBody>
+          <a:bodyPr/>
+          <a:lstStyle/>
+          <a:p>
+            <a:r>
+              <a:rPr kumimoji="1" lang="ja-JP" altLang="en-US"/>
+              <a:t>サードパーティ</a:t>
+            </a:r>
+            <a:r>
+              <a:rPr kumimoji="1" lang="en-US" altLang="ja-JP"/>
+              <a:t> Cookie </a:t>
+            </a:r>
+            <a:r>
+              <a:rPr kumimoji="1" lang="ja-JP" altLang="en-US"/>
+              <a:t>のブロック</a:t>
+            </a:r>
+          </a:p>
+        </p:txBody>
+      </p:sp>
       <p:pic>
         <p:nvPicPr>
           <p:cNvPr id="5" name="図 4"/>
@@ -6606,8 +6723,8 @@
 </p:sld>
 </file>
 
-<file path=ppt/slides/slide11.xml><?xml version="1.0" encoding="utf-8"?>
-<p:sld xmlns:a="http://schemas.openxmlformats.org/drawingml/2006/main" xmlns:r="http://schemas.openxmlformats.org/officeDocument/2006/relationships" xmlns:p="http://schemas.openxmlformats.org/presentationml/2006/main">
+<file path=ppt/slides/slide12.xml><?xml version="1.0" encoding="utf-8"?>
+<p:sld xmlns:a="http://schemas.openxmlformats.org/drawingml/2006/main" xmlns:r="http://schemas.openxmlformats.org/officeDocument/2006/relationships" xmlns:p="http://schemas.openxmlformats.org/presentationml/2006/main" show="0">
   <p:cSld>
     <p:spTree>
       <p:nvGrpSpPr>
@@ -6708,6 +6825,128 @@
   <p:clrMapOvr>
     <a:masterClrMapping/>
   </p:clrMapOvr>
+  <mc:AlternateContent xmlns:mc="http://schemas.openxmlformats.org/markup-compatibility/2006">
+    <mc:Choice xmlns:p14="http://schemas.microsoft.com/office/powerpoint/2010/main" Requires="p14">
+      <p:transition spd="slow" p14:dur="2000"/>
+    </mc:Choice>
+    <mc:Fallback>
+      <p:transition spd="slow"/>
+    </mc:Fallback>
+  </mc:AlternateContent>
+  <p:timing>
+    <p:tnLst>
+      <p:par>
+        <p:cTn id="1" dur="indefinite" restart="never" nodeType="tmRoot"/>
+      </p:par>
+    </p:tnLst>
+  </p:timing>
+</p:sld>
+</file>
+
+<file path=ppt/slides/slide13.xml><?xml version="1.0" encoding="utf-8"?>
+<p:sld xmlns:a="http://schemas.openxmlformats.org/drawingml/2006/main" xmlns:r="http://schemas.openxmlformats.org/officeDocument/2006/relationships" xmlns:p="http://schemas.openxmlformats.org/presentationml/2006/main">
+  <p:cSld>
+    <p:spTree>
+      <p:nvGrpSpPr>
+        <p:cNvPr id="1" name=""/>
+        <p:cNvGrpSpPr/>
+        <p:nvPr/>
+      </p:nvGrpSpPr>
+      <p:grpSpPr>
+        <a:xfrm>
+          <a:off x="0" y="0"/>
+          <a:ext cx="0" cy="0"/>
+          <a:chOff x="0" y="0"/>
+          <a:chExt cx="0" cy="0"/>
+        </a:xfrm>
+      </p:grpSpPr>
+      <p:sp>
+        <p:nvSpPr>
+          <p:cNvPr id="2" name="タイトル 1"/>
+          <p:cNvSpPr>
+            <a:spLocks noGrp="1"/>
+          </p:cNvSpPr>
+          <p:nvPr>
+            <p:ph type="title"/>
+          </p:nvPr>
+        </p:nvSpPr>
+        <p:spPr>
+          <a:xfrm>
+            <a:off x="157717" y="152474"/>
+            <a:ext cx="10515600" cy="1325563"/>
+          </a:xfrm>
+        </p:spPr>
+        <p:txBody>
+          <a:bodyPr/>
+          <a:lstStyle/>
+          <a:p>
+            <a:r>
+              <a:rPr kumimoji="1" lang="ja-JP" altLang="en-US"/>
+              <a:t>まとめ</a:t>
+            </a:r>
+          </a:p>
+        </p:txBody>
+      </p:sp>
+      <p:sp>
+        <p:nvSpPr>
+          <p:cNvPr id="3" name="コンテンツ プレースホルダー 2"/>
+          <p:cNvSpPr>
+            <a:spLocks noGrp="1"/>
+          </p:cNvSpPr>
+          <p:nvPr>
+            <p:ph idx="1"/>
+          </p:nvPr>
+        </p:nvSpPr>
+        <p:spPr/>
+        <p:txBody>
+          <a:bodyPr/>
+          <a:lstStyle/>
+          <a:p>
+            <a:r>
+              <a:rPr lang="en-US" altLang="ja-JP"/>
+              <a:t>IP </a:t>
+            </a:r>
+            <a:r>
+              <a:rPr lang="ja-JP" altLang="en-US"/>
+              <a:t>アドレスによる特定が困難な場合でも有効</a:t>
+            </a:r>
+            <a:endParaRPr lang="en-US" altLang="ja-JP"/>
+          </a:p>
+          <a:p>
+            <a:r>
+              <a:rPr lang="ja-JP" altLang="en-US"/>
+              <a:t>サードパーティ</a:t>
+            </a:r>
+            <a:r>
+              <a:rPr lang="en-US" altLang="ja-JP"/>
+              <a:t> Cookie </a:t>
+            </a:r>
+            <a:r>
+              <a:rPr lang="ja-JP" altLang="en-US"/>
+              <a:t>がブロックされると特定が困難</a:t>
+            </a:r>
+            <a:endParaRPr lang="en-US" altLang="ja-JP"/>
+          </a:p>
+        </p:txBody>
+      </p:sp>
+    </p:spTree>
+    <p:extLst>
+      <p:ext uri="{BB962C8B-B14F-4D97-AF65-F5344CB8AC3E}">
+        <p14:creationId xmlns:p14="http://schemas.microsoft.com/office/powerpoint/2010/main" val="1108704695"/>
+      </p:ext>
+    </p:extLst>
+  </p:cSld>
+  <p:clrMapOvr>
+    <a:masterClrMapping/>
+  </p:clrMapOvr>
+  <mc:AlternateContent xmlns:mc="http://schemas.openxmlformats.org/markup-compatibility/2006">
+    <mc:Choice xmlns:p14="http://schemas.microsoft.com/office/powerpoint/2010/main" Requires="p14">
+      <p:transition spd="slow" p14:dur="2000"/>
+    </mc:Choice>
+    <mc:Fallback>
+      <p:transition spd="slow"/>
+    </mc:Fallback>
+  </mc:AlternateContent>
   <p:timing>
     <p:tnLst>
       <p:par>
@@ -6817,7 +7056,7 @@
             </a:r>
             <a:r>
               <a:rPr kumimoji="1" lang="ja-JP" altLang="en-US"/>
-              <a:t>の評価と考察</a:t>
+              <a:t>の考察とまとめ</a:t>
             </a:r>
           </a:p>
         </p:txBody>
@@ -6941,7 +7180,7 @@
             </a:r>
             <a:r>
               <a:rPr lang="ja-JP" altLang="en-US"/>
-              <a:t>シェアボタンの設置率</a:t>
+              <a:t>シェアボタンの設置</a:t>
             </a:r>
             <a:endParaRPr lang="en-US" altLang="ja-JP"/>
           </a:p>
@@ -6960,7 +7199,7 @@
             </a:r>
             <a:r>
               <a:rPr lang="ja-JP" altLang="en-US"/>
-              <a:t>と</a:t>
+              <a:t>の</a:t>
             </a:r>
             <a:r>
               <a:rPr lang="en-US" altLang="ja-JP"/>
@@ -7732,6 +7971,60 @@
       </p:grpSpPr>
       <p:sp>
         <p:nvSpPr>
+          <p:cNvPr id="14" name="正方形/長方形 13"/>
+          <p:cNvSpPr/>
+          <p:nvPr/>
+        </p:nvSpPr>
+        <p:spPr>
+          <a:xfrm>
+            <a:off x="2184048" y="4666946"/>
+            <a:ext cx="2270999" cy="2074098"/>
+          </a:xfrm>
+          <a:prstGeom prst="rect">
+            <a:avLst/>
+          </a:prstGeom>
+          <a:solidFill>
+            <a:schemeClr val="bg1">
+              <a:lumMod val="95000"/>
+            </a:schemeClr>
+          </a:solidFill>
+          <a:ln w="57150">
+            <a:solidFill>
+              <a:srgbClr val="FF0000"/>
+            </a:solidFill>
+          </a:ln>
+        </p:spPr>
+        <p:style>
+          <a:lnRef idx="2">
+            <a:schemeClr val="accent1">
+              <a:shade val="50000"/>
+            </a:schemeClr>
+          </a:lnRef>
+          <a:fillRef idx="1">
+            <a:schemeClr val="accent1"/>
+          </a:fillRef>
+          <a:effectRef idx="0">
+            <a:schemeClr val="accent1"/>
+          </a:effectRef>
+          <a:fontRef idx="minor">
+            <a:schemeClr val="lt1"/>
+          </a:fontRef>
+        </p:style>
+        <p:txBody>
+          <a:bodyPr rtlCol="0" anchor="ctr"/>
+          <a:lstStyle/>
+          <a:p>
+            <a:pPr algn="ctr"/>
+            <a:endParaRPr kumimoji="1" lang="ja-JP" altLang="en-US">
+              <a:solidFill>
+                <a:srgbClr val="FF0000"/>
+              </a:solidFill>
+            </a:endParaRPr>
+          </a:p>
+        </p:txBody>
+      </p:sp>
+      <p:sp>
+        <p:nvSpPr>
           <p:cNvPr id="2" name="タイトル 1"/>
           <p:cNvSpPr>
             <a:spLocks noGrp="1"/>
@@ -7751,15 +8044,117 @@
           <a:lstStyle/>
           <a:p>
             <a:r>
-              <a:rPr kumimoji="1" lang="ja-JP" altLang="en-US"/>
+              <a:rPr lang="ja-JP" altLang="en-US"/>
               <a:t>提案手法</a:t>
             </a:r>
+            <a:endParaRPr kumimoji="1" lang="ja-JP" altLang="en-US"/>
+          </a:p>
+        </p:txBody>
+      </p:sp>
+      <p:sp>
+        <p:nvSpPr>
+          <p:cNvPr id="3" name="コンテンツ プレースホルダー 2"/>
+          <p:cNvSpPr>
+            <a:spLocks noGrp="1"/>
+          </p:cNvSpPr>
+          <p:nvPr>
+            <p:ph idx="1"/>
+          </p:nvPr>
+        </p:nvSpPr>
+        <p:spPr/>
+        <p:txBody>
+          <a:bodyPr/>
+          <a:lstStyle/>
+          <a:p>
+            <a:pPr marL="514350" indent="-514350">
+              <a:buFont typeface="+mj-lt"/>
+              <a:buAutoNum type="arabicPeriod"/>
+            </a:pPr>
+            <a:r>
+              <a:rPr kumimoji="1" lang="en-US" altLang="ja-JP"/>
+              <a:t>Web </a:t>
+            </a:r>
+            <a:r>
+              <a:rPr kumimoji="1" lang="ja-JP" altLang="en-US"/>
+              <a:t>サイト</a:t>
+            </a:r>
+            <a:r>
+              <a:rPr kumimoji="1" lang="en-US" altLang="ja-JP"/>
+              <a:t> A </a:t>
+            </a:r>
+            <a:r>
+              <a:rPr kumimoji="1" lang="ja-JP" altLang="en-US"/>
+              <a:t>に</a:t>
+            </a:r>
+            <a:r>
+              <a:rPr kumimoji="1" lang="en-US" altLang="ja-JP"/>
+              <a:t> SNS </a:t>
+            </a:r>
+            <a:r>
+              <a:rPr kumimoji="1" lang="ja-JP" altLang="en-US"/>
+              <a:t>のシェアボタンを設置</a:t>
+            </a:r>
+            <a:endParaRPr kumimoji="1" lang="en-US" altLang="ja-JP"/>
+          </a:p>
+          <a:p>
+            <a:pPr marL="514350" indent="-514350">
+              <a:buFont typeface="+mj-lt"/>
+              <a:buAutoNum type="arabicPeriod"/>
+            </a:pPr>
+            <a:r>
+              <a:rPr lang="en-US" altLang="ja-JP"/>
+              <a:t>SNS </a:t>
+            </a:r>
+            <a:r>
+              <a:rPr lang="ja-JP" altLang="en-US"/>
+              <a:t>のシェアボタンを読み込む際に送信される</a:t>
+            </a:r>
+            <a:r>
+              <a:rPr lang="en-US" altLang="ja-JP"/>
+              <a:t> Cookie </a:t>
+            </a:r>
+            <a:r>
+              <a:rPr lang="ja-JP" altLang="en-US"/>
+              <a:t>を解析</a:t>
+            </a:r>
+            <a:endParaRPr lang="en-US" altLang="ja-JP"/>
+          </a:p>
+          <a:p>
+            <a:pPr marL="514350" indent="-514350">
+              <a:buFont typeface="+mj-lt"/>
+              <a:buAutoNum type="arabicPeriod"/>
+            </a:pPr>
+            <a:r>
+              <a:rPr lang="en-US" altLang="ja-JP"/>
+              <a:t>Web </a:t>
+            </a:r>
+            <a:r>
+              <a:rPr lang="ja-JP" altLang="en-US"/>
+              <a:t>サイト</a:t>
+            </a:r>
+            <a:r>
+              <a:rPr lang="en-US" altLang="ja-JP"/>
+              <a:t> A </a:t>
+            </a:r>
+            <a:r>
+              <a:rPr lang="ja-JP" altLang="en-US"/>
+              <a:t>にアクセスしたユーザの</a:t>
+            </a:r>
+            <a:r>
+              <a:rPr lang="en-US" altLang="ja-JP"/>
+              <a:t> SNS </a:t>
+            </a:r>
+            <a:r>
+              <a:rPr lang="ja-JP" altLang="en-US"/>
+              <a:t>のアカウントを特定</a:t>
+            </a:r>
+            <a:endParaRPr kumimoji="1" lang="en-US" altLang="ja-JP"/>
           </a:p>
         </p:txBody>
       </p:sp>
       <p:pic>
         <p:nvPicPr>
-          <p:cNvPr id="4" name="図 3"/>
+          <p:cNvPr id="5" name="図 4"/>
           <p:cNvPicPr>
             <a:picLocks noChangeAspect="1"/>
           </p:cNvPicPr>
@@ -7779,14 +8174,741 @@
         </p:blipFill>
         <p:spPr>
           <a:xfrm>
-            <a:off x="418706" y="1424874"/>
-            <a:ext cx="8647321" cy="4706369"/>
+            <a:off x="3111527" y="5794748"/>
+            <a:ext cx="1187872" cy="357639"/>
           </a:xfrm>
           <a:prstGeom prst="rect">
             <a:avLst/>
           </a:prstGeom>
         </p:spPr>
       </p:pic>
+      <p:pic>
+        <p:nvPicPr>
+          <p:cNvPr id="6" name="図 5"/>
+          <p:cNvPicPr>
+            <a:picLocks noChangeAspect="1"/>
+          </p:cNvPicPr>
+          <p:nvPr/>
+        </p:nvPicPr>
+        <p:blipFill>
+          <a:blip r:embed="rId3">
+            <a:extLst>
+              <a:ext uri="{28A0092B-C50C-407E-A947-70E740481C1C}">
+                <a14:useLocalDpi xmlns:a14="http://schemas.microsoft.com/office/drawing/2010/main" val="0"/>
+              </a:ext>
+            </a:extLst>
+          </a:blip>
+          <a:stretch>
+            <a:fillRect/>
+          </a:stretch>
+        </p:blipFill>
+        <p:spPr>
+          <a:xfrm>
+            <a:off x="3115345" y="6222842"/>
+            <a:ext cx="1184054" cy="378177"/>
+          </a:xfrm>
+          <a:prstGeom prst="rect">
+            <a:avLst/>
+          </a:prstGeom>
+        </p:spPr>
+      </p:pic>
+      <p:pic>
+        <p:nvPicPr>
+          <p:cNvPr id="7" name="図 6"/>
+          <p:cNvPicPr>
+            <a:picLocks noChangeAspect="1"/>
+          </p:cNvPicPr>
+          <p:nvPr/>
+        </p:nvPicPr>
+        <p:blipFill>
+          <a:blip r:embed="rId4">
+            <a:extLst>
+              <a:ext uri="{28A0092B-C50C-407E-A947-70E740481C1C}">
+                <a14:useLocalDpi xmlns:a14="http://schemas.microsoft.com/office/drawing/2010/main" val="0"/>
+              </a:ext>
+            </a:extLst>
+          </a:blip>
+          <a:stretch>
+            <a:fillRect/>
+          </a:stretch>
+        </p:blipFill>
+        <p:spPr>
+          <a:xfrm>
+            <a:off x="9410025" y="5498549"/>
+            <a:ext cx="543245" cy="543245"/>
+          </a:xfrm>
+          <a:prstGeom prst="rect">
+            <a:avLst/>
+          </a:prstGeom>
+        </p:spPr>
+      </p:pic>
+      <p:pic>
+        <p:nvPicPr>
+          <p:cNvPr id="8" name="図 7"/>
+          <p:cNvPicPr>
+            <a:picLocks noChangeAspect="1"/>
+          </p:cNvPicPr>
+          <p:nvPr/>
+        </p:nvPicPr>
+        <p:blipFill>
+          <a:blip r:embed="rId5">
+            <a:extLst>
+              <a:ext uri="{28A0092B-C50C-407E-A947-70E740481C1C}">
+                <a14:useLocalDpi xmlns:a14="http://schemas.microsoft.com/office/drawing/2010/main" val="0"/>
+              </a:ext>
+            </a:extLst>
+          </a:blip>
+          <a:stretch>
+            <a:fillRect/>
+          </a:stretch>
+        </p:blipFill>
+        <p:spPr>
+          <a:xfrm>
+            <a:off x="8664952" y="5006623"/>
+            <a:ext cx="807097" cy="807097"/>
+          </a:xfrm>
+          <a:prstGeom prst="rect">
+            <a:avLst/>
+          </a:prstGeom>
+        </p:spPr>
+      </p:pic>
+      <p:pic>
+        <p:nvPicPr>
+          <p:cNvPr id="9" name="図 8"/>
+          <p:cNvPicPr>
+            <a:picLocks noChangeAspect="1"/>
+          </p:cNvPicPr>
+          <p:nvPr/>
+        </p:nvPicPr>
+        <p:blipFill>
+          <a:blip r:embed="rId6">
+            <a:extLst>
+              <a:ext uri="{28A0092B-C50C-407E-A947-70E740481C1C}">
+                <a14:useLocalDpi xmlns:a14="http://schemas.microsoft.com/office/drawing/2010/main" val="0"/>
+              </a:ext>
+            </a:extLst>
+          </a:blip>
+          <a:stretch>
+            <a:fillRect/>
+          </a:stretch>
+        </p:blipFill>
+        <p:spPr>
+          <a:xfrm>
+            <a:off x="4988565" y="4669786"/>
+            <a:ext cx="752103" cy="752103"/>
+          </a:xfrm>
+          <a:prstGeom prst="rect">
+            <a:avLst/>
+          </a:prstGeom>
+          <a:noFill/>
+          <a:ln w="57150">
+            <a:noFill/>
+          </a:ln>
+        </p:spPr>
+      </p:pic>
+      <p:pic>
+        <p:nvPicPr>
+          <p:cNvPr id="10" name="図 9"/>
+          <p:cNvPicPr>
+            <a:picLocks noChangeAspect="1"/>
+          </p:cNvPicPr>
+          <p:nvPr/>
+        </p:nvPicPr>
+        <p:blipFill>
+          <a:blip r:embed="rId6">
+            <a:extLst>
+              <a:ext uri="{28A0092B-C50C-407E-A947-70E740481C1C}">
+                <a14:useLocalDpi xmlns:a14="http://schemas.microsoft.com/office/drawing/2010/main" val="0"/>
+              </a:ext>
+            </a:extLst>
+          </a:blip>
+          <a:stretch>
+            <a:fillRect/>
+          </a:stretch>
+        </p:blipFill>
+        <p:spPr>
+          <a:xfrm>
+            <a:off x="4999197" y="5981600"/>
+            <a:ext cx="752103" cy="752103"/>
+          </a:xfrm>
+          <a:prstGeom prst="rect">
+            <a:avLst/>
+          </a:prstGeom>
+          <a:noFill/>
+          <a:ln w="57150">
+            <a:noFill/>
+          </a:ln>
+        </p:spPr>
+      </p:pic>
+      <p:sp>
+        <p:nvSpPr>
+          <p:cNvPr id="11" name="正方形/長方形 10"/>
+          <p:cNvSpPr/>
+          <p:nvPr/>
+        </p:nvSpPr>
+        <p:spPr>
+          <a:xfrm>
+            <a:off x="4920276" y="4660556"/>
+            <a:ext cx="888680" cy="770561"/>
+          </a:xfrm>
+          <a:prstGeom prst="rect">
+            <a:avLst/>
+          </a:prstGeom>
+          <a:noFill/>
+          <a:ln w="57150">
+            <a:solidFill>
+              <a:srgbClr val="FF0000"/>
+            </a:solidFill>
+          </a:ln>
+        </p:spPr>
+        <p:style>
+          <a:lnRef idx="2">
+            <a:schemeClr val="accent1">
+              <a:shade val="50000"/>
+            </a:schemeClr>
+          </a:lnRef>
+          <a:fillRef idx="1">
+            <a:schemeClr val="accent1"/>
+          </a:fillRef>
+          <a:effectRef idx="0">
+            <a:schemeClr val="accent1"/>
+          </a:effectRef>
+          <a:fontRef idx="minor">
+            <a:schemeClr val="lt1"/>
+          </a:fontRef>
+        </p:style>
+        <p:txBody>
+          <a:bodyPr rtlCol="0" anchor="ctr"/>
+          <a:lstStyle/>
+          <a:p>
+            <a:pPr algn="ctr"/>
+            <a:endParaRPr kumimoji="1" lang="ja-JP" altLang="en-US">
+              <a:solidFill>
+                <a:srgbClr val="FF0000"/>
+              </a:solidFill>
+            </a:endParaRPr>
+          </a:p>
+        </p:txBody>
+      </p:sp>
+      <p:sp>
+        <p:nvSpPr>
+          <p:cNvPr id="12" name="正方形/長方形 11"/>
+          <p:cNvSpPr/>
+          <p:nvPr/>
+        </p:nvSpPr>
+        <p:spPr>
+          <a:xfrm>
+            <a:off x="4930908" y="5972372"/>
+            <a:ext cx="888680" cy="770561"/>
+          </a:xfrm>
+          <a:prstGeom prst="rect">
+            <a:avLst/>
+          </a:prstGeom>
+          <a:noFill/>
+          <a:ln w="57150">
+            <a:solidFill>
+              <a:srgbClr val="0070C0"/>
+            </a:solidFill>
+          </a:ln>
+        </p:spPr>
+        <p:style>
+          <a:lnRef idx="2">
+            <a:schemeClr val="accent1">
+              <a:shade val="50000"/>
+            </a:schemeClr>
+          </a:lnRef>
+          <a:fillRef idx="1">
+            <a:schemeClr val="accent1"/>
+          </a:fillRef>
+          <a:effectRef idx="0">
+            <a:schemeClr val="accent1"/>
+          </a:effectRef>
+          <a:fontRef idx="minor">
+            <a:schemeClr val="lt1"/>
+          </a:fontRef>
+        </p:style>
+        <p:txBody>
+          <a:bodyPr rtlCol="0" anchor="ctr"/>
+          <a:lstStyle/>
+          <a:p>
+            <a:pPr algn="ctr"/>
+            <a:endParaRPr kumimoji="1" lang="ja-JP" altLang="en-US">
+              <a:solidFill>
+                <a:srgbClr val="FF0000"/>
+              </a:solidFill>
+            </a:endParaRPr>
+          </a:p>
+        </p:txBody>
+      </p:sp>
+      <p:sp>
+        <p:nvSpPr>
+          <p:cNvPr id="13" name="正方形/長方形 12"/>
+          <p:cNvSpPr/>
+          <p:nvPr/>
+        </p:nvSpPr>
+        <p:spPr>
+          <a:xfrm>
+            <a:off x="3025591" y="5727704"/>
+            <a:ext cx="1323945" cy="925714"/>
+          </a:xfrm>
+          <a:prstGeom prst="rect">
+            <a:avLst/>
+          </a:prstGeom>
+          <a:noFill/>
+          <a:ln w="57150">
+            <a:solidFill>
+              <a:srgbClr val="0070C0"/>
+            </a:solidFill>
+          </a:ln>
+        </p:spPr>
+        <p:style>
+          <a:lnRef idx="2">
+            <a:schemeClr val="accent1">
+              <a:shade val="50000"/>
+            </a:schemeClr>
+          </a:lnRef>
+          <a:fillRef idx="1">
+            <a:schemeClr val="accent1"/>
+          </a:fillRef>
+          <a:effectRef idx="0">
+            <a:schemeClr val="accent1"/>
+          </a:effectRef>
+          <a:fontRef idx="minor">
+            <a:schemeClr val="lt1"/>
+          </a:fontRef>
+        </p:style>
+        <p:txBody>
+          <a:bodyPr rtlCol="0" anchor="ctr"/>
+          <a:lstStyle/>
+          <a:p>
+            <a:pPr algn="ctr"/>
+            <a:endParaRPr kumimoji="1" lang="ja-JP" altLang="en-US">
+              <a:solidFill>
+                <a:srgbClr val="FF0000"/>
+              </a:solidFill>
+            </a:endParaRPr>
+          </a:p>
+        </p:txBody>
+      </p:sp>
+      <p:sp>
+        <p:nvSpPr>
+          <p:cNvPr id="15" name="テキスト ボックス 14"/>
+          <p:cNvSpPr txBox="1"/>
+          <p:nvPr/>
+        </p:nvSpPr>
+        <p:spPr>
+          <a:xfrm>
+            <a:off x="2072186" y="4318084"/>
+            <a:ext cx="1656223" cy="369332"/>
+          </a:xfrm>
+          <a:prstGeom prst="rect">
+            <a:avLst/>
+          </a:prstGeom>
+          <a:noFill/>
+        </p:spPr>
+        <p:txBody>
+          <a:bodyPr wrap="none" rtlCol="0">
+            <a:spAutoFit/>
+          </a:bodyPr>
+          <a:lstStyle/>
+          <a:p>
+            <a:r>
+              <a:rPr kumimoji="1" lang="en-US" altLang="ja-JP" b="1"/>
+              <a:t>Web </a:t>
+            </a:r>
+            <a:r>
+              <a:rPr kumimoji="1" lang="ja-JP" altLang="en-US" b="1"/>
+              <a:t>サイト</a:t>
+            </a:r>
+            <a:r>
+              <a:rPr kumimoji="1" lang="en-US" altLang="ja-JP" b="1"/>
+              <a:t> A</a:t>
+            </a:r>
+            <a:endParaRPr kumimoji="1" lang="ja-JP" altLang="en-US" b="1"/>
+          </a:p>
+        </p:txBody>
+      </p:sp>
+      <p:sp>
+        <p:nvSpPr>
+          <p:cNvPr id="16" name="テキスト ボックス 15"/>
+          <p:cNvSpPr txBox="1"/>
+          <p:nvPr/>
+        </p:nvSpPr>
+        <p:spPr>
+          <a:xfrm>
+            <a:off x="2919531" y="5400840"/>
+            <a:ext cx="1569660" cy="369332"/>
+          </a:xfrm>
+          <a:prstGeom prst="rect">
+            <a:avLst/>
+          </a:prstGeom>
+          <a:noFill/>
+        </p:spPr>
+        <p:txBody>
+          <a:bodyPr wrap="none" rtlCol="0">
+            <a:spAutoFit/>
+          </a:bodyPr>
+          <a:lstStyle/>
+          <a:p>
+            <a:r>
+              <a:rPr kumimoji="1" lang="ja-JP" altLang="en-US" b="1"/>
+              <a:t>シェアボタン</a:t>
+            </a:r>
+          </a:p>
+        </p:txBody>
+      </p:sp>
+      <p:sp>
+        <p:nvSpPr>
+          <p:cNvPr id="17" name="テキスト ボックス 16"/>
+          <p:cNvSpPr txBox="1"/>
+          <p:nvPr/>
+        </p:nvSpPr>
+        <p:spPr>
+          <a:xfrm>
+            <a:off x="4395735" y="4354554"/>
+            <a:ext cx="2098651" cy="307777"/>
+          </a:xfrm>
+          <a:prstGeom prst="rect">
+            <a:avLst/>
+          </a:prstGeom>
+          <a:noFill/>
+        </p:spPr>
+        <p:txBody>
+          <a:bodyPr wrap="none" rtlCol="0">
+            <a:spAutoFit/>
+          </a:bodyPr>
+          <a:lstStyle/>
+          <a:p>
+            <a:r>
+              <a:rPr kumimoji="1" lang="en-US" altLang="ja-JP" sz="1400" b="1"/>
+              <a:t>Web </a:t>
+            </a:r>
+            <a:r>
+              <a:rPr kumimoji="1" lang="ja-JP" altLang="en-US" sz="1400" b="1"/>
+              <a:t>サイト</a:t>
+            </a:r>
+            <a:r>
+              <a:rPr kumimoji="1" lang="en-US" altLang="ja-JP" sz="1400" b="1"/>
+              <a:t> A </a:t>
+            </a:r>
+            <a:r>
+              <a:rPr kumimoji="1" lang="ja-JP" altLang="en-US" sz="1400" b="1"/>
+              <a:t>のサーバ</a:t>
+            </a:r>
+          </a:p>
+        </p:txBody>
+      </p:sp>
+      <p:sp>
+        <p:nvSpPr>
+          <p:cNvPr id="18" name="テキスト ボックス 17"/>
+          <p:cNvSpPr txBox="1"/>
+          <p:nvPr/>
+        </p:nvSpPr>
+        <p:spPr>
+          <a:xfrm>
+            <a:off x="4455047" y="5673823"/>
+            <a:ext cx="1980029" cy="307777"/>
+          </a:xfrm>
+          <a:prstGeom prst="rect">
+            <a:avLst/>
+          </a:prstGeom>
+          <a:noFill/>
+        </p:spPr>
+        <p:txBody>
+          <a:bodyPr wrap="none" rtlCol="0">
+            <a:spAutoFit/>
+          </a:bodyPr>
+          <a:lstStyle/>
+          <a:p>
+            <a:r>
+              <a:rPr kumimoji="1" lang="ja-JP" altLang="en-US" sz="1400" b="1"/>
+              <a:t>シェアボタンのサーバ</a:t>
+            </a:r>
+          </a:p>
+        </p:txBody>
+      </p:sp>
+      <p:cxnSp>
+        <p:nvCxnSpPr>
+          <p:cNvPr id="19" name="直線矢印コネクタ 18"/>
+          <p:cNvCxnSpPr/>
+          <p:nvPr/>
+        </p:nvCxnSpPr>
+        <p:spPr>
+          <a:xfrm flipH="1">
+            <a:off x="5887878" y="5557796"/>
+            <a:ext cx="2777074" cy="767633"/>
+          </a:xfrm>
+          <a:prstGeom prst="straightConnector1">
+            <a:avLst/>
+          </a:prstGeom>
+          <a:ln w="57150">
+            <a:solidFill>
+              <a:srgbClr val="0070C0"/>
+            </a:solidFill>
+            <a:tailEnd type="triangle"/>
+          </a:ln>
+        </p:spPr>
+        <p:style>
+          <a:lnRef idx="1">
+            <a:schemeClr val="accent1"/>
+          </a:lnRef>
+          <a:fillRef idx="0">
+            <a:schemeClr val="accent1"/>
+          </a:fillRef>
+          <a:effectRef idx="0">
+            <a:schemeClr val="accent1"/>
+          </a:effectRef>
+          <a:fontRef idx="minor">
+            <a:schemeClr val="tx1"/>
+          </a:fontRef>
+        </p:style>
+      </p:cxnSp>
+      <p:cxnSp>
+        <p:nvCxnSpPr>
+          <p:cNvPr id="22" name="直線矢印コネクタ 21"/>
+          <p:cNvCxnSpPr>
+            <a:stCxn id="8" idx="1"/>
+          </p:cNvCxnSpPr>
+          <p:nvPr/>
+        </p:nvCxnSpPr>
+        <p:spPr>
+          <a:xfrm flipH="1" flipV="1">
+            <a:off x="5887879" y="5052050"/>
+            <a:ext cx="2777073" cy="358122"/>
+          </a:xfrm>
+          <a:prstGeom prst="straightConnector1">
+            <a:avLst/>
+          </a:prstGeom>
+          <a:ln w="57150">
+            <a:solidFill>
+              <a:srgbClr val="FF0000"/>
+            </a:solidFill>
+            <a:tailEnd type="triangle"/>
+          </a:ln>
+        </p:spPr>
+        <p:style>
+          <a:lnRef idx="1">
+            <a:schemeClr val="accent1"/>
+          </a:lnRef>
+          <a:fillRef idx="0">
+            <a:schemeClr val="accent1"/>
+          </a:fillRef>
+          <a:effectRef idx="0">
+            <a:schemeClr val="accent1"/>
+          </a:effectRef>
+          <a:fontRef idx="minor">
+            <a:schemeClr val="tx1"/>
+          </a:fontRef>
+        </p:style>
+      </p:cxnSp>
+      <p:sp>
+        <p:nvSpPr>
+          <p:cNvPr id="24" name="テキスト ボックス 23"/>
+          <p:cNvSpPr txBox="1"/>
+          <p:nvPr/>
+        </p:nvSpPr>
+        <p:spPr>
+          <a:xfrm>
+            <a:off x="6494386" y="6080556"/>
+            <a:ext cx="1800493" cy="646331"/>
+          </a:xfrm>
+          <a:prstGeom prst="rect">
+            <a:avLst/>
+          </a:prstGeom>
+          <a:noFill/>
+        </p:spPr>
+        <p:txBody>
+          <a:bodyPr wrap="none" rtlCol="0">
+            <a:spAutoFit/>
+          </a:bodyPr>
+          <a:lstStyle/>
+          <a:p>
+            <a:r>
+              <a:rPr kumimoji="1" lang="ja-JP" altLang="en-US" b="1">
+                <a:solidFill>
+                  <a:srgbClr val="1971C0"/>
+                </a:solidFill>
+              </a:rPr>
+              <a:t>ログイン済みの</a:t>
+            </a:r>
+            <a:endParaRPr lang="en-US" altLang="ja-JP" b="1">
+              <a:solidFill>
+                <a:srgbClr val="1971C0"/>
+              </a:solidFill>
+            </a:endParaRPr>
+          </a:p>
+          <a:p>
+            <a:r>
+              <a:rPr kumimoji="1" lang="en-US" altLang="ja-JP" b="1">
+                <a:solidFill>
+                  <a:srgbClr val="1971C0"/>
+                </a:solidFill>
+              </a:rPr>
+              <a:t>Cookie</a:t>
+            </a:r>
+            <a:endParaRPr kumimoji="1" lang="ja-JP" altLang="en-US" b="1">
+              <a:solidFill>
+                <a:srgbClr val="1971C0"/>
+              </a:solidFill>
+            </a:endParaRPr>
+          </a:p>
+        </p:txBody>
+      </p:sp>
+      <p:sp>
+        <p:nvSpPr>
+          <p:cNvPr id="25" name="テキスト ボックス 24"/>
+          <p:cNvSpPr txBox="1"/>
+          <p:nvPr/>
+        </p:nvSpPr>
+        <p:spPr>
+          <a:xfrm>
+            <a:off x="8733242" y="6041794"/>
+            <a:ext cx="1888659" cy="646331"/>
+          </a:xfrm>
+          <a:prstGeom prst="rect">
+            <a:avLst/>
+          </a:prstGeom>
+          <a:noFill/>
+        </p:spPr>
+        <p:txBody>
+          <a:bodyPr wrap="none" rtlCol="0">
+            <a:spAutoFit/>
+          </a:bodyPr>
+          <a:lstStyle/>
+          <a:p>
+            <a:r>
+              <a:rPr kumimoji="1" lang="en-US" altLang="ja-JP" b="1">
+                <a:solidFill>
+                  <a:srgbClr val="4B4B4B"/>
+                </a:solidFill>
+              </a:rPr>
+              <a:t>SNS </a:t>
+            </a:r>
+            <a:r>
+              <a:rPr kumimoji="1" lang="ja-JP" altLang="en-US" b="1">
+                <a:solidFill>
+                  <a:srgbClr val="4B4B4B"/>
+                </a:solidFill>
+              </a:rPr>
+              <a:t>にログイン</a:t>
+            </a:r>
+            <a:endParaRPr kumimoji="1" lang="en-US" altLang="ja-JP" b="1">
+              <a:solidFill>
+                <a:srgbClr val="4B4B4B"/>
+              </a:solidFill>
+            </a:endParaRPr>
+          </a:p>
+          <a:p>
+            <a:r>
+              <a:rPr kumimoji="1" lang="ja-JP" altLang="en-US" b="1">
+                <a:solidFill>
+                  <a:srgbClr val="4B4B4B"/>
+                </a:solidFill>
+              </a:rPr>
+              <a:t>済みのユーザ</a:t>
+            </a:r>
+          </a:p>
+        </p:txBody>
+      </p:sp>
+    </p:spTree>
+    <p:extLst>
+      <p:ext uri="{BB962C8B-B14F-4D97-AF65-F5344CB8AC3E}">
+        <p14:creationId xmlns:p14="http://schemas.microsoft.com/office/powerpoint/2010/main" val="130311244"/>
+      </p:ext>
+    </p:extLst>
+  </p:cSld>
+  <p:clrMapOvr>
+    <a:masterClrMapping/>
+  </p:clrMapOvr>
+  <p:timing>
+    <p:tnLst>
+      <p:par>
+        <p:cTn id="1" dur="indefinite" restart="never" nodeType="tmRoot"/>
+      </p:par>
+    </p:tnLst>
+  </p:timing>
+</p:sld>
+</file>
+
+<file path=ppt/slides/slide6.xml><?xml version="1.0" encoding="utf-8"?>
+<p:sld xmlns:a="http://schemas.openxmlformats.org/drawingml/2006/main" xmlns:r="http://schemas.openxmlformats.org/officeDocument/2006/relationships" xmlns:p="http://schemas.openxmlformats.org/presentationml/2006/main" show="0">
+  <p:cSld>
+    <p:spTree>
+      <p:nvGrpSpPr>
+        <p:cNvPr id="1" name=""/>
+        <p:cNvGrpSpPr/>
+        <p:nvPr/>
+      </p:nvGrpSpPr>
+      <p:grpSpPr>
+        <a:xfrm>
+          <a:off x="0" y="0"/>
+          <a:ext cx="0" cy="0"/>
+          <a:chOff x="0" y="0"/>
+          <a:chExt cx="0" cy="0"/>
+        </a:xfrm>
+      </p:grpSpPr>
+      <p:pic>
+        <p:nvPicPr>
+          <p:cNvPr id="3" name="図 2"/>
+          <p:cNvPicPr>
+            <a:picLocks noChangeAspect="1"/>
+          </p:cNvPicPr>
+          <p:nvPr/>
+        </p:nvPicPr>
+        <p:blipFill>
+          <a:blip r:embed="rId2">
+            <a:extLst>
+              <a:ext uri="{28A0092B-C50C-407E-A947-70E740481C1C}">
+                <a14:useLocalDpi xmlns:a14="http://schemas.microsoft.com/office/drawing/2010/main" val="0"/>
+              </a:ext>
+            </a:extLst>
+          </a:blip>
+          <a:stretch>
+            <a:fillRect/>
+          </a:stretch>
+        </p:blipFill>
+        <p:spPr>
+          <a:xfrm>
+            <a:off x="416612" y="1423734"/>
+            <a:ext cx="8651506" cy="4708647"/>
+          </a:xfrm>
+          <a:prstGeom prst="rect">
+            <a:avLst/>
+          </a:prstGeom>
+        </p:spPr>
+      </p:pic>
+      <p:sp>
+        <p:nvSpPr>
+          <p:cNvPr id="2" name="タイトル 1"/>
+          <p:cNvSpPr>
+            <a:spLocks noGrp="1"/>
+          </p:cNvSpPr>
+          <p:nvPr>
+            <p:ph type="title"/>
+          </p:nvPr>
+        </p:nvSpPr>
+        <p:spPr>
+          <a:xfrm>
+            <a:off x="158400" y="151200"/>
+            <a:ext cx="10515600" cy="1325563"/>
+          </a:xfrm>
+        </p:spPr>
+        <p:txBody>
+          <a:bodyPr/>
+          <a:lstStyle/>
+          <a:p>
+            <a:r>
+              <a:rPr kumimoji="1" lang="ja-JP" altLang="en-US"/>
+              <a:t>提案手法</a:t>
+            </a:r>
+            <a:r>
+              <a:rPr kumimoji="1" lang="en-US" altLang="ja-JP"/>
+              <a:t> (2/2)</a:t>
+            </a:r>
+            <a:endParaRPr kumimoji="1" lang="ja-JP" altLang="en-US"/>
+          </a:p>
+        </p:txBody>
+      </p:sp>
       <p:pic>
         <p:nvPicPr>
           <p:cNvPr id="5" name="図 4"/>
@@ -7935,8 +9057,8 @@
         </p:nvSpPr>
         <p:spPr>
           <a:xfrm>
-            <a:off x="7457436" y="4637815"/>
-            <a:ext cx="1060548" cy="931773"/>
+            <a:off x="7457436" y="4637816"/>
+            <a:ext cx="1060548" cy="824512"/>
           </a:xfrm>
           <a:prstGeom prst="rect">
             <a:avLst/>
@@ -8015,8 +9137,8 @@
         </p:nvSpPr>
         <p:spPr>
           <a:xfrm>
-            <a:off x="7063861" y="2970961"/>
-            <a:ext cx="1060548" cy="931773"/>
+            <a:off x="7063861" y="2970962"/>
+            <a:ext cx="1060548" cy="843396"/>
           </a:xfrm>
           <a:prstGeom prst="rect">
             <a:avLst/>
@@ -8288,6 +9410,76 @@
           </a:p>
         </p:txBody>
       </p:sp>
+      <p:sp>
+        <p:nvSpPr>
+          <p:cNvPr id="17" name="テキスト ボックス 16"/>
+          <p:cNvSpPr txBox="1"/>
+          <p:nvPr/>
+        </p:nvSpPr>
+        <p:spPr>
+          <a:xfrm>
+            <a:off x="7296946" y="3814356"/>
+            <a:ext cx="603050" cy="369332"/>
+          </a:xfrm>
+          <a:prstGeom prst="rect">
+            <a:avLst/>
+          </a:prstGeom>
+          <a:noFill/>
+        </p:spPr>
+        <p:txBody>
+          <a:bodyPr wrap="none" rtlCol="0">
+            <a:spAutoFit/>
+          </a:bodyPr>
+          <a:lstStyle/>
+          <a:p>
+            <a:r>
+              <a:rPr kumimoji="1" lang="en-US" altLang="ja-JP" b="1">
+                <a:latin typeface="Menlo" charset="0"/>
+                <a:ea typeface="Menlo" charset="0"/>
+                <a:cs typeface="Menlo" charset="0"/>
+              </a:rPr>
+              <a:t>SNS</a:t>
+            </a:r>
+            <a:endParaRPr kumimoji="1" lang="ja-JP" altLang="en-US" b="1">
+              <a:latin typeface="Menlo" charset="0"/>
+              <a:ea typeface="Menlo" charset="0"/>
+              <a:cs typeface="Menlo" charset="0"/>
+            </a:endParaRPr>
+          </a:p>
+        </p:txBody>
+      </p:sp>
+      <p:sp>
+        <p:nvSpPr>
+          <p:cNvPr id="19" name="テキスト ボックス 18"/>
+          <p:cNvSpPr txBox="1"/>
+          <p:nvPr/>
+        </p:nvSpPr>
+        <p:spPr>
+          <a:xfrm>
+            <a:off x="7549128" y="5462327"/>
+            <a:ext cx="877163" cy="369332"/>
+          </a:xfrm>
+          <a:prstGeom prst="rect">
+            <a:avLst/>
+          </a:prstGeom>
+          <a:noFill/>
+        </p:spPr>
+        <p:txBody>
+          <a:bodyPr wrap="none" rtlCol="0">
+            <a:spAutoFit/>
+          </a:bodyPr>
+          <a:lstStyle/>
+          <a:p>
+            <a:r>
+              <a:rPr kumimoji="1" lang="ja-JP" altLang="en-US" b="1">
+                <a:latin typeface="+mn-ea"/>
+                <a:cs typeface="Menlo" charset="0"/>
+              </a:rPr>
+              <a:t>掲示板</a:t>
+            </a:r>
+          </a:p>
+        </p:txBody>
+      </p:sp>
     </p:spTree>
     <p:extLst>
       <p:ext uri="{BB962C8B-B14F-4D97-AF65-F5344CB8AC3E}">
@@ -8298,6 +9490,14 @@
   <p:clrMapOvr>
     <a:masterClrMapping/>
   </p:clrMapOvr>
+  <mc:AlternateContent xmlns:mc="http://schemas.openxmlformats.org/markup-compatibility/2006">
+    <mc:Choice xmlns:p14="http://schemas.microsoft.com/office/powerpoint/2010/main" Requires="p14">
+      <p:transition spd="slow" p14:dur="2000"/>
+    </mc:Choice>
+    <mc:Fallback>
+      <p:transition spd="slow"/>
+    </mc:Fallback>
+  </mc:AlternateContent>
   <p:timing>
     <p:tnLst>
       <p:par>
@@ -8308,7 +9508,7 @@
 </p:sld>
 </file>
 
-<file path=ppt/slides/slide6.xml><?xml version="1.0" encoding="utf-8"?>
+<file path=ppt/slides/slide7.xml><?xml version="1.0" encoding="utf-8"?>
 <p:sld xmlns:a="http://schemas.openxmlformats.org/drawingml/2006/main" xmlns:r="http://schemas.openxmlformats.org/officeDocument/2006/relationships" xmlns:p="http://schemas.openxmlformats.org/presentationml/2006/main">
   <p:cSld>
     <p:spTree>
@@ -8514,7 +9714,7 @@
 </p:sld>
 </file>
 
-<file path=ppt/slides/slide7.xml><?xml version="1.0" encoding="utf-8"?>
+<file path=ppt/slides/slide8.xml><?xml version="1.0" encoding="utf-8"?>
 <p:sld xmlns:a="http://schemas.openxmlformats.org/drawingml/2006/main" xmlns:r="http://schemas.openxmlformats.org/officeDocument/2006/relationships" xmlns:p="http://schemas.openxmlformats.org/presentationml/2006/main">
   <p:cSld>
     <p:spTree>
@@ -10288,178 +11488,6 @@
 </p:sld>
 </file>
 
-<file path=ppt/slides/slide8.xml><?xml version="1.0" encoding="utf-8"?>
-<p:sld xmlns:a="http://schemas.openxmlformats.org/drawingml/2006/main" xmlns:r="http://schemas.openxmlformats.org/officeDocument/2006/relationships" xmlns:p="http://schemas.openxmlformats.org/presentationml/2006/main">
-  <p:cSld>
-    <p:spTree>
-      <p:nvGrpSpPr>
-        <p:cNvPr id="1" name=""/>
-        <p:cNvGrpSpPr/>
-        <p:nvPr/>
-      </p:nvGrpSpPr>
-      <p:grpSpPr>
-        <a:xfrm>
-          <a:off x="0" y="0"/>
-          <a:ext cx="0" cy="0"/>
-          <a:chOff x="0" y="0"/>
-          <a:chExt cx="0" cy="0"/>
-        </a:xfrm>
-      </p:grpSpPr>
-      <p:sp>
-        <p:nvSpPr>
-          <p:cNvPr id="2" name="タイトル 1"/>
-          <p:cNvSpPr>
-            <a:spLocks noGrp="1"/>
-          </p:cNvSpPr>
-          <p:nvPr>
-            <p:ph type="title"/>
-          </p:nvPr>
-        </p:nvSpPr>
-        <p:spPr>
-          <a:xfrm>
-            <a:off x="157717" y="152474"/>
-            <a:ext cx="10515600" cy="1325563"/>
-          </a:xfrm>
-        </p:spPr>
-        <p:txBody>
-          <a:bodyPr/>
-          <a:lstStyle/>
-          <a:p>
-            <a:r>
-              <a:rPr kumimoji="1" lang="ja-JP" altLang="en-US"/>
-              <a:t>実験結果</a:t>
-            </a:r>
-          </a:p>
-        </p:txBody>
-      </p:sp>
-      <p:sp>
-        <p:nvSpPr>
-          <p:cNvPr id="3" name="コンテンツ プレースホルダー 2"/>
-          <p:cNvSpPr>
-            <a:spLocks noGrp="1"/>
-          </p:cNvSpPr>
-          <p:nvPr>
-            <p:ph idx="1"/>
-          </p:nvPr>
-        </p:nvSpPr>
-        <p:spPr/>
-        <p:txBody>
-          <a:bodyPr/>
-          <a:lstStyle/>
-          <a:p>
-            <a:pPr>
-              <a:lnSpc>
-                <a:spcPct val="100000"/>
-              </a:lnSpc>
-            </a:pPr>
-            <a:r>
-              <a:rPr kumimoji="1" lang="en-US" altLang="ja-JP"/>
-              <a:t>15</a:t>
-            </a:r>
-            <a:r>
-              <a:rPr kumimoji="1" lang="ja-JP" altLang="en-US"/>
-              <a:t> 名中、</a:t>
-            </a:r>
-            <a:r>
-              <a:rPr kumimoji="1" lang="en-US" altLang="ja-JP"/>
-              <a:t>13 </a:t>
-            </a:r>
-            <a:r>
-              <a:rPr kumimoji="1" lang="ja-JP" altLang="en-US"/>
-              <a:t>名</a:t>
-            </a:r>
-            <a:r>
-              <a:rPr kumimoji="1" lang="en-US" altLang="ja-JP"/>
-              <a:t> (32 </a:t>
-            </a:r>
-            <a:r>
-              <a:rPr kumimoji="1" lang="ja-JP" altLang="en-US"/>
-              <a:t>件中、</a:t>
-            </a:r>
-            <a:r>
-              <a:rPr kumimoji="1" lang="en-US" altLang="ja-JP"/>
-              <a:t>26 </a:t>
-            </a:r>
-            <a:r>
-              <a:rPr kumimoji="1" lang="ja-JP" altLang="en-US"/>
-              <a:t>件の投稿</a:t>
-            </a:r>
-            <a:r>
-              <a:rPr kumimoji="1" lang="en-US" altLang="ja-JP"/>
-              <a:t>) </a:t>
-            </a:r>
-            <a:r>
-              <a:rPr kumimoji="1" lang="ja-JP" altLang="en-US"/>
-              <a:t>を特定</a:t>
-            </a:r>
-            <a:endParaRPr kumimoji="1" lang="en-US" altLang="ja-JP"/>
-          </a:p>
-          <a:p>
-            <a:pPr lvl="1">
-              <a:lnSpc>
-                <a:spcPct val="100000"/>
-              </a:lnSpc>
-            </a:pPr>
-            <a:r>
-              <a:rPr lang="ja-JP" altLang="en-US"/>
-              <a:t>残り</a:t>
-            </a:r>
-            <a:r>
-              <a:rPr lang="en-US" altLang="ja-JP"/>
-              <a:t> 2 </a:t>
-            </a:r>
-            <a:r>
-              <a:rPr lang="ja-JP" altLang="en-US"/>
-              <a:t>名は</a:t>
-            </a:r>
-            <a:r>
-              <a:rPr lang="en-US" altLang="ja-JP"/>
-              <a:t> Cookie </a:t>
-            </a:r>
-            <a:r>
-              <a:rPr lang="ja-JP" altLang="en-US"/>
-              <a:t>が送信されなかったため特定不可</a:t>
-            </a:r>
-            <a:endParaRPr kumimoji="1" lang="en-US" altLang="ja-JP"/>
-          </a:p>
-          <a:p>
-            <a:pPr>
-              <a:lnSpc>
-                <a:spcPct val="100000"/>
-              </a:lnSpc>
-            </a:pPr>
-            <a:r>
-              <a:rPr kumimoji="1" lang="ja-JP" altLang="en-US"/>
-              <a:t>正答率</a:t>
-            </a:r>
-            <a:r>
-              <a:rPr kumimoji="1" lang="en-US" altLang="ja-JP"/>
-              <a:t> 100 %</a:t>
-            </a:r>
-            <a:endParaRPr kumimoji="1" lang="ja-JP" altLang="en-US"/>
-          </a:p>
-        </p:txBody>
-      </p:sp>
-    </p:spTree>
-    <p:extLst>
-      <p:ext uri="{BB962C8B-B14F-4D97-AF65-F5344CB8AC3E}">
-        <p14:creationId xmlns:p14="http://schemas.microsoft.com/office/powerpoint/2010/main" val="1048675044"/>
-      </p:ext>
-    </p:extLst>
-  </p:cSld>
-  <p:clrMapOvr>
-    <a:masterClrMapping/>
-  </p:clrMapOvr>
-  <p:timing>
-    <p:tnLst>
-      <p:par>
-        <p:cTn id="1" dur="indefinite" restart="never" nodeType="tmRoot"/>
-      </p:par>
-    </p:tnLst>
-  </p:timing>
-</p:sld>
-</file>
-
 <file path=ppt/slides/slide9.xml><?xml version="1.0" encoding="utf-8"?>
 <p:sld xmlns:a="http://schemas.openxmlformats.org/drawingml/2006/main" xmlns:r="http://schemas.openxmlformats.org/officeDocument/2006/relationships" xmlns:p="http://schemas.openxmlformats.org/presentationml/2006/main">
   <p:cSld>
@@ -10498,10 +11526,9 @@
           <a:lstStyle/>
           <a:p>
             <a:r>
-              <a:rPr lang="ja-JP" altLang="en-US"/>
-              <a:t>評価・考察</a:t>
-            </a:r>
-            <a:endParaRPr kumimoji="1" lang="ja-JP" altLang="en-US"/>
+              <a:rPr kumimoji="1" lang="ja-JP" altLang="en-US"/>
+              <a:t>実験結果</a:t>
+            </a:r>
           </a:p>
         </p:txBody>
       </p:sp>
@@ -10520,9 +11547,61 @@
           <a:bodyPr/>
           <a:lstStyle/>
           <a:p>
+            <a:pPr>
+              <a:lnSpc>
+                <a:spcPct val="100000"/>
+              </a:lnSpc>
+            </a:pPr>
+            <a:r>
+              <a:rPr kumimoji="1" lang="en-US" altLang="ja-JP"/>
+              <a:t>15</a:t>
+            </a:r>
+            <a:r>
+              <a:rPr kumimoji="1" lang="ja-JP" altLang="en-US"/>
+              <a:t> 名中、</a:t>
+            </a:r>
+            <a:r>
+              <a:rPr kumimoji="1" lang="en-US" altLang="ja-JP"/>
+              <a:t>13 </a:t>
+            </a:r>
+            <a:r>
+              <a:rPr kumimoji="1" lang="ja-JP" altLang="en-US"/>
+              <a:t>名を特定</a:t>
+            </a:r>
+            <a:endParaRPr kumimoji="1" lang="en-US" altLang="ja-JP"/>
+          </a:p>
+          <a:p>
+            <a:pPr>
+              <a:lnSpc>
+                <a:spcPct val="100000"/>
+              </a:lnSpc>
+            </a:pPr>
             <a:r>
               <a:rPr lang="ja-JP" altLang="en-US"/>
-              <a:t>サードパーティ</a:t>
+              <a:t>正答率</a:t>
+            </a:r>
+            <a:r>
+              <a:rPr lang="en-US" altLang="ja-JP"/>
+              <a:t> 100 %</a:t>
+            </a:r>
+          </a:p>
+          <a:p>
+            <a:pPr>
+              <a:lnSpc>
+                <a:spcPct val="100000"/>
+              </a:lnSpc>
+            </a:pPr>
+            <a:r>
+              <a:rPr lang="ja-JP" altLang="en-US"/>
+              <a:t>残り</a:t>
+            </a:r>
+            <a:r>
+              <a:rPr lang="en-US" altLang="ja-JP"/>
+              <a:t> 2 </a:t>
+            </a:r>
+            <a:r>
+              <a:rPr lang="ja-JP" altLang="en-US"/>
+              <a:t>名はサードパーティ</a:t>
             </a:r>
             <a:r>
               <a:rPr lang="en-US" altLang="ja-JP"/>
@@ -10530,27 +11609,16 @@
             </a:r>
             <a:r>
               <a:rPr lang="ja-JP" altLang="en-US"/>
-              <a:t>のブロック</a:t>
-            </a:r>
-            <a:endParaRPr lang="en-US" altLang="ja-JP"/>
-          </a:p>
-          <a:p>
-            <a:r>
-              <a:rPr lang="en-US" altLang="ja-JP"/>
-              <a:t>IP</a:t>
-            </a:r>
-            <a:r>
-              <a:rPr lang="ja-JP" altLang="en-US"/>
-              <a:t> アドレスによる特定との比較</a:t>
-            </a:r>
-            <a:endParaRPr lang="en-US" altLang="ja-JP"/>
+              <a:t>がブロックされていたため特定不可</a:t>
+            </a:r>
+            <a:endParaRPr kumimoji="1" lang="en-US" altLang="ja-JP"/>
           </a:p>
         </p:txBody>
       </p:sp>
     </p:spTree>
     <p:extLst>
       <p:ext uri="{BB962C8B-B14F-4D97-AF65-F5344CB8AC3E}">
-        <p14:creationId xmlns:p14="http://schemas.microsoft.com/office/powerpoint/2010/main" val="1571568214"/>
+        <p14:creationId xmlns:p14="http://schemas.microsoft.com/office/powerpoint/2010/main" val="1048675044"/>
       </p:ext>
     </p:extLst>
   </p:cSld>

--- a/presentation_slides.pptx
+++ b/presentation_slides.pptx
@@ -7238,7 +7238,7 @@
 </file>
 
 <file path=ppt/slides/slide4.xml><?xml version="1.0" encoding="utf-8"?>
-<p:sld xmlns:a="http://schemas.openxmlformats.org/drawingml/2006/main" xmlns:r="http://schemas.openxmlformats.org/officeDocument/2006/relationships" xmlns:p="http://schemas.openxmlformats.org/presentationml/2006/main">
+<p:sld xmlns:a="http://schemas.openxmlformats.org/drawingml/2006/main" xmlns:r="http://schemas.openxmlformats.org/officeDocument/2006/relationships" xmlns:p="http://schemas.openxmlformats.org/presentationml/2006/main" show="0">
   <p:cSld>
     <p:spTree>
       <p:nvGrpSpPr>
@@ -7942,6 +7942,14 @@
   <p:clrMapOvr>
     <a:masterClrMapping/>
   </p:clrMapOvr>
+  <mc:AlternateContent xmlns:mc="http://schemas.openxmlformats.org/markup-compatibility/2006">
+    <mc:Choice xmlns:p14="http://schemas.microsoft.com/office/powerpoint/2010/main" Requires="p14">
+      <p:transition spd="slow" p14:dur="2000"/>
+    </mc:Choice>
+    <mc:Fallback>
+      <p:transition spd="slow"/>
+    </mc:Fallback>
+  </mc:AlternateContent>
   <p:timing>
     <p:tnLst>
       <p:par>
@@ -9731,6 +9739,97 @@
           <a:chExt cx="0" cy="0"/>
         </a:xfrm>
       </p:grpSpPr>
+      <p:grpSp>
+        <p:nvGrpSpPr>
+          <p:cNvPr id="18" name="図形グループ 17"/>
+          <p:cNvGrpSpPr/>
+          <p:nvPr/>
+        </p:nvGrpSpPr>
+        <p:grpSpPr>
+          <a:xfrm>
+            <a:off x="1659781" y="2833557"/>
+            <a:ext cx="7106780" cy="3803009"/>
+            <a:chOff x="1127036" y="2491928"/>
+            <a:chExt cx="8268589" cy="4254878"/>
+          </a:xfrm>
+        </p:grpSpPr>
+        <p:pic>
+          <p:nvPicPr>
+            <p:cNvPr id="4" name="図 3"/>
+            <p:cNvPicPr>
+              <a:picLocks noChangeAspect="1"/>
+            </p:cNvPicPr>
+            <p:nvPr/>
+          </p:nvPicPr>
+          <p:blipFill>
+            <a:blip r:embed="rId2">
+              <a:extLst>
+                <a:ext uri="{28A0092B-C50C-407E-A947-70E740481C1C}">
+                  <a14:useLocalDpi xmlns:a14="http://schemas.microsoft.com/office/drawing/2010/main" val="0"/>
+                </a:ext>
+              </a:extLst>
+            </a:blip>
+            <a:stretch>
+              <a:fillRect/>
+            </a:stretch>
+          </p:blipFill>
+          <p:spPr>
+            <a:xfrm>
+              <a:off x="1127036" y="2491928"/>
+              <a:ext cx="8268589" cy="4254878"/>
+            </a:xfrm>
+            <a:prstGeom prst="rect">
+              <a:avLst/>
+            </a:prstGeom>
+          </p:spPr>
+        </p:pic>
+        <p:sp>
+          <p:nvSpPr>
+            <p:cNvPr id="16" name="正方形/長方形 15"/>
+            <p:cNvSpPr/>
+            <p:nvPr/>
+          </p:nvSpPr>
+          <p:spPr>
+            <a:xfrm>
+              <a:off x="2508563" y="2577057"/>
+              <a:ext cx="2179741" cy="356271"/>
+            </a:xfrm>
+            <a:prstGeom prst="rect">
+              <a:avLst/>
+            </a:prstGeom>
+            <a:solidFill>
+              <a:srgbClr val="E8E8F3"/>
+            </a:solidFill>
+            <a:ln>
+              <a:noFill/>
+            </a:ln>
+          </p:spPr>
+          <p:style>
+            <a:lnRef idx="2">
+              <a:schemeClr val="accent1">
+                <a:shade val="50000"/>
+              </a:schemeClr>
+            </a:lnRef>
+            <a:fillRef idx="1">
+              <a:schemeClr val="accent1"/>
+            </a:fillRef>
+            <a:effectRef idx="0">
+              <a:schemeClr val="accent1"/>
+            </a:effectRef>
+            <a:fontRef idx="minor">
+              <a:schemeClr val="lt1"/>
+            </a:fontRef>
+          </p:style>
+          <p:txBody>
+            <a:bodyPr rtlCol="0" anchor="ctr"/>
+            <a:lstStyle/>
+            <a:p>
+              <a:pPr algn="ctr"/>
+              <a:endParaRPr kumimoji="1" lang="ja-JP" altLang="en-US"/>
+            </a:p>
+          </p:txBody>
+        </p:sp>
+      </p:grpSp>
       <p:sp>
         <p:nvSpPr>
           <p:cNvPr id="2" name="タイトル 1"/>
@@ -9763,36 +9862,6 @@
           </a:p>
         </p:txBody>
       </p:sp>
-      <p:pic>
-        <p:nvPicPr>
-          <p:cNvPr id="4" name="図 3"/>
-          <p:cNvPicPr>
-            <a:picLocks noChangeAspect="1"/>
-          </p:cNvPicPr>
-          <p:nvPr/>
-        </p:nvPicPr>
-        <p:blipFill>
-          <a:blip r:embed="rId2">
-            <a:extLst>
-              <a:ext uri="{28A0092B-C50C-407E-A947-70E740481C1C}">
-                <a14:useLocalDpi xmlns:a14="http://schemas.microsoft.com/office/drawing/2010/main" val="0"/>
-              </a:ext>
-            </a:extLst>
-          </a:blip>
-          <a:stretch>
-            <a:fillRect/>
-          </a:stretch>
-        </p:blipFill>
-        <p:spPr>
-          <a:xfrm>
-            <a:off x="1127036" y="2491928"/>
-            <a:ext cx="8268589" cy="4254878"/>
-          </a:xfrm>
-          <a:prstGeom prst="rect">
-            <a:avLst/>
-          </a:prstGeom>
-        </p:spPr>
-      </p:pic>
       <p:pic>
         <p:nvPicPr>
           <p:cNvPr id="5" name="図 4"/>
@@ -9815,7 +9884,7 @@
         </p:blipFill>
         <p:spPr>
           <a:xfrm>
-            <a:off x="10492545" y="2106148"/>
+            <a:off x="10705193" y="2106148"/>
             <a:ext cx="543245" cy="543245"/>
           </a:xfrm>
           <a:prstGeom prst="rect">
@@ -9845,7 +9914,7 @@
         </p:blipFill>
         <p:spPr>
           <a:xfrm>
-            <a:off x="9800638" y="1614222"/>
+            <a:off x="10013286" y="1614222"/>
             <a:ext cx="807097" cy="807097"/>
           </a:xfrm>
           <a:prstGeom prst="rect">
@@ -9861,8 +9930,8 @@
         </p:nvSpPr>
         <p:spPr>
           <a:xfrm>
-            <a:off x="1225133" y="3198801"/>
-            <a:ext cx="8078339" cy="1054250"/>
+            <a:off x="1544004" y="2734986"/>
+            <a:ext cx="7338334" cy="3944280"/>
           </a:xfrm>
           <a:prstGeom prst="rect">
             <a:avLst/>
@@ -9921,7 +9990,7 @@
         </p:blipFill>
         <p:spPr>
           <a:xfrm>
-            <a:off x="4049686" y="1570585"/>
+            <a:off x="4266046" y="1733094"/>
             <a:ext cx="638618" cy="638618"/>
           </a:xfrm>
           <a:prstGeom prst="rect">
@@ -9941,7 +10010,7 @@
         </p:nvSpPr>
         <p:spPr>
           <a:xfrm>
-            <a:off x="3906463" y="1523045"/>
+            <a:off x="4122823" y="1685554"/>
             <a:ext cx="925063" cy="729911"/>
           </a:xfrm>
           <a:prstGeom prst="rect">
@@ -10057,8 +10126,8 @@
         </p:nvSpPr>
         <p:spPr>
           <a:xfrm>
-            <a:off x="1329053" y="2539512"/>
-            <a:ext cx="3391787" cy="416368"/>
+            <a:off x="1804280" y="2849322"/>
+            <a:ext cx="1087775" cy="436138"/>
           </a:xfrm>
           <a:prstGeom prst="rect">
             <a:avLst/>
@@ -10112,8 +10181,8 @@
           </a:xfrm>
           <a:prstGeom prst="wedgeRoundRectCallout">
             <a:avLst>
-              <a:gd name="adj1" fmla="val -39733"/>
-              <a:gd name="adj2" fmla="val 73151"/>
+              <a:gd name="adj1" fmla="val -35393"/>
+              <a:gd name="adj2" fmla="val 87517"/>
               <a:gd name="adj3" fmla="val 16667"/>
             </a:avLst>
           </a:prstGeom>
@@ -10157,8 +10226,8 @@
         </p:nvCxnSpPr>
         <p:spPr>
           <a:xfrm flipH="1" flipV="1">
-            <a:off x="4875062" y="2017770"/>
-            <a:ext cx="4803347" cy="1"/>
+            <a:off x="5167423" y="2017770"/>
+            <a:ext cx="4510989" cy="3"/>
           </a:xfrm>
           <a:prstGeom prst="straightConnector1">
             <a:avLst/>
@@ -10193,7 +10262,7 @@
         </p:nvSpPr>
         <p:spPr>
           <a:xfrm>
-            <a:off x="5843524" y="1611531"/>
+            <a:off x="6007129" y="1672915"/>
             <a:ext cx="2834430" cy="369332"/>
           </a:xfrm>
           <a:prstGeom prst="rect">
@@ -10210,6 +10279,9 @@
             <a:pPr algn="ctr"/>
             <a:r>
               <a:rPr kumimoji="1" lang="en-US" altLang="ja-JP" b="1">
+                <a:solidFill>
+                  <a:srgbClr val="0070C0"/>
+                </a:solidFill>
                 <a:latin typeface="Menlo" charset="0"/>
                 <a:ea typeface="Menlo" charset="0"/>
                 <a:cs typeface="Menlo" charset="0"/>
@@ -10217,6 +10289,9 @@
               <a:t>cookie: id=abcd1234</a:t>
             </a:r>
             <a:endParaRPr kumimoji="1" lang="ja-JP" altLang="en-US" b="1">
+              <a:solidFill>
+                <a:srgbClr val="0070C0"/>
+              </a:solidFill>
               <a:latin typeface="Menlo" charset="0"/>
               <a:ea typeface="Menlo" charset="0"/>
               <a:cs typeface="Menlo" charset="0"/>
@@ -10226,16 +10301,16 @@
       </p:sp>
       <p:grpSp>
         <p:nvGrpSpPr>
-          <p:cNvPr id="8" name="図形グループ 7"/>
+          <p:cNvPr id="72" name="図形グループ 71"/>
           <p:cNvGrpSpPr/>
           <p:nvPr/>
         </p:nvGrpSpPr>
         <p:grpSpPr>
           <a:xfrm>
-            <a:off x="6373506" y="705045"/>
-            <a:ext cx="3810702" cy="2389030"/>
-            <a:chOff x="6373506" y="705045"/>
-            <a:chExt cx="3810702" cy="2389030"/>
+            <a:off x="6433454" y="695415"/>
+            <a:ext cx="3947383" cy="2696371"/>
+            <a:chOff x="6433454" y="695415"/>
+            <a:chExt cx="3947383" cy="2696371"/>
           </a:xfrm>
         </p:grpSpPr>
         <p:cxnSp>
@@ -10246,8 +10321,8 @@
           </p:nvCxnSpPr>
           <p:spPr>
             <a:xfrm>
-              <a:off x="6373506" y="726313"/>
-              <a:ext cx="3810702" cy="368"/>
+              <a:off x="6433454" y="717051"/>
+              <a:ext cx="3947383" cy="0"/>
             </a:xfrm>
             <a:prstGeom prst="line">
               <a:avLst/>
@@ -10281,7 +10356,7 @@
           </p:nvCxnSpPr>
           <p:spPr>
             <a:xfrm>
-              <a:off x="10184208" y="705045"/>
+              <a:off x="10380837" y="695415"/>
               <a:ext cx="0" cy="1028062"/>
             </a:xfrm>
             <a:prstGeom prst="straightConnector1">
@@ -10317,8 +10392,8 @@
           </p:nvCxnSpPr>
           <p:spPr>
             <a:xfrm flipV="1">
-              <a:off x="8855167" y="714321"/>
-              <a:ext cx="0" cy="2379754"/>
+              <a:off x="7765256" y="716684"/>
+              <a:ext cx="0" cy="2675102"/>
             </a:xfrm>
             <a:prstGeom prst="line">
               <a:avLst/>
@@ -10367,7 +10442,7 @@
         </p:blipFill>
         <p:spPr>
           <a:xfrm>
-            <a:off x="9846775" y="5741581"/>
+            <a:off x="10059423" y="5741581"/>
             <a:ext cx="752103" cy="752103"/>
           </a:xfrm>
           <a:prstGeom prst="rect">
@@ -10387,7 +10462,7 @@
         </p:nvSpPr>
         <p:spPr>
           <a:xfrm>
-            <a:off x="9710076" y="5669173"/>
+            <a:off x="9922724" y="5669173"/>
             <a:ext cx="1060548" cy="824512"/>
           </a:xfrm>
           <a:prstGeom prst="rect">
@@ -10433,7 +10508,7 @@
         </p:nvCxnSpPr>
         <p:spPr>
           <a:xfrm flipH="1">
-            <a:off x="10204186" y="2387213"/>
+            <a:off x="10416834" y="2387213"/>
             <a:ext cx="2" cy="3206597"/>
           </a:xfrm>
           <a:prstGeom prst="straightConnector1">
@@ -10469,7 +10544,7 @@
         </p:nvSpPr>
         <p:spPr>
           <a:xfrm>
-            <a:off x="10332042" y="2626964"/>
+            <a:off x="10544690" y="2662208"/>
             <a:ext cx="877163" cy="369332"/>
           </a:xfrm>
           <a:prstGeom prst="rect">
@@ -10502,7 +10577,7 @@
         </p:nvSpPr>
         <p:spPr>
           <a:xfrm>
-            <a:off x="10240350" y="3814413"/>
+            <a:off x="10452998" y="3814413"/>
             <a:ext cx="593432" cy="461665"/>
           </a:xfrm>
           <a:prstGeom prst="rect">
@@ -10626,7 +10701,7 @@
         </p:nvGrpSpPr>
         <p:grpSpPr>
           <a:xfrm>
-            <a:off x="10113337" y="994119"/>
+            <a:off x="10564255" y="1016531"/>
             <a:ext cx="1416851" cy="968885"/>
             <a:chOff x="10113337" y="994119"/>
             <a:chExt cx="1416851" cy="968885"/>
@@ -10773,7 +10848,7 @@
         </p:nvSpPr>
         <p:spPr>
           <a:xfrm>
-            <a:off x="4067469" y="2202547"/>
+            <a:off x="4283829" y="2365056"/>
             <a:ext cx="603050" cy="369332"/>
           </a:xfrm>
           <a:prstGeom prst="rect">
@@ -10811,7 +10886,7 @@
         </p:nvSpPr>
         <p:spPr>
           <a:xfrm>
-            <a:off x="9765604" y="6471196"/>
+            <a:off x="10042052" y="6503094"/>
             <a:ext cx="877163" cy="369332"/>
           </a:xfrm>
           <a:prstGeom prst="rect">
@@ -10832,6 +10907,184 @@
               </a:rPr>
               <a:t>掲示板</a:t>
             </a:r>
+          </a:p>
+        </p:txBody>
+      </p:sp>
+      <p:cxnSp>
+        <p:nvCxnSpPr>
+          <p:cNvPr id="21" name="直線コネクタ 20"/>
+          <p:cNvCxnSpPr/>
+          <p:nvPr/>
+        </p:nvCxnSpPr>
+        <p:spPr>
+          <a:xfrm flipV="1">
+            <a:off x="1810180" y="1679944"/>
+            <a:ext cx="2304620" cy="1152969"/>
+          </a:xfrm>
+          <a:prstGeom prst="line">
+            <a:avLst/>
+          </a:prstGeom>
+          <a:ln w="19050"/>
+        </p:spPr>
+        <p:style>
+          <a:lnRef idx="1">
+            <a:schemeClr val="accent1"/>
+          </a:lnRef>
+          <a:fillRef idx="0">
+            <a:schemeClr val="accent1"/>
+          </a:fillRef>
+          <a:effectRef idx="0">
+            <a:schemeClr val="accent1"/>
+          </a:effectRef>
+          <a:fontRef idx="minor">
+            <a:schemeClr val="tx1"/>
+          </a:fontRef>
+        </p:style>
+      </p:cxnSp>
+      <p:cxnSp>
+        <p:nvCxnSpPr>
+          <p:cNvPr id="44" name="直線コネクタ 43"/>
+          <p:cNvCxnSpPr/>
+          <p:nvPr/>
+        </p:nvCxnSpPr>
+        <p:spPr>
+          <a:xfrm flipV="1">
+            <a:off x="2913321" y="2424223"/>
+            <a:ext cx="1212112" cy="882503"/>
+          </a:xfrm>
+          <a:prstGeom prst="line">
+            <a:avLst/>
+          </a:prstGeom>
+          <a:ln w="19050"/>
+        </p:spPr>
+        <p:style>
+          <a:lnRef idx="1">
+            <a:schemeClr val="accent1"/>
+          </a:lnRef>
+          <a:fillRef idx="0">
+            <a:schemeClr val="accent1"/>
+          </a:fillRef>
+          <a:effectRef idx="0">
+            <a:schemeClr val="accent1"/>
+          </a:effectRef>
+          <a:fontRef idx="minor">
+            <a:schemeClr val="tx1"/>
+          </a:fontRef>
+        </p:style>
+      </p:cxnSp>
+      <p:cxnSp>
+        <p:nvCxnSpPr>
+          <p:cNvPr id="55" name="直線コネクタ 54"/>
+          <p:cNvCxnSpPr/>
+          <p:nvPr/>
+        </p:nvCxnSpPr>
+        <p:spPr>
+          <a:xfrm>
+            <a:off x="8899451" y="2732567"/>
+            <a:ext cx="1031358" cy="2955851"/>
+          </a:xfrm>
+          <a:prstGeom prst="line">
+            <a:avLst/>
+          </a:prstGeom>
+          <a:ln w="19050">
+            <a:solidFill>
+              <a:srgbClr val="FF0000"/>
+            </a:solidFill>
+          </a:ln>
+        </p:spPr>
+        <p:style>
+          <a:lnRef idx="1">
+            <a:schemeClr val="accent1"/>
+          </a:lnRef>
+          <a:fillRef idx="0">
+            <a:schemeClr val="accent1"/>
+          </a:fillRef>
+          <a:effectRef idx="0">
+            <a:schemeClr val="accent1"/>
+          </a:effectRef>
+          <a:fontRef idx="minor">
+            <a:schemeClr val="tx1"/>
+          </a:fontRef>
+        </p:style>
+      </p:cxnSp>
+      <p:cxnSp>
+        <p:nvCxnSpPr>
+          <p:cNvPr id="56" name="直線コネクタ 55"/>
+          <p:cNvCxnSpPr/>
+          <p:nvPr/>
+        </p:nvCxnSpPr>
+        <p:spPr>
+          <a:xfrm flipV="1">
+            <a:off x="8888819" y="6517759"/>
+            <a:ext cx="1031358" cy="180753"/>
+          </a:xfrm>
+          <a:prstGeom prst="line">
+            <a:avLst/>
+          </a:prstGeom>
+          <a:ln w="19050">
+            <a:solidFill>
+              <a:srgbClr val="FF0000"/>
+            </a:solidFill>
+          </a:ln>
+        </p:spPr>
+        <p:style>
+          <a:lnRef idx="1">
+            <a:schemeClr val="accent1"/>
+          </a:lnRef>
+          <a:fillRef idx="0">
+            <a:schemeClr val="accent1"/>
+          </a:fillRef>
+          <a:effectRef idx="0">
+            <a:schemeClr val="accent1"/>
+          </a:effectRef>
+          <a:fontRef idx="minor">
+            <a:schemeClr val="tx1"/>
+          </a:fontRef>
+        </p:style>
+      </p:cxnSp>
+      <p:sp>
+        <p:nvSpPr>
+          <p:cNvPr id="70" name="正方形/長方形 69"/>
+          <p:cNvSpPr/>
+          <p:nvPr/>
+        </p:nvSpPr>
+        <p:spPr>
+          <a:xfrm>
+            <a:off x="1746035" y="3475508"/>
+            <a:ext cx="6930132" cy="926371"/>
+          </a:xfrm>
+          <a:prstGeom prst="rect">
+            <a:avLst/>
+          </a:prstGeom>
+          <a:noFill/>
+          <a:ln w="57150">
+            <a:solidFill>
+              <a:srgbClr val="4B4B4B"/>
+            </a:solidFill>
+          </a:ln>
+        </p:spPr>
+        <p:style>
+          <a:lnRef idx="2">
+            <a:schemeClr val="accent1">
+              <a:shade val="50000"/>
+            </a:schemeClr>
+          </a:lnRef>
+          <a:fillRef idx="1">
+            <a:schemeClr val="accent1"/>
+          </a:fillRef>
+          <a:effectRef idx="0">
+            <a:schemeClr val="accent1"/>
+          </a:effectRef>
+          <a:fontRef idx="minor">
+            <a:schemeClr val="lt1"/>
+          </a:fontRef>
+        </p:style>
+        <p:txBody>
+          <a:bodyPr rtlCol="0" anchor="ctr"/>
+          <a:lstStyle/>
+          <a:p>
+            <a:pPr algn="ctr"/>
+            <a:endParaRPr kumimoji="1" lang="ja-JP" altLang="en-US"/>
           </a:p>
         </p:txBody>
       </p:sp>
@@ -10879,7 +11132,7 @@
                                           </p:stCondLst>
                                         </p:cTn>
                                         <p:tgtEl>
-                                          <p:spTgt spid="43"/>
+                                          <p:spTgt spid="55"/>
                                         </p:tgtEl>
                                         <p:attrNameLst>
                                           <p:attrName>style.visibility</p:attrName>
@@ -10893,7 +11146,7 @@
                                       <p:cBhvr>
                                         <p:cTn id="7" dur="500"/>
                                         <p:tgtEl>
-                                          <p:spTgt spid="43"/>
+                                          <p:spTgt spid="55"/>
                                         </p:tgtEl>
                                       </p:cBhvr>
                                     </p:animEffect>
@@ -10901,7 +11154,7 @@
                                 </p:cTn>
                               </p:par>
                               <p:par>
-                                <p:cTn id="8" presetID="14" presetClass="entr" presetSubtype="10" fill="hold" grpId="0" nodeType="withEffect">
+                                <p:cTn id="8" presetID="14" presetClass="entr" presetSubtype="10" fill="hold" nodeType="withEffect">
                                   <p:stCondLst>
                                     <p:cond delay="0"/>
                                   </p:stCondLst>
@@ -10914,7 +11167,7 @@
                                           </p:stCondLst>
                                         </p:cTn>
                                         <p:tgtEl>
-                                          <p:spTgt spid="3"/>
+                                          <p:spTgt spid="43"/>
                                         </p:tgtEl>
                                         <p:attrNameLst>
                                           <p:attrName>style.visibility</p:attrName>
@@ -10928,7 +11181,7 @@
                                       <p:cBhvr>
                                         <p:cTn id="10" dur="500"/>
                                         <p:tgtEl>
-                                          <p:spTgt spid="3"/>
+                                          <p:spTgt spid="43"/>
                                         </p:tgtEl>
                                       </p:cBhvr>
                                     </p:animEffect>
@@ -10949,7 +11202,7 @@
                                           </p:stCondLst>
                                         </p:cTn>
                                         <p:tgtEl>
-                                          <p:spTgt spid="42"/>
+                                          <p:spTgt spid="3"/>
                                         </p:tgtEl>
                                         <p:attrNameLst>
                                           <p:attrName>style.visibility</p:attrName>
@@ -10963,7 +11216,7 @@
                                       <p:cBhvr>
                                         <p:cTn id="13" dur="500"/>
                                         <p:tgtEl>
-                                          <p:spTgt spid="42"/>
+                                          <p:spTgt spid="3"/>
                                         </p:tgtEl>
                                       </p:cBhvr>
                                     </p:animEffect>
@@ -10984,6 +11237,76 @@
                                           </p:stCondLst>
                                         </p:cTn>
                                         <p:tgtEl>
+                                          <p:spTgt spid="42"/>
+                                        </p:tgtEl>
+                                        <p:attrNameLst>
+                                          <p:attrName>style.visibility</p:attrName>
+                                        </p:attrNameLst>
+                                      </p:cBhvr>
+                                      <p:to>
+                                        <p:strVal val="visible"/>
+                                      </p:to>
+                                    </p:set>
+                                    <p:animEffect transition="in" filter="randombar(horizontal)">
+                                      <p:cBhvr>
+                                        <p:cTn id="16" dur="500"/>
+                                        <p:tgtEl>
+                                          <p:spTgt spid="42"/>
+                                        </p:tgtEl>
+                                      </p:cBhvr>
+                                    </p:animEffect>
+                                  </p:childTnLst>
+                                </p:cTn>
+                              </p:par>
+                              <p:par>
+                                <p:cTn id="17" presetID="14" presetClass="entr" presetSubtype="10" fill="hold" nodeType="withEffect">
+                                  <p:stCondLst>
+                                    <p:cond delay="0"/>
+                                  </p:stCondLst>
+                                  <p:childTnLst>
+                                    <p:set>
+                                      <p:cBhvr>
+                                        <p:cTn id="18" dur="1" fill="hold">
+                                          <p:stCondLst>
+                                            <p:cond delay="0"/>
+                                          </p:stCondLst>
+                                        </p:cTn>
+                                        <p:tgtEl>
+                                          <p:spTgt spid="56"/>
+                                        </p:tgtEl>
+                                        <p:attrNameLst>
+                                          <p:attrName>style.visibility</p:attrName>
+                                        </p:attrNameLst>
+                                      </p:cBhvr>
+                                      <p:to>
+                                        <p:strVal val="visible"/>
+                                      </p:to>
+                                    </p:set>
+                                    <p:animEffect transition="in" filter="randombar(horizontal)">
+                                      <p:cBhvr>
+                                        <p:cTn id="19" dur="500"/>
+                                        <p:tgtEl>
+                                          <p:spTgt spid="56"/>
+                                        </p:tgtEl>
+                                      </p:cBhvr>
+                                    </p:animEffect>
+                                  </p:childTnLst>
+                                </p:cTn>
+                              </p:par>
+                              <p:par>
+                                <p:cTn id="20" presetID="14" presetClass="entr" presetSubtype="10" fill="hold" grpId="0" nodeType="withEffect">
+                                  <p:stCondLst>
+                                    <p:cond delay="0"/>
+                                  </p:stCondLst>
+                                  <p:childTnLst>
+                                    <p:set>
+                                      <p:cBhvr>
+                                        <p:cTn id="21" dur="1" fill="hold">
+                                          <p:stCondLst>
+                                            <p:cond delay="0"/>
+                                          </p:stCondLst>
+                                        </p:cTn>
+                                        <p:tgtEl>
                                           <p:spTgt spid="7"/>
                                         </p:tgtEl>
                                         <p:attrNameLst>
@@ -10996,7 +11319,7 @@
                                     </p:set>
                                     <p:animEffect transition="in" filter="randombar(horizontal)">
                                       <p:cBhvr>
-                                        <p:cTn id="16" dur="500"/>
+                                        <p:cTn id="22" dur="500"/>
                                         <p:tgtEl>
                                           <p:spTgt spid="7"/>
                                         </p:tgtEl>
@@ -11012,26 +11335,236 @@
                     </p:cTn>
                   </p:par>
                   <p:par>
-                    <p:cTn id="17" fill="hold">
+                    <p:cTn id="23" fill="hold">
                       <p:stCondLst>
                         <p:cond delay="indefinite"/>
                       </p:stCondLst>
                       <p:childTnLst>
                         <p:par>
-                          <p:cTn id="18" fill="hold">
+                          <p:cTn id="24" fill="hold">
                             <p:stCondLst>
                               <p:cond delay="0"/>
                             </p:stCondLst>
                             <p:childTnLst>
                               <p:par>
-                                <p:cTn id="19" presetID="14" presetClass="entr" presetSubtype="10" fill="hold" grpId="0" nodeType="clickEffect">
+                                <p:cTn id="25" presetID="14" presetClass="entr" presetSubtype="10" fill="hold" nodeType="clickEffect">
                                   <p:stCondLst>
                                     <p:cond delay="0"/>
                                   </p:stCondLst>
                                   <p:childTnLst>
                                     <p:set>
                                       <p:cBhvr>
-                                        <p:cTn id="20" dur="1" fill="hold">
+                                        <p:cTn id="26" dur="1" fill="hold">
+                                          <p:stCondLst>
+                                            <p:cond delay="0"/>
+                                          </p:stCondLst>
+                                        </p:cTn>
+                                        <p:tgtEl>
+                                          <p:spTgt spid="21"/>
+                                        </p:tgtEl>
+                                        <p:attrNameLst>
+                                          <p:attrName>style.visibility</p:attrName>
+                                        </p:attrNameLst>
+                                      </p:cBhvr>
+                                      <p:to>
+                                        <p:strVal val="visible"/>
+                                      </p:to>
+                                    </p:set>
+                                    <p:animEffect transition="in" filter="randombar(horizontal)">
+                                      <p:cBhvr>
+                                        <p:cTn id="27" dur="500"/>
+                                        <p:tgtEl>
+                                          <p:spTgt spid="21"/>
+                                        </p:tgtEl>
+                                      </p:cBhvr>
+                                    </p:animEffect>
+                                  </p:childTnLst>
+                                </p:cTn>
+                              </p:par>
+                              <p:par>
+                                <p:cTn id="28" presetID="14" presetClass="entr" presetSubtype="10" fill="hold" nodeType="withEffect">
+                                  <p:stCondLst>
+                                    <p:cond delay="0"/>
+                                  </p:stCondLst>
+                                  <p:childTnLst>
+                                    <p:set>
+                                      <p:cBhvr>
+                                        <p:cTn id="29" dur="1" fill="hold">
+                                          <p:stCondLst>
+                                            <p:cond delay="0"/>
+                                          </p:stCondLst>
+                                        </p:cTn>
+                                        <p:tgtEl>
+                                          <p:spTgt spid="44"/>
+                                        </p:tgtEl>
+                                        <p:attrNameLst>
+                                          <p:attrName>style.visibility</p:attrName>
+                                        </p:attrNameLst>
+                                      </p:cBhvr>
+                                      <p:to>
+                                        <p:strVal val="visible"/>
+                                      </p:to>
+                                    </p:set>
+                                    <p:animEffect transition="in" filter="randombar(horizontal)">
+                                      <p:cBhvr>
+                                        <p:cTn id="30" dur="500"/>
+                                        <p:tgtEl>
+                                          <p:spTgt spid="44"/>
+                                        </p:tgtEl>
+                                      </p:cBhvr>
+                                    </p:animEffect>
+                                  </p:childTnLst>
+                                </p:cTn>
+                              </p:par>
+                              <p:par>
+                                <p:cTn id="31" presetID="14" presetClass="entr" presetSubtype="10" fill="hold" grpId="0" nodeType="withEffect">
+                                  <p:stCondLst>
+                                    <p:cond delay="0"/>
+                                  </p:stCondLst>
+                                  <p:childTnLst>
+                                    <p:set>
+                                      <p:cBhvr>
+                                        <p:cTn id="32" dur="1" fill="hold">
+                                          <p:stCondLst>
+                                            <p:cond delay="0"/>
+                                          </p:stCondLst>
+                                        </p:cTn>
+                                        <p:tgtEl>
+                                          <p:spTgt spid="14"/>
+                                        </p:tgtEl>
+                                        <p:attrNameLst>
+                                          <p:attrName>style.visibility</p:attrName>
+                                        </p:attrNameLst>
+                                      </p:cBhvr>
+                                      <p:to>
+                                        <p:strVal val="visible"/>
+                                      </p:to>
+                                    </p:set>
+                                    <p:animEffect transition="in" filter="randombar(horizontal)">
+                                      <p:cBhvr>
+                                        <p:cTn id="33" dur="500"/>
+                                        <p:tgtEl>
+                                          <p:spTgt spid="14"/>
+                                        </p:tgtEl>
+                                      </p:cBhvr>
+                                    </p:animEffect>
+                                  </p:childTnLst>
+                                </p:cTn>
+                              </p:par>
+                              <p:par>
+                                <p:cTn id="34" presetID="14" presetClass="entr" presetSubtype="10" fill="hold" grpId="0" nodeType="withEffect">
+                                  <p:stCondLst>
+                                    <p:cond delay="0"/>
+                                  </p:stCondLst>
+                                  <p:childTnLst>
+                                    <p:set>
+                                      <p:cBhvr>
+                                        <p:cTn id="35" dur="1" fill="hold">
+                                          <p:stCondLst>
+                                            <p:cond delay="0"/>
+                                          </p:stCondLst>
+                                        </p:cTn>
+                                        <p:tgtEl>
+                                          <p:spTgt spid="11"/>
+                                        </p:tgtEl>
+                                        <p:attrNameLst>
+                                          <p:attrName>style.visibility</p:attrName>
+                                        </p:attrNameLst>
+                                      </p:cBhvr>
+                                      <p:to>
+                                        <p:strVal val="visible"/>
+                                      </p:to>
+                                    </p:set>
+                                    <p:animEffect transition="in" filter="randombar(horizontal)">
+                                      <p:cBhvr>
+                                        <p:cTn id="36" dur="500"/>
+                                        <p:tgtEl>
+                                          <p:spTgt spid="11"/>
+                                        </p:tgtEl>
+                                      </p:cBhvr>
+                                    </p:animEffect>
+                                  </p:childTnLst>
+                                </p:cTn>
+                              </p:par>
+                              <p:par>
+                                <p:cTn id="37" presetID="14" presetClass="entr" presetSubtype="10" fill="hold" nodeType="withEffect">
+                                  <p:stCondLst>
+                                    <p:cond delay="0"/>
+                                  </p:stCondLst>
+                                  <p:childTnLst>
+                                    <p:set>
+                                      <p:cBhvr>
+                                        <p:cTn id="38" dur="1" fill="hold">
+                                          <p:stCondLst>
+                                            <p:cond delay="0"/>
+                                          </p:stCondLst>
+                                        </p:cTn>
+                                        <p:tgtEl>
+                                          <p:spTgt spid="19"/>
+                                        </p:tgtEl>
+                                        <p:attrNameLst>
+                                          <p:attrName>style.visibility</p:attrName>
+                                        </p:attrNameLst>
+                                      </p:cBhvr>
+                                      <p:to>
+                                        <p:strVal val="visible"/>
+                                      </p:to>
+                                    </p:set>
+                                    <p:animEffect transition="in" filter="randombar(horizontal)">
+                                      <p:cBhvr>
+                                        <p:cTn id="39" dur="500"/>
+                                        <p:tgtEl>
+                                          <p:spTgt spid="19"/>
+                                        </p:tgtEl>
+                                      </p:cBhvr>
+                                    </p:animEffect>
+                                  </p:childTnLst>
+                                </p:cTn>
+                              </p:par>
+                              <p:par>
+                                <p:cTn id="40" presetID="14" presetClass="entr" presetSubtype="10" fill="hold" grpId="0" nodeType="withEffect">
+                                  <p:stCondLst>
+                                    <p:cond delay="0"/>
+                                  </p:stCondLst>
+                                  <p:childTnLst>
+                                    <p:set>
+                                      <p:cBhvr>
+                                        <p:cTn id="41" dur="1" fill="hold">
+                                          <p:stCondLst>
+                                            <p:cond delay="0"/>
+                                          </p:stCondLst>
+                                        </p:cTn>
+                                        <p:tgtEl>
+                                          <p:spTgt spid="23"/>
+                                        </p:tgtEl>
+                                        <p:attrNameLst>
+                                          <p:attrName>style.visibility</p:attrName>
+                                        </p:attrNameLst>
+                                      </p:cBhvr>
+                                      <p:to>
+                                        <p:strVal val="visible"/>
+                                      </p:to>
+                                    </p:set>
+                                    <p:animEffect transition="in" filter="randombar(horizontal)">
+                                      <p:cBhvr>
+                                        <p:cTn id="42" dur="500"/>
+                                        <p:tgtEl>
+                                          <p:spTgt spid="23"/>
+                                        </p:tgtEl>
+                                      </p:cBhvr>
+                                    </p:animEffect>
+                                  </p:childTnLst>
+                                </p:cTn>
+                              </p:par>
+                              <p:par>
+                                <p:cTn id="43" presetID="14" presetClass="entr" presetSubtype="10" fill="hold" grpId="0" nodeType="withEffect">
+                                  <p:stCondLst>
+                                    <p:cond delay="0"/>
+                                  </p:stCondLst>
+                                  <p:childTnLst>
+                                    <p:set>
+                                      <p:cBhvr>
+                                        <p:cTn id="44" dur="1" fill="hold">
                                           <p:stCondLst>
                                             <p:cond delay="0"/>
                                           </p:stCondLst>
@@ -11049,149 +11582,9 @@
                                     </p:set>
                                     <p:animEffect transition="in" filter="randombar(horizontal)">
                                       <p:cBhvr>
-                                        <p:cTn id="21" dur="500"/>
+                                        <p:cTn id="45" dur="500"/>
                                         <p:tgtEl>
                                           <p:spTgt spid="22"/>
-                                        </p:tgtEl>
-                                      </p:cBhvr>
-                                    </p:animEffect>
-                                  </p:childTnLst>
-                                </p:cTn>
-                              </p:par>
-                              <p:par>
-                                <p:cTn id="22" presetID="14" presetClass="entr" presetSubtype="10" fill="hold" nodeType="withEffect">
-                                  <p:stCondLst>
-                                    <p:cond delay="0"/>
-                                  </p:stCondLst>
-                                  <p:childTnLst>
-                                    <p:set>
-                                      <p:cBhvr>
-                                        <p:cTn id="23" dur="1" fill="hold">
-                                          <p:stCondLst>
-                                            <p:cond delay="0"/>
-                                          </p:stCondLst>
-                                        </p:cTn>
-                                        <p:tgtEl>
-                                          <p:spTgt spid="19"/>
-                                        </p:tgtEl>
-                                        <p:attrNameLst>
-                                          <p:attrName>style.visibility</p:attrName>
-                                        </p:attrNameLst>
-                                      </p:cBhvr>
-                                      <p:to>
-                                        <p:strVal val="visible"/>
-                                      </p:to>
-                                    </p:set>
-                                    <p:animEffect transition="in" filter="randombar(horizontal)">
-                                      <p:cBhvr>
-                                        <p:cTn id="24" dur="500"/>
-                                        <p:tgtEl>
-                                          <p:spTgt spid="19"/>
-                                        </p:tgtEl>
-                                      </p:cBhvr>
-                                    </p:animEffect>
-                                  </p:childTnLst>
-                                </p:cTn>
-                              </p:par>
-                              <p:par>
-                                <p:cTn id="25" presetID="14" presetClass="entr" presetSubtype="10" fill="hold" grpId="0" nodeType="withEffect">
-                                  <p:stCondLst>
-                                    <p:cond delay="0"/>
-                                  </p:stCondLst>
-                                  <p:childTnLst>
-                                    <p:set>
-                                      <p:cBhvr>
-                                        <p:cTn id="26" dur="1" fill="hold">
-                                          <p:stCondLst>
-                                            <p:cond delay="0"/>
-                                          </p:stCondLst>
-                                        </p:cTn>
-                                        <p:tgtEl>
-                                          <p:spTgt spid="14"/>
-                                        </p:tgtEl>
-                                        <p:attrNameLst>
-                                          <p:attrName>style.visibility</p:attrName>
-                                        </p:attrNameLst>
-                                      </p:cBhvr>
-                                      <p:to>
-                                        <p:strVal val="visible"/>
-                                      </p:to>
-                                    </p:set>
-                                    <p:animEffect transition="in" filter="randombar(horizontal)">
-                                      <p:cBhvr>
-                                        <p:cTn id="27" dur="500"/>
-                                        <p:tgtEl>
-                                          <p:spTgt spid="14"/>
-                                        </p:tgtEl>
-                                      </p:cBhvr>
-                                    </p:animEffect>
-                                  </p:childTnLst>
-                                </p:cTn>
-                              </p:par>
-                              <p:par>
-                                <p:cTn id="28" presetID="14" presetClass="entr" presetSubtype="10" fill="hold" grpId="0" nodeType="withEffect">
-                                  <p:stCondLst>
-                                    <p:cond delay="0"/>
-                                  </p:stCondLst>
-                                  <p:childTnLst>
-                                    <p:set>
-                                      <p:cBhvr>
-                                        <p:cTn id="29" dur="1" fill="hold">
-                                          <p:stCondLst>
-                                            <p:cond delay="0"/>
-                                          </p:stCondLst>
-                                        </p:cTn>
-                                        <p:tgtEl>
-                                          <p:spTgt spid="11"/>
-                                        </p:tgtEl>
-                                        <p:attrNameLst>
-                                          <p:attrName>style.visibility</p:attrName>
-                                        </p:attrNameLst>
-                                      </p:cBhvr>
-                                      <p:to>
-                                        <p:strVal val="visible"/>
-                                      </p:to>
-                                    </p:set>
-                                    <p:animEffect transition="in" filter="randombar(horizontal)">
-                                      <p:cBhvr>
-                                        <p:cTn id="30" dur="500"/>
-                                        <p:tgtEl>
-                                          <p:spTgt spid="11"/>
-                                        </p:tgtEl>
-                                      </p:cBhvr>
-                                    </p:animEffect>
-                                  </p:childTnLst>
-                                </p:cTn>
-                              </p:par>
-                              <p:par>
-                                <p:cTn id="31" presetID="14" presetClass="entr" presetSubtype="10" repeatCount="0" fill="hold" grpId="0" nodeType="withEffect">
-                                  <p:stCondLst>
-                                    <p:cond delay="0"/>
-                                  </p:stCondLst>
-                                  <p:childTnLst>
-                                    <p:set>
-                                      <p:cBhvr>
-                                        <p:cTn id="32" dur="1" fill="hold">
-                                          <p:stCondLst>
-                                            <p:cond delay="0"/>
-                                          </p:stCondLst>
-                                        </p:cTn>
-                                        <p:tgtEl>
-                                          <p:spTgt spid="23"/>
-                                        </p:tgtEl>
-                                        <p:attrNameLst>
-                                          <p:attrName>style.visibility</p:attrName>
-                                        </p:attrNameLst>
-                                      </p:cBhvr>
-                                      <p:to>
-                                        <p:strVal val="visible"/>
-                                      </p:to>
-                                    </p:set>
-                                    <p:animEffect transition="in" filter="randombar(horizontal)">
-                                      <p:cBhvr>
-                                        <p:cTn id="33" dur="500"/>
-                                        <p:tgtEl>
-                                          <p:spTgt spid="23"/>
                                         </p:tgtEl>
                                       </p:cBhvr>
                                     </p:animEffect>
@@ -11205,26 +11598,61 @@
                     </p:cTn>
                   </p:par>
                   <p:par>
-                    <p:cTn id="34" fill="hold">
+                    <p:cTn id="46" fill="hold">
                       <p:stCondLst>
                         <p:cond delay="indefinite"/>
                       </p:stCondLst>
                       <p:childTnLst>
                         <p:par>
-                          <p:cTn id="35" fill="hold">
+                          <p:cTn id="47" fill="hold">
                             <p:stCondLst>
                               <p:cond delay="0"/>
                             </p:stCondLst>
                             <p:childTnLst>
                               <p:par>
-                                <p:cTn id="36" presetID="14" presetClass="entr" presetSubtype="10" fill="hold" grpId="0" nodeType="clickEffect">
+                                <p:cTn id="48" presetID="14" presetClass="entr" presetSubtype="10" fill="hold" grpId="0" nodeType="clickEffect">
                                   <p:stCondLst>
                                     <p:cond delay="0"/>
                                   </p:stCondLst>
                                   <p:childTnLst>
                                     <p:set>
                                       <p:cBhvr>
-                                        <p:cTn id="37" dur="1" fill="hold">
+                                        <p:cTn id="49" dur="1" fill="hold">
+                                          <p:stCondLst>
+                                            <p:cond delay="0"/>
+                                          </p:stCondLst>
+                                        </p:cTn>
+                                        <p:tgtEl>
+                                          <p:spTgt spid="13"/>
+                                        </p:tgtEl>
+                                        <p:attrNameLst>
+                                          <p:attrName>style.visibility</p:attrName>
+                                        </p:attrNameLst>
+                                      </p:cBhvr>
+                                      <p:to>
+                                        <p:strVal val="visible"/>
+                                      </p:to>
+                                    </p:set>
+                                    <p:animEffect transition="in" filter="randombar(horizontal)">
+                                      <p:cBhvr>
+                                        <p:cTn id="50" dur="500"/>
+                                        <p:tgtEl>
+                                          <p:spTgt spid="13"/>
+                                        </p:tgtEl>
+                                      </p:cBhvr>
+                                    </p:animEffect>
+                                  </p:childTnLst>
+                                </p:cTn>
+                              </p:par>
+                              <p:par>
+                                <p:cTn id="51" presetID="14" presetClass="entr" presetSubtype="10" fill="hold" grpId="0" nodeType="withEffect">
+                                  <p:stCondLst>
+                                    <p:cond delay="0"/>
+                                  </p:stCondLst>
+                                  <p:childTnLst>
+                                    <p:set>
+                                      <p:cBhvr>
+                                        <p:cTn id="52" dur="1" fill="hold">
                                           <p:stCondLst>
                                             <p:cond delay="0"/>
                                           </p:stCondLst>
@@ -11242,7 +11670,7 @@
                                     </p:set>
                                     <p:animEffect transition="in" filter="randombar(horizontal)">
                                       <p:cBhvr>
-                                        <p:cTn id="38" dur="500"/>
+                                        <p:cTn id="53" dur="500"/>
                                         <p:tgtEl>
                                           <p:spTgt spid="17"/>
                                         </p:tgtEl>
@@ -11252,49 +11680,14 @@
                                 </p:cTn>
                               </p:par>
                               <p:par>
-                                <p:cTn id="39" presetID="14" presetClass="entr" presetSubtype="10" fill="hold" grpId="0" nodeType="withEffect">
+                                <p:cTn id="54" presetID="14" presetClass="entr" presetSubtype="10" fill="hold" grpId="0" nodeType="withEffect">
                                   <p:stCondLst>
                                     <p:cond delay="0"/>
                                   </p:stCondLst>
                                   <p:childTnLst>
                                     <p:set>
                                       <p:cBhvr>
-                                        <p:cTn id="40" dur="1" fill="hold">
-                                          <p:stCondLst>
-                                            <p:cond delay="0"/>
-                                          </p:stCondLst>
-                                        </p:cTn>
-                                        <p:tgtEl>
-                                          <p:spTgt spid="13"/>
-                                        </p:tgtEl>
-                                        <p:attrNameLst>
-                                          <p:attrName>style.visibility</p:attrName>
-                                        </p:attrNameLst>
-                                      </p:cBhvr>
-                                      <p:to>
-                                        <p:strVal val="visible"/>
-                                      </p:to>
-                                    </p:set>
-                                    <p:animEffect transition="in" filter="randombar(horizontal)">
-                                      <p:cBhvr>
-                                        <p:cTn id="41" dur="500"/>
-                                        <p:tgtEl>
-                                          <p:spTgt spid="13"/>
-                                        </p:tgtEl>
-                                      </p:cBhvr>
-                                    </p:animEffect>
-                                  </p:childTnLst>
-                                </p:cTn>
-                              </p:par>
-                              <p:par>
-                                <p:cTn id="42" presetID="14" presetClass="entr" presetSubtype="10" fill="hold" grpId="0" nodeType="withEffect">
-                                  <p:stCondLst>
-                                    <p:cond delay="0"/>
-                                  </p:stCondLst>
-                                  <p:childTnLst>
-                                    <p:set>
-                                      <p:cBhvr>
-                                        <p:cTn id="43" dur="1" fill="hold">
+                                        <p:cTn id="55" dur="1" fill="hold">
                                           <p:stCondLst>
                                             <p:cond delay="0"/>
                                           </p:stCondLst>
@@ -11312,7 +11705,7 @@
                                     </p:set>
                                     <p:animEffect transition="in" filter="randombar(horizontal)">
                                       <p:cBhvr>
-                                        <p:cTn id="44" dur="500"/>
+                                        <p:cTn id="56" dur="500"/>
                                         <p:tgtEl>
                                           <p:spTgt spid="24"/>
                                         </p:tgtEl>
@@ -11328,26 +11721,96 @@
                     </p:cTn>
                   </p:par>
                   <p:par>
-                    <p:cTn id="45" fill="hold">
+                    <p:cTn id="57" fill="hold">
                       <p:stCondLst>
                         <p:cond delay="indefinite"/>
                       </p:stCondLst>
                       <p:childTnLst>
                         <p:par>
-                          <p:cTn id="46" fill="hold">
+                          <p:cTn id="58" fill="hold">
                             <p:stCondLst>
                               <p:cond delay="0"/>
                             </p:stCondLst>
                             <p:childTnLst>
                               <p:par>
-                                <p:cTn id="47" presetID="14" presetClass="entr" presetSubtype="10" fill="hold" nodeType="clickEffect">
+                                <p:cTn id="59" presetID="14" presetClass="entr" presetSubtype="10" fill="hold" nodeType="clickEffect">
                                   <p:stCondLst>
                                     <p:cond delay="0"/>
                                   </p:stCondLst>
                                   <p:childTnLst>
                                     <p:set>
                                       <p:cBhvr>
-                                        <p:cTn id="48" dur="1" fill="hold">
+                                        <p:cTn id="60" dur="1" fill="hold">
+                                          <p:stCondLst>
+                                            <p:cond delay="0"/>
+                                          </p:stCondLst>
+                                        </p:cTn>
+                                        <p:tgtEl>
+                                          <p:spTgt spid="72"/>
+                                        </p:tgtEl>
+                                        <p:attrNameLst>
+                                          <p:attrName>style.visibility</p:attrName>
+                                        </p:attrNameLst>
+                                      </p:cBhvr>
+                                      <p:to>
+                                        <p:strVal val="visible"/>
+                                      </p:to>
+                                    </p:set>
+                                    <p:animEffect transition="in" filter="randombar(horizontal)">
+                                      <p:cBhvr>
+                                        <p:cTn id="61" dur="500"/>
+                                        <p:tgtEl>
+                                          <p:spTgt spid="72"/>
+                                        </p:tgtEl>
+                                      </p:cBhvr>
+                                    </p:animEffect>
+                                  </p:childTnLst>
+                                </p:cTn>
+                              </p:par>
+                              <p:par>
+                                <p:cTn id="62" presetID="14" presetClass="entr" presetSubtype="10" fill="hold" grpId="0" nodeType="withEffect">
+                                  <p:stCondLst>
+                                    <p:cond delay="0"/>
+                                  </p:stCondLst>
+                                  <p:childTnLst>
+                                    <p:set>
+                                      <p:cBhvr>
+                                        <p:cTn id="63" dur="1" fill="hold">
+                                          <p:stCondLst>
+                                            <p:cond delay="0"/>
+                                          </p:stCondLst>
+                                        </p:cTn>
+                                        <p:tgtEl>
+                                          <p:spTgt spid="28"/>
+                                        </p:tgtEl>
+                                        <p:attrNameLst>
+                                          <p:attrName>style.visibility</p:attrName>
+                                        </p:attrNameLst>
+                                      </p:cBhvr>
+                                      <p:to>
+                                        <p:strVal val="visible"/>
+                                      </p:to>
+                                    </p:set>
+                                    <p:animEffect transition="in" filter="randombar(horizontal)">
+                                      <p:cBhvr>
+                                        <p:cTn id="64" dur="500"/>
+                                        <p:tgtEl>
+                                          <p:spTgt spid="28"/>
+                                        </p:tgtEl>
+                                      </p:cBhvr>
+                                    </p:animEffect>
+                                  </p:childTnLst>
+                                </p:cTn>
+                              </p:par>
+                              <p:par>
+                                <p:cTn id="65" presetID="14" presetClass="entr" presetSubtype="10" fill="hold" nodeType="withEffect">
+                                  <p:stCondLst>
+                                    <p:cond delay="0"/>
+                                  </p:stCondLst>
+                                  <p:childTnLst>
+                                    <p:set>
+                                      <p:cBhvr>
+                                        <p:cTn id="66" dur="1" fill="hold">
                                           <p:stCondLst>
                                             <p:cond delay="0"/>
                                           </p:stCondLst>
@@ -11365,79 +11828,9 @@
                                     </p:set>
                                     <p:animEffect transition="in" filter="randombar(horizontal)">
                                       <p:cBhvr>
-                                        <p:cTn id="49" dur="500"/>
+                                        <p:cTn id="67" dur="500"/>
                                         <p:tgtEl>
                                           <p:spTgt spid="12"/>
-                                        </p:tgtEl>
-                                      </p:cBhvr>
-                                    </p:animEffect>
-                                  </p:childTnLst>
-                                </p:cTn>
-                              </p:par>
-                              <p:par>
-                                <p:cTn id="50" presetID="14" presetClass="entr" presetSubtype="10" fill="hold" nodeType="withEffect">
-                                  <p:stCondLst>
-                                    <p:cond delay="0"/>
-                                  </p:stCondLst>
-                                  <p:childTnLst>
-                                    <p:set>
-                                      <p:cBhvr>
-                                        <p:cTn id="51" dur="1" fill="hold">
-                                          <p:stCondLst>
-                                            <p:cond delay="0"/>
-                                          </p:stCondLst>
-                                        </p:cTn>
-                                        <p:tgtEl>
-                                          <p:spTgt spid="8"/>
-                                        </p:tgtEl>
-                                        <p:attrNameLst>
-                                          <p:attrName>style.visibility</p:attrName>
-                                        </p:attrNameLst>
-                                      </p:cBhvr>
-                                      <p:to>
-                                        <p:strVal val="visible"/>
-                                      </p:to>
-                                    </p:set>
-                                    <p:animEffect transition="in" filter="randombar(horizontal)">
-                                      <p:cBhvr>
-                                        <p:cTn id="52" dur="500"/>
-                                        <p:tgtEl>
-                                          <p:spTgt spid="8"/>
-                                        </p:tgtEl>
-                                      </p:cBhvr>
-                                    </p:animEffect>
-                                  </p:childTnLst>
-                                </p:cTn>
-                              </p:par>
-                              <p:par>
-                                <p:cTn id="53" presetID="14" presetClass="entr" presetSubtype="10" fill="hold" grpId="0" nodeType="withEffect">
-                                  <p:stCondLst>
-                                    <p:cond delay="0"/>
-                                  </p:stCondLst>
-                                  <p:childTnLst>
-                                    <p:set>
-                                      <p:cBhvr>
-                                        <p:cTn id="54" dur="1" fill="hold">
-                                          <p:stCondLst>
-                                            <p:cond delay="0"/>
-                                          </p:stCondLst>
-                                        </p:cTn>
-                                        <p:tgtEl>
-                                          <p:spTgt spid="28"/>
-                                        </p:tgtEl>
-                                        <p:attrNameLst>
-                                          <p:attrName>style.visibility</p:attrName>
-                                        </p:attrNameLst>
-                                      </p:cBhvr>
-                                      <p:to>
-                                        <p:strVal val="visible"/>
-                                      </p:to>
-                                    </p:set>
-                                    <p:animEffect transition="in" filter="randombar(horizontal)">
-                                      <p:cBhvr>
-                                        <p:cTn id="55" dur="500"/>
-                                        <p:tgtEl>
-                                          <p:spTgt spid="28"/>
                                         </p:tgtEl>
                                       </p:cBhvr>
                                     </p:animEffect>

--- a/presentation_slides.pptx
+++ b/presentation_slides.pptx
@@ -5,22 +5,23 @@
     <p:sldMasterId id="2147483648" r:id="rId1"/>
   </p:sldMasterIdLst>
   <p:notesMasterIdLst>
-    <p:notesMasterId r:id="rId15"/>
+    <p:notesMasterId r:id="rId16"/>
   </p:notesMasterIdLst>
   <p:sldIdLst>
     <p:sldId id="256" r:id="rId2"/>
     <p:sldId id="257" r:id="rId3"/>
     <p:sldId id="258" r:id="rId4"/>
-    <p:sldId id="265" r:id="rId5"/>
-    <p:sldId id="268" r:id="rId6"/>
-    <p:sldId id="259" r:id="rId7"/>
-    <p:sldId id="260" r:id="rId8"/>
-    <p:sldId id="266" r:id="rId9"/>
-    <p:sldId id="261" r:id="rId10"/>
-    <p:sldId id="264" r:id="rId11"/>
-    <p:sldId id="262" r:id="rId12"/>
-    <p:sldId id="263" r:id="rId13"/>
-    <p:sldId id="267" r:id="rId14"/>
+    <p:sldId id="269" r:id="rId5"/>
+    <p:sldId id="265" r:id="rId6"/>
+    <p:sldId id="268" r:id="rId7"/>
+    <p:sldId id="259" r:id="rId8"/>
+    <p:sldId id="260" r:id="rId9"/>
+    <p:sldId id="266" r:id="rId10"/>
+    <p:sldId id="261" r:id="rId11"/>
+    <p:sldId id="264" r:id="rId12"/>
+    <p:sldId id="262" r:id="rId13"/>
+    <p:sldId id="263" r:id="rId14"/>
+    <p:sldId id="267" r:id="rId15"/>
   </p:sldIdLst>
   <p:sldSz cx="12192000" cy="6858000"/>
   <p:notesSz cx="6858000" cy="9144000"/>
@@ -2128,108 +2129,80 @@
           <a:bodyPr/>
           <a:lstStyle/>
           <a:p>
-            <a:pPr marL="0" marR="0" indent="0" algn="l" defTabSz="914400" rtl="0" eaLnBrk="1" fontAlgn="auto" latinLnBrk="0" hangingPunct="1">
-              <a:lnSpc>
-                <a:spcPct val="100000"/>
-              </a:lnSpc>
-              <a:spcBef>
-                <a:spcPts val="0"/>
-              </a:spcBef>
-              <a:spcAft>
-                <a:spcPts val="0"/>
-              </a:spcAft>
-              <a:buClrTx/>
-              <a:buSzTx/>
-              <a:buFontTx/>
-              <a:buNone/>
-              <a:tabLst/>
-              <a:defRPr/>
+            <a:pPr marL="514350" indent="-514350">
+              <a:buFont typeface="+mj-lt"/>
+              <a:buAutoNum type="arabicPeriod"/>
             </a:pPr>
             <a:r>
-              <a:rPr kumimoji="1" lang="ja-JP" altLang="en-US" sz="1200" kern="1200">
-                <a:solidFill>
-                  <a:schemeClr val="tx1"/>
-                </a:solidFill>
-                <a:effectLst/>
-                <a:latin typeface="+mn-lt"/>
-                <a:ea typeface="+mn-ea"/>
-                <a:cs typeface="+mn-cs"/>
-              </a:rPr>
-              <a:t>サードパーティ</a:t>
-            </a:r>
-            <a:r>
-              <a:rPr kumimoji="1" lang="en-US" altLang="ja-JP" sz="1200" kern="1200">
-                <a:solidFill>
-                  <a:schemeClr val="tx1"/>
-                </a:solidFill>
-                <a:effectLst/>
-                <a:latin typeface="+mn-lt"/>
-                <a:ea typeface="+mn-ea"/>
-                <a:cs typeface="+mn-cs"/>
-              </a:rPr>
-              <a:t> Cookie </a:t>
-            </a:r>
-            <a:r>
-              <a:rPr kumimoji="1" lang="ja-JP" altLang="en-US" sz="1200" kern="1200">
-                <a:solidFill>
-                  <a:schemeClr val="tx1"/>
-                </a:solidFill>
-                <a:effectLst/>
-                <a:latin typeface="+mn-lt"/>
-                <a:ea typeface="+mn-ea"/>
-                <a:cs typeface="+mn-cs"/>
-              </a:rPr>
-              <a:t>とは、ユーザが訪問している</a:t>
-            </a:r>
-            <a:r>
-              <a:rPr kumimoji="1" lang="en-US" altLang="ja-JP" sz="1200" kern="1200">
-                <a:solidFill>
-                  <a:schemeClr val="tx1"/>
-                </a:solidFill>
-                <a:effectLst/>
-                <a:latin typeface="+mn-lt"/>
-                <a:ea typeface="+mn-ea"/>
-                <a:cs typeface="+mn-cs"/>
-              </a:rPr>
-              <a:t> Web </a:t>
-            </a:r>
-            <a:r>
-              <a:rPr kumimoji="1" lang="ja-JP" altLang="en-US" sz="1200" kern="1200">
-                <a:solidFill>
-                  <a:schemeClr val="tx1"/>
-                </a:solidFill>
-                <a:effectLst/>
-                <a:latin typeface="+mn-lt"/>
-                <a:ea typeface="+mn-ea"/>
-                <a:cs typeface="+mn-cs"/>
-              </a:rPr>
-              <a:t>サイトのドメイン以外から発行されている</a:t>
-            </a:r>
-            <a:r>
-              <a:rPr kumimoji="1" lang="en-US" altLang="ja-JP" sz="1200" kern="1200">
-                <a:solidFill>
-                  <a:schemeClr val="tx1"/>
-                </a:solidFill>
-                <a:effectLst/>
-                <a:latin typeface="+mn-lt"/>
-                <a:ea typeface="+mn-ea"/>
-                <a:cs typeface="+mn-cs"/>
-              </a:rPr>
-              <a:t> Cookie </a:t>
-            </a:r>
-            <a:r>
-              <a:rPr kumimoji="1" lang="ja-JP" altLang="en-US" sz="1200" kern="1200">
-                <a:solidFill>
-                  <a:schemeClr val="tx1"/>
-                </a:solidFill>
-                <a:effectLst/>
-                <a:latin typeface="+mn-lt"/>
-                <a:ea typeface="+mn-ea"/>
-                <a:cs typeface="+mn-cs"/>
-              </a:rPr>
-              <a:t>のこと</a:t>
-            </a:r>
-            <a:endParaRPr lang="ja-JP" altLang="en-US"/>
+              <a:rPr kumimoji="1" lang="en-US" altLang="ja-JP"/>
+              <a:t>IP </a:t>
+            </a:r>
+            <a:r>
+              <a:rPr kumimoji="1" lang="ja-JP" altLang="en-US"/>
+              <a:t>アドレスによる特定が困難</a:t>
+            </a:r>
+            <a:endParaRPr kumimoji="1" lang="en-US" altLang="ja-JP"/>
+          </a:p>
+          <a:p>
+            <a:pPr marL="514350" indent="-514350">
+              <a:buFont typeface="+mj-lt"/>
+              <a:buAutoNum type="arabicPeriod"/>
+            </a:pPr>
+            <a:r>
+              <a:rPr lang="en-US" altLang="ja-JP"/>
+              <a:t>Cookie </a:t>
+            </a:r>
+            <a:r>
+              <a:rPr lang="ja-JP" altLang="en-US"/>
+              <a:t>による特定に着目</a:t>
+            </a:r>
+            <a:endParaRPr lang="en-US" altLang="ja-JP"/>
+          </a:p>
+          <a:p>
+            <a:pPr marL="514350" indent="-514350">
+              <a:buFont typeface="+mj-lt"/>
+              <a:buAutoNum type="arabicPeriod"/>
+            </a:pPr>
+            <a:r>
+              <a:rPr lang="en-US" altLang="ja-JP"/>
+              <a:t>SNS </a:t>
+            </a:r>
+            <a:r>
+              <a:rPr lang="ja-JP" altLang="en-US"/>
+              <a:t>シェアボタンの設置</a:t>
+            </a:r>
+            <a:endParaRPr lang="en-US" altLang="ja-JP"/>
+          </a:p>
+          <a:p>
+            <a:pPr marL="514350" indent="-514350">
+              <a:buFont typeface="+mj-lt"/>
+              <a:buAutoNum type="arabicPeriod"/>
+            </a:pPr>
+            <a:r>
+              <a:rPr kumimoji="1" lang="en-US" altLang="ja-JP"/>
+              <a:t>SNS </a:t>
+            </a:r>
+            <a:r>
+              <a:rPr kumimoji="1" lang="ja-JP" altLang="en-US"/>
+              <a:t>シェアボタン</a:t>
+            </a:r>
+            <a:r>
+              <a:rPr lang="ja-JP" altLang="en-US"/>
+              <a:t>の</a:t>
+            </a:r>
+            <a:r>
+              <a:rPr lang="en-US" altLang="ja-JP"/>
+              <a:t> </a:t>
+            </a:r>
+            <a:r>
+              <a:rPr kumimoji="1" lang="en-US" altLang="ja-JP"/>
+              <a:t>Cookie </a:t>
+            </a:r>
+            <a:r>
+              <a:rPr kumimoji="1" lang="ja-JP" altLang="en-US"/>
+              <a:t>を利用した特定手法の提案</a:t>
+            </a:r>
+            <a:endParaRPr kumimoji="1" lang="en-US" altLang="ja-JP"/>
           </a:p>
         </p:txBody>
       </p:sp>
@@ -2249,16 +2222,17 @@
           <a:lstStyle/>
           <a:p>
             <a:fld id="{B501E337-A02A-784A-B006-0DBA91238D1B}" type="slidenum">
-              <a:t>11</a:t>
+              <a:rPr lang="uk-UA"/>
+              <a:t>3</a:t>
             </a:fld>
-            <a:endParaRPr kumimoji="1" lang="ja-JP" altLang="en-US"/>
+            <a:endParaRPr kumimoji="1" lang="uk-UA" altLang="ja-JP"/>
           </a:p>
         </p:txBody>
       </p:sp>
     </p:spTree>
     <p:extLst>
       <p:ext uri="{BB962C8B-B14F-4D97-AF65-F5344CB8AC3E}">
-        <p14:creationId xmlns:p14="http://schemas.microsoft.com/office/powerpoint/2010/main" val="463770429"/>
+        <p14:creationId xmlns:p14="http://schemas.microsoft.com/office/powerpoint/2010/main" val="67639851"/>
       </p:ext>
     </p:extLst>
   </p:cSld>
@@ -2312,68 +2286,80 @@
           <a:bodyPr/>
           <a:lstStyle/>
           <a:p>
-            <a:r>
-              <a:rPr kumimoji="1" lang="ja-JP" altLang="en-US"/>
-              <a:t>仮に</a:t>
-            </a:r>
+            <a:pPr marL="514350" indent="-514350">
+              <a:buFont typeface="+mj-lt"/>
+              <a:buAutoNum type="arabicPeriod"/>
+            </a:pPr>
             <a:r>
               <a:rPr kumimoji="1" lang="en-US" altLang="ja-JP"/>
-              <a:t>IP</a:t>
-            </a:r>
-            <a:r>
-              <a:rPr kumimoji="1" lang="ja-JP" altLang="en-US"/>
-              <a:t>アドレスがわかれば個人を特定できるとして、</a:t>
+              <a:t>IP </a:t>
+            </a:r>
+            <a:r>
+              <a:rPr kumimoji="1" lang="ja-JP" altLang="en-US"/>
+              <a:t>アドレスによる特定が困難</a:t>
             </a:r>
             <a:endParaRPr kumimoji="1" lang="en-US" altLang="ja-JP"/>
           </a:p>
           <a:p>
+            <a:pPr marL="514350" indent="-514350">
+              <a:buFont typeface="+mj-lt"/>
+              <a:buAutoNum type="arabicPeriod"/>
+            </a:pPr>
+            <a:r>
+              <a:rPr lang="en-US" altLang="ja-JP"/>
+              <a:t>Cookie </a:t>
+            </a:r>
+            <a:r>
+              <a:rPr lang="ja-JP" altLang="en-US"/>
+              <a:t>による特定に着目</a:t>
+            </a:r>
+            <a:endParaRPr lang="en-US" altLang="ja-JP"/>
+          </a:p>
+          <a:p>
+            <a:pPr marL="514350" indent="-514350">
+              <a:buFont typeface="+mj-lt"/>
+              <a:buAutoNum type="arabicPeriod"/>
+            </a:pPr>
+            <a:r>
+              <a:rPr lang="en-US" altLang="ja-JP"/>
+              <a:t>SNS </a:t>
+            </a:r>
+            <a:r>
+              <a:rPr lang="ja-JP" altLang="en-US"/>
+              <a:t>シェアボタンの設置</a:t>
+            </a:r>
+            <a:endParaRPr lang="en-US" altLang="ja-JP"/>
+          </a:p>
+          <a:p>
+            <a:pPr marL="514350" indent="-514350">
+              <a:buFont typeface="+mj-lt"/>
+              <a:buAutoNum type="arabicPeriod"/>
+            </a:pPr>
             <a:r>
               <a:rPr kumimoji="1" lang="en-US" altLang="ja-JP"/>
-              <a:t>IP</a:t>
-            </a:r>
-            <a:r>
-              <a:rPr kumimoji="1" lang="ja-JP" altLang="en-US"/>
-              <a:t>アドレスによる特定は、学外の</a:t>
+              <a:t>SNS </a:t>
+            </a:r>
+            <a:r>
+              <a:rPr kumimoji="1" lang="ja-JP" altLang="en-US"/>
+              <a:t>シェアボタン</a:t>
+            </a:r>
+            <a:r>
+              <a:rPr lang="ja-JP" altLang="en-US"/>
+              <a:t>の</a:t>
+            </a:r>
+            <a:r>
+              <a:rPr lang="en-US" altLang="ja-JP"/>
+              <a:t> </a:t>
             </a:r>
             <a:r>
               <a:rPr kumimoji="1" lang="en-US" altLang="ja-JP"/>
-              <a:t>9</a:t>
-            </a:r>
-            <a:r>
-              <a:rPr kumimoji="1" lang="ja-JP" altLang="en-US"/>
-              <a:t>名は特定することができるけど、残りの</a:t>
-            </a:r>
-            <a:r>
-              <a:rPr kumimoji="1" lang="en-US" altLang="ja-JP"/>
-              <a:t>6</a:t>
-            </a:r>
-            <a:r>
-              <a:rPr kumimoji="1" lang="ja-JP" altLang="en-US"/>
-              <a:t>名は特定することができない</a:t>
+              <a:t>Cookie </a:t>
+            </a:r>
+            <a:r>
+              <a:rPr kumimoji="1" lang="ja-JP" altLang="en-US"/>
+              <a:t>を利用した特定手法の提案</a:t>
             </a:r>
             <a:endParaRPr kumimoji="1" lang="en-US" altLang="ja-JP"/>
-          </a:p>
-          <a:p>
-            <a:r>
-              <a:rPr kumimoji="1" lang="ja-JP" altLang="en-US"/>
-              <a:t>それに対して、</a:t>
-            </a:r>
-            <a:r>
-              <a:rPr kumimoji="1" lang="en-US" altLang="ja-JP"/>
-              <a:t>Cookie</a:t>
-            </a:r>
-            <a:r>
-              <a:rPr kumimoji="1" lang="ja-JP" altLang="en-US"/>
-              <a:t>による特定は、</a:t>
-            </a:r>
-            <a:r>
-              <a:rPr kumimoji="1" lang="en-US" altLang="ja-JP"/>
-              <a:t>13</a:t>
-            </a:r>
-            <a:r>
-              <a:rPr kumimoji="1" lang="ja-JP" altLang="en-US"/>
-              <a:t>名を特定することができる</a:t>
-            </a:r>
           </a:p>
         </p:txBody>
       </p:sp>
@@ -2393,7 +2379,336 @@
           <a:lstStyle/>
           <a:p>
             <a:fld id="{B501E337-A02A-784A-B006-0DBA91238D1B}" type="slidenum">
+              <a:rPr lang="uk-UA"/>
+              <a:t>4</a:t>
+            </a:fld>
+            <a:endParaRPr kumimoji="1" lang="uk-UA" altLang="ja-JP"/>
+          </a:p>
+        </p:txBody>
+      </p:sp>
+    </p:spTree>
+    <p:extLst>
+      <p:ext uri="{BB962C8B-B14F-4D97-AF65-F5344CB8AC3E}">
+        <p14:creationId xmlns:p14="http://schemas.microsoft.com/office/powerpoint/2010/main" val="1430953945"/>
+      </p:ext>
+    </p:extLst>
+  </p:cSld>
+  <p:clrMapOvr>
+    <a:masterClrMapping/>
+  </p:clrMapOvr>
+</p:notes>
+</file>
+
+<file path=ppt/notesSlides/notesSlide3.xml><?xml version="1.0" encoding="utf-8"?>
+<p:notes xmlns:a="http://schemas.openxmlformats.org/drawingml/2006/main" xmlns:r="http://schemas.openxmlformats.org/officeDocument/2006/relationships" xmlns:p="http://schemas.openxmlformats.org/presentationml/2006/main">
+  <p:cSld>
+    <p:spTree>
+      <p:nvGrpSpPr>
+        <p:cNvPr id="1" name=""/>
+        <p:cNvGrpSpPr/>
+        <p:nvPr/>
+      </p:nvGrpSpPr>
+      <p:grpSpPr>
+        <a:xfrm>
+          <a:off x="0" y="0"/>
+          <a:ext cx="0" cy="0"/>
+          <a:chOff x="0" y="0"/>
+          <a:chExt cx="0" cy="0"/>
+        </a:xfrm>
+      </p:grpSpPr>
+      <p:sp>
+        <p:nvSpPr>
+          <p:cNvPr id="2" name="スライド イメージ プレースホルダー 1"/>
+          <p:cNvSpPr>
+            <a:spLocks noGrp="1" noRot="1" noChangeAspect="1"/>
+          </p:cNvSpPr>
+          <p:nvPr>
+            <p:ph type="sldImg"/>
+          </p:nvPr>
+        </p:nvSpPr>
+        <p:spPr/>
+      </p:sp>
+      <p:sp>
+        <p:nvSpPr>
+          <p:cNvPr id="3" name="ノート プレースホルダー 2"/>
+          <p:cNvSpPr>
+            <a:spLocks noGrp="1"/>
+          </p:cNvSpPr>
+          <p:nvPr>
+            <p:ph type="body" idx="1"/>
+          </p:nvPr>
+        </p:nvSpPr>
+        <p:spPr/>
+        <p:txBody>
+          <a:bodyPr/>
+          <a:lstStyle/>
+          <a:p>
+            <a:pPr marL="0" marR="0" indent="0" algn="l" defTabSz="914400" rtl="0" eaLnBrk="1" fontAlgn="auto" latinLnBrk="0" hangingPunct="1">
+              <a:lnSpc>
+                <a:spcPct val="100000"/>
+              </a:lnSpc>
+              <a:spcBef>
+                <a:spcPts val="0"/>
+              </a:spcBef>
+              <a:spcAft>
+                <a:spcPts val="0"/>
+              </a:spcAft>
+              <a:buClrTx/>
+              <a:buSzTx/>
+              <a:buFontTx/>
+              <a:buNone/>
+              <a:tabLst/>
+              <a:defRPr/>
+            </a:pPr>
+            <a:r>
+              <a:rPr kumimoji="1" lang="ja-JP" altLang="en-US" sz="1200" kern="1200">
+                <a:solidFill>
+                  <a:schemeClr val="tx1"/>
+                </a:solidFill>
+                <a:effectLst/>
+                <a:latin typeface="+mn-lt"/>
+                <a:ea typeface="+mn-ea"/>
+                <a:cs typeface="+mn-cs"/>
+              </a:rPr>
+              <a:t>サードパーティ</a:t>
+            </a:r>
+            <a:r>
+              <a:rPr kumimoji="1" lang="en-US" altLang="ja-JP" sz="1200" kern="1200">
+                <a:solidFill>
+                  <a:schemeClr val="tx1"/>
+                </a:solidFill>
+                <a:effectLst/>
+                <a:latin typeface="+mn-lt"/>
+                <a:ea typeface="+mn-ea"/>
+                <a:cs typeface="+mn-cs"/>
+              </a:rPr>
+              <a:t> Cookie </a:t>
+            </a:r>
+            <a:r>
+              <a:rPr kumimoji="1" lang="ja-JP" altLang="en-US" sz="1200" kern="1200">
+                <a:solidFill>
+                  <a:schemeClr val="tx1"/>
+                </a:solidFill>
+                <a:effectLst/>
+                <a:latin typeface="+mn-lt"/>
+                <a:ea typeface="+mn-ea"/>
+                <a:cs typeface="+mn-cs"/>
+              </a:rPr>
+              <a:t>とは、ユーザが訪問している</a:t>
+            </a:r>
+            <a:r>
+              <a:rPr kumimoji="1" lang="en-US" altLang="ja-JP" sz="1200" kern="1200">
+                <a:solidFill>
+                  <a:schemeClr val="tx1"/>
+                </a:solidFill>
+                <a:effectLst/>
+                <a:latin typeface="+mn-lt"/>
+                <a:ea typeface="+mn-ea"/>
+                <a:cs typeface="+mn-cs"/>
+              </a:rPr>
+              <a:t> Web </a:t>
+            </a:r>
+            <a:r>
+              <a:rPr kumimoji="1" lang="ja-JP" altLang="en-US" sz="1200" kern="1200">
+                <a:solidFill>
+                  <a:schemeClr val="tx1"/>
+                </a:solidFill>
+                <a:effectLst/>
+                <a:latin typeface="+mn-lt"/>
+                <a:ea typeface="+mn-ea"/>
+                <a:cs typeface="+mn-cs"/>
+              </a:rPr>
+              <a:t>サイトのドメイン以外から発行されている</a:t>
+            </a:r>
+            <a:r>
+              <a:rPr kumimoji="1" lang="en-US" altLang="ja-JP" sz="1200" kern="1200">
+                <a:solidFill>
+                  <a:schemeClr val="tx1"/>
+                </a:solidFill>
+                <a:effectLst/>
+                <a:latin typeface="+mn-lt"/>
+                <a:ea typeface="+mn-ea"/>
+                <a:cs typeface="+mn-cs"/>
+              </a:rPr>
+              <a:t> Cookie </a:t>
+            </a:r>
+            <a:r>
+              <a:rPr kumimoji="1" lang="ja-JP" altLang="en-US" sz="1200" kern="1200">
+                <a:solidFill>
+                  <a:schemeClr val="tx1"/>
+                </a:solidFill>
+                <a:effectLst/>
+                <a:latin typeface="+mn-lt"/>
+                <a:ea typeface="+mn-ea"/>
+                <a:cs typeface="+mn-cs"/>
+              </a:rPr>
+              <a:t>のこと</a:t>
+            </a:r>
+            <a:endParaRPr lang="ja-JP" altLang="en-US"/>
+          </a:p>
+        </p:txBody>
+      </p:sp>
+      <p:sp>
+        <p:nvSpPr>
+          <p:cNvPr id="4" name="スライド番号プレースホルダー 3"/>
+          <p:cNvSpPr>
+            <a:spLocks noGrp="1"/>
+          </p:cNvSpPr>
+          <p:nvPr>
+            <p:ph type="sldNum" sz="quarter" idx="10"/>
+          </p:nvPr>
+        </p:nvSpPr>
+        <p:spPr/>
+        <p:txBody>
+          <a:bodyPr/>
+          <a:lstStyle/>
+          <a:p>
+            <a:fld id="{B501E337-A02A-784A-B006-0DBA91238D1B}" type="slidenum">
               <a:t>12</a:t>
+            </a:fld>
+            <a:endParaRPr kumimoji="1" lang="ja-JP" altLang="en-US"/>
+          </a:p>
+        </p:txBody>
+      </p:sp>
+    </p:spTree>
+    <p:extLst>
+      <p:ext uri="{BB962C8B-B14F-4D97-AF65-F5344CB8AC3E}">
+        <p14:creationId xmlns:p14="http://schemas.microsoft.com/office/powerpoint/2010/main" val="463770429"/>
+      </p:ext>
+    </p:extLst>
+  </p:cSld>
+  <p:clrMapOvr>
+    <a:masterClrMapping/>
+  </p:clrMapOvr>
+</p:notes>
+</file>
+
+<file path=ppt/notesSlides/notesSlide4.xml><?xml version="1.0" encoding="utf-8"?>
+<p:notes xmlns:a="http://schemas.openxmlformats.org/drawingml/2006/main" xmlns:r="http://schemas.openxmlformats.org/officeDocument/2006/relationships" xmlns:p="http://schemas.openxmlformats.org/presentationml/2006/main">
+  <p:cSld>
+    <p:spTree>
+      <p:nvGrpSpPr>
+        <p:cNvPr id="1" name=""/>
+        <p:cNvGrpSpPr/>
+        <p:nvPr/>
+      </p:nvGrpSpPr>
+      <p:grpSpPr>
+        <a:xfrm>
+          <a:off x="0" y="0"/>
+          <a:ext cx="0" cy="0"/>
+          <a:chOff x="0" y="0"/>
+          <a:chExt cx="0" cy="0"/>
+        </a:xfrm>
+      </p:grpSpPr>
+      <p:sp>
+        <p:nvSpPr>
+          <p:cNvPr id="2" name="スライド イメージ プレースホルダー 1"/>
+          <p:cNvSpPr>
+            <a:spLocks noGrp="1" noRot="1" noChangeAspect="1"/>
+          </p:cNvSpPr>
+          <p:nvPr>
+            <p:ph type="sldImg"/>
+          </p:nvPr>
+        </p:nvSpPr>
+        <p:spPr/>
+      </p:sp>
+      <p:sp>
+        <p:nvSpPr>
+          <p:cNvPr id="3" name="ノート プレースホルダー 2"/>
+          <p:cNvSpPr>
+            <a:spLocks noGrp="1"/>
+          </p:cNvSpPr>
+          <p:nvPr>
+            <p:ph type="body" idx="1"/>
+          </p:nvPr>
+        </p:nvSpPr>
+        <p:spPr/>
+        <p:txBody>
+          <a:bodyPr/>
+          <a:lstStyle/>
+          <a:p>
+            <a:r>
+              <a:rPr kumimoji="1" lang="ja-JP" altLang="en-US"/>
+              <a:t>仮に</a:t>
+            </a:r>
+            <a:r>
+              <a:rPr kumimoji="1" lang="en-US" altLang="ja-JP"/>
+              <a:t>IP</a:t>
+            </a:r>
+            <a:r>
+              <a:rPr kumimoji="1" lang="ja-JP" altLang="en-US"/>
+              <a:t>アドレスがわかれば個人を特定できるとして、</a:t>
+            </a:r>
+            <a:endParaRPr kumimoji="1" lang="en-US" altLang="ja-JP"/>
+          </a:p>
+          <a:p>
+            <a:r>
+              <a:rPr kumimoji="1" lang="en-US" altLang="ja-JP"/>
+              <a:t>IP</a:t>
+            </a:r>
+            <a:r>
+              <a:rPr kumimoji="1" lang="ja-JP" altLang="en-US"/>
+              <a:t>アドレスによる特定は、学外の</a:t>
+            </a:r>
+            <a:r>
+              <a:rPr kumimoji="1" lang="en-US" altLang="ja-JP"/>
+              <a:t>9</a:t>
+            </a:r>
+            <a:r>
+              <a:rPr kumimoji="1" lang="ja-JP" altLang="en-US"/>
+              <a:t>名は特定することができるけど、残りの</a:t>
+            </a:r>
+            <a:r>
+              <a:rPr kumimoji="1" lang="en-US" altLang="ja-JP"/>
+              <a:t>6</a:t>
+            </a:r>
+            <a:r>
+              <a:rPr kumimoji="1" lang="ja-JP" altLang="en-US"/>
+              <a:t>名は特定することができない</a:t>
+            </a:r>
+            <a:endParaRPr kumimoji="1" lang="en-US" altLang="ja-JP"/>
+          </a:p>
+          <a:p>
+            <a:r>
+              <a:rPr kumimoji="1" lang="ja-JP" altLang="en-US"/>
+              <a:t>それに対して、</a:t>
+            </a:r>
+            <a:r>
+              <a:rPr kumimoji="1" lang="en-US" altLang="ja-JP"/>
+              <a:t>Cookie</a:t>
+            </a:r>
+            <a:r>
+              <a:rPr kumimoji="1" lang="ja-JP" altLang="en-US"/>
+              <a:t>による特定は、</a:t>
+            </a:r>
+            <a:r>
+              <a:rPr kumimoji="1" lang="en-US" altLang="ja-JP"/>
+              <a:t>13</a:t>
+            </a:r>
+            <a:r>
+              <a:rPr kumimoji="1" lang="ja-JP" altLang="en-US"/>
+              <a:t>名を特定することができる</a:t>
+            </a:r>
+          </a:p>
+        </p:txBody>
+      </p:sp>
+      <p:sp>
+        <p:nvSpPr>
+          <p:cNvPr id="4" name="スライド番号プレースホルダー 3"/>
+          <p:cNvSpPr>
+            <a:spLocks noGrp="1"/>
+          </p:cNvSpPr>
+          <p:nvPr>
+            <p:ph type="sldNum" sz="quarter" idx="10"/>
+          </p:nvPr>
+        </p:nvSpPr>
+        <p:spPr/>
+        <p:txBody>
+          <a:bodyPr/>
+          <a:lstStyle/>
+          <a:p>
+            <a:fld id="{B501E337-A02A-784A-B006-0DBA91238D1B}" type="slidenum">
+              <a:t>13</a:t>
             </a:fld>
             <a:endParaRPr kumimoji="1" lang="ja-JP" altLang="en-US"/>
           </a:p>
@@ -5646,6 +5961,153 @@
 </file>
 
 <file path=ppt/slides/slide10.xml><?xml version="1.0" encoding="utf-8"?>
+<p:sld xmlns:a="http://schemas.openxmlformats.org/drawingml/2006/main" xmlns:r="http://schemas.openxmlformats.org/officeDocument/2006/relationships" xmlns:p="http://schemas.openxmlformats.org/presentationml/2006/main">
+  <p:cSld>
+    <p:spTree>
+      <p:nvGrpSpPr>
+        <p:cNvPr id="1" name=""/>
+        <p:cNvGrpSpPr/>
+        <p:nvPr/>
+      </p:nvGrpSpPr>
+      <p:grpSpPr>
+        <a:xfrm>
+          <a:off x="0" y="0"/>
+          <a:ext cx="0" cy="0"/>
+          <a:chOff x="0" y="0"/>
+          <a:chExt cx="0" cy="0"/>
+        </a:xfrm>
+      </p:grpSpPr>
+      <p:sp>
+        <p:nvSpPr>
+          <p:cNvPr id="2" name="タイトル 1"/>
+          <p:cNvSpPr>
+            <a:spLocks noGrp="1"/>
+          </p:cNvSpPr>
+          <p:nvPr>
+            <p:ph type="title"/>
+          </p:nvPr>
+        </p:nvSpPr>
+        <p:spPr>
+          <a:xfrm>
+            <a:off x="157717" y="152474"/>
+            <a:ext cx="10515600" cy="1325563"/>
+          </a:xfrm>
+        </p:spPr>
+        <p:txBody>
+          <a:bodyPr/>
+          <a:lstStyle/>
+          <a:p>
+            <a:r>
+              <a:rPr kumimoji="1" lang="ja-JP" altLang="en-US"/>
+              <a:t>実験結果</a:t>
+            </a:r>
+          </a:p>
+        </p:txBody>
+      </p:sp>
+      <p:sp>
+        <p:nvSpPr>
+          <p:cNvPr id="3" name="コンテンツ プレースホルダー 2"/>
+          <p:cNvSpPr>
+            <a:spLocks noGrp="1"/>
+          </p:cNvSpPr>
+          <p:nvPr>
+            <p:ph idx="1"/>
+          </p:nvPr>
+        </p:nvSpPr>
+        <p:spPr/>
+        <p:txBody>
+          <a:bodyPr/>
+          <a:lstStyle/>
+          <a:p>
+            <a:pPr>
+              <a:lnSpc>
+                <a:spcPct val="100000"/>
+              </a:lnSpc>
+            </a:pPr>
+            <a:r>
+              <a:rPr kumimoji="1" lang="en-US" altLang="ja-JP"/>
+              <a:t>15</a:t>
+            </a:r>
+            <a:r>
+              <a:rPr kumimoji="1" lang="ja-JP" altLang="en-US"/>
+              <a:t> 名中、</a:t>
+            </a:r>
+            <a:r>
+              <a:rPr kumimoji="1" lang="en-US" altLang="ja-JP"/>
+              <a:t>13 </a:t>
+            </a:r>
+            <a:r>
+              <a:rPr kumimoji="1" lang="ja-JP" altLang="en-US"/>
+              <a:t>名を特定</a:t>
+            </a:r>
+            <a:endParaRPr kumimoji="1" lang="en-US" altLang="ja-JP"/>
+          </a:p>
+          <a:p>
+            <a:pPr>
+              <a:lnSpc>
+                <a:spcPct val="100000"/>
+              </a:lnSpc>
+            </a:pPr>
+            <a:r>
+              <a:rPr lang="ja-JP" altLang="en-US"/>
+              <a:t>正答率</a:t>
+            </a:r>
+            <a:r>
+              <a:rPr lang="en-US" altLang="ja-JP"/>
+              <a:t> 100 %</a:t>
+            </a:r>
+          </a:p>
+          <a:p>
+            <a:pPr>
+              <a:lnSpc>
+                <a:spcPct val="100000"/>
+              </a:lnSpc>
+            </a:pPr>
+            <a:r>
+              <a:rPr lang="ja-JP" altLang="en-US"/>
+              <a:t>残り</a:t>
+            </a:r>
+            <a:r>
+              <a:rPr lang="en-US" altLang="ja-JP"/>
+              <a:t> 2 </a:t>
+            </a:r>
+            <a:r>
+              <a:rPr lang="ja-JP" altLang="en-US"/>
+              <a:t>名はサードパーティ</a:t>
+            </a:r>
+            <a:r>
+              <a:rPr lang="en-US" altLang="ja-JP"/>
+              <a:t> Cookie </a:t>
+            </a:r>
+            <a:r>
+              <a:rPr lang="ja-JP" altLang="en-US"/>
+              <a:t>がブロックされていたため特定不可</a:t>
+            </a:r>
+            <a:endParaRPr kumimoji="1" lang="en-US" altLang="ja-JP"/>
+          </a:p>
+        </p:txBody>
+      </p:sp>
+    </p:spTree>
+    <p:extLst>
+      <p:ext uri="{BB962C8B-B14F-4D97-AF65-F5344CB8AC3E}">
+        <p14:creationId xmlns:p14="http://schemas.microsoft.com/office/powerpoint/2010/main" val="1048675044"/>
+      </p:ext>
+    </p:extLst>
+  </p:cSld>
+  <p:clrMapOvr>
+    <a:masterClrMapping/>
+  </p:clrMapOvr>
+  <p:timing>
+    <p:tnLst>
+      <p:par>
+        <p:cTn id="1" dur="indefinite" restart="never" nodeType="tmRoot"/>
+      </p:par>
+    </p:tnLst>
+  </p:timing>
+</p:sld>
+</file>
+
+<file path=ppt/slides/slide11.xml><?xml version="1.0" encoding="utf-8"?>
 <p:sld xmlns:a="http://schemas.openxmlformats.org/drawingml/2006/main" xmlns:r="http://schemas.openxmlformats.org/officeDocument/2006/relationships" xmlns:p="http://schemas.openxmlformats.org/presentationml/2006/main" show="0">
   <p:cSld>
     <p:spTree>
@@ -5760,7 +6222,7 @@
 </p:sld>
 </file>
 
-<file path=ppt/slides/slide11.xml><?xml version="1.0" encoding="utf-8"?>
+<file path=ppt/slides/slide12.xml><?xml version="1.0" encoding="utf-8"?>
 <p:sld xmlns:a="http://schemas.openxmlformats.org/drawingml/2006/main" xmlns:r="http://schemas.openxmlformats.org/officeDocument/2006/relationships" xmlns:p="http://schemas.openxmlformats.org/presentationml/2006/main">
   <p:cSld>
     <p:spTree>
@@ -6723,7 +7185,7 @@
 </p:sld>
 </file>
 
-<file path=ppt/slides/slide12.xml><?xml version="1.0" encoding="utf-8"?>
+<file path=ppt/slides/slide13.xml><?xml version="1.0" encoding="utf-8"?>
 <p:sld xmlns:a="http://schemas.openxmlformats.org/drawingml/2006/main" xmlns:r="http://schemas.openxmlformats.org/officeDocument/2006/relationships" xmlns:p="http://schemas.openxmlformats.org/presentationml/2006/main" show="0">
   <p:cSld>
     <p:spTree>
@@ -6843,7 +7305,7 @@
 </p:sld>
 </file>
 
-<file path=ppt/slides/slide13.xml><?xml version="1.0" encoding="utf-8"?>
+<file path=ppt/slides/slide14.xml><?xml version="1.0" encoding="utf-8"?>
 <p:sld xmlns:a="http://schemas.openxmlformats.org/drawingml/2006/main" xmlns:r="http://schemas.openxmlformats.org/officeDocument/2006/relationships" xmlns:p="http://schemas.openxmlformats.org/presentationml/2006/main">
   <p:cSld>
     <p:spTree>
@@ -7140,80 +7602,94 @@
           <a:bodyPr/>
           <a:lstStyle/>
           <a:p>
-            <a:pPr marL="514350" indent="-514350">
-              <a:buFont typeface="+mj-lt"/>
-              <a:buAutoNum type="arabicPeriod"/>
+            <a:pPr>
+              <a:lnSpc>
+                <a:spcPct val="100000"/>
+              </a:lnSpc>
             </a:pPr>
             <a:r>
-              <a:rPr kumimoji="1" lang="en-US" altLang="ja-JP"/>
-              <a:t>IP </a:t>
-            </a:r>
-            <a:r>
-              <a:rPr kumimoji="1" lang="ja-JP" altLang="en-US"/>
-              <a:t>アドレスによる特定が困難</a:t>
-            </a:r>
-            <a:endParaRPr kumimoji="1" lang="en-US" altLang="ja-JP"/>
-          </a:p>
-          <a:p>
-            <a:pPr marL="514350" indent="-514350">
-              <a:buFont typeface="+mj-lt"/>
-              <a:buAutoNum type="arabicPeriod"/>
+              <a:rPr lang="en-US" altLang="ja-JP"/>
+              <a:t>Web </a:t>
+            </a:r>
+            <a:r>
+              <a:rPr lang="ja-JP" altLang="en-US"/>
+              <a:t>サーバを狙ったサイバー犯罪の被害が拡大</a:t>
+            </a:r>
+            <a:endParaRPr lang="en-US" altLang="ja-JP"/>
+          </a:p>
+          <a:p>
+            <a:pPr lvl="1">
+              <a:lnSpc>
+                <a:spcPct val="100000"/>
+              </a:lnSpc>
             </a:pPr>
             <a:r>
+              <a:rPr lang="ja-JP" altLang="en-US"/>
+              <a:t>被害の拡大を防ぐために、サイバー犯罪の犯人を特定</a:t>
+            </a:r>
+            <a:r>
               <a:rPr lang="en-US" altLang="ja-JP"/>
-              <a:t>Cookie </a:t>
+              <a:t> (</a:t>
             </a:r>
             <a:r>
               <a:rPr lang="ja-JP" altLang="en-US"/>
-              <a:t>による特定に着目</a:t>
+              <a:t>逮捕</a:t>
+            </a:r>
+            <a:r>
+              <a:rPr lang="en-US" altLang="ja-JP"/>
+              <a:t>) </a:t>
+            </a:r>
+            <a:r>
+              <a:rPr lang="ja-JP" altLang="en-US"/>
+              <a:t>することが重要</a:t>
             </a:r>
             <a:endParaRPr lang="en-US" altLang="ja-JP"/>
           </a:p>
           <a:p>
-            <a:pPr marL="514350" indent="-514350">
-              <a:buFont typeface="+mj-lt"/>
-              <a:buAutoNum type="arabicPeriod"/>
+            <a:pPr>
+              <a:lnSpc>
+                <a:spcPct val="100000"/>
+              </a:lnSpc>
             </a:pPr>
             <a:r>
+              <a:rPr lang="ja-JP" altLang="en-US"/>
+              <a:t>犯人の特定には</a:t>
+            </a:r>
+            <a:r>
               <a:rPr lang="en-US" altLang="ja-JP"/>
-              <a:t>SNS </a:t>
+              <a:t> IP </a:t>
             </a:r>
             <a:r>
               <a:rPr lang="ja-JP" altLang="en-US"/>
-              <a:t>シェアボタンの設置</a:t>
+              <a:t>アドレスが使用されるが、技術の進歩により特定が困難</a:t>
             </a:r>
             <a:endParaRPr lang="en-US" altLang="ja-JP"/>
           </a:p>
           <a:p>
-            <a:pPr marL="514350" indent="-514350">
-              <a:buFont typeface="+mj-lt"/>
-              <a:buAutoNum type="arabicPeriod"/>
+            <a:pPr lvl="1">
+              <a:lnSpc>
+                <a:spcPct val="100000"/>
+              </a:lnSpc>
             </a:pPr>
             <a:r>
-              <a:rPr kumimoji="1" lang="en-US" altLang="ja-JP"/>
-              <a:t>SNS </a:t>
-            </a:r>
-            <a:r>
-              <a:rPr kumimoji="1" lang="ja-JP" altLang="en-US"/>
-              <a:t>シェアボタン</a:t>
-            </a:r>
-            <a:r>
               <a:rPr lang="ja-JP" altLang="en-US"/>
-              <a:t>の</a:t>
+              <a:t>キャリアグレード</a:t>
             </a:r>
             <a:r>
               <a:rPr lang="en-US" altLang="ja-JP"/>
-              <a:t> </a:t>
-            </a:r>
-            <a:r>
-              <a:rPr kumimoji="1" lang="en-US" altLang="ja-JP"/>
-              <a:t>Cookie </a:t>
-            </a:r>
-            <a:r>
-              <a:rPr kumimoji="1" lang="ja-JP" altLang="en-US"/>
-              <a:t>を利用した特定手法の提案</a:t>
-            </a:r>
-            <a:endParaRPr kumimoji="1" lang="ja-JP" altLang="en-US"/>
+              <a:t> NAT</a:t>
+            </a:r>
+          </a:p>
+          <a:p>
+            <a:pPr lvl="1">
+              <a:lnSpc>
+                <a:spcPct val="100000"/>
+              </a:lnSpc>
+            </a:pPr>
+            <a:r>
+              <a:rPr lang="en-US" altLang="ja-JP"/>
+              <a:t>Tor</a:t>
+            </a:r>
           </a:p>
         </p:txBody>
       </p:sp>
@@ -7238,6 +7714,199 @@
 </file>
 
 <file path=ppt/slides/slide4.xml><?xml version="1.0" encoding="utf-8"?>
+<p:sld xmlns:a="http://schemas.openxmlformats.org/drawingml/2006/main" xmlns:r="http://schemas.openxmlformats.org/officeDocument/2006/relationships" xmlns:p="http://schemas.openxmlformats.org/presentationml/2006/main">
+  <p:cSld>
+    <p:spTree>
+      <p:nvGrpSpPr>
+        <p:cNvPr id="1" name=""/>
+        <p:cNvGrpSpPr/>
+        <p:nvPr/>
+      </p:nvGrpSpPr>
+      <p:grpSpPr>
+        <a:xfrm>
+          <a:off x="0" y="0"/>
+          <a:ext cx="0" cy="0"/>
+          <a:chOff x="0" y="0"/>
+          <a:chExt cx="0" cy="0"/>
+        </a:xfrm>
+      </p:grpSpPr>
+      <p:sp>
+        <p:nvSpPr>
+          <p:cNvPr id="2" name="タイトル 1"/>
+          <p:cNvSpPr>
+            <a:spLocks noGrp="1"/>
+          </p:cNvSpPr>
+          <p:nvPr>
+            <p:ph type="title"/>
+          </p:nvPr>
+        </p:nvSpPr>
+        <p:spPr>
+          <a:xfrm>
+            <a:off x="158400" y="151200"/>
+            <a:ext cx="10515600" cy="1325563"/>
+          </a:xfrm>
+        </p:spPr>
+        <p:txBody>
+          <a:bodyPr/>
+          <a:lstStyle/>
+          <a:p>
+            <a:r>
+              <a:rPr lang="ja-JP" altLang="en-US"/>
+              <a:t>提案手法</a:t>
+            </a:r>
+            <a:r>
+              <a:rPr kumimoji="1" lang="en-US" altLang="ja-JP"/>
+              <a:t> (1/2)</a:t>
+            </a:r>
+            <a:endParaRPr kumimoji="1" lang="ja-JP" altLang="en-US"/>
+          </a:p>
+        </p:txBody>
+      </p:sp>
+      <p:sp>
+        <p:nvSpPr>
+          <p:cNvPr id="3" name="コンテンツ プレースホルダー 2"/>
+          <p:cNvSpPr>
+            <a:spLocks noGrp="1"/>
+          </p:cNvSpPr>
+          <p:nvPr>
+            <p:ph idx="1"/>
+          </p:nvPr>
+        </p:nvSpPr>
+        <p:spPr/>
+        <p:txBody>
+          <a:bodyPr/>
+          <a:lstStyle/>
+          <a:p>
+            <a:pPr>
+              <a:lnSpc>
+                <a:spcPct val="100000"/>
+              </a:lnSpc>
+            </a:pPr>
+            <a:r>
+              <a:rPr lang="en-US" altLang="ja-JP"/>
+              <a:t>Cookie </a:t>
+            </a:r>
+            <a:r>
+              <a:rPr lang="ja-JP" altLang="en-US"/>
+              <a:t>がユーザの追跡性に有効であることに着目</a:t>
+            </a:r>
+            <a:endParaRPr lang="en-US" altLang="ja-JP"/>
+          </a:p>
+          <a:p>
+            <a:pPr lvl="1">
+              <a:lnSpc>
+                <a:spcPct val="100000"/>
+              </a:lnSpc>
+            </a:pPr>
+            <a:r>
+              <a:rPr lang="en-US" altLang="ja-JP"/>
+              <a:t>Cookie </a:t>
+            </a:r>
+            <a:r>
+              <a:rPr lang="ja-JP" altLang="en-US"/>
+              <a:t>とは、</a:t>
+            </a:r>
+            <a:r>
+              <a:rPr lang="en-US" altLang="ja-JP"/>
+              <a:t>Web </a:t>
+            </a:r>
+            <a:r>
+              <a:rPr lang="ja-JP" altLang="en-US"/>
+              <a:t>サーバがブラウザに任意の文字列を記憶させる仕組み</a:t>
+            </a:r>
+            <a:endParaRPr lang="en-US" altLang="ja-JP"/>
+          </a:p>
+          <a:p>
+            <a:pPr>
+              <a:lnSpc>
+                <a:spcPct val="100000"/>
+              </a:lnSpc>
+            </a:pPr>
+            <a:r>
+              <a:rPr lang="en-US" altLang="ja-JP"/>
+              <a:t>SNS </a:t>
+            </a:r>
+            <a:r>
+              <a:rPr lang="ja-JP" altLang="en-US"/>
+              <a:t>のシェアボタンに着目</a:t>
+            </a:r>
+            <a:endParaRPr lang="en-US" altLang="ja-JP"/>
+          </a:p>
+          <a:p>
+            <a:pPr lvl="1">
+              <a:lnSpc>
+                <a:spcPct val="100000"/>
+              </a:lnSpc>
+            </a:pPr>
+            <a:r>
+              <a:rPr lang="ja-JP" altLang="en-US"/>
+              <a:t>最近の</a:t>
+            </a:r>
+            <a:r>
+              <a:rPr lang="en-US" altLang="ja-JP"/>
+              <a:t> Web </a:t>
+            </a:r>
+            <a:r>
+              <a:rPr lang="ja-JP" altLang="en-US"/>
+              <a:t>サイトには</a:t>
+            </a:r>
+            <a:r>
+              <a:rPr lang="en-US" altLang="ja-JP"/>
+              <a:t> SNS </a:t>
+            </a:r>
+            <a:r>
+              <a:rPr lang="ja-JP" altLang="en-US"/>
+              <a:t>のシェアボタンが設置されていることが多い</a:t>
+            </a:r>
+            <a:endParaRPr lang="en-US" altLang="ja-JP"/>
+          </a:p>
+          <a:p>
+            <a:pPr>
+              <a:lnSpc>
+                <a:spcPct val="100000"/>
+              </a:lnSpc>
+            </a:pPr>
+            <a:r>
+              <a:rPr lang="en-US" altLang="ja-JP"/>
+              <a:t>SNS </a:t>
+            </a:r>
+            <a:r>
+              <a:rPr lang="ja-JP" altLang="en-US"/>
+              <a:t>のシェアボタンの</a:t>
+            </a:r>
+            <a:r>
+              <a:rPr lang="en-US" altLang="ja-JP"/>
+              <a:t> Cookie </a:t>
+            </a:r>
+            <a:r>
+              <a:rPr lang="ja-JP" altLang="en-US"/>
+              <a:t>を利用した犯人の特定手法の提案</a:t>
+            </a:r>
+            <a:endParaRPr lang="en-US" altLang="ja-JP"/>
+          </a:p>
+        </p:txBody>
+      </p:sp>
+    </p:spTree>
+    <p:extLst>
+      <p:ext uri="{BB962C8B-B14F-4D97-AF65-F5344CB8AC3E}">
+        <p14:creationId xmlns:p14="http://schemas.microsoft.com/office/powerpoint/2010/main" val="132330370"/>
+      </p:ext>
+    </p:extLst>
+  </p:cSld>
+  <p:clrMapOvr>
+    <a:masterClrMapping/>
+  </p:clrMapOvr>
+  <p:timing>
+    <p:tnLst>
+      <p:par>
+        <p:cTn id="1" dur="indefinite" restart="never" nodeType="tmRoot"/>
+      </p:par>
+    </p:tnLst>
+  </p:timing>
+</p:sld>
+</file>
+
+<file path=ppt/slides/slide5.xml><?xml version="1.0" encoding="utf-8"?>
 <p:sld xmlns:a="http://schemas.openxmlformats.org/drawingml/2006/main" xmlns:r="http://schemas.openxmlformats.org/officeDocument/2006/relationships" xmlns:p="http://schemas.openxmlformats.org/presentationml/2006/main" show="0">
   <p:cSld>
     <p:spTree>
@@ -7960,7 +8629,7 @@
 </p:sld>
 </file>
 
-<file path=ppt/slides/slide5.xml><?xml version="1.0" encoding="utf-8"?>
+<file path=ppt/slides/slide6.xml><?xml version="1.0" encoding="utf-8"?>
 <p:sld xmlns:a="http://schemas.openxmlformats.org/drawingml/2006/main" xmlns:r="http://schemas.openxmlformats.org/officeDocument/2006/relationships" xmlns:p="http://schemas.openxmlformats.org/presentationml/2006/main">
   <p:cSld>
     <p:spTree>
@@ -8054,6 +8723,10 @@
             <a:r>
               <a:rPr lang="ja-JP" altLang="en-US"/>
               <a:t>提案手法</a:t>
+            </a:r>
+            <a:r>
+              <a:rPr lang="en-US" altLang="ja-JP"/>
+              <a:t> (2/2)</a:t>
             </a:r>
             <a:endParaRPr kumimoji="1" lang="ja-JP" altLang="en-US"/>
           </a:p>
@@ -8838,7 +9511,7 @@
 </p:sld>
 </file>
 
-<file path=ppt/slides/slide6.xml><?xml version="1.0" encoding="utf-8"?>
+<file path=ppt/slides/slide7.xml><?xml version="1.0" encoding="utf-8"?>
 <p:sld xmlns:a="http://schemas.openxmlformats.org/drawingml/2006/main" xmlns:r="http://schemas.openxmlformats.org/officeDocument/2006/relationships" xmlns:p="http://schemas.openxmlformats.org/presentationml/2006/main" show="0">
   <p:cSld>
     <p:spTree>
@@ -9516,7 +10189,7 @@
 </p:sld>
 </file>
 
-<file path=ppt/slides/slide7.xml><?xml version="1.0" encoding="utf-8"?>
+<file path=ppt/slides/slide8.xml><?xml version="1.0" encoding="utf-8"?>
 <p:sld xmlns:a="http://schemas.openxmlformats.org/drawingml/2006/main" xmlns:r="http://schemas.openxmlformats.org/officeDocument/2006/relationships" xmlns:p="http://schemas.openxmlformats.org/presentationml/2006/main">
   <p:cSld>
     <p:spTree>
@@ -9722,7 +10395,7 @@
 </p:sld>
 </file>
 
-<file path=ppt/slides/slide8.xml><?xml version="1.0" encoding="utf-8"?>
+<file path=ppt/slides/slide9.xml><?xml version="1.0" encoding="utf-8"?>
 <p:sld xmlns:a="http://schemas.openxmlformats.org/drawingml/2006/main" xmlns:r="http://schemas.openxmlformats.org/officeDocument/2006/relationships" xmlns:p="http://schemas.openxmlformats.org/presentationml/2006/main">
   <p:cSld>
     <p:spTree>
@@ -11881,153 +12554,6 @@
 </p:sld>
 </file>
 
-<file path=ppt/slides/slide9.xml><?xml version="1.0" encoding="utf-8"?>
-<p:sld xmlns:a="http://schemas.openxmlformats.org/drawingml/2006/main" xmlns:r="http://schemas.openxmlformats.org/officeDocument/2006/relationships" xmlns:p="http://schemas.openxmlformats.org/presentationml/2006/main">
-  <p:cSld>
-    <p:spTree>
-      <p:nvGrpSpPr>
-        <p:cNvPr id="1" name=""/>
-        <p:cNvGrpSpPr/>
-        <p:nvPr/>
-      </p:nvGrpSpPr>
-      <p:grpSpPr>
-        <a:xfrm>
-          <a:off x="0" y="0"/>
-          <a:ext cx="0" cy="0"/>
-          <a:chOff x="0" y="0"/>
-          <a:chExt cx="0" cy="0"/>
-        </a:xfrm>
-      </p:grpSpPr>
-      <p:sp>
-        <p:nvSpPr>
-          <p:cNvPr id="2" name="タイトル 1"/>
-          <p:cNvSpPr>
-            <a:spLocks noGrp="1"/>
-          </p:cNvSpPr>
-          <p:nvPr>
-            <p:ph type="title"/>
-          </p:nvPr>
-        </p:nvSpPr>
-        <p:spPr>
-          <a:xfrm>
-            <a:off x="157717" y="152474"/>
-            <a:ext cx="10515600" cy="1325563"/>
-          </a:xfrm>
-        </p:spPr>
-        <p:txBody>
-          <a:bodyPr/>
-          <a:lstStyle/>
-          <a:p>
-            <a:r>
-              <a:rPr kumimoji="1" lang="ja-JP" altLang="en-US"/>
-              <a:t>実験結果</a:t>
-            </a:r>
-          </a:p>
-        </p:txBody>
-      </p:sp>
-      <p:sp>
-        <p:nvSpPr>
-          <p:cNvPr id="3" name="コンテンツ プレースホルダー 2"/>
-          <p:cNvSpPr>
-            <a:spLocks noGrp="1"/>
-          </p:cNvSpPr>
-          <p:nvPr>
-            <p:ph idx="1"/>
-          </p:nvPr>
-        </p:nvSpPr>
-        <p:spPr/>
-        <p:txBody>
-          <a:bodyPr/>
-          <a:lstStyle/>
-          <a:p>
-            <a:pPr>
-              <a:lnSpc>
-                <a:spcPct val="100000"/>
-              </a:lnSpc>
-            </a:pPr>
-            <a:r>
-              <a:rPr kumimoji="1" lang="en-US" altLang="ja-JP"/>
-              <a:t>15</a:t>
-            </a:r>
-            <a:r>
-              <a:rPr kumimoji="1" lang="ja-JP" altLang="en-US"/>
-              <a:t> 名中、</a:t>
-            </a:r>
-            <a:r>
-              <a:rPr kumimoji="1" lang="en-US" altLang="ja-JP"/>
-              <a:t>13 </a:t>
-            </a:r>
-            <a:r>
-              <a:rPr kumimoji="1" lang="ja-JP" altLang="en-US"/>
-              <a:t>名を特定</a:t>
-            </a:r>
-            <a:endParaRPr kumimoji="1" lang="en-US" altLang="ja-JP"/>
-          </a:p>
-          <a:p>
-            <a:pPr>
-              <a:lnSpc>
-                <a:spcPct val="100000"/>
-              </a:lnSpc>
-            </a:pPr>
-            <a:r>
-              <a:rPr lang="ja-JP" altLang="en-US"/>
-              <a:t>正答率</a:t>
-            </a:r>
-            <a:r>
-              <a:rPr lang="en-US" altLang="ja-JP"/>
-              <a:t> 100 %</a:t>
-            </a:r>
-          </a:p>
-          <a:p>
-            <a:pPr>
-              <a:lnSpc>
-                <a:spcPct val="100000"/>
-              </a:lnSpc>
-            </a:pPr>
-            <a:r>
-              <a:rPr lang="ja-JP" altLang="en-US"/>
-              <a:t>残り</a:t>
-            </a:r>
-            <a:r>
-              <a:rPr lang="en-US" altLang="ja-JP"/>
-              <a:t> 2 </a:t>
-            </a:r>
-            <a:r>
-              <a:rPr lang="ja-JP" altLang="en-US"/>
-              <a:t>名はサードパーティ</a:t>
-            </a:r>
-            <a:r>
-              <a:rPr lang="en-US" altLang="ja-JP"/>
-              <a:t> Cookie </a:t>
-            </a:r>
-            <a:r>
-              <a:rPr lang="ja-JP" altLang="en-US"/>
-              <a:t>がブロックされていたため特定不可</a:t>
-            </a:r>
-            <a:endParaRPr kumimoji="1" lang="en-US" altLang="ja-JP"/>
-          </a:p>
-        </p:txBody>
-      </p:sp>
-    </p:spTree>
-    <p:extLst>
-      <p:ext uri="{BB962C8B-B14F-4D97-AF65-F5344CB8AC3E}">
-        <p14:creationId xmlns:p14="http://schemas.microsoft.com/office/powerpoint/2010/main" val="1048675044"/>
-      </p:ext>
-    </p:extLst>
-  </p:cSld>
-  <p:clrMapOvr>
-    <a:masterClrMapping/>
-  </p:clrMapOvr>
-  <p:timing>
-    <p:tnLst>
-      <p:par>
-        <p:cTn id="1" dur="indefinite" restart="never" nodeType="tmRoot"/>
-      </p:par>
-    </p:tnLst>
-  </p:timing>
-</p:sld>
-</file>
-
 <file path=ppt/theme/theme1.xml><?xml version="1.0" encoding="utf-8"?>
 <a:theme xmlns:a="http://schemas.openxmlformats.org/drawingml/2006/main" name="ホワイト">
   <a:themeElements>

--- a/presentation_slides.pptx
+++ b/presentation_slides.pptx
@@ -5,7 +5,7 @@
     <p:sldMasterId id="2147483648" r:id="rId1"/>
   </p:sldMasterIdLst>
   <p:notesMasterIdLst>
-    <p:notesMasterId r:id="rId16"/>
+    <p:notesMasterId r:id="rId17"/>
   </p:notesMasterIdLst>
   <p:sldIdLst>
     <p:sldId id="256" r:id="rId2"/>
@@ -18,10 +18,11 @@
     <p:sldId id="260" r:id="rId9"/>
     <p:sldId id="266" r:id="rId10"/>
     <p:sldId id="261" r:id="rId11"/>
-    <p:sldId id="264" r:id="rId12"/>
-    <p:sldId id="262" r:id="rId13"/>
-    <p:sldId id="263" r:id="rId14"/>
-    <p:sldId id="267" r:id="rId15"/>
+    <p:sldId id="270" r:id="rId12"/>
+    <p:sldId id="264" r:id="rId13"/>
+    <p:sldId id="262" r:id="rId14"/>
+    <p:sldId id="263" r:id="rId15"/>
+    <p:sldId id="267" r:id="rId16"/>
   </p:sldIdLst>
   <p:sldSz cx="12192000" cy="6858000"/>
   <p:notesSz cx="6858000" cy="9144000"/>
@@ -2443,108 +2444,97 @@
           <a:bodyPr/>
           <a:lstStyle/>
           <a:p>
-            <a:pPr marL="0" marR="0" indent="0" algn="l" defTabSz="914400" rtl="0" eaLnBrk="1" fontAlgn="auto" latinLnBrk="0" hangingPunct="1">
-              <a:lnSpc>
-                <a:spcPct val="100000"/>
-              </a:lnSpc>
-              <a:spcBef>
-                <a:spcPts val="0"/>
-              </a:spcBef>
-              <a:spcAft>
-                <a:spcPts val="0"/>
-              </a:spcAft>
-              <a:buClrTx/>
-              <a:buSzTx/>
-              <a:buFontTx/>
-              <a:buNone/>
-              <a:tabLst/>
-              <a:defRPr/>
-            </a:pPr>
-            <a:r>
-              <a:rPr kumimoji="1" lang="ja-JP" altLang="en-US" sz="1200" kern="1200">
-                <a:solidFill>
-                  <a:schemeClr val="tx1"/>
-                </a:solidFill>
-                <a:effectLst/>
-                <a:latin typeface="+mn-lt"/>
-                <a:ea typeface="+mn-ea"/>
-                <a:cs typeface="+mn-cs"/>
-              </a:rPr>
-              <a:t>サードパーティ</a:t>
-            </a:r>
-            <a:r>
-              <a:rPr kumimoji="1" lang="en-US" altLang="ja-JP" sz="1200" kern="1200">
-                <a:solidFill>
-                  <a:schemeClr val="tx1"/>
-                </a:solidFill>
-                <a:effectLst/>
-                <a:latin typeface="+mn-lt"/>
-                <a:ea typeface="+mn-ea"/>
-                <a:cs typeface="+mn-cs"/>
-              </a:rPr>
+            <a:r>
+              <a:rPr kumimoji="1" lang="en-US" altLang="ja-JP"/>
+              <a:t>SNS </a:t>
+            </a:r>
+            <a:r>
+              <a:rPr kumimoji="1" lang="ja-JP" altLang="en-US"/>
+              <a:t>シェアボタンを設置した掲示板と</a:t>
+            </a:r>
+            <a:r>
+              <a:rPr kumimoji="1" lang="en-US" altLang="ja-JP"/>
+              <a:t> SNS </a:t>
+            </a:r>
+            <a:r>
+              <a:rPr kumimoji="1" lang="ja-JP" altLang="en-US"/>
+              <a:t>サイトを用意</a:t>
+            </a:r>
+            <a:endParaRPr kumimoji="1" lang="en-US" altLang="ja-JP"/>
+          </a:p>
+          <a:p>
+            <a:r>
+              <a:rPr kumimoji="1" lang="en-US" altLang="ja-JP"/>
+              <a:t>15 </a:t>
+            </a:r>
+            <a:r>
+              <a:rPr kumimoji="1" lang="ja-JP" altLang="en-US"/>
+              <a:t>名の被験者を募集</a:t>
+            </a:r>
+            <a:endParaRPr kumimoji="1" lang="en-US" altLang="ja-JP"/>
+          </a:p>
+          <a:p>
+            <a:r>
+              <a:rPr lang="ja-JP" altLang="en-US"/>
+              <a:t>被験者が</a:t>
+            </a:r>
+            <a:r>
+              <a:rPr lang="en-US" altLang="ja-JP"/>
+              <a:t> SNS </a:t>
+            </a:r>
+            <a:r>
+              <a:rPr lang="ja-JP" altLang="en-US"/>
+              <a:t>アカウントを作成し、ログイン</a:t>
+            </a:r>
+            <a:endParaRPr lang="en-US" altLang="ja-JP"/>
+          </a:p>
+          <a:p>
+            <a:r>
+              <a:rPr lang="ja-JP" altLang="en-US"/>
+              <a:t>掲示板へアクセスし、書込みを投稿</a:t>
+            </a:r>
+            <a:endParaRPr lang="en-US" altLang="ja-JP"/>
+          </a:p>
+          <a:p>
+            <a:r>
+              <a:rPr lang="en-US" altLang="ja-JP"/>
+              <a:t>SNS </a:t>
+            </a:r>
+            <a:r>
+              <a:rPr lang="ja-JP" altLang="en-US"/>
+              <a:t>のサーバに送信された</a:t>
+            </a:r>
+            <a:r>
+              <a:rPr lang="en-US" altLang="ja-JP"/>
               <a:t> Cookie </a:t>
             </a:r>
             <a:r>
-              <a:rPr kumimoji="1" lang="ja-JP" altLang="en-US" sz="1200" kern="1200">
-                <a:solidFill>
-                  <a:schemeClr val="tx1"/>
-                </a:solidFill>
-                <a:effectLst/>
-                <a:latin typeface="+mn-lt"/>
-                <a:ea typeface="+mn-ea"/>
-                <a:cs typeface="+mn-cs"/>
-              </a:rPr>
-              <a:t>とは、ユーザが訪問している</a:t>
-            </a:r>
-            <a:r>
-              <a:rPr kumimoji="1" lang="en-US" altLang="ja-JP" sz="1200" kern="1200">
-                <a:solidFill>
-                  <a:schemeClr val="tx1"/>
-                </a:solidFill>
-                <a:effectLst/>
-                <a:latin typeface="+mn-lt"/>
-                <a:ea typeface="+mn-ea"/>
-                <a:cs typeface="+mn-cs"/>
-              </a:rPr>
-              <a:t> Web </a:t>
-            </a:r>
-            <a:r>
-              <a:rPr kumimoji="1" lang="ja-JP" altLang="en-US" sz="1200" kern="1200">
-                <a:solidFill>
-                  <a:schemeClr val="tx1"/>
-                </a:solidFill>
-                <a:effectLst/>
-                <a:latin typeface="+mn-lt"/>
-                <a:ea typeface="+mn-ea"/>
-                <a:cs typeface="+mn-cs"/>
-              </a:rPr>
-              <a:t>サイトのドメイン以外から発行されている</a:t>
-            </a:r>
-            <a:r>
-              <a:rPr kumimoji="1" lang="en-US" altLang="ja-JP" sz="1200" kern="1200">
-                <a:solidFill>
-                  <a:schemeClr val="tx1"/>
-                </a:solidFill>
-                <a:effectLst/>
-                <a:latin typeface="+mn-lt"/>
-                <a:ea typeface="+mn-ea"/>
-                <a:cs typeface="+mn-cs"/>
-              </a:rPr>
-              <a:t> Cookie </a:t>
-            </a:r>
-            <a:r>
-              <a:rPr kumimoji="1" lang="ja-JP" altLang="en-US" sz="1200" kern="1200">
-                <a:solidFill>
-                  <a:schemeClr val="tx1"/>
-                </a:solidFill>
-                <a:effectLst/>
-                <a:latin typeface="+mn-lt"/>
-                <a:ea typeface="+mn-ea"/>
-                <a:cs typeface="+mn-cs"/>
-              </a:rPr>
-              <a:t>のこと</a:t>
-            </a:r>
-            <a:endParaRPr lang="ja-JP" altLang="en-US"/>
+              <a:rPr lang="ja-JP" altLang="en-US"/>
+              <a:t>を解析</a:t>
+            </a:r>
+            <a:endParaRPr lang="en-US" altLang="ja-JP"/>
+          </a:p>
+          <a:p>
+            <a:r>
+              <a:rPr lang="ja-JP" altLang="en-US"/>
+              <a:t>投稿者の</a:t>
+            </a:r>
+            <a:r>
+              <a:rPr lang="en-US" altLang="ja-JP"/>
+              <a:t> SNS </a:t>
+            </a:r>
+            <a:r>
+              <a:rPr lang="ja-JP" altLang="en-US"/>
+              <a:t>アカウントを特定</a:t>
+            </a:r>
+            <a:endParaRPr lang="en-US" altLang="ja-JP"/>
+          </a:p>
+          <a:p>
+            <a:r>
+              <a:rPr lang="ja-JP" altLang="en-US"/>
+              <a:t>特定した被験者が正しいかどうか確認</a:t>
+            </a:r>
+            <a:endParaRPr lang="en-US" altLang="ja-JP"/>
           </a:p>
         </p:txBody>
       </p:sp>
@@ -2564,16 +2554,17 @@
           <a:lstStyle/>
           <a:p>
             <a:fld id="{B501E337-A02A-784A-B006-0DBA91238D1B}" type="slidenum">
-              <a:t>12</a:t>
+              <a:rPr lang="uk-UA"/>
+              <a:t>8</a:t>
             </a:fld>
-            <a:endParaRPr kumimoji="1" lang="ja-JP" altLang="en-US"/>
+            <a:endParaRPr kumimoji="1" lang="uk-UA" altLang="ja-JP"/>
           </a:p>
         </p:txBody>
       </p:sp>
     </p:spTree>
     <p:extLst>
       <p:ext uri="{BB962C8B-B14F-4D97-AF65-F5344CB8AC3E}">
-        <p14:creationId xmlns:p14="http://schemas.microsoft.com/office/powerpoint/2010/main" val="463770429"/>
+        <p14:creationId xmlns:p14="http://schemas.microsoft.com/office/powerpoint/2010/main" val="1250254227"/>
       </p:ext>
     </p:extLst>
   </p:cSld>
@@ -2627,68 +2618,108 @@
           <a:bodyPr/>
           <a:lstStyle/>
           <a:p>
-            <a:r>
-              <a:rPr kumimoji="1" lang="ja-JP" altLang="en-US"/>
-              <a:t>仮に</a:t>
-            </a:r>
-            <a:r>
-              <a:rPr kumimoji="1" lang="en-US" altLang="ja-JP"/>
-              <a:t>IP</a:t>
-            </a:r>
-            <a:r>
-              <a:rPr kumimoji="1" lang="ja-JP" altLang="en-US"/>
-              <a:t>アドレスがわかれば個人を特定できるとして、</a:t>
-            </a:r>
-            <a:endParaRPr kumimoji="1" lang="en-US" altLang="ja-JP"/>
-          </a:p>
-          <a:p>
-            <a:r>
-              <a:rPr kumimoji="1" lang="en-US" altLang="ja-JP"/>
-              <a:t>IP</a:t>
-            </a:r>
-            <a:r>
-              <a:rPr kumimoji="1" lang="ja-JP" altLang="en-US"/>
-              <a:t>アドレスによる特定は、学外の</a:t>
-            </a:r>
-            <a:r>
-              <a:rPr kumimoji="1" lang="en-US" altLang="ja-JP"/>
-              <a:t>9</a:t>
-            </a:r>
-            <a:r>
-              <a:rPr kumimoji="1" lang="ja-JP" altLang="en-US"/>
-              <a:t>名は特定することができるけど、残りの</a:t>
-            </a:r>
-            <a:r>
-              <a:rPr kumimoji="1" lang="en-US" altLang="ja-JP"/>
-              <a:t>6</a:t>
-            </a:r>
-            <a:r>
-              <a:rPr kumimoji="1" lang="ja-JP" altLang="en-US"/>
-              <a:t>名は特定することができない</a:t>
-            </a:r>
-            <a:endParaRPr kumimoji="1" lang="en-US" altLang="ja-JP"/>
-          </a:p>
-          <a:p>
-            <a:r>
-              <a:rPr kumimoji="1" lang="ja-JP" altLang="en-US"/>
-              <a:t>それに対して、</a:t>
-            </a:r>
-            <a:r>
-              <a:rPr kumimoji="1" lang="en-US" altLang="ja-JP"/>
-              <a:t>Cookie</a:t>
-            </a:r>
-            <a:r>
-              <a:rPr kumimoji="1" lang="ja-JP" altLang="en-US"/>
-              <a:t>による特定は、</a:t>
-            </a:r>
-            <a:r>
-              <a:rPr kumimoji="1" lang="en-US" altLang="ja-JP"/>
-              <a:t>13</a:t>
-            </a:r>
-            <a:r>
-              <a:rPr kumimoji="1" lang="ja-JP" altLang="en-US"/>
-              <a:t>名を特定することができる</a:t>
-            </a:r>
+            <a:pPr marL="0" marR="0" indent="0" algn="l" defTabSz="914400" rtl="0" eaLnBrk="1" fontAlgn="auto" latinLnBrk="0" hangingPunct="1">
+              <a:lnSpc>
+                <a:spcPct val="100000"/>
+              </a:lnSpc>
+              <a:spcBef>
+                <a:spcPts val="0"/>
+              </a:spcBef>
+              <a:spcAft>
+                <a:spcPts val="0"/>
+              </a:spcAft>
+              <a:buClrTx/>
+              <a:buSzTx/>
+              <a:buFontTx/>
+              <a:buNone/>
+              <a:tabLst/>
+              <a:defRPr/>
+            </a:pPr>
+            <a:r>
+              <a:rPr kumimoji="1" lang="ja-JP" altLang="en-US" sz="1200" kern="1200">
+                <a:solidFill>
+                  <a:schemeClr val="tx1"/>
+                </a:solidFill>
+                <a:effectLst/>
+                <a:latin typeface="+mn-lt"/>
+                <a:ea typeface="+mn-ea"/>
+                <a:cs typeface="+mn-cs"/>
+              </a:rPr>
+              <a:t>サードパーティ</a:t>
+            </a:r>
+            <a:r>
+              <a:rPr kumimoji="1" lang="en-US" altLang="ja-JP" sz="1200" kern="1200">
+                <a:solidFill>
+                  <a:schemeClr val="tx1"/>
+                </a:solidFill>
+                <a:effectLst/>
+                <a:latin typeface="+mn-lt"/>
+                <a:ea typeface="+mn-ea"/>
+                <a:cs typeface="+mn-cs"/>
+              </a:rPr>
+              <a:t> Cookie </a:t>
+            </a:r>
+            <a:r>
+              <a:rPr kumimoji="1" lang="ja-JP" altLang="en-US" sz="1200" kern="1200">
+                <a:solidFill>
+                  <a:schemeClr val="tx1"/>
+                </a:solidFill>
+                <a:effectLst/>
+                <a:latin typeface="+mn-lt"/>
+                <a:ea typeface="+mn-ea"/>
+                <a:cs typeface="+mn-cs"/>
+              </a:rPr>
+              <a:t>とは、ユーザが訪問している</a:t>
+            </a:r>
+            <a:r>
+              <a:rPr kumimoji="1" lang="en-US" altLang="ja-JP" sz="1200" kern="1200">
+                <a:solidFill>
+                  <a:schemeClr val="tx1"/>
+                </a:solidFill>
+                <a:effectLst/>
+                <a:latin typeface="+mn-lt"/>
+                <a:ea typeface="+mn-ea"/>
+                <a:cs typeface="+mn-cs"/>
+              </a:rPr>
+              <a:t> Web </a:t>
+            </a:r>
+            <a:r>
+              <a:rPr kumimoji="1" lang="ja-JP" altLang="en-US" sz="1200" kern="1200">
+                <a:solidFill>
+                  <a:schemeClr val="tx1"/>
+                </a:solidFill>
+                <a:effectLst/>
+                <a:latin typeface="+mn-lt"/>
+                <a:ea typeface="+mn-ea"/>
+                <a:cs typeface="+mn-cs"/>
+              </a:rPr>
+              <a:t>サイトのドメイン以外から発行されている</a:t>
+            </a:r>
+            <a:r>
+              <a:rPr kumimoji="1" lang="en-US" altLang="ja-JP" sz="1200" kern="1200">
+                <a:solidFill>
+                  <a:schemeClr val="tx1"/>
+                </a:solidFill>
+                <a:effectLst/>
+                <a:latin typeface="+mn-lt"/>
+                <a:ea typeface="+mn-ea"/>
+                <a:cs typeface="+mn-cs"/>
+              </a:rPr>
+              <a:t> Cookie </a:t>
+            </a:r>
+            <a:r>
+              <a:rPr kumimoji="1" lang="ja-JP" altLang="en-US" sz="1200" kern="1200">
+                <a:solidFill>
+                  <a:schemeClr val="tx1"/>
+                </a:solidFill>
+                <a:effectLst/>
+                <a:latin typeface="+mn-lt"/>
+                <a:ea typeface="+mn-ea"/>
+                <a:cs typeface="+mn-cs"/>
+              </a:rPr>
+              <a:t>のこと</a:t>
+            </a:r>
+            <a:endParaRPr lang="ja-JP" altLang="en-US"/>
           </a:p>
         </p:txBody>
       </p:sp>
@@ -2709,6 +2740,150 @@
           <a:p>
             <a:fld id="{B501E337-A02A-784A-B006-0DBA91238D1B}" type="slidenum">
               <a:t>13</a:t>
+            </a:fld>
+            <a:endParaRPr kumimoji="1" lang="ja-JP" altLang="en-US"/>
+          </a:p>
+        </p:txBody>
+      </p:sp>
+    </p:spTree>
+    <p:extLst>
+      <p:ext uri="{BB962C8B-B14F-4D97-AF65-F5344CB8AC3E}">
+        <p14:creationId xmlns:p14="http://schemas.microsoft.com/office/powerpoint/2010/main" val="463770429"/>
+      </p:ext>
+    </p:extLst>
+  </p:cSld>
+  <p:clrMapOvr>
+    <a:masterClrMapping/>
+  </p:clrMapOvr>
+</p:notes>
+</file>
+
+<file path=ppt/notesSlides/notesSlide5.xml><?xml version="1.0" encoding="utf-8"?>
+<p:notes xmlns:a="http://schemas.openxmlformats.org/drawingml/2006/main" xmlns:r="http://schemas.openxmlformats.org/officeDocument/2006/relationships" xmlns:p="http://schemas.openxmlformats.org/presentationml/2006/main">
+  <p:cSld>
+    <p:spTree>
+      <p:nvGrpSpPr>
+        <p:cNvPr id="1" name=""/>
+        <p:cNvGrpSpPr/>
+        <p:nvPr/>
+      </p:nvGrpSpPr>
+      <p:grpSpPr>
+        <a:xfrm>
+          <a:off x="0" y="0"/>
+          <a:ext cx="0" cy="0"/>
+          <a:chOff x="0" y="0"/>
+          <a:chExt cx="0" cy="0"/>
+        </a:xfrm>
+      </p:grpSpPr>
+      <p:sp>
+        <p:nvSpPr>
+          <p:cNvPr id="2" name="スライド イメージ プレースホルダー 1"/>
+          <p:cNvSpPr>
+            <a:spLocks noGrp="1" noRot="1" noChangeAspect="1"/>
+          </p:cNvSpPr>
+          <p:nvPr>
+            <p:ph type="sldImg"/>
+          </p:nvPr>
+        </p:nvSpPr>
+        <p:spPr/>
+      </p:sp>
+      <p:sp>
+        <p:nvSpPr>
+          <p:cNvPr id="3" name="ノート プレースホルダー 2"/>
+          <p:cNvSpPr>
+            <a:spLocks noGrp="1"/>
+          </p:cNvSpPr>
+          <p:nvPr>
+            <p:ph type="body" idx="1"/>
+          </p:nvPr>
+        </p:nvSpPr>
+        <p:spPr/>
+        <p:txBody>
+          <a:bodyPr/>
+          <a:lstStyle/>
+          <a:p>
+            <a:r>
+              <a:rPr kumimoji="1" lang="ja-JP" altLang="en-US"/>
+              <a:t>仮に</a:t>
+            </a:r>
+            <a:r>
+              <a:rPr kumimoji="1" lang="en-US" altLang="ja-JP"/>
+              <a:t>IP</a:t>
+            </a:r>
+            <a:r>
+              <a:rPr kumimoji="1" lang="ja-JP" altLang="en-US"/>
+              <a:t>アドレスがわかれば個人を特定できるとして、</a:t>
+            </a:r>
+            <a:endParaRPr kumimoji="1" lang="en-US" altLang="ja-JP"/>
+          </a:p>
+          <a:p>
+            <a:r>
+              <a:rPr kumimoji="1" lang="en-US" altLang="ja-JP"/>
+              <a:t>IP</a:t>
+            </a:r>
+            <a:r>
+              <a:rPr kumimoji="1" lang="ja-JP" altLang="en-US"/>
+              <a:t>アドレスによる特定は、学外の</a:t>
+            </a:r>
+            <a:r>
+              <a:rPr kumimoji="1" lang="en-US" altLang="ja-JP"/>
+              <a:t>9</a:t>
+            </a:r>
+            <a:r>
+              <a:rPr kumimoji="1" lang="ja-JP" altLang="en-US"/>
+              <a:t>名は特定することができるけど、残りの</a:t>
+            </a:r>
+            <a:r>
+              <a:rPr kumimoji="1" lang="en-US" altLang="ja-JP"/>
+              <a:t>6</a:t>
+            </a:r>
+            <a:r>
+              <a:rPr kumimoji="1" lang="ja-JP" altLang="en-US"/>
+              <a:t>名は特定することができない</a:t>
+            </a:r>
+            <a:endParaRPr kumimoji="1" lang="en-US" altLang="ja-JP"/>
+          </a:p>
+          <a:p>
+            <a:r>
+              <a:rPr kumimoji="1" lang="ja-JP" altLang="en-US"/>
+              <a:t>それに対して、</a:t>
+            </a:r>
+            <a:r>
+              <a:rPr kumimoji="1" lang="en-US" altLang="ja-JP"/>
+              <a:t>Cookie</a:t>
+            </a:r>
+            <a:r>
+              <a:rPr kumimoji="1" lang="ja-JP" altLang="en-US"/>
+              <a:t>による特定は、</a:t>
+            </a:r>
+            <a:r>
+              <a:rPr kumimoji="1" lang="en-US" altLang="ja-JP"/>
+              <a:t>13</a:t>
+            </a:r>
+            <a:r>
+              <a:rPr kumimoji="1" lang="ja-JP" altLang="en-US"/>
+              <a:t>名を特定することができる</a:t>
+            </a:r>
+          </a:p>
+        </p:txBody>
+      </p:sp>
+      <p:sp>
+        <p:nvSpPr>
+          <p:cNvPr id="4" name="スライド番号プレースホルダー 3"/>
+          <p:cNvSpPr>
+            <a:spLocks noGrp="1"/>
+          </p:cNvSpPr>
+          <p:nvPr>
+            <p:ph type="sldNum" sz="quarter" idx="10"/>
+          </p:nvPr>
+        </p:nvSpPr>
+        <p:spPr/>
+        <p:txBody>
+          <a:bodyPr/>
+          <a:lstStyle/>
+          <a:p>
+            <a:fld id="{B501E337-A02A-784A-B006-0DBA91238D1B}" type="slidenum">
+              <a:t>14</a:t>
             </a:fld>
             <a:endParaRPr kumimoji="1" lang="ja-JP" altLang="en-US"/>
           </a:p>
@@ -6073,7 +6248,7 @@
             </a:r>
             <a:r>
               <a:rPr lang="ja-JP" altLang="en-US"/>
-              <a:t>名はサードパーティ</a:t>
+              <a:t>名は</a:t>
             </a:r>
             <a:r>
               <a:rPr lang="en-US" altLang="ja-JP"/>
@@ -6081,7 +6256,7 @@
             </a:r>
             <a:r>
               <a:rPr lang="ja-JP" altLang="en-US"/>
-              <a:t>がブロックされていたため特定不可</a:t>
+              <a:t>が送信されていなかったため特定不可</a:t>
             </a:r>
             <a:endParaRPr kumimoji="1" lang="en-US" altLang="ja-JP"/>
           </a:p>
@@ -6108,6 +6283,1153 @@
 </file>
 
 <file path=ppt/slides/slide11.xml><?xml version="1.0" encoding="utf-8"?>
+<p:sld xmlns:a="http://schemas.openxmlformats.org/drawingml/2006/main" xmlns:r="http://schemas.openxmlformats.org/officeDocument/2006/relationships" xmlns:p="http://schemas.openxmlformats.org/presentationml/2006/main">
+  <p:cSld>
+    <p:spTree>
+      <p:nvGrpSpPr>
+        <p:cNvPr id="1" name=""/>
+        <p:cNvGrpSpPr/>
+        <p:nvPr/>
+      </p:nvGrpSpPr>
+      <p:grpSpPr>
+        <a:xfrm>
+          <a:off x="0" y="0"/>
+          <a:ext cx="0" cy="0"/>
+          <a:chOff x="0" y="0"/>
+          <a:chExt cx="0" cy="0"/>
+        </a:xfrm>
+      </p:grpSpPr>
+      <p:sp>
+        <p:nvSpPr>
+          <p:cNvPr id="2" name="タイトル 1"/>
+          <p:cNvSpPr>
+            <a:spLocks noGrp="1"/>
+          </p:cNvSpPr>
+          <p:nvPr>
+            <p:ph type="title"/>
+          </p:nvPr>
+        </p:nvSpPr>
+        <p:spPr>
+          <a:xfrm>
+            <a:off x="157717" y="152474"/>
+            <a:ext cx="10515600" cy="1325563"/>
+          </a:xfrm>
+        </p:spPr>
+        <p:txBody>
+          <a:bodyPr/>
+          <a:lstStyle/>
+          <a:p>
+            <a:r>
+              <a:rPr lang="ja-JP" altLang="en-US"/>
+              <a:t>考察</a:t>
+            </a:r>
+            <a:endParaRPr kumimoji="1" lang="ja-JP" altLang="en-US"/>
+          </a:p>
+        </p:txBody>
+      </p:sp>
+      <p:sp>
+        <p:nvSpPr>
+          <p:cNvPr id="3" name="コンテンツ プレースホルダー 2"/>
+          <p:cNvSpPr>
+            <a:spLocks noGrp="1"/>
+          </p:cNvSpPr>
+          <p:nvPr>
+            <p:ph idx="1"/>
+          </p:nvPr>
+        </p:nvSpPr>
+        <p:spPr/>
+        <p:txBody>
+          <a:bodyPr/>
+          <a:lstStyle/>
+          <a:p>
+            <a:pPr>
+              <a:lnSpc>
+                <a:spcPct val="100000"/>
+              </a:lnSpc>
+            </a:pPr>
+            <a:r>
+              <a:rPr lang="en-US" altLang="ja-JP"/>
+              <a:t>Cookie </a:t>
+            </a:r>
+            <a:r>
+              <a:rPr lang="ja-JP" altLang="en-US"/>
+              <a:t>が送信されなかったのは、サードパーティ</a:t>
+            </a:r>
+            <a:r>
+              <a:rPr lang="en-US" altLang="ja-JP"/>
+              <a:t> Cookie </a:t>
+            </a:r>
+            <a:r>
+              <a:rPr lang="ja-JP" altLang="en-US"/>
+              <a:t>がブロックされていたのが原因</a:t>
+            </a:r>
+            <a:endParaRPr lang="en-US" altLang="ja-JP"/>
+          </a:p>
+          <a:p>
+            <a:pPr lvl="1">
+              <a:lnSpc>
+                <a:spcPct val="100000"/>
+              </a:lnSpc>
+            </a:pPr>
+            <a:r>
+              <a:rPr lang="ja-JP" altLang="en-US"/>
+              <a:t>サードパーティ</a:t>
+            </a:r>
+            <a:r>
+              <a:rPr lang="en-US" altLang="ja-JP"/>
+              <a:t> Cookie </a:t>
+            </a:r>
+            <a:r>
+              <a:rPr lang="ja-JP" altLang="en-US"/>
+              <a:t>とは、ユーザが訪問する</a:t>
+            </a:r>
+            <a:r>
+              <a:rPr lang="en-US" altLang="ja-JP"/>
+              <a:t> Web </a:t>
+            </a:r>
+            <a:r>
+              <a:rPr lang="ja-JP" altLang="en-US"/>
+              <a:t>サイトとは異なる</a:t>
+            </a:r>
+            <a:r>
+              <a:rPr lang="en-US" altLang="ja-JP"/>
+              <a:t> Web </a:t>
+            </a:r>
+            <a:r>
+              <a:rPr lang="ja-JP" altLang="en-US"/>
+              <a:t>サイトに送信される</a:t>
+            </a:r>
+            <a:r>
+              <a:rPr lang="en-US" altLang="ja-JP"/>
+              <a:t> Cookie </a:t>
+            </a:r>
+            <a:r>
+              <a:rPr lang="ja-JP" altLang="en-US"/>
+              <a:t>のこと</a:t>
+            </a:r>
+            <a:endParaRPr kumimoji="1" lang="en-US" altLang="ja-JP"/>
+          </a:p>
+        </p:txBody>
+      </p:sp>
+      <p:sp>
+        <p:nvSpPr>
+          <p:cNvPr id="20" name="正方形/長方形 19"/>
+          <p:cNvSpPr/>
+          <p:nvPr/>
+        </p:nvSpPr>
+        <p:spPr>
+          <a:xfrm>
+            <a:off x="2045825" y="4486199"/>
+            <a:ext cx="2270999" cy="2074098"/>
+          </a:xfrm>
+          <a:prstGeom prst="rect">
+            <a:avLst/>
+          </a:prstGeom>
+          <a:solidFill>
+            <a:schemeClr val="bg1">
+              <a:lumMod val="95000"/>
+            </a:schemeClr>
+          </a:solidFill>
+          <a:ln w="57150">
+            <a:solidFill>
+              <a:srgbClr val="FF0000"/>
+            </a:solidFill>
+          </a:ln>
+        </p:spPr>
+        <p:style>
+          <a:lnRef idx="2">
+            <a:schemeClr val="accent1">
+              <a:shade val="50000"/>
+            </a:schemeClr>
+          </a:lnRef>
+          <a:fillRef idx="1">
+            <a:schemeClr val="accent1"/>
+          </a:fillRef>
+          <a:effectRef idx="0">
+            <a:schemeClr val="accent1"/>
+          </a:effectRef>
+          <a:fontRef idx="minor">
+            <a:schemeClr val="lt1"/>
+          </a:fontRef>
+        </p:style>
+        <p:txBody>
+          <a:bodyPr rtlCol="0" anchor="ctr"/>
+          <a:lstStyle/>
+          <a:p>
+            <a:pPr algn="ctr"/>
+            <a:endParaRPr kumimoji="1" lang="ja-JP" altLang="en-US">
+              <a:solidFill>
+                <a:srgbClr val="FF0000"/>
+              </a:solidFill>
+            </a:endParaRPr>
+          </a:p>
+        </p:txBody>
+      </p:sp>
+      <p:pic>
+        <p:nvPicPr>
+          <p:cNvPr id="21" name="図 20"/>
+          <p:cNvPicPr>
+            <a:picLocks noChangeAspect="1"/>
+          </p:cNvPicPr>
+          <p:nvPr/>
+        </p:nvPicPr>
+        <p:blipFill>
+          <a:blip r:embed="rId2">
+            <a:extLst>
+              <a:ext uri="{28A0092B-C50C-407E-A947-70E740481C1C}">
+                <a14:useLocalDpi xmlns:a14="http://schemas.microsoft.com/office/drawing/2010/main" val="0"/>
+              </a:ext>
+            </a:extLst>
+          </a:blip>
+          <a:stretch>
+            <a:fillRect/>
+          </a:stretch>
+        </p:blipFill>
+        <p:spPr>
+          <a:xfrm>
+            <a:off x="2973304" y="5614001"/>
+            <a:ext cx="1187872" cy="357639"/>
+          </a:xfrm>
+          <a:prstGeom prst="rect">
+            <a:avLst/>
+          </a:prstGeom>
+        </p:spPr>
+      </p:pic>
+      <p:pic>
+        <p:nvPicPr>
+          <p:cNvPr id="22" name="図 21"/>
+          <p:cNvPicPr>
+            <a:picLocks noChangeAspect="1"/>
+          </p:cNvPicPr>
+          <p:nvPr/>
+        </p:nvPicPr>
+        <p:blipFill>
+          <a:blip r:embed="rId3">
+            <a:extLst>
+              <a:ext uri="{28A0092B-C50C-407E-A947-70E740481C1C}">
+                <a14:useLocalDpi xmlns:a14="http://schemas.microsoft.com/office/drawing/2010/main" val="0"/>
+              </a:ext>
+            </a:extLst>
+          </a:blip>
+          <a:stretch>
+            <a:fillRect/>
+          </a:stretch>
+        </p:blipFill>
+        <p:spPr>
+          <a:xfrm>
+            <a:off x="2977122" y="6042095"/>
+            <a:ext cx="1184054" cy="378177"/>
+          </a:xfrm>
+          <a:prstGeom prst="rect">
+            <a:avLst/>
+          </a:prstGeom>
+        </p:spPr>
+      </p:pic>
+      <p:pic>
+        <p:nvPicPr>
+          <p:cNvPr id="23" name="図 22"/>
+          <p:cNvPicPr>
+            <a:picLocks noChangeAspect="1"/>
+          </p:cNvPicPr>
+          <p:nvPr/>
+        </p:nvPicPr>
+        <p:blipFill>
+          <a:blip r:embed="rId4">
+            <a:extLst>
+              <a:ext uri="{28A0092B-C50C-407E-A947-70E740481C1C}">
+                <a14:useLocalDpi xmlns:a14="http://schemas.microsoft.com/office/drawing/2010/main" val="0"/>
+              </a:ext>
+            </a:extLst>
+          </a:blip>
+          <a:stretch>
+            <a:fillRect/>
+          </a:stretch>
+        </p:blipFill>
+        <p:spPr>
+          <a:xfrm>
+            <a:off x="9378129" y="5317802"/>
+            <a:ext cx="543245" cy="543245"/>
+          </a:xfrm>
+          <a:prstGeom prst="rect">
+            <a:avLst/>
+          </a:prstGeom>
+        </p:spPr>
+      </p:pic>
+      <p:pic>
+        <p:nvPicPr>
+          <p:cNvPr id="24" name="図 23"/>
+          <p:cNvPicPr>
+            <a:picLocks noChangeAspect="1"/>
+          </p:cNvPicPr>
+          <p:nvPr/>
+        </p:nvPicPr>
+        <p:blipFill>
+          <a:blip r:embed="rId5">
+            <a:extLst>
+              <a:ext uri="{28A0092B-C50C-407E-A947-70E740481C1C}">
+                <a14:useLocalDpi xmlns:a14="http://schemas.microsoft.com/office/drawing/2010/main" val="0"/>
+              </a:ext>
+            </a:extLst>
+          </a:blip>
+          <a:stretch>
+            <a:fillRect/>
+          </a:stretch>
+        </p:blipFill>
+        <p:spPr>
+          <a:xfrm>
+            <a:off x="8633056" y="4825876"/>
+            <a:ext cx="807097" cy="807097"/>
+          </a:xfrm>
+          <a:prstGeom prst="rect">
+            <a:avLst/>
+          </a:prstGeom>
+        </p:spPr>
+      </p:pic>
+      <p:pic>
+        <p:nvPicPr>
+          <p:cNvPr id="25" name="図 24"/>
+          <p:cNvPicPr>
+            <a:picLocks noChangeAspect="1"/>
+          </p:cNvPicPr>
+          <p:nvPr/>
+        </p:nvPicPr>
+        <p:blipFill>
+          <a:blip r:embed="rId6">
+            <a:extLst>
+              <a:ext uri="{28A0092B-C50C-407E-A947-70E740481C1C}">
+                <a14:useLocalDpi xmlns:a14="http://schemas.microsoft.com/office/drawing/2010/main" val="0"/>
+              </a:ext>
+            </a:extLst>
+          </a:blip>
+          <a:stretch>
+            <a:fillRect/>
+          </a:stretch>
+        </p:blipFill>
+        <p:spPr>
+          <a:xfrm>
+            <a:off x="4850342" y="4489039"/>
+            <a:ext cx="752103" cy="752103"/>
+          </a:xfrm>
+          <a:prstGeom prst="rect">
+            <a:avLst/>
+          </a:prstGeom>
+          <a:noFill/>
+          <a:ln w="57150">
+            <a:noFill/>
+          </a:ln>
+        </p:spPr>
+      </p:pic>
+      <p:pic>
+        <p:nvPicPr>
+          <p:cNvPr id="26" name="図 25"/>
+          <p:cNvPicPr>
+            <a:picLocks noChangeAspect="1"/>
+          </p:cNvPicPr>
+          <p:nvPr/>
+        </p:nvPicPr>
+        <p:blipFill>
+          <a:blip r:embed="rId6">
+            <a:extLst>
+              <a:ext uri="{28A0092B-C50C-407E-A947-70E740481C1C}">
+                <a14:useLocalDpi xmlns:a14="http://schemas.microsoft.com/office/drawing/2010/main" val="0"/>
+              </a:ext>
+            </a:extLst>
+          </a:blip>
+          <a:stretch>
+            <a:fillRect/>
+          </a:stretch>
+        </p:blipFill>
+        <p:spPr>
+          <a:xfrm>
+            <a:off x="4860974" y="5800853"/>
+            <a:ext cx="752103" cy="752103"/>
+          </a:xfrm>
+          <a:prstGeom prst="rect">
+            <a:avLst/>
+          </a:prstGeom>
+          <a:noFill/>
+          <a:ln w="57150">
+            <a:noFill/>
+          </a:ln>
+        </p:spPr>
+      </p:pic>
+      <p:sp>
+        <p:nvSpPr>
+          <p:cNvPr id="27" name="正方形/長方形 26"/>
+          <p:cNvSpPr/>
+          <p:nvPr/>
+        </p:nvSpPr>
+        <p:spPr>
+          <a:xfrm>
+            <a:off x="4782053" y="4479809"/>
+            <a:ext cx="888680" cy="770561"/>
+          </a:xfrm>
+          <a:prstGeom prst="rect">
+            <a:avLst/>
+          </a:prstGeom>
+          <a:noFill/>
+          <a:ln w="57150">
+            <a:solidFill>
+              <a:srgbClr val="FF0000"/>
+            </a:solidFill>
+          </a:ln>
+        </p:spPr>
+        <p:style>
+          <a:lnRef idx="2">
+            <a:schemeClr val="accent1">
+              <a:shade val="50000"/>
+            </a:schemeClr>
+          </a:lnRef>
+          <a:fillRef idx="1">
+            <a:schemeClr val="accent1"/>
+          </a:fillRef>
+          <a:effectRef idx="0">
+            <a:schemeClr val="accent1"/>
+          </a:effectRef>
+          <a:fontRef idx="minor">
+            <a:schemeClr val="lt1"/>
+          </a:fontRef>
+        </p:style>
+        <p:txBody>
+          <a:bodyPr rtlCol="0" anchor="ctr"/>
+          <a:lstStyle/>
+          <a:p>
+            <a:pPr algn="ctr"/>
+            <a:endParaRPr kumimoji="1" lang="ja-JP" altLang="en-US">
+              <a:solidFill>
+                <a:srgbClr val="FF0000"/>
+              </a:solidFill>
+            </a:endParaRPr>
+          </a:p>
+        </p:txBody>
+      </p:sp>
+      <p:sp>
+        <p:nvSpPr>
+          <p:cNvPr id="28" name="正方形/長方形 27"/>
+          <p:cNvSpPr/>
+          <p:nvPr/>
+        </p:nvSpPr>
+        <p:spPr>
+          <a:xfrm>
+            <a:off x="4792685" y="5791625"/>
+            <a:ext cx="888680" cy="770561"/>
+          </a:xfrm>
+          <a:prstGeom prst="rect">
+            <a:avLst/>
+          </a:prstGeom>
+          <a:noFill/>
+          <a:ln w="57150">
+            <a:solidFill>
+              <a:srgbClr val="0070C0"/>
+            </a:solidFill>
+          </a:ln>
+        </p:spPr>
+        <p:style>
+          <a:lnRef idx="2">
+            <a:schemeClr val="accent1">
+              <a:shade val="50000"/>
+            </a:schemeClr>
+          </a:lnRef>
+          <a:fillRef idx="1">
+            <a:schemeClr val="accent1"/>
+          </a:fillRef>
+          <a:effectRef idx="0">
+            <a:schemeClr val="accent1"/>
+          </a:effectRef>
+          <a:fontRef idx="minor">
+            <a:schemeClr val="lt1"/>
+          </a:fontRef>
+        </p:style>
+        <p:txBody>
+          <a:bodyPr rtlCol="0" anchor="ctr"/>
+          <a:lstStyle/>
+          <a:p>
+            <a:pPr algn="ctr"/>
+            <a:endParaRPr kumimoji="1" lang="ja-JP" altLang="en-US">
+              <a:solidFill>
+                <a:srgbClr val="FF0000"/>
+              </a:solidFill>
+            </a:endParaRPr>
+          </a:p>
+        </p:txBody>
+      </p:sp>
+      <p:sp>
+        <p:nvSpPr>
+          <p:cNvPr id="29" name="正方形/長方形 28"/>
+          <p:cNvSpPr/>
+          <p:nvPr/>
+        </p:nvSpPr>
+        <p:spPr>
+          <a:xfrm>
+            <a:off x="2887368" y="5546957"/>
+            <a:ext cx="1323945" cy="925714"/>
+          </a:xfrm>
+          <a:prstGeom prst="rect">
+            <a:avLst/>
+          </a:prstGeom>
+          <a:noFill/>
+          <a:ln w="57150">
+            <a:solidFill>
+              <a:srgbClr val="0070C0"/>
+            </a:solidFill>
+          </a:ln>
+        </p:spPr>
+        <p:style>
+          <a:lnRef idx="2">
+            <a:schemeClr val="accent1">
+              <a:shade val="50000"/>
+            </a:schemeClr>
+          </a:lnRef>
+          <a:fillRef idx="1">
+            <a:schemeClr val="accent1"/>
+          </a:fillRef>
+          <a:effectRef idx="0">
+            <a:schemeClr val="accent1"/>
+          </a:effectRef>
+          <a:fontRef idx="minor">
+            <a:schemeClr val="lt1"/>
+          </a:fontRef>
+        </p:style>
+        <p:txBody>
+          <a:bodyPr rtlCol="0" anchor="ctr"/>
+          <a:lstStyle/>
+          <a:p>
+            <a:pPr algn="ctr"/>
+            <a:endParaRPr kumimoji="1" lang="ja-JP" altLang="en-US">
+              <a:solidFill>
+                <a:srgbClr val="FF0000"/>
+              </a:solidFill>
+            </a:endParaRPr>
+          </a:p>
+        </p:txBody>
+      </p:sp>
+      <p:sp>
+        <p:nvSpPr>
+          <p:cNvPr id="30" name="テキスト ボックス 29"/>
+          <p:cNvSpPr txBox="1"/>
+          <p:nvPr/>
+        </p:nvSpPr>
+        <p:spPr>
+          <a:xfrm>
+            <a:off x="1933963" y="4137337"/>
+            <a:ext cx="1656223" cy="369332"/>
+          </a:xfrm>
+          <a:prstGeom prst="rect">
+            <a:avLst/>
+          </a:prstGeom>
+          <a:noFill/>
+        </p:spPr>
+        <p:txBody>
+          <a:bodyPr wrap="none" rtlCol="0">
+            <a:spAutoFit/>
+          </a:bodyPr>
+          <a:lstStyle/>
+          <a:p>
+            <a:r>
+              <a:rPr kumimoji="1" lang="en-US" altLang="ja-JP" b="1"/>
+              <a:t>Web </a:t>
+            </a:r>
+            <a:r>
+              <a:rPr kumimoji="1" lang="ja-JP" altLang="en-US" b="1"/>
+              <a:t>サイト</a:t>
+            </a:r>
+            <a:r>
+              <a:rPr kumimoji="1" lang="en-US" altLang="ja-JP" b="1"/>
+              <a:t> A</a:t>
+            </a:r>
+            <a:endParaRPr kumimoji="1" lang="ja-JP" altLang="en-US" b="1"/>
+          </a:p>
+        </p:txBody>
+      </p:sp>
+      <p:sp>
+        <p:nvSpPr>
+          <p:cNvPr id="31" name="テキスト ボックス 30"/>
+          <p:cNvSpPr txBox="1"/>
+          <p:nvPr/>
+        </p:nvSpPr>
+        <p:spPr>
+          <a:xfrm>
+            <a:off x="2781308" y="5220093"/>
+            <a:ext cx="1569660" cy="369332"/>
+          </a:xfrm>
+          <a:prstGeom prst="rect">
+            <a:avLst/>
+          </a:prstGeom>
+          <a:noFill/>
+        </p:spPr>
+        <p:txBody>
+          <a:bodyPr wrap="none" rtlCol="0">
+            <a:spAutoFit/>
+          </a:bodyPr>
+          <a:lstStyle/>
+          <a:p>
+            <a:r>
+              <a:rPr kumimoji="1" lang="ja-JP" altLang="en-US" b="1"/>
+              <a:t>シェアボタン</a:t>
+            </a:r>
+          </a:p>
+        </p:txBody>
+      </p:sp>
+      <p:sp>
+        <p:nvSpPr>
+          <p:cNvPr id="32" name="テキスト ボックス 31"/>
+          <p:cNvSpPr txBox="1"/>
+          <p:nvPr/>
+        </p:nvSpPr>
+        <p:spPr>
+          <a:xfrm>
+            <a:off x="4257512" y="4173807"/>
+            <a:ext cx="2098651" cy="307777"/>
+          </a:xfrm>
+          <a:prstGeom prst="rect">
+            <a:avLst/>
+          </a:prstGeom>
+          <a:noFill/>
+        </p:spPr>
+        <p:txBody>
+          <a:bodyPr wrap="none" rtlCol="0">
+            <a:spAutoFit/>
+          </a:bodyPr>
+          <a:lstStyle/>
+          <a:p>
+            <a:r>
+              <a:rPr kumimoji="1" lang="en-US" altLang="ja-JP" sz="1400" b="1"/>
+              <a:t>Web </a:t>
+            </a:r>
+            <a:r>
+              <a:rPr kumimoji="1" lang="ja-JP" altLang="en-US" sz="1400" b="1"/>
+              <a:t>サイト</a:t>
+            </a:r>
+            <a:r>
+              <a:rPr kumimoji="1" lang="en-US" altLang="ja-JP" sz="1400" b="1"/>
+              <a:t> A </a:t>
+            </a:r>
+            <a:r>
+              <a:rPr kumimoji="1" lang="ja-JP" altLang="en-US" sz="1400" b="1"/>
+              <a:t>のサーバ</a:t>
+            </a:r>
+          </a:p>
+        </p:txBody>
+      </p:sp>
+      <p:sp>
+        <p:nvSpPr>
+          <p:cNvPr id="33" name="テキスト ボックス 32"/>
+          <p:cNvSpPr txBox="1"/>
+          <p:nvPr/>
+        </p:nvSpPr>
+        <p:spPr>
+          <a:xfrm>
+            <a:off x="4316824" y="5493076"/>
+            <a:ext cx="1980029" cy="307777"/>
+          </a:xfrm>
+          <a:prstGeom prst="rect">
+            <a:avLst/>
+          </a:prstGeom>
+          <a:noFill/>
+        </p:spPr>
+        <p:txBody>
+          <a:bodyPr wrap="none" rtlCol="0">
+            <a:spAutoFit/>
+          </a:bodyPr>
+          <a:lstStyle/>
+          <a:p>
+            <a:r>
+              <a:rPr kumimoji="1" lang="ja-JP" altLang="en-US" sz="1400" b="1"/>
+              <a:t>シェアボタンのサーバ</a:t>
+            </a:r>
+          </a:p>
+        </p:txBody>
+      </p:sp>
+      <p:cxnSp>
+        <p:nvCxnSpPr>
+          <p:cNvPr id="34" name="直線矢印コネクタ 33"/>
+          <p:cNvCxnSpPr/>
+          <p:nvPr/>
+        </p:nvCxnSpPr>
+        <p:spPr>
+          <a:xfrm flipH="1">
+            <a:off x="5749655" y="5377049"/>
+            <a:ext cx="2777074" cy="767633"/>
+          </a:xfrm>
+          <a:prstGeom prst="straightConnector1">
+            <a:avLst/>
+          </a:prstGeom>
+          <a:ln w="57150">
+            <a:solidFill>
+              <a:srgbClr val="0070C0"/>
+            </a:solidFill>
+            <a:tailEnd type="triangle"/>
+          </a:ln>
+        </p:spPr>
+        <p:style>
+          <a:lnRef idx="1">
+            <a:schemeClr val="accent1"/>
+          </a:lnRef>
+          <a:fillRef idx="0">
+            <a:schemeClr val="accent1"/>
+          </a:fillRef>
+          <a:effectRef idx="0">
+            <a:schemeClr val="accent1"/>
+          </a:effectRef>
+          <a:fontRef idx="minor">
+            <a:schemeClr val="tx1"/>
+          </a:fontRef>
+        </p:style>
+      </p:cxnSp>
+      <p:cxnSp>
+        <p:nvCxnSpPr>
+          <p:cNvPr id="35" name="直線矢印コネクタ 34"/>
+          <p:cNvCxnSpPr>
+            <a:stCxn id="26" idx="1"/>
+          </p:cNvCxnSpPr>
+          <p:nvPr/>
+        </p:nvCxnSpPr>
+        <p:spPr>
+          <a:xfrm flipH="1" flipV="1">
+            <a:off x="5749656" y="4871303"/>
+            <a:ext cx="2777073" cy="358122"/>
+          </a:xfrm>
+          <a:prstGeom prst="straightConnector1">
+            <a:avLst/>
+          </a:prstGeom>
+          <a:ln w="57150">
+            <a:solidFill>
+              <a:srgbClr val="FF0000"/>
+            </a:solidFill>
+            <a:tailEnd type="triangle"/>
+          </a:ln>
+        </p:spPr>
+        <p:style>
+          <a:lnRef idx="1">
+            <a:schemeClr val="accent1"/>
+          </a:lnRef>
+          <a:fillRef idx="0">
+            <a:schemeClr val="accent1"/>
+          </a:fillRef>
+          <a:effectRef idx="0">
+            <a:schemeClr val="accent1"/>
+          </a:effectRef>
+          <a:fontRef idx="minor">
+            <a:schemeClr val="tx1"/>
+          </a:fontRef>
+        </p:style>
+      </p:cxnSp>
+      <p:sp>
+        <p:nvSpPr>
+          <p:cNvPr id="36" name="テキスト ボックス 35"/>
+          <p:cNvSpPr txBox="1"/>
+          <p:nvPr/>
+        </p:nvSpPr>
+        <p:spPr>
+          <a:xfrm>
+            <a:off x="6356163" y="5945865"/>
+            <a:ext cx="1800493" cy="646331"/>
+          </a:xfrm>
+          <a:prstGeom prst="rect">
+            <a:avLst/>
+          </a:prstGeom>
+          <a:noFill/>
+        </p:spPr>
+        <p:txBody>
+          <a:bodyPr wrap="none" rtlCol="0">
+            <a:spAutoFit/>
+          </a:bodyPr>
+          <a:lstStyle/>
+          <a:p>
+            <a:r>
+              <a:rPr kumimoji="1" lang="ja-JP" altLang="en-US" b="1">
+                <a:solidFill>
+                  <a:srgbClr val="1971C0"/>
+                </a:solidFill>
+              </a:rPr>
+              <a:t>サードパーティ</a:t>
+            </a:r>
+            <a:endParaRPr lang="en-US" altLang="ja-JP" b="1">
+              <a:solidFill>
+                <a:srgbClr val="1971C0"/>
+              </a:solidFill>
+            </a:endParaRPr>
+          </a:p>
+          <a:p>
+            <a:r>
+              <a:rPr kumimoji="1" lang="en-US" altLang="ja-JP" b="1">
+                <a:solidFill>
+                  <a:srgbClr val="1971C0"/>
+                </a:solidFill>
+              </a:rPr>
+              <a:t>Cookie</a:t>
+            </a:r>
+            <a:endParaRPr kumimoji="1" lang="ja-JP" altLang="en-US" b="1">
+              <a:solidFill>
+                <a:srgbClr val="1971C0"/>
+              </a:solidFill>
+            </a:endParaRPr>
+          </a:p>
+        </p:txBody>
+      </p:sp>
+      <p:sp>
+        <p:nvSpPr>
+          <p:cNvPr id="37" name="テキスト ボックス 36"/>
+          <p:cNvSpPr txBox="1"/>
+          <p:nvPr/>
+        </p:nvSpPr>
+        <p:spPr>
+          <a:xfrm>
+            <a:off x="8656725" y="5884310"/>
+            <a:ext cx="2149948" cy="707886"/>
+          </a:xfrm>
+          <a:prstGeom prst="rect">
+            <a:avLst/>
+          </a:prstGeom>
+          <a:noFill/>
+        </p:spPr>
+        <p:txBody>
+          <a:bodyPr wrap="none" rtlCol="0">
+            <a:spAutoFit/>
+          </a:bodyPr>
+          <a:lstStyle/>
+          <a:p>
+            <a:r>
+              <a:rPr kumimoji="1" lang="en-US" altLang="ja-JP" sz="2000" b="1">
+                <a:solidFill>
+                  <a:srgbClr val="4B4B4B"/>
+                </a:solidFill>
+              </a:rPr>
+              <a:t>Web </a:t>
+            </a:r>
+            <a:r>
+              <a:rPr kumimoji="1" lang="ja-JP" altLang="en-US" sz="2000" b="1">
+                <a:solidFill>
+                  <a:srgbClr val="4B4B4B"/>
+                </a:solidFill>
+              </a:rPr>
+              <a:t>サイト</a:t>
+            </a:r>
+            <a:r>
+              <a:rPr kumimoji="1" lang="en-US" altLang="ja-JP" sz="2000" b="1">
+                <a:solidFill>
+                  <a:srgbClr val="4B4B4B"/>
+                </a:solidFill>
+              </a:rPr>
+              <a:t> A </a:t>
+            </a:r>
+            <a:r>
+              <a:rPr kumimoji="1" lang="ja-JP" altLang="en-US" sz="2000" b="1">
+                <a:solidFill>
+                  <a:srgbClr val="4B4B4B"/>
+                </a:solidFill>
+              </a:rPr>
+              <a:t>に</a:t>
+            </a:r>
+            <a:endParaRPr kumimoji="1" lang="en-US" altLang="ja-JP" sz="2000" b="1">
+              <a:solidFill>
+                <a:srgbClr val="4B4B4B"/>
+              </a:solidFill>
+            </a:endParaRPr>
+          </a:p>
+          <a:p>
+            <a:r>
+              <a:rPr lang="ja-JP" altLang="en-US" sz="2000" b="1">
+                <a:solidFill>
+                  <a:srgbClr val="4B4B4B"/>
+                </a:solidFill>
+              </a:rPr>
+              <a:t>訪問したユーザ</a:t>
+            </a:r>
+            <a:endParaRPr kumimoji="1" lang="ja-JP" altLang="en-US" sz="2000" b="1">
+              <a:solidFill>
+                <a:srgbClr val="4B4B4B"/>
+              </a:solidFill>
+            </a:endParaRPr>
+          </a:p>
+        </p:txBody>
+      </p:sp>
+      <p:sp>
+        <p:nvSpPr>
+          <p:cNvPr id="38" name="テキスト ボックス 37"/>
+          <p:cNvSpPr txBox="1"/>
+          <p:nvPr/>
+        </p:nvSpPr>
+        <p:spPr>
+          <a:xfrm>
+            <a:off x="6356928" y="4351633"/>
+            <a:ext cx="2262158" cy="646331"/>
+          </a:xfrm>
+          <a:prstGeom prst="rect">
+            <a:avLst/>
+          </a:prstGeom>
+          <a:noFill/>
+        </p:spPr>
+        <p:txBody>
+          <a:bodyPr wrap="none" rtlCol="0">
+            <a:spAutoFit/>
+          </a:bodyPr>
+          <a:lstStyle/>
+          <a:p>
+            <a:r>
+              <a:rPr kumimoji="1" lang="ja-JP" altLang="en-US" b="1">
+                <a:solidFill>
+                  <a:srgbClr val="FF0000"/>
+                </a:solidFill>
+              </a:rPr>
+              <a:t>ファーストパーティ</a:t>
+            </a:r>
+            <a:endParaRPr kumimoji="1" lang="en-US" altLang="ja-JP" b="1">
+              <a:solidFill>
+                <a:srgbClr val="FF0000"/>
+              </a:solidFill>
+            </a:endParaRPr>
+          </a:p>
+          <a:p>
+            <a:r>
+              <a:rPr lang="en-US" altLang="ja-JP" b="1">
+                <a:solidFill>
+                  <a:srgbClr val="FF0000"/>
+                </a:solidFill>
+              </a:rPr>
+              <a:t>Cookie</a:t>
+            </a:r>
+            <a:endParaRPr kumimoji="1" lang="ja-JP" altLang="en-US" b="1">
+              <a:solidFill>
+                <a:srgbClr val="FF0000"/>
+              </a:solidFill>
+            </a:endParaRPr>
+          </a:p>
+        </p:txBody>
+      </p:sp>
+      <p:grpSp>
+        <p:nvGrpSpPr>
+          <p:cNvPr id="41" name="図形グループ 40"/>
+          <p:cNvGrpSpPr/>
+          <p:nvPr/>
+        </p:nvGrpSpPr>
+        <p:grpSpPr>
+          <a:xfrm>
+            <a:off x="6391970" y="5111549"/>
+            <a:ext cx="1318418" cy="1672550"/>
+            <a:chOff x="6391970" y="5111549"/>
+            <a:chExt cx="1318418" cy="1672550"/>
+          </a:xfrm>
+        </p:grpSpPr>
+        <p:pic>
+          <p:nvPicPr>
+            <p:cNvPr id="39" name="図 38"/>
+            <p:cNvPicPr>
+              <a:picLocks noChangeAspect="1"/>
+            </p:cNvPicPr>
+            <p:nvPr/>
+          </p:nvPicPr>
+          <p:blipFill>
+            <a:blip r:embed="rId7">
+              <a:extLst>
+                <a:ext uri="{28A0092B-C50C-407E-A947-70E740481C1C}">
+                  <a14:useLocalDpi xmlns:a14="http://schemas.microsoft.com/office/drawing/2010/main" val="0"/>
+                </a:ext>
+              </a:extLst>
+            </a:blip>
+            <a:stretch>
+              <a:fillRect/>
+            </a:stretch>
+          </p:blipFill>
+          <p:spPr>
+            <a:xfrm>
+              <a:off x="6391970" y="5465681"/>
+              <a:ext cx="1318418" cy="1318418"/>
+            </a:xfrm>
+            <a:prstGeom prst="rect">
+              <a:avLst/>
+            </a:prstGeom>
+          </p:spPr>
+        </p:pic>
+        <p:sp>
+          <p:nvSpPr>
+            <p:cNvPr id="40" name="テキスト ボックス 39"/>
+            <p:cNvSpPr txBox="1"/>
+            <p:nvPr/>
+          </p:nvSpPr>
+          <p:spPr>
+            <a:xfrm>
+              <a:off x="6500387" y="5111549"/>
+              <a:ext cx="1101584" cy="400110"/>
+            </a:xfrm>
+            <a:prstGeom prst="rect">
+              <a:avLst/>
+            </a:prstGeom>
+            <a:noFill/>
+          </p:spPr>
+          <p:txBody>
+            <a:bodyPr wrap="none" rtlCol="0">
+              <a:spAutoFit/>
+            </a:bodyPr>
+            <a:lstStyle/>
+            <a:p>
+              <a:pPr algn="ctr"/>
+              <a:r>
+                <a:rPr kumimoji="1" lang="en-US" altLang="ja-JP" sz="2000" b="1">
+                  <a:solidFill>
+                    <a:srgbClr val="4B4B4B"/>
+                  </a:solidFill>
+                  <a:latin typeface="Open Sans" charset="0"/>
+                  <a:ea typeface="Open Sans" charset="0"/>
+                  <a:cs typeface="Open Sans" charset="0"/>
+                </a:rPr>
+                <a:t>BLOCK!</a:t>
+              </a:r>
+              <a:endParaRPr kumimoji="1" lang="ja-JP" altLang="en-US" sz="2000" b="1">
+                <a:solidFill>
+                  <a:srgbClr val="4B4B4B"/>
+                </a:solidFill>
+                <a:latin typeface="Open Sans" charset="0"/>
+                <a:ea typeface="Open Sans" charset="0"/>
+                <a:cs typeface="Open Sans" charset="0"/>
+              </a:endParaRPr>
+            </a:p>
+          </p:txBody>
+        </p:sp>
+      </p:grpSp>
+    </p:spTree>
+    <p:extLst>
+      <p:ext uri="{BB962C8B-B14F-4D97-AF65-F5344CB8AC3E}">
+        <p14:creationId xmlns:p14="http://schemas.microsoft.com/office/powerpoint/2010/main" val="911398541"/>
+      </p:ext>
+    </p:extLst>
+  </p:cSld>
+  <p:clrMapOvr>
+    <a:masterClrMapping/>
+  </p:clrMapOvr>
+  <p:timing>
+    <p:tnLst>
+      <p:par>
+        <p:cTn id="1" dur="indefinite" restart="never" nodeType="tmRoot">
+          <p:childTnLst>
+            <p:seq concurrent="1" nextAc="seek">
+              <p:cTn id="2" dur="indefinite" nodeType="mainSeq">
+                <p:childTnLst>
+                  <p:par>
+                    <p:cTn id="3" fill="hold">
+                      <p:stCondLst>
+                        <p:cond delay="indefinite"/>
+                      </p:stCondLst>
+                      <p:childTnLst>
+                        <p:par>
+                          <p:cTn id="4" fill="hold">
+                            <p:stCondLst>
+                              <p:cond delay="0"/>
+                            </p:stCondLst>
+                            <p:childTnLst>
+                              <p:par>
+                                <p:cTn id="5" presetID="53" presetClass="entr" presetSubtype="16" fill="hold" nodeType="clickEffect">
+                                  <p:stCondLst>
+                                    <p:cond delay="0"/>
+                                  </p:stCondLst>
+                                  <p:childTnLst>
+                                    <p:set>
+                                      <p:cBhvr>
+                                        <p:cTn id="6" dur="1" fill="hold">
+                                          <p:stCondLst>
+                                            <p:cond delay="0"/>
+                                          </p:stCondLst>
+                                        </p:cTn>
+                                        <p:tgtEl>
+                                          <p:spTgt spid="41"/>
+                                        </p:tgtEl>
+                                        <p:attrNameLst>
+                                          <p:attrName>style.visibility</p:attrName>
+                                        </p:attrNameLst>
+                                      </p:cBhvr>
+                                      <p:to>
+                                        <p:strVal val="visible"/>
+                                      </p:to>
+                                    </p:set>
+                                    <p:anim calcmode="lin" valueType="num">
+                                      <p:cBhvr>
+                                        <p:cTn id="7" dur="500" fill="hold"/>
+                                        <p:tgtEl>
+                                          <p:spTgt spid="41"/>
+                                        </p:tgtEl>
+                                        <p:attrNameLst>
+                                          <p:attrName>ppt_w</p:attrName>
+                                        </p:attrNameLst>
+                                      </p:cBhvr>
+                                      <p:tavLst>
+                                        <p:tav tm="0">
+                                          <p:val>
+                                            <p:fltVal val="0"/>
+                                          </p:val>
+                                        </p:tav>
+                                        <p:tav tm="100000">
+                                          <p:val>
+                                            <p:strVal val="#ppt_w"/>
+                                          </p:val>
+                                        </p:tav>
+                                      </p:tavLst>
+                                    </p:anim>
+                                    <p:anim calcmode="lin" valueType="num">
+                                      <p:cBhvr>
+                                        <p:cTn id="8" dur="500" fill="hold"/>
+                                        <p:tgtEl>
+                                          <p:spTgt spid="41"/>
+                                        </p:tgtEl>
+                                        <p:attrNameLst>
+                                          <p:attrName>ppt_h</p:attrName>
+                                        </p:attrNameLst>
+                                      </p:cBhvr>
+                                      <p:tavLst>
+                                        <p:tav tm="0">
+                                          <p:val>
+                                            <p:fltVal val="0"/>
+                                          </p:val>
+                                        </p:tav>
+                                        <p:tav tm="100000">
+                                          <p:val>
+                                            <p:strVal val="#ppt_h"/>
+                                          </p:val>
+                                        </p:tav>
+                                      </p:tavLst>
+                                    </p:anim>
+                                    <p:animEffect transition="in" filter="fade">
+                                      <p:cBhvr>
+                                        <p:cTn id="9" dur="500"/>
+                                        <p:tgtEl>
+                                          <p:spTgt spid="41"/>
+                                        </p:tgtEl>
+                                      </p:cBhvr>
+                                    </p:animEffect>
+                                  </p:childTnLst>
+                                </p:cTn>
+                              </p:par>
+                            </p:childTnLst>
+                          </p:cTn>
+                        </p:par>
+                      </p:childTnLst>
+                    </p:cTn>
+                  </p:par>
+                </p:childTnLst>
+              </p:cTn>
+              <p:prevCondLst>
+                <p:cond evt="onPrev" delay="0">
+                  <p:tgtEl>
+                    <p:sldTgt/>
+                  </p:tgtEl>
+                </p:cond>
+              </p:prevCondLst>
+              <p:nextCondLst>
+                <p:cond evt="onNext" delay="0">
+                  <p:tgtEl>
+                    <p:sldTgt/>
+                  </p:tgtEl>
+                </p:cond>
+              </p:nextCondLst>
+            </p:seq>
+          </p:childTnLst>
+        </p:cTn>
+      </p:par>
+    </p:tnLst>
+  </p:timing>
+</p:sld>
+</file>
+
+<file path=ppt/slides/slide12.xml><?xml version="1.0" encoding="utf-8"?>
 <p:sld xmlns:a="http://schemas.openxmlformats.org/drawingml/2006/main" xmlns:r="http://schemas.openxmlformats.org/officeDocument/2006/relationships" xmlns:p="http://schemas.openxmlformats.org/presentationml/2006/main" show="0">
   <p:cSld>
     <p:spTree>
@@ -6222,8 +7544,8 @@
 </p:sld>
 </file>
 
-<file path=ppt/slides/slide12.xml><?xml version="1.0" encoding="utf-8"?>
-<p:sld xmlns:a="http://schemas.openxmlformats.org/drawingml/2006/main" xmlns:r="http://schemas.openxmlformats.org/officeDocument/2006/relationships" xmlns:p="http://schemas.openxmlformats.org/presentationml/2006/main">
+<file path=ppt/slides/slide13.xml><?xml version="1.0" encoding="utf-8"?>
+<p:sld xmlns:a="http://schemas.openxmlformats.org/drawingml/2006/main" xmlns:r="http://schemas.openxmlformats.org/officeDocument/2006/relationships" xmlns:p="http://schemas.openxmlformats.org/presentationml/2006/main" show="0">
   <p:cSld>
     <p:spTree>
       <p:nvGrpSpPr>
@@ -6969,6 +8291,14 @@
   <p:clrMapOvr>
     <a:masterClrMapping/>
   </p:clrMapOvr>
+  <mc:AlternateContent xmlns:mc="http://schemas.openxmlformats.org/markup-compatibility/2006">
+    <mc:Choice xmlns:p14="http://schemas.microsoft.com/office/powerpoint/2010/main" Requires="p14">
+      <p:transition spd="slow" p14:dur="2000"/>
+    </mc:Choice>
+    <mc:Fallback>
+      <p:transition spd="slow"/>
+    </mc:Fallback>
+  </mc:AlternateContent>
   <p:timing>
     <p:tnLst>
       <p:par>
@@ -7185,7 +8515,7 @@
 </p:sld>
 </file>
 
-<file path=ppt/slides/slide13.xml><?xml version="1.0" encoding="utf-8"?>
+<file path=ppt/slides/slide14.xml><?xml version="1.0" encoding="utf-8"?>
 <p:sld xmlns:a="http://schemas.openxmlformats.org/drawingml/2006/main" xmlns:r="http://schemas.openxmlformats.org/officeDocument/2006/relationships" xmlns:p="http://schemas.openxmlformats.org/presentationml/2006/main" show="0">
   <p:cSld>
     <p:spTree>
@@ -7305,7 +8635,7 @@
 </p:sld>
 </file>
 
-<file path=ppt/slides/slide14.xml><?xml version="1.0" encoding="utf-8"?>
+<file path=ppt/slides/slide15.xml><?xml version="1.0" encoding="utf-8"?>
 <p:sld xmlns:a="http://schemas.openxmlformats.org/drawingml/2006/main" xmlns:r="http://schemas.openxmlformats.org/officeDocument/2006/relationships" xmlns:p="http://schemas.openxmlformats.org/presentationml/2006/main">
   <p:cSld>
     <p:spTree>
@@ -7533,6 +8863,14 @@
   <p:clrMapOvr>
     <a:masterClrMapping/>
   </p:clrMapOvr>
+  <mc:AlternateContent xmlns:mc="http://schemas.openxmlformats.org/markup-compatibility/2006">
+    <mc:Choice xmlns:p14="http://schemas.microsoft.com/office/powerpoint/2010/main" Requires="p14">
+      <p:transition spd="slow" p14:dur="2000"/>
+    </mc:Choice>
+    <mc:Fallback>
+      <p:transition spd="slow"/>
+    </mc:Fallback>
+  </mc:AlternateContent>
   <p:timing>
     <p:tnLst>
       <p:par>
@@ -7872,7 +9210,7 @@
             </a:r>
             <a:r>
               <a:rPr lang="ja-JP" altLang="en-US"/>
-              <a:t>のシェアボタンの</a:t>
+              <a:t>シェアボタンの</a:t>
             </a:r>
             <a:r>
               <a:rPr lang="en-US" altLang="ja-JP"/>
@@ -7880,7 +9218,35 @@
             </a:r>
             <a:r>
               <a:rPr lang="ja-JP" altLang="en-US"/>
-              <a:t>を利用した犯人の特定手法の提案</a:t>
+              <a:t>から犯人の</a:t>
+            </a:r>
+            <a:r>
+              <a:rPr lang="en-US" altLang="ja-JP"/>
+              <a:t> SNS </a:t>
+            </a:r>
+            <a:r>
+              <a:rPr lang="ja-JP" altLang="en-US"/>
+              <a:t>アカウントを特定する手法の提案</a:t>
+            </a:r>
+            <a:endParaRPr lang="en-US" altLang="ja-JP"/>
+          </a:p>
+          <a:p>
+            <a:pPr lvl="1">
+              <a:lnSpc>
+                <a:spcPct val="100000"/>
+              </a:lnSpc>
+            </a:pPr>
+            <a:r>
+              <a:rPr lang="ja-JP" altLang="en-US"/>
+              <a:t>犯人の</a:t>
+            </a:r>
+            <a:r>
+              <a:rPr lang="en-US" altLang="ja-JP"/>
+              <a:t> SNS </a:t>
+            </a:r>
+            <a:r>
+              <a:rPr lang="ja-JP" altLang="en-US"/>
+              <a:t>アカウントを特定できれば犯人を特定できる可能性は高い</a:t>
             </a:r>
             <a:endParaRPr lang="en-US" altLang="ja-JP"/>
           </a:p>
@@ -10253,51 +11619,13 @@
           <a:bodyPr/>
           <a:lstStyle/>
           <a:p>
-            <a:pPr marL="514350" indent="-514350">
-              <a:buFont typeface="+mj-lt"/>
-              <a:buAutoNum type="arabicPeriod"/>
-            </a:pPr>
-            <a:r>
-              <a:rPr kumimoji="1" lang="en-US" altLang="ja-JP"/>
+            <a:r>
+              <a:rPr lang="en-US" altLang="ja-JP"/>
               <a:t>SNS </a:t>
             </a:r>
             <a:r>
-              <a:rPr kumimoji="1" lang="ja-JP" altLang="en-US"/>
+              <a:rPr lang="ja-JP" altLang="en-US"/>
               <a:t>シェアボタンを設置した掲示板と</a:t>
-            </a:r>
-            <a:r>
-              <a:rPr kumimoji="1" lang="en-US" altLang="ja-JP"/>
-              <a:t> SNS </a:t>
-            </a:r>
-            <a:r>
-              <a:rPr kumimoji="1" lang="ja-JP" altLang="en-US"/>
-              <a:t>サイトを用意</a:t>
-            </a:r>
-            <a:endParaRPr kumimoji="1" lang="en-US" altLang="ja-JP"/>
-          </a:p>
-          <a:p>
-            <a:pPr marL="514350" indent="-514350">
-              <a:buFont typeface="+mj-lt"/>
-              <a:buAutoNum type="arabicPeriod"/>
-            </a:pPr>
-            <a:r>
-              <a:rPr kumimoji="1" lang="en-US" altLang="ja-JP"/>
-              <a:t>15 </a:t>
-            </a:r>
-            <a:r>
-              <a:rPr kumimoji="1" lang="ja-JP" altLang="en-US"/>
-              <a:t>名の被験者を募集</a:t>
-            </a:r>
-            <a:endParaRPr kumimoji="1" lang="en-US" altLang="ja-JP"/>
-          </a:p>
-          <a:p>
-            <a:pPr marL="514350" indent="-514350">
-              <a:buFont typeface="+mj-lt"/>
-              <a:buAutoNum type="arabicPeriod"/>
-            </a:pPr>
-            <a:r>
-              <a:rPr lang="ja-JP" altLang="en-US"/>
-              <a:t>被験者が</a:t>
             </a:r>
             <a:r>
               <a:rPr lang="en-US" altLang="ja-JP"/>
@@ -10305,52 +11633,33 @@
             </a:r>
             <a:r>
               <a:rPr lang="ja-JP" altLang="en-US"/>
-              <a:t>アカウントを作成し、ログイン</a:t>
+              <a:t>サイトを用意</a:t>
             </a:r>
             <a:endParaRPr lang="en-US" altLang="ja-JP"/>
           </a:p>
           <a:p>
-            <a:pPr marL="514350" indent="-514350">
-              <a:buFont typeface="+mj-lt"/>
-              <a:buAutoNum type="arabicPeriod"/>
-            </a:pPr>
             <a:r>
               <a:rPr lang="ja-JP" altLang="en-US"/>
-              <a:t>掲示板へアクセスし、書込みを投稿</a:t>
+              <a:t>被験者</a:t>
+            </a:r>
+            <a:r>
+              <a:rPr lang="en-US" altLang="ja-JP"/>
+              <a:t> 15 </a:t>
+            </a:r>
+            <a:r>
+              <a:rPr lang="ja-JP" altLang="en-US"/>
+              <a:t>名を研究室から募集</a:t>
             </a:r>
             <a:endParaRPr lang="en-US" altLang="ja-JP"/>
           </a:p>
           <a:p>
-            <a:pPr marL="514350" indent="-514350">
-              <a:buFont typeface="+mj-lt"/>
-              <a:buAutoNum type="arabicPeriod"/>
-            </a:pPr>
             <a:r>
               <a:rPr lang="en-US" altLang="ja-JP"/>
               <a:t>SNS </a:t>
             </a:r>
             <a:r>
               <a:rPr lang="ja-JP" altLang="en-US"/>
-              <a:t>のサーバに送信された</a:t>
-            </a:r>
-            <a:r>
-              <a:rPr lang="en-US" altLang="ja-JP"/>
-              <a:t> Cookie </a:t>
-            </a:r>
-            <a:r>
-              <a:rPr lang="ja-JP" altLang="en-US"/>
-              <a:t>を解析</a:t>
-            </a:r>
-            <a:endParaRPr lang="en-US" altLang="ja-JP"/>
-          </a:p>
-          <a:p>
-            <a:pPr marL="514350" indent="-514350">
-              <a:buFont typeface="+mj-lt"/>
-              <a:buAutoNum type="arabicPeriod"/>
-            </a:pPr>
-            <a:r>
-              <a:rPr lang="ja-JP" altLang="en-US"/>
-              <a:t>投稿者の</a:t>
+              <a:t>にログインした状態で、掲示板に書込みを行った被験者の</a:t>
             </a:r>
             <a:r>
               <a:rPr lang="en-US" altLang="ja-JP"/>
@@ -10358,18 +11667,7 @@
             </a:r>
             <a:r>
               <a:rPr lang="ja-JP" altLang="en-US"/>
-              <a:t>アカウントを特定</a:t>
-            </a:r>
-            <a:endParaRPr lang="en-US" altLang="ja-JP"/>
-          </a:p>
-          <a:p>
-            <a:pPr marL="514350" indent="-514350">
-              <a:buFont typeface="+mj-lt"/>
-              <a:buAutoNum type="arabicPeriod"/>
-            </a:pPr>
-            <a:r>
-              <a:rPr lang="ja-JP" altLang="en-US"/>
-              <a:t>特定した被験者が正しいかどうか確認</a:t>
+              <a:t>のアカウントを特定する実験を実施</a:t>
             </a:r>
             <a:endParaRPr lang="en-US" altLang="ja-JP"/>
           </a:p>

--- a/presentation_slides.pptx
+++ b/presentation_slides.pptx
@@ -6200,8 +6200,12 @@
               </a:lnSpc>
             </a:pPr>
             <a:r>
+              <a:rPr kumimoji="1" lang="ja-JP" altLang="en-US"/>
+              <a:t>被験者</a:t>
+            </a:r>
+            <a:r>
               <a:rPr kumimoji="1" lang="en-US" altLang="ja-JP"/>
-              <a:t>15</a:t>
+              <a:t> 15</a:t>
             </a:r>
             <a:r>
               <a:rPr kumimoji="1" lang="ja-JP" altLang="en-US"/>
@@ -6213,7 +6217,7 @@
             </a:r>
             <a:r>
               <a:rPr kumimoji="1" lang="ja-JP" altLang="en-US"/>
-              <a:t>名を特定</a:t>
+              <a:t>名を特定することが可能</a:t>
             </a:r>
             <a:endParaRPr kumimoji="1" lang="en-US" altLang="ja-JP"/>
           </a:p>
@@ -6225,7 +6229,15 @@
             </a:pPr>
             <a:r>
               <a:rPr lang="ja-JP" altLang="en-US"/>
-              <a:t>正答率</a:t>
+              <a:t>特定した</a:t>
+            </a:r>
+            <a:r>
+              <a:rPr lang="en-US" altLang="ja-JP"/>
+              <a:t> SNS </a:t>
+            </a:r>
+            <a:r>
+              <a:rPr lang="ja-JP" altLang="en-US"/>
+              <a:t>アカウントの正答率は</a:t>
             </a:r>
             <a:r>
               <a:rPr lang="en-US" altLang="ja-JP"/>
@@ -6353,7 +6365,7 @@
             </a:r>
             <a:r>
               <a:rPr lang="ja-JP" altLang="en-US"/>
-              <a:t>が送信されなかったのは、サードパーティ</a:t>
+              <a:t>が送信されなかった理由は、サードパーティ</a:t>
             </a:r>
             <a:r>
               <a:rPr lang="en-US" altLang="ja-JP"/>
@@ -6361,7 +6373,7 @@
             </a:r>
             <a:r>
               <a:rPr lang="ja-JP" altLang="en-US"/>
-              <a:t>がブロックされていたのが原因</a:t>
+              <a:t>がブロックされていたため</a:t>
             </a:r>
             <a:endParaRPr lang="en-US" altLang="ja-JP"/>
           </a:p>
@@ -8750,7 +8762,7 @@
 </file>
 
 <file path=ppt/slides/slide2.xml><?xml version="1.0" encoding="utf-8"?>
-<p:sld xmlns:a="http://schemas.openxmlformats.org/drawingml/2006/main" xmlns:r="http://schemas.openxmlformats.org/officeDocument/2006/relationships" xmlns:p="http://schemas.openxmlformats.org/presentationml/2006/main">
+<p:sld xmlns:a="http://schemas.openxmlformats.org/drawingml/2006/main" xmlns:r="http://schemas.openxmlformats.org/officeDocument/2006/relationships" xmlns:p="http://schemas.openxmlformats.org/presentationml/2006/main" show="0">
   <p:cSld>
     <p:spTree>
       <p:nvGrpSpPr>
@@ -9028,6 +9040,22 @@
               <a:rPr lang="en-US" altLang="ja-JP"/>
               <a:t>Tor</a:t>
             </a:r>
+          </a:p>
+          <a:p>
+            <a:pPr>
+              <a:lnSpc>
+                <a:spcPct val="100000"/>
+              </a:lnSpc>
+            </a:pPr>
+            <a:r>
+              <a:rPr lang="en-US" altLang="ja-JP"/>
+              <a:t>IP </a:t>
+            </a:r>
+            <a:r>
+              <a:rPr lang="ja-JP" altLang="en-US"/>
+              <a:t>アドレス以外の特定手法が必要</a:t>
+            </a:r>
+            <a:endParaRPr lang="en-US" altLang="ja-JP"/>
           </a:p>
         </p:txBody>
       </p:sp>

--- a/presentation_slides.pptx
+++ b/presentation_slides.pptx
@@ -6205,19 +6205,27 @@
             </a:r>
             <a:r>
               <a:rPr kumimoji="1" lang="en-US" altLang="ja-JP"/>
-              <a:t> 15</a:t>
+              <a:t> </a:t>
+            </a:r>
+            <a:r>
+              <a:rPr kumimoji="1" lang="en-US" altLang="ja-JP" b="1" u="sng"/>
+              <a:t>15</a:t>
+            </a:r>
+            <a:r>
+              <a:rPr kumimoji="1" lang="ja-JP" altLang="en-US" b="1" u="sng"/>
+              <a:t> 名中、</a:t>
+            </a:r>
+            <a:r>
+              <a:rPr kumimoji="1" lang="en-US" altLang="ja-JP" b="1" u="sng"/>
+              <a:t>13 </a:t>
+            </a:r>
+            <a:r>
+              <a:rPr kumimoji="1" lang="ja-JP" altLang="en-US" b="1" u="sng"/>
+              <a:t>名</a:t>
             </a:r>
             <a:r>
               <a:rPr kumimoji="1" lang="ja-JP" altLang="en-US"/>
-              <a:t> 名中、</a:t>
-            </a:r>
-            <a:r>
-              <a:rPr kumimoji="1" lang="en-US" altLang="ja-JP"/>
-              <a:t>13 </a:t>
-            </a:r>
-            <a:r>
-              <a:rPr kumimoji="1" lang="ja-JP" altLang="en-US"/>
-              <a:t>名を特定することが可能</a:t>
+              <a:t>を特定することが可能</a:t>
             </a:r>
             <a:endParaRPr kumimoji="1" lang="en-US" altLang="ja-JP"/>
           </a:p>
@@ -6264,11 +6272,19 @@
             </a:r>
             <a:r>
               <a:rPr lang="en-US" altLang="ja-JP"/>
-              <a:t> Cookie </a:t>
+              <a:t> </a:t>
+            </a:r>
+            <a:r>
+              <a:rPr lang="en-US" altLang="ja-JP" b="1" u="sng"/>
+              <a:t>Cookie </a:t>
+            </a:r>
+            <a:r>
+              <a:rPr lang="ja-JP" altLang="en-US" b="1" u="sng"/>
+              <a:t>が送信されていなかった</a:t>
             </a:r>
             <a:r>
               <a:rPr lang="ja-JP" altLang="en-US"/>
-              <a:t>が送信されていなかったため特定不可</a:t>
+              <a:t>ため特定不可</a:t>
             </a:r>
             <a:endParaRPr kumimoji="1" lang="en-US" altLang="ja-JP"/>
           </a:p>
@@ -6365,15 +6381,23 @@
             </a:r>
             <a:r>
               <a:rPr lang="ja-JP" altLang="en-US"/>
-              <a:t>が送信されなかった理由は、サードパーティ</a:t>
-            </a:r>
-            <a:r>
-              <a:rPr lang="en-US" altLang="ja-JP"/>
+              <a:t>が送信されなかった理由は、</a:t>
+            </a:r>
+            <a:r>
+              <a:rPr lang="ja-JP" altLang="en-US" b="1" u="sng"/>
+              <a:t>サードパーティ</a:t>
+            </a:r>
+            <a:r>
+              <a:rPr lang="en-US" altLang="ja-JP" b="1" u="sng"/>
               <a:t> Cookie </a:t>
             </a:r>
             <a:r>
+              <a:rPr lang="ja-JP" altLang="en-US" b="1" u="sng"/>
+              <a:t>がブロックされていた</a:t>
+            </a:r>
+            <a:r>
               <a:rPr lang="ja-JP" altLang="en-US"/>
-              <a:t>がブロックされていたため</a:t>
+              <a:t>ため</a:t>
             </a:r>
             <a:endParaRPr lang="en-US" altLang="ja-JP"/>
           </a:p>
@@ -6861,8 +6885,8 @@
         </p:nvSpPr>
         <p:spPr>
           <a:xfrm>
-            <a:off x="2781308" y="5220093"/>
-            <a:ext cx="1569660" cy="369332"/>
+            <a:off x="2781308" y="4943643"/>
+            <a:ext cx="1569660" cy="646331"/>
           </a:xfrm>
           <a:prstGeom prst="rect">
             <a:avLst/>
@@ -6875,6 +6899,14 @@
           </a:bodyPr>
           <a:lstStyle/>
           <a:p>
+            <a:pPr algn="ctr"/>
+            <a:r>
+              <a:rPr kumimoji="1" lang="en-US" altLang="ja-JP" b="1"/>
+              <a:t>SNS</a:t>
+            </a:r>
+          </a:p>
+          <a:p>
+            <a:pPr algn="ctr"/>
             <a:r>
               <a:rPr kumimoji="1" lang="ja-JP" altLang="en-US" b="1"/>
               <a:t>シェアボタン</a:t>
@@ -6931,8 +6963,8 @@
         </p:nvSpPr>
         <p:spPr>
           <a:xfrm>
-            <a:off x="4316824" y="5493076"/>
-            <a:ext cx="1980029" cy="307777"/>
+            <a:off x="4641432" y="5493076"/>
+            <a:ext cx="1330814" cy="307777"/>
           </a:xfrm>
           <a:prstGeom prst="rect">
             <a:avLst/>
@@ -6945,9 +6977,14 @@
           </a:bodyPr>
           <a:lstStyle/>
           <a:p>
+            <a:pPr algn="ctr"/>
+            <a:r>
+              <a:rPr kumimoji="1" lang="en-US" altLang="ja-JP" sz="1400" b="1"/>
+              <a:t>SNS </a:t>
+            </a:r>
             <a:r>
               <a:rPr kumimoji="1" lang="ja-JP" altLang="en-US" sz="1400" b="1"/>
-              <a:t>シェアボタンのサーバ</a:t>
+              <a:t>のサーバ</a:t>
             </a:r>
           </a:p>
         </p:txBody>
@@ -9031,6 +9068,54 @@
             </a:r>
           </a:p>
           <a:p>
+            <a:pPr lvl="2">
+              <a:lnSpc>
+                <a:spcPct val="100000"/>
+              </a:lnSpc>
+            </a:pPr>
+            <a:r>
+              <a:rPr lang="en-US" altLang="ja-JP"/>
+              <a:t>ISP </a:t>
+            </a:r>
+            <a:r>
+              <a:rPr lang="ja-JP" altLang="en-US"/>
+              <a:t>などが</a:t>
+            </a:r>
+            <a:r>
+              <a:rPr lang="en-US" altLang="ja-JP"/>
+              <a:t> NAT (</a:t>
+            </a:r>
+            <a:r>
+              <a:rPr lang="ja-JP" altLang="en-US"/>
+              <a:t>プライベート</a:t>
+            </a:r>
+            <a:r>
+              <a:rPr lang="en-US" altLang="ja-JP"/>
+              <a:t> IP </a:t>
+            </a:r>
+            <a:r>
+              <a:rPr lang="ja-JP" altLang="en-US"/>
+              <a:t>とグローバル</a:t>
+            </a:r>
+            <a:r>
+              <a:rPr lang="en-US" altLang="ja-JP"/>
+              <a:t> IP </a:t>
+            </a:r>
+            <a:r>
+              <a:rPr lang="ja-JP" altLang="en-US"/>
+              <a:t>の変換</a:t>
+            </a:r>
+            <a:r>
+              <a:rPr lang="en-US" altLang="ja-JP"/>
+              <a:t>) </a:t>
+            </a:r>
+            <a:r>
+              <a:rPr lang="ja-JP" altLang="en-US"/>
+              <a:t>を行う仕組み</a:t>
+            </a:r>
+            <a:endParaRPr lang="en-US" altLang="ja-JP"/>
+          </a:p>
+          <a:p>
             <a:pPr lvl="1">
               <a:lnSpc>
                 <a:spcPct val="100000"/>
@@ -9042,20 +9127,32 @@
             </a:r>
           </a:p>
           <a:p>
+            <a:pPr lvl="2">
+              <a:lnSpc>
+                <a:spcPct val="100000"/>
+              </a:lnSpc>
+            </a:pPr>
+            <a:r>
+              <a:rPr lang="ja-JP" altLang="en-US"/>
+              <a:t>複数の国のサーバを経由して追跡されにくくする技術</a:t>
+            </a:r>
+            <a:endParaRPr lang="en-US" altLang="ja-JP"/>
+          </a:p>
+          <a:p>
             <a:pPr>
               <a:lnSpc>
                 <a:spcPct val="100000"/>
               </a:lnSpc>
             </a:pPr>
             <a:r>
-              <a:rPr lang="en-US" altLang="ja-JP"/>
+              <a:rPr lang="en-US" altLang="ja-JP" b="1" u="sng"/>
               <a:t>IP </a:t>
             </a:r>
             <a:r>
-              <a:rPr lang="ja-JP" altLang="en-US"/>
+              <a:rPr lang="ja-JP" altLang="en-US" b="1" u="sng"/>
               <a:t>アドレス以外の特定手法が必要</a:t>
             </a:r>
-            <a:endParaRPr lang="en-US" altLang="ja-JP"/>
+            <a:endParaRPr lang="en-US" altLang="ja-JP" b="1" u="sng"/>
           </a:p>
         </p:txBody>
       </p:sp>
@@ -9250,11 +9347,19 @@
             </a:r>
             <a:r>
               <a:rPr lang="en-US" altLang="ja-JP"/>
-              <a:t> SNS </a:t>
+              <a:t> </a:t>
+            </a:r>
+            <a:r>
+              <a:rPr lang="en-US" altLang="ja-JP" b="1" u="sng"/>
+              <a:t>SNS </a:t>
+            </a:r>
+            <a:r>
+              <a:rPr lang="ja-JP" altLang="en-US" b="1" u="sng"/>
+              <a:t>アカウントを特定する手法</a:t>
             </a:r>
             <a:r>
               <a:rPr lang="ja-JP" altLang="en-US"/>
-              <a:t>アカウントを特定する手法の提案</a:t>
+              <a:t>の提案</a:t>
             </a:r>
             <a:endParaRPr lang="en-US" altLang="ja-JP"/>
           </a:p>
@@ -10611,8 +10716,8 @@
         </p:nvSpPr>
         <p:spPr>
           <a:xfrm>
-            <a:off x="2919531" y="5400840"/>
-            <a:ext cx="1569660" cy="369332"/>
+            <a:off x="2919531" y="5135025"/>
+            <a:ext cx="1569660" cy="646331"/>
           </a:xfrm>
           <a:prstGeom prst="rect">
             <a:avLst/>
@@ -10625,6 +10730,14 @@
           </a:bodyPr>
           <a:lstStyle/>
           <a:p>
+            <a:pPr algn="ctr"/>
+            <a:r>
+              <a:rPr kumimoji="1" lang="en-US" altLang="ja-JP" b="1"/>
+              <a:t>SNS</a:t>
+            </a:r>
+          </a:p>
+          <a:p>
+            <a:pPr algn="ctr"/>
             <a:r>
               <a:rPr kumimoji="1" lang="ja-JP" altLang="en-US" b="1"/>
               <a:t>シェアボタン</a:t>
@@ -10681,8 +10794,8 @@
         </p:nvSpPr>
         <p:spPr>
           <a:xfrm>
-            <a:off x="4455047" y="5673823"/>
-            <a:ext cx="1980029" cy="307777"/>
+            <a:off x="4779655" y="5673823"/>
+            <a:ext cx="1330814" cy="307777"/>
           </a:xfrm>
           <a:prstGeom prst="rect">
             <a:avLst/>
@@ -10695,9 +10808,14 @@
           </a:bodyPr>
           <a:lstStyle/>
           <a:p>
+            <a:pPr algn="ctr"/>
+            <a:r>
+              <a:rPr kumimoji="1" lang="en-US" altLang="ja-JP" sz="1400" b="1"/>
+              <a:t>SNS </a:t>
+            </a:r>
             <a:r>
               <a:rPr kumimoji="1" lang="ja-JP" altLang="en-US" sz="1400" b="1"/>
-              <a:t>シェアボタンのサーバ</a:t>
+              <a:t>のサーバ</a:t>
             </a:r>
           </a:p>
         </p:txBody>
@@ -11687,15 +11805,23 @@
             </a:r>
             <a:r>
               <a:rPr lang="ja-JP" altLang="en-US"/>
-              <a:t>にログインした状態で、掲示板に書込みを行った被験者の</a:t>
-            </a:r>
-            <a:r>
-              <a:rPr lang="en-US" altLang="ja-JP"/>
+              <a:t>にログインした状態で、</a:t>
+            </a:r>
+            <a:r>
+              <a:rPr lang="ja-JP" altLang="en-US" b="1" u="sng"/>
+              <a:t>掲示板に書込みを行った被験者の</a:t>
+            </a:r>
+            <a:r>
+              <a:rPr lang="en-US" altLang="ja-JP" b="1" u="sng"/>
               <a:t> SNS </a:t>
             </a:r>
             <a:r>
+              <a:rPr lang="ja-JP" altLang="en-US" b="1" u="sng"/>
+              <a:t>のアカウントを特定する実験</a:t>
+            </a:r>
+            <a:r>
               <a:rPr lang="ja-JP" altLang="en-US"/>
-              <a:t>のアカウントを特定する実験を実施</a:t>
+              <a:t>を実施</a:t>
             </a:r>
             <a:endParaRPr lang="en-US" altLang="ja-JP"/>
           </a:p>
@@ -12543,8 +12669,8 @@
         </p:nvSpPr>
         <p:spPr>
           <a:xfrm>
-            <a:off x="10544690" y="2662208"/>
-            <a:ext cx="877163" cy="369332"/>
+            <a:off x="10416834" y="2633319"/>
+            <a:ext cx="1699504" cy="584775"/>
           </a:xfrm>
           <a:prstGeom prst="rect">
             <a:avLst/>
@@ -12559,7 +12685,35 @@
           <a:p>
             <a:pPr algn="ctr"/>
             <a:r>
-              <a:rPr kumimoji="1" lang="ja-JP" altLang="en-US" b="1">
+              <a:rPr kumimoji="1" lang="en-US" altLang="ja-JP" sz="1600" b="1">
+                <a:ea typeface="Menlo" charset="0"/>
+                <a:cs typeface="Menlo" charset="0"/>
+              </a:rPr>
+              <a:t>SNS </a:t>
+            </a:r>
+            <a:r>
+              <a:rPr kumimoji="1" lang="ja-JP" altLang="en-US" sz="1600" b="1">
+                <a:ea typeface="Menlo" charset="0"/>
+                <a:cs typeface="Menlo" charset="0"/>
+              </a:rPr>
+              <a:t>にログイン</a:t>
+            </a:r>
+            <a:endParaRPr kumimoji="1" lang="en-US" altLang="ja-JP" sz="1600" b="1">
+              <a:ea typeface="Menlo" charset="0"/>
+              <a:cs typeface="Menlo" charset="0"/>
+            </a:endParaRPr>
+          </a:p>
+          <a:p>
+            <a:pPr algn="ctr"/>
+            <a:r>
+              <a:rPr lang="ja-JP" altLang="en-US" sz="1600" b="1">
+                <a:ea typeface="Menlo" charset="0"/>
+                <a:cs typeface="Menlo" charset="0"/>
+              </a:rPr>
+              <a:t>済みの</a:t>
+            </a:r>
+            <a:r>
+              <a:rPr kumimoji="1" lang="ja-JP" altLang="en-US" sz="1600" b="1">
                 <a:ea typeface="Menlo" charset="0"/>
                 <a:cs typeface="Menlo" charset="0"/>
               </a:rPr>

--- a/presentation_slides.pptx
+++ b/presentation_slides.pptx
@@ -6189,14 +6189,19 @@
             <p:ph idx="1"/>
           </p:nvPr>
         </p:nvSpPr>
-        <p:spPr/>
+        <p:spPr>
+          <a:xfrm>
+            <a:off x="838200" y="1378800"/>
+            <a:ext cx="10515600" cy="4351338"/>
+          </a:xfrm>
+        </p:spPr>
         <p:txBody>
           <a:bodyPr/>
           <a:lstStyle/>
           <a:p>
             <a:pPr>
               <a:lnSpc>
-                <a:spcPct val="100000"/>
+                <a:spcPct val="150000"/>
               </a:lnSpc>
             </a:pPr>
             <a:r>
@@ -6232,7 +6237,7 @@
           <a:p>
             <a:pPr>
               <a:lnSpc>
-                <a:spcPct val="100000"/>
+                <a:spcPct val="150000"/>
               </a:lnSpc>
             </a:pPr>
             <a:r>
@@ -6255,7 +6260,7 @@
           <a:p>
             <a:pPr>
               <a:lnSpc>
-                <a:spcPct val="100000"/>
+                <a:spcPct val="150000"/>
               </a:lnSpc>
             </a:pPr>
             <a:r>
@@ -6365,14 +6370,19 @@
             <p:ph idx="1"/>
           </p:nvPr>
         </p:nvSpPr>
-        <p:spPr/>
+        <p:spPr>
+          <a:xfrm>
+            <a:off x="838200" y="1378800"/>
+            <a:ext cx="10515600" cy="4351338"/>
+          </a:xfrm>
+        </p:spPr>
         <p:txBody>
           <a:bodyPr/>
           <a:lstStyle/>
           <a:p>
             <a:pPr>
               <a:lnSpc>
-                <a:spcPct val="100000"/>
+                <a:spcPct val="130000"/>
               </a:lnSpc>
             </a:pPr>
             <a:r>
@@ -6404,7 +6414,7 @@
           <a:p>
             <a:pPr lvl="1">
               <a:lnSpc>
-                <a:spcPct val="100000"/>
+                <a:spcPct val="130000"/>
               </a:lnSpc>
             </a:pPr>
             <a:r>
@@ -6455,7 +6465,7 @@
         </p:nvSpPr>
         <p:spPr>
           <a:xfrm>
-            <a:off x="2045825" y="4486199"/>
+            <a:off x="1912469" y="4262916"/>
             <a:ext cx="2270999" cy="2074098"/>
           </a:xfrm>
           <a:prstGeom prst="rect">
@@ -6523,7 +6533,7 @@
         </p:blipFill>
         <p:spPr>
           <a:xfrm>
-            <a:off x="2973304" y="5614001"/>
+            <a:off x="2839948" y="5390718"/>
             <a:ext cx="1187872" cy="357639"/>
           </a:xfrm>
           <a:prstGeom prst="rect">
@@ -6553,7 +6563,7 @@
         </p:blipFill>
         <p:spPr>
           <a:xfrm>
-            <a:off x="2977122" y="6042095"/>
+            <a:off x="2843766" y="5818812"/>
             <a:ext cx="1184054" cy="378177"/>
           </a:xfrm>
           <a:prstGeom prst="rect">
@@ -6583,7 +6593,7 @@
         </p:blipFill>
         <p:spPr>
           <a:xfrm>
-            <a:off x="9378129" y="5317802"/>
+            <a:off x="9244773" y="5094519"/>
             <a:ext cx="543245" cy="543245"/>
           </a:xfrm>
           <a:prstGeom prst="rect">
@@ -6613,7 +6623,7 @@
         </p:blipFill>
         <p:spPr>
           <a:xfrm>
-            <a:off x="8633056" y="4825876"/>
+            <a:off x="8499700" y="4602593"/>
             <a:ext cx="807097" cy="807097"/>
           </a:xfrm>
           <a:prstGeom prst="rect">
@@ -6643,7 +6653,7 @@
         </p:blipFill>
         <p:spPr>
           <a:xfrm>
-            <a:off x="4850342" y="4489039"/>
+            <a:off x="4716986" y="4265756"/>
             <a:ext cx="752103" cy="752103"/>
           </a:xfrm>
           <a:prstGeom prst="rect">
@@ -6677,7 +6687,7 @@
         </p:blipFill>
         <p:spPr>
           <a:xfrm>
-            <a:off x="4860974" y="5800853"/>
+            <a:off x="4727618" y="5577570"/>
             <a:ext cx="752103" cy="752103"/>
           </a:xfrm>
           <a:prstGeom prst="rect">
@@ -6697,7 +6707,7 @@
         </p:nvSpPr>
         <p:spPr>
           <a:xfrm>
-            <a:off x="4782053" y="4479809"/>
+            <a:off x="4648697" y="4256526"/>
             <a:ext cx="888680" cy="770561"/>
           </a:xfrm>
           <a:prstGeom prst="rect">
@@ -6747,7 +6757,7 @@
         </p:nvSpPr>
         <p:spPr>
           <a:xfrm>
-            <a:off x="4792685" y="5791625"/>
+            <a:off x="4659329" y="5568342"/>
             <a:ext cx="888680" cy="770561"/>
           </a:xfrm>
           <a:prstGeom prst="rect">
@@ -6797,7 +6807,7 @@
         </p:nvSpPr>
         <p:spPr>
           <a:xfrm>
-            <a:off x="2887368" y="5546957"/>
+            <a:off x="2754012" y="5323674"/>
             <a:ext cx="1323945" cy="925714"/>
           </a:xfrm>
           <a:prstGeom prst="rect">
@@ -6847,7 +6857,7 @@
         </p:nvSpPr>
         <p:spPr>
           <a:xfrm>
-            <a:off x="1933963" y="4137337"/>
+            <a:off x="1800607" y="3914054"/>
             <a:ext cx="1656223" cy="369332"/>
           </a:xfrm>
           <a:prstGeom prst="rect">
@@ -6885,7 +6895,7 @@
         </p:nvSpPr>
         <p:spPr>
           <a:xfrm>
-            <a:off x="2781308" y="4943643"/>
+            <a:off x="2647952" y="4720360"/>
             <a:ext cx="1569660" cy="646331"/>
           </a:xfrm>
           <a:prstGeom prst="rect">
@@ -6922,7 +6932,7 @@
         </p:nvSpPr>
         <p:spPr>
           <a:xfrm>
-            <a:off x="4257512" y="4173807"/>
+            <a:off x="4124156" y="3950524"/>
             <a:ext cx="2098651" cy="307777"/>
           </a:xfrm>
           <a:prstGeom prst="rect">
@@ -6963,7 +6973,7 @@
         </p:nvSpPr>
         <p:spPr>
           <a:xfrm>
-            <a:off x="4641432" y="5493076"/>
+            <a:off x="4508076" y="5269793"/>
             <a:ext cx="1330814" cy="307777"/>
           </a:xfrm>
           <a:prstGeom prst="rect">
@@ -6997,7 +7007,7 @@
         </p:nvCxnSpPr>
         <p:spPr>
           <a:xfrm flipH="1">
-            <a:off x="5749655" y="5377049"/>
+            <a:off x="5616299" y="5153766"/>
             <a:ext cx="2777074" cy="767633"/>
           </a:xfrm>
           <a:prstGeom prst="straightConnector1">
@@ -7035,7 +7045,7 @@
         </p:nvCxnSpPr>
         <p:spPr>
           <a:xfrm flipH="1" flipV="1">
-            <a:off x="5749656" y="4871303"/>
+            <a:off x="5616300" y="4648020"/>
             <a:ext cx="2777073" cy="358122"/>
           </a:xfrm>
           <a:prstGeom prst="straightConnector1">
@@ -7071,7 +7081,7 @@
         </p:nvSpPr>
         <p:spPr>
           <a:xfrm>
-            <a:off x="6356163" y="5945865"/>
+            <a:off x="6222807" y="5722582"/>
             <a:ext cx="1800493" cy="646331"/>
           </a:xfrm>
           <a:prstGeom prst="rect">
@@ -7124,7 +7134,7 @@
         </p:nvSpPr>
         <p:spPr>
           <a:xfrm>
-            <a:off x="8656725" y="5884310"/>
+            <a:off x="8523369" y="5661027"/>
             <a:ext cx="2149948" cy="707886"/>
           </a:xfrm>
           <a:prstGeom prst="rect">
@@ -7201,7 +7211,7 @@
         </p:nvSpPr>
         <p:spPr>
           <a:xfrm>
-            <a:off x="6356928" y="4351633"/>
+            <a:off x="6223572" y="4128350"/>
             <a:ext cx="2262158" cy="646331"/>
           </a:xfrm>
           <a:prstGeom prst="rect">
@@ -7254,7 +7264,7 @@
         </p:nvGrpSpPr>
         <p:grpSpPr>
           <a:xfrm>
-            <a:off x="6391970" y="5111549"/>
+            <a:off x="6258614" y="4888266"/>
             <a:ext cx="1318418" cy="1672550"/>
             <a:chOff x="6391970" y="5111549"/>
             <a:chExt cx="1318418" cy="1672550"/>
@@ -8738,11 +8748,21 @@
             <p:ph idx="1"/>
           </p:nvPr>
         </p:nvSpPr>
-        <p:spPr/>
+        <p:spPr>
+          <a:xfrm>
+            <a:off x="838200" y="1378800"/>
+            <a:ext cx="10515600" cy="4351338"/>
+          </a:xfrm>
+        </p:spPr>
         <p:txBody>
           <a:bodyPr/>
           <a:lstStyle/>
           <a:p>
+            <a:pPr>
+              <a:lnSpc>
+                <a:spcPct val="150000"/>
+              </a:lnSpc>
+            </a:pPr>
             <a:r>
               <a:rPr lang="en-US" altLang="ja-JP"/>
               <a:t>IP </a:t>
@@ -8754,6 +8774,11 @@
             <a:endParaRPr lang="en-US" altLang="ja-JP"/>
           </a:p>
           <a:p>
+            <a:pPr>
+              <a:lnSpc>
+                <a:spcPct val="150000"/>
+              </a:lnSpc>
+            </a:pPr>
             <a:r>
               <a:rPr lang="ja-JP" altLang="en-US"/>
               <a:t>サードパーティ</a:t>
@@ -8984,14 +9009,19 @@
             <p:ph idx="1"/>
           </p:nvPr>
         </p:nvSpPr>
-        <p:spPr/>
+        <p:spPr>
+          <a:xfrm>
+            <a:off x="838200" y="1378800"/>
+            <a:ext cx="10515600" cy="4351338"/>
+          </a:xfrm>
+        </p:spPr>
         <p:txBody>
           <a:bodyPr/>
           <a:lstStyle/>
           <a:p>
             <a:pPr>
               <a:lnSpc>
-                <a:spcPct val="100000"/>
+                <a:spcPct val="120000"/>
               </a:lnSpc>
             </a:pPr>
             <a:r>
@@ -9007,7 +9037,7 @@
           <a:p>
             <a:pPr lvl="1">
               <a:lnSpc>
-                <a:spcPct val="100000"/>
+                <a:spcPct val="120000"/>
               </a:lnSpc>
             </a:pPr>
             <a:r>
@@ -9035,7 +9065,7 @@
           <a:p>
             <a:pPr>
               <a:lnSpc>
-                <a:spcPct val="100000"/>
+                <a:spcPct val="120000"/>
               </a:lnSpc>
             </a:pPr>
             <a:r>
@@ -9055,7 +9085,7 @@
           <a:p>
             <a:pPr lvl="1">
               <a:lnSpc>
-                <a:spcPct val="100000"/>
+                <a:spcPct val="120000"/>
               </a:lnSpc>
             </a:pPr>
             <a:r>
@@ -9070,7 +9100,7 @@
           <a:p>
             <a:pPr lvl="2">
               <a:lnSpc>
-                <a:spcPct val="100000"/>
+                <a:spcPct val="120000"/>
               </a:lnSpc>
             </a:pPr>
             <a:r>
@@ -9118,7 +9148,7 @@
           <a:p>
             <a:pPr lvl="1">
               <a:lnSpc>
-                <a:spcPct val="100000"/>
+                <a:spcPct val="120000"/>
               </a:lnSpc>
             </a:pPr>
             <a:r>
@@ -9129,7 +9159,7 @@
           <a:p>
             <a:pPr lvl="2">
               <a:lnSpc>
-                <a:spcPct val="100000"/>
+                <a:spcPct val="120000"/>
               </a:lnSpc>
             </a:pPr>
             <a:r>
@@ -9141,7 +9171,7 @@
           <a:p>
             <a:pPr>
               <a:lnSpc>
-                <a:spcPct val="100000"/>
+                <a:spcPct val="120000"/>
               </a:lnSpc>
             </a:pPr>
             <a:r>
@@ -9235,14 +9265,19 @@
             <p:ph idx="1"/>
           </p:nvPr>
         </p:nvSpPr>
-        <p:spPr/>
+        <p:spPr>
+          <a:xfrm>
+            <a:off x="838200" y="1378800"/>
+            <a:ext cx="10515600" cy="4351338"/>
+          </a:xfrm>
+        </p:spPr>
         <p:txBody>
           <a:bodyPr/>
           <a:lstStyle/>
           <a:p>
             <a:pPr>
               <a:lnSpc>
-                <a:spcPct val="100000"/>
+                <a:spcPct val="130000"/>
               </a:lnSpc>
             </a:pPr>
             <a:r>
@@ -9258,7 +9293,7 @@
           <a:p>
             <a:pPr lvl="1">
               <a:lnSpc>
-                <a:spcPct val="100000"/>
+                <a:spcPct val="130000"/>
               </a:lnSpc>
             </a:pPr>
             <a:r>
@@ -9275,14 +9310,25 @@
             </a:r>
             <a:r>
               <a:rPr lang="ja-JP" altLang="en-US"/>
-              <a:t>サーバがブラウザに任意の文字列を記憶させる仕組み</a:t>
+              <a:t>サーバがブラウザに任意の文字列を記憶させる</a:t>
+            </a:r>
+            <a:r>
+              <a:rPr lang="en-US" altLang="ja-JP"/>
+              <a:t/>
+            </a:r>
+            <a:br>
+              <a:rPr lang="en-US" altLang="ja-JP"/>
+            </a:br>
+            <a:r>
+              <a:rPr lang="ja-JP" altLang="en-US"/>
+              <a:t>仕組み</a:t>
             </a:r>
             <a:endParaRPr lang="en-US" altLang="ja-JP"/>
           </a:p>
           <a:p>
             <a:pPr>
               <a:lnSpc>
-                <a:spcPct val="100000"/>
+                <a:spcPct val="130000"/>
               </a:lnSpc>
             </a:pPr>
             <a:r>
@@ -9298,7 +9344,7 @@
           <a:p>
             <a:pPr lvl="1">
               <a:lnSpc>
-                <a:spcPct val="100000"/>
+                <a:spcPct val="130000"/>
               </a:lnSpc>
             </a:pPr>
             <a:r>
@@ -9326,7 +9372,7 @@
           <a:p>
             <a:pPr>
               <a:lnSpc>
-                <a:spcPct val="100000"/>
+                <a:spcPct val="130000"/>
               </a:lnSpc>
             </a:pPr>
             <a:r>
@@ -9366,7 +9412,7 @@
           <a:p>
             <a:pPr lvl="1">
               <a:lnSpc>
-                <a:spcPct val="100000"/>
+                <a:spcPct val="130000"/>
               </a:lnSpc>
             </a:pPr>
             <a:r>
@@ -10153,7 +10199,7 @@
         </p:nvSpPr>
         <p:spPr>
           <a:xfrm>
-            <a:off x="2184048" y="4666946"/>
+            <a:off x="1918234" y="4188488"/>
             <a:ext cx="2270999" cy="2074098"/>
           </a:xfrm>
           <a:prstGeom prst="rect">
@@ -10241,94 +10287,110 @@
             <p:ph idx="1"/>
           </p:nvPr>
         </p:nvSpPr>
-        <p:spPr/>
-        <p:txBody>
-          <a:bodyPr/>
+        <p:spPr>
+          <a:xfrm>
+            <a:off x="838200" y="1378800"/>
+            <a:ext cx="10515600" cy="4351338"/>
+          </a:xfrm>
+        </p:spPr>
+        <p:txBody>
+          <a:bodyPr>
+            <a:normAutofit/>
+          </a:bodyPr>
           <a:lstStyle/>
           <a:p>
             <a:pPr marL="514350" indent="-514350">
+              <a:lnSpc>
+                <a:spcPct val="150000"/>
+              </a:lnSpc>
               <a:buFont typeface="+mj-lt"/>
               <a:buAutoNum type="arabicPeriod"/>
             </a:pPr>
             <a:r>
-              <a:rPr kumimoji="1" lang="en-US" altLang="ja-JP"/>
+              <a:rPr kumimoji="1" lang="en-US" altLang="ja-JP" sz="2600"/>
               <a:t>Web </a:t>
             </a:r>
             <a:r>
-              <a:rPr kumimoji="1" lang="ja-JP" altLang="en-US"/>
+              <a:rPr kumimoji="1" lang="ja-JP" altLang="en-US" sz="2600"/>
               <a:t>サイト</a:t>
             </a:r>
             <a:r>
-              <a:rPr kumimoji="1" lang="en-US" altLang="ja-JP"/>
+              <a:rPr kumimoji="1" lang="en-US" altLang="ja-JP" sz="2600"/>
               <a:t> A </a:t>
             </a:r>
             <a:r>
-              <a:rPr kumimoji="1" lang="ja-JP" altLang="en-US"/>
+              <a:rPr kumimoji="1" lang="ja-JP" altLang="en-US" sz="2600"/>
               <a:t>に</a:t>
             </a:r>
             <a:r>
-              <a:rPr kumimoji="1" lang="en-US" altLang="ja-JP"/>
+              <a:rPr kumimoji="1" lang="en-US" altLang="ja-JP" sz="2600"/>
               <a:t> SNS </a:t>
             </a:r>
             <a:r>
-              <a:rPr kumimoji="1" lang="ja-JP" altLang="en-US"/>
+              <a:rPr kumimoji="1" lang="ja-JP" altLang="en-US" sz="2600"/>
               <a:t>のシェアボタンを設置</a:t>
             </a:r>
-            <a:endParaRPr kumimoji="1" lang="en-US" altLang="ja-JP"/>
+            <a:endParaRPr kumimoji="1" lang="en-US" altLang="ja-JP" sz="2600"/>
           </a:p>
           <a:p>
             <a:pPr marL="514350" indent="-514350">
+              <a:lnSpc>
+                <a:spcPct val="150000"/>
+              </a:lnSpc>
               <a:buFont typeface="+mj-lt"/>
               <a:buAutoNum type="arabicPeriod"/>
             </a:pPr>
             <a:r>
-              <a:rPr lang="en-US" altLang="ja-JP"/>
+              <a:rPr lang="en-US" altLang="ja-JP" sz="2600"/>
               <a:t>SNS </a:t>
             </a:r>
             <a:r>
-              <a:rPr lang="ja-JP" altLang="en-US"/>
+              <a:rPr lang="ja-JP" altLang="en-US" sz="2600"/>
               <a:t>のシェアボタンを読み込む際に送信される</a:t>
             </a:r>
             <a:r>
-              <a:rPr lang="en-US" altLang="ja-JP"/>
+              <a:rPr lang="en-US" altLang="ja-JP" sz="2600"/>
               <a:t> Cookie </a:t>
             </a:r>
             <a:r>
-              <a:rPr lang="ja-JP" altLang="en-US"/>
+              <a:rPr lang="ja-JP" altLang="en-US" sz="2600"/>
               <a:t>を解析</a:t>
             </a:r>
-            <a:endParaRPr lang="en-US" altLang="ja-JP"/>
+            <a:endParaRPr lang="en-US" altLang="ja-JP" sz="2600"/>
           </a:p>
           <a:p>
             <a:pPr marL="514350" indent="-514350">
+              <a:lnSpc>
+                <a:spcPct val="150000"/>
+              </a:lnSpc>
               <a:buFont typeface="+mj-lt"/>
               <a:buAutoNum type="arabicPeriod"/>
             </a:pPr>
             <a:r>
-              <a:rPr lang="en-US" altLang="ja-JP"/>
+              <a:rPr lang="en-US" altLang="ja-JP" sz="2600"/>
               <a:t>Web </a:t>
             </a:r>
             <a:r>
-              <a:rPr lang="ja-JP" altLang="en-US"/>
+              <a:rPr lang="ja-JP" altLang="en-US" sz="2600"/>
               <a:t>サイト</a:t>
             </a:r>
             <a:r>
-              <a:rPr lang="en-US" altLang="ja-JP"/>
+              <a:rPr lang="en-US" altLang="ja-JP" sz="2600"/>
               <a:t> A </a:t>
             </a:r>
             <a:r>
-              <a:rPr lang="ja-JP" altLang="en-US"/>
+              <a:rPr lang="ja-JP" altLang="en-US" sz="2600"/>
               <a:t>にアクセスしたユーザの</a:t>
             </a:r>
             <a:r>
-              <a:rPr lang="en-US" altLang="ja-JP"/>
+              <a:rPr lang="en-US" altLang="ja-JP" sz="2600"/>
               <a:t> SNS </a:t>
             </a:r>
             <a:r>
-              <a:rPr lang="ja-JP" altLang="en-US"/>
+              <a:rPr lang="ja-JP" altLang="en-US" sz="2600"/>
               <a:t>のアカウントを特定</a:t>
             </a:r>
-            <a:endParaRPr kumimoji="1" lang="en-US" altLang="ja-JP"/>
+            <a:endParaRPr kumimoji="1" lang="en-US" altLang="ja-JP" sz="2600"/>
           </a:p>
         </p:txBody>
       </p:sp>
@@ -10354,7 +10416,7 @@
         </p:blipFill>
         <p:spPr>
           <a:xfrm>
-            <a:off x="3111527" y="5794748"/>
+            <a:off x="2845713" y="5316290"/>
             <a:ext cx="1187872" cy="357639"/>
           </a:xfrm>
           <a:prstGeom prst="rect">
@@ -10384,7 +10446,7 @@
         </p:blipFill>
         <p:spPr>
           <a:xfrm>
-            <a:off x="3115345" y="6222842"/>
+            <a:off x="2849531" y="5744384"/>
             <a:ext cx="1184054" cy="378177"/>
           </a:xfrm>
           <a:prstGeom prst="rect">
@@ -10414,7 +10476,7 @@
         </p:blipFill>
         <p:spPr>
           <a:xfrm>
-            <a:off x="9410025" y="5498549"/>
+            <a:off x="9144211" y="5020091"/>
             <a:ext cx="543245" cy="543245"/>
           </a:xfrm>
           <a:prstGeom prst="rect">
@@ -10444,7 +10506,7 @@
         </p:blipFill>
         <p:spPr>
           <a:xfrm>
-            <a:off x="8664952" y="5006623"/>
+            <a:off x="8399138" y="4528165"/>
             <a:ext cx="807097" cy="807097"/>
           </a:xfrm>
           <a:prstGeom prst="rect">
@@ -10474,7 +10536,7 @@
         </p:blipFill>
         <p:spPr>
           <a:xfrm>
-            <a:off x="4988565" y="4669786"/>
+            <a:off x="4722751" y="4191328"/>
             <a:ext cx="752103" cy="752103"/>
           </a:xfrm>
           <a:prstGeom prst="rect">
@@ -10508,7 +10570,7 @@
         </p:blipFill>
         <p:spPr>
           <a:xfrm>
-            <a:off x="4999197" y="5981600"/>
+            <a:off x="4733383" y="5503142"/>
             <a:ext cx="752103" cy="752103"/>
           </a:xfrm>
           <a:prstGeom prst="rect">
@@ -10528,7 +10590,7 @@
         </p:nvSpPr>
         <p:spPr>
           <a:xfrm>
-            <a:off x="4920276" y="4660556"/>
+            <a:off x="4654462" y="4182098"/>
             <a:ext cx="888680" cy="770561"/>
           </a:xfrm>
           <a:prstGeom prst="rect">
@@ -10578,7 +10640,7 @@
         </p:nvSpPr>
         <p:spPr>
           <a:xfrm>
-            <a:off x="4930908" y="5972372"/>
+            <a:off x="4665094" y="5493914"/>
             <a:ext cx="888680" cy="770561"/>
           </a:xfrm>
           <a:prstGeom prst="rect">
@@ -10628,7 +10690,7 @@
         </p:nvSpPr>
         <p:spPr>
           <a:xfrm>
-            <a:off x="3025591" y="5727704"/>
+            <a:off x="2759777" y="5249246"/>
             <a:ext cx="1323945" cy="925714"/>
           </a:xfrm>
           <a:prstGeom prst="rect">
@@ -10678,7 +10740,7 @@
         </p:nvSpPr>
         <p:spPr>
           <a:xfrm>
-            <a:off x="2072186" y="4318084"/>
+            <a:off x="1806372" y="3839626"/>
             <a:ext cx="1656223" cy="369332"/>
           </a:xfrm>
           <a:prstGeom prst="rect">
@@ -10716,7 +10778,7 @@
         </p:nvSpPr>
         <p:spPr>
           <a:xfrm>
-            <a:off x="2919531" y="5135025"/>
+            <a:off x="2653717" y="4656567"/>
             <a:ext cx="1569660" cy="646331"/>
           </a:xfrm>
           <a:prstGeom prst="rect">
@@ -10753,7 +10815,7 @@
         </p:nvSpPr>
         <p:spPr>
           <a:xfrm>
-            <a:off x="4395735" y="4354554"/>
+            <a:off x="4129921" y="3876096"/>
             <a:ext cx="2098651" cy="307777"/>
           </a:xfrm>
           <a:prstGeom prst="rect">
@@ -10794,7 +10856,7 @@
         </p:nvSpPr>
         <p:spPr>
           <a:xfrm>
-            <a:off x="4779655" y="5673823"/>
+            <a:off x="4513841" y="5195365"/>
             <a:ext cx="1330814" cy="307777"/>
           </a:xfrm>
           <a:prstGeom prst="rect">
@@ -10828,7 +10890,7 @@
         </p:nvCxnSpPr>
         <p:spPr>
           <a:xfrm flipH="1">
-            <a:off x="5887878" y="5557796"/>
+            <a:off x="5622064" y="5079338"/>
             <a:ext cx="2777074" cy="767633"/>
           </a:xfrm>
           <a:prstGeom prst="straightConnector1">
@@ -10866,7 +10928,7 @@
         </p:nvCxnSpPr>
         <p:spPr>
           <a:xfrm flipH="1" flipV="1">
-            <a:off x="5887879" y="5052050"/>
+            <a:off x="5622065" y="4573592"/>
             <a:ext cx="2777073" cy="358122"/>
           </a:xfrm>
           <a:prstGeom prst="straightConnector1">
@@ -10902,7 +10964,7 @@
         </p:nvSpPr>
         <p:spPr>
           <a:xfrm>
-            <a:off x="6494386" y="6080556"/>
+            <a:off x="6228572" y="5602098"/>
             <a:ext cx="1800493" cy="646331"/>
           </a:xfrm>
           <a:prstGeom prst="rect">
@@ -10955,7 +11017,7 @@
         </p:nvSpPr>
         <p:spPr>
           <a:xfrm>
-            <a:off x="8733242" y="6041794"/>
+            <a:off x="8467428" y="5563336"/>
             <a:ext cx="1888659" cy="646331"/>
           </a:xfrm>
           <a:prstGeom prst="rect">
@@ -11760,11 +11822,21 @@
             <p:ph idx="1"/>
           </p:nvPr>
         </p:nvSpPr>
-        <p:spPr/>
+        <p:spPr>
+          <a:xfrm>
+            <a:off x="838200" y="1378800"/>
+            <a:ext cx="10515600" cy="4351338"/>
+          </a:xfrm>
+        </p:spPr>
         <p:txBody>
           <a:bodyPr/>
           <a:lstStyle/>
           <a:p>
+            <a:pPr>
+              <a:lnSpc>
+                <a:spcPct val="150000"/>
+              </a:lnSpc>
+            </a:pPr>
             <a:r>
               <a:rPr lang="en-US" altLang="ja-JP"/>
               <a:t>SNS </a:t>
@@ -11784,6 +11856,11 @@
             <a:endParaRPr lang="en-US" altLang="ja-JP"/>
           </a:p>
           <a:p>
+            <a:pPr>
+              <a:lnSpc>
+                <a:spcPct val="150000"/>
+              </a:lnSpc>
+            </a:pPr>
             <a:r>
               <a:rPr lang="ja-JP" altLang="en-US"/>
               <a:t>被験者</a:t>
@@ -11799,6 +11876,11 @@
             <a:endParaRPr lang="en-US" altLang="ja-JP"/>
           </a:p>
           <a:p>
+            <a:pPr>
+              <a:lnSpc>
+                <a:spcPct val="150000"/>
+              </a:lnSpc>
+            </a:pPr>
             <a:r>
               <a:rPr lang="en-US" altLang="ja-JP"/>
               <a:t>SNS </a:t>

--- a/presentation_slides.pptx
+++ b/presentation_slides.pptx
@@ -2130,79 +2130,23 @@
           <a:bodyPr/>
           <a:lstStyle/>
           <a:p>
-            <a:pPr marL="514350" indent="-514350">
+            <a:pPr marL="514350" marR="0" lvl="0" indent="-514350" algn="l" defTabSz="914400" rtl="0" eaLnBrk="1" fontAlgn="auto" latinLnBrk="0" hangingPunct="1">
+              <a:lnSpc>
+                <a:spcPct val="100000"/>
+              </a:lnSpc>
+              <a:spcBef>
+                <a:spcPts val="0"/>
+              </a:spcBef>
+              <a:spcAft>
+                <a:spcPts val="0"/>
+              </a:spcAft>
+              <a:buClrTx/>
+              <a:buSzTx/>
               <a:buFont typeface="+mj-lt"/>
-              <a:buAutoNum type="arabicPeriod"/>
+              <a:buNone/>
+              <a:tabLst/>
+              <a:defRPr/>
             </a:pPr>
-            <a:r>
-              <a:rPr kumimoji="1" lang="en-US" altLang="ja-JP"/>
-              <a:t>IP </a:t>
-            </a:r>
-            <a:r>
-              <a:rPr kumimoji="1" lang="ja-JP" altLang="en-US"/>
-              <a:t>アドレスによる特定が困難</a:t>
-            </a:r>
-            <a:endParaRPr kumimoji="1" lang="en-US" altLang="ja-JP"/>
-          </a:p>
-          <a:p>
-            <a:pPr marL="514350" indent="-514350">
-              <a:buFont typeface="+mj-lt"/>
-              <a:buAutoNum type="arabicPeriod"/>
-            </a:pPr>
-            <a:r>
-              <a:rPr lang="en-US" altLang="ja-JP"/>
-              <a:t>Cookie </a:t>
-            </a:r>
-            <a:r>
-              <a:rPr lang="ja-JP" altLang="en-US"/>
-              <a:t>による特定に着目</a:t>
-            </a:r>
-            <a:endParaRPr lang="en-US" altLang="ja-JP"/>
-          </a:p>
-          <a:p>
-            <a:pPr marL="514350" indent="-514350">
-              <a:buFont typeface="+mj-lt"/>
-              <a:buAutoNum type="arabicPeriod"/>
-            </a:pPr>
-            <a:r>
-              <a:rPr lang="en-US" altLang="ja-JP"/>
-              <a:t>SNS </a:t>
-            </a:r>
-            <a:r>
-              <a:rPr lang="ja-JP" altLang="en-US"/>
-              <a:t>シェアボタンの設置</a:t>
-            </a:r>
-            <a:endParaRPr lang="en-US" altLang="ja-JP"/>
-          </a:p>
-          <a:p>
-            <a:pPr marL="514350" indent="-514350">
-              <a:buFont typeface="+mj-lt"/>
-              <a:buAutoNum type="arabicPeriod"/>
-            </a:pPr>
-            <a:r>
-              <a:rPr kumimoji="1" lang="en-US" altLang="ja-JP"/>
-              <a:t>SNS </a:t>
-            </a:r>
-            <a:r>
-              <a:rPr kumimoji="1" lang="ja-JP" altLang="en-US"/>
-              <a:t>シェアボタン</a:t>
-            </a:r>
-            <a:r>
-              <a:rPr lang="ja-JP" altLang="en-US"/>
-              <a:t>の</a:t>
-            </a:r>
-            <a:r>
-              <a:rPr lang="en-US" altLang="ja-JP"/>
-              <a:t> </a:t>
-            </a:r>
-            <a:r>
-              <a:rPr kumimoji="1" lang="en-US" altLang="ja-JP"/>
-              <a:t>Cookie </a:t>
-            </a:r>
-            <a:r>
-              <a:rPr kumimoji="1" lang="ja-JP" altLang="en-US"/>
-              <a:t>を利用した特定手法の提案</a:t>
-            </a:r>
             <a:endParaRPr kumimoji="1" lang="en-US" altLang="ja-JP"/>
           </a:p>
         </p:txBody>
@@ -2287,79 +2231,23 @@
           <a:bodyPr/>
           <a:lstStyle/>
           <a:p>
-            <a:pPr marL="514350" indent="-514350">
+            <a:pPr marL="514350" marR="0" lvl="0" indent="-514350" algn="l" defTabSz="914400" rtl="0" eaLnBrk="1" fontAlgn="auto" latinLnBrk="0" hangingPunct="1">
+              <a:lnSpc>
+                <a:spcPct val="100000"/>
+              </a:lnSpc>
+              <a:spcBef>
+                <a:spcPts val="0"/>
+              </a:spcBef>
+              <a:spcAft>
+                <a:spcPts val="0"/>
+              </a:spcAft>
+              <a:buClrTx/>
+              <a:buSzTx/>
               <a:buFont typeface="+mj-lt"/>
-              <a:buAutoNum type="arabicPeriod"/>
+              <a:buNone/>
+              <a:tabLst/>
+              <a:defRPr/>
             </a:pPr>
-            <a:r>
-              <a:rPr kumimoji="1" lang="en-US" altLang="ja-JP"/>
-              <a:t>IP </a:t>
-            </a:r>
-            <a:r>
-              <a:rPr kumimoji="1" lang="ja-JP" altLang="en-US"/>
-              <a:t>アドレスによる特定が困難</a:t>
-            </a:r>
-            <a:endParaRPr kumimoji="1" lang="en-US" altLang="ja-JP"/>
-          </a:p>
-          <a:p>
-            <a:pPr marL="514350" indent="-514350">
-              <a:buFont typeface="+mj-lt"/>
-              <a:buAutoNum type="arabicPeriod"/>
-            </a:pPr>
-            <a:r>
-              <a:rPr lang="en-US" altLang="ja-JP"/>
-              <a:t>Cookie </a:t>
-            </a:r>
-            <a:r>
-              <a:rPr lang="ja-JP" altLang="en-US"/>
-              <a:t>による特定に着目</a:t>
-            </a:r>
-            <a:endParaRPr lang="en-US" altLang="ja-JP"/>
-          </a:p>
-          <a:p>
-            <a:pPr marL="514350" indent="-514350">
-              <a:buFont typeface="+mj-lt"/>
-              <a:buAutoNum type="arabicPeriod"/>
-            </a:pPr>
-            <a:r>
-              <a:rPr lang="en-US" altLang="ja-JP"/>
-              <a:t>SNS </a:t>
-            </a:r>
-            <a:r>
-              <a:rPr lang="ja-JP" altLang="en-US"/>
-              <a:t>シェアボタンの設置</a:t>
-            </a:r>
-            <a:endParaRPr lang="en-US" altLang="ja-JP"/>
-          </a:p>
-          <a:p>
-            <a:pPr marL="514350" indent="-514350">
-              <a:buFont typeface="+mj-lt"/>
-              <a:buAutoNum type="arabicPeriod"/>
-            </a:pPr>
-            <a:r>
-              <a:rPr kumimoji="1" lang="en-US" altLang="ja-JP"/>
-              <a:t>SNS </a:t>
-            </a:r>
-            <a:r>
-              <a:rPr kumimoji="1" lang="ja-JP" altLang="en-US"/>
-              <a:t>シェアボタン</a:t>
-            </a:r>
-            <a:r>
-              <a:rPr lang="ja-JP" altLang="en-US"/>
-              <a:t>の</a:t>
-            </a:r>
-            <a:r>
-              <a:rPr lang="en-US" altLang="ja-JP"/>
-              <a:t> </a:t>
-            </a:r>
-            <a:r>
-              <a:rPr kumimoji="1" lang="en-US" altLang="ja-JP"/>
-              <a:t>Cookie </a:t>
-            </a:r>
-            <a:r>
-              <a:rPr kumimoji="1" lang="ja-JP" altLang="en-US"/>
-              <a:t>を利用した特定手法の提案</a:t>
-            </a:r>
             <a:endParaRPr kumimoji="1" lang="en-US" altLang="ja-JP"/>
           </a:p>
         </p:txBody>
@@ -2444,96 +2332,6 @@
           <a:bodyPr/>
           <a:lstStyle/>
           <a:p>
-            <a:r>
-              <a:rPr kumimoji="1" lang="en-US" altLang="ja-JP"/>
-              <a:t>SNS </a:t>
-            </a:r>
-            <a:r>
-              <a:rPr kumimoji="1" lang="ja-JP" altLang="en-US"/>
-              <a:t>シェアボタンを設置した掲示板と</a:t>
-            </a:r>
-            <a:r>
-              <a:rPr kumimoji="1" lang="en-US" altLang="ja-JP"/>
-              <a:t> SNS </a:t>
-            </a:r>
-            <a:r>
-              <a:rPr kumimoji="1" lang="ja-JP" altLang="en-US"/>
-              <a:t>サイトを用意</a:t>
-            </a:r>
-            <a:endParaRPr kumimoji="1" lang="en-US" altLang="ja-JP"/>
-          </a:p>
-          <a:p>
-            <a:r>
-              <a:rPr kumimoji="1" lang="en-US" altLang="ja-JP"/>
-              <a:t>15 </a:t>
-            </a:r>
-            <a:r>
-              <a:rPr kumimoji="1" lang="ja-JP" altLang="en-US"/>
-              <a:t>名の被験者を募集</a:t>
-            </a:r>
-            <a:endParaRPr kumimoji="1" lang="en-US" altLang="ja-JP"/>
-          </a:p>
-          <a:p>
-            <a:r>
-              <a:rPr lang="ja-JP" altLang="en-US"/>
-              <a:t>被験者が</a:t>
-            </a:r>
-            <a:r>
-              <a:rPr lang="en-US" altLang="ja-JP"/>
-              <a:t> SNS </a:t>
-            </a:r>
-            <a:r>
-              <a:rPr lang="ja-JP" altLang="en-US"/>
-              <a:t>アカウントを作成し、ログイン</a:t>
-            </a:r>
-            <a:endParaRPr lang="en-US" altLang="ja-JP"/>
-          </a:p>
-          <a:p>
-            <a:r>
-              <a:rPr lang="ja-JP" altLang="en-US"/>
-              <a:t>掲示板へアクセスし、書込みを投稿</a:t>
-            </a:r>
-            <a:endParaRPr lang="en-US" altLang="ja-JP"/>
-          </a:p>
-          <a:p>
-            <a:r>
-              <a:rPr lang="en-US" altLang="ja-JP"/>
-              <a:t>SNS </a:t>
-            </a:r>
-            <a:r>
-              <a:rPr lang="ja-JP" altLang="en-US"/>
-              <a:t>のサーバに送信された</a:t>
-            </a:r>
-            <a:r>
-              <a:rPr lang="en-US" altLang="ja-JP"/>
-              <a:t> Cookie </a:t>
-            </a:r>
-            <a:r>
-              <a:rPr lang="ja-JP" altLang="en-US"/>
-              <a:t>を解析</a:t>
-            </a:r>
-            <a:endParaRPr lang="en-US" altLang="ja-JP"/>
-          </a:p>
-          <a:p>
-            <a:r>
-              <a:rPr lang="ja-JP" altLang="en-US"/>
-              <a:t>投稿者の</a:t>
-            </a:r>
-            <a:r>
-              <a:rPr lang="en-US" altLang="ja-JP"/>
-              <a:t> SNS </a:t>
-            </a:r>
-            <a:r>
-              <a:rPr lang="ja-JP" altLang="en-US"/>
-              <a:t>アカウントを特定</a:t>
-            </a:r>
-            <a:endParaRPr lang="en-US" altLang="ja-JP"/>
-          </a:p>
-          <a:p>
-            <a:r>
-              <a:rPr lang="ja-JP" altLang="en-US"/>
-              <a:t>特定した被験者が正しいかどうか確認</a:t>
-            </a:r>
             <a:endParaRPr lang="en-US" altLang="ja-JP"/>
           </a:p>
         </p:txBody>
@@ -2635,90 +2433,6 @@
               <a:tabLst/>
               <a:defRPr/>
             </a:pPr>
-            <a:r>
-              <a:rPr kumimoji="1" lang="ja-JP" altLang="en-US" sz="1200" kern="1200">
-                <a:solidFill>
-                  <a:schemeClr val="tx1"/>
-                </a:solidFill>
-                <a:effectLst/>
-                <a:latin typeface="+mn-lt"/>
-                <a:ea typeface="+mn-ea"/>
-                <a:cs typeface="+mn-cs"/>
-              </a:rPr>
-              <a:t>サードパーティ</a:t>
-            </a:r>
-            <a:r>
-              <a:rPr kumimoji="1" lang="en-US" altLang="ja-JP" sz="1200" kern="1200">
-                <a:solidFill>
-                  <a:schemeClr val="tx1"/>
-                </a:solidFill>
-                <a:effectLst/>
-                <a:latin typeface="+mn-lt"/>
-                <a:ea typeface="+mn-ea"/>
-                <a:cs typeface="+mn-cs"/>
-              </a:rPr>
-              <a:t> Cookie </a:t>
-            </a:r>
-            <a:r>
-              <a:rPr kumimoji="1" lang="ja-JP" altLang="en-US" sz="1200" kern="1200">
-                <a:solidFill>
-                  <a:schemeClr val="tx1"/>
-                </a:solidFill>
-                <a:effectLst/>
-                <a:latin typeface="+mn-lt"/>
-                <a:ea typeface="+mn-ea"/>
-                <a:cs typeface="+mn-cs"/>
-              </a:rPr>
-              <a:t>とは、ユーザが訪問している</a:t>
-            </a:r>
-            <a:r>
-              <a:rPr kumimoji="1" lang="en-US" altLang="ja-JP" sz="1200" kern="1200">
-                <a:solidFill>
-                  <a:schemeClr val="tx1"/>
-                </a:solidFill>
-                <a:effectLst/>
-                <a:latin typeface="+mn-lt"/>
-                <a:ea typeface="+mn-ea"/>
-                <a:cs typeface="+mn-cs"/>
-              </a:rPr>
-              <a:t> Web </a:t>
-            </a:r>
-            <a:r>
-              <a:rPr kumimoji="1" lang="ja-JP" altLang="en-US" sz="1200" kern="1200">
-                <a:solidFill>
-                  <a:schemeClr val="tx1"/>
-                </a:solidFill>
-                <a:effectLst/>
-                <a:latin typeface="+mn-lt"/>
-                <a:ea typeface="+mn-ea"/>
-                <a:cs typeface="+mn-cs"/>
-              </a:rPr>
-              <a:t>サイトのドメイン以外から発行されている</a:t>
-            </a:r>
-            <a:r>
-              <a:rPr kumimoji="1" lang="en-US" altLang="ja-JP" sz="1200" kern="1200">
-                <a:solidFill>
-                  <a:schemeClr val="tx1"/>
-                </a:solidFill>
-                <a:effectLst/>
-                <a:latin typeface="+mn-lt"/>
-                <a:ea typeface="+mn-ea"/>
-                <a:cs typeface="+mn-cs"/>
-              </a:rPr>
-              <a:t> Cookie </a:t>
-            </a:r>
-            <a:r>
-              <a:rPr kumimoji="1" lang="ja-JP" altLang="en-US" sz="1200" kern="1200">
-                <a:solidFill>
-                  <a:schemeClr val="tx1"/>
-                </a:solidFill>
-                <a:effectLst/>
-                <a:latin typeface="+mn-lt"/>
-                <a:ea typeface="+mn-ea"/>
-                <a:cs typeface="+mn-cs"/>
-              </a:rPr>
-              <a:t>のこと</a:t>
-            </a:r>
             <a:endParaRPr lang="ja-JP" altLang="en-US"/>
           </a:p>
         </p:txBody>
@@ -2802,68 +2516,7 @@
           <a:bodyPr/>
           <a:lstStyle/>
           <a:p>
-            <a:r>
-              <a:rPr kumimoji="1" lang="ja-JP" altLang="en-US"/>
-              <a:t>仮に</a:t>
-            </a:r>
-            <a:r>
-              <a:rPr kumimoji="1" lang="en-US" altLang="ja-JP"/>
-              <a:t>IP</a:t>
-            </a:r>
-            <a:r>
-              <a:rPr kumimoji="1" lang="ja-JP" altLang="en-US"/>
-              <a:t>アドレスがわかれば個人を特定できるとして、</a:t>
-            </a:r>
-            <a:endParaRPr kumimoji="1" lang="en-US" altLang="ja-JP"/>
-          </a:p>
-          <a:p>
-            <a:r>
-              <a:rPr kumimoji="1" lang="en-US" altLang="ja-JP"/>
-              <a:t>IP</a:t>
-            </a:r>
-            <a:r>
-              <a:rPr kumimoji="1" lang="ja-JP" altLang="en-US"/>
-              <a:t>アドレスによる特定は、学外の</a:t>
-            </a:r>
-            <a:r>
-              <a:rPr kumimoji="1" lang="en-US" altLang="ja-JP"/>
-              <a:t>9</a:t>
-            </a:r>
-            <a:r>
-              <a:rPr kumimoji="1" lang="ja-JP" altLang="en-US"/>
-              <a:t>名は特定することができるけど、残りの</a:t>
-            </a:r>
-            <a:r>
-              <a:rPr kumimoji="1" lang="en-US" altLang="ja-JP"/>
-              <a:t>6</a:t>
-            </a:r>
-            <a:r>
-              <a:rPr kumimoji="1" lang="ja-JP" altLang="en-US"/>
-              <a:t>名は特定することができない</a:t>
-            </a:r>
-            <a:endParaRPr kumimoji="1" lang="en-US" altLang="ja-JP"/>
-          </a:p>
-          <a:p>
-            <a:r>
-              <a:rPr kumimoji="1" lang="ja-JP" altLang="en-US"/>
-              <a:t>それに対して、</a:t>
-            </a:r>
-            <a:r>
-              <a:rPr kumimoji="1" lang="en-US" altLang="ja-JP"/>
-              <a:t>Cookie</a:t>
-            </a:r>
-            <a:r>
-              <a:rPr kumimoji="1" lang="ja-JP" altLang="en-US"/>
-              <a:t>による特定は、</a:t>
-            </a:r>
-            <a:r>
-              <a:rPr kumimoji="1" lang="en-US" altLang="ja-JP"/>
-              <a:t>13</a:t>
-            </a:r>
-            <a:r>
-              <a:rPr kumimoji="1" lang="ja-JP" altLang="en-US"/>
-              <a:t>名を特定することができる</a:t>
-            </a:r>
+            <a:endParaRPr kumimoji="1" lang="ja-JP" altLang="en-US"/>
           </a:p>
         </p:txBody>
       </p:sp>

--- a/presentation_slides.pptx
+++ b/presentation_slides.pptx
@@ -8930,7 +8930,7 @@
           <a:p>
             <a:pPr>
               <a:lnSpc>
-                <a:spcPct val="130000"/>
+                <a:spcPct val="120000"/>
               </a:lnSpc>
             </a:pPr>
             <a:r>
@@ -8946,7 +8946,7 @@
           <a:p>
             <a:pPr lvl="1">
               <a:lnSpc>
-                <a:spcPct val="130000"/>
+                <a:spcPct val="120000"/>
               </a:lnSpc>
             </a:pPr>
             <a:r>
@@ -8979,9 +8979,21 @@
             <a:endParaRPr lang="en-US" altLang="ja-JP"/>
           </a:p>
           <a:p>
+            <a:pPr lvl="1">
+              <a:lnSpc>
+                <a:spcPct val="120000"/>
+              </a:lnSpc>
+            </a:pPr>
+            <a:r>
+              <a:rPr lang="ja-JP" altLang="en-US"/>
+              <a:t>ログイン状態などを管理するために使用される</a:t>
+            </a:r>
+            <a:endParaRPr lang="en-US" altLang="ja-JP"/>
+          </a:p>
+          <a:p>
             <a:pPr>
               <a:lnSpc>
-                <a:spcPct val="130000"/>
+                <a:spcPct val="120000"/>
               </a:lnSpc>
             </a:pPr>
             <a:r>
@@ -8997,7 +9009,7 @@
           <a:p>
             <a:pPr lvl="1">
               <a:lnSpc>
-                <a:spcPct val="130000"/>
+                <a:spcPct val="120000"/>
               </a:lnSpc>
             </a:pPr>
             <a:r>
@@ -9025,7 +9037,7 @@
           <a:p>
             <a:pPr>
               <a:lnSpc>
-                <a:spcPct val="130000"/>
+                <a:spcPct val="120000"/>
               </a:lnSpc>
             </a:pPr>
             <a:r>
@@ -9065,7 +9077,7 @@
           <a:p>
             <a:pPr lvl="1">
               <a:lnSpc>
-                <a:spcPct val="130000"/>
+                <a:spcPct val="120000"/>
               </a:lnSpc>
             </a:pPr>
             <a:r>
@@ -11491,20 +11503,32 @@
               </a:lnSpc>
             </a:pPr>
             <a:r>
+              <a:rPr lang="en-US" altLang="ja-JP" u="sng"/>
+              <a:t>SNS </a:t>
+            </a:r>
+            <a:r>
+              <a:rPr lang="ja-JP" altLang="en-US" u="sng"/>
+              <a:t>シェアボタンを設置した掲示板</a:t>
+            </a:r>
+            <a:r>
+              <a:rPr lang="ja-JP" altLang="en-US"/>
+              <a:t>と</a:t>
+            </a:r>
+            <a:r>
               <a:rPr lang="en-US" altLang="ja-JP"/>
+              <a:t> </a:t>
+            </a:r>
+            <a:r>
+              <a:rPr lang="en-US" altLang="ja-JP" u="sng"/>
               <a:t>SNS </a:t>
             </a:r>
             <a:r>
+              <a:rPr lang="ja-JP" altLang="en-US" u="sng"/>
+              <a:t>サイト</a:t>
+            </a:r>
+            <a:r>
               <a:rPr lang="ja-JP" altLang="en-US"/>
-              <a:t>シェアボタンを設置した掲示板と</a:t>
-            </a:r>
-            <a:r>
-              <a:rPr lang="en-US" altLang="ja-JP"/>
-              <a:t> SNS </a:t>
-            </a:r>
-            <a:r>
-              <a:rPr lang="ja-JP" altLang="en-US"/>
-              <a:t>サイトを用意</a:t>
+              <a:t>を用意</a:t>
             </a:r>
             <a:endParaRPr lang="en-US" altLang="ja-JP"/>
           </a:p>

--- a/presentation_slides.pptx
+++ b/presentation_slides.pptx
@@ -6186,7 +6186,7 @@
         </p:blipFill>
         <p:spPr>
           <a:xfrm>
-            <a:off x="2839948" y="5390718"/>
+            <a:off x="2839948" y="5826655"/>
             <a:ext cx="1187872" cy="357639"/>
           </a:xfrm>
           <a:prstGeom prst="rect">
@@ -6196,7 +6196,7 @@
       </p:pic>
       <p:pic>
         <p:nvPicPr>
-          <p:cNvPr id="22" name="図 21"/>
+          <p:cNvPr id="23" name="図 22"/>
           <p:cNvPicPr>
             <a:picLocks noChangeAspect="1"/>
           </p:cNvPicPr>
@@ -6216,8 +6216,8 @@
         </p:blipFill>
         <p:spPr>
           <a:xfrm>
-            <a:off x="2843766" y="5818812"/>
-            <a:ext cx="1184054" cy="378177"/>
+            <a:off x="9244773" y="5094519"/>
+            <a:ext cx="543245" cy="543245"/>
           </a:xfrm>
           <a:prstGeom prst="rect">
             <a:avLst/>
@@ -6226,7 +6226,7 @@
       </p:pic>
       <p:pic>
         <p:nvPicPr>
-          <p:cNvPr id="23" name="図 22"/>
+          <p:cNvPr id="24" name="図 23"/>
           <p:cNvPicPr>
             <a:picLocks noChangeAspect="1"/>
           </p:cNvPicPr>
@@ -6246,8 +6246,8 @@
         </p:blipFill>
         <p:spPr>
           <a:xfrm>
-            <a:off x="9244773" y="5094519"/>
-            <a:ext cx="543245" cy="543245"/>
+            <a:off x="8499700" y="4602593"/>
+            <a:ext cx="807097" cy="807097"/>
           </a:xfrm>
           <a:prstGeom prst="rect">
             <a:avLst/>
@@ -6256,7 +6256,7 @@
       </p:pic>
       <p:pic>
         <p:nvPicPr>
-          <p:cNvPr id="24" name="図 23"/>
+          <p:cNvPr id="25" name="図 24"/>
           <p:cNvPicPr>
             <a:picLocks noChangeAspect="1"/>
           </p:cNvPicPr>
@@ -6276,36 +6276,6 @@
         </p:blipFill>
         <p:spPr>
           <a:xfrm>
-            <a:off x="8499700" y="4602593"/>
-            <a:ext cx="807097" cy="807097"/>
-          </a:xfrm>
-          <a:prstGeom prst="rect">
-            <a:avLst/>
-          </a:prstGeom>
-        </p:spPr>
-      </p:pic>
-      <p:pic>
-        <p:nvPicPr>
-          <p:cNvPr id="25" name="図 24"/>
-          <p:cNvPicPr>
-            <a:picLocks noChangeAspect="1"/>
-          </p:cNvPicPr>
-          <p:nvPr/>
-        </p:nvPicPr>
-        <p:blipFill>
-          <a:blip r:embed="rId6">
-            <a:extLst>
-              <a:ext uri="{28A0092B-C50C-407E-A947-70E740481C1C}">
-                <a14:useLocalDpi xmlns:a14="http://schemas.microsoft.com/office/drawing/2010/main" val="0"/>
-              </a:ext>
-            </a:extLst>
-          </a:blip>
-          <a:stretch>
-            <a:fillRect/>
-          </a:stretch>
-        </p:blipFill>
-        <p:spPr>
-          <a:xfrm>
             <a:off x="4716986" y="4265756"/>
             <a:ext cx="752103" cy="752103"/>
           </a:xfrm>
@@ -6327,7 +6297,7 @@
           <p:nvPr/>
         </p:nvPicPr>
         <p:blipFill>
-          <a:blip r:embed="rId6">
+          <a:blip r:embed="rId5">
             <a:extLst>
               <a:ext uri="{28A0092B-C50C-407E-A947-70E740481C1C}">
                 <a14:useLocalDpi xmlns:a14="http://schemas.microsoft.com/office/drawing/2010/main" val="0"/>
@@ -6460,8 +6430,8 @@
         </p:nvSpPr>
         <p:spPr>
           <a:xfrm>
-            <a:off x="2754012" y="5323674"/>
-            <a:ext cx="1323945" cy="925714"/>
+            <a:off x="2754012" y="5759611"/>
+            <a:ext cx="1323945" cy="479991"/>
           </a:xfrm>
           <a:prstGeom prst="rect">
             <a:avLst/>
@@ -6548,7 +6518,7 @@
         </p:nvSpPr>
         <p:spPr>
           <a:xfrm>
-            <a:off x="2647952" y="4720360"/>
+            <a:off x="2647952" y="5156297"/>
             <a:ext cx="1569660" cy="646331"/>
           </a:xfrm>
           <a:prstGeom prst="rect">
@@ -6932,7 +6902,7 @@
             <p:nvPr/>
           </p:nvPicPr>
           <p:blipFill>
-            <a:blip r:embed="rId7">
+            <a:blip r:embed="rId6">
               <a:extLst>
                 <a:ext uri="{28A0092B-C50C-407E-A947-70E740481C1C}">
                   <a14:useLocalDpi xmlns:a14="http://schemas.microsoft.com/office/drawing/2010/main" val="0"/>
@@ -10081,7 +10051,7 @@
         </p:blipFill>
         <p:spPr>
           <a:xfrm>
-            <a:off x="2845713" y="5316290"/>
+            <a:off x="2845713" y="5741594"/>
             <a:ext cx="1187872" cy="357639"/>
           </a:xfrm>
           <a:prstGeom prst="rect">
@@ -10091,7 +10061,7 @@
       </p:pic>
       <p:pic>
         <p:nvPicPr>
-          <p:cNvPr id="6" name="図 5"/>
+          <p:cNvPr id="7" name="図 6"/>
           <p:cNvPicPr>
             <a:picLocks noChangeAspect="1"/>
           </p:cNvPicPr>
@@ -10111,8 +10081,8 @@
         </p:blipFill>
         <p:spPr>
           <a:xfrm>
-            <a:off x="2849531" y="5744384"/>
-            <a:ext cx="1184054" cy="378177"/>
+            <a:off x="9144211" y="5020091"/>
+            <a:ext cx="543245" cy="543245"/>
           </a:xfrm>
           <a:prstGeom prst="rect">
             <a:avLst/>
@@ -10121,7 +10091,7 @@
       </p:pic>
       <p:pic>
         <p:nvPicPr>
-          <p:cNvPr id="7" name="図 6"/>
+          <p:cNvPr id="8" name="図 7"/>
           <p:cNvPicPr>
             <a:picLocks noChangeAspect="1"/>
           </p:cNvPicPr>
@@ -10141,8 +10111,8 @@
         </p:blipFill>
         <p:spPr>
           <a:xfrm>
-            <a:off x="9144211" y="5020091"/>
-            <a:ext cx="543245" cy="543245"/>
+            <a:off x="8399138" y="4528165"/>
+            <a:ext cx="807097" cy="807097"/>
           </a:xfrm>
           <a:prstGeom prst="rect">
             <a:avLst/>
@@ -10151,7 +10121,7 @@
       </p:pic>
       <p:pic>
         <p:nvPicPr>
-          <p:cNvPr id="8" name="図 7"/>
+          <p:cNvPr id="9" name="図 8"/>
           <p:cNvPicPr>
             <a:picLocks noChangeAspect="1"/>
           </p:cNvPicPr>
@@ -10171,36 +10141,6 @@
         </p:blipFill>
         <p:spPr>
           <a:xfrm>
-            <a:off x="8399138" y="4528165"/>
-            <a:ext cx="807097" cy="807097"/>
-          </a:xfrm>
-          <a:prstGeom prst="rect">
-            <a:avLst/>
-          </a:prstGeom>
-        </p:spPr>
-      </p:pic>
-      <p:pic>
-        <p:nvPicPr>
-          <p:cNvPr id="9" name="図 8"/>
-          <p:cNvPicPr>
-            <a:picLocks noChangeAspect="1"/>
-          </p:cNvPicPr>
-          <p:nvPr/>
-        </p:nvPicPr>
-        <p:blipFill>
-          <a:blip r:embed="rId6">
-            <a:extLst>
-              <a:ext uri="{28A0092B-C50C-407E-A947-70E740481C1C}">
-                <a14:useLocalDpi xmlns:a14="http://schemas.microsoft.com/office/drawing/2010/main" val="0"/>
-              </a:ext>
-            </a:extLst>
-          </a:blip>
-          <a:stretch>
-            <a:fillRect/>
-          </a:stretch>
-        </p:blipFill>
-        <p:spPr>
-          <a:xfrm>
             <a:off x="4722751" y="4191328"/>
             <a:ext cx="752103" cy="752103"/>
           </a:xfrm>
@@ -10222,7 +10162,7 @@
           <p:nvPr/>
         </p:nvPicPr>
         <p:blipFill>
-          <a:blip r:embed="rId6">
+          <a:blip r:embed="rId5">
             <a:extLst>
               <a:ext uri="{28A0092B-C50C-407E-A947-70E740481C1C}">
                 <a14:useLocalDpi xmlns:a14="http://schemas.microsoft.com/office/drawing/2010/main" val="0"/>
@@ -10355,8 +10295,8 @@
         </p:nvSpPr>
         <p:spPr>
           <a:xfrm>
-            <a:off x="2759777" y="5249246"/>
-            <a:ext cx="1323945" cy="925714"/>
+            <a:off x="2759777" y="5674550"/>
+            <a:ext cx="1323945" cy="480892"/>
           </a:xfrm>
           <a:prstGeom prst="rect">
             <a:avLst/>
@@ -10443,7 +10383,7 @@
         </p:nvSpPr>
         <p:spPr>
           <a:xfrm>
-            <a:off x="2653717" y="4656567"/>
+            <a:off x="2653717" y="5081871"/>
             <a:ext cx="1569660" cy="646331"/>
           </a:xfrm>
           <a:prstGeom prst="rect">

--- a/presentation_slides.pptx
+++ b/presentation_slides.pptx
@@ -2248,6 +2248,65 @@
               <a:tabLst/>
               <a:defRPr/>
             </a:pPr>
+            <a:r>
+              <a:rPr kumimoji="1" lang="en-US" altLang="ja-JP"/>
+              <a:t>【Cookie】</a:t>
+            </a:r>
+          </a:p>
+          <a:p>
+            <a:pPr marL="514350" marR="0" lvl="0" indent="-514350" algn="l" defTabSz="914400" rtl="0" eaLnBrk="1" fontAlgn="auto" latinLnBrk="0" hangingPunct="1">
+              <a:lnSpc>
+                <a:spcPct val="100000"/>
+              </a:lnSpc>
+              <a:spcBef>
+                <a:spcPts val="0"/>
+              </a:spcBef>
+              <a:spcAft>
+                <a:spcPts val="0"/>
+              </a:spcAft>
+              <a:buClrTx/>
+              <a:buSzTx/>
+              <a:buFont typeface="+mj-lt"/>
+              <a:buNone/>
+              <a:tabLst/>
+              <a:defRPr/>
+            </a:pPr>
+            <a:r>
+              <a:rPr kumimoji="1" lang="ja-JP" altLang="en-US"/>
+              <a:t>サーバがログイン状態を管理する</a:t>
+            </a:r>
+            <a:r>
+              <a:rPr kumimoji="1" lang="en-US" altLang="ja-JP"/>
+              <a:t> ID </a:t>
+            </a:r>
+            <a:r>
+              <a:rPr kumimoji="1" lang="ja-JP" altLang="en-US"/>
+              <a:t>などをブラウザに記憶させるように指示をしておくと、それ以降、ブラウザはその</a:t>
+            </a:r>
+            <a:r>
+              <a:rPr kumimoji="1" lang="en-US" altLang="ja-JP"/>
+              <a:t> ID </a:t>
+            </a:r>
+            <a:r>
+              <a:rPr kumimoji="1" lang="ja-JP" altLang="en-US"/>
+              <a:t>を</a:t>
+            </a:r>
+            <a:r>
+              <a:rPr kumimoji="1" lang="en-US" altLang="ja-JP"/>
+              <a:t> Cookie</a:t>
+            </a:r>
+            <a:r>
+              <a:rPr kumimoji="1" lang="ja-JP" altLang="en-US" baseline="0"/>
+              <a:t> として同じサーバに送信するようになります。なので、同じ</a:t>
+            </a:r>
+            <a:r>
+              <a:rPr kumimoji="1" lang="en-US" altLang="ja-JP" baseline="0"/>
+              <a:t> Cookie </a:t>
+            </a:r>
+            <a:r>
+              <a:rPr kumimoji="1" lang="ja-JP" altLang="en-US" baseline="0"/>
+              <a:t>を送ってきたブラウザは以前に訪問してきたユーザであることがわかります。</a:t>
+            </a:r>
             <a:endParaRPr kumimoji="1" lang="en-US" altLang="ja-JP"/>
           </a:p>
         </p:txBody>

--- a/presentation_slides.pptx
+++ b/presentation_slides.pptx
@@ -2147,6 +2147,191 @@
               <a:tabLst/>
               <a:defRPr/>
             </a:pPr>
+            <a:r>
+              <a:rPr kumimoji="1" lang="en-US" altLang="ja-JP"/>
+              <a:t>【</a:t>
+            </a:r>
+            <a:r>
+              <a:rPr kumimoji="1" lang="ja-JP" altLang="en-US"/>
+              <a:t>掲示板</a:t>
+            </a:r>
+            <a:r>
+              <a:rPr kumimoji="1" lang="en-US" altLang="ja-JP"/>
+              <a:t>】</a:t>
+            </a:r>
+          </a:p>
+          <a:p>
+            <a:pPr marL="514350" marR="0" lvl="0" indent="-514350" algn="l" defTabSz="914400" rtl="0" eaLnBrk="1" fontAlgn="auto" latinLnBrk="0" hangingPunct="1">
+              <a:lnSpc>
+                <a:spcPct val="100000"/>
+              </a:lnSpc>
+              <a:spcBef>
+                <a:spcPts val="0"/>
+              </a:spcBef>
+              <a:spcAft>
+                <a:spcPts val="0"/>
+              </a:spcAft>
+              <a:buClrTx/>
+              <a:buSzTx/>
+              <a:buFont typeface="+mj-lt"/>
+              <a:buNone/>
+              <a:tabLst/>
+              <a:defRPr/>
+            </a:pPr>
+            <a:r>
+              <a:rPr kumimoji="1" lang="ja-JP" altLang="en-US"/>
+              <a:t>掲示板での犯罪予告や誹謗中傷</a:t>
+            </a:r>
+            <a:endParaRPr kumimoji="1" lang="en-US" altLang="ja-JP"/>
+          </a:p>
+          <a:p>
+            <a:pPr marL="514350" marR="0" lvl="0" indent="-514350" algn="l" defTabSz="914400" rtl="0" eaLnBrk="1" fontAlgn="auto" latinLnBrk="0" hangingPunct="1">
+              <a:lnSpc>
+                <a:spcPct val="100000"/>
+              </a:lnSpc>
+              <a:spcBef>
+                <a:spcPts val="0"/>
+              </a:spcBef>
+              <a:spcAft>
+                <a:spcPts val="0"/>
+              </a:spcAft>
+              <a:buClrTx/>
+              <a:buSzTx/>
+              <a:buFont typeface="+mj-lt"/>
+              <a:buNone/>
+              <a:tabLst/>
+              <a:defRPr/>
+            </a:pPr>
+            <a:endParaRPr kumimoji="1" lang="en-US" altLang="ja-JP"/>
+          </a:p>
+          <a:p>
+            <a:pPr marL="514350" marR="0" lvl="0" indent="-514350" algn="l" defTabSz="914400" rtl="0" eaLnBrk="1" fontAlgn="auto" latinLnBrk="0" hangingPunct="1">
+              <a:lnSpc>
+                <a:spcPct val="100000"/>
+              </a:lnSpc>
+              <a:spcBef>
+                <a:spcPts val="0"/>
+              </a:spcBef>
+              <a:spcAft>
+                <a:spcPts val="0"/>
+              </a:spcAft>
+              <a:buClrTx/>
+              <a:buSzTx/>
+              <a:buFont typeface="+mj-lt"/>
+              <a:buNone/>
+              <a:tabLst/>
+              <a:defRPr/>
+            </a:pPr>
+            <a:r>
+              <a:rPr kumimoji="1" lang="en-US" altLang="ja-JP"/>
+              <a:t>【</a:t>
+            </a:r>
+            <a:r>
+              <a:rPr kumimoji="1" lang="ja-JP" altLang="en-US"/>
+              <a:t>インターネット詐欺</a:t>
+            </a:r>
+            <a:r>
+              <a:rPr kumimoji="1" lang="en-US" altLang="ja-JP"/>
+              <a:t>】</a:t>
+            </a:r>
+          </a:p>
+          <a:p>
+            <a:pPr marL="514350" marR="0" lvl="0" indent="-514350" algn="l" defTabSz="914400" rtl="0" eaLnBrk="1" fontAlgn="auto" latinLnBrk="0" hangingPunct="1">
+              <a:lnSpc>
+                <a:spcPct val="100000"/>
+              </a:lnSpc>
+              <a:spcBef>
+                <a:spcPts val="0"/>
+              </a:spcBef>
+              <a:spcAft>
+                <a:spcPts val="0"/>
+              </a:spcAft>
+              <a:buClrTx/>
+              <a:buSzTx/>
+              <a:buFont typeface="+mj-lt"/>
+              <a:buNone/>
+              <a:tabLst/>
+              <a:defRPr/>
+            </a:pPr>
+            <a:r>
+              <a:rPr kumimoji="1" lang="ja-JP" altLang="en-US"/>
+              <a:t>たとえば、フリーマーケットサービスやオークションサイトなどで、他の消費者によって出品されている商品を買ったら、偽物が入っていたりなど</a:t>
+            </a:r>
+            <a:endParaRPr kumimoji="1" lang="en-US" altLang="ja-JP"/>
+          </a:p>
+          <a:p>
+            <a:pPr marL="514350" marR="0" lvl="0" indent="-514350" algn="l" defTabSz="914400" rtl="0" eaLnBrk="1" fontAlgn="auto" latinLnBrk="0" hangingPunct="1">
+              <a:lnSpc>
+                <a:spcPct val="100000"/>
+              </a:lnSpc>
+              <a:spcBef>
+                <a:spcPts val="0"/>
+              </a:spcBef>
+              <a:spcAft>
+                <a:spcPts val="0"/>
+              </a:spcAft>
+              <a:buClrTx/>
+              <a:buSzTx/>
+              <a:buFont typeface="+mj-lt"/>
+              <a:buNone/>
+              <a:tabLst/>
+              <a:defRPr/>
+            </a:pPr>
+            <a:endParaRPr kumimoji="1" lang="en-US" altLang="ja-JP"/>
+          </a:p>
+          <a:p>
+            <a:pPr marL="514350" marR="0" lvl="0" indent="-514350" algn="l" defTabSz="914400" rtl="0" eaLnBrk="1" fontAlgn="auto" latinLnBrk="0" hangingPunct="1">
+              <a:lnSpc>
+                <a:spcPct val="100000"/>
+              </a:lnSpc>
+              <a:spcBef>
+                <a:spcPts val="0"/>
+              </a:spcBef>
+              <a:spcAft>
+                <a:spcPts val="0"/>
+              </a:spcAft>
+              <a:buClrTx/>
+              <a:buSzTx/>
+              <a:buFont typeface="+mj-lt"/>
+              <a:buNone/>
+              <a:tabLst/>
+              <a:defRPr/>
+            </a:pPr>
+            <a:r>
+              <a:rPr kumimoji="1" lang="en-US" altLang="ja-JP"/>
+              <a:t>【</a:t>
+            </a:r>
+            <a:r>
+              <a:rPr kumimoji="1" lang="ja-JP" altLang="en-US"/>
+              <a:t>児童ポルノ</a:t>
+            </a:r>
+            <a:r>
+              <a:rPr kumimoji="1" lang="en-US" altLang="ja-JP"/>
+              <a:t>】</a:t>
+            </a:r>
+          </a:p>
+          <a:p>
+            <a:pPr marL="514350" marR="0" lvl="0" indent="-514350" algn="l" defTabSz="914400" rtl="0" eaLnBrk="1" fontAlgn="auto" latinLnBrk="0" hangingPunct="1">
+              <a:lnSpc>
+                <a:spcPct val="100000"/>
+              </a:lnSpc>
+              <a:spcBef>
+                <a:spcPts val="0"/>
+              </a:spcBef>
+              <a:spcAft>
+                <a:spcPts val="0"/>
+              </a:spcAft>
+              <a:buClrTx/>
+              <a:buSzTx/>
+              <a:buFont typeface="+mj-lt"/>
+              <a:buNone/>
+              <a:tabLst/>
+              <a:defRPr/>
+            </a:pPr>
+            <a:r>
+              <a:rPr kumimoji="1" lang="ja-JP" altLang="en-US"/>
+              <a:t>児童ポルノ画像をインターネットにアップロードしたり、ダウンロードしたものを所持したりといった犯罪</a:t>
+            </a:r>
             <a:endParaRPr kumimoji="1" lang="en-US" altLang="ja-JP"/>
           </a:p>
         </p:txBody>
@@ -8707,12 +8892,8 @@
               </a:lnSpc>
             </a:pPr>
             <a:r>
-              <a:rPr lang="en-US" altLang="ja-JP"/>
-              <a:t>Web </a:t>
-            </a:r>
-            <a:r>
               <a:rPr lang="ja-JP" altLang="en-US"/>
-              <a:t>サーバを狙ったサイバー犯罪の被害が拡大</a:t>
+              <a:t>インターネットを利用したサイバー犯罪の被害が拡大</a:t>
             </a:r>
             <a:endParaRPr lang="en-US" altLang="ja-JP"/>
           </a:p>
@@ -8724,7 +8905,19 @@
             </a:pPr>
             <a:r>
               <a:rPr lang="ja-JP" altLang="en-US"/>
-              <a:t>被害の拡大を防ぐために、サイバー犯罪の犯人を特定</a:t>
+              <a:t>掲示板での犯罪予告、インターネット詐欺、児童ポルノなど</a:t>
+            </a:r>
+            <a:endParaRPr lang="en-US" altLang="ja-JP"/>
+          </a:p>
+          <a:p>
+            <a:pPr lvl="1">
+              <a:lnSpc>
+                <a:spcPct val="120000"/>
+              </a:lnSpc>
+            </a:pPr>
+            <a:r>
+              <a:rPr lang="ja-JP" altLang="en-US"/>
+              <a:t>被害の拡大を防ぐために犯人を特定</a:t>
             </a:r>
             <a:r>
               <a:rPr lang="en-US" altLang="ja-JP"/>

--- a/presentation_slides.pptx
+++ b/presentation_slides.pptx
@@ -5,24 +5,18 @@
     <p:sldMasterId id="2147483648" r:id="rId1"/>
   </p:sldMasterIdLst>
   <p:notesMasterIdLst>
-    <p:notesMasterId r:id="rId17"/>
+    <p:notesMasterId r:id="rId11"/>
   </p:notesMasterIdLst>
   <p:sldIdLst>
     <p:sldId id="256" r:id="rId2"/>
-    <p:sldId id="257" r:id="rId3"/>
-    <p:sldId id="258" r:id="rId4"/>
-    <p:sldId id="269" r:id="rId5"/>
-    <p:sldId id="265" r:id="rId6"/>
-    <p:sldId id="268" r:id="rId7"/>
-    <p:sldId id="259" r:id="rId8"/>
-    <p:sldId id="260" r:id="rId9"/>
-    <p:sldId id="266" r:id="rId10"/>
-    <p:sldId id="261" r:id="rId11"/>
-    <p:sldId id="270" r:id="rId12"/>
-    <p:sldId id="264" r:id="rId13"/>
-    <p:sldId id="262" r:id="rId14"/>
-    <p:sldId id="263" r:id="rId15"/>
-    <p:sldId id="267" r:id="rId16"/>
+    <p:sldId id="258" r:id="rId3"/>
+    <p:sldId id="269" r:id="rId4"/>
+    <p:sldId id="268" r:id="rId5"/>
+    <p:sldId id="260" r:id="rId6"/>
+    <p:sldId id="266" r:id="rId7"/>
+    <p:sldId id="261" r:id="rId8"/>
+    <p:sldId id="270" r:id="rId9"/>
+    <p:sldId id="267" r:id="rId10"/>
   </p:sldIdLst>
   <p:sldSz cx="12192000" cy="6858000"/>
   <p:notesSz cx="6858000" cy="9144000"/>
@@ -127,1584 +121,6 @@
     </p:ext>
   </p:extLst>
 </p:presentation>
-</file>
-
-<file path=ppt/charts/chart1.xml><?xml version="1.0" encoding="utf-8"?>
-<c:chartSpace xmlns:c="http://schemas.openxmlformats.org/drawingml/2006/chart" xmlns:a="http://schemas.openxmlformats.org/drawingml/2006/main" xmlns:r="http://schemas.openxmlformats.org/officeDocument/2006/relationships">
-  <c:date1904 val="0"/>
-  <c:lang val="ja-JP"/>
-  <c:roundedCorners val="0"/>
-  <mc:AlternateContent xmlns:mc="http://schemas.openxmlformats.org/markup-compatibility/2006">
-    <mc:Choice xmlns:c14="http://schemas.microsoft.com/office/drawing/2007/8/2/chart" Requires="c14">
-      <c14:style val="108"/>
-    </mc:Choice>
-    <mc:Fallback>
-      <c:style val="8"/>
-    </mc:Fallback>
-  </mc:AlternateContent>
-  <c:chart>
-    <c:title>
-      <c:layout/>
-      <c:overlay val="0"/>
-      <c:spPr>
-        <a:noFill/>
-        <a:ln>
-          <a:noFill/>
-        </a:ln>
-        <a:effectLst/>
-      </c:spPr>
-      <c:txPr>
-        <a:bodyPr rot="0" spcFirstLastPara="1" vertOverflow="ellipsis" vert="horz" wrap="square" anchor="ctr" anchorCtr="1"/>
-        <a:lstStyle/>
-        <a:p>
-          <a:pPr>
-            <a:defRPr sz="1862" b="0" i="0" u="none" strike="noStrike" kern="1200" spc="0" baseline="0">
-              <a:solidFill>
-                <a:schemeClr val="tx1">
-                  <a:lumMod val="65000"/>
-                  <a:lumOff val="35000"/>
-                </a:schemeClr>
-              </a:solidFill>
-              <a:latin typeface="+mn-lt"/>
-              <a:ea typeface="+mn-ea"/>
-              <a:cs typeface="+mn-cs"/>
-            </a:defRPr>
-          </a:pPr>
-          <a:endParaRPr lang="ja-JP"/>
-        </a:p>
-      </c:txPr>
-    </c:title>
-    <c:autoTitleDeleted val="0"/>
-    <c:plotArea>
-      <c:layout/>
-      <c:pieChart>
-        <c:varyColors val="1"/>
-        <c:ser>
-          <c:idx val="0"/>
-          <c:order val="0"/>
-          <c:tx>
-            <c:strRef>
-              <c:f>Sheet1!$B$1</c:f>
-              <c:strCache>
-                <c:ptCount val="1"/>
-                <c:pt idx="0">
-                  <c:v>IP アドレス</c:v>
-                </c:pt>
-              </c:strCache>
-            </c:strRef>
-          </c:tx>
-          <c:dPt>
-            <c:idx val="0"/>
-            <c:bubble3D val="0"/>
-            <c:spPr>
-              <a:solidFill>
-                <a:srgbClr val="62993E"/>
-              </a:solidFill>
-              <a:ln w="19050">
-                <a:solidFill>
-                  <a:schemeClr val="lt1"/>
-                </a:solidFill>
-              </a:ln>
-              <a:effectLst/>
-            </c:spPr>
-          </c:dPt>
-          <c:dPt>
-            <c:idx val="1"/>
-            <c:bubble3D val="0"/>
-            <c:spPr>
-              <a:solidFill>
-                <a:srgbClr val="A1C490"/>
-              </a:solidFill>
-              <a:ln w="19050">
-                <a:solidFill>
-                  <a:schemeClr val="lt1"/>
-                </a:solidFill>
-              </a:ln>
-              <a:effectLst/>
-            </c:spPr>
-          </c:dPt>
-          <c:dLbls>
-            <c:spPr>
-              <a:noFill/>
-              <a:ln>
-                <a:noFill/>
-              </a:ln>
-              <a:effectLst/>
-            </c:spPr>
-            <c:txPr>
-              <a:bodyPr rot="0" spcFirstLastPara="1" vertOverflow="ellipsis" vert="horz" wrap="square" lIns="38100" tIns="19050" rIns="38100" bIns="19050" anchor="ctr" anchorCtr="1">
-                <a:spAutoFit/>
-              </a:bodyPr>
-              <a:lstStyle/>
-              <a:p>
-                <a:pPr>
-                  <a:defRPr sz="1197" b="0" i="0" u="none" strike="noStrike" kern="1200" baseline="0">
-                    <a:ln>
-                      <a:noFill/>
-                    </a:ln>
-                    <a:solidFill>
-                      <a:schemeClr val="bg2">
-                        <a:lumMod val="25000"/>
-                      </a:schemeClr>
-                    </a:solidFill>
-                    <a:latin typeface="+mn-lt"/>
-                    <a:ea typeface="+mn-ea"/>
-                    <a:cs typeface="+mn-cs"/>
-                  </a:defRPr>
-                </a:pPr>
-                <a:endParaRPr lang="ja-JP"/>
-              </a:p>
-            </c:txPr>
-            <c:dLblPos val="inEnd"/>
-            <c:showLegendKey val="0"/>
-            <c:showVal val="1"/>
-            <c:showCatName val="1"/>
-            <c:showSerName val="0"/>
-            <c:showPercent val="0"/>
-            <c:showBubbleSize val="0"/>
-            <c:separator>
-</c:separator>
-            <c:showLeaderLines val="1"/>
-            <c:leaderLines>
-              <c:spPr>
-                <a:ln w="9525" cap="flat" cmpd="sng" algn="ctr">
-                  <a:solidFill>
-                    <a:schemeClr val="tx1">
-                      <a:lumMod val="35000"/>
-                      <a:lumOff val="65000"/>
-                    </a:schemeClr>
-                  </a:solidFill>
-                  <a:round/>
-                </a:ln>
-                <a:effectLst/>
-              </c:spPr>
-            </c:leaderLines>
-            <c:extLst>
-              <c:ext xmlns:c15="http://schemas.microsoft.com/office/drawing/2012/chart" uri="{CE6537A1-D6FC-4f65-9D91-7224C49458BB}">
-                <c15:layout/>
-              </c:ext>
-            </c:extLst>
-          </c:dLbls>
-          <c:cat>
-            <c:strRef>
-              <c:f>Sheet1!$A$2:$A$3</c:f>
-              <c:strCache>
-                <c:ptCount val="2"/>
-                <c:pt idx="0">
-                  <c:v>特定可能</c:v>
-                </c:pt>
-                <c:pt idx="1">
-                  <c:v>特定不可</c:v>
-                </c:pt>
-              </c:strCache>
-            </c:strRef>
-          </c:cat>
-          <c:val>
-            <c:numRef>
-              <c:f>Sheet1!$B$2:$B$3</c:f>
-              <c:numCache>
-                <c:formatCode>General</c:formatCode>
-                <c:ptCount val="2"/>
-                <c:pt idx="0">
-                  <c:v>9.0</c:v>
-                </c:pt>
-                <c:pt idx="1">
-                  <c:v>6.0</c:v>
-                </c:pt>
-              </c:numCache>
-            </c:numRef>
-          </c:val>
-        </c:ser>
-        <c:dLbls>
-          <c:dLblPos val="ctr"/>
-          <c:showLegendKey val="0"/>
-          <c:showVal val="0"/>
-          <c:showCatName val="0"/>
-          <c:showSerName val="0"/>
-          <c:showPercent val="1"/>
-          <c:showBubbleSize val="0"/>
-          <c:showLeaderLines val="1"/>
-        </c:dLbls>
-        <c:firstSliceAng val="0"/>
-      </c:pieChart>
-      <c:spPr>
-        <a:noFill/>
-        <a:ln>
-          <a:noFill/>
-        </a:ln>
-        <a:effectLst/>
-      </c:spPr>
-    </c:plotArea>
-    <c:legend>
-      <c:legendPos val="b"/>
-      <c:layout/>
-      <c:overlay val="0"/>
-      <c:spPr>
-        <a:noFill/>
-        <a:ln>
-          <a:noFill/>
-        </a:ln>
-        <a:effectLst/>
-      </c:spPr>
-      <c:txPr>
-        <a:bodyPr rot="0" spcFirstLastPara="1" vertOverflow="ellipsis" vert="horz" wrap="square" anchor="ctr" anchorCtr="1"/>
-        <a:lstStyle/>
-        <a:p>
-          <a:pPr>
-            <a:defRPr sz="1197" b="0" i="0" u="none" strike="noStrike" kern="1200" baseline="0">
-              <a:solidFill>
-                <a:schemeClr val="tx1">
-                  <a:lumMod val="65000"/>
-                  <a:lumOff val="35000"/>
-                </a:schemeClr>
-              </a:solidFill>
-              <a:latin typeface="+mn-lt"/>
-              <a:ea typeface="+mn-ea"/>
-              <a:cs typeface="+mn-cs"/>
-            </a:defRPr>
-          </a:pPr>
-          <a:endParaRPr lang="ja-JP"/>
-        </a:p>
-      </c:txPr>
-    </c:legend>
-    <c:plotVisOnly val="1"/>
-    <c:dispBlanksAs val="gap"/>
-    <c:showDLblsOverMax val="0"/>
-  </c:chart>
-  <c:spPr>
-    <a:noFill/>
-    <a:ln>
-      <a:noFill/>
-    </a:ln>
-    <a:effectLst/>
-  </c:spPr>
-  <c:txPr>
-    <a:bodyPr/>
-    <a:lstStyle/>
-    <a:p>
-      <a:pPr>
-        <a:defRPr/>
-      </a:pPr>
-      <a:endParaRPr lang="ja-JP"/>
-    </a:p>
-  </c:txPr>
-  <c:externalData r:id="rId3">
-    <c:autoUpdate val="0"/>
-  </c:externalData>
-</c:chartSpace>
-</file>
-
-<file path=ppt/charts/chart2.xml><?xml version="1.0" encoding="utf-8"?>
-<c:chartSpace xmlns:c="http://schemas.openxmlformats.org/drawingml/2006/chart" xmlns:a="http://schemas.openxmlformats.org/drawingml/2006/main" xmlns:r="http://schemas.openxmlformats.org/officeDocument/2006/relationships">
-  <c:date1904 val="0"/>
-  <c:lang val="ja-JP"/>
-  <c:roundedCorners val="0"/>
-  <mc:AlternateContent xmlns:mc="http://schemas.openxmlformats.org/markup-compatibility/2006">
-    <mc:Choice xmlns:c14="http://schemas.microsoft.com/office/drawing/2007/8/2/chart" Requires="c14">
-      <c14:style val="106"/>
-    </mc:Choice>
-    <mc:Fallback>
-      <c:style val="6"/>
-    </mc:Fallback>
-  </mc:AlternateContent>
-  <c:chart>
-    <c:title>
-      <c:layout/>
-      <c:overlay val="0"/>
-      <c:spPr>
-        <a:noFill/>
-        <a:ln>
-          <a:noFill/>
-        </a:ln>
-        <a:effectLst/>
-      </c:spPr>
-      <c:txPr>
-        <a:bodyPr rot="0" spcFirstLastPara="1" vertOverflow="ellipsis" vert="horz" wrap="square" anchor="ctr" anchorCtr="1"/>
-        <a:lstStyle/>
-        <a:p>
-          <a:pPr>
-            <a:defRPr sz="1862" b="0" i="0" u="none" strike="noStrike" kern="1200" spc="0" baseline="0">
-              <a:solidFill>
-                <a:schemeClr val="tx1">
-                  <a:lumMod val="65000"/>
-                  <a:lumOff val="35000"/>
-                </a:schemeClr>
-              </a:solidFill>
-              <a:latin typeface="+mn-lt"/>
-              <a:ea typeface="+mn-ea"/>
-              <a:cs typeface="+mn-cs"/>
-            </a:defRPr>
-          </a:pPr>
-          <a:endParaRPr lang="ja-JP"/>
-        </a:p>
-      </c:txPr>
-    </c:title>
-    <c:autoTitleDeleted val="0"/>
-    <c:plotArea>
-      <c:layout/>
-      <c:pieChart>
-        <c:varyColors val="1"/>
-        <c:ser>
-          <c:idx val="0"/>
-          <c:order val="0"/>
-          <c:tx>
-            <c:strRef>
-              <c:f>Sheet1!$B$1</c:f>
-              <c:strCache>
-                <c:ptCount val="1"/>
-                <c:pt idx="0">
-                  <c:v>Cookie</c:v>
-                </c:pt>
-              </c:strCache>
-            </c:strRef>
-          </c:tx>
-          <c:dPt>
-            <c:idx val="0"/>
-            <c:bubble3D val="0"/>
-            <c:spPr>
-              <a:solidFill>
-                <a:srgbClr val="E2AB2C"/>
-              </a:solidFill>
-              <a:ln w="19050">
-                <a:solidFill>
-                  <a:schemeClr val="lt1"/>
-                </a:solidFill>
-              </a:ln>
-              <a:effectLst/>
-            </c:spPr>
-          </c:dPt>
-          <c:dPt>
-            <c:idx val="1"/>
-            <c:bubble3D val="0"/>
-            <c:spPr>
-              <a:solidFill>
-                <a:srgbClr val="FBD084"/>
-              </a:solidFill>
-              <a:ln w="19050">
-                <a:solidFill>
-                  <a:schemeClr val="lt1"/>
-                </a:solidFill>
-              </a:ln>
-              <a:effectLst/>
-            </c:spPr>
-          </c:dPt>
-          <c:dLbls>
-            <c:spPr>
-              <a:noFill/>
-              <a:ln>
-                <a:noFill/>
-              </a:ln>
-              <a:effectLst/>
-            </c:spPr>
-            <c:txPr>
-              <a:bodyPr rot="0" spcFirstLastPara="1" vertOverflow="ellipsis" vert="horz" wrap="square" lIns="38100" tIns="19050" rIns="38100" bIns="19050" anchor="ctr" anchorCtr="1">
-                <a:spAutoFit/>
-              </a:bodyPr>
-              <a:lstStyle/>
-              <a:p>
-                <a:pPr>
-                  <a:defRPr sz="1197" b="0" i="0" u="none" strike="noStrike" kern="1200" baseline="0">
-                    <a:solidFill>
-                      <a:schemeClr val="tx1">
-                        <a:lumMod val="75000"/>
-                        <a:lumOff val="25000"/>
-                      </a:schemeClr>
-                    </a:solidFill>
-                    <a:latin typeface="+mn-lt"/>
-                    <a:ea typeface="+mn-ea"/>
-                    <a:cs typeface="+mn-cs"/>
-                  </a:defRPr>
-                </a:pPr>
-                <a:endParaRPr lang="ja-JP"/>
-              </a:p>
-            </c:txPr>
-            <c:dLblPos val="inEnd"/>
-            <c:showLegendKey val="0"/>
-            <c:showVal val="1"/>
-            <c:showCatName val="1"/>
-            <c:showSerName val="0"/>
-            <c:showPercent val="0"/>
-            <c:showBubbleSize val="0"/>
-            <c:separator>
-</c:separator>
-            <c:showLeaderLines val="1"/>
-            <c:leaderLines>
-              <c:spPr>
-                <a:ln w="9525" cap="flat" cmpd="sng" algn="ctr">
-                  <a:solidFill>
-                    <a:schemeClr val="tx1">
-                      <a:lumMod val="35000"/>
-                      <a:lumOff val="65000"/>
-                    </a:schemeClr>
-                  </a:solidFill>
-                  <a:round/>
-                </a:ln>
-                <a:effectLst/>
-              </c:spPr>
-            </c:leaderLines>
-            <c:extLst>
-              <c:ext xmlns:c15="http://schemas.microsoft.com/office/drawing/2012/chart" uri="{CE6537A1-D6FC-4f65-9D91-7224C49458BB}">
-                <c15:layout/>
-              </c:ext>
-            </c:extLst>
-          </c:dLbls>
-          <c:cat>
-            <c:strRef>
-              <c:f>Sheet1!$A$2:$A$3</c:f>
-              <c:strCache>
-                <c:ptCount val="2"/>
-                <c:pt idx="0">
-                  <c:v>特定可能</c:v>
-                </c:pt>
-                <c:pt idx="1">
-                  <c:v>特定不可</c:v>
-                </c:pt>
-              </c:strCache>
-            </c:strRef>
-          </c:cat>
-          <c:val>
-            <c:numRef>
-              <c:f>Sheet1!$B$2:$B$3</c:f>
-              <c:numCache>
-                <c:formatCode>General</c:formatCode>
-                <c:ptCount val="2"/>
-                <c:pt idx="0">
-                  <c:v>13.0</c:v>
-                </c:pt>
-                <c:pt idx="1">
-                  <c:v>2.0</c:v>
-                </c:pt>
-              </c:numCache>
-            </c:numRef>
-          </c:val>
-        </c:ser>
-        <c:dLbls>
-          <c:dLblPos val="inEnd"/>
-          <c:showLegendKey val="0"/>
-          <c:showVal val="0"/>
-          <c:showCatName val="0"/>
-          <c:showSerName val="0"/>
-          <c:showPercent val="1"/>
-          <c:showBubbleSize val="0"/>
-          <c:showLeaderLines val="1"/>
-        </c:dLbls>
-        <c:firstSliceAng val="0"/>
-      </c:pieChart>
-      <c:spPr>
-        <a:noFill/>
-        <a:ln>
-          <a:noFill/>
-        </a:ln>
-        <a:effectLst/>
-      </c:spPr>
-    </c:plotArea>
-    <c:legend>
-      <c:legendPos val="b"/>
-      <c:layout/>
-      <c:overlay val="0"/>
-      <c:spPr>
-        <a:noFill/>
-        <a:ln>
-          <a:noFill/>
-        </a:ln>
-        <a:effectLst/>
-      </c:spPr>
-      <c:txPr>
-        <a:bodyPr rot="0" spcFirstLastPara="1" vertOverflow="ellipsis" vert="horz" wrap="square" anchor="ctr" anchorCtr="1"/>
-        <a:lstStyle/>
-        <a:p>
-          <a:pPr>
-            <a:defRPr sz="1197" b="0" i="0" u="none" strike="noStrike" kern="1200" baseline="0">
-              <a:solidFill>
-                <a:schemeClr val="tx1">
-                  <a:lumMod val="65000"/>
-                  <a:lumOff val="35000"/>
-                </a:schemeClr>
-              </a:solidFill>
-              <a:latin typeface="+mn-lt"/>
-              <a:ea typeface="+mn-ea"/>
-              <a:cs typeface="+mn-cs"/>
-            </a:defRPr>
-          </a:pPr>
-          <a:endParaRPr lang="ja-JP"/>
-        </a:p>
-      </c:txPr>
-    </c:legend>
-    <c:plotVisOnly val="1"/>
-    <c:dispBlanksAs val="gap"/>
-    <c:showDLblsOverMax val="0"/>
-  </c:chart>
-  <c:spPr>
-    <a:noFill/>
-    <a:ln>
-      <a:noFill/>
-    </a:ln>
-    <a:effectLst/>
-  </c:spPr>
-  <c:txPr>
-    <a:bodyPr/>
-    <a:lstStyle/>
-    <a:p>
-      <a:pPr>
-        <a:defRPr/>
-      </a:pPr>
-      <a:endParaRPr lang="ja-JP"/>
-    </a:p>
-  </c:txPr>
-  <c:externalData r:id="rId3">
-    <c:autoUpdate val="0"/>
-  </c:externalData>
-</c:chartSpace>
-</file>
-
-<file path=ppt/charts/colors1.xml><?xml version="1.0" encoding="utf-8"?>
-<cs:colorStyle xmlns:cs="http://schemas.microsoft.com/office/drawing/2012/chartStyle" xmlns:a="http://schemas.openxmlformats.org/drawingml/2006/main" meth="withinLinearReversed" id="26">
-  <a:schemeClr val="accent6"/>
-</cs:colorStyle>
-</file>
-
-<file path=ppt/charts/colors2.xml><?xml version="1.0" encoding="utf-8"?>
-<cs:colorStyle xmlns:cs="http://schemas.microsoft.com/office/drawing/2012/chartStyle" xmlns:a="http://schemas.openxmlformats.org/drawingml/2006/main" meth="withinLinearReversed" id="24">
-  <a:schemeClr val="accent4"/>
-</cs:colorStyle>
-</file>
-
-<file path=ppt/charts/style1.xml><?xml version="1.0" encoding="utf-8"?>
-<cs:chartStyle xmlns:cs="http://schemas.microsoft.com/office/drawing/2012/chartStyle" xmlns:a="http://schemas.openxmlformats.org/drawingml/2006/main" id="251">
-  <cs:axisTitle>
-    <cs:lnRef idx="0"/>
-    <cs:fillRef idx="0"/>
-    <cs:effectRef idx="0"/>
-    <cs:fontRef idx="minor">
-      <a:schemeClr val="tx1">
-        <a:lumMod val="65000"/>
-        <a:lumOff val="35000"/>
-      </a:schemeClr>
-    </cs:fontRef>
-    <cs:defRPr sz="1330" kern="1200"/>
-  </cs:axisTitle>
-  <cs:categoryAxis>
-    <cs:lnRef idx="0"/>
-    <cs:fillRef idx="0"/>
-    <cs:effectRef idx="0"/>
-    <cs:fontRef idx="minor">
-      <a:schemeClr val="tx1">
-        <a:lumMod val="65000"/>
-        <a:lumOff val="35000"/>
-      </a:schemeClr>
-    </cs:fontRef>
-    <cs:spPr>
-      <a:ln w="9525" cap="flat" cmpd="sng" algn="ctr">
-        <a:solidFill>
-          <a:schemeClr val="tx1">
-            <a:lumMod val="15000"/>
-            <a:lumOff val="85000"/>
-          </a:schemeClr>
-        </a:solidFill>
-        <a:round/>
-      </a:ln>
-    </cs:spPr>
-    <cs:defRPr sz="1197" kern="1200"/>
-  </cs:categoryAxis>
-  <cs:chartArea mods="allowNoFillOverride allowNoLineOverride">
-    <cs:lnRef idx="0"/>
-    <cs:fillRef idx="0"/>
-    <cs:effectRef idx="0"/>
-    <cs:fontRef idx="minor">
-      <a:schemeClr val="tx1"/>
-    </cs:fontRef>
-    <cs:spPr>
-      <a:solidFill>
-        <a:schemeClr val="bg1"/>
-      </a:solidFill>
-      <a:ln w="9525" cap="flat" cmpd="sng" algn="ctr">
-        <a:solidFill>
-          <a:schemeClr val="tx1">
-            <a:lumMod val="15000"/>
-            <a:lumOff val="85000"/>
-          </a:schemeClr>
-        </a:solidFill>
-        <a:round/>
-      </a:ln>
-    </cs:spPr>
-    <cs:defRPr sz="1197" kern="1200"/>
-  </cs:chartArea>
-  <cs:dataLabel>
-    <cs:lnRef idx="0"/>
-    <cs:fillRef idx="0"/>
-    <cs:effectRef idx="0"/>
-    <cs:fontRef idx="minor">
-      <a:schemeClr val="tx1">
-        <a:lumMod val="75000"/>
-        <a:lumOff val="25000"/>
-      </a:schemeClr>
-    </cs:fontRef>
-    <cs:defRPr sz="1197" kern="1200"/>
-  </cs:dataLabel>
-  <cs:dataLabelCallout>
-    <cs:lnRef idx="0"/>
-    <cs:fillRef idx="0"/>
-    <cs:effectRef idx="0"/>
-    <cs:fontRef idx="minor">
-      <a:schemeClr val="dk1">
-        <a:lumMod val="65000"/>
-        <a:lumOff val="35000"/>
-      </a:schemeClr>
-    </cs:fontRef>
-    <cs:spPr>
-      <a:solidFill>
-        <a:schemeClr val="lt1"/>
-      </a:solidFill>
-      <a:ln>
-        <a:solidFill>
-          <a:schemeClr val="dk1">
-            <a:lumMod val="25000"/>
-            <a:lumOff val="75000"/>
-          </a:schemeClr>
-        </a:solidFill>
-      </a:ln>
-    </cs:spPr>
-    <cs:defRPr sz="1197" kern="1200"/>
-    <cs:bodyPr rot="0" spcFirstLastPara="1" vertOverflow="clip" horzOverflow="clip" vert="horz" wrap="square" lIns="36576" tIns="18288" rIns="36576" bIns="18288" anchor="ctr" anchorCtr="1">
-      <a:spAutoFit/>
-    </cs:bodyPr>
-  </cs:dataLabelCallout>
-  <cs:dataPoint>
-    <cs:lnRef idx="0"/>
-    <cs:fillRef idx="1">
-      <cs:styleClr val="auto"/>
-    </cs:fillRef>
-    <cs:effectRef idx="0"/>
-    <cs:fontRef idx="minor">
-      <a:schemeClr val="tx1"/>
-    </cs:fontRef>
-    <cs:spPr>
-      <a:ln w="19050">
-        <a:solidFill>
-          <a:schemeClr val="lt1"/>
-        </a:solidFill>
-      </a:ln>
-    </cs:spPr>
-  </cs:dataPoint>
-  <cs:dataPoint3D>
-    <cs:lnRef idx="0"/>
-    <cs:fillRef idx="1">
-      <cs:styleClr val="auto"/>
-    </cs:fillRef>
-    <cs:effectRef idx="0"/>
-    <cs:fontRef idx="minor">
-      <a:schemeClr val="tx1"/>
-    </cs:fontRef>
-    <cs:spPr>
-      <a:ln w="25400">
-        <a:solidFill>
-          <a:schemeClr val="lt1"/>
-        </a:solidFill>
-      </a:ln>
-    </cs:spPr>
-  </cs:dataPoint3D>
-  <cs:dataPointLine>
-    <cs:lnRef idx="0">
-      <cs:styleClr val="auto"/>
-    </cs:lnRef>
-    <cs:fillRef idx="0"/>
-    <cs:effectRef idx="0"/>
-    <cs:fontRef idx="minor">
-      <a:schemeClr val="tx1"/>
-    </cs:fontRef>
-    <cs:spPr>
-      <a:ln w="28575" cap="rnd">
-        <a:solidFill>
-          <a:schemeClr val="phClr"/>
-        </a:solidFill>
-        <a:round/>
-      </a:ln>
-    </cs:spPr>
-  </cs:dataPointLine>
-  <cs:dataPointMarker>
-    <cs:lnRef idx="0">
-      <cs:styleClr val="auto"/>
-    </cs:lnRef>
-    <cs:fillRef idx="1">
-      <cs:styleClr val="auto"/>
-    </cs:fillRef>
-    <cs:effectRef idx="0"/>
-    <cs:fontRef idx="minor">
-      <a:schemeClr val="tx1"/>
-    </cs:fontRef>
-    <cs:spPr>
-      <a:ln w="9525">
-        <a:solidFill>
-          <a:schemeClr val="phClr"/>
-        </a:solidFill>
-      </a:ln>
-    </cs:spPr>
-  </cs:dataPointMarker>
-  <cs:dataPointMarkerLayout symbol="circle" size="5"/>
-  <cs:dataPointWireframe>
-    <cs:lnRef idx="0">
-      <cs:styleClr val="auto"/>
-    </cs:lnRef>
-    <cs:fillRef idx="0"/>
-    <cs:effectRef idx="0"/>
-    <cs:fontRef idx="minor">
-      <a:schemeClr val="tx1"/>
-    </cs:fontRef>
-    <cs:spPr>
-      <a:ln w="9525" cap="rnd">
-        <a:solidFill>
-          <a:schemeClr val="phClr"/>
-        </a:solidFill>
-        <a:round/>
-      </a:ln>
-    </cs:spPr>
-  </cs:dataPointWireframe>
-  <cs:dataTable>
-    <cs:lnRef idx="0"/>
-    <cs:fillRef idx="0"/>
-    <cs:effectRef idx="0"/>
-    <cs:fontRef idx="minor">
-      <a:schemeClr val="tx1">
-        <a:lumMod val="65000"/>
-        <a:lumOff val="35000"/>
-      </a:schemeClr>
-    </cs:fontRef>
-    <cs:spPr>
-      <a:noFill/>
-      <a:ln w="9525" cap="flat" cmpd="sng" algn="ctr">
-        <a:solidFill>
-          <a:schemeClr val="tx1">
-            <a:lumMod val="15000"/>
-            <a:lumOff val="85000"/>
-          </a:schemeClr>
-        </a:solidFill>
-        <a:round/>
-      </a:ln>
-    </cs:spPr>
-    <cs:defRPr sz="1197" kern="1200"/>
-  </cs:dataTable>
-  <cs:downBar>
-    <cs:lnRef idx="0"/>
-    <cs:fillRef idx="0"/>
-    <cs:effectRef idx="0"/>
-    <cs:fontRef idx="minor">
-      <a:schemeClr val="tx1"/>
-    </cs:fontRef>
-    <cs:spPr>
-      <a:solidFill>
-        <a:schemeClr val="dk1">
-          <a:lumMod val="75000"/>
-          <a:lumOff val="25000"/>
-        </a:schemeClr>
-      </a:solidFill>
-      <a:ln w="9525" cap="flat" cmpd="sng" algn="ctr">
-        <a:solidFill>
-          <a:schemeClr val="tx1">
-            <a:lumMod val="65000"/>
-            <a:lumOff val="35000"/>
-          </a:schemeClr>
-        </a:solidFill>
-        <a:round/>
-      </a:ln>
-    </cs:spPr>
-  </cs:downBar>
-  <cs:dropLine>
-    <cs:lnRef idx="0"/>
-    <cs:fillRef idx="0"/>
-    <cs:effectRef idx="0"/>
-    <cs:fontRef idx="minor">
-      <a:schemeClr val="tx1"/>
-    </cs:fontRef>
-    <cs:spPr>
-      <a:ln w="9525" cap="flat" cmpd="sng" algn="ctr">
-        <a:solidFill>
-          <a:schemeClr val="tx1">
-            <a:lumMod val="35000"/>
-            <a:lumOff val="65000"/>
-          </a:schemeClr>
-        </a:solidFill>
-        <a:round/>
-      </a:ln>
-    </cs:spPr>
-  </cs:dropLine>
-  <cs:errorBar>
-    <cs:lnRef idx="0"/>
-    <cs:fillRef idx="0"/>
-    <cs:effectRef idx="0"/>
-    <cs:fontRef idx="minor">
-      <a:schemeClr val="tx1"/>
-    </cs:fontRef>
-    <cs:spPr>
-      <a:ln w="9525" cap="flat" cmpd="sng" algn="ctr">
-        <a:solidFill>
-          <a:schemeClr val="tx1">
-            <a:lumMod val="65000"/>
-            <a:lumOff val="35000"/>
-          </a:schemeClr>
-        </a:solidFill>
-        <a:round/>
-      </a:ln>
-    </cs:spPr>
-  </cs:errorBar>
-  <cs:floor>
-    <cs:lnRef idx="0"/>
-    <cs:fillRef idx="0"/>
-    <cs:effectRef idx="0"/>
-    <cs:fontRef idx="minor">
-      <a:schemeClr val="tx1"/>
-    </cs:fontRef>
-    <cs:spPr>
-      <a:noFill/>
-      <a:ln>
-        <a:noFill/>
-      </a:ln>
-    </cs:spPr>
-  </cs:floor>
-  <cs:gridlineMajor>
-    <cs:lnRef idx="0"/>
-    <cs:fillRef idx="0"/>
-    <cs:effectRef idx="0"/>
-    <cs:fontRef idx="minor">
-      <a:schemeClr val="tx1"/>
-    </cs:fontRef>
-    <cs:spPr>
-      <a:ln w="9525" cap="flat" cmpd="sng" algn="ctr">
-        <a:solidFill>
-          <a:schemeClr val="tx1">
-            <a:lumMod val="15000"/>
-            <a:lumOff val="85000"/>
-          </a:schemeClr>
-        </a:solidFill>
-        <a:round/>
-      </a:ln>
-    </cs:spPr>
-  </cs:gridlineMajor>
-  <cs:gridlineMinor>
-    <cs:lnRef idx="0"/>
-    <cs:fillRef idx="0"/>
-    <cs:effectRef idx="0"/>
-    <cs:fontRef idx="minor">
-      <a:schemeClr val="tx1"/>
-    </cs:fontRef>
-    <cs:spPr>
-      <a:ln w="9525" cap="flat" cmpd="sng" algn="ctr">
-        <a:solidFill>
-          <a:schemeClr val="tx1">
-            <a:lumMod val="5000"/>
-            <a:lumOff val="95000"/>
-          </a:schemeClr>
-        </a:solidFill>
-        <a:round/>
-      </a:ln>
-    </cs:spPr>
-  </cs:gridlineMinor>
-  <cs:hiLoLine>
-    <cs:lnRef idx="0"/>
-    <cs:fillRef idx="0"/>
-    <cs:effectRef idx="0"/>
-    <cs:fontRef idx="minor">
-      <a:schemeClr val="tx1"/>
-    </cs:fontRef>
-    <cs:spPr>
-      <a:ln w="9525" cap="flat" cmpd="sng" algn="ctr">
-        <a:solidFill>
-          <a:schemeClr val="tx1">
-            <a:lumMod val="50000"/>
-            <a:lumOff val="50000"/>
-          </a:schemeClr>
-        </a:solidFill>
-        <a:round/>
-      </a:ln>
-    </cs:spPr>
-  </cs:hiLoLine>
-  <cs:leaderLine>
-    <cs:lnRef idx="0"/>
-    <cs:fillRef idx="0"/>
-    <cs:effectRef idx="0"/>
-    <cs:fontRef idx="minor">
-      <a:schemeClr val="tx1"/>
-    </cs:fontRef>
-    <cs:spPr>
-      <a:ln w="9525" cap="flat" cmpd="sng" algn="ctr">
-        <a:solidFill>
-          <a:schemeClr val="tx1">
-            <a:lumMod val="35000"/>
-            <a:lumOff val="65000"/>
-          </a:schemeClr>
-        </a:solidFill>
-        <a:round/>
-      </a:ln>
-    </cs:spPr>
-  </cs:leaderLine>
-  <cs:legend>
-    <cs:lnRef idx="0"/>
-    <cs:fillRef idx="0"/>
-    <cs:effectRef idx="0"/>
-    <cs:fontRef idx="minor">
-      <a:schemeClr val="tx1">
-        <a:lumMod val="65000"/>
-        <a:lumOff val="35000"/>
-      </a:schemeClr>
-    </cs:fontRef>
-    <cs:defRPr sz="1197" kern="1200"/>
-  </cs:legend>
-  <cs:plotArea mods="allowNoFillOverride allowNoLineOverride">
-    <cs:lnRef idx="0"/>
-    <cs:fillRef idx="0"/>
-    <cs:effectRef idx="0"/>
-    <cs:fontRef idx="minor">
-      <a:schemeClr val="tx1"/>
-    </cs:fontRef>
-  </cs:plotArea>
-  <cs:plotArea3D mods="allowNoFillOverride allowNoLineOverride">
-    <cs:lnRef idx="0"/>
-    <cs:fillRef idx="0"/>
-    <cs:effectRef idx="0"/>
-    <cs:fontRef idx="minor">
-      <a:schemeClr val="tx1"/>
-    </cs:fontRef>
-  </cs:plotArea3D>
-  <cs:seriesAxis>
-    <cs:lnRef idx="0"/>
-    <cs:fillRef idx="0"/>
-    <cs:effectRef idx="0"/>
-    <cs:fontRef idx="minor">
-      <a:schemeClr val="tx1">
-        <a:lumMod val="65000"/>
-        <a:lumOff val="35000"/>
-      </a:schemeClr>
-    </cs:fontRef>
-    <cs:defRPr sz="1197" kern="1200"/>
-  </cs:seriesAxis>
-  <cs:seriesLine>
-    <cs:lnRef idx="0"/>
-    <cs:fillRef idx="0"/>
-    <cs:effectRef idx="0"/>
-    <cs:fontRef idx="minor">
-      <a:schemeClr val="tx1"/>
-    </cs:fontRef>
-    <cs:spPr>
-      <a:ln w="9525" cap="flat" cmpd="sng" algn="ctr">
-        <a:solidFill>
-          <a:schemeClr val="tx1">
-            <a:lumMod val="35000"/>
-            <a:lumOff val="65000"/>
-          </a:schemeClr>
-        </a:solidFill>
-        <a:round/>
-      </a:ln>
-    </cs:spPr>
-  </cs:seriesLine>
-  <cs:title>
-    <cs:lnRef idx="0"/>
-    <cs:fillRef idx="0"/>
-    <cs:effectRef idx="0"/>
-    <cs:fontRef idx="minor">
-      <a:schemeClr val="tx1">
-        <a:lumMod val="65000"/>
-        <a:lumOff val="35000"/>
-      </a:schemeClr>
-    </cs:fontRef>
-    <cs:defRPr sz="1862" b="0" kern="1200" spc="0" baseline="0"/>
-  </cs:title>
-  <cs:trendline>
-    <cs:lnRef idx="0">
-      <cs:styleClr val="auto"/>
-    </cs:lnRef>
-    <cs:fillRef idx="0"/>
-    <cs:effectRef idx="0"/>
-    <cs:fontRef idx="minor">
-      <a:schemeClr val="tx1"/>
-    </cs:fontRef>
-    <cs:spPr>
-      <a:ln w="19050" cap="rnd">
-        <a:solidFill>
-          <a:schemeClr val="phClr"/>
-        </a:solidFill>
-        <a:prstDash val="sysDot"/>
-      </a:ln>
-    </cs:spPr>
-  </cs:trendline>
-  <cs:trendlineLabel>
-    <cs:lnRef idx="0"/>
-    <cs:fillRef idx="0"/>
-    <cs:effectRef idx="0"/>
-    <cs:fontRef idx="minor">
-      <a:schemeClr val="tx1">
-        <a:lumMod val="65000"/>
-        <a:lumOff val="35000"/>
-      </a:schemeClr>
-    </cs:fontRef>
-    <cs:defRPr sz="1197" kern="1200"/>
-  </cs:trendlineLabel>
-  <cs:upBar>
-    <cs:lnRef idx="0"/>
-    <cs:fillRef idx="0"/>
-    <cs:effectRef idx="0"/>
-    <cs:fontRef idx="minor">
-      <a:schemeClr val="tx1"/>
-    </cs:fontRef>
-    <cs:spPr>
-      <a:solidFill>
-        <a:schemeClr val="lt1"/>
-      </a:solidFill>
-      <a:ln w="9525" cap="flat" cmpd="sng" algn="ctr">
-        <a:solidFill>
-          <a:schemeClr val="tx1">
-            <a:lumMod val="65000"/>
-            <a:lumOff val="35000"/>
-          </a:schemeClr>
-        </a:solidFill>
-        <a:round/>
-      </a:ln>
-    </cs:spPr>
-  </cs:upBar>
-  <cs:valueAxis>
-    <cs:lnRef idx="0"/>
-    <cs:fillRef idx="0"/>
-    <cs:effectRef idx="0"/>
-    <cs:fontRef idx="minor">
-      <a:schemeClr val="tx1">
-        <a:lumMod val="65000"/>
-        <a:lumOff val="35000"/>
-      </a:schemeClr>
-    </cs:fontRef>
-    <cs:defRPr sz="1197" kern="1200"/>
-  </cs:valueAxis>
-  <cs:wall>
-    <cs:lnRef idx="0"/>
-    <cs:fillRef idx="0"/>
-    <cs:effectRef idx="0"/>
-    <cs:fontRef idx="minor">
-      <a:schemeClr val="tx1"/>
-    </cs:fontRef>
-    <cs:spPr>
-      <a:noFill/>
-      <a:ln>
-        <a:noFill/>
-      </a:ln>
-    </cs:spPr>
-  </cs:wall>
-</cs:chartStyle>
-</file>
-
-<file path=ppt/charts/style2.xml><?xml version="1.0" encoding="utf-8"?>
-<cs:chartStyle xmlns:cs="http://schemas.microsoft.com/office/drawing/2012/chartStyle" xmlns:a="http://schemas.openxmlformats.org/drawingml/2006/main" id="251">
-  <cs:axisTitle>
-    <cs:lnRef idx="0"/>
-    <cs:fillRef idx="0"/>
-    <cs:effectRef idx="0"/>
-    <cs:fontRef idx="minor">
-      <a:schemeClr val="tx1">
-        <a:lumMod val="65000"/>
-        <a:lumOff val="35000"/>
-      </a:schemeClr>
-    </cs:fontRef>
-    <cs:defRPr sz="1330" kern="1200"/>
-  </cs:axisTitle>
-  <cs:categoryAxis>
-    <cs:lnRef idx="0"/>
-    <cs:fillRef idx="0"/>
-    <cs:effectRef idx="0"/>
-    <cs:fontRef idx="minor">
-      <a:schemeClr val="tx1">
-        <a:lumMod val="65000"/>
-        <a:lumOff val="35000"/>
-      </a:schemeClr>
-    </cs:fontRef>
-    <cs:spPr>
-      <a:ln w="9525" cap="flat" cmpd="sng" algn="ctr">
-        <a:solidFill>
-          <a:schemeClr val="tx1">
-            <a:lumMod val="15000"/>
-            <a:lumOff val="85000"/>
-          </a:schemeClr>
-        </a:solidFill>
-        <a:round/>
-      </a:ln>
-    </cs:spPr>
-    <cs:defRPr sz="1197" kern="1200"/>
-  </cs:categoryAxis>
-  <cs:chartArea mods="allowNoFillOverride allowNoLineOverride">
-    <cs:lnRef idx="0"/>
-    <cs:fillRef idx="0"/>
-    <cs:effectRef idx="0"/>
-    <cs:fontRef idx="minor">
-      <a:schemeClr val="tx1"/>
-    </cs:fontRef>
-    <cs:spPr>
-      <a:solidFill>
-        <a:schemeClr val="bg1"/>
-      </a:solidFill>
-      <a:ln w="9525" cap="flat" cmpd="sng" algn="ctr">
-        <a:solidFill>
-          <a:schemeClr val="tx1">
-            <a:lumMod val="15000"/>
-            <a:lumOff val="85000"/>
-          </a:schemeClr>
-        </a:solidFill>
-        <a:round/>
-      </a:ln>
-    </cs:spPr>
-    <cs:defRPr sz="1197" kern="1200"/>
-  </cs:chartArea>
-  <cs:dataLabel>
-    <cs:lnRef idx="0"/>
-    <cs:fillRef idx="0"/>
-    <cs:effectRef idx="0"/>
-    <cs:fontRef idx="minor">
-      <a:schemeClr val="tx1">
-        <a:lumMod val="75000"/>
-        <a:lumOff val="25000"/>
-      </a:schemeClr>
-    </cs:fontRef>
-    <cs:defRPr sz="1197" kern="1200"/>
-  </cs:dataLabel>
-  <cs:dataLabelCallout>
-    <cs:lnRef idx="0"/>
-    <cs:fillRef idx="0"/>
-    <cs:effectRef idx="0"/>
-    <cs:fontRef idx="minor">
-      <a:schemeClr val="dk1">
-        <a:lumMod val="65000"/>
-        <a:lumOff val="35000"/>
-      </a:schemeClr>
-    </cs:fontRef>
-    <cs:spPr>
-      <a:solidFill>
-        <a:schemeClr val="lt1"/>
-      </a:solidFill>
-      <a:ln>
-        <a:solidFill>
-          <a:schemeClr val="dk1">
-            <a:lumMod val="25000"/>
-            <a:lumOff val="75000"/>
-          </a:schemeClr>
-        </a:solidFill>
-      </a:ln>
-    </cs:spPr>
-    <cs:defRPr sz="1197" kern="1200"/>
-    <cs:bodyPr rot="0" spcFirstLastPara="1" vertOverflow="clip" horzOverflow="clip" vert="horz" wrap="square" lIns="36576" tIns="18288" rIns="36576" bIns="18288" anchor="ctr" anchorCtr="1">
-      <a:spAutoFit/>
-    </cs:bodyPr>
-  </cs:dataLabelCallout>
-  <cs:dataPoint>
-    <cs:lnRef idx="0"/>
-    <cs:fillRef idx="1">
-      <cs:styleClr val="auto"/>
-    </cs:fillRef>
-    <cs:effectRef idx="0"/>
-    <cs:fontRef idx="minor">
-      <a:schemeClr val="tx1"/>
-    </cs:fontRef>
-    <cs:spPr>
-      <a:ln w="19050">
-        <a:solidFill>
-          <a:schemeClr val="lt1"/>
-        </a:solidFill>
-      </a:ln>
-    </cs:spPr>
-  </cs:dataPoint>
-  <cs:dataPoint3D>
-    <cs:lnRef idx="0"/>
-    <cs:fillRef idx="1">
-      <cs:styleClr val="auto"/>
-    </cs:fillRef>
-    <cs:effectRef idx="0"/>
-    <cs:fontRef idx="minor">
-      <a:schemeClr val="tx1"/>
-    </cs:fontRef>
-    <cs:spPr>
-      <a:ln w="25400">
-        <a:solidFill>
-          <a:schemeClr val="lt1"/>
-        </a:solidFill>
-      </a:ln>
-    </cs:spPr>
-  </cs:dataPoint3D>
-  <cs:dataPointLine>
-    <cs:lnRef idx="0">
-      <cs:styleClr val="auto"/>
-    </cs:lnRef>
-    <cs:fillRef idx="0"/>
-    <cs:effectRef idx="0"/>
-    <cs:fontRef idx="minor">
-      <a:schemeClr val="tx1"/>
-    </cs:fontRef>
-    <cs:spPr>
-      <a:ln w="28575" cap="rnd">
-        <a:solidFill>
-          <a:schemeClr val="phClr"/>
-        </a:solidFill>
-        <a:round/>
-      </a:ln>
-    </cs:spPr>
-  </cs:dataPointLine>
-  <cs:dataPointMarker>
-    <cs:lnRef idx="0">
-      <cs:styleClr val="auto"/>
-    </cs:lnRef>
-    <cs:fillRef idx="1">
-      <cs:styleClr val="auto"/>
-    </cs:fillRef>
-    <cs:effectRef idx="0"/>
-    <cs:fontRef idx="minor">
-      <a:schemeClr val="tx1"/>
-    </cs:fontRef>
-    <cs:spPr>
-      <a:ln w="9525">
-        <a:solidFill>
-          <a:schemeClr val="phClr"/>
-        </a:solidFill>
-      </a:ln>
-    </cs:spPr>
-  </cs:dataPointMarker>
-  <cs:dataPointMarkerLayout symbol="circle" size="5"/>
-  <cs:dataPointWireframe>
-    <cs:lnRef idx="0">
-      <cs:styleClr val="auto"/>
-    </cs:lnRef>
-    <cs:fillRef idx="0"/>
-    <cs:effectRef idx="0"/>
-    <cs:fontRef idx="minor">
-      <a:schemeClr val="tx1"/>
-    </cs:fontRef>
-    <cs:spPr>
-      <a:ln w="9525" cap="rnd">
-        <a:solidFill>
-          <a:schemeClr val="phClr"/>
-        </a:solidFill>
-        <a:round/>
-      </a:ln>
-    </cs:spPr>
-  </cs:dataPointWireframe>
-  <cs:dataTable>
-    <cs:lnRef idx="0"/>
-    <cs:fillRef idx="0"/>
-    <cs:effectRef idx="0"/>
-    <cs:fontRef idx="minor">
-      <a:schemeClr val="tx1">
-        <a:lumMod val="65000"/>
-        <a:lumOff val="35000"/>
-      </a:schemeClr>
-    </cs:fontRef>
-    <cs:spPr>
-      <a:noFill/>
-      <a:ln w="9525" cap="flat" cmpd="sng" algn="ctr">
-        <a:solidFill>
-          <a:schemeClr val="tx1">
-            <a:lumMod val="15000"/>
-            <a:lumOff val="85000"/>
-          </a:schemeClr>
-        </a:solidFill>
-        <a:round/>
-      </a:ln>
-    </cs:spPr>
-    <cs:defRPr sz="1197" kern="1200"/>
-  </cs:dataTable>
-  <cs:downBar>
-    <cs:lnRef idx="0"/>
-    <cs:fillRef idx="0"/>
-    <cs:effectRef idx="0"/>
-    <cs:fontRef idx="minor">
-      <a:schemeClr val="tx1"/>
-    </cs:fontRef>
-    <cs:spPr>
-      <a:solidFill>
-        <a:schemeClr val="dk1">
-          <a:lumMod val="75000"/>
-          <a:lumOff val="25000"/>
-        </a:schemeClr>
-      </a:solidFill>
-      <a:ln w="9525" cap="flat" cmpd="sng" algn="ctr">
-        <a:solidFill>
-          <a:schemeClr val="tx1">
-            <a:lumMod val="65000"/>
-            <a:lumOff val="35000"/>
-          </a:schemeClr>
-        </a:solidFill>
-        <a:round/>
-      </a:ln>
-    </cs:spPr>
-  </cs:downBar>
-  <cs:dropLine>
-    <cs:lnRef idx="0"/>
-    <cs:fillRef idx="0"/>
-    <cs:effectRef idx="0"/>
-    <cs:fontRef idx="minor">
-      <a:schemeClr val="tx1"/>
-    </cs:fontRef>
-    <cs:spPr>
-      <a:ln w="9525" cap="flat" cmpd="sng" algn="ctr">
-        <a:solidFill>
-          <a:schemeClr val="tx1">
-            <a:lumMod val="35000"/>
-            <a:lumOff val="65000"/>
-          </a:schemeClr>
-        </a:solidFill>
-        <a:round/>
-      </a:ln>
-    </cs:spPr>
-  </cs:dropLine>
-  <cs:errorBar>
-    <cs:lnRef idx="0"/>
-    <cs:fillRef idx="0"/>
-    <cs:effectRef idx="0"/>
-    <cs:fontRef idx="minor">
-      <a:schemeClr val="tx1"/>
-    </cs:fontRef>
-    <cs:spPr>
-      <a:ln w="9525" cap="flat" cmpd="sng" algn="ctr">
-        <a:solidFill>
-          <a:schemeClr val="tx1">
-            <a:lumMod val="65000"/>
-            <a:lumOff val="35000"/>
-          </a:schemeClr>
-        </a:solidFill>
-        <a:round/>
-      </a:ln>
-    </cs:spPr>
-  </cs:errorBar>
-  <cs:floor>
-    <cs:lnRef idx="0"/>
-    <cs:fillRef idx="0"/>
-    <cs:effectRef idx="0"/>
-    <cs:fontRef idx="minor">
-      <a:schemeClr val="tx1"/>
-    </cs:fontRef>
-    <cs:spPr>
-      <a:noFill/>
-      <a:ln>
-        <a:noFill/>
-      </a:ln>
-    </cs:spPr>
-  </cs:floor>
-  <cs:gridlineMajor>
-    <cs:lnRef idx="0"/>
-    <cs:fillRef idx="0"/>
-    <cs:effectRef idx="0"/>
-    <cs:fontRef idx="minor">
-      <a:schemeClr val="tx1"/>
-    </cs:fontRef>
-    <cs:spPr>
-      <a:ln w="9525" cap="flat" cmpd="sng" algn="ctr">
-        <a:solidFill>
-          <a:schemeClr val="tx1">
-            <a:lumMod val="15000"/>
-            <a:lumOff val="85000"/>
-          </a:schemeClr>
-        </a:solidFill>
-        <a:round/>
-      </a:ln>
-    </cs:spPr>
-  </cs:gridlineMajor>
-  <cs:gridlineMinor>
-    <cs:lnRef idx="0"/>
-    <cs:fillRef idx="0"/>
-    <cs:effectRef idx="0"/>
-    <cs:fontRef idx="minor">
-      <a:schemeClr val="tx1"/>
-    </cs:fontRef>
-    <cs:spPr>
-      <a:ln w="9525" cap="flat" cmpd="sng" algn="ctr">
-        <a:solidFill>
-          <a:schemeClr val="tx1">
-            <a:lumMod val="5000"/>
-            <a:lumOff val="95000"/>
-          </a:schemeClr>
-        </a:solidFill>
-        <a:round/>
-      </a:ln>
-    </cs:spPr>
-  </cs:gridlineMinor>
-  <cs:hiLoLine>
-    <cs:lnRef idx="0"/>
-    <cs:fillRef idx="0"/>
-    <cs:effectRef idx="0"/>
-    <cs:fontRef idx="minor">
-      <a:schemeClr val="tx1"/>
-    </cs:fontRef>
-    <cs:spPr>
-      <a:ln w="9525" cap="flat" cmpd="sng" algn="ctr">
-        <a:solidFill>
-          <a:schemeClr val="tx1">
-            <a:lumMod val="50000"/>
-            <a:lumOff val="50000"/>
-          </a:schemeClr>
-        </a:solidFill>
-        <a:round/>
-      </a:ln>
-    </cs:spPr>
-  </cs:hiLoLine>
-  <cs:leaderLine>
-    <cs:lnRef idx="0"/>
-    <cs:fillRef idx="0"/>
-    <cs:effectRef idx="0"/>
-    <cs:fontRef idx="minor">
-      <a:schemeClr val="tx1"/>
-    </cs:fontRef>
-    <cs:spPr>
-      <a:ln w="9525" cap="flat" cmpd="sng" algn="ctr">
-        <a:solidFill>
-          <a:schemeClr val="tx1">
-            <a:lumMod val="35000"/>
-            <a:lumOff val="65000"/>
-          </a:schemeClr>
-        </a:solidFill>
-        <a:round/>
-      </a:ln>
-    </cs:spPr>
-  </cs:leaderLine>
-  <cs:legend>
-    <cs:lnRef idx="0"/>
-    <cs:fillRef idx="0"/>
-    <cs:effectRef idx="0"/>
-    <cs:fontRef idx="minor">
-      <a:schemeClr val="tx1">
-        <a:lumMod val="65000"/>
-        <a:lumOff val="35000"/>
-      </a:schemeClr>
-    </cs:fontRef>
-    <cs:defRPr sz="1197" kern="1200"/>
-  </cs:legend>
-  <cs:plotArea mods="allowNoFillOverride allowNoLineOverride">
-    <cs:lnRef idx="0"/>
-    <cs:fillRef idx="0"/>
-    <cs:effectRef idx="0"/>
-    <cs:fontRef idx="minor">
-      <a:schemeClr val="tx1"/>
-    </cs:fontRef>
-  </cs:plotArea>
-  <cs:plotArea3D mods="allowNoFillOverride allowNoLineOverride">
-    <cs:lnRef idx="0"/>
-    <cs:fillRef idx="0"/>
-    <cs:effectRef idx="0"/>
-    <cs:fontRef idx="minor">
-      <a:schemeClr val="tx1"/>
-    </cs:fontRef>
-  </cs:plotArea3D>
-  <cs:seriesAxis>
-    <cs:lnRef idx="0"/>
-    <cs:fillRef idx="0"/>
-    <cs:effectRef idx="0"/>
-    <cs:fontRef idx="minor">
-      <a:schemeClr val="tx1">
-        <a:lumMod val="65000"/>
-        <a:lumOff val="35000"/>
-      </a:schemeClr>
-    </cs:fontRef>
-    <cs:defRPr sz="1197" kern="1200"/>
-  </cs:seriesAxis>
-  <cs:seriesLine>
-    <cs:lnRef idx="0"/>
-    <cs:fillRef idx="0"/>
-    <cs:effectRef idx="0"/>
-    <cs:fontRef idx="minor">
-      <a:schemeClr val="tx1"/>
-    </cs:fontRef>
-    <cs:spPr>
-      <a:ln w="9525" cap="flat" cmpd="sng" algn="ctr">
-        <a:solidFill>
-          <a:schemeClr val="tx1">
-            <a:lumMod val="35000"/>
-            <a:lumOff val="65000"/>
-          </a:schemeClr>
-        </a:solidFill>
-        <a:round/>
-      </a:ln>
-    </cs:spPr>
-  </cs:seriesLine>
-  <cs:title>
-    <cs:lnRef idx="0"/>
-    <cs:fillRef idx="0"/>
-    <cs:effectRef idx="0"/>
-    <cs:fontRef idx="minor">
-      <a:schemeClr val="tx1">
-        <a:lumMod val="65000"/>
-        <a:lumOff val="35000"/>
-      </a:schemeClr>
-    </cs:fontRef>
-    <cs:defRPr sz="1862" b="0" kern="1200" spc="0" baseline="0"/>
-  </cs:title>
-  <cs:trendline>
-    <cs:lnRef idx="0">
-      <cs:styleClr val="auto"/>
-    </cs:lnRef>
-    <cs:fillRef idx="0"/>
-    <cs:effectRef idx="0"/>
-    <cs:fontRef idx="minor">
-      <a:schemeClr val="tx1"/>
-    </cs:fontRef>
-    <cs:spPr>
-      <a:ln w="19050" cap="rnd">
-        <a:solidFill>
-          <a:schemeClr val="phClr"/>
-        </a:solidFill>
-        <a:prstDash val="sysDot"/>
-      </a:ln>
-    </cs:spPr>
-  </cs:trendline>
-  <cs:trendlineLabel>
-    <cs:lnRef idx="0"/>
-    <cs:fillRef idx="0"/>
-    <cs:effectRef idx="0"/>
-    <cs:fontRef idx="minor">
-      <a:schemeClr val="tx1">
-        <a:lumMod val="65000"/>
-        <a:lumOff val="35000"/>
-      </a:schemeClr>
-    </cs:fontRef>
-    <cs:defRPr sz="1197" kern="1200"/>
-  </cs:trendlineLabel>
-  <cs:upBar>
-    <cs:lnRef idx="0"/>
-    <cs:fillRef idx="0"/>
-    <cs:effectRef idx="0"/>
-    <cs:fontRef idx="minor">
-      <a:schemeClr val="tx1"/>
-    </cs:fontRef>
-    <cs:spPr>
-      <a:solidFill>
-        <a:schemeClr val="lt1"/>
-      </a:solidFill>
-      <a:ln w="9525" cap="flat" cmpd="sng" algn="ctr">
-        <a:solidFill>
-          <a:schemeClr val="tx1">
-            <a:lumMod val="65000"/>
-            <a:lumOff val="35000"/>
-          </a:schemeClr>
-        </a:solidFill>
-        <a:round/>
-      </a:ln>
-    </cs:spPr>
-  </cs:upBar>
-  <cs:valueAxis>
-    <cs:lnRef idx="0"/>
-    <cs:fillRef idx="0"/>
-    <cs:effectRef idx="0"/>
-    <cs:fontRef idx="minor">
-      <a:schemeClr val="tx1">
-        <a:lumMod val="65000"/>
-        <a:lumOff val="35000"/>
-      </a:schemeClr>
-    </cs:fontRef>
-    <cs:defRPr sz="1197" kern="1200"/>
-  </cs:valueAxis>
-  <cs:wall>
-    <cs:lnRef idx="0"/>
-    <cs:fillRef idx="0"/>
-    <cs:effectRef idx="0"/>
-    <cs:fontRef idx="minor">
-      <a:schemeClr val="tx1"/>
-    </cs:fontRef>
-    <cs:spPr>
-      <a:noFill/>
-      <a:ln>
-        <a:noFill/>
-      </a:ln>
-    </cs:spPr>
-  </cs:wall>
-</cs:chartStyle>
 </file>
 
 <file path=ppt/notesMasters/notesMaster1.xml><?xml version="1.0" encoding="utf-8"?>
@@ -2353,7 +769,7 @@
           <a:p>
             <a:fld id="{B501E337-A02A-784A-B006-0DBA91238D1B}" type="slidenum">
               <a:rPr lang="uk-UA"/>
-              <a:t>3</a:t>
+              <a:t>2</a:t>
             </a:fld>
             <a:endParaRPr kumimoji="1" lang="uk-UA" altLang="ja-JP"/>
           </a:p>
@@ -2513,7 +929,7 @@
           <a:p>
             <a:fld id="{B501E337-A02A-784A-B006-0DBA91238D1B}" type="slidenum">
               <a:rPr lang="uk-UA"/>
-              <a:t>4</a:t>
+              <a:t>3</a:t>
             </a:fld>
             <a:endParaRPr kumimoji="1" lang="uk-UA" altLang="ja-JP"/>
           </a:p>
@@ -2597,7 +1013,7 @@
           <a:p>
             <a:fld id="{B501E337-A02A-784A-B006-0DBA91238D1B}" type="slidenum">
               <a:rPr lang="uk-UA"/>
-              <a:t>8</a:t>
+              <a:t>5</a:t>
             </a:fld>
             <a:endParaRPr kumimoji="1" lang="uk-UA" altLang="ja-JP"/>
           </a:p>
@@ -2607,189 +1023,6 @@
     <p:extLst>
       <p:ext uri="{BB962C8B-B14F-4D97-AF65-F5344CB8AC3E}">
         <p14:creationId xmlns:p14="http://schemas.microsoft.com/office/powerpoint/2010/main" val="1250254227"/>
-      </p:ext>
-    </p:extLst>
-  </p:cSld>
-  <p:clrMapOvr>
-    <a:masterClrMapping/>
-  </p:clrMapOvr>
-</p:notes>
-</file>
-
-<file path=ppt/notesSlides/notesSlide4.xml><?xml version="1.0" encoding="utf-8"?>
-<p:notes xmlns:a="http://schemas.openxmlformats.org/drawingml/2006/main" xmlns:r="http://schemas.openxmlformats.org/officeDocument/2006/relationships" xmlns:p="http://schemas.openxmlformats.org/presentationml/2006/main">
-  <p:cSld>
-    <p:spTree>
-      <p:nvGrpSpPr>
-        <p:cNvPr id="1" name=""/>
-        <p:cNvGrpSpPr/>
-        <p:nvPr/>
-      </p:nvGrpSpPr>
-      <p:grpSpPr>
-        <a:xfrm>
-          <a:off x="0" y="0"/>
-          <a:ext cx="0" cy="0"/>
-          <a:chOff x="0" y="0"/>
-          <a:chExt cx="0" cy="0"/>
-        </a:xfrm>
-      </p:grpSpPr>
-      <p:sp>
-        <p:nvSpPr>
-          <p:cNvPr id="2" name="スライド イメージ プレースホルダー 1"/>
-          <p:cNvSpPr>
-            <a:spLocks noGrp="1" noRot="1" noChangeAspect="1"/>
-          </p:cNvSpPr>
-          <p:nvPr>
-            <p:ph type="sldImg"/>
-          </p:nvPr>
-        </p:nvSpPr>
-        <p:spPr/>
-      </p:sp>
-      <p:sp>
-        <p:nvSpPr>
-          <p:cNvPr id="3" name="ノート プレースホルダー 2"/>
-          <p:cNvSpPr>
-            <a:spLocks noGrp="1"/>
-          </p:cNvSpPr>
-          <p:nvPr>
-            <p:ph type="body" idx="1"/>
-          </p:nvPr>
-        </p:nvSpPr>
-        <p:spPr/>
-        <p:txBody>
-          <a:bodyPr/>
-          <a:lstStyle/>
-          <a:p>
-            <a:pPr marL="0" marR="0" indent="0" algn="l" defTabSz="914400" rtl="0" eaLnBrk="1" fontAlgn="auto" latinLnBrk="0" hangingPunct="1">
-              <a:lnSpc>
-                <a:spcPct val="100000"/>
-              </a:lnSpc>
-              <a:spcBef>
-                <a:spcPts val="0"/>
-              </a:spcBef>
-              <a:spcAft>
-                <a:spcPts val="0"/>
-              </a:spcAft>
-              <a:buClrTx/>
-              <a:buSzTx/>
-              <a:buFontTx/>
-              <a:buNone/>
-              <a:tabLst/>
-              <a:defRPr/>
-            </a:pPr>
-            <a:endParaRPr lang="ja-JP" altLang="en-US"/>
-          </a:p>
-        </p:txBody>
-      </p:sp>
-      <p:sp>
-        <p:nvSpPr>
-          <p:cNvPr id="4" name="スライド番号プレースホルダー 3"/>
-          <p:cNvSpPr>
-            <a:spLocks noGrp="1"/>
-          </p:cNvSpPr>
-          <p:nvPr>
-            <p:ph type="sldNum" sz="quarter" idx="10"/>
-          </p:nvPr>
-        </p:nvSpPr>
-        <p:spPr/>
-        <p:txBody>
-          <a:bodyPr/>
-          <a:lstStyle/>
-          <a:p>
-            <a:fld id="{B501E337-A02A-784A-B006-0DBA91238D1B}" type="slidenum">
-              <a:t>13</a:t>
-            </a:fld>
-            <a:endParaRPr kumimoji="1" lang="ja-JP" altLang="en-US"/>
-          </a:p>
-        </p:txBody>
-      </p:sp>
-    </p:spTree>
-    <p:extLst>
-      <p:ext uri="{BB962C8B-B14F-4D97-AF65-F5344CB8AC3E}">
-        <p14:creationId xmlns:p14="http://schemas.microsoft.com/office/powerpoint/2010/main" val="463770429"/>
-      </p:ext>
-    </p:extLst>
-  </p:cSld>
-  <p:clrMapOvr>
-    <a:masterClrMapping/>
-  </p:clrMapOvr>
-</p:notes>
-</file>
-
-<file path=ppt/notesSlides/notesSlide5.xml><?xml version="1.0" encoding="utf-8"?>
-<p:notes xmlns:a="http://schemas.openxmlformats.org/drawingml/2006/main" xmlns:r="http://schemas.openxmlformats.org/officeDocument/2006/relationships" xmlns:p="http://schemas.openxmlformats.org/presentationml/2006/main">
-  <p:cSld>
-    <p:spTree>
-      <p:nvGrpSpPr>
-        <p:cNvPr id="1" name=""/>
-        <p:cNvGrpSpPr/>
-        <p:nvPr/>
-      </p:nvGrpSpPr>
-      <p:grpSpPr>
-        <a:xfrm>
-          <a:off x="0" y="0"/>
-          <a:ext cx="0" cy="0"/>
-          <a:chOff x="0" y="0"/>
-          <a:chExt cx="0" cy="0"/>
-        </a:xfrm>
-      </p:grpSpPr>
-      <p:sp>
-        <p:nvSpPr>
-          <p:cNvPr id="2" name="スライド イメージ プレースホルダー 1"/>
-          <p:cNvSpPr>
-            <a:spLocks noGrp="1" noRot="1" noChangeAspect="1"/>
-          </p:cNvSpPr>
-          <p:nvPr>
-            <p:ph type="sldImg"/>
-          </p:nvPr>
-        </p:nvSpPr>
-        <p:spPr/>
-      </p:sp>
-      <p:sp>
-        <p:nvSpPr>
-          <p:cNvPr id="3" name="ノート プレースホルダー 2"/>
-          <p:cNvSpPr>
-            <a:spLocks noGrp="1"/>
-          </p:cNvSpPr>
-          <p:nvPr>
-            <p:ph type="body" idx="1"/>
-          </p:nvPr>
-        </p:nvSpPr>
-        <p:spPr/>
-        <p:txBody>
-          <a:bodyPr/>
-          <a:lstStyle/>
-          <a:p>
-            <a:endParaRPr kumimoji="1" lang="ja-JP" altLang="en-US"/>
-          </a:p>
-        </p:txBody>
-      </p:sp>
-      <p:sp>
-        <p:nvSpPr>
-          <p:cNvPr id="4" name="スライド番号プレースホルダー 3"/>
-          <p:cNvSpPr>
-            <a:spLocks noGrp="1"/>
-          </p:cNvSpPr>
-          <p:nvPr>
-            <p:ph type="sldNum" sz="quarter" idx="10"/>
-          </p:nvPr>
-        </p:nvSpPr>
-        <p:spPr/>
-        <p:txBody>
-          <a:bodyPr/>
-          <a:lstStyle/>
-          <a:p>
-            <a:fld id="{B501E337-A02A-784A-B006-0DBA91238D1B}" type="slidenum">
-              <a:t>14</a:t>
-            </a:fld>
-            <a:endParaRPr kumimoji="1" lang="ja-JP" altLang="en-US"/>
-          </a:p>
-        </p:txBody>
-      </p:sp>
-    </p:spTree>
-    <p:extLst>
-      <p:ext uri="{BB962C8B-B14F-4D97-AF65-F5344CB8AC3E}">
-        <p14:creationId xmlns:p14="http://schemas.microsoft.com/office/powerpoint/2010/main" val="103798581"/>
       </p:ext>
     </p:extLst>
   </p:cSld>
@@ -6032,7 +4265,7 @@
 </p:sld>
 </file>
 
-<file path=ppt/slides/slide10.xml><?xml version="1.0" encoding="utf-8"?>
+<file path=ppt/slides/slide2.xml><?xml version="1.0" encoding="utf-8"?>
 <p:sld xmlns:a="http://schemas.openxmlformats.org/drawingml/2006/main" xmlns:r="http://schemas.openxmlformats.org/officeDocument/2006/relationships" xmlns:p="http://schemas.openxmlformats.org/presentationml/2006/main">
   <p:cSld>
     <p:spTree>
@@ -6061,7 +4294,7 @@
         </p:nvSpPr>
         <p:spPr>
           <a:xfrm>
-            <a:off x="157717" y="152474"/>
+            <a:off x="158400" y="151200"/>
             <a:ext cx="10515600" cy="1325563"/>
           </a:xfrm>
         </p:spPr>
@@ -6071,7 +4304,7 @@
           <a:p>
             <a:r>
               <a:rPr kumimoji="1" lang="ja-JP" altLang="en-US"/>
-              <a:t>実験結果</a:t>
+              <a:t>研究背景</a:t>
             </a:r>
           </a:p>
         </p:txBody>
@@ -6098,2720 +4331,189 @@
           <a:p>
             <a:pPr>
               <a:lnSpc>
-                <a:spcPct val="150000"/>
+                <a:spcPct val="120000"/>
               </a:lnSpc>
             </a:pPr>
             <a:r>
-              <a:rPr kumimoji="1" lang="ja-JP" altLang="en-US"/>
-              <a:t>被験者</a:t>
-            </a:r>
-            <a:r>
-              <a:rPr kumimoji="1" lang="en-US" altLang="ja-JP"/>
-              <a:t> </a:t>
-            </a:r>
-            <a:r>
-              <a:rPr kumimoji="1" lang="en-US" altLang="ja-JP" b="1" u="sng"/>
-              <a:t>15</a:t>
-            </a:r>
-            <a:r>
-              <a:rPr kumimoji="1" lang="ja-JP" altLang="en-US" b="1" u="sng"/>
-              <a:t> 名中、</a:t>
-            </a:r>
-            <a:r>
-              <a:rPr kumimoji="1" lang="en-US" altLang="ja-JP" b="1" u="sng"/>
-              <a:t>13 </a:t>
-            </a:r>
-            <a:r>
-              <a:rPr kumimoji="1" lang="ja-JP" altLang="en-US" b="1" u="sng"/>
-              <a:t>名</a:t>
-            </a:r>
-            <a:r>
-              <a:rPr kumimoji="1" lang="ja-JP" altLang="en-US"/>
-              <a:t>を特定することが可能</a:t>
-            </a:r>
-            <a:endParaRPr kumimoji="1" lang="en-US" altLang="ja-JP"/>
+              <a:rPr lang="ja-JP" altLang="en-US"/>
+              <a:t>インターネットを利用したサイバー犯罪の被害が拡大</a:t>
+            </a:r>
+            <a:endParaRPr lang="en-US" altLang="ja-JP"/>
+          </a:p>
+          <a:p>
+            <a:pPr lvl="1">
+              <a:lnSpc>
+                <a:spcPct val="120000"/>
+              </a:lnSpc>
+            </a:pPr>
+            <a:r>
+              <a:rPr lang="ja-JP" altLang="en-US"/>
+              <a:t>掲示板での犯罪予告、インターネット詐欺、児童ポルノなど</a:t>
+            </a:r>
+            <a:endParaRPr lang="en-US" altLang="ja-JP"/>
+          </a:p>
+          <a:p>
+            <a:pPr lvl="1">
+              <a:lnSpc>
+                <a:spcPct val="120000"/>
+              </a:lnSpc>
+            </a:pPr>
+            <a:r>
+              <a:rPr lang="ja-JP" altLang="en-US"/>
+              <a:t>被害の拡大を防ぐために犯人を特定</a:t>
+            </a:r>
+            <a:r>
+              <a:rPr lang="en-US" altLang="ja-JP"/>
+              <a:t> (</a:t>
+            </a:r>
+            <a:r>
+              <a:rPr lang="ja-JP" altLang="en-US"/>
+              <a:t>逮捕</a:t>
+            </a:r>
+            <a:r>
+              <a:rPr lang="en-US" altLang="ja-JP"/>
+              <a:t>) </a:t>
+            </a:r>
+            <a:r>
+              <a:rPr lang="ja-JP" altLang="en-US"/>
+              <a:t>することが重要</a:t>
+            </a:r>
+            <a:endParaRPr lang="en-US" altLang="ja-JP"/>
           </a:p>
           <a:p>
             <a:pPr>
               <a:lnSpc>
-                <a:spcPct val="150000"/>
+                <a:spcPct val="120000"/>
               </a:lnSpc>
             </a:pPr>
             <a:r>
               <a:rPr lang="ja-JP" altLang="en-US"/>
-              <a:t>特定した</a:t>
+              <a:t>犯人の特定には</a:t>
             </a:r>
             <a:r>
               <a:rPr lang="en-US" altLang="ja-JP"/>
-              <a:t> SNS </a:t>
+              <a:t> IP </a:t>
             </a:r>
             <a:r>
               <a:rPr lang="ja-JP" altLang="en-US"/>
-              <a:t>アカウントの正答率は</a:t>
+              <a:t>アドレスが使用されるが、技術の進歩により特定が困難</a:t>
+            </a:r>
+            <a:endParaRPr lang="en-US" altLang="ja-JP"/>
+          </a:p>
+          <a:p>
+            <a:pPr lvl="1">
+              <a:lnSpc>
+                <a:spcPct val="120000"/>
+              </a:lnSpc>
+            </a:pPr>
+            <a:r>
+              <a:rPr lang="ja-JP" altLang="en-US"/>
+              <a:t>キャリアグレード</a:t>
             </a:r>
             <a:r>
               <a:rPr lang="en-US" altLang="ja-JP"/>
-              <a:t> 100 %</a:t>
-            </a:r>
+              <a:t> NAT</a:t>
+            </a:r>
+          </a:p>
+          <a:p>
+            <a:pPr lvl="2">
+              <a:lnSpc>
+                <a:spcPct val="120000"/>
+              </a:lnSpc>
+            </a:pPr>
+            <a:r>
+              <a:rPr lang="en-US" altLang="ja-JP"/>
+              <a:t>ISP </a:t>
+            </a:r>
+            <a:r>
+              <a:rPr lang="ja-JP" altLang="en-US"/>
+              <a:t>などが</a:t>
+            </a:r>
+            <a:r>
+              <a:rPr lang="en-US" altLang="ja-JP"/>
+              <a:t> NAT (</a:t>
+            </a:r>
+            <a:r>
+              <a:rPr lang="ja-JP" altLang="en-US"/>
+              <a:t>プライベート</a:t>
+            </a:r>
+            <a:r>
+              <a:rPr lang="en-US" altLang="ja-JP"/>
+              <a:t> IP </a:t>
+            </a:r>
+            <a:r>
+              <a:rPr lang="ja-JP" altLang="en-US"/>
+              <a:t>とグローバル</a:t>
+            </a:r>
+            <a:r>
+              <a:rPr lang="en-US" altLang="ja-JP"/>
+              <a:t> IP </a:t>
+            </a:r>
+            <a:r>
+              <a:rPr lang="ja-JP" altLang="en-US"/>
+              <a:t>の変換</a:t>
+            </a:r>
+            <a:r>
+              <a:rPr lang="en-US" altLang="ja-JP"/>
+              <a:t>) </a:t>
+            </a:r>
+            <a:r>
+              <a:rPr lang="ja-JP" altLang="en-US"/>
+              <a:t>を行う仕組み</a:t>
+            </a:r>
+            <a:endParaRPr lang="en-US" altLang="ja-JP"/>
+          </a:p>
+          <a:p>
+            <a:pPr lvl="1">
+              <a:lnSpc>
+                <a:spcPct val="120000"/>
+              </a:lnSpc>
+            </a:pPr>
+            <a:r>
+              <a:rPr lang="en-US" altLang="ja-JP"/>
+              <a:t>Tor</a:t>
+            </a:r>
+          </a:p>
+          <a:p>
+            <a:pPr lvl="2">
+              <a:lnSpc>
+                <a:spcPct val="120000"/>
+              </a:lnSpc>
+            </a:pPr>
+            <a:r>
+              <a:rPr lang="ja-JP" altLang="en-US"/>
+              <a:t>複数の国のサーバを経由して追跡されにくくする技術</a:t>
+            </a:r>
+            <a:endParaRPr lang="en-US" altLang="ja-JP"/>
           </a:p>
           <a:p>
             <a:pPr>
               <a:lnSpc>
-                <a:spcPct val="150000"/>
+                <a:spcPct val="120000"/>
               </a:lnSpc>
             </a:pPr>
             <a:r>
-              <a:rPr lang="ja-JP" altLang="en-US"/>
-              <a:t>残り</a:t>
-            </a:r>
-            <a:r>
-              <a:rPr lang="en-US" altLang="ja-JP"/>
-              <a:t> 2 </a:t>
-            </a:r>
-            <a:r>
-              <a:rPr lang="ja-JP" altLang="en-US"/>
-              <a:t>名は</a:t>
-            </a:r>
-            <a:r>
-              <a:rPr lang="en-US" altLang="ja-JP"/>
-              <a:t> </a:t>
-            </a:r>
-            <a:r>
               <a:rPr lang="en-US" altLang="ja-JP" b="1" u="sng"/>
-              <a:t>Cookie </a:t>
+              <a:t>IP </a:t>
             </a:r>
             <a:r>
               <a:rPr lang="ja-JP" altLang="en-US" b="1" u="sng"/>
-              <a:t>が送信されていなかった</a:t>
-            </a:r>
-            <a:r>
-              <a:rPr lang="ja-JP" altLang="en-US"/>
-              <a:t>ため特定不可</a:t>
-            </a:r>
-            <a:endParaRPr kumimoji="1" lang="en-US" altLang="ja-JP"/>
+              <a:t>アドレス以外の特定手法が必要</a:t>
+            </a:r>
+            <a:endParaRPr lang="en-US" altLang="ja-JP" b="1" u="sng"/>
           </a:p>
         </p:txBody>
       </p:sp>
     </p:spTree>
     <p:extLst>
       <p:ext uri="{BB962C8B-B14F-4D97-AF65-F5344CB8AC3E}">
-        <p14:creationId xmlns:p14="http://schemas.microsoft.com/office/powerpoint/2010/main" val="1048675044"/>
+        <p14:creationId xmlns:p14="http://schemas.microsoft.com/office/powerpoint/2010/main" val="238725631"/>
       </p:ext>
     </p:extLst>
   </p:cSld>
   <p:clrMapOvr>
     <a:masterClrMapping/>
   </p:clrMapOvr>
-  <p:timing>
-    <p:tnLst>
-      <p:par>
-        <p:cTn id="1" dur="indefinite" restart="never" nodeType="tmRoot"/>
-      </p:par>
-    </p:tnLst>
-  </p:timing>
-</p:sld>
-</file>
-
-<file path=ppt/slides/slide11.xml><?xml version="1.0" encoding="utf-8"?>
-<p:sld xmlns:a="http://schemas.openxmlformats.org/drawingml/2006/main" xmlns:r="http://schemas.openxmlformats.org/officeDocument/2006/relationships" xmlns:p="http://schemas.openxmlformats.org/presentationml/2006/main">
-  <p:cSld>
-    <p:spTree>
-      <p:nvGrpSpPr>
-        <p:cNvPr id="1" name=""/>
-        <p:cNvGrpSpPr/>
-        <p:nvPr/>
-      </p:nvGrpSpPr>
-      <p:grpSpPr>
-        <a:xfrm>
-          <a:off x="0" y="0"/>
-          <a:ext cx="0" cy="0"/>
-          <a:chOff x="0" y="0"/>
-          <a:chExt cx="0" cy="0"/>
-        </a:xfrm>
-      </p:grpSpPr>
-      <p:sp>
-        <p:nvSpPr>
-          <p:cNvPr id="2" name="タイトル 1"/>
-          <p:cNvSpPr>
-            <a:spLocks noGrp="1"/>
-          </p:cNvSpPr>
-          <p:nvPr>
-            <p:ph type="title"/>
-          </p:nvPr>
-        </p:nvSpPr>
-        <p:spPr>
-          <a:xfrm>
-            <a:off x="157717" y="152474"/>
-            <a:ext cx="10515600" cy="1325563"/>
-          </a:xfrm>
-        </p:spPr>
-        <p:txBody>
-          <a:bodyPr/>
-          <a:lstStyle/>
-          <a:p>
-            <a:r>
-              <a:rPr lang="ja-JP" altLang="en-US"/>
-              <a:t>考察</a:t>
-            </a:r>
-            <a:endParaRPr kumimoji="1" lang="ja-JP" altLang="en-US"/>
-          </a:p>
-        </p:txBody>
-      </p:sp>
-      <p:sp>
-        <p:nvSpPr>
-          <p:cNvPr id="3" name="コンテンツ プレースホルダー 2"/>
-          <p:cNvSpPr>
-            <a:spLocks noGrp="1"/>
-          </p:cNvSpPr>
-          <p:nvPr>
-            <p:ph idx="1"/>
-          </p:nvPr>
-        </p:nvSpPr>
-        <p:spPr>
-          <a:xfrm>
-            <a:off x="838200" y="1378800"/>
-            <a:ext cx="10515600" cy="4351338"/>
-          </a:xfrm>
-        </p:spPr>
-        <p:txBody>
-          <a:bodyPr/>
-          <a:lstStyle/>
-          <a:p>
-            <a:pPr>
-              <a:lnSpc>
-                <a:spcPct val="130000"/>
-              </a:lnSpc>
-            </a:pPr>
-            <a:r>
-              <a:rPr lang="en-US" altLang="ja-JP"/>
-              <a:t>Cookie </a:t>
-            </a:r>
-            <a:r>
-              <a:rPr lang="ja-JP" altLang="en-US"/>
-              <a:t>が送信されなかった理由は、</a:t>
-            </a:r>
-            <a:r>
-              <a:rPr lang="ja-JP" altLang="en-US" b="1" u="sng"/>
-              <a:t>サードパーティ</a:t>
-            </a:r>
-            <a:r>
-              <a:rPr lang="en-US" altLang="ja-JP" b="1" u="sng"/>
-              <a:t> Cookie </a:t>
-            </a:r>
-            <a:r>
-              <a:rPr lang="ja-JP" altLang="en-US" b="1" u="sng"/>
-              <a:t>がブロックされていた</a:t>
-            </a:r>
-            <a:r>
-              <a:rPr lang="ja-JP" altLang="en-US"/>
-              <a:t>ため</a:t>
-            </a:r>
-            <a:endParaRPr lang="en-US" altLang="ja-JP"/>
-          </a:p>
-          <a:p>
-            <a:pPr lvl="1">
-              <a:lnSpc>
-                <a:spcPct val="130000"/>
-              </a:lnSpc>
-            </a:pPr>
-            <a:r>
-              <a:rPr lang="ja-JP" altLang="en-US"/>
-              <a:t>サードパーティ</a:t>
-            </a:r>
-            <a:r>
-              <a:rPr lang="en-US" altLang="ja-JP"/>
-              <a:t> Cookie </a:t>
-            </a:r>
-            <a:r>
-              <a:rPr lang="ja-JP" altLang="en-US"/>
-              <a:t>とは、ユーザが訪問する</a:t>
-            </a:r>
-            <a:r>
-              <a:rPr lang="en-US" altLang="ja-JP"/>
-              <a:t> Web </a:t>
-            </a:r>
-            <a:r>
-              <a:rPr lang="ja-JP" altLang="en-US"/>
-              <a:t>サイトとは異なる</a:t>
-            </a:r>
-            <a:r>
-              <a:rPr lang="en-US" altLang="ja-JP"/>
-              <a:t> Web </a:t>
-            </a:r>
-            <a:r>
-              <a:rPr lang="ja-JP" altLang="en-US"/>
-              <a:t>サイトに送信される</a:t>
-            </a:r>
-            <a:r>
-              <a:rPr lang="en-US" altLang="ja-JP"/>
-              <a:t> Cookie </a:t>
-            </a:r>
-            <a:r>
-              <a:rPr lang="ja-JP" altLang="en-US"/>
-              <a:t>のこと</a:t>
-            </a:r>
-            <a:endParaRPr kumimoji="1" lang="en-US" altLang="ja-JP"/>
-          </a:p>
-        </p:txBody>
-      </p:sp>
-      <p:sp>
-        <p:nvSpPr>
-          <p:cNvPr id="20" name="正方形/長方形 19"/>
-          <p:cNvSpPr/>
-          <p:nvPr/>
-        </p:nvSpPr>
-        <p:spPr>
-          <a:xfrm>
-            <a:off x="1912469" y="4262916"/>
-            <a:ext cx="2270999" cy="2074098"/>
-          </a:xfrm>
-          <a:prstGeom prst="rect">
-            <a:avLst/>
-          </a:prstGeom>
-          <a:solidFill>
-            <a:schemeClr val="bg1">
-              <a:lumMod val="95000"/>
-            </a:schemeClr>
-          </a:solidFill>
-          <a:ln w="57150">
-            <a:solidFill>
-              <a:srgbClr val="FF0000"/>
-            </a:solidFill>
-          </a:ln>
-        </p:spPr>
-        <p:style>
-          <a:lnRef idx="2">
-            <a:schemeClr val="accent1">
-              <a:shade val="50000"/>
-            </a:schemeClr>
-          </a:lnRef>
-          <a:fillRef idx="1">
-            <a:schemeClr val="accent1"/>
-          </a:fillRef>
-          <a:effectRef idx="0">
-            <a:schemeClr val="accent1"/>
-          </a:effectRef>
-          <a:fontRef idx="minor">
-            <a:schemeClr val="lt1"/>
-          </a:fontRef>
-        </p:style>
-        <p:txBody>
-          <a:bodyPr rtlCol="0" anchor="ctr"/>
-          <a:lstStyle/>
-          <a:p>
-            <a:pPr algn="ctr"/>
-            <a:endParaRPr kumimoji="1" lang="ja-JP" altLang="en-US">
-              <a:solidFill>
-                <a:srgbClr val="FF0000"/>
-              </a:solidFill>
-            </a:endParaRPr>
-          </a:p>
-        </p:txBody>
-      </p:sp>
-      <p:pic>
-        <p:nvPicPr>
-          <p:cNvPr id="21" name="図 20"/>
-          <p:cNvPicPr>
-            <a:picLocks noChangeAspect="1"/>
-          </p:cNvPicPr>
-          <p:nvPr/>
-        </p:nvPicPr>
-        <p:blipFill>
-          <a:blip r:embed="rId2">
-            <a:extLst>
-              <a:ext uri="{28A0092B-C50C-407E-A947-70E740481C1C}">
-                <a14:useLocalDpi xmlns:a14="http://schemas.microsoft.com/office/drawing/2010/main" val="0"/>
-              </a:ext>
-            </a:extLst>
-          </a:blip>
-          <a:stretch>
-            <a:fillRect/>
-          </a:stretch>
-        </p:blipFill>
-        <p:spPr>
-          <a:xfrm>
-            <a:off x="2839948" y="5826655"/>
-            <a:ext cx="1187872" cy="357639"/>
-          </a:xfrm>
-          <a:prstGeom prst="rect">
-            <a:avLst/>
-          </a:prstGeom>
-        </p:spPr>
-      </p:pic>
-      <p:pic>
-        <p:nvPicPr>
-          <p:cNvPr id="23" name="図 22"/>
-          <p:cNvPicPr>
-            <a:picLocks noChangeAspect="1"/>
-          </p:cNvPicPr>
-          <p:nvPr/>
-        </p:nvPicPr>
-        <p:blipFill>
-          <a:blip r:embed="rId3">
-            <a:extLst>
-              <a:ext uri="{28A0092B-C50C-407E-A947-70E740481C1C}">
-                <a14:useLocalDpi xmlns:a14="http://schemas.microsoft.com/office/drawing/2010/main" val="0"/>
-              </a:ext>
-            </a:extLst>
-          </a:blip>
-          <a:stretch>
-            <a:fillRect/>
-          </a:stretch>
-        </p:blipFill>
-        <p:spPr>
-          <a:xfrm>
-            <a:off x="9244773" y="5094519"/>
-            <a:ext cx="543245" cy="543245"/>
-          </a:xfrm>
-          <a:prstGeom prst="rect">
-            <a:avLst/>
-          </a:prstGeom>
-        </p:spPr>
-      </p:pic>
-      <p:pic>
-        <p:nvPicPr>
-          <p:cNvPr id="24" name="図 23"/>
-          <p:cNvPicPr>
-            <a:picLocks noChangeAspect="1"/>
-          </p:cNvPicPr>
-          <p:nvPr/>
-        </p:nvPicPr>
-        <p:blipFill>
-          <a:blip r:embed="rId4">
-            <a:extLst>
-              <a:ext uri="{28A0092B-C50C-407E-A947-70E740481C1C}">
-                <a14:useLocalDpi xmlns:a14="http://schemas.microsoft.com/office/drawing/2010/main" val="0"/>
-              </a:ext>
-            </a:extLst>
-          </a:blip>
-          <a:stretch>
-            <a:fillRect/>
-          </a:stretch>
-        </p:blipFill>
-        <p:spPr>
-          <a:xfrm>
-            <a:off x="8499700" y="4602593"/>
-            <a:ext cx="807097" cy="807097"/>
-          </a:xfrm>
-          <a:prstGeom prst="rect">
-            <a:avLst/>
-          </a:prstGeom>
-        </p:spPr>
-      </p:pic>
-      <p:pic>
-        <p:nvPicPr>
-          <p:cNvPr id="25" name="図 24"/>
-          <p:cNvPicPr>
-            <a:picLocks noChangeAspect="1"/>
-          </p:cNvPicPr>
-          <p:nvPr/>
-        </p:nvPicPr>
-        <p:blipFill>
-          <a:blip r:embed="rId5">
-            <a:extLst>
-              <a:ext uri="{28A0092B-C50C-407E-A947-70E740481C1C}">
-                <a14:useLocalDpi xmlns:a14="http://schemas.microsoft.com/office/drawing/2010/main" val="0"/>
-              </a:ext>
-            </a:extLst>
-          </a:blip>
-          <a:stretch>
-            <a:fillRect/>
-          </a:stretch>
-        </p:blipFill>
-        <p:spPr>
-          <a:xfrm>
-            <a:off x="4716986" y="4265756"/>
-            <a:ext cx="752103" cy="752103"/>
-          </a:xfrm>
-          <a:prstGeom prst="rect">
-            <a:avLst/>
-          </a:prstGeom>
-          <a:noFill/>
-          <a:ln w="57150">
-            <a:noFill/>
-          </a:ln>
-        </p:spPr>
-      </p:pic>
-      <p:pic>
-        <p:nvPicPr>
-          <p:cNvPr id="26" name="図 25"/>
-          <p:cNvPicPr>
-            <a:picLocks noChangeAspect="1"/>
-          </p:cNvPicPr>
-          <p:nvPr/>
-        </p:nvPicPr>
-        <p:blipFill>
-          <a:blip r:embed="rId5">
-            <a:extLst>
-              <a:ext uri="{28A0092B-C50C-407E-A947-70E740481C1C}">
-                <a14:useLocalDpi xmlns:a14="http://schemas.microsoft.com/office/drawing/2010/main" val="0"/>
-              </a:ext>
-            </a:extLst>
-          </a:blip>
-          <a:stretch>
-            <a:fillRect/>
-          </a:stretch>
-        </p:blipFill>
-        <p:spPr>
-          <a:xfrm>
-            <a:off x="4727618" y="5577570"/>
-            <a:ext cx="752103" cy="752103"/>
-          </a:xfrm>
-          <a:prstGeom prst="rect">
-            <a:avLst/>
-          </a:prstGeom>
-          <a:noFill/>
-          <a:ln w="57150">
-            <a:noFill/>
-          </a:ln>
-        </p:spPr>
-      </p:pic>
-      <p:sp>
-        <p:nvSpPr>
-          <p:cNvPr id="27" name="正方形/長方形 26"/>
-          <p:cNvSpPr/>
-          <p:nvPr/>
-        </p:nvSpPr>
-        <p:spPr>
-          <a:xfrm>
-            <a:off x="4648697" y="4256526"/>
-            <a:ext cx="888680" cy="770561"/>
-          </a:xfrm>
-          <a:prstGeom prst="rect">
-            <a:avLst/>
-          </a:prstGeom>
-          <a:noFill/>
-          <a:ln w="57150">
-            <a:solidFill>
-              <a:srgbClr val="FF0000"/>
-            </a:solidFill>
-          </a:ln>
-        </p:spPr>
-        <p:style>
-          <a:lnRef idx="2">
-            <a:schemeClr val="accent1">
-              <a:shade val="50000"/>
-            </a:schemeClr>
-          </a:lnRef>
-          <a:fillRef idx="1">
-            <a:schemeClr val="accent1"/>
-          </a:fillRef>
-          <a:effectRef idx="0">
-            <a:schemeClr val="accent1"/>
-          </a:effectRef>
-          <a:fontRef idx="minor">
-            <a:schemeClr val="lt1"/>
-          </a:fontRef>
-        </p:style>
-        <p:txBody>
-          <a:bodyPr rtlCol="0" anchor="ctr"/>
-          <a:lstStyle/>
-          <a:p>
-            <a:pPr algn="ctr"/>
-            <a:endParaRPr kumimoji="1" lang="ja-JP" altLang="en-US">
-              <a:solidFill>
-                <a:srgbClr val="FF0000"/>
-              </a:solidFill>
-            </a:endParaRPr>
-          </a:p>
-        </p:txBody>
-      </p:sp>
-      <p:sp>
-        <p:nvSpPr>
-          <p:cNvPr id="28" name="正方形/長方形 27"/>
-          <p:cNvSpPr/>
-          <p:nvPr/>
-        </p:nvSpPr>
-        <p:spPr>
-          <a:xfrm>
-            <a:off x="4659329" y="5568342"/>
-            <a:ext cx="888680" cy="770561"/>
-          </a:xfrm>
-          <a:prstGeom prst="rect">
-            <a:avLst/>
-          </a:prstGeom>
-          <a:noFill/>
-          <a:ln w="57150">
-            <a:solidFill>
-              <a:srgbClr val="0070C0"/>
-            </a:solidFill>
-          </a:ln>
-        </p:spPr>
-        <p:style>
-          <a:lnRef idx="2">
-            <a:schemeClr val="accent1">
-              <a:shade val="50000"/>
-            </a:schemeClr>
-          </a:lnRef>
-          <a:fillRef idx="1">
-            <a:schemeClr val="accent1"/>
-          </a:fillRef>
-          <a:effectRef idx="0">
-            <a:schemeClr val="accent1"/>
-          </a:effectRef>
-          <a:fontRef idx="minor">
-            <a:schemeClr val="lt1"/>
-          </a:fontRef>
-        </p:style>
-        <p:txBody>
-          <a:bodyPr rtlCol="0" anchor="ctr"/>
-          <a:lstStyle/>
-          <a:p>
-            <a:pPr algn="ctr"/>
-            <a:endParaRPr kumimoji="1" lang="ja-JP" altLang="en-US">
-              <a:solidFill>
-                <a:srgbClr val="FF0000"/>
-              </a:solidFill>
-            </a:endParaRPr>
-          </a:p>
-        </p:txBody>
-      </p:sp>
-      <p:sp>
-        <p:nvSpPr>
-          <p:cNvPr id="29" name="正方形/長方形 28"/>
-          <p:cNvSpPr/>
-          <p:nvPr/>
-        </p:nvSpPr>
-        <p:spPr>
-          <a:xfrm>
-            <a:off x="2754012" y="5759611"/>
-            <a:ext cx="1323945" cy="479991"/>
-          </a:xfrm>
-          <a:prstGeom prst="rect">
-            <a:avLst/>
-          </a:prstGeom>
-          <a:noFill/>
-          <a:ln w="57150">
-            <a:solidFill>
-              <a:srgbClr val="0070C0"/>
-            </a:solidFill>
-          </a:ln>
-        </p:spPr>
-        <p:style>
-          <a:lnRef idx="2">
-            <a:schemeClr val="accent1">
-              <a:shade val="50000"/>
-            </a:schemeClr>
-          </a:lnRef>
-          <a:fillRef idx="1">
-            <a:schemeClr val="accent1"/>
-          </a:fillRef>
-          <a:effectRef idx="0">
-            <a:schemeClr val="accent1"/>
-          </a:effectRef>
-          <a:fontRef idx="minor">
-            <a:schemeClr val="lt1"/>
-          </a:fontRef>
-        </p:style>
-        <p:txBody>
-          <a:bodyPr rtlCol="0" anchor="ctr"/>
-          <a:lstStyle/>
-          <a:p>
-            <a:pPr algn="ctr"/>
-            <a:endParaRPr kumimoji="1" lang="ja-JP" altLang="en-US">
-              <a:solidFill>
-                <a:srgbClr val="FF0000"/>
-              </a:solidFill>
-            </a:endParaRPr>
-          </a:p>
-        </p:txBody>
-      </p:sp>
-      <p:sp>
-        <p:nvSpPr>
-          <p:cNvPr id="30" name="テキスト ボックス 29"/>
-          <p:cNvSpPr txBox="1"/>
-          <p:nvPr/>
-        </p:nvSpPr>
-        <p:spPr>
-          <a:xfrm>
-            <a:off x="1800607" y="3914054"/>
-            <a:ext cx="1656223" cy="369332"/>
-          </a:xfrm>
-          <a:prstGeom prst="rect">
-            <a:avLst/>
-          </a:prstGeom>
-          <a:noFill/>
-        </p:spPr>
-        <p:txBody>
-          <a:bodyPr wrap="none" rtlCol="0">
-            <a:spAutoFit/>
-          </a:bodyPr>
-          <a:lstStyle/>
-          <a:p>
-            <a:r>
-              <a:rPr kumimoji="1" lang="en-US" altLang="ja-JP" b="1"/>
-              <a:t>Web </a:t>
-            </a:r>
-            <a:r>
-              <a:rPr kumimoji="1" lang="ja-JP" altLang="en-US" b="1"/>
-              <a:t>サイト</a:t>
-            </a:r>
-            <a:r>
-              <a:rPr kumimoji="1" lang="en-US" altLang="ja-JP" b="1"/>
-              <a:t> A</a:t>
-            </a:r>
-            <a:endParaRPr kumimoji="1" lang="ja-JP" altLang="en-US" b="1"/>
-          </a:p>
-        </p:txBody>
-      </p:sp>
-      <p:sp>
-        <p:nvSpPr>
-          <p:cNvPr id="31" name="テキスト ボックス 30"/>
-          <p:cNvSpPr txBox="1"/>
-          <p:nvPr/>
-        </p:nvSpPr>
-        <p:spPr>
-          <a:xfrm>
-            <a:off x="2647952" y="5156297"/>
-            <a:ext cx="1569660" cy="646331"/>
-          </a:xfrm>
-          <a:prstGeom prst="rect">
-            <a:avLst/>
-          </a:prstGeom>
-          <a:noFill/>
-        </p:spPr>
-        <p:txBody>
-          <a:bodyPr wrap="none" rtlCol="0">
-            <a:spAutoFit/>
-          </a:bodyPr>
-          <a:lstStyle/>
-          <a:p>
-            <a:pPr algn="ctr"/>
-            <a:r>
-              <a:rPr kumimoji="1" lang="en-US" altLang="ja-JP" b="1"/>
-              <a:t>SNS</a:t>
-            </a:r>
-          </a:p>
-          <a:p>
-            <a:pPr algn="ctr"/>
-            <a:r>
-              <a:rPr kumimoji="1" lang="ja-JP" altLang="en-US" b="1"/>
-              <a:t>シェアボタン</a:t>
-            </a:r>
-          </a:p>
-        </p:txBody>
-      </p:sp>
-      <p:sp>
-        <p:nvSpPr>
-          <p:cNvPr id="32" name="テキスト ボックス 31"/>
-          <p:cNvSpPr txBox="1"/>
-          <p:nvPr/>
-        </p:nvSpPr>
-        <p:spPr>
-          <a:xfrm>
-            <a:off x="4124156" y="3950524"/>
-            <a:ext cx="2098651" cy="307777"/>
-          </a:xfrm>
-          <a:prstGeom prst="rect">
-            <a:avLst/>
-          </a:prstGeom>
-          <a:noFill/>
-        </p:spPr>
-        <p:txBody>
-          <a:bodyPr wrap="none" rtlCol="0">
-            <a:spAutoFit/>
-          </a:bodyPr>
-          <a:lstStyle/>
-          <a:p>
-            <a:r>
-              <a:rPr kumimoji="1" lang="en-US" altLang="ja-JP" sz="1400" b="1"/>
-              <a:t>Web </a:t>
-            </a:r>
-            <a:r>
-              <a:rPr kumimoji="1" lang="ja-JP" altLang="en-US" sz="1400" b="1"/>
-              <a:t>サイト</a:t>
-            </a:r>
-            <a:r>
-              <a:rPr kumimoji="1" lang="en-US" altLang="ja-JP" sz="1400" b="1"/>
-              <a:t> A </a:t>
-            </a:r>
-            <a:r>
-              <a:rPr kumimoji="1" lang="ja-JP" altLang="en-US" sz="1400" b="1"/>
-              <a:t>のサーバ</a:t>
-            </a:r>
-          </a:p>
-        </p:txBody>
-      </p:sp>
-      <p:sp>
-        <p:nvSpPr>
-          <p:cNvPr id="33" name="テキスト ボックス 32"/>
-          <p:cNvSpPr txBox="1"/>
-          <p:nvPr/>
-        </p:nvSpPr>
-        <p:spPr>
-          <a:xfrm>
-            <a:off x="4508076" y="5269793"/>
-            <a:ext cx="1330814" cy="307777"/>
-          </a:xfrm>
-          <a:prstGeom prst="rect">
-            <a:avLst/>
-          </a:prstGeom>
-          <a:noFill/>
-        </p:spPr>
-        <p:txBody>
-          <a:bodyPr wrap="none" rtlCol="0">
-            <a:spAutoFit/>
-          </a:bodyPr>
-          <a:lstStyle/>
-          <a:p>
-            <a:pPr algn="ctr"/>
-            <a:r>
-              <a:rPr kumimoji="1" lang="en-US" altLang="ja-JP" sz="1400" b="1"/>
-              <a:t>SNS </a:t>
-            </a:r>
-            <a:r>
-              <a:rPr kumimoji="1" lang="ja-JP" altLang="en-US" sz="1400" b="1"/>
-              <a:t>のサーバ</a:t>
-            </a:r>
-          </a:p>
-        </p:txBody>
-      </p:sp>
-      <p:cxnSp>
-        <p:nvCxnSpPr>
-          <p:cNvPr id="34" name="直線矢印コネクタ 33"/>
-          <p:cNvCxnSpPr/>
-          <p:nvPr/>
-        </p:nvCxnSpPr>
-        <p:spPr>
-          <a:xfrm flipH="1">
-            <a:off x="5616299" y="5153766"/>
-            <a:ext cx="2777074" cy="767633"/>
-          </a:xfrm>
-          <a:prstGeom prst="straightConnector1">
-            <a:avLst/>
-          </a:prstGeom>
-          <a:ln w="57150">
-            <a:solidFill>
-              <a:srgbClr val="0070C0"/>
-            </a:solidFill>
-            <a:tailEnd type="triangle"/>
-          </a:ln>
-        </p:spPr>
-        <p:style>
-          <a:lnRef idx="1">
-            <a:schemeClr val="accent1"/>
-          </a:lnRef>
-          <a:fillRef idx="0">
-            <a:schemeClr val="accent1"/>
-          </a:fillRef>
-          <a:effectRef idx="0">
-            <a:schemeClr val="accent1"/>
-          </a:effectRef>
-          <a:fontRef idx="minor">
-            <a:schemeClr val="tx1"/>
-          </a:fontRef>
-        </p:style>
-      </p:cxnSp>
-      <p:cxnSp>
-        <p:nvCxnSpPr>
-          <p:cNvPr id="35" name="直線矢印コネクタ 34"/>
-          <p:cNvCxnSpPr>
-            <a:stCxn id="26" idx="1"/>
-          </p:cNvCxnSpPr>
-          <p:nvPr/>
-        </p:nvCxnSpPr>
-        <p:spPr>
-          <a:xfrm flipH="1" flipV="1">
-            <a:off x="5616300" y="4648020"/>
-            <a:ext cx="2777073" cy="358122"/>
-          </a:xfrm>
-          <a:prstGeom prst="straightConnector1">
-            <a:avLst/>
-          </a:prstGeom>
-          <a:ln w="57150">
-            <a:solidFill>
-              <a:srgbClr val="FF0000"/>
-            </a:solidFill>
-            <a:tailEnd type="triangle"/>
-          </a:ln>
-        </p:spPr>
-        <p:style>
-          <a:lnRef idx="1">
-            <a:schemeClr val="accent1"/>
-          </a:lnRef>
-          <a:fillRef idx="0">
-            <a:schemeClr val="accent1"/>
-          </a:fillRef>
-          <a:effectRef idx="0">
-            <a:schemeClr val="accent1"/>
-          </a:effectRef>
-          <a:fontRef idx="minor">
-            <a:schemeClr val="tx1"/>
-          </a:fontRef>
-        </p:style>
-      </p:cxnSp>
-      <p:sp>
-        <p:nvSpPr>
-          <p:cNvPr id="36" name="テキスト ボックス 35"/>
-          <p:cNvSpPr txBox="1"/>
-          <p:nvPr/>
-        </p:nvSpPr>
-        <p:spPr>
-          <a:xfrm>
-            <a:off x="6222807" y="5722582"/>
-            <a:ext cx="1800493" cy="646331"/>
-          </a:xfrm>
-          <a:prstGeom prst="rect">
-            <a:avLst/>
-          </a:prstGeom>
-          <a:noFill/>
-        </p:spPr>
-        <p:txBody>
-          <a:bodyPr wrap="none" rtlCol="0">
-            <a:spAutoFit/>
-          </a:bodyPr>
-          <a:lstStyle/>
-          <a:p>
-            <a:r>
-              <a:rPr kumimoji="1" lang="ja-JP" altLang="en-US" b="1">
-                <a:solidFill>
-                  <a:srgbClr val="1971C0"/>
-                </a:solidFill>
-              </a:rPr>
-              <a:t>サードパーティ</a:t>
-            </a:r>
-            <a:endParaRPr lang="en-US" altLang="ja-JP" b="1">
-              <a:solidFill>
-                <a:srgbClr val="1971C0"/>
-              </a:solidFill>
-            </a:endParaRPr>
-          </a:p>
-          <a:p>
-            <a:r>
-              <a:rPr kumimoji="1" lang="en-US" altLang="ja-JP" b="1">
-                <a:solidFill>
-                  <a:srgbClr val="1971C0"/>
-                </a:solidFill>
-              </a:rPr>
-              <a:t>Cookie</a:t>
-            </a:r>
-            <a:endParaRPr kumimoji="1" lang="ja-JP" altLang="en-US" b="1">
-              <a:solidFill>
-                <a:srgbClr val="1971C0"/>
-              </a:solidFill>
-            </a:endParaRPr>
-          </a:p>
-        </p:txBody>
-      </p:sp>
-      <p:sp>
-        <p:nvSpPr>
-          <p:cNvPr id="37" name="テキスト ボックス 36"/>
-          <p:cNvSpPr txBox="1"/>
-          <p:nvPr/>
-        </p:nvSpPr>
-        <p:spPr>
-          <a:xfrm>
-            <a:off x="8523369" y="5661027"/>
-            <a:ext cx="2149948" cy="707886"/>
-          </a:xfrm>
-          <a:prstGeom prst="rect">
-            <a:avLst/>
-          </a:prstGeom>
-          <a:noFill/>
-        </p:spPr>
-        <p:txBody>
-          <a:bodyPr wrap="none" rtlCol="0">
-            <a:spAutoFit/>
-          </a:bodyPr>
-          <a:lstStyle/>
-          <a:p>
-            <a:r>
-              <a:rPr kumimoji="1" lang="en-US" altLang="ja-JP" sz="2000" b="1">
-                <a:solidFill>
-                  <a:srgbClr val="4B4B4B"/>
-                </a:solidFill>
-              </a:rPr>
-              <a:t>Web </a:t>
-            </a:r>
-            <a:r>
-              <a:rPr kumimoji="1" lang="ja-JP" altLang="en-US" sz="2000" b="1">
-                <a:solidFill>
-                  <a:srgbClr val="4B4B4B"/>
-                </a:solidFill>
-              </a:rPr>
-              <a:t>サイト</a:t>
-            </a:r>
-            <a:r>
-              <a:rPr kumimoji="1" lang="en-US" altLang="ja-JP" sz="2000" b="1">
-                <a:solidFill>
-                  <a:srgbClr val="4B4B4B"/>
-                </a:solidFill>
-              </a:rPr>
-              <a:t> A </a:t>
-            </a:r>
-            <a:r>
-              <a:rPr kumimoji="1" lang="ja-JP" altLang="en-US" sz="2000" b="1">
-                <a:solidFill>
-                  <a:srgbClr val="4B4B4B"/>
-                </a:solidFill>
-              </a:rPr>
-              <a:t>に</a:t>
-            </a:r>
-            <a:endParaRPr kumimoji="1" lang="en-US" altLang="ja-JP" sz="2000" b="1">
-              <a:solidFill>
-                <a:srgbClr val="4B4B4B"/>
-              </a:solidFill>
-            </a:endParaRPr>
-          </a:p>
-          <a:p>
-            <a:r>
-              <a:rPr lang="ja-JP" altLang="en-US" sz="2000" b="1">
-                <a:solidFill>
-                  <a:srgbClr val="4B4B4B"/>
-                </a:solidFill>
-              </a:rPr>
-              <a:t>訪問したユーザ</a:t>
-            </a:r>
-            <a:endParaRPr kumimoji="1" lang="ja-JP" altLang="en-US" sz="2000" b="1">
-              <a:solidFill>
-                <a:srgbClr val="4B4B4B"/>
-              </a:solidFill>
-            </a:endParaRPr>
-          </a:p>
-        </p:txBody>
-      </p:sp>
-      <p:sp>
-        <p:nvSpPr>
-          <p:cNvPr id="38" name="テキスト ボックス 37"/>
-          <p:cNvSpPr txBox="1"/>
-          <p:nvPr/>
-        </p:nvSpPr>
-        <p:spPr>
-          <a:xfrm>
-            <a:off x="6223572" y="4128350"/>
-            <a:ext cx="2262158" cy="646331"/>
-          </a:xfrm>
-          <a:prstGeom prst="rect">
-            <a:avLst/>
-          </a:prstGeom>
-          <a:noFill/>
-        </p:spPr>
-        <p:txBody>
-          <a:bodyPr wrap="none" rtlCol="0">
-            <a:spAutoFit/>
-          </a:bodyPr>
-          <a:lstStyle/>
-          <a:p>
-            <a:r>
-              <a:rPr kumimoji="1" lang="ja-JP" altLang="en-US" b="1">
-                <a:solidFill>
-                  <a:srgbClr val="FF0000"/>
-                </a:solidFill>
-              </a:rPr>
-              <a:t>ファーストパーティ</a:t>
-            </a:r>
-            <a:endParaRPr kumimoji="1" lang="en-US" altLang="ja-JP" b="1">
-              <a:solidFill>
-                <a:srgbClr val="FF0000"/>
-              </a:solidFill>
-            </a:endParaRPr>
-          </a:p>
-          <a:p>
-            <a:r>
-              <a:rPr lang="en-US" altLang="ja-JP" b="1">
-                <a:solidFill>
-                  <a:srgbClr val="FF0000"/>
-                </a:solidFill>
-              </a:rPr>
-              <a:t>Cookie</a:t>
-            </a:r>
-            <a:endParaRPr kumimoji="1" lang="ja-JP" altLang="en-US" b="1">
-              <a:solidFill>
-                <a:srgbClr val="FF0000"/>
-              </a:solidFill>
-            </a:endParaRPr>
-          </a:p>
-        </p:txBody>
-      </p:sp>
-      <p:grpSp>
-        <p:nvGrpSpPr>
-          <p:cNvPr id="41" name="図形グループ 40"/>
-          <p:cNvGrpSpPr/>
-          <p:nvPr/>
-        </p:nvGrpSpPr>
-        <p:grpSpPr>
-          <a:xfrm>
-            <a:off x="6258614" y="4888266"/>
-            <a:ext cx="1318418" cy="1672550"/>
-            <a:chOff x="6391970" y="5111549"/>
-            <a:chExt cx="1318418" cy="1672550"/>
-          </a:xfrm>
-        </p:grpSpPr>
-        <p:pic>
-          <p:nvPicPr>
-            <p:cNvPr id="39" name="図 38"/>
-            <p:cNvPicPr>
-              <a:picLocks noChangeAspect="1"/>
-            </p:cNvPicPr>
-            <p:nvPr/>
-          </p:nvPicPr>
-          <p:blipFill>
-            <a:blip r:embed="rId6">
-              <a:extLst>
-                <a:ext uri="{28A0092B-C50C-407E-A947-70E740481C1C}">
-                  <a14:useLocalDpi xmlns:a14="http://schemas.microsoft.com/office/drawing/2010/main" val="0"/>
-                </a:ext>
-              </a:extLst>
-            </a:blip>
-            <a:stretch>
-              <a:fillRect/>
-            </a:stretch>
-          </p:blipFill>
-          <p:spPr>
-            <a:xfrm>
-              <a:off x="6391970" y="5465681"/>
-              <a:ext cx="1318418" cy="1318418"/>
-            </a:xfrm>
-            <a:prstGeom prst="rect">
-              <a:avLst/>
-            </a:prstGeom>
-          </p:spPr>
-        </p:pic>
-        <p:sp>
-          <p:nvSpPr>
-            <p:cNvPr id="40" name="テキスト ボックス 39"/>
-            <p:cNvSpPr txBox="1"/>
-            <p:nvPr/>
-          </p:nvSpPr>
-          <p:spPr>
-            <a:xfrm>
-              <a:off x="6500387" y="5111549"/>
-              <a:ext cx="1101584" cy="400110"/>
-            </a:xfrm>
-            <a:prstGeom prst="rect">
-              <a:avLst/>
-            </a:prstGeom>
-            <a:noFill/>
-          </p:spPr>
-          <p:txBody>
-            <a:bodyPr wrap="none" rtlCol="0">
-              <a:spAutoFit/>
-            </a:bodyPr>
-            <a:lstStyle/>
-            <a:p>
-              <a:pPr algn="ctr"/>
-              <a:r>
-                <a:rPr kumimoji="1" lang="en-US" altLang="ja-JP" sz="2000" b="1">
-                  <a:solidFill>
-                    <a:srgbClr val="4B4B4B"/>
-                  </a:solidFill>
-                  <a:latin typeface="Open Sans" charset="0"/>
-                  <a:ea typeface="Open Sans" charset="0"/>
-                  <a:cs typeface="Open Sans" charset="0"/>
-                </a:rPr>
-                <a:t>BLOCK!</a:t>
-              </a:r>
-              <a:endParaRPr kumimoji="1" lang="ja-JP" altLang="en-US" sz="2000" b="1">
-                <a:solidFill>
-                  <a:srgbClr val="4B4B4B"/>
-                </a:solidFill>
-                <a:latin typeface="Open Sans" charset="0"/>
-                <a:ea typeface="Open Sans" charset="0"/>
-                <a:cs typeface="Open Sans" charset="0"/>
-              </a:endParaRPr>
-            </a:p>
-          </p:txBody>
-        </p:sp>
-      </p:grpSp>
-    </p:spTree>
-    <p:extLst>
-      <p:ext uri="{BB962C8B-B14F-4D97-AF65-F5344CB8AC3E}">
-        <p14:creationId xmlns:p14="http://schemas.microsoft.com/office/powerpoint/2010/main" val="911398541"/>
-      </p:ext>
-    </p:extLst>
-  </p:cSld>
-  <p:clrMapOvr>
-    <a:masterClrMapping/>
-  </p:clrMapOvr>
-  <p:timing>
-    <p:tnLst>
-      <p:par>
-        <p:cTn id="1" dur="indefinite" restart="never" nodeType="tmRoot">
-          <p:childTnLst>
-            <p:seq concurrent="1" nextAc="seek">
-              <p:cTn id="2" dur="indefinite" nodeType="mainSeq">
-                <p:childTnLst>
-                  <p:par>
-                    <p:cTn id="3" fill="hold">
-                      <p:stCondLst>
-                        <p:cond delay="indefinite"/>
-                      </p:stCondLst>
-                      <p:childTnLst>
-                        <p:par>
-                          <p:cTn id="4" fill="hold">
-                            <p:stCondLst>
-                              <p:cond delay="0"/>
-                            </p:stCondLst>
-                            <p:childTnLst>
-                              <p:par>
-                                <p:cTn id="5" presetID="53" presetClass="entr" presetSubtype="16" fill="hold" nodeType="clickEffect">
-                                  <p:stCondLst>
-                                    <p:cond delay="0"/>
-                                  </p:stCondLst>
-                                  <p:childTnLst>
-                                    <p:set>
-                                      <p:cBhvr>
-                                        <p:cTn id="6" dur="1" fill="hold">
-                                          <p:stCondLst>
-                                            <p:cond delay="0"/>
-                                          </p:stCondLst>
-                                        </p:cTn>
-                                        <p:tgtEl>
-                                          <p:spTgt spid="41"/>
-                                        </p:tgtEl>
-                                        <p:attrNameLst>
-                                          <p:attrName>style.visibility</p:attrName>
-                                        </p:attrNameLst>
-                                      </p:cBhvr>
-                                      <p:to>
-                                        <p:strVal val="visible"/>
-                                      </p:to>
-                                    </p:set>
-                                    <p:anim calcmode="lin" valueType="num">
-                                      <p:cBhvr>
-                                        <p:cTn id="7" dur="500" fill="hold"/>
-                                        <p:tgtEl>
-                                          <p:spTgt spid="41"/>
-                                        </p:tgtEl>
-                                        <p:attrNameLst>
-                                          <p:attrName>ppt_w</p:attrName>
-                                        </p:attrNameLst>
-                                      </p:cBhvr>
-                                      <p:tavLst>
-                                        <p:tav tm="0">
-                                          <p:val>
-                                            <p:fltVal val="0"/>
-                                          </p:val>
-                                        </p:tav>
-                                        <p:tav tm="100000">
-                                          <p:val>
-                                            <p:strVal val="#ppt_w"/>
-                                          </p:val>
-                                        </p:tav>
-                                      </p:tavLst>
-                                    </p:anim>
-                                    <p:anim calcmode="lin" valueType="num">
-                                      <p:cBhvr>
-                                        <p:cTn id="8" dur="500" fill="hold"/>
-                                        <p:tgtEl>
-                                          <p:spTgt spid="41"/>
-                                        </p:tgtEl>
-                                        <p:attrNameLst>
-                                          <p:attrName>ppt_h</p:attrName>
-                                        </p:attrNameLst>
-                                      </p:cBhvr>
-                                      <p:tavLst>
-                                        <p:tav tm="0">
-                                          <p:val>
-                                            <p:fltVal val="0"/>
-                                          </p:val>
-                                        </p:tav>
-                                        <p:tav tm="100000">
-                                          <p:val>
-                                            <p:strVal val="#ppt_h"/>
-                                          </p:val>
-                                        </p:tav>
-                                      </p:tavLst>
-                                    </p:anim>
-                                    <p:animEffect transition="in" filter="fade">
-                                      <p:cBhvr>
-                                        <p:cTn id="9" dur="500"/>
-                                        <p:tgtEl>
-                                          <p:spTgt spid="41"/>
-                                        </p:tgtEl>
-                                      </p:cBhvr>
-                                    </p:animEffect>
-                                  </p:childTnLst>
-                                </p:cTn>
-                              </p:par>
-                            </p:childTnLst>
-                          </p:cTn>
-                        </p:par>
-                      </p:childTnLst>
-                    </p:cTn>
-                  </p:par>
-                </p:childTnLst>
-              </p:cTn>
-              <p:prevCondLst>
-                <p:cond evt="onPrev" delay="0">
-                  <p:tgtEl>
-                    <p:sldTgt/>
-                  </p:tgtEl>
-                </p:cond>
-              </p:prevCondLst>
-              <p:nextCondLst>
-                <p:cond evt="onNext" delay="0">
-                  <p:tgtEl>
-                    <p:sldTgt/>
-                  </p:tgtEl>
-                </p:cond>
-              </p:nextCondLst>
-            </p:seq>
-          </p:childTnLst>
-        </p:cTn>
-      </p:par>
-    </p:tnLst>
-  </p:timing>
-</p:sld>
-</file>
-
-<file path=ppt/slides/slide12.xml><?xml version="1.0" encoding="utf-8"?>
-<p:sld xmlns:a="http://schemas.openxmlformats.org/drawingml/2006/main" xmlns:r="http://schemas.openxmlformats.org/officeDocument/2006/relationships" xmlns:p="http://schemas.openxmlformats.org/presentationml/2006/main" show="0">
-  <p:cSld>
-    <p:spTree>
-      <p:nvGrpSpPr>
-        <p:cNvPr id="1" name=""/>
-        <p:cNvGrpSpPr/>
-        <p:nvPr/>
-      </p:nvGrpSpPr>
-      <p:grpSpPr>
-        <a:xfrm>
-          <a:off x="0" y="0"/>
-          <a:ext cx="0" cy="0"/>
-          <a:chOff x="0" y="0"/>
-          <a:chExt cx="0" cy="0"/>
-        </a:xfrm>
-      </p:grpSpPr>
-      <p:sp>
-        <p:nvSpPr>
-          <p:cNvPr id="2" name="タイトル 1"/>
-          <p:cNvSpPr>
-            <a:spLocks noGrp="1"/>
-          </p:cNvSpPr>
-          <p:nvPr>
-            <p:ph type="title"/>
-          </p:nvPr>
-        </p:nvSpPr>
-        <p:spPr>
-          <a:xfrm>
-            <a:off x="157717" y="152474"/>
-            <a:ext cx="10515600" cy="1325563"/>
-          </a:xfrm>
-        </p:spPr>
-        <p:txBody>
-          <a:bodyPr/>
-          <a:lstStyle/>
-          <a:p>
-            <a:r>
-              <a:rPr lang="ja-JP" altLang="en-US"/>
-              <a:t>評価・考察</a:t>
-            </a:r>
-            <a:endParaRPr kumimoji="1" lang="ja-JP" altLang="en-US"/>
-          </a:p>
-        </p:txBody>
-      </p:sp>
-      <p:sp>
-        <p:nvSpPr>
-          <p:cNvPr id="3" name="コンテンツ プレースホルダー 2"/>
-          <p:cNvSpPr>
-            <a:spLocks noGrp="1"/>
-          </p:cNvSpPr>
-          <p:nvPr>
-            <p:ph idx="1"/>
-          </p:nvPr>
-        </p:nvSpPr>
-        <p:spPr/>
-        <p:txBody>
-          <a:bodyPr/>
-          <a:lstStyle/>
-          <a:p>
-            <a:r>
-              <a:rPr lang="ja-JP" altLang="en-US"/>
-              <a:t>サードパーティ</a:t>
-            </a:r>
-            <a:r>
-              <a:rPr lang="en-US" altLang="ja-JP"/>
-              <a:t> Cookie </a:t>
-            </a:r>
-            <a:r>
-              <a:rPr lang="ja-JP" altLang="en-US"/>
-              <a:t>のブロック</a:t>
-            </a:r>
-            <a:endParaRPr lang="en-US" altLang="ja-JP"/>
-          </a:p>
-          <a:p>
-            <a:r>
-              <a:rPr lang="en-US" altLang="ja-JP"/>
-              <a:t>IP</a:t>
-            </a:r>
-            <a:r>
-              <a:rPr lang="ja-JP" altLang="en-US"/>
-              <a:t> アドレスによる特定との比較</a:t>
-            </a:r>
-            <a:endParaRPr lang="en-US" altLang="ja-JP"/>
-          </a:p>
-        </p:txBody>
-      </p:sp>
-    </p:spTree>
-    <p:extLst>
-      <p:ext uri="{BB962C8B-B14F-4D97-AF65-F5344CB8AC3E}">
-        <p14:creationId xmlns:p14="http://schemas.microsoft.com/office/powerpoint/2010/main" val="1571568214"/>
-      </p:ext>
-    </p:extLst>
-  </p:cSld>
-  <p:clrMapOvr>
-    <a:masterClrMapping/>
-  </p:clrMapOvr>
-  <mc:AlternateContent xmlns:mc="http://schemas.openxmlformats.org/markup-compatibility/2006">
-    <mc:Choice xmlns:p14="http://schemas.microsoft.com/office/powerpoint/2010/main" Requires="p14">
-      <p:transition spd="slow" p14:dur="2000"/>
-    </mc:Choice>
-    <mc:Fallback>
-      <p:transition spd="slow"/>
-    </mc:Fallback>
-  </mc:AlternateContent>
-  <p:timing>
-    <p:tnLst>
-      <p:par>
-        <p:cTn id="1" dur="indefinite" restart="never" nodeType="tmRoot"/>
-      </p:par>
-    </p:tnLst>
-  </p:timing>
-</p:sld>
-</file>
-
-<file path=ppt/slides/slide13.xml><?xml version="1.0" encoding="utf-8"?>
-<p:sld xmlns:a="http://schemas.openxmlformats.org/drawingml/2006/main" xmlns:r="http://schemas.openxmlformats.org/officeDocument/2006/relationships" xmlns:p="http://schemas.openxmlformats.org/presentationml/2006/main" show="0">
-  <p:cSld>
-    <p:spTree>
-      <p:nvGrpSpPr>
-        <p:cNvPr id="1" name=""/>
-        <p:cNvGrpSpPr/>
-        <p:nvPr/>
-      </p:nvGrpSpPr>
-      <p:grpSpPr>
-        <a:xfrm>
-          <a:off x="0" y="0"/>
-          <a:ext cx="0" cy="0"/>
-          <a:chOff x="0" y="0"/>
-          <a:chExt cx="0" cy="0"/>
-        </a:xfrm>
-      </p:grpSpPr>
-      <p:pic>
-        <p:nvPicPr>
-          <p:cNvPr id="16" name="図 15"/>
-          <p:cNvPicPr>
-            <a:picLocks noChangeAspect="1"/>
-          </p:cNvPicPr>
-          <p:nvPr/>
-        </p:nvPicPr>
-        <p:blipFill>
-          <a:blip r:embed="rId3">
-            <a:extLst>
-              <a:ext uri="{28A0092B-C50C-407E-A947-70E740481C1C}">
-                <a14:useLocalDpi xmlns:a14="http://schemas.microsoft.com/office/drawing/2010/main" val="0"/>
-              </a:ext>
-            </a:extLst>
-          </a:blip>
-          <a:stretch>
-            <a:fillRect/>
-          </a:stretch>
-        </p:blipFill>
-        <p:spPr>
-          <a:xfrm>
-            <a:off x="303488" y="1758120"/>
-            <a:ext cx="7868646" cy="4282570"/>
-          </a:xfrm>
-          <a:prstGeom prst="rect">
-            <a:avLst/>
-          </a:prstGeom>
-        </p:spPr>
-      </p:pic>
-      <p:sp>
-        <p:nvSpPr>
-          <p:cNvPr id="2" name="タイトル 1"/>
-          <p:cNvSpPr>
-            <a:spLocks noGrp="1"/>
-          </p:cNvSpPr>
-          <p:nvPr>
-            <p:ph type="title"/>
-          </p:nvPr>
-        </p:nvSpPr>
-        <p:spPr>
-          <a:xfrm>
-            <a:off x="157717" y="152474"/>
-            <a:ext cx="10515600" cy="1325563"/>
-          </a:xfrm>
-        </p:spPr>
-        <p:txBody>
-          <a:bodyPr/>
-          <a:lstStyle/>
-          <a:p>
-            <a:r>
-              <a:rPr kumimoji="1" lang="ja-JP" altLang="en-US"/>
-              <a:t>サードパーティ</a:t>
-            </a:r>
-            <a:r>
-              <a:rPr kumimoji="1" lang="en-US" altLang="ja-JP"/>
-              <a:t> Cookie </a:t>
-            </a:r>
-            <a:r>
-              <a:rPr kumimoji="1" lang="ja-JP" altLang="en-US"/>
-              <a:t>のブロック</a:t>
-            </a:r>
-          </a:p>
-        </p:txBody>
-      </p:sp>
-      <p:pic>
-        <p:nvPicPr>
-          <p:cNvPr id="5" name="図 4"/>
-          <p:cNvPicPr>
-            <a:picLocks noChangeAspect="1"/>
-          </p:cNvPicPr>
-          <p:nvPr/>
-        </p:nvPicPr>
-        <p:blipFill>
-          <a:blip r:embed="rId4">
-            <a:extLst>
-              <a:ext uri="{28A0092B-C50C-407E-A947-70E740481C1C}">
-                <a14:useLocalDpi xmlns:a14="http://schemas.microsoft.com/office/drawing/2010/main" val="0"/>
-              </a:ext>
-            </a:extLst>
-          </a:blip>
-          <a:stretch>
-            <a:fillRect/>
-          </a:stretch>
-        </p:blipFill>
-        <p:spPr>
-          <a:xfrm>
-            <a:off x="11401645" y="3902734"/>
-            <a:ext cx="543245" cy="543245"/>
-          </a:xfrm>
-          <a:prstGeom prst="rect">
-            <a:avLst/>
-          </a:prstGeom>
-        </p:spPr>
-      </p:pic>
-      <p:pic>
-        <p:nvPicPr>
-          <p:cNvPr id="6" name="図 5"/>
-          <p:cNvPicPr>
-            <a:picLocks noChangeAspect="1"/>
-          </p:cNvPicPr>
-          <p:nvPr/>
-        </p:nvPicPr>
-        <p:blipFill>
-          <a:blip r:embed="rId5">
-            <a:extLst>
-              <a:ext uri="{28A0092B-C50C-407E-A947-70E740481C1C}">
-                <a14:useLocalDpi xmlns:a14="http://schemas.microsoft.com/office/drawing/2010/main" val="0"/>
-              </a:ext>
-            </a:extLst>
-          </a:blip>
-          <a:stretch>
-            <a:fillRect/>
-          </a:stretch>
-        </p:blipFill>
-        <p:spPr>
-          <a:xfrm>
-            <a:off x="10656572" y="3410808"/>
-            <a:ext cx="807097" cy="807097"/>
-          </a:xfrm>
-          <a:prstGeom prst="rect">
-            <a:avLst/>
-          </a:prstGeom>
-        </p:spPr>
-      </p:pic>
-      <p:pic>
-        <p:nvPicPr>
-          <p:cNvPr id="7" name="図 6"/>
-          <p:cNvPicPr>
-            <a:picLocks noChangeAspect="1"/>
-          </p:cNvPicPr>
-          <p:nvPr/>
-        </p:nvPicPr>
-        <p:blipFill>
-          <a:blip r:embed="rId6">
-            <a:extLst>
-              <a:ext uri="{28A0092B-C50C-407E-A947-70E740481C1C}">
-                <a14:useLocalDpi xmlns:a14="http://schemas.microsoft.com/office/drawing/2010/main" val="0"/>
-              </a:ext>
-            </a:extLst>
-          </a:blip>
-          <a:stretch>
-            <a:fillRect/>
-          </a:stretch>
-        </p:blipFill>
-        <p:spPr>
-          <a:xfrm>
-            <a:off x="6995908" y="4976851"/>
-            <a:ext cx="709235" cy="709235"/>
-          </a:xfrm>
-          <a:prstGeom prst="rect">
-            <a:avLst/>
-          </a:prstGeom>
-          <a:noFill/>
-          <a:ln w="57150">
-            <a:noFill/>
-          </a:ln>
-        </p:spPr>
-      </p:pic>
-      <p:sp>
-        <p:nvSpPr>
-          <p:cNvPr id="8" name="正方形/長方形 7"/>
-          <p:cNvSpPr/>
-          <p:nvPr/>
-        </p:nvSpPr>
-        <p:spPr>
-          <a:xfrm>
-            <a:off x="202633" y="1665487"/>
-            <a:ext cx="8070356" cy="4474491"/>
-          </a:xfrm>
-          <a:prstGeom prst="rect">
-            <a:avLst/>
-          </a:prstGeom>
-          <a:noFill/>
-          <a:ln w="57150">
-            <a:solidFill>
-              <a:srgbClr val="FF0000"/>
-            </a:solidFill>
-          </a:ln>
-        </p:spPr>
-        <p:style>
-          <a:lnRef idx="2">
-            <a:schemeClr val="accent1">
-              <a:shade val="50000"/>
-            </a:schemeClr>
-          </a:lnRef>
-          <a:fillRef idx="1">
-            <a:schemeClr val="accent1"/>
-          </a:fillRef>
-          <a:effectRef idx="0">
-            <a:schemeClr val="accent1"/>
-          </a:effectRef>
-          <a:fontRef idx="minor">
-            <a:schemeClr val="lt1"/>
-          </a:fontRef>
-        </p:style>
-        <p:txBody>
-          <a:bodyPr rtlCol="0" anchor="ctr"/>
-          <a:lstStyle/>
-          <a:p>
-            <a:pPr algn="ctr"/>
-            <a:endParaRPr kumimoji="1" lang="ja-JP" altLang="en-US"/>
-          </a:p>
-        </p:txBody>
-      </p:sp>
-      <p:sp>
-        <p:nvSpPr>
-          <p:cNvPr id="9" name="正方形/長方形 8"/>
-          <p:cNvSpPr/>
-          <p:nvPr/>
-        </p:nvSpPr>
-        <p:spPr>
-          <a:xfrm>
-            <a:off x="6860775" y="4945895"/>
-            <a:ext cx="979500" cy="762866"/>
-          </a:xfrm>
-          <a:prstGeom prst="rect">
-            <a:avLst/>
-          </a:prstGeom>
-          <a:noFill/>
-          <a:ln w="57150">
-            <a:solidFill>
-              <a:srgbClr val="FF0000"/>
-            </a:solidFill>
-          </a:ln>
-        </p:spPr>
-        <p:style>
-          <a:lnRef idx="2">
-            <a:schemeClr val="accent1">
-              <a:shade val="50000"/>
-            </a:schemeClr>
-          </a:lnRef>
-          <a:fillRef idx="1">
-            <a:schemeClr val="accent1"/>
-          </a:fillRef>
-          <a:effectRef idx="0">
-            <a:schemeClr val="accent1"/>
-          </a:effectRef>
-          <a:fontRef idx="minor">
-            <a:schemeClr val="lt1"/>
-          </a:fontRef>
-        </p:style>
-        <p:txBody>
-          <a:bodyPr rtlCol="0" anchor="ctr"/>
-          <a:lstStyle/>
-          <a:p>
-            <a:pPr algn="ctr"/>
-            <a:endParaRPr kumimoji="1" lang="ja-JP" altLang="en-US"/>
-          </a:p>
-        </p:txBody>
-      </p:sp>
-      <p:pic>
-        <p:nvPicPr>
-          <p:cNvPr id="10" name="図 9"/>
-          <p:cNvPicPr>
-            <a:picLocks noChangeAspect="1"/>
-          </p:cNvPicPr>
-          <p:nvPr/>
-        </p:nvPicPr>
-        <p:blipFill>
-          <a:blip r:embed="rId6">
-            <a:extLst>
-              <a:ext uri="{28A0092B-C50C-407E-A947-70E740481C1C}">
-                <a14:useLocalDpi xmlns:a14="http://schemas.microsoft.com/office/drawing/2010/main" val="0"/>
-              </a:ext>
-            </a:extLst>
-          </a:blip>
-          <a:stretch>
-            <a:fillRect/>
-          </a:stretch>
-        </p:blipFill>
-        <p:spPr>
-          <a:xfrm>
-            <a:off x="6505186" y="3190170"/>
-            <a:ext cx="709235" cy="709235"/>
-          </a:xfrm>
-          <a:prstGeom prst="rect">
-            <a:avLst/>
-          </a:prstGeom>
-          <a:noFill/>
-          <a:ln w="57150">
-            <a:noFill/>
-          </a:ln>
-        </p:spPr>
-      </p:pic>
-      <p:sp>
-        <p:nvSpPr>
-          <p:cNvPr id="11" name="正方形/長方形 10"/>
-          <p:cNvSpPr/>
-          <p:nvPr/>
-        </p:nvSpPr>
-        <p:spPr>
-          <a:xfrm>
-            <a:off x="6364391" y="3163183"/>
-            <a:ext cx="990824" cy="763207"/>
-          </a:xfrm>
-          <a:prstGeom prst="rect">
-            <a:avLst/>
-          </a:prstGeom>
-          <a:noFill/>
-          <a:ln w="57150">
-            <a:solidFill>
-              <a:srgbClr val="0070C0"/>
-            </a:solidFill>
-          </a:ln>
-        </p:spPr>
-        <p:style>
-          <a:lnRef idx="2">
-            <a:schemeClr val="accent1">
-              <a:shade val="50000"/>
-            </a:schemeClr>
-          </a:lnRef>
-          <a:fillRef idx="1">
-            <a:schemeClr val="accent1"/>
-          </a:fillRef>
-          <a:effectRef idx="0">
-            <a:schemeClr val="accent1"/>
-          </a:effectRef>
-          <a:fontRef idx="minor">
-            <a:schemeClr val="lt1"/>
-          </a:fontRef>
-        </p:style>
-        <p:txBody>
-          <a:bodyPr rtlCol="0" anchor="ctr"/>
-          <a:lstStyle/>
-          <a:p>
-            <a:pPr algn="ctr"/>
-            <a:endParaRPr kumimoji="1" lang="ja-JP" altLang="en-US">
-              <a:solidFill>
-                <a:srgbClr val="FF0000"/>
-              </a:solidFill>
-            </a:endParaRPr>
-          </a:p>
-        </p:txBody>
-      </p:sp>
-      <p:sp>
-        <p:nvSpPr>
-          <p:cNvPr id="12" name="正方形/長方形 11"/>
-          <p:cNvSpPr/>
-          <p:nvPr/>
-        </p:nvSpPr>
-        <p:spPr>
-          <a:xfrm>
-            <a:off x="5764535" y="2712332"/>
-            <a:ext cx="2156721" cy="330354"/>
-          </a:xfrm>
-          <a:prstGeom prst="rect">
-            <a:avLst/>
-          </a:prstGeom>
-          <a:noFill/>
-          <a:ln w="57150">
-            <a:solidFill>
-              <a:srgbClr val="0070C0"/>
-            </a:solidFill>
-          </a:ln>
-        </p:spPr>
-        <p:style>
-          <a:lnRef idx="2">
-            <a:schemeClr val="accent1">
-              <a:shade val="50000"/>
-            </a:schemeClr>
-          </a:lnRef>
-          <a:fillRef idx="1">
-            <a:schemeClr val="accent1"/>
-          </a:fillRef>
-          <a:effectRef idx="0">
-            <a:schemeClr val="accent1"/>
-          </a:effectRef>
-          <a:fontRef idx="minor">
-            <a:schemeClr val="lt1"/>
-          </a:fontRef>
-        </p:style>
-        <p:txBody>
-          <a:bodyPr rtlCol="0" anchor="ctr"/>
-          <a:lstStyle/>
-          <a:p>
-            <a:pPr algn="ctr"/>
-            <a:endParaRPr kumimoji="1" lang="ja-JP" altLang="en-US">
-              <a:solidFill>
-                <a:srgbClr val="FF0000"/>
-              </a:solidFill>
-            </a:endParaRPr>
-          </a:p>
-        </p:txBody>
-      </p:sp>
-      <p:cxnSp>
-        <p:nvCxnSpPr>
-          <p:cNvPr id="13" name="直線矢印コネクタ 12"/>
-          <p:cNvCxnSpPr/>
-          <p:nvPr/>
-        </p:nvCxnSpPr>
-        <p:spPr>
-          <a:xfrm flipH="1" flipV="1">
-            <a:off x="7426967" y="3525352"/>
-            <a:ext cx="3131164" cy="313002"/>
-          </a:xfrm>
-          <a:prstGeom prst="straightConnector1">
-            <a:avLst/>
-          </a:prstGeom>
-          <a:ln w="57150">
-            <a:solidFill>
-              <a:srgbClr val="0070C0"/>
-            </a:solidFill>
-            <a:tailEnd type="triangle"/>
-          </a:ln>
-        </p:spPr>
-        <p:style>
-          <a:lnRef idx="1">
-            <a:schemeClr val="accent1"/>
-          </a:lnRef>
-          <a:fillRef idx="0">
-            <a:schemeClr val="accent1"/>
-          </a:fillRef>
-          <a:effectRef idx="0">
-            <a:schemeClr val="accent1"/>
-          </a:effectRef>
-          <a:fontRef idx="minor">
-            <a:schemeClr val="tx1"/>
-          </a:fontRef>
-        </p:style>
-      </p:cxnSp>
-      <p:cxnSp>
-        <p:nvCxnSpPr>
-          <p:cNvPr id="14" name="直線矢印コネクタ 13"/>
-          <p:cNvCxnSpPr/>
-          <p:nvPr/>
-        </p:nvCxnSpPr>
-        <p:spPr>
-          <a:xfrm flipH="1">
-            <a:off x="7905214" y="4174356"/>
-            <a:ext cx="2751358" cy="1112781"/>
-          </a:xfrm>
-          <a:prstGeom prst="straightConnector1">
-            <a:avLst/>
-          </a:prstGeom>
-          <a:ln w="57150">
-            <a:solidFill>
-              <a:srgbClr val="FF0000"/>
-            </a:solidFill>
-            <a:tailEnd type="triangle"/>
-          </a:ln>
-        </p:spPr>
-        <p:style>
-          <a:lnRef idx="1">
-            <a:schemeClr val="accent1"/>
-          </a:lnRef>
-          <a:fillRef idx="0">
-            <a:schemeClr val="accent1"/>
-          </a:fillRef>
-          <a:effectRef idx="0">
-            <a:schemeClr val="accent1"/>
-          </a:effectRef>
-          <a:fontRef idx="minor">
-            <a:schemeClr val="tx1"/>
-          </a:fontRef>
-        </p:style>
-      </p:cxnSp>
-      <p:sp>
-        <p:nvSpPr>
-          <p:cNvPr id="15" name="テキスト ボックス 14"/>
-          <p:cNvSpPr txBox="1"/>
-          <p:nvPr/>
-        </p:nvSpPr>
-        <p:spPr>
-          <a:xfrm>
-            <a:off x="8697757" y="3045207"/>
-            <a:ext cx="1800493" cy="646331"/>
-          </a:xfrm>
-          <a:prstGeom prst="rect">
-            <a:avLst/>
-          </a:prstGeom>
-          <a:noFill/>
-        </p:spPr>
-        <p:txBody>
-          <a:bodyPr wrap="none" rtlCol="0">
-            <a:spAutoFit/>
-          </a:bodyPr>
-          <a:lstStyle/>
-          <a:p>
-            <a:r>
-              <a:rPr kumimoji="1" lang="ja-JP" altLang="en-US" b="1">
-                <a:solidFill>
-                  <a:srgbClr val="0070C0"/>
-                </a:solidFill>
-              </a:rPr>
-              <a:t>サードパーティ</a:t>
-            </a:r>
-            <a:endParaRPr lang="en-US" altLang="ja-JP" b="1">
-              <a:solidFill>
-                <a:srgbClr val="0070C0"/>
-              </a:solidFill>
-            </a:endParaRPr>
-          </a:p>
-          <a:p>
-            <a:r>
-              <a:rPr kumimoji="1" lang="en-US" altLang="ja-JP" b="1">
-                <a:solidFill>
-                  <a:srgbClr val="0070C0"/>
-                </a:solidFill>
-              </a:rPr>
-              <a:t>Cookie</a:t>
-            </a:r>
-            <a:endParaRPr kumimoji="1" lang="ja-JP" altLang="en-US" b="1">
-              <a:solidFill>
-                <a:srgbClr val="0070C0"/>
-              </a:solidFill>
-            </a:endParaRPr>
-          </a:p>
-        </p:txBody>
-      </p:sp>
-      <p:sp>
-        <p:nvSpPr>
-          <p:cNvPr id="17" name="テキスト ボックス 16"/>
-          <p:cNvSpPr txBox="1"/>
-          <p:nvPr/>
-        </p:nvSpPr>
-        <p:spPr>
-          <a:xfrm>
-            <a:off x="8797962" y="4881193"/>
-            <a:ext cx="2262158" cy="646331"/>
-          </a:xfrm>
-          <a:prstGeom prst="rect">
-            <a:avLst/>
-          </a:prstGeom>
-          <a:noFill/>
-        </p:spPr>
-        <p:txBody>
-          <a:bodyPr wrap="none" rtlCol="0">
-            <a:spAutoFit/>
-          </a:bodyPr>
-          <a:lstStyle/>
-          <a:p>
-            <a:r>
-              <a:rPr lang="ja-JP" altLang="en-US" b="1">
-                <a:solidFill>
-                  <a:srgbClr val="FF0000"/>
-                </a:solidFill>
-              </a:rPr>
-              <a:t>ファースト</a:t>
-            </a:r>
-            <a:r>
-              <a:rPr kumimoji="1" lang="ja-JP" altLang="en-US" b="1">
-                <a:solidFill>
-                  <a:srgbClr val="FF0000"/>
-                </a:solidFill>
-              </a:rPr>
-              <a:t>パーティ</a:t>
-            </a:r>
-            <a:endParaRPr lang="en-US" altLang="ja-JP" b="1">
-              <a:solidFill>
-                <a:srgbClr val="FF0000"/>
-              </a:solidFill>
-            </a:endParaRPr>
-          </a:p>
-          <a:p>
-            <a:r>
-              <a:rPr kumimoji="1" lang="en-US" altLang="ja-JP" b="1">
-                <a:solidFill>
-                  <a:srgbClr val="FF0000"/>
-                </a:solidFill>
-              </a:rPr>
-              <a:t>Cookie</a:t>
-            </a:r>
-            <a:endParaRPr kumimoji="1" lang="ja-JP" altLang="en-US" b="1">
-              <a:solidFill>
-                <a:srgbClr val="FF0000"/>
-              </a:solidFill>
-            </a:endParaRPr>
-          </a:p>
-        </p:txBody>
-      </p:sp>
-      <p:pic>
-        <p:nvPicPr>
-          <p:cNvPr id="22" name="図 21"/>
-          <p:cNvPicPr>
-            <a:picLocks noChangeAspect="1"/>
-          </p:cNvPicPr>
-          <p:nvPr/>
-        </p:nvPicPr>
-        <p:blipFill>
-          <a:blip r:embed="rId7">
-            <a:extLst>
-              <a:ext uri="{28A0092B-C50C-407E-A947-70E740481C1C}">
-                <a14:useLocalDpi xmlns:a14="http://schemas.microsoft.com/office/drawing/2010/main" val="0"/>
-              </a:ext>
-            </a:extLst>
-          </a:blip>
-          <a:stretch>
-            <a:fillRect/>
-          </a:stretch>
-        </p:blipFill>
-        <p:spPr>
-          <a:xfrm>
-            <a:off x="8640297" y="2751599"/>
-            <a:ext cx="1318418" cy="1318418"/>
-          </a:xfrm>
-          <a:prstGeom prst="rect">
-            <a:avLst/>
-          </a:prstGeom>
-        </p:spPr>
-      </p:pic>
-      <p:sp>
-        <p:nvSpPr>
-          <p:cNvPr id="25" name="テキスト ボックス 24"/>
-          <p:cNvSpPr txBox="1"/>
-          <p:nvPr/>
-        </p:nvSpPr>
-        <p:spPr>
-          <a:xfrm>
-            <a:off x="8748714" y="2351489"/>
-            <a:ext cx="1101584" cy="400110"/>
-          </a:xfrm>
-          <a:prstGeom prst="rect">
-            <a:avLst/>
-          </a:prstGeom>
-          <a:noFill/>
-        </p:spPr>
-        <p:txBody>
-          <a:bodyPr wrap="none" rtlCol="0">
-            <a:spAutoFit/>
-          </a:bodyPr>
-          <a:lstStyle/>
-          <a:p>
-            <a:pPr algn="ctr"/>
-            <a:r>
-              <a:rPr kumimoji="1" lang="en-US" altLang="ja-JP" sz="2000" b="1">
-                <a:solidFill>
-                  <a:srgbClr val="4B4B4B"/>
-                </a:solidFill>
-                <a:latin typeface="Open Sans" charset="0"/>
-                <a:ea typeface="Open Sans" charset="0"/>
-                <a:cs typeface="Open Sans" charset="0"/>
-              </a:rPr>
-              <a:t>BLOCK!</a:t>
-            </a:r>
-            <a:endParaRPr kumimoji="1" lang="ja-JP" altLang="en-US" sz="2000" b="1">
-              <a:solidFill>
-                <a:srgbClr val="4B4B4B"/>
-              </a:solidFill>
-              <a:latin typeface="Open Sans" charset="0"/>
-              <a:ea typeface="Open Sans" charset="0"/>
-              <a:cs typeface="Open Sans" charset="0"/>
-            </a:endParaRPr>
-          </a:p>
-        </p:txBody>
-      </p:sp>
-      <p:sp>
-        <p:nvSpPr>
-          <p:cNvPr id="3" name="テキスト ボックス 2"/>
-          <p:cNvSpPr txBox="1"/>
-          <p:nvPr/>
-        </p:nvSpPr>
-        <p:spPr>
-          <a:xfrm>
-            <a:off x="6545366" y="3926390"/>
-            <a:ext cx="603050" cy="369332"/>
-          </a:xfrm>
-          <a:prstGeom prst="rect">
-            <a:avLst/>
-          </a:prstGeom>
-          <a:noFill/>
-        </p:spPr>
-        <p:txBody>
-          <a:bodyPr wrap="none" rtlCol="0">
-            <a:spAutoFit/>
-          </a:bodyPr>
-          <a:lstStyle/>
-          <a:p>
-            <a:r>
-              <a:rPr kumimoji="1" lang="en-US" altLang="ja-JP" b="1">
-                <a:latin typeface="Menlo" charset="0"/>
-                <a:ea typeface="Menlo" charset="0"/>
-                <a:cs typeface="Menlo" charset="0"/>
-              </a:rPr>
-              <a:t>SNS</a:t>
-            </a:r>
-            <a:endParaRPr kumimoji="1" lang="ja-JP" altLang="en-US" b="1">
-              <a:latin typeface="Menlo" charset="0"/>
-              <a:ea typeface="Menlo" charset="0"/>
-              <a:cs typeface="Menlo" charset="0"/>
-            </a:endParaRPr>
-          </a:p>
-        </p:txBody>
-      </p:sp>
-      <p:sp>
-        <p:nvSpPr>
-          <p:cNvPr id="19" name="テキスト ボックス 18"/>
-          <p:cNvSpPr txBox="1"/>
-          <p:nvPr/>
-        </p:nvSpPr>
-        <p:spPr>
-          <a:xfrm>
-            <a:off x="6911943" y="5707058"/>
-            <a:ext cx="877163" cy="369332"/>
-          </a:xfrm>
-          <a:prstGeom prst="rect">
-            <a:avLst/>
-          </a:prstGeom>
-          <a:noFill/>
-        </p:spPr>
-        <p:txBody>
-          <a:bodyPr wrap="none" rtlCol="0">
-            <a:spAutoFit/>
-          </a:bodyPr>
-          <a:lstStyle/>
-          <a:p>
-            <a:r>
-              <a:rPr lang="ja-JP" altLang="en-US" b="1">
-                <a:latin typeface="+mn-ea"/>
-                <a:cs typeface="Menlo" charset="0"/>
-              </a:rPr>
-              <a:t>掲示板</a:t>
-            </a:r>
-            <a:endParaRPr kumimoji="1" lang="ja-JP" altLang="en-US" b="1">
-              <a:latin typeface="+mn-ea"/>
-              <a:cs typeface="Menlo" charset="0"/>
-            </a:endParaRPr>
-          </a:p>
-        </p:txBody>
-      </p:sp>
-    </p:spTree>
-    <p:extLst>
-      <p:ext uri="{BB962C8B-B14F-4D97-AF65-F5344CB8AC3E}">
-        <p14:creationId xmlns:p14="http://schemas.microsoft.com/office/powerpoint/2010/main" val="352469839"/>
-      </p:ext>
-    </p:extLst>
-  </p:cSld>
-  <p:clrMapOvr>
-    <a:masterClrMapping/>
-  </p:clrMapOvr>
-  <mc:AlternateContent xmlns:mc="http://schemas.openxmlformats.org/markup-compatibility/2006">
-    <mc:Choice xmlns:p14="http://schemas.microsoft.com/office/powerpoint/2010/main" Requires="p14">
-      <p:transition spd="slow" p14:dur="2000"/>
-    </mc:Choice>
-    <mc:Fallback>
-      <p:transition spd="slow"/>
-    </mc:Fallback>
-  </mc:AlternateContent>
-  <p:timing>
-    <p:tnLst>
-      <p:par>
-        <p:cTn id="1" dur="indefinite" restart="never" nodeType="tmRoot">
-          <p:childTnLst>
-            <p:seq concurrent="1" nextAc="seek">
-              <p:cTn id="2" dur="indefinite" nodeType="mainSeq">
-                <p:childTnLst>
-                  <p:par>
-                    <p:cTn id="3" fill="hold">
-                      <p:stCondLst>
-                        <p:cond delay="indefinite"/>
-                      </p:stCondLst>
-                      <p:childTnLst>
-                        <p:par>
-                          <p:cTn id="4" fill="hold">
-                            <p:stCondLst>
-                              <p:cond delay="0"/>
-                            </p:stCondLst>
-                            <p:childTnLst>
-                              <p:par>
-                                <p:cTn id="5" presetID="53" presetClass="entr" presetSubtype="16" fill="hold" nodeType="clickEffect">
-                                  <p:stCondLst>
-                                    <p:cond delay="0"/>
-                                  </p:stCondLst>
-                                  <p:childTnLst>
-                                    <p:set>
-                                      <p:cBhvr>
-                                        <p:cTn id="6" dur="1" fill="hold">
-                                          <p:stCondLst>
-                                            <p:cond delay="0"/>
-                                          </p:stCondLst>
-                                        </p:cTn>
-                                        <p:tgtEl>
-                                          <p:spTgt spid="22"/>
-                                        </p:tgtEl>
-                                        <p:attrNameLst>
-                                          <p:attrName>style.visibility</p:attrName>
-                                        </p:attrNameLst>
-                                      </p:cBhvr>
-                                      <p:to>
-                                        <p:strVal val="visible"/>
-                                      </p:to>
-                                    </p:set>
-                                    <p:anim calcmode="lin" valueType="num">
-                                      <p:cBhvr>
-                                        <p:cTn id="7" dur="500" fill="hold"/>
-                                        <p:tgtEl>
-                                          <p:spTgt spid="22"/>
-                                        </p:tgtEl>
-                                        <p:attrNameLst>
-                                          <p:attrName>ppt_w</p:attrName>
-                                        </p:attrNameLst>
-                                      </p:cBhvr>
-                                      <p:tavLst>
-                                        <p:tav tm="0">
-                                          <p:val>
-                                            <p:fltVal val="0"/>
-                                          </p:val>
-                                        </p:tav>
-                                        <p:tav tm="100000">
-                                          <p:val>
-                                            <p:strVal val="#ppt_w"/>
-                                          </p:val>
-                                        </p:tav>
-                                      </p:tavLst>
-                                    </p:anim>
-                                    <p:anim calcmode="lin" valueType="num">
-                                      <p:cBhvr>
-                                        <p:cTn id="8" dur="500" fill="hold"/>
-                                        <p:tgtEl>
-                                          <p:spTgt spid="22"/>
-                                        </p:tgtEl>
-                                        <p:attrNameLst>
-                                          <p:attrName>ppt_h</p:attrName>
-                                        </p:attrNameLst>
-                                      </p:cBhvr>
-                                      <p:tavLst>
-                                        <p:tav tm="0">
-                                          <p:val>
-                                            <p:fltVal val="0"/>
-                                          </p:val>
-                                        </p:tav>
-                                        <p:tav tm="100000">
-                                          <p:val>
-                                            <p:strVal val="#ppt_h"/>
-                                          </p:val>
-                                        </p:tav>
-                                      </p:tavLst>
-                                    </p:anim>
-                                    <p:animEffect transition="in" filter="fade">
-                                      <p:cBhvr>
-                                        <p:cTn id="9" dur="500"/>
-                                        <p:tgtEl>
-                                          <p:spTgt spid="22"/>
-                                        </p:tgtEl>
-                                      </p:cBhvr>
-                                    </p:animEffect>
-                                  </p:childTnLst>
-                                </p:cTn>
-                              </p:par>
-                              <p:par>
-                                <p:cTn id="10" presetID="53" presetClass="entr" presetSubtype="16" fill="hold" grpId="0" nodeType="withEffect">
-                                  <p:stCondLst>
-                                    <p:cond delay="0"/>
-                                  </p:stCondLst>
-                                  <p:childTnLst>
-                                    <p:set>
-                                      <p:cBhvr>
-                                        <p:cTn id="11" dur="1" fill="hold">
-                                          <p:stCondLst>
-                                            <p:cond delay="0"/>
-                                          </p:stCondLst>
-                                        </p:cTn>
-                                        <p:tgtEl>
-                                          <p:spTgt spid="25"/>
-                                        </p:tgtEl>
-                                        <p:attrNameLst>
-                                          <p:attrName>style.visibility</p:attrName>
-                                        </p:attrNameLst>
-                                      </p:cBhvr>
-                                      <p:to>
-                                        <p:strVal val="visible"/>
-                                      </p:to>
-                                    </p:set>
-                                    <p:anim calcmode="lin" valueType="num">
-                                      <p:cBhvr>
-                                        <p:cTn id="12" dur="500" fill="hold"/>
-                                        <p:tgtEl>
-                                          <p:spTgt spid="25"/>
-                                        </p:tgtEl>
-                                        <p:attrNameLst>
-                                          <p:attrName>ppt_w</p:attrName>
-                                        </p:attrNameLst>
-                                      </p:cBhvr>
-                                      <p:tavLst>
-                                        <p:tav tm="0">
-                                          <p:val>
-                                            <p:fltVal val="0"/>
-                                          </p:val>
-                                        </p:tav>
-                                        <p:tav tm="100000">
-                                          <p:val>
-                                            <p:strVal val="#ppt_w"/>
-                                          </p:val>
-                                        </p:tav>
-                                      </p:tavLst>
-                                    </p:anim>
-                                    <p:anim calcmode="lin" valueType="num">
-                                      <p:cBhvr>
-                                        <p:cTn id="13" dur="500" fill="hold"/>
-                                        <p:tgtEl>
-                                          <p:spTgt spid="25"/>
-                                        </p:tgtEl>
-                                        <p:attrNameLst>
-                                          <p:attrName>ppt_h</p:attrName>
-                                        </p:attrNameLst>
-                                      </p:cBhvr>
-                                      <p:tavLst>
-                                        <p:tav tm="0">
-                                          <p:val>
-                                            <p:fltVal val="0"/>
-                                          </p:val>
-                                        </p:tav>
-                                        <p:tav tm="100000">
-                                          <p:val>
-                                            <p:strVal val="#ppt_h"/>
-                                          </p:val>
-                                        </p:tav>
-                                      </p:tavLst>
-                                    </p:anim>
-                                    <p:animEffect transition="in" filter="fade">
-                                      <p:cBhvr>
-                                        <p:cTn id="14" dur="500"/>
-                                        <p:tgtEl>
-                                          <p:spTgt spid="25"/>
-                                        </p:tgtEl>
-                                      </p:cBhvr>
-                                    </p:animEffect>
-                                  </p:childTnLst>
-                                </p:cTn>
-                              </p:par>
-                            </p:childTnLst>
-                          </p:cTn>
-                        </p:par>
-                      </p:childTnLst>
-                    </p:cTn>
-                  </p:par>
-                </p:childTnLst>
-              </p:cTn>
-              <p:prevCondLst>
-                <p:cond evt="onPrev" delay="0">
-                  <p:tgtEl>
-                    <p:sldTgt/>
-                  </p:tgtEl>
-                </p:cond>
-              </p:prevCondLst>
-              <p:nextCondLst>
-                <p:cond evt="onNext" delay="0">
-                  <p:tgtEl>
-                    <p:sldTgt/>
-                  </p:tgtEl>
-                </p:cond>
-              </p:nextCondLst>
-            </p:seq>
-          </p:childTnLst>
-        </p:cTn>
-      </p:par>
-    </p:tnLst>
-    <p:bldLst>
-      <p:bldP spid="25" grpId="0"/>
-    </p:bldLst>
-  </p:timing>
-</p:sld>
-</file>
-
-<file path=ppt/slides/slide14.xml><?xml version="1.0" encoding="utf-8"?>
-<p:sld xmlns:a="http://schemas.openxmlformats.org/drawingml/2006/main" xmlns:r="http://schemas.openxmlformats.org/officeDocument/2006/relationships" xmlns:p="http://schemas.openxmlformats.org/presentationml/2006/main" show="0">
-  <p:cSld>
-    <p:spTree>
-      <p:nvGrpSpPr>
-        <p:cNvPr id="1" name=""/>
-        <p:cNvGrpSpPr/>
-        <p:nvPr/>
-      </p:nvGrpSpPr>
-      <p:grpSpPr>
-        <a:xfrm>
-          <a:off x="0" y="0"/>
-          <a:ext cx="0" cy="0"/>
-          <a:chOff x="0" y="0"/>
-          <a:chExt cx="0" cy="0"/>
-        </a:xfrm>
-      </p:grpSpPr>
-      <p:sp>
-        <p:nvSpPr>
-          <p:cNvPr id="2" name="タイトル 1"/>
-          <p:cNvSpPr>
-            <a:spLocks noGrp="1"/>
-          </p:cNvSpPr>
-          <p:nvPr>
-            <p:ph type="title"/>
-          </p:nvPr>
-        </p:nvSpPr>
-        <p:spPr>
-          <a:xfrm>
-            <a:off x="157717" y="152474"/>
-            <a:ext cx="10515600" cy="1325563"/>
-          </a:xfrm>
-        </p:spPr>
-        <p:txBody>
-          <a:bodyPr/>
-          <a:lstStyle/>
-          <a:p>
-            <a:r>
-              <a:rPr kumimoji="1" lang="en-US" altLang="ja-JP"/>
-              <a:t>IP </a:t>
-            </a:r>
-            <a:r>
-              <a:rPr kumimoji="1" lang="ja-JP" altLang="en-US"/>
-              <a:t>アドレスによる特定との比較</a:t>
-            </a:r>
-          </a:p>
-        </p:txBody>
-      </p:sp>
-      <p:graphicFrame>
-        <p:nvGraphicFramePr>
-          <p:cNvPr id="4" name="グラフ 3"/>
-          <p:cNvGraphicFramePr/>
-          <p:nvPr>
-            <p:extLst>
-              <p:ext uri="{D42A27DB-BD31-4B8C-83A1-F6EECF244321}">
-                <p14:modId xmlns:p14="http://schemas.microsoft.com/office/powerpoint/2010/main" val="291131170"/>
-              </p:ext>
-            </p:extLst>
-          </p:nvPr>
-        </p:nvGraphicFramePr>
-        <p:xfrm>
-          <a:off x="-875341" y="1187497"/>
-          <a:ext cx="8128000" cy="5418667"/>
-        </p:xfrm>
-        <a:graphic>
-          <a:graphicData uri="http://schemas.openxmlformats.org/drawingml/2006/chart">
-            <c:chart xmlns:c="http://schemas.openxmlformats.org/drawingml/2006/chart" xmlns:r="http://schemas.openxmlformats.org/officeDocument/2006/relationships" r:id="rId3"/>
-          </a:graphicData>
-        </a:graphic>
-      </p:graphicFrame>
-      <p:graphicFrame>
-        <p:nvGraphicFramePr>
-          <p:cNvPr id="7" name="グラフ 6"/>
-          <p:cNvGraphicFramePr/>
-          <p:nvPr>
-            <p:extLst>
-              <p:ext uri="{D42A27DB-BD31-4B8C-83A1-F6EECF244321}">
-                <p14:modId xmlns:p14="http://schemas.microsoft.com/office/powerpoint/2010/main" val="388456276"/>
-              </p:ext>
-            </p:extLst>
-          </p:nvPr>
-        </p:nvGraphicFramePr>
-        <p:xfrm>
-          <a:off x="4689031" y="1180641"/>
-          <a:ext cx="8128000" cy="5418667"/>
-        </p:xfrm>
-        <a:graphic>
-          <a:graphicData uri="http://schemas.openxmlformats.org/drawingml/2006/chart">
-            <c:chart xmlns:c="http://schemas.openxmlformats.org/drawingml/2006/chart" xmlns:r="http://schemas.openxmlformats.org/officeDocument/2006/relationships" r:id="rId4"/>
-          </a:graphicData>
-        </a:graphic>
-      </p:graphicFrame>
-    </p:spTree>
-    <p:extLst>
-      <p:ext uri="{BB962C8B-B14F-4D97-AF65-F5344CB8AC3E}">
-        <p14:creationId xmlns:p14="http://schemas.microsoft.com/office/powerpoint/2010/main" val="1213178614"/>
-      </p:ext>
-    </p:extLst>
-  </p:cSld>
-  <p:clrMapOvr>
-    <a:masterClrMapping/>
-  </p:clrMapOvr>
-  <mc:AlternateContent xmlns:mc="http://schemas.openxmlformats.org/markup-compatibility/2006">
-    <mc:Choice xmlns:p14="http://schemas.microsoft.com/office/powerpoint/2010/main" Requires="p14">
-      <p:transition spd="slow" p14:dur="2000"/>
-    </mc:Choice>
-    <mc:Fallback>
-      <p:transition spd="slow"/>
-    </mc:Fallback>
-  </mc:AlternateContent>
-  <p:timing>
-    <p:tnLst>
-      <p:par>
-        <p:cTn id="1" dur="indefinite" restart="never" nodeType="tmRoot"/>
-      </p:par>
-    </p:tnLst>
-  </p:timing>
-</p:sld>
-</file>
-
-<file path=ppt/slides/slide15.xml><?xml version="1.0" encoding="utf-8"?>
-<p:sld xmlns:a="http://schemas.openxmlformats.org/drawingml/2006/main" xmlns:r="http://schemas.openxmlformats.org/officeDocument/2006/relationships" xmlns:p="http://schemas.openxmlformats.org/presentationml/2006/main">
-  <p:cSld>
-    <p:spTree>
-      <p:nvGrpSpPr>
-        <p:cNvPr id="1" name=""/>
-        <p:cNvGrpSpPr/>
-        <p:nvPr/>
-      </p:nvGrpSpPr>
-      <p:grpSpPr>
-        <a:xfrm>
-          <a:off x="0" y="0"/>
-          <a:ext cx="0" cy="0"/>
-          <a:chOff x="0" y="0"/>
-          <a:chExt cx="0" cy="0"/>
-        </a:xfrm>
-      </p:grpSpPr>
-      <p:sp>
-        <p:nvSpPr>
-          <p:cNvPr id="2" name="タイトル 1"/>
-          <p:cNvSpPr>
-            <a:spLocks noGrp="1"/>
-          </p:cNvSpPr>
-          <p:nvPr>
-            <p:ph type="title"/>
-          </p:nvPr>
-        </p:nvSpPr>
-        <p:spPr>
-          <a:xfrm>
-            <a:off x="157717" y="152474"/>
-            <a:ext cx="10515600" cy="1325563"/>
-          </a:xfrm>
-        </p:spPr>
-        <p:txBody>
-          <a:bodyPr/>
-          <a:lstStyle/>
-          <a:p>
-            <a:r>
-              <a:rPr kumimoji="1" lang="ja-JP" altLang="en-US"/>
-              <a:t>まとめ</a:t>
-            </a:r>
-          </a:p>
-        </p:txBody>
-      </p:sp>
-      <p:sp>
-        <p:nvSpPr>
-          <p:cNvPr id="3" name="コンテンツ プレースホルダー 2"/>
-          <p:cNvSpPr>
-            <a:spLocks noGrp="1"/>
-          </p:cNvSpPr>
-          <p:nvPr>
-            <p:ph idx="1"/>
-          </p:nvPr>
-        </p:nvSpPr>
-        <p:spPr>
-          <a:xfrm>
-            <a:off x="838200" y="1378800"/>
-            <a:ext cx="10515600" cy="4351338"/>
-          </a:xfrm>
-        </p:spPr>
-        <p:txBody>
-          <a:bodyPr/>
-          <a:lstStyle/>
-          <a:p>
-            <a:pPr>
-              <a:lnSpc>
-                <a:spcPct val="150000"/>
-              </a:lnSpc>
-            </a:pPr>
-            <a:r>
-              <a:rPr lang="en-US" altLang="ja-JP"/>
-              <a:t>IP </a:t>
-            </a:r>
-            <a:r>
-              <a:rPr lang="ja-JP" altLang="en-US"/>
-              <a:t>アドレスによる特定が困難な場合でも有効</a:t>
-            </a:r>
-            <a:endParaRPr lang="en-US" altLang="ja-JP"/>
-          </a:p>
-          <a:p>
-            <a:pPr>
-              <a:lnSpc>
-                <a:spcPct val="150000"/>
-              </a:lnSpc>
-            </a:pPr>
-            <a:r>
-              <a:rPr lang="ja-JP" altLang="en-US"/>
-              <a:t>サードパーティ</a:t>
-            </a:r>
-            <a:r>
-              <a:rPr lang="en-US" altLang="ja-JP"/>
-              <a:t> Cookie </a:t>
-            </a:r>
-            <a:r>
-              <a:rPr lang="ja-JP" altLang="en-US"/>
-              <a:t>がブロックされると特定が困難</a:t>
-            </a:r>
-            <a:endParaRPr lang="en-US" altLang="ja-JP"/>
-          </a:p>
-        </p:txBody>
-      </p:sp>
-    </p:spTree>
-    <p:extLst>
-      <p:ext uri="{BB962C8B-B14F-4D97-AF65-F5344CB8AC3E}">
-        <p14:creationId xmlns:p14="http://schemas.microsoft.com/office/powerpoint/2010/main" val="1108704695"/>
-      </p:ext>
-    </p:extLst>
-  </p:cSld>
-  <p:clrMapOvr>
-    <a:masterClrMapping/>
-  </p:clrMapOvr>
-  <mc:AlternateContent xmlns:mc="http://schemas.openxmlformats.org/markup-compatibility/2006">
-    <mc:Choice xmlns:p14="http://schemas.microsoft.com/office/powerpoint/2010/main" Requires="p14">
-      <p:transition spd="slow" p14:dur="2000"/>
-    </mc:Choice>
-    <mc:Fallback>
-      <p:transition spd="slow"/>
-    </mc:Fallback>
-  </mc:AlternateContent>
-  <p:timing>
-    <p:tnLst>
-      <p:par>
-        <p:cTn id="1" dur="indefinite" restart="never" nodeType="tmRoot"/>
-      </p:par>
-    </p:tnLst>
-  </p:timing>
-</p:sld>
-</file>
-
-<file path=ppt/slides/slide2.xml><?xml version="1.0" encoding="utf-8"?>
-<p:sld xmlns:a="http://schemas.openxmlformats.org/drawingml/2006/main" xmlns:r="http://schemas.openxmlformats.org/officeDocument/2006/relationships" xmlns:p="http://schemas.openxmlformats.org/presentationml/2006/main" show="0">
-  <p:cSld>
-    <p:spTree>
-      <p:nvGrpSpPr>
-        <p:cNvPr id="1" name=""/>
-        <p:cNvGrpSpPr/>
-        <p:nvPr/>
-      </p:nvGrpSpPr>
-      <p:grpSpPr>
-        <a:xfrm>
-          <a:off x="0" y="0"/>
-          <a:ext cx="0" cy="0"/>
-          <a:chOff x="0" y="0"/>
-          <a:chExt cx="0" cy="0"/>
-        </a:xfrm>
-      </p:grpSpPr>
-      <p:sp>
-        <p:nvSpPr>
-          <p:cNvPr id="2" name="タイトル 1"/>
-          <p:cNvSpPr>
-            <a:spLocks noGrp="1"/>
-          </p:cNvSpPr>
-          <p:nvPr>
-            <p:ph type="title"/>
-          </p:nvPr>
-        </p:nvSpPr>
-        <p:spPr>
-          <a:xfrm>
-            <a:off x="158400" y="151200"/>
-            <a:ext cx="10515600" cy="1325563"/>
-          </a:xfrm>
-        </p:spPr>
-        <p:txBody>
-          <a:bodyPr/>
-          <a:lstStyle/>
-          <a:p>
-            <a:r>
-              <a:rPr lang="ja-JP" altLang="en-US"/>
-              <a:t>研究概要</a:t>
-            </a:r>
-            <a:endParaRPr kumimoji="1" lang="ja-JP" altLang="en-US"/>
-          </a:p>
-        </p:txBody>
-      </p:sp>
-      <p:sp>
-        <p:nvSpPr>
-          <p:cNvPr id="3" name="コンテンツ プレースホルダー 2"/>
-          <p:cNvSpPr>
-            <a:spLocks noGrp="1"/>
-          </p:cNvSpPr>
-          <p:nvPr>
-            <p:ph idx="1"/>
-          </p:nvPr>
-        </p:nvSpPr>
-        <p:spPr/>
-        <p:txBody>
-          <a:bodyPr/>
-          <a:lstStyle/>
-          <a:p>
-            <a:r>
-              <a:rPr kumimoji="1" lang="ja-JP" altLang="en-US"/>
-              <a:t>サイバー犯罪における犯人を特定する研究</a:t>
-            </a:r>
-            <a:endParaRPr kumimoji="1" lang="en-US" altLang="ja-JP"/>
-          </a:p>
-          <a:p>
-            <a:r>
-              <a:rPr lang="en-US" altLang="ja-JP"/>
-              <a:t>SNS </a:t>
-            </a:r>
-            <a:r>
-              <a:rPr lang="ja-JP" altLang="en-US"/>
-              <a:t>の</a:t>
-            </a:r>
-            <a:r>
-              <a:rPr lang="en-US" altLang="ja-JP"/>
-              <a:t> Cookie </a:t>
-            </a:r>
-            <a:r>
-              <a:rPr lang="ja-JP" altLang="en-US"/>
-              <a:t>を利用した特定手法の提案</a:t>
-            </a:r>
-            <a:endParaRPr lang="en-US" altLang="ja-JP"/>
-          </a:p>
-          <a:p>
-            <a:r>
-              <a:rPr kumimoji="1" lang="ja-JP" altLang="en-US"/>
-              <a:t>提案手法の有用性を検証するための実験を実施</a:t>
-            </a:r>
-            <a:endParaRPr kumimoji="1" lang="en-US" altLang="ja-JP"/>
-          </a:p>
-          <a:p>
-            <a:r>
-              <a:rPr lang="ja-JP" altLang="en-US"/>
-              <a:t>実験結果</a:t>
-            </a:r>
-            <a:r>
-              <a:rPr kumimoji="1" lang="ja-JP" altLang="en-US"/>
-              <a:t>の考察とまとめ</a:t>
-            </a:r>
-          </a:p>
-        </p:txBody>
-      </p:sp>
-    </p:spTree>
-    <p:extLst>
-      <p:ext uri="{BB962C8B-B14F-4D97-AF65-F5344CB8AC3E}">
-        <p14:creationId xmlns:p14="http://schemas.microsoft.com/office/powerpoint/2010/main" val="338083244"/>
-      </p:ext>
-    </p:extLst>
-  </p:cSld>
-  <p:clrMapOvr>
-    <a:masterClrMapping/>
-  </p:clrMapOvr>
-  <mc:AlternateContent xmlns:mc="http://schemas.openxmlformats.org/markup-compatibility/2006">
-    <mc:Choice xmlns:p14="http://schemas.microsoft.com/office/powerpoint/2010/main" Requires="p14">
-      <p:transition spd="slow" p14:dur="2000"/>
-    </mc:Choice>
-    <mc:Fallback>
-      <p:transition spd="slow"/>
-    </mc:Fallback>
-  </mc:AlternateContent>
   <p:timing>
     <p:tnLst>
       <p:par>
@@ -8860,9 +4562,14 @@
           <a:lstStyle/>
           <a:p>
             <a:r>
-              <a:rPr kumimoji="1" lang="ja-JP" altLang="en-US"/>
-              <a:t>研究背景</a:t>
-            </a:r>
+              <a:rPr lang="ja-JP" altLang="en-US"/>
+              <a:t>提案手法</a:t>
+            </a:r>
+            <a:r>
+              <a:rPr kumimoji="1" lang="en-US" altLang="ja-JP"/>
+              <a:t> (1/2)</a:t>
+            </a:r>
+            <a:endParaRPr kumimoji="1" lang="ja-JP" altLang="en-US"/>
           </a:p>
         </p:txBody>
       </p:sp>
@@ -8892,8 +4599,12 @@
               </a:lnSpc>
             </a:pPr>
             <a:r>
+              <a:rPr lang="en-US" altLang="ja-JP"/>
+              <a:t>Cookie </a:t>
+            </a:r>
+            <a:r>
               <a:rPr lang="ja-JP" altLang="en-US"/>
-              <a:t>インターネットを利用したサイバー犯罪の被害が拡大</a:t>
+              <a:t>がユーザの追跡性に有効であることに着目</a:t>
             </a:r>
             <a:endParaRPr lang="en-US" altLang="ja-JP"/>
           </a:p>
@@ -8904,8 +4615,31 @@
               </a:lnSpc>
             </a:pPr>
             <a:r>
+              <a:rPr lang="en-US" altLang="ja-JP"/>
+              <a:t>Cookie </a:t>
+            </a:r>
+            <a:r>
               <a:rPr lang="ja-JP" altLang="en-US"/>
-              <a:t>掲示板での犯罪予告、インターネット詐欺、児童ポルノなど</a:t>
+              <a:t>とは、</a:t>
+            </a:r>
+            <a:r>
+              <a:rPr lang="en-US" altLang="ja-JP"/>
+              <a:t>Web </a:t>
+            </a:r>
+            <a:r>
+              <a:rPr lang="ja-JP" altLang="en-US"/>
+              <a:t>サーバがブラウザに任意の文字列を記憶させる</a:t>
+            </a:r>
+            <a:r>
+              <a:rPr lang="en-US" altLang="ja-JP"/>
+              <a:t/>
+            </a:r>
+            <a:br>
+              <a:rPr lang="en-US" altLang="ja-JP"/>
+            </a:br>
+            <a:r>
+              <a:rPr lang="ja-JP" altLang="en-US"/>
+              <a:t>仕組み</a:t>
             </a:r>
             <a:endParaRPr lang="en-US" altLang="ja-JP"/>
           </a:p>
@@ -8917,23 +4651,7 @@
             </a:pPr>
             <a:r>
               <a:rPr lang="ja-JP" altLang="en-US"/>
-              <a:t>被害の拡大を防ぐために犯人を特定</a:t>
-            </a:r>
-            <a:r>
-              <a:rPr lang="en-US" altLang="ja-JP"/>
-              <a:t> (</a:t>
-            </a:r>
-            <a:r>
-              <a:rPr lang="ja-JP" altLang="en-US"/>
-              <a:t>逮捕</a:t>
-            </a:r>
-            <a:r>
-              <a:rPr lang="en-US" altLang="ja-JP"/>
-              <a:t>) </a:t>
-            </a:r>
-            <a:r>
-              <a:rPr lang="ja-JP" altLang="en-US"/>
-              <a:t>することが重要</a:t>
+              <a:t>ログイン状態などを管理するために使用される</a:t>
             </a:r>
             <a:endParaRPr lang="en-US" altLang="ja-JP"/>
           </a:p>
@@ -8944,16 +4662,12 @@
               </a:lnSpc>
             </a:pPr>
             <a:r>
+              <a:rPr lang="en-US" altLang="ja-JP"/>
+              <a:t>SNS </a:t>
+            </a:r>
+            <a:r>
               <a:rPr lang="ja-JP" altLang="en-US"/>
-              <a:t>犯人の特定には</a:t>
-            </a:r>
-            <a:r>
-              <a:rPr lang="en-US" altLang="ja-JP"/>
-              <a:t> IP </a:t>
-            </a:r>
-            <a:r>
-              <a:rPr lang="ja-JP" altLang="en-US"/>
-              <a:t>アドレスが使用されるが、技術の進歩により特定が困難</a:t>
+              <a:t>のシェアボタンに着目</a:t>
             </a:r>
             <a:endParaRPr lang="en-US" altLang="ja-JP"/>
           </a:p>
@@ -8965,58 +4679,63 @@
             </a:pPr>
             <a:r>
               <a:rPr lang="ja-JP" altLang="en-US"/>
-              <a:t>キャリアグレード</a:t>
+              <a:t>最近の</a:t>
             </a:r>
             <a:r>
               <a:rPr lang="en-US" altLang="ja-JP"/>
-              <a:t> NAT</a:t>
-            </a:r>
-          </a:p>
-          <a:p>
-            <a:pPr lvl="2">
+              <a:t> Web </a:t>
+            </a:r>
+            <a:r>
+              <a:rPr lang="ja-JP" altLang="en-US"/>
+              <a:t>サイトには</a:t>
+            </a:r>
+            <a:r>
+              <a:rPr lang="en-US" altLang="ja-JP"/>
+              <a:t> SNS </a:t>
+            </a:r>
+            <a:r>
+              <a:rPr lang="ja-JP" altLang="en-US"/>
+              <a:t>のシェアボタンが設置されていることが多い</a:t>
+            </a:r>
+            <a:endParaRPr lang="en-US" altLang="ja-JP"/>
+          </a:p>
+          <a:p>
+            <a:pPr>
               <a:lnSpc>
                 <a:spcPct val="120000"/>
               </a:lnSpc>
             </a:pPr>
             <a:r>
               <a:rPr lang="en-US" altLang="ja-JP"/>
-              <a:t>ISP </a:t>
+              <a:t>SNS </a:t>
             </a:r>
             <a:r>
               <a:rPr lang="ja-JP" altLang="en-US"/>
-              <a:t>などが</a:t>
+              <a:t>シェアボタンの</a:t>
             </a:r>
             <a:r>
               <a:rPr lang="en-US" altLang="ja-JP"/>
-              <a:t> NAT (</a:t>
+              <a:t> Cookie </a:t>
             </a:r>
             <a:r>
               <a:rPr lang="ja-JP" altLang="en-US"/>
-              <a:t>プライベート</a:t>
+              <a:t>から犯人の</a:t>
             </a:r>
             <a:r>
               <a:rPr lang="en-US" altLang="ja-JP"/>
-              <a:t> IP </a:t>
+              <a:t> </a:t>
+            </a:r>
+            <a:r>
+              <a:rPr lang="en-US" altLang="ja-JP" b="1" u="sng"/>
+              <a:t>SNS </a:t>
+            </a:r>
+            <a:r>
+              <a:rPr lang="ja-JP" altLang="en-US" b="1" u="sng"/>
+              <a:t>アカウントを特定する手法</a:t>
             </a:r>
             <a:r>
               <a:rPr lang="ja-JP" altLang="en-US"/>
-              <a:t>とグローバル</a:t>
-            </a:r>
-            <a:r>
-              <a:rPr lang="en-US" altLang="ja-JP"/>
-              <a:t> IP </a:t>
-            </a:r>
-            <a:r>
-              <a:rPr lang="ja-JP" altLang="en-US"/>
-              <a:t>の変換</a:t>
-            </a:r>
-            <a:r>
-              <a:rPr lang="en-US" altLang="ja-JP"/>
-              <a:t>) </a:t>
-            </a:r>
-            <a:r>
-              <a:rPr lang="ja-JP" altLang="en-US"/>
-              <a:t>を行う仕組み</a:t>
+              <a:t>の提案</a:t>
             </a:r>
             <a:endParaRPr lang="en-US" altLang="ja-JP"/>
           </a:p>
@@ -9027,44 +4746,25 @@
               </a:lnSpc>
             </a:pPr>
             <a:r>
+              <a:rPr lang="ja-JP" altLang="en-US"/>
+              <a:t>犯人の</a:t>
+            </a:r>
+            <a:r>
               <a:rPr lang="en-US" altLang="ja-JP"/>
-              <a:t>Tor</a:t>
-            </a:r>
-          </a:p>
-          <a:p>
-            <a:pPr lvl="2">
-              <a:lnSpc>
-                <a:spcPct val="120000"/>
-              </a:lnSpc>
-            </a:pPr>
+              <a:t> SNS </a:t>
+            </a:r>
             <a:r>
               <a:rPr lang="ja-JP" altLang="en-US"/>
-              <a:t>複数の国のサーバを経由して追跡されにくくする技術</a:t>
+              <a:t>アカウントを特定できれば犯人を特定できる可能性は高い</a:t>
             </a:r>
             <a:endParaRPr lang="en-US" altLang="ja-JP"/>
-          </a:p>
-          <a:p>
-            <a:pPr>
-              <a:lnSpc>
-                <a:spcPct val="120000"/>
-              </a:lnSpc>
-            </a:pPr>
-            <a:r>
-              <a:rPr lang="en-US" altLang="ja-JP" b="1" u="sng"/>
-              <a:t>IP </a:t>
-            </a:r>
-            <a:r>
-              <a:rPr lang="ja-JP" altLang="en-US" b="1" u="sng"/>
-              <a:t>アドレス以外の特定手法が必要</a:t>
-            </a:r>
-            <a:endParaRPr lang="en-US" altLang="ja-JP" b="1" u="sng"/>
           </a:p>
         </p:txBody>
       </p:sp>
     </p:spTree>
     <p:extLst>
       <p:ext uri="{BB962C8B-B14F-4D97-AF65-F5344CB8AC3E}">
-        <p14:creationId xmlns:p14="http://schemas.microsoft.com/office/powerpoint/2010/main" val="238725631"/>
+        <p14:creationId xmlns:p14="http://schemas.microsoft.com/office/powerpoint/2010/main" val="132330370"/>
       </p:ext>
     </p:extLst>
   </p:cSld>
@@ -9100,986 +4800,6 @@
       </p:grpSpPr>
       <p:sp>
         <p:nvSpPr>
-          <p:cNvPr id="2" name="タイトル 1"/>
-          <p:cNvSpPr>
-            <a:spLocks noGrp="1"/>
-          </p:cNvSpPr>
-          <p:nvPr>
-            <p:ph type="title"/>
-          </p:nvPr>
-        </p:nvSpPr>
-        <p:spPr>
-          <a:xfrm>
-            <a:off x="158400" y="151200"/>
-            <a:ext cx="10515600" cy="1325563"/>
-          </a:xfrm>
-        </p:spPr>
-        <p:txBody>
-          <a:bodyPr/>
-          <a:lstStyle/>
-          <a:p>
-            <a:r>
-              <a:rPr lang="ja-JP" altLang="en-US"/>
-              <a:t>提案手法</a:t>
-            </a:r>
-            <a:r>
-              <a:rPr kumimoji="1" lang="en-US" altLang="ja-JP"/>
-              <a:t> (1/2)</a:t>
-            </a:r>
-            <a:endParaRPr kumimoji="1" lang="ja-JP" altLang="en-US"/>
-          </a:p>
-        </p:txBody>
-      </p:sp>
-      <p:sp>
-        <p:nvSpPr>
-          <p:cNvPr id="3" name="コンテンツ プレースホルダー 2"/>
-          <p:cNvSpPr>
-            <a:spLocks noGrp="1"/>
-          </p:cNvSpPr>
-          <p:nvPr>
-            <p:ph idx="1"/>
-          </p:nvPr>
-        </p:nvSpPr>
-        <p:spPr>
-          <a:xfrm>
-            <a:off x="838200" y="1378800"/>
-            <a:ext cx="10515600" cy="4351338"/>
-          </a:xfrm>
-        </p:spPr>
-        <p:txBody>
-          <a:bodyPr/>
-          <a:lstStyle/>
-          <a:p>
-            <a:pPr>
-              <a:lnSpc>
-                <a:spcPct val="120000"/>
-              </a:lnSpc>
-            </a:pPr>
-            <a:r>
-              <a:rPr lang="en-US" altLang="ja-JP"/>
-              <a:t>Cookie </a:t>
-            </a:r>
-            <a:r>
-              <a:rPr lang="ja-JP" altLang="en-US"/>
-              <a:t>がユーザの追跡性に有効であることに着目</a:t>
-            </a:r>
-            <a:endParaRPr lang="en-US" altLang="ja-JP"/>
-          </a:p>
-          <a:p>
-            <a:pPr lvl="1">
-              <a:lnSpc>
-                <a:spcPct val="120000"/>
-              </a:lnSpc>
-            </a:pPr>
-            <a:r>
-              <a:rPr lang="en-US" altLang="ja-JP"/>
-              <a:t>Cookie </a:t>
-            </a:r>
-            <a:r>
-              <a:rPr lang="ja-JP" altLang="en-US"/>
-              <a:t>とは、</a:t>
-            </a:r>
-            <a:r>
-              <a:rPr lang="en-US" altLang="ja-JP"/>
-              <a:t>Web </a:t>
-            </a:r>
-            <a:r>
-              <a:rPr lang="ja-JP" altLang="en-US"/>
-              <a:t>サーバがブラウザに任意の文字列を記憶させる</a:t>
-            </a:r>
-            <a:r>
-              <a:rPr lang="en-US" altLang="ja-JP"/>
-              <a:t/>
-            </a:r>
-            <a:br>
-              <a:rPr lang="en-US" altLang="ja-JP"/>
-            </a:br>
-            <a:r>
-              <a:rPr lang="ja-JP" altLang="en-US"/>
-              <a:t>仕組み</a:t>
-            </a:r>
-            <a:endParaRPr lang="en-US" altLang="ja-JP"/>
-          </a:p>
-          <a:p>
-            <a:pPr lvl="1">
-              <a:lnSpc>
-                <a:spcPct val="120000"/>
-              </a:lnSpc>
-            </a:pPr>
-            <a:r>
-              <a:rPr lang="ja-JP" altLang="en-US"/>
-              <a:t>ログイン状態などを管理するために使用される</a:t>
-            </a:r>
-            <a:endParaRPr lang="en-US" altLang="ja-JP"/>
-          </a:p>
-          <a:p>
-            <a:pPr>
-              <a:lnSpc>
-                <a:spcPct val="120000"/>
-              </a:lnSpc>
-            </a:pPr>
-            <a:r>
-              <a:rPr lang="en-US" altLang="ja-JP"/>
-              <a:t>SNS </a:t>
-            </a:r>
-            <a:r>
-              <a:rPr lang="ja-JP" altLang="en-US"/>
-              <a:t>のシェアボタンに着目</a:t>
-            </a:r>
-            <a:endParaRPr lang="en-US" altLang="ja-JP"/>
-          </a:p>
-          <a:p>
-            <a:pPr lvl="1">
-              <a:lnSpc>
-                <a:spcPct val="120000"/>
-              </a:lnSpc>
-            </a:pPr>
-            <a:r>
-              <a:rPr lang="ja-JP" altLang="en-US"/>
-              <a:t>最近の</a:t>
-            </a:r>
-            <a:r>
-              <a:rPr lang="en-US" altLang="ja-JP"/>
-              <a:t> Web </a:t>
-            </a:r>
-            <a:r>
-              <a:rPr lang="ja-JP" altLang="en-US"/>
-              <a:t>サイトには</a:t>
-            </a:r>
-            <a:r>
-              <a:rPr lang="en-US" altLang="ja-JP"/>
-              <a:t> SNS </a:t>
-            </a:r>
-            <a:r>
-              <a:rPr lang="ja-JP" altLang="en-US"/>
-              <a:t>のシェアボタンが設置されていることが多い</a:t>
-            </a:r>
-            <a:endParaRPr lang="en-US" altLang="ja-JP"/>
-          </a:p>
-          <a:p>
-            <a:pPr>
-              <a:lnSpc>
-                <a:spcPct val="120000"/>
-              </a:lnSpc>
-            </a:pPr>
-            <a:r>
-              <a:rPr lang="en-US" altLang="ja-JP"/>
-              <a:t>SNS </a:t>
-            </a:r>
-            <a:r>
-              <a:rPr lang="ja-JP" altLang="en-US"/>
-              <a:t>シェアボタンの</a:t>
-            </a:r>
-            <a:r>
-              <a:rPr lang="en-US" altLang="ja-JP"/>
-              <a:t> Cookie </a:t>
-            </a:r>
-            <a:r>
-              <a:rPr lang="ja-JP" altLang="en-US"/>
-              <a:t>から犯人の</a:t>
-            </a:r>
-            <a:r>
-              <a:rPr lang="en-US" altLang="ja-JP"/>
-              <a:t> </a:t>
-            </a:r>
-            <a:r>
-              <a:rPr lang="en-US" altLang="ja-JP" b="1" u="sng"/>
-              <a:t>SNS </a:t>
-            </a:r>
-            <a:r>
-              <a:rPr lang="ja-JP" altLang="en-US" b="1" u="sng"/>
-              <a:t>アカウントを特定する手法</a:t>
-            </a:r>
-            <a:r>
-              <a:rPr lang="ja-JP" altLang="en-US"/>
-              <a:t>の提案</a:t>
-            </a:r>
-            <a:endParaRPr lang="en-US" altLang="ja-JP"/>
-          </a:p>
-          <a:p>
-            <a:pPr lvl="1">
-              <a:lnSpc>
-                <a:spcPct val="120000"/>
-              </a:lnSpc>
-            </a:pPr>
-            <a:r>
-              <a:rPr lang="ja-JP" altLang="en-US"/>
-              <a:t>犯人の</a:t>
-            </a:r>
-            <a:r>
-              <a:rPr lang="en-US" altLang="ja-JP"/>
-              <a:t> SNS </a:t>
-            </a:r>
-            <a:r>
-              <a:rPr lang="ja-JP" altLang="en-US"/>
-              <a:t>アカウントを特定できれば犯人を特定できる可能性は高い</a:t>
-            </a:r>
-            <a:endParaRPr lang="en-US" altLang="ja-JP"/>
-          </a:p>
-        </p:txBody>
-      </p:sp>
-    </p:spTree>
-    <p:extLst>
-      <p:ext uri="{BB962C8B-B14F-4D97-AF65-F5344CB8AC3E}">
-        <p14:creationId xmlns:p14="http://schemas.microsoft.com/office/powerpoint/2010/main" val="132330370"/>
-      </p:ext>
-    </p:extLst>
-  </p:cSld>
-  <p:clrMapOvr>
-    <a:masterClrMapping/>
-  </p:clrMapOvr>
-  <p:timing>
-    <p:tnLst>
-      <p:par>
-        <p:cTn id="1" dur="indefinite" restart="never" nodeType="tmRoot"/>
-      </p:par>
-    </p:tnLst>
-  </p:timing>
-</p:sld>
-</file>
-
-<file path=ppt/slides/slide5.xml><?xml version="1.0" encoding="utf-8"?>
-<p:sld xmlns:a="http://schemas.openxmlformats.org/drawingml/2006/main" xmlns:r="http://schemas.openxmlformats.org/officeDocument/2006/relationships" xmlns:p="http://schemas.openxmlformats.org/presentationml/2006/main" show="0">
-  <p:cSld>
-    <p:spTree>
-      <p:nvGrpSpPr>
-        <p:cNvPr id="1" name=""/>
-        <p:cNvGrpSpPr/>
-        <p:nvPr/>
-      </p:nvGrpSpPr>
-      <p:grpSpPr>
-        <a:xfrm>
-          <a:off x="0" y="0"/>
-          <a:ext cx="0" cy="0"/>
-          <a:chOff x="0" y="0"/>
-          <a:chExt cx="0" cy="0"/>
-        </a:xfrm>
-      </p:grpSpPr>
-      <p:sp>
-        <p:nvSpPr>
-          <p:cNvPr id="2" name="タイトル 1"/>
-          <p:cNvSpPr>
-            <a:spLocks noGrp="1"/>
-          </p:cNvSpPr>
-          <p:nvPr>
-            <p:ph type="title"/>
-          </p:nvPr>
-        </p:nvSpPr>
-        <p:spPr>
-          <a:xfrm>
-            <a:off x="157717" y="152474"/>
-            <a:ext cx="10515600" cy="1325563"/>
-          </a:xfrm>
-        </p:spPr>
-        <p:txBody>
-          <a:bodyPr/>
-          <a:lstStyle/>
-          <a:p>
-            <a:r>
-              <a:rPr lang="en-US" altLang="ja-JP"/>
-              <a:t>Cookie </a:t>
-            </a:r>
-            <a:r>
-              <a:rPr lang="ja-JP" altLang="en-US"/>
-              <a:t>とは</a:t>
-            </a:r>
-            <a:endParaRPr kumimoji="1" lang="ja-JP" altLang="en-US"/>
-          </a:p>
-        </p:txBody>
-      </p:sp>
-      <p:sp>
-        <p:nvSpPr>
-          <p:cNvPr id="3" name="コンテンツ プレースホルダー 2"/>
-          <p:cNvSpPr>
-            <a:spLocks noGrp="1"/>
-          </p:cNvSpPr>
-          <p:nvPr>
-            <p:ph idx="1"/>
-          </p:nvPr>
-        </p:nvSpPr>
-        <p:spPr/>
-        <p:txBody>
-          <a:bodyPr/>
-          <a:lstStyle/>
-          <a:p>
-            <a:r>
-              <a:rPr kumimoji="1" lang="en-US" altLang="ja-JP"/>
-              <a:t>Web </a:t>
-            </a:r>
-            <a:r>
-              <a:rPr kumimoji="1" lang="ja-JP" altLang="en-US"/>
-              <a:t>サーバがブラウザに任意の文字列を記憶させる仕組み</a:t>
-            </a:r>
-            <a:endParaRPr kumimoji="1" lang="en-US" altLang="ja-JP"/>
-          </a:p>
-          <a:p>
-            <a:r>
-              <a:rPr lang="ja-JP" altLang="en-US"/>
-              <a:t>ログイン状態などを管理するために使用される</a:t>
-            </a:r>
-            <a:endParaRPr kumimoji="1" lang="ja-JP" altLang="en-US"/>
-          </a:p>
-        </p:txBody>
-      </p:sp>
-      <p:pic>
-        <p:nvPicPr>
-          <p:cNvPr id="4" name="図 3"/>
-          <p:cNvPicPr>
-            <a:picLocks noChangeAspect="1"/>
-          </p:cNvPicPr>
-          <p:nvPr/>
-        </p:nvPicPr>
-        <p:blipFill>
-          <a:blip r:embed="rId2">
-            <a:extLst>
-              <a:ext uri="{28A0092B-C50C-407E-A947-70E740481C1C}">
-                <a14:useLocalDpi xmlns:a14="http://schemas.microsoft.com/office/drawing/2010/main" val="0"/>
-              </a:ext>
-            </a:extLst>
-          </a:blip>
-          <a:stretch>
-            <a:fillRect/>
-          </a:stretch>
-        </p:blipFill>
-        <p:spPr>
-          <a:xfrm>
-            <a:off x="2135667" y="3328784"/>
-            <a:ext cx="1097516" cy="1097516"/>
-          </a:xfrm>
-          <a:prstGeom prst="rect">
-            <a:avLst/>
-          </a:prstGeom>
-        </p:spPr>
-      </p:pic>
-      <p:pic>
-        <p:nvPicPr>
-          <p:cNvPr id="5" name="図 4"/>
-          <p:cNvPicPr>
-            <a:picLocks noChangeAspect="1"/>
-          </p:cNvPicPr>
-          <p:nvPr/>
-        </p:nvPicPr>
-        <p:blipFill>
-          <a:blip r:embed="rId3">
-            <a:extLst>
-              <a:ext uri="{28A0092B-C50C-407E-A947-70E740481C1C}">
-                <a14:useLocalDpi xmlns:a14="http://schemas.microsoft.com/office/drawing/2010/main" val="0"/>
-              </a:ext>
-            </a:extLst>
-          </a:blip>
-          <a:stretch>
-            <a:fillRect/>
-          </a:stretch>
-        </p:blipFill>
-        <p:spPr>
-          <a:xfrm>
-            <a:off x="8637181" y="3328784"/>
-            <a:ext cx="1184349" cy="1184349"/>
-          </a:xfrm>
-          <a:prstGeom prst="rect">
-            <a:avLst/>
-          </a:prstGeom>
-        </p:spPr>
-      </p:pic>
-      <p:pic>
-        <p:nvPicPr>
-          <p:cNvPr id="6" name="図 5"/>
-          <p:cNvPicPr>
-            <a:picLocks noChangeAspect="1"/>
-          </p:cNvPicPr>
-          <p:nvPr/>
-        </p:nvPicPr>
-        <p:blipFill>
-          <a:blip r:embed="rId4">
-            <a:extLst>
-              <a:ext uri="{28A0092B-C50C-407E-A947-70E740481C1C}">
-                <a14:useLocalDpi xmlns:a14="http://schemas.microsoft.com/office/drawing/2010/main" val="0"/>
-              </a:ext>
-            </a:extLst>
-          </a:blip>
-          <a:stretch>
-            <a:fillRect/>
-          </a:stretch>
-        </p:blipFill>
-        <p:spPr>
-          <a:xfrm>
-            <a:off x="1672561" y="3923618"/>
-            <a:ext cx="589515" cy="589515"/>
-          </a:xfrm>
-          <a:prstGeom prst="rect">
-            <a:avLst/>
-          </a:prstGeom>
-        </p:spPr>
-      </p:pic>
-      <p:cxnSp>
-        <p:nvCxnSpPr>
-          <p:cNvPr id="8" name="直線矢印コネクタ 7"/>
-          <p:cNvCxnSpPr/>
-          <p:nvPr/>
-        </p:nvCxnSpPr>
-        <p:spPr>
-          <a:xfrm flipH="1">
-            <a:off x="3508744" y="4072476"/>
-            <a:ext cx="4763386" cy="0"/>
-          </a:xfrm>
-          <a:prstGeom prst="straightConnector1">
-            <a:avLst/>
-          </a:prstGeom>
-          <a:ln w="76200">
-            <a:solidFill>
-              <a:srgbClr val="FF0000"/>
-            </a:solidFill>
-            <a:tailEnd type="triangle"/>
-          </a:ln>
-        </p:spPr>
-        <p:style>
-          <a:lnRef idx="1">
-            <a:schemeClr val="accent1"/>
-          </a:lnRef>
-          <a:fillRef idx="0">
-            <a:schemeClr val="accent1"/>
-          </a:fillRef>
-          <a:effectRef idx="0">
-            <a:schemeClr val="accent1"/>
-          </a:effectRef>
-          <a:fontRef idx="minor">
-            <a:schemeClr val="tx1"/>
-          </a:fontRef>
-        </p:style>
-      </p:cxnSp>
-      <p:sp>
-        <p:nvSpPr>
-          <p:cNvPr id="9" name="テキスト ボックス 8"/>
-          <p:cNvSpPr txBox="1"/>
-          <p:nvPr/>
-        </p:nvSpPr>
-        <p:spPr>
-          <a:xfrm>
-            <a:off x="5150352" y="3101978"/>
-            <a:ext cx="1569660" cy="369332"/>
-          </a:xfrm>
-          <a:prstGeom prst="rect">
-            <a:avLst/>
-          </a:prstGeom>
-          <a:noFill/>
-        </p:spPr>
-        <p:txBody>
-          <a:bodyPr wrap="none" rtlCol="0">
-            <a:spAutoFit/>
-          </a:bodyPr>
-          <a:lstStyle/>
-          <a:p>
-            <a:r>
-              <a:rPr kumimoji="1" lang="ja-JP" altLang="en-US" b="1"/>
-              <a:t>初回アクセス</a:t>
-            </a:r>
-          </a:p>
-        </p:txBody>
-      </p:sp>
-      <p:sp>
-        <p:nvSpPr>
-          <p:cNvPr id="10" name="テキスト ボックス 9"/>
-          <p:cNvSpPr txBox="1"/>
-          <p:nvPr/>
-        </p:nvSpPr>
-        <p:spPr>
-          <a:xfrm>
-            <a:off x="4179245" y="4120763"/>
-            <a:ext cx="3392275" cy="369332"/>
-          </a:xfrm>
-          <a:prstGeom prst="rect">
-            <a:avLst/>
-          </a:prstGeom>
-          <a:noFill/>
-        </p:spPr>
-        <p:txBody>
-          <a:bodyPr wrap="none" rtlCol="0">
-            <a:spAutoFit/>
-          </a:bodyPr>
-          <a:lstStyle/>
-          <a:p>
-            <a:r>
-              <a:rPr lang="en-US" altLang="ja-JP" b="1">
-                <a:solidFill>
-                  <a:srgbClr val="FF0000"/>
-                </a:solidFill>
-                <a:latin typeface="Menlo" charset="0"/>
-                <a:ea typeface="Menlo" charset="0"/>
-                <a:cs typeface="Menlo" charset="0"/>
-              </a:rPr>
-              <a:t>set-cookie: id=abcd1234</a:t>
-            </a:r>
-            <a:endParaRPr kumimoji="1" lang="ja-JP" altLang="en-US" b="1">
-              <a:solidFill>
-                <a:srgbClr val="FF0000"/>
-              </a:solidFill>
-              <a:latin typeface="Menlo" charset="0"/>
-              <a:ea typeface="Menlo" charset="0"/>
-              <a:cs typeface="Menlo" charset="0"/>
-            </a:endParaRPr>
-          </a:p>
-        </p:txBody>
-      </p:sp>
-      <p:cxnSp>
-        <p:nvCxnSpPr>
-          <p:cNvPr id="11" name="直線矢印コネクタ 10"/>
-          <p:cNvCxnSpPr/>
-          <p:nvPr/>
-        </p:nvCxnSpPr>
-        <p:spPr>
-          <a:xfrm>
-            <a:off x="3508744" y="3819620"/>
-            <a:ext cx="4763386" cy="0"/>
-          </a:xfrm>
-          <a:prstGeom prst="straightConnector1">
-            <a:avLst/>
-          </a:prstGeom>
-          <a:ln w="76200">
-            <a:solidFill>
-              <a:srgbClr val="4B4B4B"/>
-            </a:solidFill>
-            <a:tailEnd type="triangle"/>
-          </a:ln>
-        </p:spPr>
-        <p:style>
-          <a:lnRef idx="1">
-            <a:schemeClr val="accent1"/>
-          </a:lnRef>
-          <a:fillRef idx="0">
-            <a:schemeClr val="accent1"/>
-          </a:fillRef>
-          <a:effectRef idx="0">
-            <a:schemeClr val="accent1"/>
-          </a:effectRef>
-          <a:fontRef idx="minor">
-            <a:schemeClr val="tx1"/>
-          </a:fontRef>
-        </p:style>
-      </p:cxnSp>
-      <p:pic>
-        <p:nvPicPr>
-          <p:cNvPr id="12" name="図 11"/>
-          <p:cNvPicPr>
-            <a:picLocks noChangeAspect="1"/>
-          </p:cNvPicPr>
-          <p:nvPr/>
-        </p:nvPicPr>
-        <p:blipFill>
-          <a:blip r:embed="rId2">
-            <a:extLst>
-              <a:ext uri="{28A0092B-C50C-407E-A947-70E740481C1C}">
-                <a14:useLocalDpi xmlns:a14="http://schemas.microsoft.com/office/drawing/2010/main" val="0"/>
-              </a:ext>
-            </a:extLst>
-          </a:blip>
-          <a:stretch>
-            <a:fillRect/>
-          </a:stretch>
-        </p:blipFill>
-        <p:spPr>
-          <a:xfrm>
-            <a:off x="2139210" y="5288724"/>
-            <a:ext cx="1097516" cy="1097516"/>
-          </a:xfrm>
-          <a:prstGeom prst="rect">
-            <a:avLst/>
-          </a:prstGeom>
-        </p:spPr>
-      </p:pic>
-      <p:pic>
-        <p:nvPicPr>
-          <p:cNvPr id="13" name="図 12"/>
-          <p:cNvPicPr>
-            <a:picLocks noChangeAspect="1"/>
-          </p:cNvPicPr>
-          <p:nvPr/>
-        </p:nvPicPr>
-        <p:blipFill>
-          <a:blip r:embed="rId3">
-            <a:extLst>
-              <a:ext uri="{28A0092B-C50C-407E-A947-70E740481C1C}">
-                <a14:useLocalDpi xmlns:a14="http://schemas.microsoft.com/office/drawing/2010/main" val="0"/>
-              </a:ext>
-            </a:extLst>
-          </a:blip>
-          <a:stretch>
-            <a:fillRect/>
-          </a:stretch>
-        </p:blipFill>
-        <p:spPr>
-          <a:xfrm>
-            <a:off x="8640724" y="5288724"/>
-            <a:ext cx="1184349" cy="1184349"/>
-          </a:xfrm>
-          <a:prstGeom prst="rect">
-            <a:avLst/>
-          </a:prstGeom>
-        </p:spPr>
-      </p:pic>
-      <p:pic>
-        <p:nvPicPr>
-          <p:cNvPr id="14" name="図 13"/>
-          <p:cNvPicPr>
-            <a:picLocks noChangeAspect="1"/>
-          </p:cNvPicPr>
-          <p:nvPr/>
-        </p:nvPicPr>
-        <p:blipFill>
-          <a:blip r:embed="rId4">
-            <a:extLst>
-              <a:ext uri="{28A0092B-C50C-407E-A947-70E740481C1C}">
-                <a14:useLocalDpi xmlns:a14="http://schemas.microsoft.com/office/drawing/2010/main" val="0"/>
-              </a:ext>
-            </a:extLst>
-          </a:blip>
-          <a:stretch>
-            <a:fillRect/>
-          </a:stretch>
-        </p:blipFill>
-        <p:spPr>
-          <a:xfrm>
-            <a:off x="1676104" y="5883558"/>
-            <a:ext cx="589515" cy="589515"/>
-          </a:xfrm>
-          <a:prstGeom prst="rect">
-            <a:avLst/>
-          </a:prstGeom>
-        </p:spPr>
-      </p:pic>
-      <p:cxnSp>
-        <p:nvCxnSpPr>
-          <p:cNvPr id="15" name="直線矢印コネクタ 14"/>
-          <p:cNvCxnSpPr/>
-          <p:nvPr/>
-        </p:nvCxnSpPr>
-        <p:spPr>
-          <a:xfrm flipH="1">
-            <a:off x="3512287" y="6096213"/>
-            <a:ext cx="4763386" cy="0"/>
-          </a:xfrm>
-          <a:prstGeom prst="straightConnector1">
-            <a:avLst/>
-          </a:prstGeom>
-          <a:ln w="76200">
-            <a:solidFill>
-              <a:srgbClr val="4B4B4B"/>
-            </a:solidFill>
-            <a:tailEnd type="triangle"/>
-          </a:ln>
-        </p:spPr>
-        <p:style>
-          <a:lnRef idx="1">
-            <a:schemeClr val="accent1"/>
-          </a:lnRef>
-          <a:fillRef idx="0">
-            <a:schemeClr val="accent1"/>
-          </a:fillRef>
-          <a:effectRef idx="0">
-            <a:schemeClr val="accent1"/>
-          </a:effectRef>
-          <a:fontRef idx="minor">
-            <a:schemeClr val="tx1"/>
-          </a:fontRef>
-        </p:style>
-      </p:cxnSp>
-      <p:sp>
-        <p:nvSpPr>
-          <p:cNvPr id="16" name="テキスト ボックス 15"/>
-          <p:cNvSpPr txBox="1"/>
-          <p:nvPr/>
-        </p:nvSpPr>
-        <p:spPr>
-          <a:xfrm>
-            <a:off x="4807648" y="5061918"/>
-            <a:ext cx="2262158" cy="369332"/>
-          </a:xfrm>
-          <a:prstGeom prst="rect">
-            <a:avLst/>
-          </a:prstGeom>
-          <a:noFill/>
-        </p:spPr>
-        <p:txBody>
-          <a:bodyPr wrap="none" rtlCol="0">
-            <a:spAutoFit/>
-          </a:bodyPr>
-          <a:lstStyle/>
-          <a:p>
-            <a:pPr algn="ctr"/>
-            <a:r>
-              <a:rPr lang="ja-JP" altLang="en-US" b="1"/>
-              <a:t>次回</a:t>
-            </a:r>
-            <a:r>
-              <a:rPr kumimoji="1" lang="ja-JP" altLang="en-US" b="1"/>
-              <a:t>以降のアクセス</a:t>
-            </a:r>
-          </a:p>
-        </p:txBody>
-      </p:sp>
-      <p:sp>
-        <p:nvSpPr>
-          <p:cNvPr id="17" name="テキスト ボックス 16"/>
-          <p:cNvSpPr txBox="1"/>
-          <p:nvPr/>
-        </p:nvSpPr>
-        <p:spPr>
-          <a:xfrm>
-            <a:off x="4461710" y="5432119"/>
-            <a:ext cx="2834430" cy="369332"/>
-          </a:xfrm>
-          <a:prstGeom prst="rect">
-            <a:avLst/>
-          </a:prstGeom>
-          <a:noFill/>
-        </p:spPr>
-        <p:txBody>
-          <a:bodyPr wrap="none" rtlCol="0">
-            <a:spAutoFit/>
-          </a:bodyPr>
-          <a:lstStyle/>
-          <a:p>
-            <a:pPr algn="ctr"/>
-            <a:r>
-              <a:rPr lang="en-US" altLang="ja-JP" b="1">
-                <a:solidFill>
-                  <a:srgbClr val="FF0000"/>
-                </a:solidFill>
-                <a:latin typeface="Menlo" charset="0"/>
-                <a:ea typeface="Menlo" charset="0"/>
-                <a:cs typeface="Menlo" charset="0"/>
-              </a:rPr>
-              <a:t>cookie: id=abcd1234</a:t>
-            </a:r>
-            <a:endParaRPr kumimoji="1" lang="ja-JP" altLang="en-US" b="1">
-              <a:solidFill>
-                <a:srgbClr val="FF0000"/>
-              </a:solidFill>
-              <a:latin typeface="Menlo" charset="0"/>
-              <a:ea typeface="Menlo" charset="0"/>
-              <a:cs typeface="Menlo" charset="0"/>
-            </a:endParaRPr>
-          </a:p>
-        </p:txBody>
-      </p:sp>
-      <p:cxnSp>
-        <p:nvCxnSpPr>
-          <p:cNvPr id="18" name="直線矢印コネクタ 17"/>
-          <p:cNvCxnSpPr/>
-          <p:nvPr/>
-        </p:nvCxnSpPr>
-        <p:spPr>
-          <a:xfrm>
-            <a:off x="3512287" y="5843357"/>
-            <a:ext cx="4763386" cy="0"/>
-          </a:xfrm>
-          <a:prstGeom prst="straightConnector1">
-            <a:avLst/>
-          </a:prstGeom>
-          <a:ln w="76200">
-            <a:solidFill>
-              <a:srgbClr val="FF0000"/>
-            </a:solidFill>
-            <a:tailEnd type="triangle"/>
-          </a:ln>
-        </p:spPr>
-        <p:style>
-          <a:lnRef idx="1">
-            <a:schemeClr val="accent1"/>
-          </a:lnRef>
-          <a:fillRef idx="0">
-            <a:schemeClr val="accent1"/>
-          </a:fillRef>
-          <a:effectRef idx="0">
-            <a:schemeClr val="accent1"/>
-          </a:effectRef>
-          <a:fontRef idx="minor">
-            <a:schemeClr val="tx1"/>
-          </a:fontRef>
-        </p:style>
-      </p:cxnSp>
-      <p:sp>
-        <p:nvSpPr>
-          <p:cNvPr id="19" name="テキスト ボックス 18"/>
-          <p:cNvSpPr txBox="1"/>
-          <p:nvPr/>
-        </p:nvSpPr>
-        <p:spPr>
-          <a:xfrm>
-            <a:off x="8683372" y="4426300"/>
-            <a:ext cx="1091966" cy="369332"/>
-          </a:xfrm>
-          <a:prstGeom prst="rect">
-            <a:avLst/>
-          </a:prstGeom>
-          <a:noFill/>
-        </p:spPr>
-        <p:txBody>
-          <a:bodyPr wrap="none" rtlCol="0">
-            <a:spAutoFit/>
-          </a:bodyPr>
-          <a:lstStyle/>
-          <a:p>
-            <a:r>
-              <a:rPr lang="ja-JP" altLang="en-US" b="1"/>
-              <a:t>サーバ</a:t>
-            </a:r>
-            <a:r>
-              <a:rPr lang="en-US" altLang="ja-JP" b="1"/>
-              <a:t> A</a:t>
-            </a:r>
-            <a:endParaRPr kumimoji="1" lang="ja-JP" altLang="en-US" b="1"/>
-          </a:p>
-        </p:txBody>
-      </p:sp>
-      <p:sp>
-        <p:nvSpPr>
-          <p:cNvPr id="20" name="テキスト ボックス 19"/>
-          <p:cNvSpPr txBox="1"/>
-          <p:nvPr/>
-        </p:nvSpPr>
-        <p:spPr>
-          <a:xfrm>
-            <a:off x="8683372" y="6380092"/>
-            <a:ext cx="1091966" cy="369332"/>
-          </a:xfrm>
-          <a:prstGeom prst="rect">
-            <a:avLst/>
-          </a:prstGeom>
-          <a:noFill/>
-        </p:spPr>
-        <p:txBody>
-          <a:bodyPr wrap="none" rtlCol="0">
-            <a:spAutoFit/>
-          </a:bodyPr>
-          <a:lstStyle/>
-          <a:p>
-            <a:r>
-              <a:rPr lang="ja-JP" altLang="en-US" b="1"/>
-              <a:t>サーバ</a:t>
-            </a:r>
-            <a:r>
-              <a:rPr lang="en-US" altLang="ja-JP" b="1"/>
-              <a:t> A</a:t>
-            </a:r>
-            <a:endParaRPr kumimoji="1" lang="ja-JP" altLang="en-US" b="1"/>
-          </a:p>
-        </p:txBody>
-      </p:sp>
-      <p:sp>
-        <p:nvSpPr>
-          <p:cNvPr id="21" name="テキスト ボックス 20"/>
-          <p:cNvSpPr txBox="1"/>
-          <p:nvPr/>
-        </p:nvSpPr>
-        <p:spPr>
-          <a:xfrm>
-            <a:off x="1416526" y="4490095"/>
-            <a:ext cx="1101584" cy="369332"/>
-          </a:xfrm>
-          <a:prstGeom prst="rect">
-            <a:avLst/>
-          </a:prstGeom>
-          <a:noFill/>
-        </p:spPr>
-        <p:txBody>
-          <a:bodyPr wrap="none" rtlCol="0">
-            <a:spAutoFit/>
-          </a:bodyPr>
-          <a:lstStyle/>
-          <a:p>
-            <a:r>
-              <a:rPr kumimoji="1" lang="ja-JP" altLang="en-US" b="1"/>
-              <a:t>ユーザ</a:t>
-            </a:r>
-            <a:r>
-              <a:rPr kumimoji="1" lang="en-US" altLang="ja-JP" b="1"/>
-              <a:t> A</a:t>
-            </a:r>
-            <a:endParaRPr kumimoji="1" lang="ja-JP" altLang="en-US" b="1"/>
-          </a:p>
-        </p:txBody>
-      </p:sp>
-      <p:sp>
-        <p:nvSpPr>
-          <p:cNvPr id="22" name="テキスト ボックス 21"/>
-          <p:cNvSpPr txBox="1"/>
-          <p:nvPr/>
-        </p:nvSpPr>
-        <p:spPr>
-          <a:xfrm>
-            <a:off x="1416526" y="6446205"/>
-            <a:ext cx="1101584" cy="369332"/>
-          </a:xfrm>
-          <a:prstGeom prst="rect">
-            <a:avLst/>
-          </a:prstGeom>
-          <a:noFill/>
-        </p:spPr>
-        <p:txBody>
-          <a:bodyPr wrap="none" rtlCol="0">
-            <a:spAutoFit/>
-          </a:bodyPr>
-          <a:lstStyle/>
-          <a:p>
-            <a:r>
-              <a:rPr kumimoji="1" lang="ja-JP" altLang="en-US" b="1"/>
-              <a:t>ユーザ</a:t>
-            </a:r>
-            <a:r>
-              <a:rPr kumimoji="1" lang="en-US" altLang="ja-JP" b="1"/>
-              <a:t> A</a:t>
-            </a:r>
-            <a:endParaRPr kumimoji="1" lang="ja-JP" altLang="en-US" b="1"/>
-          </a:p>
-        </p:txBody>
-      </p:sp>
-    </p:spTree>
-    <p:extLst>
-      <p:ext uri="{BB962C8B-B14F-4D97-AF65-F5344CB8AC3E}">
-        <p14:creationId xmlns:p14="http://schemas.microsoft.com/office/powerpoint/2010/main" val="1205268648"/>
-      </p:ext>
-    </p:extLst>
-  </p:cSld>
-  <p:clrMapOvr>
-    <a:masterClrMapping/>
-  </p:clrMapOvr>
-  <mc:AlternateContent xmlns:mc="http://schemas.openxmlformats.org/markup-compatibility/2006">
-    <mc:Choice xmlns:p14="http://schemas.microsoft.com/office/powerpoint/2010/main" Requires="p14">
-      <p:transition spd="slow" p14:dur="2000"/>
-    </mc:Choice>
-    <mc:Fallback>
-      <p:transition spd="slow"/>
-    </mc:Fallback>
-  </mc:AlternateContent>
-  <p:timing>
-    <p:tnLst>
-      <p:par>
-        <p:cTn id="1" dur="indefinite" restart="never" nodeType="tmRoot"/>
-      </p:par>
-    </p:tnLst>
-  </p:timing>
-</p:sld>
-</file>
-
-<file path=ppt/slides/slide6.xml><?xml version="1.0" encoding="utf-8"?>
-<p:sld xmlns:a="http://schemas.openxmlformats.org/drawingml/2006/main" xmlns:r="http://schemas.openxmlformats.org/officeDocument/2006/relationships" xmlns:p="http://schemas.openxmlformats.org/presentationml/2006/main">
-  <p:cSld>
-    <p:spTree>
-      <p:nvGrpSpPr>
-        <p:cNvPr id="1" name=""/>
-        <p:cNvGrpSpPr/>
-        <p:nvPr/>
-      </p:nvGrpSpPr>
-      <p:grpSpPr>
-        <a:xfrm>
-          <a:off x="0" y="0"/>
-          <a:ext cx="0" cy="0"/>
-          <a:chOff x="0" y="0"/>
-          <a:chExt cx="0" cy="0"/>
-        </a:xfrm>
-      </p:grpSpPr>
-      <p:sp>
-        <p:nvSpPr>
           <p:cNvPr id="14" name="正方形/長方形 13"/>
           <p:cNvSpPr/>
           <p:nvPr/>
@@ -10942,685 +5662,7 @@
 </p:sld>
 </file>
 
-<file path=ppt/slides/slide7.xml><?xml version="1.0" encoding="utf-8"?>
-<p:sld xmlns:a="http://schemas.openxmlformats.org/drawingml/2006/main" xmlns:r="http://schemas.openxmlformats.org/officeDocument/2006/relationships" xmlns:p="http://schemas.openxmlformats.org/presentationml/2006/main" show="0">
-  <p:cSld>
-    <p:spTree>
-      <p:nvGrpSpPr>
-        <p:cNvPr id="1" name=""/>
-        <p:cNvGrpSpPr/>
-        <p:nvPr/>
-      </p:nvGrpSpPr>
-      <p:grpSpPr>
-        <a:xfrm>
-          <a:off x="0" y="0"/>
-          <a:ext cx="0" cy="0"/>
-          <a:chOff x="0" y="0"/>
-          <a:chExt cx="0" cy="0"/>
-        </a:xfrm>
-      </p:grpSpPr>
-      <p:pic>
-        <p:nvPicPr>
-          <p:cNvPr id="3" name="図 2"/>
-          <p:cNvPicPr>
-            <a:picLocks noChangeAspect="1"/>
-          </p:cNvPicPr>
-          <p:nvPr/>
-        </p:nvPicPr>
-        <p:blipFill>
-          <a:blip r:embed="rId2">
-            <a:extLst>
-              <a:ext uri="{28A0092B-C50C-407E-A947-70E740481C1C}">
-                <a14:useLocalDpi xmlns:a14="http://schemas.microsoft.com/office/drawing/2010/main" val="0"/>
-              </a:ext>
-            </a:extLst>
-          </a:blip>
-          <a:stretch>
-            <a:fillRect/>
-          </a:stretch>
-        </p:blipFill>
-        <p:spPr>
-          <a:xfrm>
-            <a:off x="416612" y="1423734"/>
-            <a:ext cx="8651506" cy="4708647"/>
-          </a:xfrm>
-          <a:prstGeom prst="rect">
-            <a:avLst/>
-          </a:prstGeom>
-        </p:spPr>
-      </p:pic>
-      <p:sp>
-        <p:nvSpPr>
-          <p:cNvPr id="2" name="タイトル 1"/>
-          <p:cNvSpPr>
-            <a:spLocks noGrp="1"/>
-          </p:cNvSpPr>
-          <p:nvPr>
-            <p:ph type="title"/>
-          </p:nvPr>
-        </p:nvSpPr>
-        <p:spPr>
-          <a:xfrm>
-            <a:off x="158400" y="151200"/>
-            <a:ext cx="10515600" cy="1325563"/>
-          </a:xfrm>
-        </p:spPr>
-        <p:txBody>
-          <a:bodyPr/>
-          <a:lstStyle/>
-          <a:p>
-            <a:r>
-              <a:rPr kumimoji="1" lang="ja-JP" altLang="en-US"/>
-              <a:t>提案手法</a:t>
-            </a:r>
-            <a:r>
-              <a:rPr kumimoji="1" lang="en-US" altLang="ja-JP"/>
-              <a:t> (2/2)</a:t>
-            </a:r>
-            <a:endParaRPr kumimoji="1" lang="ja-JP" altLang="en-US"/>
-          </a:p>
-        </p:txBody>
-      </p:sp>
-      <p:pic>
-        <p:nvPicPr>
-          <p:cNvPr id="5" name="図 4"/>
-          <p:cNvPicPr>
-            <a:picLocks noChangeAspect="1"/>
-          </p:cNvPicPr>
-          <p:nvPr/>
-        </p:nvPicPr>
-        <p:blipFill>
-          <a:blip r:embed="rId3">
-            <a:extLst>
-              <a:ext uri="{28A0092B-C50C-407E-A947-70E740481C1C}">
-                <a14:useLocalDpi xmlns:a14="http://schemas.microsoft.com/office/drawing/2010/main" val="0"/>
-              </a:ext>
-            </a:extLst>
-          </a:blip>
-          <a:stretch>
-            <a:fillRect/>
-          </a:stretch>
-        </p:blipFill>
-        <p:spPr>
-          <a:xfrm>
-            <a:off x="11188990" y="3902734"/>
-            <a:ext cx="543245" cy="543245"/>
-          </a:xfrm>
-          <a:prstGeom prst="rect">
-            <a:avLst/>
-          </a:prstGeom>
-        </p:spPr>
-      </p:pic>
-      <p:pic>
-        <p:nvPicPr>
-          <p:cNvPr id="6" name="図 5"/>
-          <p:cNvPicPr>
-            <a:picLocks noChangeAspect="1"/>
-          </p:cNvPicPr>
-          <p:nvPr/>
-        </p:nvPicPr>
-        <p:blipFill>
-          <a:blip r:embed="rId4">
-            <a:extLst>
-              <a:ext uri="{28A0092B-C50C-407E-A947-70E740481C1C}">
-                <a14:useLocalDpi xmlns:a14="http://schemas.microsoft.com/office/drawing/2010/main" val="0"/>
-              </a:ext>
-            </a:extLst>
-          </a:blip>
-          <a:stretch>
-            <a:fillRect/>
-          </a:stretch>
-        </p:blipFill>
-        <p:spPr>
-          <a:xfrm>
-            <a:off x="10443917" y="3410808"/>
-            <a:ext cx="807097" cy="807097"/>
-          </a:xfrm>
-          <a:prstGeom prst="rect">
-            <a:avLst/>
-          </a:prstGeom>
-        </p:spPr>
-      </p:pic>
-      <p:pic>
-        <p:nvPicPr>
-          <p:cNvPr id="8" name="図 7"/>
-          <p:cNvPicPr>
-            <a:picLocks noChangeAspect="1"/>
-          </p:cNvPicPr>
-          <p:nvPr/>
-        </p:nvPicPr>
-        <p:blipFill>
-          <a:blip r:embed="rId5">
-            <a:extLst>
-              <a:ext uri="{28A0092B-C50C-407E-A947-70E740481C1C}">
-                <a14:useLocalDpi xmlns:a14="http://schemas.microsoft.com/office/drawing/2010/main" val="0"/>
-              </a:ext>
-            </a:extLst>
-          </a:blip>
-          <a:stretch>
-            <a:fillRect/>
-          </a:stretch>
-        </p:blipFill>
-        <p:spPr>
-          <a:xfrm>
-            <a:off x="7594135" y="4710224"/>
-            <a:ext cx="752103" cy="752103"/>
-          </a:xfrm>
-          <a:prstGeom prst="rect">
-            <a:avLst/>
-          </a:prstGeom>
-          <a:noFill/>
-          <a:ln w="57150">
-            <a:noFill/>
-          </a:ln>
-        </p:spPr>
-      </p:pic>
-      <p:sp>
-        <p:nvSpPr>
-          <p:cNvPr id="9" name="正方形/長方形 8"/>
-          <p:cNvSpPr/>
-          <p:nvPr/>
-        </p:nvSpPr>
-        <p:spPr>
-          <a:xfrm>
-            <a:off x="319222" y="1337886"/>
-            <a:ext cx="8846287" cy="4880345"/>
-          </a:xfrm>
-          <a:prstGeom prst="rect">
-            <a:avLst/>
-          </a:prstGeom>
-          <a:noFill/>
-          <a:ln w="57150">
-            <a:solidFill>
-              <a:srgbClr val="FF0000"/>
-            </a:solidFill>
-          </a:ln>
-        </p:spPr>
-        <p:style>
-          <a:lnRef idx="2">
-            <a:schemeClr val="accent1">
-              <a:shade val="50000"/>
-            </a:schemeClr>
-          </a:lnRef>
-          <a:fillRef idx="1">
-            <a:schemeClr val="accent1"/>
-          </a:fillRef>
-          <a:effectRef idx="0">
-            <a:schemeClr val="accent1"/>
-          </a:effectRef>
-          <a:fontRef idx="minor">
-            <a:schemeClr val="lt1"/>
-          </a:fontRef>
-        </p:style>
-        <p:txBody>
-          <a:bodyPr rtlCol="0" anchor="ctr"/>
-          <a:lstStyle/>
-          <a:p>
-            <a:pPr algn="ctr"/>
-            <a:endParaRPr kumimoji="1" lang="ja-JP" altLang="en-US"/>
-          </a:p>
-        </p:txBody>
-      </p:sp>
-      <p:sp>
-        <p:nvSpPr>
-          <p:cNvPr id="10" name="正方形/長方形 9"/>
-          <p:cNvSpPr/>
-          <p:nvPr/>
-        </p:nvSpPr>
-        <p:spPr>
-          <a:xfrm>
-            <a:off x="7457436" y="4637816"/>
-            <a:ext cx="1060548" cy="824512"/>
-          </a:xfrm>
-          <a:prstGeom prst="rect">
-            <a:avLst/>
-          </a:prstGeom>
-          <a:noFill/>
-          <a:ln w="57150">
-            <a:solidFill>
-              <a:srgbClr val="FF0000"/>
-            </a:solidFill>
-          </a:ln>
-        </p:spPr>
-        <p:style>
-          <a:lnRef idx="2">
-            <a:schemeClr val="accent1">
-              <a:shade val="50000"/>
-            </a:schemeClr>
-          </a:lnRef>
-          <a:fillRef idx="1">
-            <a:schemeClr val="accent1"/>
-          </a:fillRef>
-          <a:effectRef idx="0">
-            <a:schemeClr val="accent1"/>
-          </a:effectRef>
-          <a:fontRef idx="minor">
-            <a:schemeClr val="lt1"/>
-          </a:fontRef>
-        </p:style>
-        <p:txBody>
-          <a:bodyPr rtlCol="0" anchor="ctr"/>
-          <a:lstStyle/>
-          <a:p>
-            <a:pPr algn="ctr"/>
-            <a:endParaRPr kumimoji="1" lang="ja-JP" altLang="en-US"/>
-          </a:p>
-        </p:txBody>
-      </p:sp>
-      <p:pic>
-        <p:nvPicPr>
-          <p:cNvPr id="12" name="図 11"/>
-          <p:cNvPicPr>
-            <a:picLocks noChangeAspect="1"/>
-          </p:cNvPicPr>
-          <p:nvPr/>
-        </p:nvPicPr>
-        <p:blipFill>
-          <a:blip r:embed="rId5">
-            <a:extLst>
-              <a:ext uri="{28A0092B-C50C-407E-A947-70E740481C1C}">
-                <a14:useLocalDpi xmlns:a14="http://schemas.microsoft.com/office/drawing/2010/main" val="0"/>
-              </a:ext>
-            </a:extLst>
-          </a:blip>
-          <a:stretch>
-            <a:fillRect/>
-          </a:stretch>
-        </p:blipFill>
-        <p:spPr>
-          <a:xfrm>
-            <a:off x="7218083" y="3062254"/>
-            <a:ext cx="752103" cy="752103"/>
-          </a:xfrm>
-          <a:prstGeom prst="rect">
-            <a:avLst/>
-          </a:prstGeom>
-          <a:noFill/>
-          <a:ln w="57150">
-            <a:noFill/>
-          </a:ln>
-        </p:spPr>
-      </p:pic>
-      <p:sp>
-        <p:nvSpPr>
-          <p:cNvPr id="13" name="正方形/長方形 12"/>
-          <p:cNvSpPr/>
-          <p:nvPr/>
-        </p:nvSpPr>
-        <p:spPr>
-          <a:xfrm>
-            <a:off x="7063861" y="2970962"/>
-            <a:ext cx="1060548" cy="843396"/>
-          </a:xfrm>
-          <a:prstGeom prst="rect">
-            <a:avLst/>
-          </a:prstGeom>
-          <a:noFill/>
-          <a:ln w="57150">
-            <a:solidFill>
-              <a:srgbClr val="0070C0"/>
-            </a:solidFill>
-          </a:ln>
-        </p:spPr>
-        <p:style>
-          <a:lnRef idx="2">
-            <a:schemeClr val="accent1">
-              <a:shade val="50000"/>
-            </a:schemeClr>
-          </a:lnRef>
-          <a:fillRef idx="1">
-            <a:schemeClr val="accent1"/>
-          </a:fillRef>
-          <a:effectRef idx="0">
-            <a:schemeClr val="accent1"/>
-          </a:effectRef>
-          <a:fontRef idx="minor">
-            <a:schemeClr val="lt1"/>
-          </a:fontRef>
-        </p:style>
-        <p:txBody>
-          <a:bodyPr rtlCol="0" anchor="ctr"/>
-          <a:lstStyle/>
-          <a:p>
-            <a:pPr algn="ctr"/>
-            <a:endParaRPr kumimoji="1" lang="ja-JP" altLang="en-US">
-              <a:solidFill>
-                <a:srgbClr val="FF0000"/>
-              </a:solidFill>
-            </a:endParaRPr>
-          </a:p>
-        </p:txBody>
-      </p:sp>
-      <p:sp>
-        <p:nvSpPr>
-          <p:cNvPr id="14" name="正方形/長方形 13"/>
-          <p:cNvSpPr/>
-          <p:nvPr/>
-        </p:nvSpPr>
-        <p:spPr>
-          <a:xfrm>
-            <a:off x="6397552" y="2456816"/>
-            <a:ext cx="2416837" cy="413976"/>
-          </a:xfrm>
-          <a:prstGeom prst="rect">
-            <a:avLst/>
-          </a:prstGeom>
-          <a:noFill/>
-          <a:ln w="57150">
-            <a:solidFill>
-              <a:srgbClr val="0070C0"/>
-            </a:solidFill>
-          </a:ln>
-        </p:spPr>
-        <p:style>
-          <a:lnRef idx="2">
-            <a:schemeClr val="accent1">
-              <a:shade val="50000"/>
-            </a:schemeClr>
-          </a:lnRef>
-          <a:fillRef idx="1">
-            <a:schemeClr val="accent1"/>
-          </a:fillRef>
-          <a:effectRef idx="0">
-            <a:schemeClr val="accent1"/>
-          </a:effectRef>
-          <a:fontRef idx="minor">
-            <a:schemeClr val="lt1"/>
-          </a:fontRef>
-        </p:style>
-        <p:txBody>
-          <a:bodyPr rtlCol="0" anchor="ctr"/>
-          <a:lstStyle/>
-          <a:p>
-            <a:pPr algn="ctr"/>
-            <a:endParaRPr kumimoji="1" lang="ja-JP" altLang="en-US">
-              <a:solidFill>
-                <a:srgbClr val="FF0000"/>
-              </a:solidFill>
-            </a:endParaRPr>
-          </a:p>
-        </p:txBody>
-      </p:sp>
-      <p:cxnSp>
-        <p:nvCxnSpPr>
-          <p:cNvPr id="16" name="直線矢印コネクタ 15"/>
-          <p:cNvCxnSpPr/>
-          <p:nvPr/>
-        </p:nvCxnSpPr>
-        <p:spPr>
-          <a:xfrm flipH="1" flipV="1">
-            <a:off x="8223161" y="3414084"/>
-            <a:ext cx="2166953" cy="249035"/>
-          </a:xfrm>
-          <a:prstGeom prst="straightConnector1">
-            <a:avLst/>
-          </a:prstGeom>
-          <a:ln w="57150">
-            <a:solidFill>
-              <a:srgbClr val="0070C0"/>
-            </a:solidFill>
-            <a:tailEnd type="triangle"/>
-          </a:ln>
-        </p:spPr>
-        <p:style>
-          <a:lnRef idx="1">
-            <a:schemeClr val="accent1"/>
-          </a:lnRef>
-          <a:fillRef idx="0">
-            <a:schemeClr val="accent1"/>
-          </a:fillRef>
-          <a:effectRef idx="0">
-            <a:schemeClr val="accent1"/>
-          </a:effectRef>
-          <a:fontRef idx="minor">
-            <a:schemeClr val="tx1"/>
-          </a:fontRef>
-        </p:style>
-      </p:cxnSp>
-      <p:cxnSp>
-        <p:nvCxnSpPr>
-          <p:cNvPr id="18" name="直線矢印コネクタ 17"/>
-          <p:cNvCxnSpPr/>
-          <p:nvPr/>
-        </p:nvCxnSpPr>
-        <p:spPr>
-          <a:xfrm flipH="1">
-            <a:off x="8612372" y="3930234"/>
-            <a:ext cx="1777743" cy="1024538"/>
-          </a:xfrm>
-          <a:prstGeom prst="straightConnector1">
-            <a:avLst/>
-          </a:prstGeom>
-          <a:ln w="57150">
-            <a:solidFill>
-              <a:srgbClr val="FF0000"/>
-            </a:solidFill>
-            <a:tailEnd type="triangle"/>
-          </a:ln>
-        </p:spPr>
-        <p:style>
-          <a:lnRef idx="1">
-            <a:schemeClr val="accent1"/>
-          </a:lnRef>
-          <a:fillRef idx="0">
-            <a:schemeClr val="accent1"/>
-          </a:fillRef>
-          <a:effectRef idx="0">
-            <a:schemeClr val="accent1"/>
-          </a:effectRef>
-          <a:fontRef idx="minor">
-            <a:schemeClr val="tx1"/>
-          </a:fontRef>
-        </p:style>
-      </p:cxnSp>
-      <p:sp>
-        <p:nvSpPr>
-          <p:cNvPr id="21" name="テキスト ボックス 20"/>
-          <p:cNvSpPr txBox="1"/>
-          <p:nvPr/>
-        </p:nvSpPr>
-        <p:spPr>
-          <a:xfrm>
-            <a:off x="9219311" y="2892270"/>
-            <a:ext cx="1800493" cy="646331"/>
-          </a:xfrm>
-          <a:prstGeom prst="rect">
-            <a:avLst/>
-          </a:prstGeom>
-          <a:noFill/>
-        </p:spPr>
-        <p:txBody>
-          <a:bodyPr wrap="none" rtlCol="0">
-            <a:spAutoFit/>
-          </a:bodyPr>
-          <a:lstStyle/>
-          <a:p>
-            <a:r>
-              <a:rPr kumimoji="1" lang="ja-JP" altLang="en-US" b="1">
-                <a:solidFill>
-                  <a:srgbClr val="1971C0"/>
-                </a:solidFill>
-              </a:rPr>
-              <a:t>ログイン済みの</a:t>
-            </a:r>
-            <a:endParaRPr lang="en-US" altLang="ja-JP" b="1">
-              <a:solidFill>
-                <a:srgbClr val="1971C0"/>
-              </a:solidFill>
-            </a:endParaRPr>
-          </a:p>
-          <a:p>
-            <a:r>
-              <a:rPr kumimoji="1" lang="en-US" altLang="ja-JP" b="1">
-                <a:solidFill>
-                  <a:srgbClr val="1971C0"/>
-                </a:solidFill>
-              </a:rPr>
-              <a:t>Cookie</a:t>
-            </a:r>
-            <a:endParaRPr kumimoji="1" lang="ja-JP" altLang="en-US" b="1">
-              <a:solidFill>
-                <a:srgbClr val="1971C0"/>
-              </a:solidFill>
-            </a:endParaRPr>
-          </a:p>
-        </p:txBody>
-      </p:sp>
-      <p:sp>
-        <p:nvSpPr>
-          <p:cNvPr id="22" name="テキスト ボックス 21"/>
-          <p:cNvSpPr txBox="1"/>
-          <p:nvPr/>
-        </p:nvSpPr>
-        <p:spPr>
-          <a:xfrm>
-            <a:off x="10255881" y="4514856"/>
-            <a:ext cx="1888659" cy="646331"/>
-          </a:xfrm>
-          <a:prstGeom prst="rect">
-            <a:avLst/>
-          </a:prstGeom>
-          <a:noFill/>
-        </p:spPr>
-        <p:txBody>
-          <a:bodyPr wrap="none" rtlCol="0">
-            <a:spAutoFit/>
-          </a:bodyPr>
-          <a:lstStyle/>
-          <a:p>
-            <a:r>
-              <a:rPr kumimoji="1" lang="en-US" altLang="ja-JP" b="1">
-                <a:solidFill>
-                  <a:srgbClr val="4B4B4B"/>
-                </a:solidFill>
-              </a:rPr>
-              <a:t>SNS </a:t>
-            </a:r>
-            <a:r>
-              <a:rPr kumimoji="1" lang="ja-JP" altLang="en-US" b="1">
-                <a:solidFill>
-                  <a:srgbClr val="4B4B4B"/>
-                </a:solidFill>
-              </a:rPr>
-              <a:t>にログイン</a:t>
-            </a:r>
-            <a:endParaRPr kumimoji="1" lang="en-US" altLang="ja-JP" b="1">
-              <a:solidFill>
-                <a:srgbClr val="4B4B4B"/>
-              </a:solidFill>
-            </a:endParaRPr>
-          </a:p>
-          <a:p>
-            <a:r>
-              <a:rPr kumimoji="1" lang="ja-JP" altLang="en-US" b="1">
-                <a:solidFill>
-                  <a:srgbClr val="4B4B4B"/>
-                </a:solidFill>
-              </a:rPr>
-              <a:t>済みのユーザ</a:t>
-            </a:r>
-          </a:p>
-        </p:txBody>
-      </p:sp>
-      <p:sp>
-        <p:nvSpPr>
-          <p:cNvPr id="17" name="テキスト ボックス 16"/>
-          <p:cNvSpPr txBox="1"/>
-          <p:nvPr/>
-        </p:nvSpPr>
-        <p:spPr>
-          <a:xfrm>
-            <a:off x="7296946" y="3814356"/>
-            <a:ext cx="603050" cy="369332"/>
-          </a:xfrm>
-          <a:prstGeom prst="rect">
-            <a:avLst/>
-          </a:prstGeom>
-          <a:noFill/>
-        </p:spPr>
-        <p:txBody>
-          <a:bodyPr wrap="none" rtlCol="0">
-            <a:spAutoFit/>
-          </a:bodyPr>
-          <a:lstStyle/>
-          <a:p>
-            <a:r>
-              <a:rPr kumimoji="1" lang="en-US" altLang="ja-JP" b="1">
-                <a:latin typeface="Menlo" charset="0"/>
-                <a:ea typeface="Menlo" charset="0"/>
-                <a:cs typeface="Menlo" charset="0"/>
-              </a:rPr>
-              <a:t>SNS</a:t>
-            </a:r>
-            <a:endParaRPr kumimoji="1" lang="ja-JP" altLang="en-US" b="1">
-              <a:latin typeface="Menlo" charset="0"/>
-              <a:ea typeface="Menlo" charset="0"/>
-              <a:cs typeface="Menlo" charset="0"/>
-            </a:endParaRPr>
-          </a:p>
-        </p:txBody>
-      </p:sp>
-      <p:sp>
-        <p:nvSpPr>
-          <p:cNvPr id="19" name="テキスト ボックス 18"/>
-          <p:cNvSpPr txBox="1"/>
-          <p:nvPr/>
-        </p:nvSpPr>
-        <p:spPr>
-          <a:xfrm>
-            <a:off x="7549128" y="5462327"/>
-            <a:ext cx="877163" cy="369332"/>
-          </a:xfrm>
-          <a:prstGeom prst="rect">
-            <a:avLst/>
-          </a:prstGeom>
-          <a:noFill/>
-        </p:spPr>
-        <p:txBody>
-          <a:bodyPr wrap="none" rtlCol="0">
-            <a:spAutoFit/>
-          </a:bodyPr>
-          <a:lstStyle/>
-          <a:p>
-            <a:r>
-              <a:rPr kumimoji="1" lang="ja-JP" altLang="en-US" b="1">
-                <a:latin typeface="+mn-ea"/>
-                <a:cs typeface="Menlo" charset="0"/>
-              </a:rPr>
-              <a:t>掲示板</a:t>
-            </a:r>
-          </a:p>
-        </p:txBody>
-      </p:sp>
-    </p:spTree>
-    <p:extLst>
-      <p:ext uri="{BB962C8B-B14F-4D97-AF65-F5344CB8AC3E}">
-        <p14:creationId xmlns:p14="http://schemas.microsoft.com/office/powerpoint/2010/main" val="979231888"/>
-      </p:ext>
-    </p:extLst>
-  </p:cSld>
-  <p:clrMapOvr>
-    <a:masterClrMapping/>
-  </p:clrMapOvr>
-  <mc:AlternateContent xmlns:mc="http://schemas.openxmlformats.org/markup-compatibility/2006">
-    <mc:Choice xmlns:p14="http://schemas.microsoft.com/office/powerpoint/2010/main" Requires="p14">
-      <p:transition spd="slow" p14:dur="2000"/>
-    </mc:Choice>
-    <mc:Fallback>
-      <p:transition spd="slow"/>
-    </mc:Fallback>
-  </mc:AlternateContent>
-  <p:timing>
-    <p:tnLst>
-      <p:par>
-        <p:cTn id="1" dur="indefinite" restart="never" nodeType="tmRoot"/>
-      </p:par>
-    </p:tnLst>
-  </p:timing>
-</p:sld>
-</file>
-
-<file path=ppt/slides/slide8.xml><?xml version="1.0" encoding="utf-8"?>
+<file path=ppt/slides/slide5.xml><?xml version="1.0" encoding="utf-8"?>
 <p:sld xmlns:a="http://schemas.openxmlformats.org/drawingml/2006/main" xmlns:r="http://schemas.openxmlformats.org/officeDocument/2006/relationships" xmlns:p="http://schemas.openxmlformats.org/presentationml/2006/main">
   <p:cSld>
     <p:spTree>
@@ -11798,7 +5840,7 @@
 </p:sld>
 </file>
 
-<file path=ppt/slides/slide9.xml><?xml version="1.0" encoding="utf-8"?>
+<file path=ppt/slides/slide6.xml><?xml version="1.0" encoding="utf-8"?>
 <p:sld xmlns:a="http://schemas.openxmlformats.org/drawingml/2006/main" xmlns:r="http://schemas.openxmlformats.org/officeDocument/2006/relationships" xmlns:p="http://schemas.openxmlformats.org/presentationml/2006/main">
   <p:cSld>
     <p:spTree>
@@ -13985,6 +8027,1458 @@
 </p:sld>
 </file>
 
+<file path=ppt/slides/slide7.xml><?xml version="1.0" encoding="utf-8"?>
+<p:sld xmlns:a="http://schemas.openxmlformats.org/drawingml/2006/main" xmlns:r="http://schemas.openxmlformats.org/officeDocument/2006/relationships" xmlns:p="http://schemas.openxmlformats.org/presentationml/2006/main">
+  <p:cSld>
+    <p:spTree>
+      <p:nvGrpSpPr>
+        <p:cNvPr id="1" name=""/>
+        <p:cNvGrpSpPr/>
+        <p:nvPr/>
+      </p:nvGrpSpPr>
+      <p:grpSpPr>
+        <a:xfrm>
+          <a:off x="0" y="0"/>
+          <a:ext cx="0" cy="0"/>
+          <a:chOff x="0" y="0"/>
+          <a:chExt cx="0" cy="0"/>
+        </a:xfrm>
+      </p:grpSpPr>
+      <p:sp>
+        <p:nvSpPr>
+          <p:cNvPr id="2" name="タイトル 1"/>
+          <p:cNvSpPr>
+            <a:spLocks noGrp="1"/>
+          </p:cNvSpPr>
+          <p:nvPr>
+            <p:ph type="title"/>
+          </p:nvPr>
+        </p:nvSpPr>
+        <p:spPr>
+          <a:xfrm>
+            <a:off x="157717" y="152474"/>
+            <a:ext cx="10515600" cy="1325563"/>
+          </a:xfrm>
+        </p:spPr>
+        <p:txBody>
+          <a:bodyPr/>
+          <a:lstStyle/>
+          <a:p>
+            <a:r>
+              <a:rPr kumimoji="1" lang="ja-JP" altLang="en-US"/>
+              <a:t>実験結果</a:t>
+            </a:r>
+          </a:p>
+        </p:txBody>
+      </p:sp>
+      <p:sp>
+        <p:nvSpPr>
+          <p:cNvPr id="3" name="コンテンツ プレースホルダー 2"/>
+          <p:cNvSpPr>
+            <a:spLocks noGrp="1"/>
+          </p:cNvSpPr>
+          <p:nvPr>
+            <p:ph idx="1"/>
+          </p:nvPr>
+        </p:nvSpPr>
+        <p:spPr>
+          <a:xfrm>
+            <a:off x="838200" y="1378800"/>
+            <a:ext cx="10515600" cy="4351338"/>
+          </a:xfrm>
+        </p:spPr>
+        <p:txBody>
+          <a:bodyPr/>
+          <a:lstStyle/>
+          <a:p>
+            <a:pPr>
+              <a:lnSpc>
+                <a:spcPct val="150000"/>
+              </a:lnSpc>
+            </a:pPr>
+            <a:r>
+              <a:rPr kumimoji="1" lang="ja-JP" altLang="en-US"/>
+              <a:t>被験者</a:t>
+            </a:r>
+            <a:r>
+              <a:rPr kumimoji="1" lang="en-US" altLang="ja-JP"/>
+              <a:t> </a:t>
+            </a:r>
+            <a:r>
+              <a:rPr kumimoji="1" lang="en-US" altLang="ja-JP" b="1" u="sng"/>
+              <a:t>15</a:t>
+            </a:r>
+            <a:r>
+              <a:rPr kumimoji="1" lang="ja-JP" altLang="en-US" b="1" u="sng"/>
+              <a:t> 名中、</a:t>
+            </a:r>
+            <a:r>
+              <a:rPr kumimoji="1" lang="en-US" altLang="ja-JP" b="1" u="sng"/>
+              <a:t>13 </a:t>
+            </a:r>
+            <a:r>
+              <a:rPr kumimoji="1" lang="ja-JP" altLang="en-US" b="1" u="sng"/>
+              <a:t>名</a:t>
+            </a:r>
+            <a:r>
+              <a:rPr kumimoji="1" lang="ja-JP" altLang="en-US"/>
+              <a:t>を特定することが可能</a:t>
+            </a:r>
+            <a:endParaRPr kumimoji="1" lang="en-US" altLang="ja-JP"/>
+          </a:p>
+          <a:p>
+            <a:pPr>
+              <a:lnSpc>
+                <a:spcPct val="150000"/>
+              </a:lnSpc>
+            </a:pPr>
+            <a:r>
+              <a:rPr lang="ja-JP" altLang="en-US"/>
+              <a:t>特定した</a:t>
+            </a:r>
+            <a:r>
+              <a:rPr lang="en-US" altLang="ja-JP"/>
+              <a:t> SNS </a:t>
+            </a:r>
+            <a:r>
+              <a:rPr lang="ja-JP" altLang="en-US"/>
+              <a:t>アカウントの正答率は</a:t>
+            </a:r>
+            <a:r>
+              <a:rPr lang="en-US" altLang="ja-JP"/>
+              <a:t> 100 %</a:t>
+            </a:r>
+          </a:p>
+          <a:p>
+            <a:pPr>
+              <a:lnSpc>
+                <a:spcPct val="150000"/>
+              </a:lnSpc>
+            </a:pPr>
+            <a:r>
+              <a:rPr lang="ja-JP" altLang="en-US"/>
+              <a:t>残り</a:t>
+            </a:r>
+            <a:r>
+              <a:rPr lang="en-US" altLang="ja-JP"/>
+              <a:t> 2 </a:t>
+            </a:r>
+            <a:r>
+              <a:rPr lang="ja-JP" altLang="en-US"/>
+              <a:t>名は</a:t>
+            </a:r>
+            <a:r>
+              <a:rPr lang="en-US" altLang="ja-JP"/>
+              <a:t> </a:t>
+            </a:r>
+            <a:r>
+              <a:rPr lang="en-US" altLang="ja-JP" b="1" u="sng"/>
+              <a:t>Cookie </a:t>
+            </a:r>
+            <a:r>
+              <a:rPr lang="ja-JP" altLang="en-US" b="1" u="sng"/>
+              <a:t>が送信されていなかった</a:t>
+            </a:r>
+            <a:r>
+              <a:rPr lang="ja-JP" altLang="en-US"/>
+              <a:t>ため特定不可</a:t>
+            </a:r>
+            <a:endParaRPr kumimoji="1" lang="en-US" altLang="ja-JP"/>
+          </a:p>
+        </p:txBody>
+      </p:sp>
+    </p:spTree>
+    <p:extLst>
+      <p:ext uri="{BB962C8B-B14F-4D97-AF65-F5344CB8AC3E}">
+        <p14:creationId xmlns:p14="http://schemas.microsoft.com/office/powerpoint/2010/main" val="1048675044"/>
+      </p:ext>
+    </p:extLst>
+  </p:cSld>
+  <p:clrMapOvr>
+    <a:masterClrMapping/>
+  </p:clrMapOvr>
+  <p:timing>
+    <p:tnLst>
+      <p:par>
+        <p:cTn id="1" dur="indefinite" restart="never" nodeType="tmRoot"/>
+      </p:par>
+    </p:tnLst>
+  </p:timing>
+</p:sld>
+</file>
+
+<file path=ppt/slides/slide8.xml><?xml version="1.0" encoding="utf-8"?>
+<p:sld xmlns:a="http://schemas.openxmlformats.org/drawingml/2006/main" xmlns:r="http://schemas.openxmlformats.org/officeDocument/2006/relationships" xmlns:p="http://schemas.openxmlformats.org/presentationml/2006/main">
+  <p:cSld>
+    <p:spTree>
+      <p:nvGrpSpPr>
+        <p:cNvPr id="1" name=""/>
+        <p:cNvGrpSpPr/>
+        <p:nvPr/>
+      </p:nvGrpSpPr>
+      <p:grpSpPr>
+        <a:xfrm>
+          <a:off x="0" y="0"/>
+          <a:ext cx="0" cy="0"/>
+          <a:chOff x="0" y="0"/>
+          <a:chExt cx="0" cy="0"/>
+        </a:xfrm>
+      </p:grpSpPr>
+      <p:sp>
+        <p:nvSpPr>
+          <p:cNvPr id="2" name="タイトル 1"/>
+          <p:cNvSpPr>
+            <a:spLocks noGrp="1"/>
+          </p:cNvSpPr>
+          <p:nvPr>
+            <p:ph type="title"/>
+          </p:nvPr>
+        </p:nvSpPr>
+        <p:spPr>
+          <a:xfrm>
+            <a:off x="157717" y="152474"/>
+            <a:ext cx="10515600" cy="1325563"/>
+          </a:xfrm>
+        </p:spPr>
+        <p:txBody>
+          <a:bodyPr/>
+          <a:lstStyle/>
+          <a:p>
+            <a:r>
+              <a:rPr lang="ja-JP" altLang="en-US"/>
+              <a:t>考察</a:t>
+            </a:r>
+            <a:endParaRPr kumimoji="1" lang="ja-JP" altLang="en-US"/>
+          </a:p>
+        </p:txBody>
+      </p:sp>
+      <p:sp>
+        <p:nvSpPr>
+          <p:cNvPr id="3" name="コンテンツ プレースホルダー 2"/>
+          <p:cNvSpPr>
+            <a:spLocks noGrp="1"/>
+          </p:cNvSpPr>
+          <p:nvPr>
+            <p:ph idx="1"/>
+          </p:nvPr>
+        </p:nvSpPr>
+        <p:spPr>
+          <a:xfrm>
+            <a:off x="838200" y="1378800"/>
+            <a:ext cx="10515600" cy="4351338"/>
+          </a:xfrm>
+        </p:spPr>
+        <p:txBody>
+          <a:bodyPr/>
+          <a:lstStyle/>
+          <a:p>
+            <a:pPr>
+              <a:lnSpc>
+                <a:spcPct val="130000"/>
+              </a:lnSpc>
+            </a:pPr>
+            <a:r>
+              <a:rPr lang="en-US" altLang="ja-JP"/>
+              <a:t>Cookie </a:t>
+            </a:r>
+            <a:r>
+              <a:rPr lang="ja-JP" altLang="en-US"/>
+              <a:t>が送信されなかった理由は、</a:t>
+            </a:r>
+            <a:r>
+              <a:rPr lang="ja-JP" altLang="en-US" b="1" u="sng"/>
+              <a:t>サードパーティ</a:t>
+            </a:r>
+            <a:r>
+              <a:rPr lang="en-US" altLang="ja-JP" b="1" u="sng"/>
+              <a:t> Cookie </a:t>
+            </a:r>
+            <a:r>
+              <a:rPr lang="ja-JP" altLang="en-US" b="1" u="sng"/>
+              <a:t>がブロックされていた</a:t>
+            </a:r>
+            <a:r>
+              <a:rPr lang="ja-JP" altLang="en-US"/>
+              <a:t>ため</a:t>
+            </a:r>
+            <a:endParaRPr lang="en-US" altLang="ja-JP"/>
+          </a:p>
+          <a:p>
+            <a:pPr lvl="1">
+              <a:lnSpc>
+                <a:spcPct val="130000"/>
+              </a:lnSpc>
+            </a:pPr>
+            <a:r>
+              <a:rPr lang="ja-JP" altLang="en-US"/>
+              <a:t>サードパーティ</a:t>
+            </a:r>
+            <a:r>
+              <a:rPr lang="en-US" altLang="ja-JP"/>
+              <a:t> Cookie </a:t>
+            </a:r>
+            <a:r>
+              <a:rPr lang="ja-JP" altLang="en-US"/>
+              <a:t>とは、ユーザが訪問する</a:t>
+            </a:r>
+            <a:r>
+              <a:rPr lang="en-US" altLang="ja-JP"/>
+              <a:t> Web </a:t>
+            </a:r>
+            <a:r>
+              <a:rPr lang="ja-JP" altLang="en-US"/>
+              <a:t>サイトとは異なる</a:t>
+            </a:r>
+            <a:r>
+              <a:rPr lang="en-US" altLang="ja-JP"/>
+              <a:t> Web </a:t>
+            </a:r>
+            <a:r>
+              <a:rPr lang="ja-JP" altLang="en-US"/>
+              <a:t>サイトに送信される</a:t>
+            </a:r>
+            <a:r>
+              <a:rPr lang="en-US" altLang="ja-JP"/>
+              <a:t> Cookie </a:t>
+            </a:r>
+            <a:r>
+              <a:rPr lang="ja-JP" altLang="en-US"/>
+              <a:t>のこと</a:t>
+            </a:r>
+            <a:endParaRPr kumimoji="1" lang="en-US" altLang="ja-JP"/>
+          </a:p>
+        </p:txBody>
+      </p:sp>
+      <p:sp>
+        <p:nvSpPr>
+          <p:cNvPr id="20" name="正方形/長方形 19"/>
+          <p:cNvSpPr/>
+          <p:nvPr/>
+        </p:nvSpPr>
+        <p:spPr>
+          <a:xfrm>
+            <a:off x="1912469" y="4262916"/>
+            <a:ext cx="2270999" cy="2074098"/>
+          </a:xfrm>
+          <a:prstGeom prst="rect">
+            <a:avLst/>
+          </a:prstGeom>
+          <a:solidFill>
+            <a:schemeClr val="bg1">
+              <a:lumMod val="95000"/>
+            </a:schemeClr>
+          </a:solidFill>
+          <a:ln w="57150">
+            <a:solidFill>
+              <a:srgbClr val="FF0000"/>
+            </a:solidFill>
+          </a:ln>
+        </p:spPr>
+        <p:style>
+          <a:lnRef idx="2">
+            <a:schemeClr val="accent1">
+              <a:shade val="50000"/>
+            </a:schemeClr>
+          </a:lnRef>
+          <a:fillRef idx="1">
+            <a:schemeClr val="accent1"/>
+          </a:fillRef>
+          <a:effectRef idx="0">
+            <a:schemeClr val="accent1"/>
+          </a:effectRef>
+          <a:fontRef idx="minor">
+            <a:schemeClr val="lt1"/>
+          </a:fontRef>
+        </p:style>
+        <p:txBody>
+          <a:bodyPr rtlCol="0" anchor="ctr"/>
+          <a:lstStyle/>
+          <a:p>
+            <a:pPr algn="ctr"/>
+            <a:endParaRPr kumimoji="1" lang="ja-JP" altLang="en-US">
+              <a:solidFill>
+                <a:srgbClr val="FF0000"/>
+              </a:solidFill>
+            </a:endParaRPr>
+          </a:p>
+        </p:txBody>
+      </p:sp>
+      <p:pic>
+        <p:nvPicPr>
+          <p:cNvPr id="21" name="図 20"/>
+          <p:cNvPicPr>
+            <a:picLocks noChangeAspect="1"/>
+          </p:cNvPicPr>
+          <p:nvPr/>
+        </p:nvPicPr>
+        <p:blipFill>
+          <a:blip r:embed="rId2">
+            <a:extLst>
+              <a:ext uri="{28A0092B-C50C-407E-A947-70E740481C1C}">
+                <a14:useLocalDpi xmlns:a14="http://schemas.microsoft.com/office/drawing/2010/main" val="0"/>
+              </a:ext>
+            </a:extLst>
+          </a:blip>
+          <a:stretch>
+            <a:fillRect/>
+          </a:stretch>
+        </p:blipFill>
+        <p:spPr>
+          <a:xfrm>
+            <a:off x="2839948" y="5826655"/>
+            <a:ext cx="1187872" cy="357639"/>
+          </a:xfrm>
+          <a:prstGeom prst="rect">
+            <a:avLst/>
+          </a:prstGeom>
+        </p:spPr>
+      </p:pic>
+      <p:pic>
+        <p:nvPicPr>
+          <p:cNvPr id="23" name="図 22"/>
+          <p:cNvPicPr>
+            <a:picLocks noChangeAspect="1"/>
+          </p:cNvPicPr>
+          <p:nvPr/>
+        </p:nvPicPr>
+        <p:blipFill>
+          <a:blip r:embed="rId3">
+            <a:extLst>
+              <a:ext uri="{28A0092B-C50C-407E-A947-70E740481C1C}">
+                <a14:useLocalDpi xmlns:a14="http://schemas.microsoft.com/office/drawing/2010/main" val="0"/>
+              </a:ext>
+            </a:extLst>
+          </a:blip>
+          <a:stretch>
+            <a:fillRect/>
+          </a:stretch>
+        </p:blipFill>
+        <p:spPr>
+          <a:xfrm>
+            <a:off x="9244773" y="5094519"/>
+            <a:ext cx="543245" cy="543245"/>
+          </a:xfrm>
+          <a:prstGeom prst="rect">
+            <a:avLst/>
+          </a:prstGeom>
+        </p:spPr>
+      </p:pic>
+      <p:pic>
+        <p:nvPicPr>
+          <p:cNvPr id="24" name="図 23"/>
+          <p:cNvPicPr>
+            <a:picLocks noChangeAspect="1"/>
+          </p:cNvPicPr>
+          <p:nvPr/>
+        </p:nvPicPr>
+        <p:blipFill>
+          <a:blip r:embed="rId4">
+            <a:extLst>
+              <a:ext uri="{28A0092B-C50C-407E-A947-70E740481C1C}">
+                <a14:useLocalDpi xmlns:a14="http://schemas.microsoft.com/office/drawing/2010/main" val="0"/>
+              </a:ext>
+            </a:extLst>
+          </a:blip>
+          <a:stretch>
+            <a:fillRect/>
+          </a:stretch>
+        </p:blipFill>
+        <p:spPr>
+          <a:xfrm>
+            <a:off x="8499700" y="4602593"/>
+            <a:ext cx="807097" cy="807097"/>
+          </a:xfrm>
+          <a:prstGeom prst="rect">
+            <a:avLst/>
+          </a:prstGeom>
+        </p:spPr>
+      </p:pic>
+      <p:pic>
+        <p:nvPicPr>
+          <p:cNvPr id="25" name="図 24"/>
+          <p:cNvPicPr>
+            <a:picLocks noChangeAspect="1"/>
+          </p:cNvPicPr>
+          <p:nvPr/>
+        </p:nvPicPr>
+        <p:blipFill>
+          <a:blip r:embed="rId5">
+            <a:extLst>
+              <a:ext uri="{28A0092B-C50C-407E-A947-70E740481C1C}">
+                <a14:useLocalDpi xmlns:a14="http://schemas.microsoft.com/office/drawing/2010/main" val="0"/>
+              </a:ext>
+            </a:extLst>
+          </a:blip>
+          <a:stretch>
+            <a:fillRect/>
+          </a:stretch>
+        </p:blipFill>
+        <p:spPr>
+          <a:xfrm>
+            <a:off x="4716986" y="4265756"/>
+            <a:ext cx="752103" cy="752103"/>
+          </a:xfrm>
+          <a:prstGeom prst="rect">
+            <a:avLst/>
+          </a:prstGeom>
+          <a:noFill/>
+          <a:ln w="57150">
+            <a:noFill/>
+          </a:ln>
+        </p:spPr>
+      </p:pic>
+      <p:pic>
+        <p:nvPicPr>
+          <p:cNvPr id="26" name="図 25"/>
+          <p:cNvPicPr>
+            <a:picLocks noChangeAspect="1"/>
+          </p:cNvPicPr>
+          <p:nvPr/>
+        </p:nvPicPr>
+        <p:blipFill>
+          <a:blip r:embed="rId5">
+            <a:extLst>
+              <a:ext uri="{28A0092B-C50C-407E-A947-70E740481C1C}">
+                <a14:useLocalDpi xmlns:a14="http://schemas.microsoft.com/office/drawing/2010/main" val="0"/>
+              </a:ext>
+            </a:extLst>
+          </a:blip>
+          <a:stretch>
+            <a:fillRect/>
+          </a:stretch>
+        </p:blipFill>
+        <p:spPr>
+          <a:xfrm>
+            <a:off x="4727618" y="5577570"/>
+            <a:ext cx="752103" cy="752103"/>
+          </a:xfrm>
+          <a:prstGeom prst="rect">
+            <a:avLst/>
+          </a:prstGeom>
+          <a:noFill/>
+          <a:ln w="57150">
+            <a:noFill/>
+          </a:ln>
+        </p:spPr>
+      </p:pic>
+      <p:sp>
+        <p:nvSpPr>
+          <p:cNvPr id="27" name="正方形/長方形 26"/>
+          <p:cNvSpPr/>
+          <p:nvPr/>
+        </p:nvSpPr>
+        <p:spPr>
+          <a:xfrm>
+            <a:off x="4648697" y="4256526"/>
+            <a:ext cx="888680" cy="770561"/>
+          </a:xfrm>
+          <a:prstGeom prst="rect">
+            <a:avLst/>
+          </a:prstGeom>
+          <a:noFill/>
+          <a:ln w="57150">
+            <a:solidFill>
+              <a:srgbClr val="FF0000"/>
+            </a:solidFill>
+          </a:ln>
+        </p:spPr>
+        <p:style>
+          <a:lnRef idx="2">
+            <a:schemeClr val="accent1">
+              <a:shade val="50000"/>
+            </a:schemeClr>
+          </a:lnRef>
+          <a:fillRef idx="1">
+            <a:schemeClr val="accent1"/>
+          </a:fillRef>
+          <a:effectRef idx="0">
+            <a:schemeClr val="accent1"/>
+          </a:effectRef>
+          <a:fontRef idx="minor">
+            <a:schemeClr val="lt1"/>
+          </a:fontRef>
+        </p:style>
+        <p:txBody>
+          <a:bodyPr rtlCol="0" anchor="ctr"/>
+          <a:lstStyle/>
+          <a:p>
+            <a:pPr algn="ctr"/>
+            <a:endParaRPr kumimoji="1" lang="ja-JP" altLang="en-US">
+              <a:solidFill>
+                <a:srgbClr val="FF0000"/>
+              </a:solidFill>
+            </a:endParaRPr>
+          </a:p>
+        </p:txBody>
+      </p:sp>
+      <p:sp>
+        <p:nvSpPr>
+          <p:cNvPr id="28" name="正方形/長方形 27"/>
+          <p:cNvSpPr/>
+          <p:nvPr/>
+        </p:nvSpPr>
+        <p:spPr>
+          <a:xfrm>
+            <a:off x="4659329" y="5568342"/>
+            <a:ext cx="888680" cy="770561"/>
+          </a:xfrm>
+          <a:prstGeom prst="rect">
+            <a:avLst/>
+          </a:prstGeom>
+          <a:noFill/>
+          <a:ln w="57150">
+            <a:solidFill>
+              <a:srgbClr val="0070C0"/>
+            </a:solidFill>
+          </a:ln>
+        </p:spPr>
+        <p:style>
+          <a:lnRef idx="2">
+            <a:schemeClr val="accent1">
+              <a:shade val="50000"/>
+            </a:schemeClr>
+          </a:lnRef>
+          <a:fillRef idx="1">
+            <a:schemeClr val="accent1"/>
+          </a:fillRef>
+          <a:effectRef idx="0">
+            <a:schemeClr val="accent1"/>
+          </a:effectRef>
+          <a:fontRef idx="minor">
+            <a:schemeClr val="lt1"/>
+          </a:fontRef>
+        </p:style>
+        <p:txBody>
+          <a:bodyPr rtlCol="0" anchor="ctr"/>
+          <a:lstStyle/>
+          <a:p>
+            <a:pPr algn="ctr"/>
+            <a:endParaRPr kumimoji="1" lang="ja-JP" altLang="en-US">
+              <a:solidFill>
+                <a:srgbClr val="FF0000"/>
+              </a:solidFill>
+            </a:endParaRPr>
+          </a:p>
+        </p:txBody>
+      </p:sp>
+      <p:sp>
+        <p:nvSpPr>
+          <p:cNvPr id="29" name="正方形/長方形 28"/>
+          <p:cNvSpPr/>
+          <p:nvPr/>
+        </p:nvSpPr>
+        <p:spPr>
+          <a:xfrm>
+            <a:off x="2754012" y="5759611"/>
+            <a:ext cx="1323945" cy="479991"/>
+          </a:xfrm>
+          <a:prstGeom prst="rect">
+            <a:avLst/>
+          </a:prstGeom>
+          <a:noFill/>
+          <a:ln w="57150">
+            <a:solidFill>
+              <a:srgbClr val="0070C0"/>
+            </a:solidFill>
+          </a:ln>
+        </p:spPr>
+        <p:style>
+          <a:lnRef idx="2">
+            <a:schemeClr val="accent1">
+              <a:shade val="50000"/>
+            </a:schemeClr>
+          </a:lnRef>
+          <a:fillRef idx="1">
+            <a:schemeClr val="accent1"/>
+          </a:fillRef>
+          <a:effectRef idx="0">
+            <a:schemeClr val="accent1"/>
+          </a:effectRef>
+          <a:fontRef idx="minor">
+            <a:schemeClr val="lt1"/>
+          </a:fontRef>
+        </p:style>
+        <p:txBody>
+          <a:bodyPr rtlCol="0" anchor="ctr"/>
+          <a:lstStyle/>
+          <a:p>
+            <a:pPr algn="ctr"/>
+            <a:endParaRPr kumimoji="1" lang="ja-JP" altLang="en-US">
+              <a:solidFill>
+                <a:srgbClr val="FF0000"/>
+              </a:solidFill>
+            </a:endParaRPr>
+          </a:p>
+        </p:txBody>
+      </p:sp>
+      <p:sp>
+        <p:nvSpPr>
+          <p:cNvPr id="30" name="テキスト ボックス 29"/>
+          <p:cNvSpPr txBox="1"/>
+          <p:nvPr/>
+        </p:nvSpPr>
+        <p:spPr>
+          <a:xfrm>
+            <a:off x="1800607" y="3914054"/>
+            <a:ext cx="1656223" cy="369332"/>
+          </a:xfrm>
+          <a:prstGeom prst="rect">
+            <a:avLst/>
+          </a:prstGeom>
+          <a:noFill/>
+        </p:spPr>
+        <p:txBody>
+          <a:bodyPr wrap="none" rtlCol="0">
+            <a:spAutoFit/>
+          </a:bodyPr>
+          <a:lstStyle/>
+          <a:p>
+            <a:r>
+              <a:rPr kumimoji="1" lang="en-US" altLang="ja-JP" b="1"/>
+              <a:t>Web </a:t>
+            </a:r>
+            <a:r>
+              <a:rPr kumimoji="1" lang="ja-JP" altLang="en-US" b="1"/>
+              <a:t>サイト</a:t>
+            </a:r>
+            <a:r>
+              <a:rPr kumimoji="1" lang="en-US" altLang="ja-JP" b="1"/>
+              <a:t> A</a:t>
+            </a:r>
+            <a:endParaRPr kumimoji="1" lang="ja-JP" altLang="en-US" b="1"/>
+          </a:p>
+        </p:txBody>
+      </p:sp>
+      <p:sp>
+        <p:nvSpPr>
+          <p:cNvPr id="31" name="テキスト ボックス 30"/>
+          <p:cNvSpPr txBox="1"/>
+          <p:nvPr/>
+        </p:nvSpPr>
+        <p:spPr>
+          <a:xfrm>
+            <a:off x="2647952" y="5156297"/>
+            <a:ext cx="1569660" cy="646331"/>
+          </a:xfrm>
+          <a:prstGeom prst="rect">
+            <a:avLst/>
+          </a:prstGeom>
+          <a:noFill/>
+        </p:spPr>
+        <p:txBody>
+          <a:bodyPr wrap="none" rtlCol="0">
+            <a:spAutoFit/>
+          </a:bodyPr>
+          <a:lstStyle/>
+          <a:p>
+            <a:pPr algn="ctr"/>
+            <a:r>
+              <a:rPr kumimoji="1" lang="en-US" altLang="ja-JP" b="1"/>
+              <a:t>SNS</a:t>
+            </a:r>
+          </a:p>
+          <a:p>
+            <a:pPr algn="ctr"/>
+            <a:r>
+              <a:rPr kumimoji="1" lang="ja-JP" altLang="en-US" b="1"/>
+              <a:t>シェアボタン</a:t>
+            </a:r>
+          </a:p>
+        </p:txBody>
+      </p:sp>
+      <p:sp>
+        <p:nvSpPr>
+          <p:cNvPr id="32" name="テキスト ボックス 31"/>
+          <p:cNvSpPr txBox="1"/>
+          <p:nvPr/>
+        </p:nvSpPr>
+        <p:spPr>
+          <a:xfrm>
+            <a:off x="4124156" y="3950524"/>
+            <a:ext cx="2098651" cy="307777"/>
+          </a:xfrm>
+          <a:prstGeom prst="rect">
+            <a:avLst/>
+          </a:prstGeom>
+          <a:noFill/>
+        </p:spPr>
+        <p:txBody>
+          <a:bodyPr wrap="none" rtlCol="0">
+            <a:spAutoFit/>
+          </a:bodyPr>
+          <a:lstStyle/>
+          <a:p>
+            <a:r>
+              <a:rPr kumimoji="1" lang="en-US" altLang="ja-JP" sz="1400" b="1"/>
+              <a:t>Web </a:t>
+            </a:r>
+            <a:r>
+              <a:rPr kumimoji="1" lang="ja-JP" altLang="en-US" sz="1400" b="1"/>
+              <a:t>サイト</a:t>
+            </a:r>
+            <a:r>
+              <a:rPr kumimoji="1" lang="en-US" altLang="ja-JP" sz="1400" b="1"/>
+              <a:t> A </a:t>
+            </a:r>
+            <a:r>
+              <a:rPr kumimoji="1" lang="ja-JP" altLang="en-US" sz="1400" b="1"/>
+              <a:t>のサーバ</a:t>
+            </a:r>
+          </a:p>
+        </p:txBody>
+      </p:sp>
+      <p:sp>
+        <p:nvSpPr>
+          <p:cNvPr id="33" name="テキスト ボックス 32"/>
+          <p:cNvSpPr txBox="1"/>
+          <p:nvPr/>
+        </p:nvSpPr>
+        <p:spPr>
+          <a:xfrm>
+            <a:off x="4508076" y="5269793"/>
+            <a:ext cx="1330814" cy="307777"/>
+          </a:xfrm>
+          <a:prstGeom prst="rect">
+            <a:avLst/>
+          </a:prstGeom>
+          <a:noFill/>
+        </p:spPr>
+        <p:txBody>
+          <a:bodyPr wrap="none" rtlCol="0">
+            <a:spAutoFit/>
+          </a:bodyPr>
+          <a:lstStyle/>
+          <a:p>
+            <a:pPr algn="ctr"/>
+            <a:r>
+              <a:rPr kumimoji="1" lang="en-US" altLang="ja-JP" sz="1400" b="1"/>
+              <a:t>SNS </a:t>
+            </a:r>
+            <a:r>
+              <a:rPr kumimoji="1" lang="ja-JP" altLang="en-US" sz="1400" b="1"/>
+              <a:t>のサーバ</a:t>
+            </a:r>
+          </a:p>
+        </p:txBody>
+      </p:sp>
+      <p:cxnSp>
+        <p:nvCxnSpPr>
+          <p:cNvPr id="34" name="直線矢印コネクタ 33"/>
+          <p:cNvCxnSpPr/>
+          <p:nvPr/>
+        </p:nvCxnSpPr>
+        <p:spPr>
+          <a:xfrm flipH="1">
+            <a:off x="5616299" y="5153766"/>
+            <a:ext cx="2777074" cy="767633"/>
+          </a:xfrm>
+          <a:prstGeom prst="straightConnector1">
+            <a:avLst/>
+          </a:prstGeom>
+          <a:ln w="57150">
+            <a:solidFill>
+              <a:srgbClr val="0070C0"/>
+            </a:solidFill>
+            <a:tailEnd type="triangle"/>
+          </a:ln>
+        </p:spPr>
+        <p:style>
+          <a:lnRef idx="1">
+            <a:schemeClr val="accent1"/>
+          </a:lnRef>
+          <a:fillRef idx="0">
+            <a:schemeClr val="accent1"/>
+          </a:fillRef>
+          <a:effectRef idx="0">
+            <a:schemeClr val="accent1"/>
+          </a:effectRef>
+          <a:fontRef idx="minor">
+            <a:schemeClr val="tx1"/>
+          </a:fontRef>
+        </p:style>
+      </p:cxnSp>
+      <p:cxnSp>
+        <p:nvCxnSpPr>
+          <p:cNvPr id="35" name="直線矢印コネクタ 34"/>
+          <p:cNvCxnSpPr>
+            <a:stCxn id="26" idx="1"/>
+          </p:cNvCxnSpPr>
+          <p:nvPr/>
+        </p:nvCxnSpPr>
+        <p:spPr>
+          <a:xfrm flipH="1" flipV="1">
+            <a:off x="5616300" y="4648020"/>
+            <a:ext cx="2777073" cy="358122"/>
+          </a:xfrm>
+          <a:prstGeom prst="straightConnector1">
+            <a:avLst/>
+          </a:prstGeom>
+          <a:ln w="57150">
+            <a:solidFill>
+              <a:srgbClr val="FF0000"/>
+            </a:solidFill>
+            <a:tailEnd type="triangle"/>
+          </a:ln>
+        </p:spPr>
+        <p:style>
+          <a:lnRef idx="1">
+            <a:schemeClr val="accent1"/>
+          </a:lnRef>
+          <a:fillRef idx="0">
+            <a:schemeClr val="accent1"/>
+          </a:fillRef>
+          <a:effectRef idx="0">
+            <a:schemeClr val="accent1"/>
+          </a:effectRef>
+          <a:fontRef idx="minor">
+            <a:schemeClr val="tx1"/>
+          </a:fontRef>
+        </p:style>
+      </p:cxnSp>
+      <p:sp>
+        <p:nvSpPr>
+          <p:cNvPr id="36" name="テキスト ボックス 35"/>
+          <p:cNvSpPr txBox="1"/>
+          <p:nvPr/>
+        </p:nvSpPr>
+        <p:spPr>
+          <a:xfrm>
+            <a:off x="6222807" y="5722582"/>
+            <a:ext cx="1800493" cy="646331"/>
+          </a:xfrm>
+          <a:prstGeom prst="rect">
+            <a:avLst/>
+          </a:prstGeom>
+          <a:noFill/>
+        </p:spPr>
+        <p:txBody>
+          <a:bodyPr wrap="none" rtlCol="0">
+            <a:spAutoFit/>
+          </a:bodyPr>
+          <a:lstStyle/>
+          <a:p>
+            <a:r>
+              <a:rPr kumimoji="1" lang="ja-JP" altLang="en-US" b="1">
+                <a:solidFill>
+                  <a:srgbClr val="1971C0"/>
+                </a:solidFill>
+              </a:rPr>
+              <a:t>サードパーティ</a:t>
+            </a:r>
+            <a:endParaRPr lang="en-US" altLang="ja-JP" b="1">
+              <a:solidFill>
+                <a:srgbClr val="1971C0"/>
+              </a:solidFill>
+            </a:endParaRPr>
+          </a:p>
+          <a:p>
+            <a:r>
+              <a:rPr kumimoji="1" lang="en-US" altLang="ja-JP" b="1">
+                <a:solidFill>
+                  <a:srgbClr val="1971C0"/>
+                </a:solidFill>
+              </a:rPr>
+              <a:t>Cookie</a:t>
+            </a:r>
+            <a:endParaRPr kumimoji="1" lang="ja-JP" altLang="en-US" b="1">
+              <a:solidFill>
+                <a:srgbClr val="1971C0"/>
+              </a:solidFill>
+            </a:endParaRPr>
+          </a:p>
+        </p:txBody>
+      </p:sp>
+      <p:sp>
+        <p:nvSpPr>
+          <p:cNvPr id="37" name="テキスト ボックス 36"/>
+          <p:cNvSpPr txBox="1"/>
+          <p:nvPr/>
+        </p:nvSpPr>
+        <p:spPr>
+          <a:xfrm>
+            <a:off x="8523369" y="5661027"/>
+            <a:ext cx="2149948" cy="707886"/>
+          </a:xfrm>
+          <a:prstGeom prst="rect">
+            <a:avLst/>
+          </a:prstGeom>
+          <a:noFill/>
+        </p:spPr>
+        <p:txBody>
+          <a:bodyPr wrap="none" rtlCol="0">
+            <a:spAutoFit/>
+          </a:bodyPr>
+          <a:lstStyle/>
+          <a:p>
+            <a:r>
+              <a:rPr kumimoji="1" lang="en-US" altLang="ja-JP" sz="2000" b="1">
+                <a:solidFill>
+                  <a:srgbClr val="4B4B4B"/>
+                </a:solidFill>
+              </a:rPr>
+              <a:t>Web </a:t>
+            </a:r>
+            <a:r>
+              <a:rPr kumimoji="1" lang="ja-JP" altLang="en-US" sz="2000" b="1">
+                <a:solidFill>
+                  <a:srgbClr val="4B4B4B"/>
+                </a:solidFill>
+              </a:rPr>
+              <a:t>サイト</a:t>
+            </a:r>
+            <a:r>
+              <a:rPr kumimoji="1" lang="en-US" altLang="ja-JP" sz="2000" b="1">
+                <a:solidFill>
+                  <a:srgbClr val="4B4B4B"/>
+                </a:solidFill>
+              </a:rPr>
+              <a:t> A </a:t>
+            </a:r>
+            <a:r>
+              <a:rPr kumimoji="1" lang="ja-JP" altLang="en-US" sz="2000" b="1">
+                <a:solidFill>
+                  <a:srgbClr val="4B4B4B"/>
+                </a:solidFill>
+              </a:rPr>
+              <a:t>に</a:t>
+            </a:r>
+            <a:endParaRPr kumimoji="1" lang="en-US" altLang="ja-JP" sz="2000" b="1">
+              <a:solidFill>
+                <a:srgbClr val="4B4B4B"/>
+              </a:solidFill>
+            </a:endParaRPr>
+          </a:p>
+          <a:p>
+            <a:r>
+              <a:rPr lang="ja-JP" altLang="en-US" sz="2000" b="1">
+                <a:solidFill>
+                  <a:srgbClr val="4B4B4B"/>
+                </a:solidFill>
+              </a:rPr>
+              <a:t>訪問したユーザ</a:t>
+            </a:r>
+            <a:endParaRPr kumimoji="1" lang="ja-JP" altLang="en-US" sz="2000" b="1">
+              <a:solidFill>
+                <a:srgbClr val="4B4B4B"/>
+              </a:solidFill>
+            </a:endParaRPr>
+          </a:p>
+        </p:txBody>
+      </p:sp>
+      <p:sp>
+        <p:nvSpPr>
+          <p:cNvPr id="38" name="テキスト ボックス 37"/>
+          <p:cNvSpPr txBox="1"/>
+          <p:nvPr/>
+        </p:nvSpPr>
+        <p:spPr>
+          <a:xfrm>
+            <a:off x="6223572" y="4128350"/>
+            <a:ext cx="2262158" cy="646331"/>
+          </a:xfrm>
+          <a:prstGeom prst="rect">
+            <a:avLst/>
+          </a:prstGeom>
+          <a:noFill/>
+        </p:spPr>
+        <p:txBody>
+          <a:bodyPr wrap="none" rtlCol="0">
+            <a:spAutoFit/>
+          </a:bodyPr>
+          <a:lstStyle/>
+          <a:p>
+            <a:r>
+              <a:rPr kumimoji="1" lang="ja-JP" altLang="en-US" b="1">
+                <a:solidFill>
+                  <a:srgbClr val="FF0000"/>
+                </a:solidFill>
+              </a:rPr>
+              <a:t>ファーストパーティ</a:t>
+            </a:r>
+            <a:endParaRPr kumimoji="1" lang="en-US" altLang="ja-JP" b="1">
+              <a:solidFill>
+                <a:srgbClr val="FF0000"/>
+              </a:solidFill>
+            </a:endParaRPr>
+          </a:p>
+          <a:p>
+            <a:r>
+              <a:rPr lang="en-US" altLang="ja-JP" b="1">
+                <a:solidFill>
+                  <a:srgbClr val="FF0000"/>
+                </a:solidFill>
+              </a:rPr>
+              <a:t>Cookie</a:t>
+            </a:r>
+            <a:endParaRPr kumimoji="1" lang="ja-JP" altLang="en-US" b="1">
+              <a:solidFill>
+                <a:srgbClr val="FF0000"/>
+              </a:solidFill>
+            </a:endParaRPr>
+          </a:p>
+        </p:txBody>
+      </p:sp>
+      <p:grpSp>
+        <p:nvGrpSpPr>
+          <p:cNvPr id="41" name="図形グループ 40"/>
+          <p:cNvGrpSpPr/>
+          <p:nvPr/>
+        </p:nvGrpSpPr>
+        <p:grpSpPr>
+          <a:xfrm>
+            <a:off x="6258614" y="4888266"/>
+            <a:ext cx="1318418" cy="1672550"/>
+            <a:chOff x="6391970" y="5111549"/>
+            <a:chExt cx="1318418" cy="1672550"/>
+          </a:xfrm>
+        </p:grpSpPr>
+        <p:pic>
+          <p:nvPicPr>
+            <p:cNvPr id="39" name="図 38"/>
+            <p:cNvPicPr>
+              <a:picLocks noChangeAspect="1"/>
+            </p:cNvPicPr>
+            <p:nvPr/>
+          </p:nvPicPr>
+          <p:blipFill>
+            <a:blip r:embed="rId6">
+              <a:extLst>
+                <a:ext uri="{28A0092B-C50C-407E-A947-70E740481C1C}">
+                  <a14:useLocalDpi xmlns:a14="http://schemas.microsoft.com/office/drawing/2010/main" val="0"/>
+                </a:ext>
+              </a:extLst>
+            </a:blip>
+            <a:stretch>
+              <a:fillRect/>
+            </a:stretch>
+          </p:blipFill>
+          <p:spPr>
+            <a:xfrm>
+              <a:off x="6391970" y="5465681"/>
+              <a:ext cx="1318418" cy="1318418"/>
+            </a:xfrm>
+            <a:prstGeom prst="rect">
+              <a:avLst/>
+            </a:prstGeom>
+          </p:spPr>
+        </p:pic>
+        <p:sp>
+          <p:nvSpPr>
+            <p:cNvPr id="40" name="テキスト ボックス 39"/>
+            <p:cNvSpPr txBox="1"/>
+            <p:nvPr/>
+          </p:nvSpPr>
+          <p:spPr>
+            <a:xfrm>
+              <a:off x="6500387" y="5111549"/>
+              <a:ext cx="1101584" cy="400110"/>
+            </a:xfrm>
+            <a:prstGeom prst="rect">
+              <a:avLst/>
+            </a:prstGeom>
+            <a:noFill/>
+          </p:spPr>
+          <p:txBody>
+            <a:bodyPr wrap="none" rtlCol="0">
+              <a:spAutoFit/>
+            </a:bodyPr>
+            <a:lstStyle/>
+            <a:p>
+              <a:pPr algn="ctr"/>
+              <a:r>
+                <a:rPr kumimoji="1" lang="en-US" altLang="ja-JP" sz="2000" b="1">
+                  <a:solidFill>
+                    <a:srgbClr val="4B4B4B"/>
+                  </a:solidFill>
+                  <a:latin typeface="Open Sans" charset="0"/>
+                  <a:ea typeface="Open Sans" charset="0"/>
+                  <a:cs typeface="Open Sans" charset="0"/>
+                </a:rPr>
+                <a:t>BLOCK!</a:t>
+              </a:r>
+              <a:endParaRPr kumimoji="1" lang="ja-JP" altLang="en-US" sz="2000" b="1">
+                <a:solidFill>
+                  <a:srgbClr val="4B4B4B"/>
+                </a:solidFill>
+                <a:latin typeface="Open Sans" charset="0"/>
+                <a:ea typeface="Open Sans" charset="0"/>
+                <a:cs typeface="Open Sans" charset="0"/>
+              </a:endParaRPr>
+            </a:p>
+          </p:txBody>
+        </p:sp>
+      </p:grpSp>
+    </p:spTree>
+    <p:extLst>
+      <p:ext uri="{BB962C8B-B14F-4D97-AF65-F5344CB8AC3E}">
+        <p14:creationId xmlns:p14="http://schemas.microsoft.com/office/powerpoint/2010/main" val="911398541"/>
+      </p:ext>
+    </p:extLst>
+  </p:cSld>
+  <p:clrMapOvr>
+    <a:masterClrMapping/>
+  </p:clrMapOvr>
+  <p:timing>
+    <p:tnLst>
+      <p:par>
+        <p:cTn id="1" dur="indefinite" restart="never" nodeType="tmRoot">
+          <p:childTnLst>
+            <p:seq concurrent="1" nextAc="seek">
+              <p:cTn id="2" dur="indefinite" nodeType="mainSeq">
+                <p:childTnLst>
+                  <p:par>
+                    <p:cTn id="3" fill="hold">
+                      <p:stCondLst>
+                        <p:cond delay="indefinite"/>
+                      </p:stCondLst>
+                      <p:childTnLst>
+                        <p:par>
+                          <p:cTn id="4" fill="hold">
+                            <p:stCondLst>
+                              <p:cond delay="0"/>
+                            </p:stCondLst>
+                            <p:childTnLst>
+                              <p:par>
+                                <p:cTn id="5" presetID="53" presetClass="entr" presetSubtype="16" fill="hold" nodeType="clickEffect">
+                                  <p:stCondLst>
+                                    <p:cond delay="0"/>
+                                  </p:stCondLst>
+                                  <p:childTnLst>
+                                    <p:set>
+                                      <p:cBhvr>
+                                        <p:cTn id="6" dur="1" fill="hold">
+                                          <p:stCondLst>
+                                            <p:cond delay="0"/>
+                                          </p:stCondLst>
+                                        </p:cTn>
+                                        <p:tgtEl>
+                                          <p:spTgt spid="41"/>
+                                        </p:tgtEl>
+                                        <p:attrNameLst>
+                                          <p:attrName>style.visibility</p:attrName>
+                                        </p:attrNameLst>
+                                      </p:cBhvr>
+                                      <p:to>
+                                        <p:strVal val="visible"/>
+                                      </p:to>
+                                    </p:set>
+                                    <p:anim calcmode="lin" valueType="num">
+                                      <p:cBhvr>
+                                        <p:cTn id="7" dur="500" fill="hold"/>
+                                        <p:tgtEl>
+                                          <p:spTgt spid="41"/>
+                                        </p:tgtEl>
+                                        <p:attrNameLst>
+                                          <p:attrName>ppt_w</p:attrName>
+                                        </p:attrNameLst>
+                                      </p:cBhvr>
+                                      <p:tavLst>
+                                        <p:tav tm="0">
+                                          <p:val>
+                                            <p:fltVal val="0"/>
+                                          </p:val>
+                                        </p:tav>
+                                        <p:tav tm="100000">
+                                          <p:val>
+                                            <p:strVal val="#ppt_w"/>
+                                          </p:val>
+                                        </p:tav>
+                                      </p:tavLst>
+                                    </p:anim>
+                                    <p:anim calcmode="lin" valueType="num">
+                                      <p:cBhvr>
+                                        <p:cTn id="8" dur="500" fill="hold"/>
+                                        <p:tgtEl>
+                                          <p:spTgt spid="41"/>
+                                        </p:tgtEl>
+                                        <p:attrNameLst>
+                                          <p:attrName>ppt_h</p:attrName>
+                                        </p:attrNameLst>
+                                      </p:cBhvr>
+                                      <p:tavLst>
+                                        <p:tav tm="0">
+                                          <p:val>
+                                            <p:fltVal val="0"/>
+                                          </p:val>
+                                        </p:tav>
+                                        <p:tav tm="100000">
+                                          <p:val>
+                                            <p:strVal val="#ppt_h"/>
+                                          </p:val>
+                                        </p:tav>
+                                      </p:tavLst>
+                                    </p:anim>
+                                    <p:animEffect transition="in" filter="fade">
+                                      <p:cBhvr>
+                                        <p:cTn id="9" dur="500"/>
+                                        <p:tgtEl>
+                                          <p:spTgt spid="41"/>
+                                        </p:tgtEl>
+                                      </p:cBhvr>
+                                    </p:animEffect>
+                                  </p:childTnLst>
+                                </p:cTn>
+                              </p:par>
+                            </p:childTnLst>
+                          </p:cTn>
+                        </p:par>
+                      </p:childTnLst>
+                    </p:cTn>
+                  </p:par>
+                </p:childTnLst>
+              </p:cTn>
+              <p:prevCondLst>
+                <p:cond evt="onPrev" delay="0">
+                  <p:tgtEl>
+                    <p:sldTgt/>
+                  </p:tgtEl>
+                </p:cond>
+              </p:prevCondLst>
+              <p:nextCondLst>
+                <p:cond evt="onNext" delay="0">
+                  <p:tgtEl>
+                    <p:sldTgt/>
+                  </p:tgtEl>
+                </p:cond>
+              </p:nextCondLst>
+            </p:seq>
+          </p:childTnLst>
+        </p:cTn>
+      </p:par>
+    </p:tnLst>
+  </p:timing>
+</p:sld>
+</file>
+
+<file path=ppt/slides/slide9.xml><?xml version="1.0" encoding="utf-8"?>
+<p:sld xmlns:a="http://schemas.openxmlformats.org/drawingml/2006/main" xmlns:r="http://schemas.openxmlformats.org/officeDocument/2006/relationships" xmlns:p="http://schemas.openxmlformats.org/presentationml/2006/main">
+  <p:cSld>
+    <p:spTree>
+      <p:nvGrpSpPr>
+        <p:cNvPr id="1" name=""/>
+        <p:cNvGrpSpPr/>
+        <p:nvPr/>
+      </p:nvGrpSpPr>
+      <p:grpSpPr>
+        <a:xfrm>
+          <a:off x="0" y="0"/>
+          <a:ext cx="0" cy="0"/>
+          <a:chOff x="0" y="0"/>
+          <a:chExt cx="0" cy="0"/>
+        </a:xfrm>
+      </p:grpSpPr>
+      <p:sp>
+        <p:nvSpPr>
+          <p:cNvPr id="2" name="タイトル 1"/>
+          <p:cNvSpPr>
+            <a:spLocks noGrp="1"/>
+          </p:cNvSpPr>
+          <p:nvPr>
+            <p:ph type="title"/>
+          </p:nvPr>
+        </p:nvSpPr>
+        <p:spPr>
+          <a:xfrm>
+            <a:off x="157717" y="152474"/>
+            <a:ext cx="10515600" cy="1325563"/>
+          </a:xfrm>
+        </p:spPr>
+        <p:txBody>
+          <a:bodyPr/>
+          <a:lstStyle/>
+          <a:p>
+            <a:r>
+              <a:rPr kumimoji="1" lang="ja-JP" altLang="en-US"/>
+              <a:t>まとめ</a:t>
+            </a:r>
+          </a:p>
+        </p:txBody>
+      </p:sp>
+      <p:sp>
+        <p:nvSpPr>
+          <p:cNvPr id="3" name="コンテンツ プレースホルダー 2"/>
+          <p:cNvSpPr>
+            <a:spLocks noGrp="1"/>
+          </p:cNvSpPr>
+          <p:nvPr>
+            <p:ph idx="1"/>
+          </p:nvPr>
+        </p:nvSpPr>
+        <p:spPr>
+          <a:xfrm>
+            <a:off x="838200" y="1378800"/>
+            <a:ext cx="10515600" cy="4351338"/>
+          </a:xfrm>
+        </p:spPr>
+        <p:txBody>
+          <a:bodyPr/>
+          <a:lstStyle/>
+          <a:p>
+            <a:pPr>
+              <a:lnSpc>
+                <a:spcPct val="150000"/>
+              </a:lnSpc>
+            </a:pPr>
+            <a:r>
+              <a:rPr lang="en-US" altLang="ja-JP"/>
+              <a:t>IP </a:t>
+            </a:r>
+            <a:r>
+              <a:rPr lang="ja-JP" altLang="en-US"/>
+              <a:t>アドレスによる特定が困難な場合でも有効</a:t>
+            </a:r>
+            <a:endParaRPr lang="en-US" altLang="ja-JP"/>
+          </a:p>
+          <a:p>
+            <a:pPr>
+              <a:lnSpc>
+                <a:spcPct val="150000"/>
+              </a:lnSpc>
+            </a:pPr>
+            <a:r>
+              <a:rPr lang="ja-JP" altLang="en-US"/>
+              <a:t>サードパーティ</a:t>
+            </a:r>
+            <a:r>
+              <a:rPr lang="en-US" altLang="ja-JP"/>
+              <a:t> Cookie </a:t>
+            </a:r>
+            <a:r>
+              <a:rPr lang="ja-JP" altLang="en-US"/>
+              <a:t>がブロックされると特定が困難</a:t>
+            </a:r>
+            <a:endParaRPr lang="en-US" altLang="ja-JP"/>
+          </a:p>
+        </p:txBody>
+      </p:sp>
+    </p:spTree>
+    <p:extLst>
+      <p:ext uri="{BB962C8B-B14F-4D97-AF65-F5344CB8AC3E}">
+        <p14:creationId xmlns:p14="http://schemas.microsoft.com/office/powerpoint/2010/main" val="1108704695"/>
+      </p:ext>
+    </p:extLst>
+  </p:cSld>
+  <p:clrMapOvr>
+    <a:masterClrMapping/>
+  </p:clrMapOvr>
+  <mc:AlternateContent xmlns:mc="http://schemas.openxmlformats.org/markup-compatibility/2006">
+    <mc:Choice xmlns:p14="http://schemas.microsoft.com/office/powerpoint/2010/main" Requires="p14">
+      <p:transition spd="slow" p14:dur="2000"/>
+    </mc:Choice>
+    <mc:Fallback>
+      <p:transition spd="slow"/>
+    </mc:Fallback>
+  </mc:AlternateContent>
+  <p:timing>
+    <p:tnLst>
+      <p:par>
+        <p:cTn id="1" dur="indefinite" restart="never" nodeType="tmRoot"/>
+      </p:par>
+    </p:tnLst>
+  </p:timing>
+</p:sld>
+</file>
+
 <file path=ppt/theme/theme1.xml><?xml version="1.0" encoding="utf-8"?>
 <a:theme xmlns:a="http://schemas.openxmlformats.org/drawingml/2006/main" name="ホワイト">
   <a:themeElements>
